--- a/파이썬기초(PPT)/파이썬 기초 1강_강의소개.pptx
+++ b/파이썬기초(PPT)/파이썬 기초 1강_강의소개.pptx
@@ -120,6 +120,22 @@
       </a:defRPr>
     </a:lvl9pPr>
   </p:defaultTextStyle>
+  <p:extLst>
+    <p:ext uri="{EFAFB233-063F-42B5-8137-9DF3F51BA10A}">
+      <p15:sldGuideLst xmlns:p15="http://schemas.microsoft.com/office/powerpoint/2012/main">
+        <p15:guide id="1" orient="horz" pos="2160">
+          <p15:clr>
+            <a:srgbClr val="A4A3A4"/>
+          </p15:clr>
+        </p15:guide>
+        <p15:guide id="2" pos="2880">
+          <p15:clr>
+            <a:srgbClr val="A4A3A4"/>
+          </p15:clr>
+        </p15:guide>
+      </p15:sldGuideLst>
+    </p:ext>
+  </p:extLst>
 </p:presentation>
 </file>
 
@@ -161,10 +177,9 @@
           <a:lstStyle/>
           <a:p>
             <a:r>
-              <a:rPr lang="ko-KR" altLang="en-US" smtClean="0"/>
+              <a:rPr lang="ko-KR" altLang="en-US"/>
               <a:t>마스터 제목 스타일 편집</a:t>
             </a:r>
-            <a:endParaRPr lang="ko-KR" altLang="en-US"/>
           </a:p>
         </p:txBody>
       </p:sp>
@@ -280,10 +295,9 @@
           </a:lstStyle>
           <a:p>
             <a:r>
-              <a:rPr lang="ko-KR" altLang="en-US" smtClean="0"/>
+              <a:rPr lang="ko-KR" altLang="en-US"/>
               <a:t>마스터 부제목 스타일 편집</a:t>
             </a:r>
-            <a:endParaRPr lang="ko-KR" altLang="en-US"/>
           </a:p>
         </p:txBody>
       </p:sp>
@@ -304,7 +318,7 @@
           <a:p>
             <a:fld id="{FB30EDBD-1C2D-4C1E-B459-B60219FAB484}" type="datetimeFigureOut">
               <a:rPr lang="ko-KR" altLang="en-US" smtClean="0"/>
-              <a:t>2020-10-17</a:t>
+              <a:t>2020-10-31</a:t>
             </a:fld>
             <a:endParaRPr lang="ko-KR" altLang="en-US"/>
           </a:p>
@@ -393,10 +407,9 @@
           <a:lstStyle/>
           <a:p>
             <a:r>
-              <a:rPr lang="ko-KR" altLang="en-US" smtClean="0"/>
+              <a:rPr lang="ko-KR" altLang="en-US"/>
               <a:t>마스터 제목 스타일 편집</a:t>
             </a:r>
-            <a:endParaRPr lang="ko-KR" altLang="en-US"/>
           </a:p>
         </p:txBody>
       </p:sp>
@@ -417,38 +430,37 @@
           <a:p>
             <a:pPr lvl="0"/>
             <a:r>
-              <a:rPr lang="ko-KR" altLang="en-US" smtClean="0"/>
+              <a:rPr lang="ko-KR" altLang="en-US"/>
               <a:t>마스터 텍스트 스타일을 편집합니다</a:t>
             </a:r>
           </a:p>
           <a:p>
             <a:pPr lvl="1"/>
             <a:r>
-              <a:rPr lang="ko-KR" altLang="en-US" smtClean="0"/>
+              <a:rPr lang="ko-KR" altLang="en-US"/>
               <a:t>둘째 수준</a:t>
             </a:r>
           </a:p>
           <a:p>
             <a:pPr lvl="2"/>
             <a:r>
-              <a:rPr lang="ko-KR" altLang="en-US" smtClean="0"/>
+              <a:rPr lang="ko-KR" altLang="en-US"/>
               <a:t>셋째 수준</a:t>
             </a:r>
           </a:p>
           <a:p>
             <a:pPr lvl="3"/>
             <a:r>
-              <a:rPr lang="ko-KR" altLang="en-US" smtClean="0"/>
+              <a:rPr lang="ko-KR" altLang="en-US"/>
               <a:t>넷째 수준</a:t>
             </a:r>
           </a:p>
           <a:p>
             <a:pPr lvl="4"/>
             <a:r>
-              <a:rPr lang="ko-KR" altLang="en-US" smtClean="0"/>
+              <a:rPr lang="ko-KR" altLang="en-US"/>
               <a:t>다섯째 수준</a:t>
             </a:r>
-            <a:endParaRPr lang="ko-KR" altLang="en-US"/>
           </a:p>
         </p:txBody>
       </p:sp>
@@ -469,7 +481,7 @@
           <a:p>
             <a:fld id="{FB30EDBD-1C2D-4C1E-B459-B60219FAB484}" type="datetimeFigureOut">
               <a:rPr lang="ko-KR" altLang="en-US" smtClean="0"/>
-              <a:t>2020-10-17</a:t>
+              <a:t>2020-10-31</a:t>
             </a:fld>
             <a:endParaRPr lang="ko-KR" altLang="en-US"/>
           </a:p>
@@ -563,10 +575,9 @@
           <a:lstStyle/>
           <a:p>
             <a:r>
-              <a:rPr lang="ko-KR" altLang="en-US" smtClean="0"/>
+              <a:rPr lang="ko-KR" altLang="en-US"/>
               <a:t>마스터 제목 스타일 편집</a:t>
             </a:r>
-            <a:endParaRPr lang="ko-KR" altLang="en-US"/>
           </a:p>
         </p:txBody>
       </p:sp>
@@ -592,38 +603,37 @@
           <a:p>
             <a:pPr lvl="0"/>
             <a:r>
-              <a:rPr lang="ko-KR" altLang="en-US" smtClean="0"/>
+              <a:rPr lang="ko-KR" altLang="en-US"/>
               <a:t>마스터 텍스트 스타일을 편집합니다</a:t>
             </a:r>
           </a:p>
           <a:p>
             <a:pPr lvl="1"/>
             <a:r>
-              <a:rPr lang="ko-KR" altLang="en-US" smtClean="0"/>
+              <a:rPr lang="ko-KR" altLang="en-US"/>
               <a:t>둘째 수준</a:t>
             </a:r>
           </a:p>
           <a:p>
             <a:pPr lvl="2"/>
             <a:r>
-              <a:rPr lang="ko-KR" altLang="en-US" smtClean="0"/>
+              <a:rPr lang="ko-KR" altLang="en-US"/>
               <a:t>셋째 수준</a:t>
             </a:r>
           </a:p>
           <a:p>
             <a:pPr lvl="3"/>
             <a:r>
-              <a:rPr lang="ko-KR" altLang="en-US" smtClean="0"/>
+              <a:rPr lang="ko-KR" altLang="en-US"/>
               <a:t>넷째 수준</a:t>
             </a:r>
           </a:p>
           <a:p>
             <a:pPr lvl="4"/>
             <a:r>
-              <a:rPr lang="ko-KR" altLang="en-US" smtClean="0"/>
+              <a:rPr lang="ko-KR" altLang="en-US"/>
               <a:t>다섯째 수준</a:t>
             </a:r>
-            <a:endParaRPr lang="ko-KR" altLang="en-US"/>
           </a:p>
         </p:txBody>
       </p:sp>
@@ -644,7 +654,7 @@
           <a:p>
             <a:fld id="{FB30EDBD-1C2D-4C1E-B459-B60219FAB484}" type="datetimeFigureOut">
               <a:rPr lang="ko-KR" altLang="en-US" smtClean="0"/>
-              <a:t>2020-10-17</a:t>
+              <a:t>2020-10-31</a:t>
             </a:fld>
             <a:endParaRPr lang="ko-KR" altLang="en-US"/>
           </a:p>
@@ -733,10 +743,9 @@
           <a:lstStyle/>
           <a:p>
             <a:r>
-              <a:rPr lang="ko-KR" altLang="en-US" smtClean="0"/>
+              <a:rPr lang="ko-KR" altLang="en-US"/>
               <a:t>마스터 제목 스타일 편집</a:t>
             </a:r>
-            <a:endParaRPr lang="ko-KR" altLang="en-US"/>
           </a:p>
         </p:txBody>
       </p:sp>
@@ -757,38 +766,37 @@
           <a:p>
             <a:pPr lvl="0"/>
             <a:r>
-              <a:rPr lang="ko-KR" altLang="en-US" smtClean="0"/>
+              <a:rPr lang="ko-KR" altLang="en-US"/>
               <a:t>마스터 텍스트 스타일을 편집합니다</a:t>
             </a:r>
           </a:p>
           <a:p>
             <a:pPr lvl="1"/>
             <a:r>
-              <a:rPr lang="ko-KR" altLang="en-US" smtClean="0"/>
+              <a:rPr lang="ko-KR" altLang="en-US"/>
               <a:t>둘째 수준</a:t>
             </a:r>
           </a:p>
           <a:p>
             <a:pPr lvl="2"/>
             <a:r>
-              <a:rPr lang="ko-KR" altLang="en-US" smtClean="0"/>
+              <a:rPr lang="ko-KR" altLang="en-US"/>
               <a:t>셋째 수준</a:t>
             </a:r>
           </a:p>
           <a:p>
             <a:pPr lvl="3"/>
             <a:r>
-              <a:rPr lang="ko-KR" altLang="en-US" smtClean="0"/>
+              <a:rPr lang="ko-KR" altLang="en-US"/>
               <a:t>넷째 수준</a:t>
             </a:r>
           </a:p>
           <a:p>
             <a:pPr lvl="4"/>
             <a:r>
-              <a:rPr lang="ko-KR" altLang="en-US" smtClean="0"/>
+              <a:rPr lang="ko-KR" altLang="en-US"/>
               <a:t>다섯째 수준</a:t>
             </a:r>
-            <a:endParaRPr lang="ko-KR" altLang="en-US"/>
           </a:p>
         </p:txBody>
       </p:sp>
@@ -809,7 +817,7 @@
           <a:p>
             <a:fld id="{FB30EDBD-1C2D-4C1E-B459-B60219FAB484}" type="datetimeFigureOut">
               <a:rPr lang="ko-KR" altLang="en-US" smtClean="0"/>
-              <a:t>2020-10-17</a:t>
+              <a:t>2020-10-31</a:t>
             </a:fld>
             <a:endParaRPr lang="ko-KR" altLang="en-US"/>
           </a:p>
@@ -907,10 +915,9 @@
           </a:lstStyle>
           <a:p>
             <a:r>
-              <a:rPr lang="ko-KR" altLang="en-US" smtClean="0"/>
+              <a:rPr lang="ko-KR" altLang="en-US"/>
               <a:t>마스터 제목 스타일 편집</a:t>
             </a:r>
-            <a:endParaRPr lang="ko-KR" altLang="en-US"/>
           </a:p>
         </p:txBody>
       </p:sp>
@@ -1027,7 +1034,7 @@
           <a:p>
             <a:pPr lvl="0"/>
             <a:r>
-              <a:rPr lang="ko-KR" altLang="en-US" smtClean="0"/>
+              <a:rPr lang="ko-KR" altLang="en-US"/>
               <a:t>마스터 텍스트 스타일을 편집합니다</a:t>
             </a:r>
           </a:p>
@@ -1050,7 +1057,7 @@
           <a:p>
             <a:fld id="{FB30EDBD-1C2D-4C1E-B459-B60219FAB484}" type="datetimeFigureOut">
               <a:rPr lang="ko-KR" altLang="en-US" smtClean="0"/>
-              <a:t>2020-10-17</a:t>
+              <a:t>2020-10-31</a:t>
             </a:fld>
             <a:endParaRPr lang="ko-KR" altLang="en-US"/>
           </a:p>
@@ -1139,10 +1146,9 @@
           <a:lstStyle/>
           <a:p>
             <a:r>
-              <a:rPr lang="ko-KR" altLang="en-US" smtClean="0"/>
+              <a:rPr lang="ko-KR" altLang="en-US"/>
               <a:t>마스터 제목 스타일 편집</a:t>
             </a:r>
-            <a:endParaRPr lang="ko-KR" altLang="en-US"/>
           </a:p>
         </p:txBody>
       </p:sp>
@@ -1196,38 +1202,37 @@
           <a:p>
             <a:pPr lvl="0"/>
             <a:r>
-              <a:rPr lang="ko-KR" altLang="en-US" smtClean="0"/>
+              <a:rPr lang="ko-KR" altLang="en-US"/>
               <a:t>마스터 텍스트 스타일을 편집합니다</a:t>
             </a:r>
           </a:p>
           <a:p>
             <a:pPr lvl="1"/>
             <a:r>
-              <a:rPr lang="ko-KR" altLang="en-US" smtClean="0"/>
+              <a:rPr lang="ko-KR" altLang="en-US"/>
               <a:t>둘째 수준</a:t>
             </a:r>
           </a:p>
           <a:p>
             <a:pPr lvl="2"/>
             <a:r>
-              <a:rPr lang="ko-KR" altLang="en-US" smtClean="0"/>
+              <a:rPr lang="ko-KR" altLang="en-US"/>
               <a:t>셋째 수준</a:t>
             </a:r>
           </a:p>
           <a:p>
             <a:pPr lvl="3"/>
             <a:r>
-              <a:rPr lang="ko-KR" altLang="en-US" smtClean="0"/>
+              <a:rPr lang="ko-KR" altLang="en-US"/>
               <a:t>넷째 수준</a:t>
             </a:r>
           </a:p>
           <a:p>
             <a:pPr lvl="4"/>
             <a:r>
-              <a:rPr lang="ko-KR" altLang="en-US" smtClean="0"/>
+              <a:rPr lang="ko-KR" altLang="en-US"/>
               <a:t>다섯째 수준</a:t>
             </a:r>
-            <a:endParaRPr lang="ko-KR" altLang="en-US"/>
           </a:p>
         </p:txBody>
       </p:sp>
@@ -1281,38 +1286,37 @@
           <a:p>
             <a:pPr lvl="0"/>
             <a:r>
-              <a:rPr lang="ko-KR" altLang="en-US" smtClean="0"/>
+              <a:rPr lang="ko-KR" altLang="en-US"/>
               <a:t>마스터 텍스트 스타일을 편집합니다</a:t>
             </a:r>
           </a:p>
           <a:p>
             <a:pPr lvl="1"/>
             <a:r>
-              <a:rPr lang="ko-KR" altLang="en-US" smtClean="0"/>
+              <a:rPr lang="ko-KR" altLang="en-US"/>
               <a:t>둘째 수준</a:t>
             </a:r>
           </a:p>
           <a:p>
             <a:pPr lvl="2"/>
             <a:r>
-              <a:rPr lang="ko-KR" altLang="en-US" smtClean="0"/>
+              <a:rPr lang="ko-KR" altLang="en-US"/>
               <a:t>셋째 수준</a:t>
             </a:r>
           </a:p>
           <a:p>
             <a:pPr lvl="3"/>
             <a:r>
-              <a:rPr lang="ko-KR" altLang="en-US" smtClean="0"/>
+              <a:rPr lang="ko-KR" altLang="en-US"/>
               <a:t>넷째 수준</a:t>
             </a:r>
           </a:p>
           <a:p>
             <a:pPr lvl="4"/>
             <a:r>
-              <a:rPr lang="ko-KR" altLang="en-US" smtClean="0"/>
+              <a:rPr lang="ko-KR" altLang="en-US"/>
               <a:t>다섯째 수준</a:t>
             </a:r>
-            <a:endParaRPr lang="ko-KR" altLang="en-US"/>
           </a:p>
         </p:txBody>
       </p:sp>
@@ -1333,7 +1337,7 @@
           <a:p>
             <a:fld id="{FB30EDBD-1C2D-4C1E-B459-B60219FAB484}" type="datetimeFigureOut">
               <a:rPr lang="ko-KR" altLang="en-US" smtClean="0"/>
-              <a:t>2020-10-17</a:t>
+              <a:t>2020-10-31</a:t>
             </a:fld>
             <a:endParaRPr lang="ko-KR" altLang="en-US"/>
           </a:p>
@@ -1426,10 +1430,9 @@
           </a:lstStyle>
           <a:p>
             <a:r>
-              <a:rPr lang="ko-KR" altLang="en-US" smtClean="0"/>
+              <a:rPr lang="ko-KR" altLang="en-US"/>
               <a:t>마스터 제목 스타일 편집</a:t>
             </a:r>
-            <a:endParaRPr lang="ko-KR" altLang="en-US"/>
           </a:p>
         </p:txBody>
       </p:sp>
@@ -1492,7 +1495,7 @@
           <a:p>
             <a:pPr lvl="0"/>
             <a:r>
-              <a:rPr lang="ko-KR" altLang="en-US" smtClean="0"/>
+              <a:rPr lang="ko-KR" altLang="en-US"/>
               <a:t>마스터 텍스트 스타일을 편집합니다</a:t>
             </a:r>
           </a:p>
@@ -1548,38 +1551,37 @@
           <a:p>
             <a:pPr lvl="0"/>
             <a:r>
-              <a:rPr lang="ko-KR" altLang="en-US" smtClean="0"/>
+              <a:rPr lang="ko-KR" altLang="en-US"/>
               <a:t>마스터 텍스트 스타일을 편집합니다</a:t>
             </a:r>
           </a:p>
           <a:p>
             <a:pPr lvl="1"/>
             <a:r>
-              <a:rPr lang="ko-KR" altLang="en-US" smtClean="0"/>
+              <a:rPr lang="ko-KR" altLang="en-US"/>
               <a:t>둘째 수준</a:t>
             </a:r>
           </a:p>
           <a:p>
             <a:pPr lvl="2"/>
             <a:r>
-              <a:rPr lang="ko-KR" altLang="en-US" smtClean="0"/>
+              <a:rPr lang="ko-KR" altLang="en-US"/>
               <a:t>셋째 수준</a:t>
             </a:r>
           </a:p>
           <a:p>
             <a:pPr lvl="3"/>
             <a:r>
-              <a:rPr lang="ko-KR" altLang="en-US" smtClean="0"/>
+              <a:rPr lang="ko-KR" altLang="en-US"/>
               <a:t>넷째 수준</a:t>
             </a:r>
           </a:p>
           <a:p>
             <a:pPr lvl="4"/>
             <a:r>
-              <a:rPr lang="ko-KR" altLang="en-US" smtClean="0"/>
+              <a:rPr lang="ko-KR" altLang="en-US"/>
               <a:t>다섯째 수준</a:t>
             </a:r>
-            <a:endParaRPr lang="ko-KR" altLang="en-US"/>
           </a:p>
         </p:txBody>
       </p:sp>
@@ -1642,7 +1644,7 @@
           <a:p>
             <a:pPr lvl="0"/>
             <a:r>
-              <a:rPr lang="ko-KR" altLang="en-US" smtClean="0"/>
+              <a:rPr lang="ko-KR" altLang="en-US"/>
               <a:t>마스터 텍스트 스타일을 편집합니다</a:t>
             </a:r>
           </a:p>
@@ -1698,38 +1700,37 @@
           <a:p>
             <a:pPr lvl="0"/>
             <a:r>
-              <a:rPr lang="ko-KR" altLang="en-US" smtClean="0"/>
+              <a:rPr lang="ko-KR" altLang="en-US"/>
               <a:t>마스터 텍스트 스타일을 편집합니다</a:t>
             </a:r>
           </a:p>
           <a:p>
             <a:pPr lvl="1"/>
             <a:r>
-              <a:rPr lang="ko-KR" altLang="en-US" smtClean="0"/>
+              <a:rPr lang="ko-KR" altLang="en-US"/>
               <a:t>둘째 수준</a:t>
             </a:r>
           </a:p>
           <a:p>
             <a:pPr lvl="2"/>
             <a:r>
-              <a:rPr lang="ko-KR" altLang="en-US" smtClean="0"/>
+              <a:rPr lang="ko-KR" altLang="en-US"/>
               <a:t>셋째 수준</a:t>
             </a:r>
           </a:p>
           <a:p>
             <a:pPr lvl="3"/>
             <a:r>
-              <a:rPr lang="ko-KR" altLang="en-US" smtClean="0"/>
+              <a:rPr lang="ko-KR" altLang="en-US"/>
               <a:t>넷째 수준</a:t>
             </a:r>
           </a:p>
           <a:p>
             <a:pPr lvl="4"/>
             <a:r>
-              <a:rPr lang="ko-KR" altLang="en-US" smtClean="0"/>
+              <a:rPr lang="ko-KR" altLang="en-US"/>
               <a:t>다섯째 수준</a:t>
             </a:r>
-            <a:endParaRPr lang="ko-KR" altLang="en-US"/>
           </a:p>
         </p:txBody>
       </p:sp>
@@ -1750,7 +1751,7 @@
           <a:p>
             <a:fld id="{FB30EDBD-1C2D-4C1E-B459-B60219FAB484}" type="datetimeFigureOut">
               <a:rPr lang="ko-KR" altLang="en-US" smtClean="0"/>
-              <a:t>2020-10-17</a:t>
+              <a:t>2020-10-31</a:t>
             </a:fld>
             <a:endParaRPr lang="ko-KR" altLang="en-US"/>
           </a:p>
@@ -1839,10 +1840,9 @@
           <a:lstStyle/>
           <a:p>
             <a:r>
-              <a:rPr lang="ko-KR" altLang="en-US" smtClean="0"/>
+              <a:rPr lang="ko-KR" altLang="en-US"/>
               <a:t>마스터 제목 스타일 편집</a:t>
             </a:r>
-            <a:endParaRPr lang="ko-KR" altLang="en-US"/>
           </a:p>
         </p:txBody>
       </p:sp>
@@ -1863,7 +1863,7 @@
           <a:p>
             <a:fld id="{FB30EDBD-1C2D-4C1E-B459-B60219FAB484}" type="datetimeFigureOut">
               <a:rPr lang="ko-KR" altLang="en-US" smtClean="0"/>
-              <a:t>2020-10-17</a:t>
+              <a:t>2020-10-31</a:t>
             </a:fld>
             <a:endParaRPr lang="ko-KR" altLang="en-US"/>
           </a:p>
@@ -1953,7 +1953,7 @@
           <a:p>
             <a:fld id="{FB30EDBD-1C2D-4C1E-B459-B60219FAB484}" type="datetimeFigureOut">
               <a:rPr lang="ko-KR" altLang="en-US" smtClean="0"/>
-              <a:t>2020-10-17</a:t>
+              <a:t>2020-10-31</a:t>
             </a:fld>
             <a:endParaRPr lang="ko-KR" altLang="en-US"/>
           </a:p>
@@ -2051,10 +2051,9 @@
           </a:lstStyle>
           <a:p>
             <a:r>
-              <a:rPr lang="ko-KR" altLang="en-US" smtClean="0"/>
+              <a:rPr lang="ko-KR" altLang="en-US"/>
               <a:t>마스터 제목 스타일 편집</a:t>
             </a:r>
-            <a:endParaRPr lang="ko-KR" altLang="en-US"/>
           </a:p>
         </p:txBody>
       </p:sp>
@@ -2108,38 +2107,37 @@
           <a:p>
             <a:pPr lvl="0"/>
             <a:r>
-              <a:rPr lang="ko-KR" altLang="en-US" smtClean="0"/>
+              <a:rPr lang="ko-KR" altLang="en-US"/>
               <a:t>마스터 텍스트 스타일을 편집합니다</a:t>
             </a:r>
           </a:p>
           <a:p>
             <a:pPr lvl="1"/>
             <a:r>
-              <a:rPr lang="ko-KR" altLang="en-US" smtClean="0"/>
+              <a:rPr lang="ko-KR" altLang="en-US"/>
               <a:t>둘째 수준</a:t>
             </a:r>
           </a:p>
           <a:p>
             <a:pPr lvl="2"/>
             <a:r>
-              <a:rPr lang="ko-KR" altLang="en-US" smtClean="0"/>
+              <a:rPr lang="ko-KR" altLang="en-US"/>
               <a:t>셋째 수준</a:t>
             </a:r>
           </a:p>
           <a:p>
             <a:pPr lvl="3"/>
             <a:r>
-              <a:rPr lang="ko-KR" altLang="en-US" smtClean="0"/>
+              <a:rPr lang="ko-KR" altLang="en-US"/>
               <a:t>넷째 수준</a:t>
             </a:r>
           </a:p>
           <a:p>
             <a:pPr lvl="4"/>
             <a:r>
-              <a:rPr lang="ko-KR" altLang="en-US" smtClean="0"/>
+              <a:rPr lang="ko-KR" altLang="en-US"/>
               <a:t>다섯째 수준</a:t>
             </a:r>
-            <a:endParaRPr lang="ko-KR" altLang="en-US"/>
           </a:p>
         </p:txBody>
       </p:sp>
@@ -2202,7 +2200,7 @@
           <a:p>
             <a:pPr lvl="0"/>
             <a:r>
-              <a:rPr lang="ko-KR" altLang="en-US" smtClean="0"/>
+              <a:rPr lang="ko-KR" altLang="en-US"/>
               <a:t>마스터 텍스트 스타일을 편집합니다</a:t>
             </a:r>
           </a:p>
@@ -2225,7 +2223,7 @@
           <a:p>
             <a:fld id="{FB30EDBD-1C2D-4C1E-B459-B60219FAB484}" type="datetimeFigureOut">
               <a:rPr lang="ko-KR" altLang="en-US" smtClean="0"/>
-              <a:t>2020-10-17</a:t>
+              <a:t>2020-10-31</a:t>
             </a:fld>
             <a:endParaRPr lang="ko-KR" altLang="en-US"/>
           </a:p>
@@ -2323,10 +2321,9 @@
           </a:lstStyle>
           <a:p>
             <a:r>
-              <a:rPr lang="ko-KR" altLang="en-US" smtClean="0"/>
+              <a:rPr lang="ko-KR" altLang="en-US"/>
               <a:t>마스터 제목 스타일 편집</a:t>
             </a:r>
-            <a:endParaRPr lang="ko-KR" altLang="en-US"/>
           </a:p>
         </p:txBody>
       </p:sp>
@@ -2450,7 +2447,7 @@
           <a:p>
             <a:pPr lvl="0"/>
             <a:r>
-              <a:rPr lang="ko-KR" altLang="en-US" smtClean="0"/>
+              <a:rPr lang="ko-KR" altLang="en-US"/>
               <a:t>마스터 텍스트 스타일을 편집합니다</a:t>
             </a:r>
           </a:p>
@@ -2473,7 +2470,7 @@
           <a:p>
             <a:fld id="{FB30EDBD-1C2D-4C1E-B459-B60219FAB484}" type="datetimeFigureOut">
               <a:rPr lang="ko-KR" altLang="en-US" smtClean="0"/>
-              <a:t>2020-10-17</a:t>
+              <a:t>2020-10-31</a:t>
             </a:fld>
             <a:endParaRPr lang="ko-KR" altLang="en-US"/>
           </a:p>
@@ -2577,10 +2574,9 @@
           <a:lstStyle/>
           <a:p>
             <a:r>
-              <a:rPr lang="ko-KR" altLang="en-US" smtClean="0"/>
+              <a:rPr lang="ko-KR" altLang="en-US"/>
               <a:t>마스터 제목 스타일 편집</a:t>
             </a:r>
-            <a:endParaRPr lang="ko-KR" altLang="en-US"/>
           </a:p>
         </p:txBody>
       </p:sp>
@@ -2611,38 +2607,37 @@
           <a:p>
             <a:pPr lvl="0"/>
             <a:r>
-              <a:rPr lang="ko-KR" altLang="en-US" smtClean="0"/>
+              <a:rPr lang="ko-KR" altLang="en-US"/>
               <a:t>마스터 텍스트 스타일을 편집합니다</a:t>
             </a:r>
           </a:p>
           <a:p>
             <a:pPr lvl="1"/>
             <a:r>
-              <a:rPr lang="ko-KR" altLang="en-US" smtClean="0"/>
+              <a:rPr lang="ko-KR" altLang="en-US"/>
               <a:t>둘째 수준</a:t>
             </a:r>
           </a:p>
           <a:p>
             <a:pPr lvl="2"/>
             <a:r>
-              <a:rPr lang="ko-KR" altLang="en-US" smtClean="0"/>
+              <a:rPr lang="ko-KR" altLang="en-US"/>
               <a:t>셋째 수준</a:t>
             </a:r>
           </a:p>
           <a:p>
             <a:pPr lvl="3"/>
             <a:r>
-              <a:rPr lang="ko-KR" altLang="en-US" smtClean="0"/>
+              <a:rPr lang="ko-KR" altLang="en-US"/>
               <a:t>넷째 수준</a:t>
             </a:r>
           </a:p>
           <a:p>
             <a:pPr lvl="4"/>
             <a:r>
-              <a:rPr lang="ko-KR" altLang="en-US" smtClean="0"/>
+              <a:rPr lang="ko-KR" altLang="en-US"/>
               <a:t>다섯째 수준</a:t>
             </a:r>
-            <a:endParaRPr lang="ko-KR" altLang="en-US"/>
           </a:p>
         </p:txBody>
       </p:sp>
@@ -2681,7 +2676,7 @@
           <a:p>
             <a:fld id="{FB30EDBD-1C2D-4C1E-B459-B60219FAB484}" type="datetimeFigureOut">
               <a:rPr lang="ko-KR" altLang="en-US" smtClean="0"/>
-              <a:t>2020-10-17</a:t>
+              <a:t>2020-10-31</a:t>
             </a:fld>
             <a:endParaRPr lang="ko-KR" altLang="en-US"/>
           </a:p>
@@ -3077,7 +3072,7 @@
           <a:lstStyle/>
           <a:p>
             <a:r>
-              <a:rPr lang="en-US" altLang="ko-KR" sz="2800" dirty="0" smtClean="0">
+              <a:rPr lang="en-US" altLang="ko-KR" sz="2800" dirty="0">
                 <a:solidFill>
                   <a:schemeClr val="bg1"/>
                 </a:solidFill>
@@ -3086,37 +3081,96 @@
               </a:rPr>
               <a:t>Python Language basic course</a:t>
             </a:r>
-            <a:r>
-              <a:rPr lang="en-US" altLang="ko-KR" sz="2800" dirty="0" smtClean="0">
+            <a:br>
+              <a:rPr lang="en-US" altLang="ko-KR" sz="2800" dirty="0">
                 <a:solidFill>
                   <a:schemeClr val="accent5"/>
                 </a:solidFill>
                 <a:latin typeface="배달의민족 주아" pitchFamily="18" charset="-127"/>
                 <a:ea typeface="배달의민족 주아" pitchFamily="18" charset="-127"/>
               </a:rPr>
-              <a:t/>
-            </a:r>
+            </a:br>
             <a:br>
-              <a:rPr lang="en-US" altLang="ko-KR" sz="2800" dirty="0" smtClean="0">
-                <a:solidFill>
-                  <a:schemeClr val="accent5"/>
+              <a:rPr lang="en-US" altLang="ko-KR" dirty="0">
+                <a:solidFill>
+                  <a:schemeClr val="bg1"/>
                 </a:solidFill>
                 <a:latin typeface="배달의민족 주아" pitchFamily="18" charset="-127"/>
                 <a:ea typeface="배달의민족 주아" pitchFamily="18" charset="-127"/>
               </a:rPr>
             </a:br>
             <a:r>
-              <a:rPr lang="en-US" altLang="ko-KR" dirty="0" smtClean="0">
+              <a:rPr lang="en-US" altLang="ko-KR" dirty="0">
                 <a:solidFill>
                   <a:schemeClr val="bg1"/>
                 </a:solidFill>
                 <a:latin typeface="배달의민족 주아" pitchFamily="18" charset="-127"/>
                 <a:ea typeface="배달의민족 주아" pitchFamily="18" charset="-127"/>
               </a:rPr>
-              <a:t/>
+              <a:t>     </a:t>
+            </a:r>
+            <a:r>
+              <a:rPr lang="ko-KR" altLang="en-US" dirty="0" err="1">
+                <a:solidFill>
+                  <a:schemeClr val="bg1"/>
+                </a:solidFill>
+                <a:latin typeface="배달의민족 주아" pitchFamily="18" charset="-127"/>
+                <a:ea typeface="배달의민족 주아" pitchFamily="18" charset="-127"/>
+              </a:rPr>
+              <a:t>스타트코딩</a:t>
+            </a:r>
+            <a:r>
+              <a:rPr lang="ko-KR" altLang="en-US" dirty="0">
+                <a:solidFill>
+                  <a:schemeClr val="bg1"/>
+                </a:solidFill>
+                <a:latin typeface="배달의민족 주아" pitchFamily="18" charset="-127"/>
+                <a:ea typeface="배달의민족 주아" pitchFamily="18" charset="-127"/>
+              </a:rPr>
+              <a:t> </a:t>
+            </a:r>
+            <a:r>
+              <a:rPr lang="ko-KR" altLang="en-US" dirty="0" err="1">
+                <a:solidFill>
+                  <a:schemeClr val="bg1"/>
+                </a:solidFill>
+                <a:latin typeface="배달의민족 주아" pitchFamily="18" charset="-127"/>
+                <a:ea typeface="배달의민족 주아" pitchFamily="18" charset="-127"/>
+              </a:rPr>
+              <a:t>파이썬</a:t>
+            </a:r>
+            <a:r>
+              <a:rPr lang="ko-KR" altLang="en-US" dirty="0">
+                <a:solidFill>
+                  <a:schemeClr val="bg1"/>
+                </a:solidFill>
+                <a:latin typeface="배달의민족 주아" pitchFamily="18" charset="-127"/>
+                <a:ea typeface="배달의민족 주아" pitchFamily="18" charset="-127"/>
+              </a:rPr>
+              <a:t> 입문 </a:t>
+            </a:r>
+            <a:r>
+              <a:rPr lang="en-US" altLang="ko-KR" dirty="0">
+                <a:solidFill>
+                  <a:schemeClr val="bg1"/>
+                </a:solidFill>
+                <a:latin typeface="배달의민족 주아" pitchFamily="18" charset="-127"/>
+                <a:ea typeface="배달의민족 주아" pitchFamily="18" charset="-127"/>
+              </a:rPr>
+              <a:t>1</a:t>
+            </a:r>
+            <a:r>
+              <a:rPr lang="ko-KR" altLang="en-US" dirty="0">
+                <a:solidFill>
+                  <a:schemeClr val="bg1"/>
+                </a:solidFill>
+                <a:latin typeface="배달의민족 주아" pitchFamily="18" charset="-127"/>
+                <a:ea typeface="배달의민족 주아" pitchFamily="18" charset="-127"/>
+              </a:rPr>
+              <a:t>강</a:t>
             </a:r>
             <a:br>
-              <a:rPr lang="en-US" altLang="ko-KR" dirty="0" smtClean="0">
+              <a:rPr lang="en-US" altLang="ko-KR" dirty="0">
                 <a:solidFill>
                   <a:schemeClr val="bg1"/>
                 </a:solidFill>
@@ -3125,96 +3179,7 @@
               </a:rPr>
             </a:br>
             <a:r>
-              <a:rPr lang="en-US" altLang="ko-KR" dirty="0" smtClean="0">
-                <a:solidFill>
-                  <a:schemeClr val="bg1"/>
-                </a:solidFill>
-                <a:latin typeface="배달의민족 주아" pitchFamily="18" charset="-127"/>
-                <a:ea typeface="배달의민족 주아" pitchFamily="18" charset="-127"/>
-              </a:rPr>
-              <a:t>     </a:t>
-            </a:r>
-            <a:r>
-              <a:rPr lang="ko-KR" altLang="en-US" dirty="0" err="1" smtClean="0">
-                <a:solidFill>
-                  <a:schemeClr val="bg1"/>
-                </a:solidFill>
-                <a:latin typeface="배달의민족 주아" pitchFamily="18" charset="-127"/>
-                <a:ea typeface="배달의민족 주아" pitchFamily="18" charset="-127"/>
-              </a:rPr>
-              <a:t>스타트코딩</a:t>
-            </a:r>
-            <a:r>
-              <a:rPr lang="ko-KR" altLang="en-US" dirty="0" smtClean="0">
-                <a:solidFill>
-                  <a:schemeClr val="bg1"/>
-                </a:solidFill>
-                <a:latin typeface="배달의민족 주아" pitchFamily="18" charset="-127"/>
-                <a:ea typeface="배달의민족 주아" pitchFamily="18" charset="-127"/>
-              </a:rPr>
-              <a:t> </a:t>
-            </a:r>
-            <a:r>
-              <a:rPr lang="ko-KR" altLang="en-US" dirty="0" err="1" smtClean="0">
-                <a:solidFill>
-                  <a:schemeClr val="bg1"/>
-                </a:solidFill>
-                <a:latin typeface="배달의민족 주아" pitchFamily="18" charset="-127"/>
-                <a:ea typeface="배달의민족 주아" pitchFamily="18" charset="-127"/>
-              </a:rPr>
-              <a:t>파이썬</a:t>
-            </a:r>
-            <a:r>
-              <a:rPr lang="ko-KR" altLang="en-US" dirty="0" smtClean="0">
-                <a:solidFill>
-                  <a:schemeClr val="bg1"/>
-                </a:solidFill>
-                <a:latin typeface="배달의민족 주아" pitchFamily="18" charset="-127"/>
-                <a:ea typeface="배달의민족 주아" pitchFamily="18" charset="-127"/>
-              </a:rPr>
-              <a:t> 입문 </a:t>
-            </a:r>
-            <a:r>
-              <a:rPr lang="en-US" altLang="ko-KR" dirty="0">
-                <a:solidFill>
-                  <a:schemeClr val="bg1"/>
-                </a:solidFill>
-                <a:latin typeface="배달의민족 주아" pitchFamily="18" charset="-127"/>
-                <a:ea typeface="배달의민족 주아" pitchFamily="18" charset="-127"/>
-              </a:rPr>
-              <a:t>1</a:t>
-            </a:r>
-            <a:r>
-              <a:rPr lang="ko-KR" altLang="en-US" dirty="0" smtClean="0">
-                <a:solidFill>
-                  <a:schemeClr val="bg1"/>
-                </a:solidFill>
-                <a:latin typeface="배달의민족 주아" pitchFamily="18" charset="-127"/>
-                <a:ea typeface="배달의민족 주아" pitchFamily="18" charset="-127"/>
-              </a:rPr>
-              <a:t>강</a:t>
-            </a:r>
-            <a:r>
-              <a:rPr lang="en-US" altLang="ko-KR" dirty="0">
-                <a:solidFill>
-                  <a:schemeClr val="bg1"/>
-                </a:solidFill>
-                <a:latin typeface="배달의민족 주아" pitchFamily="18" charset="-127"/>
-                <a:ea typeface="배달의민족 주아" pitchFamily="18" charset="-127"/>
-              </a:rPr>
-              <a:t/>
-            </a:r>
-            <a:br>
-              <a:rPr lang="en-US" altLang="ko-KR" dirty="0">
-                <a:solidFill>
-                  <a:schemeClr val="bg1"/>
-                </a:solidFill>
-                <a:latin typeface="배달의민족 주아" pitchFamily="18" charset="-127"/>
-                <a:ea typeface="배달의민족 주아" pitchFamily="18" charset="-127"/>
-              </a:rPr>
-            </a:br>
-            <a:r>
-              <a:rPr lang="ko-KR" altLang="en-US" dirty="0" smtClean="0">
+              <a:rPr lang="ko-KR" altLang="en-US" dirty="0">
                 <a:solidFill>
                   <a:srgbClr val="FDE035"/>
                 </a:solidFill>
@@ -3223,85 +3188,6 @@
               </a:rPr>
               <a:t>강의소개</a:t>
             </a:r>
-            <a:endParaRPr lang="ko-KR" altLang="en-US" dirty="0">
-              <a:solidFill>
-                <a:srgbClr val="FDE035"/>
-              </a:solidFill>
-              <a:latin typeface="배달의민족 주아" pitchFamily="18" charset="-127"/>
-              <a:ea typeface="배달의민족 주아" pitchFamily="18" charset="-127"/>
-            </a:endParaRPr>
-          </a:p>
-        </p:txBody>
-      </p:sp>
-      <p:sp>
-        <p:nvSpPr>
-          <p:cNvPr id="3" name="TextBox 2"/>
-          <p:cNvSpPr txBox="1"/>
-          <p:nvPr/>
-        </p:nvSpPr>
-        <p:spPr>
-          <a:xfrm>
-            <a:off x="6588224" y="6165304"/>
-            <a:ext cx="1838965" cy="369332"/>
-          </a:xfrm>
-          <a:prstGeom prst="rect">
-            <a:avLst/>
-          </a:prstGeom>
-          <a:noFill/>
-        </p:spPr>
-        <p:txBody>
-          <a:bodyPr wrap="none" rtlCol="0">
-            <a:spAutoFit/>
-          </a:bodyPr>
-          <a:lstStyle/>
-          <a:p>
-            <a:r>
-              <a:rPr lang="en-US" altLang="ko-KR" dirty="0" smtClean="0">
-                <a:solidFill>
-                  <a:srgbClr val="FDE035"/>
-                </a:solidFill>
-                <a:latin typeface="배달의민족 도현" pitchFamily="50" charset="-127"/>
-                <a:ea typeface="배달의민족 도현" pitchFamily="50" charset="-127"/>
-              </a:rPr>
-              <a:t>S</a:t>
-            </a:r>
-            <a:r>
-              <a:rPr lang="en-US" altLang="ko-KR" dirty="0" smtClean="0">
-                <a:solidFill>
-                  <a:schemeClr val="bg1"/>
-                </a:solidFill>
-                <a:latin typeface="배달의민족 도현" pitchFamily="50" charset="-127"/>
-                <a:ea typeface="배달의민족 도현" pitchFamily="50" charset="-127"/>
-              </a:rPr>
-              <a:t>TART</a:t>
-            </a:r>
-            <a:r>
-              <a:rPr lang="en-US" altLang="ko-KR" dirty="0" smtClean="0">
-                <a:solidFill>
-                  <a:srgbClr val="FDE035"/>
-                </a:solidFill>
-                <a:latin typeface="배달의민족 도현" pitchFamily="50" charset="-127"/>
-                <a:ea typeface="배달의민족 도현" pitchFamily="50" charset="-127"/>
-              </a:rPr>
-              <a:t>C</a:t>
-            </a:r>
-            <a:r>
-              <a:rPr lang="en-US" altLang="ko-KR" dirty="0" smtClean="0">
-                <a:solidFill>
-                  <a:schemeClr val="bg1"/>
-                </a:solidFill>
-                <a:latin typeface="배달의민족 도현" pitchFamily="50" charset="-127"/>
-                <a:ea typeface="배달의민족 도현" pitchFamily="50" charset="-127"/>
-              </a:rPr>
-              <a:t>ODING</a:t>
-            </a:r>
-            <a:endParaRPr lang="ko-KR" altLang="en-US" dirty="0">
-              <a:solidFill>
-                <a:schemeClr val="bg1"/>
-              </a:solidFill>
-              <a:latin typeface="배달의민족 도현" pitchFamily="50" charset="-127"/>
-              <a:ea typeface="배달의민족 도현" pitchFamily="50" charset="-127"/>
-            </a:endParaRPr>
           </a:p>
         </p:txBody>
       </p:sp>
@@ -3346,6 +3232,94 @@
           </a:extLst>
         </p:spPr>
       </p:pic>
+      <p:sp>
+        <p:nvSpPr>
+          <p:cNvPr id="5" name="TextBox 4">
+            <a:extLst>
+              <a:ext uri="{FF2B5EF4-FFF2-40B4-BE49-F238E27FC236}">
+                <a16:creationId xmlns:a16="http://schemas.microsoft.com/office/drawing/2014/main" id="{842143A5-0CAC-44F3-BCC3-68CD19206C9D}"/>
+              </a:ext>
+            </a:extLst>
+          </p:cNvPr>
+          <p:cNvSpPr txBox="1"/>
+          <p:nvPr/>
+        </p:nvSpPr>
+        <p:spPr>
+          <a:xfrm>
+            <a:off x="1867391" y="6186790"/>
+            <a:ext cx="5440913" cy="338554"/>
+          </a:xfrm>
+          <a:prstGeom prst="rect">
+            <a:avLst/>
+          </a:prstGeom>
+          <a:noFill/>
+        </p:spPr>
+        <p:txBody>
+          <a:bodyPr wrap="none" rtlCol="0">
+            <a:spAutoFit/>
+          </a:bodyPr>
+          <a:lstStyle/>
+          <a:p>
+            <a:r>
+              <a:rPr lang="en-US" altLang="ko-KR" sz="1600" dirty="0">
+                <a:solidFill>
+                  <a:schemeClr val="bg1"/>
+                </a:solidFill>
+                <a:latin typeface="배달의민족 도현" pitchFamily="50" charset="-127"/>
+                <a:ea typeface="배달의민족 도현" pitchFamily="50" charset="-127"/>
+              </a:rPr>
+              <a:t>Copyright 2020. </a:t>
+            </a:r>
+            <a:r>
+              <a:rPr lang="en-US" altLang="ko-KR" sz="1600" dirty="0">
+                <a:solidFill>
+                  <a:srgbClr val="FDE035"/>
+                </a:solidFill>
+                <a:latin typeface="배달의민족 도현" pitchFamily="50" charset="-127"/>
+                <a:ea typeface="배달의민족 도현" pitchFamily="50" charset="-127"/>
+              </a:rPr>
+              <a:t>S</a:t>
+            </a:r>
+            <a:r>
+              <a:rPr lang="en-US" altLang="ko-KR" sz="1600" dirty="0">
+                <a:solidFill>
+                  <a:schemeClr val="bg1"/>
+                </a:solidFill>
+                <a:latin typeface="배달의민족 도현" pitchFamily="50" charset="-127"/>
+                <a:ea typeface="배달의민족 도현" pitchFamily="50" charset="-127"/>
+              </a:rPr>
+              <a:t>TART</a:t>
+            </a:r>
+            <a:r>
+              <a:rPr lang="en-US" altLang="ko-KR" sz="1600" dirty="0">
+                <a:solidFill>
+                  <a:srgbClr val="FDE035"/>
+                </a:solidFill>
+                <a:latin typeface="배달의민족 도현" pitchFamily="50" charset="-127"/>
+                <a:ea typeface="배달의민족 도현" pitchFamily="50" charset="-127"/>
+              </a:rPr>
+              <a:t>C</a:t>
+            </a:r>
+            <a:r>
+              <a:rPr lang="en-US" altLang="ko-KR" sz="1600" dirty="0">
+                <a:solidFill>
+                  <a:schemeClr val="bg1"/>
+                </a:solidFill>
+                <a:latin typeface="배달의민족 도현" pitchFamily="50" charset="-127"/>
+                <a:ea typeface="배달의민족 도현" pitchFamily="50" charset="-127"/>
+              </a:rPr>
+              <a:t>ODING All rights Reserved</a:t>
+            </a:r>
+            <a:endParaRPr lang="ko-KR" altLang="en-US" sz="1600" dirty="0">
+              <a:solidFill>
+                <a:schemeClr val="bg1"/>
+              </a:solidFill>
+              <a:latin typeface="배달의민족 도현" pitchFamily="50" charset="-127"/>
+              <a:ea typeface="배달의민족 도현" pitchFamily="50" charset="-127"/>
+            </a:endParaRPr>
+          </a:p>
+        </p:txBody>
+      </p:sp>
     </p:spTree>
     <p:extLst>
       <p:ext uri="{BB962C8B-B14F-4D97-AF65-F5344CB8AC3E}">
@@ -3356,13 +3330,6 @@
   <p:clrMapOvr>
     <a:masterClrMapping/>
   </p:clrMapOvr>
-  <p:timing>
-    <p:tnLst>
-      <p:par>
-        <p:cTn id="1" dur="indefinite" restart="never" nodeType="tmRoot"/>
-      </p:par>
-    </p:tnLst>
-  </p:timing>
 </p:sld>
 </file>
 
@@ -3404,23 +3371,19 @@
           <a:lstStyle/>
           <a:p>
             <a:r>
-              <a:rPr lang="ko-KR" altLang="en-US" dirty="0" err="1" smtClean="0">
+              <a:rPr lang="ko-KR" altLang="en-US" dirty="0" err="1">
                 <a:latin typeface="배달의민족 주아" pitchFamily="18" charset="-127"/>
                 <a:ea typeface="배달의민족 주아" pitchFamily="18" charset="-127"/>
               </a:rPr>
               <a:t>파이썬</a:t>
             </a:r>
             <a:r>
-              <a:rPr lang="ko-KR" altLang="en-US" dirty="0" smtClean="0">
+              <a:rPr lang="ko-KR" altLang="en-US" dirty="0">
                 <a:latin typeface="배달의민족 주아" pitchFamily="18" charset="-127"/>
                 <a:ea typeface="배달의민족 주아" pitchFamily="18" charset="-127"/>
               </a:rPr>
               <a:t> 특징</a:t>
             </a:r>
-            <a:endParaRPr lang="ko-KR" altLang="en-US" dirty="0">
-              <a:latin typeface="배달의민족 주아" pitchFamily="18" charset="-127"/>
-              <a:ea typeface="배달의민족 주아" pitchFamily="18" charset="-127"/>
-            </a:endParaRPr>
           </a:p>
         </p:txBody>
       </p:sp>
@@ -3447,7 +3410,7 @@
           <a:lstStyle/>
           <a:p>
             <a:r>
-              <a:rPr lang="en-US" altLang="ko-KR" dirty="0" smtClean="0">
+              <a:rPr lang="en-US" altLang="ko-KR" dirty="0">
                 <a:solidFill>
                   <a:schemeClr val="accent5"/>
                 </a:solidFill>
@@ -3457,14 +3420,14 @@
               <a:t>S</a:t>
             </a:r>
             <a:r>
-              <a:rPr lang="en-US" altLang="ko-KR" dirty="0" smtClean="0">
+              <a:rPr lang="en-US" altLang="ko-KR" dirty="0">
                 <a:latin typeface="배달의민족 도현" pitchFamily="50" charset="-127"/>
                 <a:ea typeface="배달의민족 도현" pitchFamily="50" charset="-127"/>
               </a:rPr>
               <a:t>TART</a:t>
             </a:r>
             <a:r>
-              <a:rPr lang="en-US" altLang="ko-KR" dirty="0" smtClean="0">
+              <a:rPr lang="en-US" altLang="ko-KR" dirty="0">
                 <a:solidFill>
                   <a:schemeClr val="accent5"/>
                 </a:solidFill>
@@ -3474,7 +3437,7 @@
               <a:t>C</a:t>
             </a:r>
             <a:r>
-              <a:rPr lang="en-US" altLang="ko-KR" dirty="0" smtClean="0">
+              <a:rPr lang="en-US" altLang="ko-KR" dirty="0">
                 <a:latin typeface="배달의민족 도현" pitchFamily="50" charset="-127"/>
                 <a:ea typeface="배달의민족 도현" pitchFamily="50" charset="-127"/>
               </a:rPr>
@@ -3509,32 +3472,25 @@
           <a:lstStyle/>
           <a:p>
             <a:r>
-              <a:rPr lang="en-US" altLang="ko-KR" dirty="0" smtClean="0">
+              <a:rPr lang="en-US" altLang="ko-KR" dirty="0">
                 <a:latin typeface="배달의민족 주아" pitchFamily="18" charset="-127"/>
                 <a:ea typeface="배달의민족 주아" pitchFamily="18" charset="-127"/>
               </a:rPr>
               <a:t>2. </a:t>
             </a:r>
             <a:r>
-              <a:rPr lang="ko-KR" altLang="en-US" dirty="0" err="1" smtClean="0">
+              <a:rPr lang="ko-KR" altLang="en-US" dirty="0" err="1">
                 <a:latin typeface="배달의민족 주아" pitchFamily="18" charset="-127"/>
                 <a:ea typeface="배달의민족 주아" pitchFamily="18" charset="-127"/>
               </a:rPr>
               <a:t>파이썬이란</a:t>
             </a:r>
             <a:r>
-              <a:rPr lang="ko-KR" altLang="en-US" dirty="0" smtClean="0">
-                <a:latin typeface="배달의민족 주아" pitchFamily="18" charset="-127"/>
-                <a:ea typeface="배달의민족 주아" pitchFamily="18" charset="-127"/>
-              </a:rPr>
-              <a:t> </a:t>
-            </a:r>
-            <a:r>
               <a:rPr lang="ko-KR" altLang="en-US" dirty="0">
                 <a:latin typeface="배달의민족 주아" pitchFamily="18" charset="-127"/>
                 <a:ea typeface="배달의민족 주아" pitchFamily="18" charset="-127"/>
               </a:rPr>
-              <a:t>무엇인가</a:t>
+              <a:t> 무엇인가</a:t>
             </a:r>
             <a:r>
               <a:rPr lang="en-US" altLang="ko-KR" dirty="0">
@@ -3572,7 +3528,7 @@
         </p:spPr>
         <p:txBody>
           <a:bodyPr vert="horz" lIns="91440" tIns="45720" rIns="91440" bIns="45720" rtlCol="0" anchor="ctr">
-            <a:normAutofit fontScale="85000" lnSpcReduction="20000"/>
+            <a:normAutofit fontScale="77500" lnSpcReduction="20000"/>
           </a:bodyPr>
           <a:lstStyle>
             <a:lvl1pPr algn="ctr" defTabSz="914400" rtl="0" eaLnBrk="1" latinLnBrk="1" hangingPunct="1">
@@ -3593,20 +3549,20 @@
           <a:p>
             <a:pPr algn="l"/>
             <a:r>
-              <a:rPr lang="en-US" altLang="ko-KR" dirty="0" smtClean="0">
+              <a:rPr lang="en-US" altLang="ko-KR" dirty="0">
                 <a:latin typeface="배달의민족 주아" pitchFamily="18" charset="-127"/>
                 <a:ea typeface="배달의민족 주아" pitchFamily="18" charset="-127"/>
               </a:rPr>
               <a:t>1. </a:t>
             </a:r>
             <a:r>
-              <a:rPr lang="ko-KR" altLang="en-US" dirty="0" smtClean="0">
+              <a:rPr lang="ko-KR" altLang="en-US" dirty="0">
                 <a:latin typeface="배달의민족 주아" pitchFamily="18" charset="-127"/>
                 <a:ea typeface="배달의민족 주아" pitchFamily="18" charset="-127"/>
               </a:rPr>
               <a:t>초보자가 배우기 쉽다</a:t>
             </a:r>
-            <a:endParaRPr lang="en-US" altLang="ko-KR" dirty="0" smtClean="0">
+            <a:endParaRPr lang="en-US" altLang="ko-KR" dirty="0">
               <a:latin typeface="배달의민족 주아" pitchFamily="18" charset="-127"/>
               <a:ea typeface="배달의민족 주아" pitchFamily="18" charset="-127"/>
             </a:endParaRPr>
@@ -3614,35 +3570,35 @@
           <a:p>
             <a:pPr algn="l"/>
             <a:r>
-              <a:rPr lang="en-US" altLang="ko-KR" dirty="0" smtClean="0">
+              <a:rPr lang="en-US" altLang="ko-KR" dirty="0">
                 <a:latin typeface="배달의민족 주아" pitchFamily="18" charset="-127"/>
                 <a:ea typeface="배달의민족 주아" pitchFamily="18" charset="-127"/>
               </a:rPr>
               <a:t>2. </a:t>
             </a:r>
             <a:r>
-              <a:rPr lang="ko-KR" altLang="en-US" dirty="0" smtClean="0">
+              <a:rPr lang="ko-KR" altLang="en-US" dirty="0">
                 <a:latin typeface="배달의민족 주아" pitchFamily="18" charset="-127"/>
                 <a:ea typeface="배달의민족 주아" pitchFamily="18" charset="-127"/>
               </a:rPr>
               <a:t>인기가 많다 </a:t>
             </a:r>
             <a:r>
-              <a:rPr lang="en-US" altLang="ko-KR" dirty="0" smtClean="0">
+              <a:rPr lang="en-US" altLang="ko-KR" dirty="0">
                 <a:latin typeface="배달의민족 주아" pitchFamily="18" charset="-127"/>
                 <a:ea typeface="배달의민족 주아" pitchFamily="18" charset="-127"/>
               </a:rPr>
               <a:t>(</a:t>
             </a:r>
             <a:r>
-              <a:rPr lang="ko-KR" altLang="en-US" dirty="0" smtClean="0">
+              <a:rPr lang="ko-KR" altLang="en-US" dirty="0">
                 <a:latin typeface="배달의민족 주아" pitchFamily="18" charset="-127"/>
                 <a:ea typeface="배달의민족 주아" pitchFamily="18" charset="-127"/>
               </a:rPr>
               <a:t>참고할 자료가 많다</a:t>
             </a:r>
             <a:r>
-              <a:rPr lang="en-US" altLang="ko-KR" dirty="0" smtClean="0">
+              <a:rPr lang="en-US" altLang="ko-KR" dirty="0">
                 <a:latin typeface="배달의민족 주아" pitchFamily="18" charset="-127"/>
                 <a:ea typeface="배달의민족 주아" pitchFamily="18" charset="-127"/>
               </a:rPr>
@@ -3652,23 +3608,19 @@
           <a:p>
             <a:pPr algn="l"/>
             <a:r>
-              <a:rPr lang="en-US" altLang="ko-KR" dirty="0" smtClean="0">
+              <a:rPr lang="en-US" altLang="ko-KR" dirty="0">
                 <a:latin typeface="배달의민족 주아" pitchFamily="18" charset="-127"/>
                 <a:ea typeface="배달의민족 주아" pitchFamily="18" charset="-127"/>
               </a:rPr>
               <a:t>3. </a:t>
             </a:r>
             <a:r>
-              <a:rPr lang="ko-KR" altLang="en-US" dirty="0" smtClean="0">
+              <a:rPr lang="ko-KR" altLang="en-US" dirty="0">
                 <a:latin typeface="배달의민족 주아" pitchFamily="18" charset="-127"/>
                 <a:ea typeface="배달의민족 주아" pitchFamily="18" charset="-127"/>
               </a:rPr>
               <a:t>다양한 분야에 활용 될 수 있다</a:t>
             </a:r>
-            <a:endParaRPr lang="ko-KR" altLang="en-US" dirty="0">
-              <a:latin typeface="배달의민족 주아" pitchFamily="18" charset="-127"/>
-              <a:ea typeface="배달의민족 주아" pitchFamily="18" charset="-127"/>
-            </a:endParaRPr>
           </a:p>
         </p:txBody>
       </p:sp>
@@ -3812,7 +3764,7 @@
           <a:p>
             <a:pPr algn="l"/>
             <a:r>
-              <a:rPr lang="en-US" altLang="ko-KR" sz="3200" dirty="0" smtClean="0">
+              <a:rPr lang="en-US" altLang="ko-KR" sz="3200" dirty="0">
                 <a:solidFill>
                   <a:schemeClr val="accent4"/>
                 </a:solidFill>
@@ -3821,103 +3773,6 @@
                 <a:cs typeface="Consolas" pitchFamily="49" charset="0"/>
               </a:rPr>
               <a:t>#include </a:t>
-            </a:r>
-            <a:r>
-              <a:rPr lang="en-US" altLang="ko-KR" sz="3200" dirty="0" smtClean="0">
-                <a:latin typeface="Consolas" pitchFamily="49" charset="0"/>
-                <a:ea typeface="배달의민족 주아" pitchFamily="18" charset="-127"/>
-                <a:cs typeface="Consolas" pitchFamily="49" charset="0"/>
-              </a:rPr>
-              <a:t>&lt;</a:t>
-            </a:r>
-            <a:r>
-              <a:rPr lang="en-US" altLang="ko-KR" sz="3200" dirty="0" err="1" smtClean="0">
-                <a:latin typeface="Consolas" pitchFamily="49" charset="0"/>
-                <a:ea typeface="배달의민족 주아" pitchFamily="18" charset="-127"/>
-                <a:cs typeface="Consolas" pitchFamily="49" charset="0"/>
-              </a:rPr>
-              <a:t>stdio.h</a:t>
-            </a:r>
-            <a:r>
-              <a:rPr lang="en-US" altLang="ko-KR" sz="3200" dirty="0" smtClean="0">
-                <a:latin typeface="Consolas" pitchFamily="49" charset="0"/>
-                <a:ea typeface="배달의민족 주아" pitchFamily="18" charset="-127"/>
-                <a:cs typeface="Consolas" pitchFamily="49" charset="0"/>
-              </a:rPr>
-              <a:t>&gt;</a:t>
-            </a:r>
-            <a:br>
-              <a:rPr lang="en-US" altLang="ko-KR" sz="3200" dirty="0" smtClean="0">
-                <a:latin typeface="Consolas" pitchFamily="49" charset="0"/>
-                <a:ea typeface="배달의민족 주아" pitchFamily="18" charset="-127"/>
-                <a:cs typeface="Consolas" pitchFamily="49" charset="0"/>
-              </a:rPr>
-            </a:br>
-            <a:r>
-              <a:rPr lang="en-US" altLang="ko-KR" sz="3200" dirty="0" err="1" smtClean="0">
-                <a:latin typeface="Consolas" pitchFamily="49" charset="0"/>
-                <a:ea typeface="배달의민족 주아" pitchFamily="18" charset="-127"/>
-                <a:cs typeface="Consolas" pitchFamily="49" charset="0"/>
-              </a:rPr>
-              <a:t>int</a:t>
-            </a:r>
-            <a:r>
-              <a:rPr lang="en-US" altLang="ko-KR" sz="3200" dirty="0" smtClean="0">
-                <a:latin typeface="Consolas" pitchFamily="49" charset="0"/>
-                <a:ea typeface="배달의민족 주아" pitchFamily="18" charset="-127"/>
-                <a:cs typeface="Consolas" pitchFamily="49" charset="0"/>
-              </a:rPr>
-              <a:t> main (void){</a:t>
-            </a:r>
-            <a:br>
-              <a:rPr lang="en-US" altLang="ko-KR" sz="3200" dirty="0" smtClean="0">
-                <a:latin typeface="Consolas" pitchFamily="49" charset="0"/>
-                <a:ea typeface="배달의민족 주아" pitchFamily="18" charset="-127"/>
-                <a:cs typeface="Consolas" pitchFamily="49" charset="0"/>
-              </a:rPr>
-            </a:br>
-            <a:r>
-              <a:rPr lang="en-US" altLang="ko-KR" sz="3200" dirty="0" smtClean="0">
-                <a:latin typeface="Consolas" pitchFamily="49" charset="0"/>
-                <a:ea typeface="배달의민족 주아" pitchFamily="18" charset="-127"/>
-                <a:cs typeface="Consolas" pitchFamily="49" charset="0"/>
-              </a:rPr>
-              <a:t>	</a:t>
-            </a:r>
-            <a:r>
-              <a:rPr lang="en-US" altLang="ko-KR" sz="3200" dirty="0" err="1" smtClean="0">
-                <a:latin typeface="Consolas" pitchFamily="49" charset="0"/>
-                <a:ea typeface="배달의민족 주아" pitchFamily="18" charset="-127"/>
-                <a:cs typeface="Consolas" pitchFamily="49" charset="0"/>
-              </a:rPr>
-              <a:t>printf</a:t>
-            </a:r>
-            <a:r>
-              <a:rPr lang="en-US" altLang="ko-KR" sz="3200" dirty="0" smtClean="0">
-                <a:latin typeface="Consolas" pitchFamily="49" charset="0"/>
-                <a:ea typeface="배달의민족 주아" pitchFamily="18" charset="-127"/>
-                <a:cs typeface="Consolas" pitchFamily="49" charset="0"/>
-              </a:rPr>
-              <a:t>( </a:t>
-            </a:r>
-            <a:r>
-              <a:rPr lang="en-US" altLang="ko-KR" sz="3200" dirty="0" smtClean="0">
-                <a:solidFill>
-                  <a:schemeClr val="accent6"/>
-                </a:solidFill>
-                <a:latin typeface="Consolas" pitchFamily="49" charset="0"/>
-                <a:ea typeface="배달의민족 주아" pitchFamily="18" charset="-127"/>
-                <a:cs typeface="Consolas" pitchFamily="49" charset="0"/>
-              </a:rPr>
-              <a:t>“hello” </a:t>
-            </a:r>
-            <a:r>
-              <a:rPr lang="en-US" altLang="ko-KR" sz="3200" dirty="0" smtClean="0">
-                <a:latin typeface="Consolas" pitchFamily="49" charset="0"/>
-                <a:ea typeface="배달의민족 주아" pitchFamily="18" charset="-127"/>
-                <a:cs typeface="Consolas" pitchFamily="49" charset="0"/>
-              </a:rPr>
-              <a:t>);</a:t>
             </a:r>
             <a:r>
               <a:rPr lang="en-US" altLang="ko-KR" sz="3200" dirty="0">
@@ -3925,7 +3780,23 @@
                 <a:ea typeface="배달의민족 주아" pitchFamily="18" charset="-127"/>
                 <a:cs typeface="Consolas" pitchFamily="49" charset="0"/>
               </a:rPr>
-              <a:t/>
+              <a:t>&lt;</a:t>
+            </a:r>
+            <a:r>
+              <a:rPr lang="en-US" altLang="ko-KR" sz="3200" dirty="0" err="1">
+                <a:latin typeface="Consolas" pitchFamily="49" charset="0"/>
+                <a:ea typeface="배달의민족 주아" pitchFamily="18" charset="-127"/>
+                <a:cs typeface="Consolas" pitchFamily="49" charset="0"/>
+              </a:rPr>
+              <a:t>stdio.h</a:t>
+            </a:r>
+            <a:r>
+              <a:rPr lang="en-US" altLang="ko-KR" sz="3200" dirty="0">
+                <a:latin typeface="Consolas" pitchFamily="49" charset="0"/>
+                <a:ea typeface="배달의민족 주아" pitchFamily="18" charset="-127"/>
+                <a:cs typeface="Consolas" pitchFamily="49" charset="0"/>
+              </a:rPr>
+              <a:t>&gt;</a:t>
             </a:r>
             <a:br>
               <a:rPr lang="en-US" altLang="ko-KR" sz="3200" dirty="0">
@@ -3935,15 +3806,88 @@
               </a:rPr>
             </a:br>
             <a:r>
-              <a:rPr lang="en-US" altLang="ko-KR" sz="3200" dirty="0" smtClean="0">
+              <a:rPr lang="en-US" altLang="ko-KR" sz="3200" dirty="0" err="1">
                 <a:latin typeface="Consolas" pitchFamily="49" charset="0"/>
                 <a:ea typeface="배달의민족 주아" pitchFamily="18" charset="-127"/>
                 <a:cs typeface="Consolas" pitchFamily="49" charset="0"/>
               </a:rPr>
+              <a:t>int</a:t>
+            </a:r>
+            <a:r>
+              <a:rPr lang="en-US" altLang="ko-KR" sz="3200" dirty="0">
+                <a:latin typeface="Consolas" pitchFamily="49" charset="0"/>
+                <a:ea typeface="배달의민족 주아" pitchFamily="18" charset="-127"/>
+                <a:cs typeface="Consolas" pitchFamily="49" charset="0"/>
+              </a:rPr>
+              <a:t> main (void){</a:t>
+            </a:r>
+            <a:br>
+              <a:rPr lang="en-US" altLang="ko-KR" sz="3200" dirty="0">
+                <a:latin typeface="Consolas" pitchFamily="49" charset="0"/>
+                <a:ea typeface="배달의민족 주아" pitchFamily="18" charset="-127"/>
+                <a:cs typeface="Consolas" pitchFamily="49" charset="0"/>
+              </a:rPr>
+            </a:br>
+            <a:r>
+              <a:rPr lang="en-US" altLang="ko-KR" sz="3200" dirty="0">
+                <a:latin typeface="Consolas" pitchFamily="49" charset="0"/>
+                <a:ea typeface="배달의민족 주아" pitchFamily="18" charset="-127"/>
+                <a:cs typeface="Consolas" pitchFamily="49" charset="0"/>
+              </a:rPr>
+              <a:t>	</a:t>
+            </a:r>
+            <a:r>
+              <a:rPr lang="en-US" altLang="ko-KR" sz="3200" dirty="0" err="1">
+                <a:latin typeface="Consolas" pitchFamily="49" charset="0"/>
+                <a:ea typeface="배달의민족 주아" pitchFamily="18" charset="-127"/>
+                <a:cs typeface="Consolas" pitchFamily="49" charset="0"/>
+              </a:rPr>
+              <a:t>printf</a:t>
+            </a:r>
+            <a:r>
+              <a:rPr lang="en-US" altLang="ko-KR" sz="3200" dirty="0">
+                <a:latin typeface="Consolas" pitchFamily="49" charset="0"/>
+                <a:ea typeface="배달의민족 주아" pitchFamily="18" charset="-127"/>
+                <a:cs typeface="Consolas" pitchFamily="49" charset="0"/>
+              </a:rPr>
+              <a:t>( </a:t>
+            </a:r>
+            <a:r>
+              <a:rPr lang="en-US" altLang="ko-KR" sz="3200" dirty="0">
+                <a:solidFill>
+                  <a:schemeClr val="accent6"/>
+                </a:solidFill>
+                <a:latin typeface="Consolas" pitchFamily="49" charset="0"/>
+                <a:ea typeface="배달의민족 주아" pitchFamily="18" charset="-127"/>
+                <a:cs typeface="Consolas" pitchFamily="49" charset="0"/>
+              </a:rPr>
+              <a:t>“hello” </a:t>
+            </a:r>
+            <a:r>
+              <a:rPr lang="en-US" altLang="ko-KR" sz="3200" dirty="0">
+                <a:latin typeface="Consolas" pitchFamily="49" charset="0"/>
+                <a:ea typeface="배달의민족 주아" pitchFamily="18" charset="-127"/>
+                <a:cs typeface="Consolas" pitchFamily="49" charset="0"/>
+              </a:rPr>
+              <a:t>);</a:t>
+            </a:r>
+            <a:br>
+              <a:rPr lang="en-US" altLang="ko-KR" sz="3200" dirty="0">
+                <a:latin typeface="Consolas" pitchFamily="49" charset="0"/>
+                <a:ea typeface="배달의민족 주아" pitchFamily="18" charset="-127"/>
+                <a:cs typeface="Consolas" pitchFamily="49" charset="0"/>
+              </a:rPr>
+            </a:br>
+            <a:r>
+              <a:rPr lang="en-US" altLang="ko-KR" sz="3200" dirty="0">
+                <a:latin typeface="Consolas" pitchFamily="49" charset="0"/>
+                <a:ea typeface="배달의민족 주아" pitchFamily="18" charset="-127"/>
+                <a:cs typeface="Consolas" pitchFamily="49" charset="0"/>
+              </a:rPr>
               <a:t>	return 0;</a:t>
             </a:r>
             <a:br>
-              <a:rPr lang="en-US" altLang="ko-KR" sz="3200" dirty="0" smtClean="0">
+              <a:rPr lang="en-US" altLang="ko-KR" sz="3200" dirty="0">
                 <a:latin typeface="Consolas" pitchFamily="49" charset="0"/>
                 <a:ea typeface="배달의민족 주아" pitchFamily="18" charset="-127"/>
                 <a:cs typeface="Consolas" pitchFamily="49" charset="0"/>
@@ -3988,7 +3932,7 @@
           <a:lstStyle/>
           <a:p>
             <a:r>
-              <a:rPr lang="en-US" altLang="ko-KR" dirty="0" smtClean="0">
+              <a:rPr lang="en-US" altLang="ko-KR" dirty="0">
                 <a:solidFill>
                   <a:schemeClr val="accent5"/>
                 </a:solidFill>
@@ -3998,14 +3942,14 @@
               <a:t>S</a:t>
             </a:r>
             <a:r>
-              <a:rPr lang="en-US" altLang="ko-KR" dirty="0" smtClean="0">
+              <a:rPr lang="en-US" altLang="ko-KR" dirty="0">
                 <a:latin typeface="배달의민족 도현" pitchFamily="50" charset="-127"/>
                 <a:ea typeface="배달의민족 도현" pitchFamily="50" charset="-127"/>
               </a:rPr>
               <a:t>TART</a:t>
             </a:r>
             <a:r>
-              <a:rPr lang="en-US" altLang="ko-KR" dirty="0" smtClean="0">
+              <a:rPr lang="en-US" altLang="ko-KR" dirty="0">
                 <a:solidFill>
                   <a:schemeClr val="accent5"/>
                 </a:solidFill>
@@ -4015,7 +3959,7 @@
               <a:t>C</a:t>
             </a:r>
             <a:r>
-              <a:rPr lang="en-US" altLang="ko-KR" dirty="0" smtClean="0">
+              <a:rPr lang="en-US" altLang="ko-KR" dirty="0">
                 <a:latin typeface="배달의민족 도현" pitchFamily="50" charset="-127"/>
                 <a:ea typeface="배달의민족 도현" pitchFamily="50" charset="-127"/>
               </a:rPr>
@@ -4050,32 +3994,25 @@
           <a:lstStyle/>
           <a:p>
             <a:r>
-              <a:rPr lang="en-US" altLang="ko-KR" dirty="0" smtClean="0">
+              <a:rPr lang="en-US" altLang="ko-KR" dirty="0">
                 <a:latin typeface="배달의민족 주아" pitchFamily="18" charset="-127"/>
                 <a:ea typeface="배달의민족 주아" pitchFamily="18" charset="-127"/>
               </a:rPr>
               <a:t>2. </a:t>
             </a:r>
             <a:r>
-              <a:rPr lang="ko-KR" altLang="en-US" dirty="0" err="1" smtClean="0">
+              <a:rPr lang="ko-KR" altLang="en-US" dirty="0" err="1">
                 <a:latin typeface="배달의민족 주아" pitchFamily="18" charset="-127"/>
                 <a:ea typeface="배달의민족 주아" pitchFamily="18" charset="-127"/>
               </a:rPr>
               <a:t>파이썬이란</a:t>
             </a:r>
             <a:r>
-              <a:rPr lang="ko-KR" altLang="en-US" dirty="0" smtClean="0">
-                <a:latin typeface="배달의민족 주아" pitchFamily="18" charset="-127"/>
-                <a:ea typeface="배달의민족 주아" pitchFamily="18" charset="-127"/>
-              </a:rPr>
-              <a:t> </a:t>
-            </a:r>
-            <a:r>
               <a:rPr lang="ko-KR" altLang="en-US" dirty="0">
                 <a:latin typeface="배달의민족 주아" pitchFamily="18" charset="-127"/>
                 <a:ea typeface="배달의민족 주아" pitchFamily="18" charset="-127"/>
               </a:rPr>
-              <a:t>무엇인가</a:t>
+              <a:t> 무엇인가</a:t>
             </a:r>
             <a:r>
               <a:rPr lang="en-US" altLang="ko-KR" dirty="0">
@@ -4175,7 +4112,7 @@
           <a:p>
             <a:pPr algn="l"/>
             <a:r>
-              <a:rPr lang="en-US" altLang="ko-KR" sz="3200" dirty="0" smtClean="0">
+              <a:rPr lang="en-US" altLang="ko-KR" sz="3200" dirty="0">
                 <a:latin typeface="Consolas" pitchFamily="49" charset="0"/>
                 <a:ea typeface="배달의민족 주아" pitchFamily="18" charset="-127"/>
                 <a:cs typeface="Consolas" pitchFamily="49" charset="0"/>
@@ -4494,7 +4431,7 @@
           <a:lstStyle/>
           <a:p>
             <a:r>
-              <a:rPr lang="en-US" altLang="ko-KR" dirty="0" smtClean="0">
+              <a:rPr lang="en-US" altLang="ko-KR" dirty="0">
                 <a:solidFill>
                   <a:schemeClr val="accent5"/>
                 </a:solidFill>
@@ -4504,14 +4441,14 @@
               <a:t>S</a:t>
             </a:r>
             <a:r>
-              <a:rPr lang="en-US" altLang="ko-KR" dirty="0" smtClean="0">
+              <a:rPr lang="en-US" altLang="ko-KR" dirty="0">
                 <a:latin typeface="배달의민족 도현" pitchFamily="50" charset="-127"/>
                 <a:ea typeface="배달의민족 도현" pitchFamily="50" charset="-127"/>
               </a:rPr>
               <a:t>TART</a:t>
             </a:r>
             <a:r>
-              <a:rPr lang="en-US" altLang="ko-KR" dirty="0" smtClean="0">
+              <a:rPr lang="en-US" altLang="ko-KR" dirty="0">
                 <a:solidFill>
                   <a:schemeClr val="accent5"/>
                 </a:solidFill>
@@ -4521,7 +4458,7 @@
               <a:t>C</a:t>
             </a:r>
             <a:r>
-              <a:rPr lang="en-US" altLang="ko-KR" dirty="0" smtClean="0">
+              <a:rPr lang="en-US" altLang="ko-KR" dirty="0">
                 <a:latin typeface="배달의민족 도현" pitchFamily="50" charset="-127"/>
                 <a:ea typeface="배달의민족 도현" pitchFamily="50" charset="-127"/>
               </a:rPr>
@@ -4556,32 +4493,25 @@
           <a:lstStyle/>
           <a:p>
             <a:r>
-              <a:rPr lang="en-US" altLang="ko-KR" dirty="0" smtClean="0">
+              <a:rPr lang="en-US" altLang="ko-KR" dirty="0">
                 <a:latin typeface="배달의민족 주아" pitchFamily="18" charset="-127"/>
                 <a:ea typeface="배달의민족 주아" pitchFamily="18" charset="-127"/>
               </a:rPr>
               <a:t>2. </a:t>
             </a:r>
             <a:r>
-              <a:rPr lang="ko-KR" altLang="en-US" dirty="0" err="1" smtClean="0">
+              <a:rPr lang="ko-KR" altLang="en-US" dirty="0" err="1">
                 <a:latin typeface="배달의민족 주아" pitchFamily="18" charset="-127"/>
                 <a:ea typeface="배달의민족 주아" pitchFamily="18" charset="-127"/>
               </a:rPr>
               <a:t>파이썬이란</a:t>
             </a:r>
             <a:r>
-              <a:rPr lang="ko-KR" altLang="en-US" dirty="0" smtClean="0">
-                <a:latin typeface="배달의민족 주아" pitchFamily="18" charset="-127"/>
-                <a:ea typeface="배달의민족 주아" pitchFamily="18" charset="-127"/>
-              </a:rPr>
-              <a:t> </a:t>
-            </a:r>
-            <a:r>
               <a:rPr lang="ko-KR" altLang="en-US" dirty="0">
                 <a:latin typeface="배달의민족 주아" pitchFamily="18" charset="-127"/>
                 <a:ea typeface="배달의민족 주아" pitchFamily="18" charset="-127"/>
               </a:rPr>
-              <a:t>무엇인가</a:t>
+              <a:t> 무엇인가</a:t>
             </a:r>
             <a:r>
               <a:rPr lang="en-US" altLang="ko-KR" dirty="0">
@@ -4674,13 +4604,6 @@
   <p:clrMapOvr>
     <a:masterClrMapping/>
   </p:clrMapOvr>
-  <p:timing>
-    <p:tnLst>
-      <p:par>
-        <p:cTn id="1" dur="indefinite" restart="never" nodeType="tmRoot"/>
-      </p:par>
-    </p:tnLst>
-  </p:timing>
 </p:sld>
 </file>
 
@@ -4724,7 +4647,7 @@
           <a:lstStyle/>
           <a:p>
             <a:r>
-              <a:rPr lang="en-US" altLang="ko-KR" dirty="0" smtClean="0">
+              <a:rPr lang="en-US" altLang="ko-KR" dirty="0">
                 <a:solidFill>
                   <a:schemeClr val="accent5"/>
                 </a:solidFill>
@@ -4734,14 +4657,14 @@
               <a:t>S</a:t>
             </a:r>
             <a:r>
-              <a:rPr lang="en-US" altLang="ko-KR" dirty="0" smtClean="0">
+              <a:rPr lang="en-US" altLang="ko-KR" dirty="0">
                 <a:latin typeface="배달의민족 도현" pitchFamily="50" charset="-127"/>
                 <a:ea typeface="배달의민족 도현" pitchFamily="50" charset="-127"/>
               </a:rPr>
               <a:t>TART</a:t>
             </a:r>
             <a:r>
-              <a:rPr lang="en-US" altLang="ko-KR" dirty="0" smtClean="0">
+              <a:rPr lang="en-US" altLang="ko-KR" dirty="0">
                 <a:solidFill>
                   <a:schemeClr val="accent5"/>
                 </a:solidFill>
@@ -4751,7 +4674,7 @@
               <a:t>C</a:t>
             </a:r>
             <a:r>
-              <a:rPr lang="en-US" altLang="ko-KR" dirty="0" smtClean="0">
+              <a:rPr lang="en-US" altLang="ko-KR" dirty="0">
                 <a:latin typeface="배달의민족 도현" pitchFamily="50" charset="-127"/>
                 <a:ea typeface="배달의민족 도현" pitchFamily="50" charset="-127"/>
               </a:rPr>
@@ -4786,32 +4709,25 @@
           <a:lstStyle/>
           <a:p>
             <a:r>
-              <a:rPr lang="en-US" altLang="ko-KR" dirty="0" smtClean="0">
+              <a:rPr lang="en-US" altLang="ko-KR" dirty="0">
                 <a:latin typeface="배달의민족 주아" pitchFamily="18" charset="-127"/>
                 <a:ea typeface="배달의민족 주아" pitchFamily="18" charset="-127"/>
               </a:rPr>
               <a:t>2. </a:t>
             </a:r>
             <a:r>
-              <a:rPr lang="ko-KR" altLang="en-US" dirty="0" err="1" smtClean="0">
+              <a:rPr lang="ko-KR" altLang="en-US" dirty="0" err="1">
                 <a:latin typeface="배달의민족 주아" pitchFamily="18" charset="-127"/>
                 <a:ea typeface="배달의민족 주아" pitchFamily="18" charset="-127"/>
               </a:rPr>
               <a:t>파이썬이란</a:t>
             </a:r>
             <a:r>
-              <a:rPr lang="ko-KR" altLang="en-US" dirty="0" smtClean="0">
-                <a:latin typeface="배달의민족 주아" pitchFamily="18" charset="-127"/>
-                <a:ea typeface="배달의민족 주아" pitchFamily="18" charset="-127"/>
-              </a:rPr>
-              <a:t> </a:t>
-            </a:r>
-            <a:r>
               <a:rPr lang="ko-KR" altLang="en-US" dirty="0">
                 <a:latin typeface="배달의민족 주아" pitchFamily="18" charset="-127"/>
                 <a:ea typeface="배달의민족 주아" pitchFamily="18" charset="-127"/>
               </a:rPr>
-              <a:t>무엇인가</a:t>
+              <a:t> 무엇인가</a:t>
             </a:r>
             <a:r>
               <a:rPr lang="en-US" altLang="ko-KR" dirty="0">
@@ -4892,23 +4808,19 @@
           <a:lstStyle/>
           <a:p>
             <a:r>
-              <a:rPr lang="ko-KR" altLang="en-US" dirty="0" err="1" smtClean="0">
+              <a:rPr lang="ko-KR" altLang="en-US" dirty="0" err="1">
                 <a:latin typeface="배달의민족 주아" pitchFamily="18" charset="-127"/>
                 <a:ea typeface="배달의민족 주아" pitchFamily="18" charset="-127"/>
               </a:rPr>
               <a:t>파이썬이</a:t>
             </a:r>
             <a:r>
-              <a:rPr lang="ko-KR" altLang="en-US" dirty="0" smtClean="0">
+              <a:rPr lang="ko-KR" altLang="en-US" dirty="0">
                 <a:latin typeface="배달의민족 주아" pitchFamily="18" charset="-127"/>
                 <a:ea typeface="배달의민족 주아" pitchFamily="18" charset="-127"/>
               </a:rPr>
               <a:t> 활용되는 곳 </a:t>
             </a:r>
-            <a:endParaRPr lang="ko-KR" altLang="en-US" dirty="0">
-              <a:latin typeface="배달의민족 주아" pitchFamily="18" charset="-127"/>
-              <a:ea typeface="배달의민족 주아" pitchFamily="18" charset="-127"/>
-            </a:endParaRPr>
           </a:p>
         </p:txBody>
       </p:sp>
@@ -5353,7 +5265,7 @@
           <a:lstStyle/>
           <a:p>
             <a:r>
-              <a:rPr lang="en-US" altLang="ko-KR" dirty="0" smtClean="0">
+              <a:rPr lang="en-US" altLang="ko-KR" dirty="0">
                 <a:solidFill>
                   <a:schemeClr val="accent5"/>
                 </a:solidFill>
@@ -5363,14 +5275,14 @@
               <a:t>S</a:t>
             </a:r>
             <a:r>
-              <a:rPr lang="en-US" altLang="ko-KR" dirty="0" smtClean="0">
+              <a:rPr lang="en-US" altLang="ko-KR" dirty="0">
                 <a:latin typeface="배달의민족 도현" pitchFamily="50" charset="-127"/>
                 <a:ea typeface="배달의민족 도현" pitchFamily="50" charset="-127"/>
               </a:rPr>
               <a:t>TART</a:t>
             </a:r>
             <a:r>
-              <a:rPr lang="en-US" altLang="ko-KR" dirty="0" smtClean="0">
+              <a:rPr lang="en-US" altLang="ko-KR" dirty="0">
                 <a:solidFill>
                   <a:schemeClr val="accent5"/>
                 </a:solidFill>
@@ -5380,7 +5292,7 @@
               <a:t>C</a:t>
             </a:r>
             <a:r>
-              <a:rPr lang="en-US" altLang="ko-KR" dirty="0" smtClean="0">
+              <a:rPr lang="en-US" altLang="ko-KR" dirty="0">
                 <a:latin typeface="배달의민족 도현" pitchFamily="50" charset="-127"/>
                 <a:ea typeface="배달의민족 도현" pitchFamily="50" charset="-127"/>
               </a:rPr>
@@ -5415,14 +5327,14 @@
           <a:lstStyle/>
           <a:p>
             <a:r>
-              <a:rPr lang="en-US" altLang="ko-KR" dirty="0" smtClean="0">
+              <a:rPr lang="en-US" altLang="ko-KR" dirty="0">
                 <a:latin typeface="배달의민족 주아" pitchFamily="18" charset="-127"/>
                 <a:ea typeface="배달의민족 주아" pitchFamily="18" charset="-127"/>
               </a:rPr>
               <a:t>3. </a:t>
             </a:r>
             <a:r>
-              <a:rPr lang="ko-KR" altLang="en-US" dirty="0" smtClean="0">
+              <a:rPr lang="ko-KR" altLang="en-US" dirty="0">
                 <a:latin typeface="배달의민족 주아" pitchFamily="18" charset="-127"/>
                 <a:ea typeface="배달의민족 주아" pitchFamily="18" charset="-127"/>
               </a:rPr>
@@ -5453,23 +5365,19 @@
           <a:lstStyle/>
           <a:p>
             <a:r>
-              <a:rPr lang="ko-KR" altLang="en-US" dirty="0" err="1" smtClean="0">
+              <a:rPr lang="ko-KR" altLang="en-US" dirty="0" err="1">
                 <a:latin typeface="배달의민족 주아" pitchFamily="18" charset="-127"/>
                 <a:ea typeface="배달의민족 주아" pitchFamily="18" charset="-127"/>
               </a:rPr>
               <a:t>파이썬</a:t>
             </a:r>
             <a:r>
-              <a:rPr lang="ko-KR" altLang="en-US" dirty="0" smtClean="0">
+              <a:rPr lang="ko-KR" altLang="en-US" dirty="0">
                 <a:latin typeface="배달의민족 주아" pitchFamily="18" charset="-127"/>
                 <a:ea typeface="배달의민족 주아" pitchFamily="18" charset="-127"/>
               </a:rPr>
               <a:t> 설치</a:t>
             </a:r>
-            <a:endParaRPr lang="ko-KR" altLang="en-US" dirty="0">
-              <a:latin typeface="배달의민족 주아" pitchFamily="18" charset="-127"/>
-              <a:ea typeface="배달의민족 주아" pitchFamily="18" charset="-127"/>
-            </a:endParaRPr>
           </a:p>
         </p:txBody>
       </p:sp>
@@ -5562,18 +5470,12 @@
               <a:rPr lang="en-US" altLang="ko-KR" dirty="0">
                 <a:hlinkClick r:id="rId3"/>
               </a:rPr>
-              <a:t>https://www.python.org/downloads</a:t>
-            </a:r>
-            <a:r>
-              <a:rPr lang="en-US" altLang="ko-KR" dirty="0" smtClean="0">
-                <a:hlinkClick r:id="rId3"/>
-              </a:rPr>
-              <a:t>/</a:t>
-            </a:r>
-            <a:endParaRPr lang="en-US" altLang="ko-KR" dirty="0" smtClean="0"/>
-          </a:p>
-          <a:p>
-            <a:endParaRPr lang="en-US" altLang="ko-KR" dirty="0" smtClean="0"/>
+              <a:t>https://www.python.org/downloads/</a:t>
+            </a:r>
+            <a:endParaRPr lang="en-US" altLang="ko-KR" dirty="0"/>
+          </a:p>
+          <a:p>
+            <a:endParaRPr lang="en-US" altLang="ko-KR" dirty="0"/>
           </a:p>
         </p:txBody>
       </p:sp>
@@ -5650,42 +5552,18 @@
                   <a:srgbClr val="FF0000"/>
                 </a:solidFill>
               </a:rPr>
-              <a:t>Add Python </a:t>
-            </a:r>
-            <a:r>
-              <a:rPr lang="en-US" altLang="ko-KR" dirty="0" smtClean="0">
+              <a:t>Add Python 3.9 to PATH </a:t>
+            </a:r>
+            <a:r>
+              <a:rPr lang="ko-KR" altLang="en-US" dirty="0">
                 <a:solidFill>
                   <a:srgbClr val="FF0000"/>
                 </a:solidFill>
               </a:rPr>
-              <a:t>3.9 </a:t>
-            </a:r>
-            <a:r>
-              <a:rPr lang="en-US" altLang="ko-KR" dirty="0">
-                <a:solidFill>
-                  <a:srgbClr val="FF0000"/>
-                </a:solidFill>
-              </a:rPr>
-              <a:t>to </a:t>
-            </a:r>
-            <a:r>
-              <a:rPr lang="en-US" altLang="ko-KR" dirty="0" smtClean="0">
-                <a:solidFill>
-                  <a:srgbClr val="FF0000"/>
-                </a:solidFill>
-              </a:rPr>
-              <a:t>PATH </a:t>
-            </a:r>
-            <a:r>
-              <a:rPr lang="ko-KR" altLang="en-US" dirty="0" smtClean="0">
-                <a:solidFill>
-                  <a:srgbClr val="FF0000"/>
-                </a:solidFill>
-              </a:rPr>
               <a:t>꼭 체크</a:t>
             </a:r>
             <a:r>
-              <a:rPr lang="en-US" altLang="ko-KR" dirty="0" smtClean="0">
+              <a:rPr lang="en-US" altLang="ko-KR" dirty="0">
                 <a:solidFill>
                   <a:srgbClr val="FF0000"/>
                 </a:solidFill>
@@ -5710,13 +5588,6 @@
   <p:clrMapOvr>
     <a:masterClrMapping/>
   </p:clrMapOvr>
-  <p:timing>
-    <p:tnLst>
-      <p:par>
-        <p:cTn id="1" dur="indefinite" restart="never" nodeType="tmRoot"/>
-      </p:par>
-    </p:tnLst>
-  </p:timing>
 </p:sld>
 </file>
 
@@ -5760,7 +5631,7 @@
           <a:lstStyle/>
           <a:p>
             <a:r>
-              <a:rPr lang="en-US" altLang="ko-KR" dirty="0" smtClean="0">
+              <a:rPr lang="en-US" altLang="ko-KR" dirty="0">
                 <a:solidFill>
                   <a:schemeClr val="accent5"/>
                 </a:solidFill>
@@ -5770,14 +5641,14 @@
               <a:t>S</a:t>
             </a:r>
             <a:r>
-              <a:rPr lang="en-US" altLang="ko-KR" dirty="0" smtClean="0">
+              <a:rPr lang="en-US" altLang="ko-KR" dirty="0">
                 <a:latin typeface="배달의민족 도현" pitchFamily="50" charset="-127"/>
                 <a:ea typeface="배달의민족 도현" pitchFamily="50" charset="-127"/>
               </a:rPr>
               <a:t>TART</a:t>
             </a:r>
             <a:r>
-              <a:rPr lang="en-US" altLang="ko-KR" dirty="0" smtClean="0">
+              <a:rPr lang="en-US" altLang="ko-KR" dirty="0">
                 <a:solidFill>
                   <a:schemeClr val="accent5"/>
                 </a:solidFill>
@@ -5787,7 +5658,7 @@
               <a:t>C</a:t>
             </a:r>
             <a:r>
-              <a:rPr lang="en-US" altLang="ko-KR" dirty="0" smtClean="0">
+              <a:rPr lang="en-US" altLang="ko-KR" dirty="0">
                 <a:latin typeface="배달의민족 도현" pitchFamily="50" charset="-127"/>
                 <a:ea typeface="배달의민족 도현" pitchFamily="50" charset="-127"/>
               </a:rPr>
@@ -5822,14 +5693,14 @@
           <a:lstStyle/>
           <a:p>
             <a:r>
-              <a:rPr lang="en-US" altLang="ko-KR" dirty="0" smtClean="0">
+              <a:rPr lang="en-US" altLang="ko-KR" dirty="0">
                 <a:latin typeface="배달의민족 주아" pitchFamily="18" charset="-127"/>
                 <a:ea typeface="배달의민족 주아" pitchFamily="18" charset="-127"/>
               </a:rPr>
               <a:t>3. </a:t>
             </a:r>
             <a:r>
-              <a:rPr lang="ko-KR" altLang="en-US" dirty="0" smtClean="0">
+              <a:rPr lang="ko-KR" altLang="en-US" dirty="0">
                 <a:latin typeface="배달의민족 주아" pitchFamily="18" charset="-127"/>
                 <a:ea typeface="배달의민족 주아" pitchFamily="18" charset="-127"/>
               </a:rPr>
@@ -5860,30 +5731,26 @@
           <a:lstStyle/>
           <a:p>
             <a:r>
-              <a:rPr lang="ko-KR" altLang="en-US" dirty="0" smtClean="0">
+              <a:rPr lang="ko-KR" altLang="en-US" dirty="0">
                 <a:latin typeface="배달의민족 주아" pitchFamily="18" charset="-127"/>
                 <a:ea typeface="배달의민족 주아" pitchFamily="18" charset="-127"/>
               </a:rPr>
               <a:t>에디터</a:t>
             </a:r>
             <a:r>
-              <a:rPr lang="en-US" altLang="ko-KR" dirty="0" smtClean="0">
+              <a:rPr lang="en-US" altLang="ko-KR" dirty="0">
                 <a:latin typeface="배달의민족 주아" pitchFamily="18" charset="-127"/>
                 <a:ea typeface="배달의민족 주아" pitchFamily="18" charset="-127"/>
               </a:rPr>
               <a:t>(Visual Studio Code)</a:t>
             </a:r>
             <a:r>
-              <a:rPr lang="ko-KR" altLang="en-US" dirty="0" smtClean="0">
+              <a:rPr lang="ko-KR" altLang="en-US" dirty="0">
                 <a:latin typeface="배달의민족 주아" pitchFamily="18" charset="-127"/>
                 <a:ea typeface="배달의민족 주아" pitchFamily="18" charset="-127"/>
               </a:rPr>
               <a:t> 설치</a:t>
             </a:r>
-            <a:endParaRPr lang="ko-KR" altLang="en-US" dirty="0">
-              <a:latin typeface="배달의민족 주아" pitchFamily="18" charset="-127"/>
-              <a:ea typeface="배달의민족 주아" pitchFamily="18" charset="-127"/>
-            </a:endParaRPr>
           </a:p>
         </p:txBody>
       </p:sp>
@@ -5909,15 +5776,15 @@
           <a:lstStyle/>
           <a:p>
             <a:r>
-              <a:rPr lang="en-US" altLang="ko-KR" dirty="0" smtClean="0">
+              <a:rPr lang="en-US" altLang="ko-KR" dirty="0">
                 <a:hlinkClick r:id="rId2"/>
               </a:rPr>
               <a:t>https://code.visualstudio.com/</a:t>
             </a:r>
-            <a:endParaRPr lang="en-US" altLang="ko-KR" dirty="0" smtClean="0"/>
-          </a:p>
-          <a:p>
-            <a:endParaRPr lang="en-US" altLang="ko-KR" dirty="0" smtClean="0"/>
+            <a:endParaRPr lang="en-US" altLang="ko-KR" dirty="0"/>
+          </a:p>
+          <a:p>
+            <a:endParaRPr lang="en-US" altLang="ko-KR" dirty="0"/>
           </a:p>
         </p:txBody>
       </p:sp>
@@ -6041,13 +5908,6 @@
   <p:clrMapOvr>
     <a:masterClrMapping/>
   </p:clrMapOvr>
-  <p:timing>
-    <p:tnLst>
-      <p:par>
-        <p:cTn id="1" dur="indefinite" restart="never" nodeType="tmRoot"/>
-      </p:par>
-    </p:tnLst>
-  </p:timing>
 </p:sld>
 </file>
 
@@ -6091,7 +5951,7 @@
           <a:lstStyle/>
           <a:p>
             <a:r>
-              <a:rPr lang="en-US" altLang="ko-KR" dirty="0" smtClean="0">
+              <a:rPr lang="en-US" altLang="ko-KR" dirty="0">
                 <a:solidFill>
                   <a:schemeClr val="accent5"/>
                 </a:solidFill>
@@ -6101,14 +5961,14 @@
               <a:t>S</a:t>
             </a:r>
             <a:r>
-              <a:rPr lang="en-US" altLang="ko-KR" dirty="0" smtClean="0">
+              <a:rPr lang="en-US" altLang="ko-KR" dirty="0">
                 <a:latin typeface="배달의민족 도현" pitchFamily="50" charset="-127"/>
                 <a:ea typeface="배달의민족 도현" pitchFamily="50" charset="-127"/>
               </a:rPr>
               <a:t>TART</a:t>
             </a:r>
             <a:r>
-              <a:rPr lang="en-US" altLang="ko-KR" dirty="0" smtClean="0">
+              <a:rPr lang="en-US" altLang="ko-KR" dirty="0">
                 <a:solidFill>
                   <a:schemeClr val="accent5"/>
                 </a:solidFill>
@@ -6118,7 +5978,7 @@
               <a:t>C</a:t>
             </a:r>
             <a:r>
-              <a:rPr lang="en-US" altLang="ko-KR" dirty="0" smtClean="0">
+              <a:rPr lang="en-US" altLang="ko-KR" dirty="0">
                 <a:latin typeface="배달의민족 도현" pitchFamily="50" charset="-127"/>
                 <a:ea typeface="배달의민족 도현" pitchFamily="50" charset="-127"/>
               </a:rPr>
@@ -6153,14 +6013,14 @@
           <a:lstStyle/>
           <a:p>
             <a:r>
-              <a:rPr lang="en-US" altLang="ko-KR" dirty="0" smtClean="0">
+              <a:rPr lang="en-US" altLang="ko-KR" dirty="0">
                 <a:latin typeface="배달의민족 주아" pitchFamily="18" charset="-127"/>
                 <a:ea typeface="배달의민족 주아" pitchFamily="18" charset="-127"/>
               </a:rPr>
               <a:t>3. </a:t>
             </a:r>
             <a:r>
-              <a:rPr lang="ko-KR" altLang="en-US" dirty="0" smtClean="0">
+              <a:rPr lang="ko-KR" altLang="en-US" dirty="0">
                 <a:latin typeface="배달의민족 주아" pitchFamily="18" charset="-127"/>
                 <a:ea typeface="배달의민족 주아" pitchFamily="18" charset="-127"/>
               </a:rPr>
@@ -6191,23 +6051,19 @@
           <a:lstStyle/>
           <a:p>
             <a:r>
-              <a:rPr lang="en-US" altLang="ko-KR" dirty="0" smtClean="0">
+              <a:rPr lang="en-US" altLang="ko-KR" dirty="0">
                 <a:latin typeface="배달의민족 주아" pitchFamily="18" charset="-127"/>
                 <a:ea typeface="배달의민족 주아" pitchFamily="18" charset="-127"/>
               </a:rPr>
               <a:t>Visual Studio Code </a:t>
             </a:r>
             <a:r>
-              <a:rPr lang="ko-KR" altLang="en-US" dirty="0" smtClean="0">
+              <a:rPr lang="ko-KR" altLang="en-US" dirty="0">
                 <a:latin typeface="배달의민족 주아" pitchFamily="18" charset="-127"/>
                 <a:ea typeface="배달의민족 주아" pitchFamily="18" charset="-127"/>
               </a:rPr>
               <a:t>사용법</a:t>
             </a:r>
-            <a:endParaRPr lang="ko-KR" altLang="en-US" dirty="0">
-              <a:latin typeface="배달의민족 주아" pitchFamily="18" charset="-127"/>
-              <a:ea typeface="배달의민족 주아" pitchFamily="18" charset="-127"/>
-            </a:endParaRPr>
           </a:p>
         </p:txBody>
       </p:sp>
@@ -6236,18 +6092,12 @@
               <a:rPr lang="en-US" altLang="ko-KR" dirty="0">
                 <a:hlinkClick r:id="rId2"/>
               </a:rPr>
-              <a:t>https://</a:t>
-            </a:r>
-            <a:r>
-              <a:rPr lang="en-US" altLang="ko-KR" dirty="0" smtClean="0">
-                <a:hlinkClick r:id="rId2"/>
-              </a:rPr>
-              <a:t>youtu.be/YWyfAH1RQD8</a:t>
-            </a:r>
-            <a:endParaRPr lang="en-US" altLang="ko-KR" dirty="0" smtClean="0"/>
-          </a:p>
-          <a:p>
-            <a:endParaRPr lang="en-US" altLang="ko-KR" dirty="0" smtClean="0"/>
+              <a:t>https://youtu.be/YWyfAH1RQD8</a:t>
+            </a:r>
+            <a:endParaRPr lang="en-US" altLang="ko-KR" dirty="0"/>
+          </a:p>
+          <a:p>
+            <a:endParaRPr lang="en-US" altLang="ko-KR" dirty="0"/>
           </a:p>
         </p:txBody>
       </p:sp>
@@ -6290,37 +6140,19 @@
           </a:lstStyle>
           <a:p>
             <a:r>
-              <a:rPr lang="ko-KR" altLang="en-US" sz="4000" dirty="0" err="1" smtClean="0">
+              <a:rPr lang="ko-KR" altLang="en-US" sz="4000" dirty="0" err="1">
                 <a:latin typeface="배달의민족 주아" pitchFamily="18" charset="-127"/>
                 <a:ea typeface="배달의민족 주아" pitchFamily="18" charset="-127"/>
               </a:rPr>
               <a:t>유튜브</a:t>
             </a:r>
             <a:r>
-              <a:rPr lang="ko-KR" altLang="en-US" sz="4000" dirty="0" smtClean="0">
-                <a:latin typeface="배달의민족 주아" pitchFamily="18" charset="-127"/>
-                <a:ea typeface="배달의민족 주아" pitchFamily="18" charset="-127"/>
-              </a:rPr>
-              <a:t> 영상 </a:t>
-            </a:r>
-            <a:r>
-              <a:rPr lang="ko-KR" altLang="en-US" sz="4000" dirty="0" smtClean="0">
-                <a:latin typeface="배달의민족 주아" pitchFamily="18" charset="-127"/>
-                <a:ea typeface="배달의민족 주아" pitchFamily="18" charset="-127"/>
-              </a:rPr>
-              <a:t>참</a:t>
-            </a:r>
-            <a:r>
               <a:rPr lang="ko-KR" altLang="en-US" sz="4000" dirty="0">
                 <a:latin typeface="배달의민족 주아" pitchFamily="18" charset="-127"/>
                 <a:ea typeface="배달의민족 주아" pitchFamily="18" charset="-127"/>
               </a:rPr>
-              <a:t>고</a:t>
-            </a:r>
-            <a:endParaRPr lang="ko-KR" altLang="en-US" sz="4000" dirty="0">
-              <a:latin typeface="배달의민족 주아" pitchFamily="18" charset="-127"/>
-              <a:ea typeface="배달의민족 주아" pitchFamily="18" charset="-127"/>
-            </a:endParaRPr>
+              <a:t> 영상 참고</a:t>
+            </a:r>
           </a:p>
         </p:txBody>
       </p:sp>
@@ -6334,13 +6166,6 @@
   <p:clrMapOvr>
     <a:masterClrMapping/>
   </p:clrMapOvr>
-  <p:timing>
-    <p:tnLst>
-      <p:par>
-        <p:cTn id="1" dur="indefinite" restart="never" nodeType="tmRoot"/>
-      </p:par>
-    </p:tnLst>
-  </p:timing>
 </p:sld>
 </file>
 
@@ -6400,16 +6225,12 @@
           </a:lstStyle>
           <a:p>
             <a:r>
-              <a:rPr lang="ko-KR" altLang="en-US" dirty="0" smtClean="0">
+              <a:rPr lang="ko-KR" altLang="en-US" dirty="0">
                 <a:latin typeface="배달의민족 주아" pitchFamily="18" charset="-127"/>
                 <a:ea typeface="배달의민족 주아" pitchFamily="18" charset="-127"/>
               </a:rPr>
               <a:t>감사합니다</a:t>
             </a:r>
-            <a:endParaRPr lang="ko-KR" altLang="en-US" dirty="0">
-              <a:latin typeface="배달의민족 주아" pitchFamily="18" charset="-127"/>
-              <a:ea typeface="배달의민족 주아" pitchFamily="18" charset="-127"/>
-            </a:endParaRPr>
           </a:p>
         </p:txBody>
       </p:sp>
@@ -6436,7 +6257,7 @@
           <a:lstStyle/>
           <a:p>
             <a:r>
-              <a:rPr lang="en-US" altLang="ko-KR" dirty="0" smtClean="0">
+              <a:rPr lang="en-US" altLang="ko-KR" dirty="0">
                 <a:solidFill>
                   <a:schemeClr val="accent5"/>
                 </a:solidFill>
@@ -6446,14 +6267,14 @@
               <a:t>S</a:t>
             </a:r>
             <a:r>
-              <a:rPr lang="en-US" altLang="ko-KR" dirty="0" smtClean="0">
+              <a:rPr lang="en-US" altLang="ko-KR" dirty="0">
                 <a:latin typeface="배달의민족 도현" pitchFamily="50" charset="-127"/>
                 <a:ea typeface="배달의민족 도현" pitchFamily="50" charset="-127"/>
               </a:rPr>
               <a:t>TART</a:t>
             </a:r>
             <a:r>
-              <a:rPr lang="en-US" altLang="ko-KR" dirty="0" smtClean="0">
+              <a:rPr lang="en-US" altLang="ko-KR" dirty="0">
                 <a:solidFill>
                   <a:schemeClr val="accent5"/>
                 </a:solidFill>
@@ -6463,7 +6284,7 @@
               <a:t>C</a:t>
             </a:r>
             <a:r>
-              <a:rPr lang="en-US" altLang="ko-KR" dirty="0" smtClean="0">
+              <a:rPr lang="en-US" altLang="ko-KR" dirty="0">
                 <a:latin typeface="배달의민족 도현" pitchFamily="50" charset="-127"/>
                 <a:ea typeface="배달의민족 도현" pitchFamily="50" charset="-127"/>
               </a:rPr>
@@ -6498,7 +6319,7 @@
           <a:lstStyle/>
           <a:p>
             <a:r>
-              <a:rPr lang="en-US" altLang="ko-KR" i="1" dirty="0" smtClean="0">
+              <a:rPr lang="en-US" altLang="ko-KR" i="1" dirty="0">
                 <a:latin typeface="Adobe Ming Std L" pitchFamily="18" charset="-128"/>
                 <a:ea typeface="Adobe Ming Std L" pitchFamily="18" charset="-128"/>
               </a:rPr>
@@ -6520,13 +6341,6 @@
   <p:clrMapOvr>
     <a:masterClrMapping/>
   </p:clrMapOvr>
-  <p:timing>
-    <p:tnLst>
-      <p:par>
-        <p:cTn id="1" dur="indefinite" restart="never" nodeType="tmRoot"/>
-      </p:par>
-    </p:tnLst>
-  </p:timing>
 </p:sld>
 </file>
 
@@ -6579,7 +6393,7 @@
           <a:p>
             <a:pPr algn="l"/>
             <a:r>
-              <a:rPr lang="ko-KR" altLang="en-US" sz="2800" dirty="0" smtClean="0">
+              <a:rPr lang="ko-KR" altLang="en-US" sz="2800" dirty="0">
                 <a:solidFill>
                   <a:srgbClr val="FDE035"/>
                 </a:solidFill>
@@ -6588,37 +6402,56 @@
               </a:rPr>
               <a:t>목차</a:t>
             </a:r>
-            <a:r>
-              <a:rPr lang="en-US" altLang="ko-KR" sz="2800" dirty="0" smtClean="0">
+            <a:br>
+              <a:rPr lang="en-US" altLang="ko-KR" sz="2800" dirty="0">
                 <a:solidFill>
                   <a:schemeClr val="accent5"/>
                 </a:solidFill>
                 <a:latin typeface="배달의민족 주아" pitchFamily="18" charset="-127"/>
                 <a:ea typeface="배달의민족 주아" pitchFamily="18" charset="-127"/>
               </a:rPr>
-              <a:t/>
-            </a:r>
+            </a:br>
             <a:br>
-              <a:rPr lang="en-US" altLang="ko-KR" sz="2800" dirty="0" smtClean="0">
-                <a:solidFill>
-                  <a:schemeClr val="accent5"/>
+              <a:rPr lang="en-US" altLang="ko-KR" dirty="0">
+                <a:solidFill>
+                  <a:schemeClr val="bg1"/>
                 </a:solidFill>
                 <a:latin typeface="배달의민족 주아" pitchFamily="18" charset="-127"/>
                 <a:ea typeface="배달의민족 주아" pitchFamily="18" charset="-127"/>
               </a:rPr>
             </a:br>
             <a:r>
-              <a:rPr lang="en-US" altLang="ko-KR" dirty="0" smtClean="0">
+              <a:rPr lang="en-US" altLang="ko-KR" sz="3600" dirty="0">
                 <a:solidFill>
                   <a:schemeClr val="bg1"/>
                 </a:solidFill>
                 <a:latin typeface="배달의민족 주아" pitchFamily="18" charset="-127"/>
                 <a:ea typeface="배달의민족 주아" pitchFamily="18" charset="-127"/>
               </a:rPr>
-              <a:t/>
+              <a:t>1. </a:t>
+            </a:r>
+            <a:r>
+              <a:rPr lang="ko-KR" altLang="en-US" sz="3600" dirty="0">
+                <a:solidFill>
+                  <a:schemeClr val="bg1"/>
+                </a:solidFill>
+                <a:latin typeface="배달의민족 주아" pitchFamily="18" charset="-127"/>
+                <a:ea typeface="배달의민족 주아" pitchFamily="18" charset="-127"/>
+              </a:rPr>
+              <a:t>프로그래밍이란 무엇인가</a:t>
+            </a:r>
+            <a:r>
+              <a:rPr lang="en-US" altLang="ko-KR" sz="3600" dirty="0">
+                <a:solidFill>
+                  <a:schemeClr val="bg1"/>
+                </a:solidFill>
+                <a:latin typeface="배달의민족 주아" pitchFamily="18" charset="-127"/>
+                <a:ea typeface="배달의민족 주아" pitchFamily="18" charset="-127"/>
+              </a:rPr>
+              <a:t>?</a:t>
             </a:r>
             <a:br>
-              <a:rPr lang="en-US" altLang="ko-KR" dirty="0" smtClean="0">
+              <a:rPr lang="en-US" altLang="ko-KR" sz="3600" dirty="0">
                 <a:solidFill>
                   <a:schemeClr val="bg1"/>
                 </a:solidFill>
@@ -6627,37 +6460,47 @@
               </a:rPr>
             </a:br>
             <a:r>
-              <a:rPr lang="en-US" altLang="ko-KR" sz="3600" dirty="0" smtClean="0">
+              <a:rPr lang="en-US" altLang="ko-KR" sz="3600" dirty="0">
                 <a:solidFill>
                   <a:schemeClr val="bg1"/>
                 </a:solidFill>
                 <a:latin typeface="배달의민족 주아" pitchFamily="18" charset="-127"/>
                 <a:ea typeface="배달의민족 주아" pitchFamily="18" charset="-127"/>
               </a:rPr>
-              <a:t>1. </a:t>
-            </a:r>
-            <a:r>
-              <a:rPr lang="ko-KR" altLang="en-US" sz="3600" dirty="0" smtClean="0">
+              <a:t>2. </a:t>
+            </a:r>
+            <a:r>
+              <a:rPr lang="ko-KR" altLang="en-US" sz="3600" dirty="0" err="1">
                 <a:solidFill>
                   <a:schemeClr val="bg1"/>
                 </a:solidFill>
                 <a:latin typeface="배달의민족 주아" pitchFamily="18" charset="-127"/>
                 <a:ea typeface="배달의민족 주아" pitchFamily="18" charset="-127"/>
               </a:rPr>
-              <a:t>프로그래밍이란 무엇인가</a:t>
-            </a:r>
-            <a:r>
-              <a:rPr lang="en-US" altLang="ko-KR" sz="3600" dirty="0" smtClean="0">
+              <a:t>파이썬이란</a:t>
+            </a:r>
+            <a:r>
+              <a:rPr lang="ko-KR" altLang="en-US" sz="3600" dirty="0">
                 <a:solidFill>
                   <a:schemeClr val="bg1"/>
                 </a:solidFill>
                 <a:latin typeface="배달의민족 주아" pitchFamily="18" charset="-127"/>
                 <a:ea typeface="배달의민족 주아" pitchFamily="18" charset="-127"/>
               </a:rPr>
+              <a:t> 무엇인가</a:t>
+            </a:r>
+            <a:r>
+              <a:rPr lang="en-US" altLang="ko-KR" sz="3600" dirty="0">
+                <a:solidFill>
+                  <a:schemeClr val="bg1"/>
+                </a:solidFill>
+                <a:latin typeface="배달의민족 주아" pitchFamily="18" charset="-127"/>
+                <a:ea typeface="배달의민족 주아" pitchFamily="18" charset="-127"/>
+              </a:rPr>
               <a:t>?</a:t>
             </a:r>
             <a:br>
-              <a:rPr lang="en-US" altLang="ko-KR" sz="3600" dirty="0" smtClean="0">
+              <a:rPr lang="en-US" altLang="ko-KR" sz="3600" dirty="0">
                 <a:solidFill>
                   <a:schemeClr val="bg1"/>
                 </a:solidFill>
@@ -6666,47 +6509,86 @@
               </a:rPr>
             </a:br>
             <a:r>
-              <a:rPr lang="en-US" altLang="ko-KR" sz="3600" dirty="0" smtClean="0">
+              <a:rPr lang="en-US" altLang="ko-KR" sz="3600" dirty="0">
                 <a:solidFill>
                   <a:schemeClr val="bg1"/>
                 </a:solidFill>
                 <a:latin typeface="배달의민족 주아" pitchFamily="18" charset="-127"/>
                 <a:ea typeface="배달의민족 주아" pitchFamily="18" charset="-127"/>
               </a:rPr>
-              <a:t>2. </a:t>
-            </a:r>
-            <a:r>
-              <a:rPr lang="ko-KR" altLang="en-US" sz="3600" dirty="0" err="1" smtClean="0">
+              <a:t>	2.1 </a:t>
+            </a:r>
+            <a:r>
+              <a:rPr lang="ko-KR" altLang="en-US" sz="3600" dirty="0" err="1">
                 <a:solidFill>
                   <a:schemeClr val="bg1"/>
                 </a:solidFill>
                 <a:latin typeface="배달의민족 주아" pitchFamily="18" charset="-127"/>
                 <a:ea typeface="배달의민족 주아" pitchFamily="18" charset="-127"/>
               </a:rPr>
-              <a:t>파이썬이란</a:t>
-            </a:r>
-            <a:r>
-              <a:rPr lang="ko-KR" altLang="en-US" sz="3600" dirty="0" smtClean="0">
+              <a:t>파이썬의</a:t>
+            </a:r>
+            <a:r>
+              <a:rPr lang="ko-KR" altLang="en-US" sz="3600" dirty="0">
                 <a:solidFill>
                   <a:schemeClr val="bg1"/>
                 </a:solidFill>
                 <a:latin typeface="배달의민족 주아" pitchFamily="18" charset="-127"/>
                 <a:ea typeface="배달의민족 주아" pitchFamily="18" charset="-127"/>
               </a:rPr>
-              <a:t> 무엇인가</a:t>
-            </a:r>
-            <a:r>
-              <a:rPr lang="en-US" altLang="ko-KR" sz="3600" dirty="0" smtClean="0">
+              <a:t> 특징</a:t>
+            </a:r>
+            <a:br>
+              <a:rPr lang="en-US" altLang="ko-KR" sz="3600" dirty="0">
                 <a:solidFill>
                   <a:schemeClr val="bg1"/>
                 </a:solidFill>
                 <a:latin typeface="배달의민족 주아" pitchFamily="18" charset="-127"/>
                 <a:ea typeface="배달의민족 주아" pitchFamily="18" charset="-127"/>
               </a:rPr>
-              <a:t>?</a:t>
+            </a:br>
+            <a:r>
+              <a:rPr lang="en-US" altLang="ko-KR" sz="3600" dirty="0">
+                <a:solidFill>
+                  <a:schemeClr val="bg1"/>
+                </a:solidFill>
+                <a:latin typeface="배달의민족 주아" pitchFamily="18" charset="-127"/>
+                <a:ea typeface="배달의민족 주아" pitchFamily="18" charset="-127"/>
+              </a:rPr>
+              <a:t>	2.2 </a:t>
+            </a:r>
+            <a:r>
+              <a:rPr lang="ko-KR" altLang="en-US" sz="3600" dirty="0" err="1">
+                <a:solidFill>
+                  <a:schemeClr val="bg1"/>
+                </a:solidFill>
+                <a:latin typeface="배달의민족 주아" pitchFamily="18" charset="-127"/>
+                <a:ea typeface="배달의민족 주아" pitchFamily="18" charset="-127"/>
+              </a:rPr>
+              <a:t>파이썬이</a:t>
+            </a:r>
+            <a:r>
+              <a:rPr lang="ko-KR" altLang="en-US" sz="3600" dirty="0">
+                <a:solidFill>
+                  <a:schemeClr val="bg1"/>
+                </a:solidFill>
+                <a:latin typeface="배달의민족 주아" pitchFamily="18" charset="-127"/>
+                <a:ea typeface="배달의민족 주아" pitchFamily="18" charset="-127"/>
+              </a:rPr>
+              <a:t> 활용되는 곳</a:t>
+            </a:r>
+            <a:r>
+              <a:rPr lang="en-US" altLang="ko-KR" sz="3600" dirty="0">
+                <a:solidFill>
+                  <a:schemeClr val="bg1"/>
+                </a:solidFill>
+                <a:latin typeface="배달의민족 주아" pitchFamily="18" charset="-127"/>
+                <a:ea typeface="배달의민족 주아" pitchFamily="18" charset="-127"/>
+              </a:rPr>
+              <a:t>	</a:t>
             </a:r>
             <a:br>
-              <a:rPr lang="en-US" altLang="ko-KR" sz="3600" dirty="0" smtClean="0">
+              <a:rPr lang="en-US" altLang="ko-KR" sz="3600" dirty="0">
                 <a:solidFill>
                   <a:schemeClr val="bg1"/>
                 </a:solidFill>
@@ -6722,50 +6604,59 @@
                 <a:latin typeface="배달의민족 주아" pitchFamily="18" charset="-127"/>
                 <a:ea typeface="배달의민족 주아" pitchFamily="18" charset="-127"/>
               </a:rPr>
-              <a:t>	</a:t>
-            </a:r>
-            <a:r>
-              <a:rPr lang="en-US" altLang="ko-KR" sz="3600" dirty="0" smtClean="0">
+              <a:t>3. </a:t>
+            </a:r>
+            <a:r>
+              <a:rPr lang="ko-KR" altLang="en-US" sz="3600" dirty="0">
                 <a:solidFill>
                   <a:schemeClr val="bg1"/>
                 </a:solidFill>
                 <a:latin typeface="배달의민족 주아" pitchFamily="18" charset="-127"/>
                 <a:ea typeface="배달의민족 주아" pitchFamily="18" charset="-127"/>
               </a:rPr>
-              <a:t>2.1 </a:t>
-            </a:r>
-            <a:r>
-              <a:rPr lang="ko-KR" altLang="en-US" sz="3600" dirty="0" err="1" smtClean="0">
+              <a:t>프로그램 설치</a:t>
+            </a:r>
+            <a:br>
+              <a:rPr lang="en-US" altLang="ko-KR" sz="3600" dirty="0">
                 <a:solidFill>
                   <a:schemeClr val="bg1"/>
                 </a:solidFill>
                 <a:latin typeface="배달의민족 주아" pitchFamily="18" charset="-127"/>
                 <a:ea typeface="배달의민족 주아" pitchFamily="18" charset="-127"/>
               </a:rPr>
-              <a:t>파이썬의</a:t>
-            </a:r>
-            <a:r>
-              <a:rPr lang="ko-KR" altLang="en-US" sz="3600" dirty="0" smtClean="0">
+            </a:br>
+            <a:r>
+              <a:rPr lang="en-US" altLang="ko-KR" sz="3600" dirty="0">
                 <a:solidFill>
                   <a:schemeClr val="bg1"/>
                 </a:solidFill>
                 <a:latin typeface="배달의민족 주아" pitchFamily="18" charset="-127"/>
                 <a:ea typeface="배달의민족 주아" pitchFamily="18" charset="-127"/>
               </a:rPr>
-              <a:t> 특징</a:t>
-            </a:r>
-            <a:r>
-              <a:rPr lang="en-US" altLang="ko-KR" sz="3600" dirty="0" smtClean="0">
+              <a:t>	3.1 </a:t>
+            </a:r>
+            <a:r>
+              <a:rPr lang="ko-KR" altLang="en-US" sz="3600" dirty="0" err="1">
                 <a:solidFill>
                   <a:schemeClr val="bg1"/>
                 </a:solidFill>
                 <a:latin typeface="배달의민족 주아" pitchFamily="18" charset="-127"/>
                 <a:ea typeface="배달의민족 주아" pitchFamily="18" charset="-127"/>
               </a:rPr>
-              <a:t/>
+              <a:t>파이썬</a:t>
+            </a:r>
+            <a:r>
+              <a:rPr lang="ko-KR" altLang="en-US" sz="3600" dirty="0">
+                <a:solidFill>
+                  <a:schemeClr val="bg1"/>
+                </a:solidFill>
+                <a:latin typeface="배달의민족 주아" pitchFamily="18" charset="-127"/>
+                <a:ea typeface="배달의민족 주아" pitchFamily="18" charset="-127"/>
+              </a:rPr>
+              <a:t> 설치</a:t>
             </a:r>
             <a:br>
-              <a:rPr lang="en-US" altLang="ko-KR" sz="3600" dirty="0" smtClean="0">
+              <a:rPr lang="en-US" altLang="ko-KR" sz="3600" dirty="0">
                 <a:solidFill>
                   <a:schemeClr val="bg1"/>
                 </a:solidFill>
@@ -6781,207 +6672,30 @@
                 <a:latin typeface="배달의민족 주아" pitchFamily="18" charset="-127"/>
                 <a:ea typeface="배달의민족 주아" pitchFamily="18" charset="-127"/>
               </a:rPr>
-              <a:t>	</a:t>
-            </a:r>
-            <a:r>
-              <a:rPr lang="en-US" altLang="ko-KR" sz="3600" dirty="0" smtClean="0">
+              <a:t>	3.2 </a:t>
+            </a:r>
+            <a:r>
+              <a:rPr lang="ko-KR" altLang="en-US" sz="3600" dirty="0">
                 <a:solidFill>
                   <a:schemeClr val="bg1"/>
                 </a:solidFill>
                 <a:latin typeface="배달의민족 주아" pitchFamily="18" charset="-127"/>
                 <a:ea typeface="배달의민족 주아" pitchFamily="18" charset="-127"/>
               </a:rPr>
-              <a:t>2.2 </a:t>
-            </a:r>
-            <a:r>
-              <a:rPr lang="ko-KR" altLang="en-US" sz="3600" dirty="0" err="1" smtClean="0">
+              <a:t>에디터</a:t>
+            </a:r>
+            <a:r>
+              <a:rPr lang="en-US" altLang="ko-KR" sz="3600" dirty="0">
                 <a:solidFill>
                   <a:schemeClr val="bg1"/>
                 </a:solidFill>
                 <a:latin typeface="배달의민족 주아" pitchFamily="18" charset="-127"/>
                 <a:ea typeface="배달의민족 주아" pitchFamily="18" charset="-127"/>
               </a:rPr>
-              <a:t>파이썬이</a:t>
-            </a:r>
-            <a:r>
-              <a:rPr lang="ko-KR" altLang="en-US" sz="3600" dirty="0" smtClean="0">
-                <a:solidFill>
-                  <a:schemeClr val="bg1"/>
-                </a:solidFill>
-                <a:latin typeface="배달의민족 주아" pitchFamily="18" charset="-127"/>
-                <a:ea typeface="배달의민족 주아" pitchFamily="18" charset="-127"/>
-              </a:rPr>
-              <a:t> 활용되는 곳</a:t>
-            </a:r>
-            <a:r>
-              <a:rPr lang="en-US" altLang="ko-KR" sz="3600" dirty="0">
-                <a:solidFill>
-                  <a:schemeClr val="bg1"/>
-                </a:solidFill>
-                <a:latin typeface="배달의민족 주아" pitchFamily="18" charset="-127"/>
-                <a:ea typeface="배달의민족 주아" pitchFamily="18" charset="-127"/>
-              </a:rPr>
-              <a:t>	</a:t>
-            </a:r>
-            <a:r>
-              <a:rPr lang="en-US" altLang="ko-KR" sz="3600" dirty="0" smtClean="0">
-                <a:solidFill>
-                  <a:schemeClr val="bg1"/>
-                </a:solidFill>
-                <a:latin typeface="배달의민족 주아" pitchFamily="18" charset="-127"/>
-                <a:ea typeface="배달의민족 주아" pitchFamily="18" charset="-127"/>
-              </a:rPr>
-              <a:t/>
-            </a:r>
-            <a:br>
-              <a:rPr lang="en-US" altLang="ko-KR" sz="3600" dirty="0" smtClean="0">
-                <a:solidFill>
-                  <a:schemeClr val="bg1"/>
-                </a:solidFill>
-                <a:latin typeface="배달의민족 주아" pitchFamily="18" charset="-127"/>
-                <a:ea typeface="배달의민족 주아" pitchFamily="18" charset="-127"/>
-              </a:rPr>
-            </a:br>
-            <a:r>
-              <a:rPr lang="en-US" altLang="ko-KR" sz="3600" dirty="0" smtClean="0">
-                <a:solidFill>
-                  <a:schemeClr val="bg1"/>
-                </a:solidFill>
-                <a:latin typeface="배달의민족 주아" pitchFamily="18" charset="-127"/>
-                <a:ea typeface="배달의민족 주아" pitchFamily="18" charset="-127"/>
-              </a:rPr>
-              <a:t>3. </a:t>
-            </a:r>
-            <a:r>
-              <a:rPr lang="ko-KR" altLang="en-US" sz="3600" dirty="0" smtClean="0">
-                <a:solidFill>
-                  <a:schemeClr val="bg1"/>
-                </a:solidFill>
-                <a:latin typeface="배달의민족 주아" pitchFamily="18" charset="-127"/>
-                <a:ea typeface="배달의민족 주아" pitchFamily="18" charset="-127"/>
-              </a:rPr>
-              <a:t>프로그램 설치</a:t>
-            </a:r>
-            <a:r>
-              <a:rPr lang="en-US" altLang="ko-KR" sz="3600" dirty="0" smtClean="0">
-                <a:solidFill>
-                  <a:schemeClr val="bg1"/>
-                </a:solidFill>
-                <a:latin typeface="배달의민족 주아" pitchFamily="18" charset="-127"/>
-                <a:ea typeface="배달의민족 주아" pitchFamily="18" charset="-127"/>
-              </a:rPr>
-              <a:t/>
-            </a:r>
-            <a:br>
-              <a:rPr lang="en-US" altLang="ko-KR" sz="3600" dirty="0" smtClean="0">
-                <a:solidFill>
-                  <a:schemeClr val="bg1"/>
-                </a:solidFill>
-                <a:latin typeface="배달의민족 주아" pitchFamily="18" charset="-127"/>
-                <a:ea typeface="배달의민족 주아" pitchFamily="18" charset="-127"/>
-              </a:rPr>
-            </a:br>
-            <a:r>
-              <a:rPr lang="en-US" altLang="ko-KR" sz="3600" dirty="0">
-                <a:solidFill>
-                  <a:schemeClr val="bg1"/>
-                </a:solidFill>
-                <a:latin typeface="배달의민족 주아" pitchFamily="18" charset="-127"/>
-                <a:ea typeface="배달의민족 주아" pitchFamily="18" charset="-127"/>
-              </a:rPr>
-              <a:t>	</a:t>
-            </a:r>
-            <a:r>
-              <a:rPr lang="en-US" altLang="ko-KR" sz="3600" dirty="0" smtClean="0">
-                <a:solidFill>
-                  <a:schemeClr val="bg1"/>
-                </a:solidFill>
-                <a:latin typeface="배달의민족 주아" pitchFamily="18" charset="-127"/>
-                <a:ea typeface="배달의민족 주아" pitchFamily="18" charset="-127"/>
-              </a:rPr>
-              <a:t>3.1 </a:t>
-            </a:r>
-            <a:r>
-              <a:rPr lang="ko-KR" altLang="en-US" sz="3600" dirty="0" err="1" smtClean="0">
-                <a:solidFill>
-                  <a:schemeClr val="bg1"/>
-                </a:solidFill>
-                <a:latin typeface="배달의민족 주아" pitchFamily="18" charset="-127"/>
-                <a:ea typeface="배달의민족 주아" pitchFamily="18" charset="-127"/>
-              </a:rPr>
-              <a:t>파이썬</a:t>
-            </a:r>
-            <a:r>
-              <a:rPr lang="ko-KR" altLang="en-US" sz="3600" dirty="0" smtClean="0">
-                <a:solidFill>
-                  <a:schemeClr val="bg1"/>
-                </a:solidFill>
-                <a:latin typeface="배달의민족 주아" pitchFamily="18" charset="-127"/>
-                <a:ea typeface="배달의민족 주아" pitchFamily="18" charset="-127"/>
-              </a:rPr>
-              <a:t> 설치</a:t>
-            </a:r>
-            <a:r>
-              <a:rPr lang="en-US" altLang="ko-KR" sz="3600" dirty="0" smtClean="0">
-                <a:solidFill>
-                  <a:schemeClr val="bg1"/>
-                </a:solidFill>
-                <a:latin typeface="배달의민족 주아" pitchFamily="18" charset="-127"/>
-                <a:ea typeface="배달의민족 주아" pitchFamily="18" charset="-127"/>
-              </a:rPr>
-              <a:t/>
-            </a:r>
-            <a:br>
-              <a:rPr lang="en-US" altLang="ko-KR" sz="3600" dirty="0" smtClean="0">
-                <a:solidFill>
-                  <a:schemeClr val="bg1"/>
-                </a:solidFill>
-                <a:latin typeface="배달의민족 주아" pitchFamily="18" charset="-127"/>
-                <a:ea typeface="배달의민족 주아" pitchFamily="18" charset="-127"/>
-              </a:rPr>
-            </a:br>
-            <a:r>
-              <a:rPr lang="en-US" altLang="ko-KR" sz="3600" dirty="0">
-                <a:solidFill>
-                  <a:schemeClr val="bg1"/>
-                </a:solidFill>
-                <a:latin typeface="배달의민족 주아" pitchFamily="18" charset="-127"/>
-                <a:ea typeface="배달의민족 주아" pitchFamily="18" charset="-127"/>
-              </a:rPr>
-              <a:t>	</a:t>
-            </a:r>
-            <a:r>
-              <a:rPr lang="en-US" altLang="ko-KR" sz="3600" dirty="0" smtClean="0">
-                <a:solidFill>
-                  <a:schemeClr val="bg1"/>
-                </a:solidFill>
-                <a:latin typeface="배달의민족 주아" pitchFamily="18" charset="-127"/>
-                <a:ea typeface="배달의민족 주아" pitchFamily="18" charset="-127"/>
-              </a:rPr>
-              <a:t>3.2 </a:t>
-            </a:r>
-            <a:r>
-              <a:rPr lang="ko-KR" altLang="en-US" sz="3600" dirty="0" smtClean="0">
-                <a:solidFill>
-                  <a:schemeClr val="bg1"/>
-                </a:solidFill>
-                <a:latin typeface="배달의민족 주아" pitchFamily="18" charset="-127"/>
-                <a:ea typeface="배달의민족 주아" pitchFamily="18" charset="-127"/>
-              </a:rPr>
-              <a:t>에디터</a:t>
-            </a:r>
-            <a:r>
-              <a:rPr lang="en-US" altLang="ko-KR" sz="3600" dirty="0" smtClean="0">
-                <a:solidFill>
-                  <a:schemeClr val="bg1"/>
-                </a:solidFill>
-                <a:latin typeface="배달의민족 주아" pitchFamily="18" charset="-127"/>
-                <a:ea typeface="배달의민족 주아" pitchFamily="18" charset="-127"/>
-              </a:rPr>
               <a:t>(IDE) </a:t>
             </a:r>
             <a:r>
-              <a:rPr lang="ko-KR" altLang="en-US" sz="3600" dirty="0" smtClean="0">
+              <a:rPr lang="ko-KR" altLang="en-US" sz="3600" dirty="0">
                 <a:solidFill>
                   <a:schemeClr val="bg1"/>
                 </a:solidFill>
@@ -7023,7 +6737,7 @@
           <a:lstStyle/>
           <a:p>
             <a:r>
-              <a:rPr lang="en-US" altLang="ko-KR" dirty="0" smtClean="0">
+              <a:rPr lang="en-US" altLang="ko-KR" dirty="0">
                 <a:solidFill>
                   <a:srgbClr val="FDE035"/>
                 </a:solidFill>
@@ -7033,7 +6747,7 @@
               <a:t>S</a:t>
             </a:r>
             <a:r>
-              <a:rPr lang="en-US" altLang="ko-KR" dirty="0" smtClean="0">
+              <a:rPr lang="en-US" altLang="ko-KR" dirty="0">
                 <a:solidFill>
                   <a:schemeClr val="bg1"/>
                 </a:solidFill>
@@ -7043,7 +6757,7 @@
               <a:t>TART</a:t>
             </a:r>
             <a:r>
-              <a:rPr lang="en-US" altLang="ko-KR" dirty="0" smtClean="0">
+              <a:rPr lang="en-US" altLang="ko-KR" dirty="0">
                 <a:solidFill>
                   <a:srgbClr val="FDE035"/>
                 </a:solidFill>
@@ -7053,7 +6767,7 @@
               <a:t>C</a:t>
             </a:r>
             <a:r>
-              <a:rPr lang="en-US" altLang="ko-KR" dirty="0" smtClean="0">
+              <a:rPr lang="en-US" altLang="ko-KR" dirty="0">
                 <a:solidFill>
                   <a:schemeClr val="bg1"/>
                 </a:solidFill>
@@ -7082,13 +6796,6 @@
   <p:clrMapOvr>
     <a:masterClrMapping/>
   </p:clrMapOvr>
-  <p:timing>
-    <p:tnLst>
-      <p:par>
-        <p:cTn id="1" dur="indefinite" restart="never" nodeType="tmRoot"/>
-      </p:par>
-    </p:tnLst>
-  </p:timing>
 </p:sld>
 </file>
 
@@ -7130,7 +6837,7 @@
           <a:lstStyle/>
           <a:p>
             <a:r>
-              <a:rPr lang="en-US" altLang="ko-KR" dirty="0" smtClean="0">
+              <a:rPr lang="en-US" altLang="ko-KR" dirty="0">
                 <a:latin typeface="배달의민족 주아" pitchFamily="18" charset="-127"/>
                 <a:ea typeface="배달의민족 주아" pitchFamily="18" charset="-127"/>
               </a:rPr>
@@ -7166,7 +6873,7 @@
           <a:lstStyle/>
           <a:p>
             <a:r>
-              <a:rPr lang="en-US" altLang="ko-KR" dirty="0" smtClean="0">
+              <a:rPr lang="en-US" altLang="ko-KR" dirty="0">
                 <a:solidFill>
                   <a:schemeClr val="accent5"/>
                 </a:solidFill>
@@ -7176,14 +6883,14 @@
               <a:t>S</a:t>
             </a:r>
             <a:r>
-              <a:rPr lang="en-US" altLang="ko-KR" dirty="0" smtClean="0">
+              <a:rPr lang="en-US" altLang="ko-KR" dirty="0">
                 <a:latin typeface="배달의민족 도현" pitchFamily="50" charset="-127"/>
                 <a:ea typeface="배달의민족 도현" pitchFamily="50" charset="-127"/>
               </a:rPr>
               <a:t>TART</a:t>
             </a:r>
             <a:r>
-              <a:rPr lang="en-US" altLang="ko-KR" dirty="0" smtClean="0">
+              <a:rPr lang="en-US" altLang="ko-KR" dirty="0">
                 <a:solidFill>
                   <a:schemeClr val="accent5"/>
                 </a:solidFill>
@@ -7193,7 +6900,7 @@
               <a:t>C</a:t>
             </a:r>
             <a:r>
-              <a:rPr lang="en-US" altLang="ko-KR" dirty="0" smtClean="0">
+              <a:rPr lang="en-US" altLang="ko-KR" dirty="0">
                 <a:latin typeface="배달의민족 도현" pitchFamily="50" charset="-127"/>
                 <a:ea typeface="배달의민족 도현" pitchFamily="50" charset="-127"/>
               </a:rPr>
@@ -7486,7 +7193,7 @@
           <a:lstStyle/>
           <a:p>
             <a:r>
-              <a:rPr lang="en-US" altLang="ko-KR" dirty="0" smtClean="0">
+              <a:rPr lang="en-US" altLang="ko-KR" dirty="0">
                 <a:latin typeface="배달의민족 주아" pitchFamily="18" charset="-127"/>
                 <a:ea typeface="배달의민족 주아" pitchFamily="18" charset="-127"/>
               </a:rPr>
@@ -7522,7 +7229,7 @@
           <a:lstStyle/>
           <a:p>
             <a:r>
-              <a:rPr lang="en-US" altLang="ko-KR" dirty="0" smtClean="0">
+              <a:rPr lang="en-US" altLang="ko-KR" dirty="0">
                 <a:solidFill>
                   <a:schemeClr val="accent5"/>
                 </a:solidFill>
@@ -7532,14 +7239,14 @@
               <a:t>S</a:t>
             </a:r>
             <a:r>
-              <a:rPr lang="en-US" altLang="ko-KR" dirty="0" smtClean="0">
+              <a:rPr lang="en-US" altLang="ko-KR" dirty="0">
                 <a:latin typeface="배달의민족 도현" pitchFamily="50" charset="-127"/>
                 <a:ea typeface="배달의민족 도현" pitchFamily="50" charset="-127"/>
               </a:rPr>
               <a:t>TART</a:t>
             </a:r>
             <a:r>
-              <a:rPr lang="en-US" altLang="ko-KR" dirty="0" smtClean="0">
+              <a:rPr lang="en-US" altLang="ko-KR" dirty="0">
                 <a:solidFill>
                   <a:schemeClr val="accent5"/>
                 </a:solidFill>
@@ -7549,7 +7256,7 @@
               <a:t>C</a:t>
             </a:r>
             <a:r>
-              <a:rPr lang="en-US" altLang="ko-KR" dirty="0" smtClean="0">
+              <a:rPr lang="en-US" altLang="ko-KR" dirty="0">
                 <a:latin typeface="배달의민족 도현" pitchFamily="50" charset="-127"/>
                 <a:ea typeface="배달의민족 도현" pitchFamily="50" charset="-127"/>
               </a:rPr>
@@ -8041,7 +7748,7 @@
           <a:lstStyle/>
           <a:p>
             <a:r>
-              <a:rPr lang="en-US" altLang="ko-KR" dirty="0" smtClean="0">
+              <a:rPr lang="en-US" altLang="ko-KR" dirty="0">
                 <a:latin typeface="배달의민족 주아" pitchFamily="18" charset="-127"/>
                 <a:ea typeface="배달의민족 주아" pitchFamily="18" charset="-127"/>
               </a:rPr>
@@ -8077,7 +7784,7 @@
           <a:lstStyle/>
           <a:p>
             <a:r>
-              <a:rPr lang="en-US" altLang="ko-KR" dirty="0" smtClean="0">
+              <a:rPr lang="en-US" altLang="ko-KR" dirty="0">
                 <a:solidFill>
                   <a:schemeClr val="accent5"/>
                 </a:solidFill>
@@ -8087,14 +7794,14 @@
               <a:t>S</a:t>
             </a:r>
             <a:r>
-              <a:rPr lang="en-US" altLang="ko-KR" dirty="0" smtClean="0">
+              <a:rPr lang="en-US" altLang="ko-KR" dirty="0">
                 <a:latin typeface="배달의민족 도현" pitchFamily="50" charset="-127"/>
                 <a:ea typeface="배달의민족 도현" pitchFamily="50" charset="-127"/>
               </a:rPr>
               <a:t>TART</a:t>
             </a:r>
             <a:r>
-              <a:rPr lang="en-US" altLang="ko-KR" dirty="0" smtClean="0">
+              <a:rPr lang="en-US" altLang="ko-KR" dirty="0">
                 <a:solidFill>
                   <a:schemeClr val="accent5"/>
                 </a:solidFill>
@@ -8104,7 +7811,7 @@
               <a:t>C</a:t>
             </a:r>
             <a:r>
-              <a:rPr lang="en-US" altLang="ko-KR" dirty="0" smtClean="0">
+              <a:rPr lang="en-US" altLang="ko-KR" dirty="0">
                 <a:latin typeface="배달의민족 도현" pitchFamily="50" charset="-127"/>
                 <a:ea typeface="배달의민족 도현" pitchFamily="50" charset="-127"/>
               </a:rPr>
@@ -8156,16 +7863,12 @@
           </a:lstStyle>
           <a:p>
             <a:r>
-              <a:rPr lang="ko-KR" altLang="en-US" dirty="0" smtClean="0">
+              <a:rPr lang="ko-KR" altLang="en-US" dirty="0">
                 <a:latin typeface="배달의민족 주아" pitchFamily="18" charset="-127"/>
                 <a:ea typeface="배달의민족 주아" pitchFamily="18" charset="-127"/>
               </a:rPr>
               <a:t>기계어</a:t>
             </a:r>
-            <a:endParaRPr lang="ko-KR" altLang="en-US" dirty="0">
-              <a:latin typeface="배달의민족 주아" pitchFamily="18" charset="-127"/>
-              <a:ea typeface="배달의민족 주아" pitchFamily="18" charset="-127"/>
-            </a:endParaRPr>
           </a:p>
         </p:txBody>
       </p:sp>
@@ -8355,33 +8058,33 @@
           <a:lstStyle/>
           <a:p>
             <a:r>
-              <a:rPr lang="en-US" altLang="ko-KR" dirty="0" smtClean="0">
+              <a:rPr lang="en-US" altLang="ko-KR" dirty="0">
                 <a:latin typeface="배달의민족 주아" pitchFamily="18" charset="-127"/>
                 <a:ea typeface="배달의민족 주아" pitchFamily="18" charset="-127"/>
               </a:rPr>
               <a:t>1000 1011 0100 0101 1111 1000</a:t>
             </a:r>
             <a:br>
-              <a:rPr lang="en-US" altLang="ko-KR" dirty="0" smtClean="0">
+              <a:rPr lang="en-US" altLang="ko-KR" dirty="0">
                 <a:latin typeface="배달의민족 주아" pitchFamily="18" charset="-127"/>
                 <a:ea typeface="배달의민족 주아" pitchFamily="18" charset="-127"/>
               </a:rPr>
             </a:br>
             <a:r>
-              <a:rPr lang="en-US" altLang="ko-KR" dirty="0" smtClean="0">
+              <a:rPr lang="en-US" altLang="ko-KR" dirty="0">
                 <a:latin typeface="배달의민족 주아" pitchFamily="18" charset="-127"/>
                 <a:ea typeface="배달의민족 주아" pitchFamily="18" charset="-127"/>
               </a:rPr>
               <a:t>1000 0011 1100 0100 0000 1100</a:t>
             </a:r>
             <a:br>
-              <a:rPr lang="en-US" altLang="ko-KR" dirty="0" smtClean="0">
+              <a:rPr lang="en-US" altLang="ko-KR" dirty="0">
                 <a:latin typeface="배달의민족 주아" pitchFamily="18" charset="-127"/>
                 <a:ea typeface="배달의민족 주아" pitchFamily="18" charset="-127"/>
               </a:rPr>
             </a:br>
             <a:r>
-              <a:rPr lang="en-US" altLang="ko-KR" dirty="0" smtClean="0">
+              <a:rPr lang="en-US" altLang="ko-KR" dirty="0">
                 <a:latin typeface="배달의민족 주아" pitchFamily="18" charset="-127"/>
                 <a:ea typeface="배달의민족 주아" pitchFamily="18" charset="-127"/>
               </a:rPr>
@@ -8417,7 +8120,7 @@
           <a:lstStyle/>
           <a:p>
             <a:r>
-              <a:rPr lang="en-US" altLang="ko-KR" dirty="0" smtClean="0">
+              <a:rPr lang="en-US" altLang="ko-KR" dirty="0">
                 <a:solidFill>
                   <a:schemeClr val="accent5"/>
                 </a:solidFill>
@@ -8427,14 +8130,14 @@
               <a:t>S</a:t>
             </a:r>
             <a:r>
-              <a:rPr lang="en-US" altLang="ko-KR" dirty="0" smtClean="0">
+              <a:rPr lang="en-US" altLang="ko-KR" dirty="0">
                 <a:latin typeface="배달의민족 도현" pitchFamily="50" charset="-127"/>
                 <a:ea typeface="배달의민족 도현" pitchFamily="50" charset="-127"/>
               </a:rPr>
               <a:t>TART</a:t>
             </a:r>
             <a:r>
-              <a:rPr lang="en-US" altLang="ko-KR" dirty="0" smtClean="0">
+              <a:rPr lang="en-US" altLang="ko-KR" dirty="0">
                 <a:solidFill>
                   <a:schemeClr val="accent5"/>
                 </a:solidFill>
@@ -8444,7 +8147,7 @@
               <a:t>C</a:t>
             </a:r>
             <a:r>
-              <a:rPr lang="en-US" altLang="ko-KR" dirty="0" smtClean="0">
+              <a:rPr lang="en-US" altLang="ko-KR" dirty="0">
                 <a:latin typeface="배달의민족 도현" pitchFamily="50" charset="-127"/>
                 <a:ea typeface="배달의민족 도현" pitchFamily="50" charset="-127"/>
               </a:rPr>
@@ -8496,7 +8199,7 @@
           </a:lstStyle>
           <a:p>
             <a:r>
-              <a:rPr lang="en-US" altLang="ko-KR" dirty="0" smtClean="0">
+              <a:rPr lang="en-US" altLang="ko-KR" dirty="0">
                 <a:latin typeface="배달의민족 주아" pitchFamily="18" charset="-127"/>
                 <a:ea typeface="배달의민족 주아" pitchFamily="18" charset="-127"/>
               </a:rPr>
@@ -8861,16 +8564,12 @@
           <a:lstStyle/>
           <a:p>
             <a:r>
-              <a:rPr lang="ko-KR" altLang="en-US" dirty="0" smtClean="0">
+              <a:rPr lang="ko-KR" altLang="en-US" dirty="0">
                 <a:latin typeface="배달의민족 주아" pitchFamily="18" charset="-127"/>
                 <a:ea typeface="배달의민족 주아" pitchFamily="18" charset="-127"/>
               </a:rPr>
               <a:t>어셈블리어</a:t>
             </a:r>
-            <a:endParaRPr lang="ko-KR" altLang="en-US" dirty="0">
-              <a:latin typeface="배달의민족 주아" pitchFamily="18" charset="-127"/>
-              <a:ea typeface="배달의민족 주아" pitchFamily="18" charset="-127"/>
-            </a:endParaRPr>
           </a:p>
         </p:txBody>
       </p:sp>
@@ -8897,7 +8596,7 @@
           <a:lstStyle/>
           <a:p>
             <a:r>
-              <a:rPr lang="en-US" altLang="ko-KR" dirty="0" smtClean="0">
+              <a:rPr lang="en-US" altLang="ko-KR" dirty="0">
                 <a:solidFill>
                   <a:schemeClr val="accent5"/>
                 </a:solidFill>
@@ -8907,14 +8606,14 @@
               <a:t>S</a:t>
             </a:r>
             <a:r>
-              <a:rPr lang="en-US" altLang="ko-KR" dirty="0" smtClean="0">
+              <a:rPr lang="en-US" altLang="ko-KR" dirty="0">
                 <a:latin typeface="배달의민족 도현" pitchFamily="50" charset="-127"/>
                 <a:ea typeface="배달의민족 도현" pitchFamily="50" charset="-127"/>
               </a:rPr>
               <a:t>TART</a:t>
             </a:r>
             <a:r>
-              <a:rPr lang="en-US" altLang="ko-KR" dirty="0" smtClean="0">
+              <a:rPr lang="en-US" altLang="ko-KR" dirty="0">
                 <a:solidFill>
                   <a:schemeClr val="accent5"/>
                 </a:solidFill>
@@ -8924,7 +8623,7 @@
               <a:t>C</a:t>
             </a:r>
             <a:r>
-              <a:rPr lang="en-US" altLang="ko-KR" dirty="0" smtClean="0">
+              <a:rPr lang="en-US" altLang="ko-KR" dirty="0">
                 <a:latin typeface="배달의민족 도현" pitchFamily="50" charset="-127"/>
                 <a:ea typeface="배달의민족 도현" pitchFamily="50" charset="-127"/>
               </a:rPr>
@@ -8976,16 +8675,12 @@
           </a:lstStyle>
           <a:p>
             <a:r>
-              <a:rPr lang="ko-KR" altLang="en-US" dirty="0" smtClean="0">
+              <a:rPr lang="ko-KR" altLang="en-US" dirty="0">
                 <a:latin typeface="배달의민족 주아" pitchFamily="18" charset="-127"/>
                 <a:ea typeface="배달의민족 주아" pitchFamily="18" charset="-127"/>
               </a:rPr>
               <a:t>기계어</a:t>
             </a:r>
-            <a:endParaRPr lang="ko-KR" altLang="en-US" dirty="0">
-              <a:latin typeface="배달의민족 주아" pitchFamily="18" charset="-127"/>
-              <a:ea typeface="배달의민족 주아" pitchFamily="18" charset="-127"/>
-            </a:endParaRPr>
           </a:p>
         </p:txBody>
       </p:sp>
@@ -9028,16 +8723,12 @@
           </a:lstStyle>
           <a:p>
             <a:r>
-              <a:rPr lang="ko-KR" altLang="en-US" dirty="0" smtClean="0">
+              <a:rPr lang="ko-KR" altLang="en-US" dirty="0">
                 <a:latin typeface="배달의민족 주아" pitchFamily="18" charset="-127"/>
                 <a:ea typeface="배달의민족 주아" pitchFamily="18" charset="-127"/>
               </a:rPr>
               <a:t>고급언어</a:t>
             </a:r>
-            <a:endParaRPr lang="ko-KR" altLang="en-US" dirty="0">
-              <a:latin typeface="배달의민족 주아" pitchFamily="18" charset="-127"/>
-              <a:ea typeface="배달의민족 주아" pitchFamily="18" charset="-127"/>
-            </a:endParaRPr>
           </a:p>
         </p:txBody>
       </p:sp>
@@ -9505,16 +9196,12 @@
           <a:lstStyle/>
           <a:p>
             <a:r>
-              <a:rPr lang="ko-KR" altLang="en-US" dirty="0" smtClean="0">
+              <a:rPr lang="ko-KR" altLang="en-US" dirty="0">
                 <a:latin typeface="배달의민족 주아" pitchFamily="18" charset="-127"/>
                 <a:ea typeface="배달의민족 주아" pitchFamily="18" charset="-127"/>
               </a:rPr>
               <a:t>고급언어</a:t>
             </a:r>
-            <a:endParaRPr lang="ko-KR" altLang="en-US" dirty="0">
-              <a:latin typeface="배달의민족 주아" pitchFamily="18" charset="-127"/>
-              <a:ea typeface="배달의민족 주아" pitchFamily="18" charset="-127"/>
-            </a:endParaRPr>
           </a:p>
         </p:txBody>
       </p:sp>
@@ -9541,7 +9228,7 @@
           <a:lstStyle/>
           <a:p>
             <a:r>
-              <a:rPr lang="en-US" altLang="ko-KR" dirty="0" smtClean="0">
+              <a:rPr lang="en-US" altLang="ko-KR" dirty="0">
                 <a:solidFill>
                   <a:schemeClr val="accent5"/>
                 </a:solidFill>
@@ -9551,14 +9238,14 @@
               <a:t>S</a:t>
             </a:r>
             <a:r>
-              <a:rPr lang="en-US" altLang="ko-KR" dirty="0" smtClean="0">
+              <a:rPr lang="en-US" altLang="ko-KR" dirty="0">
                 <a:latin typeface="배달의민족 도현" pitchFamily="50" charset="-127"/>
                 <a:ea typeface="배달의민족 도현" pitchFamily="50" charset="-127"/>
               </a:rPr>
               <a:t>TART</a:t>
             </a:r>
             <a:r>
-              <a:rPr lang="en-US" altLang="ko-KR" dirty="0" smtClean="0">
+              <a:rPr lang="en-US" altLang="ko-KR" dirty="0">
                 <a:solidFill>
                   <a:schemeClr val="accent5"/>
                 </a:solidFill>
@@ -9568,7 +9255,7 @@
               <a:t>C</a:t>
             </a:r>
             <a:r>
-              <a:rPr lang="en-US" altLang="ko-KR" dirty="0" smtClean="0">
+              <a:rPr lang="en-US" altLang="ko-KR" dirty="0">
                 <a:latin typeface="배달의민족 도현" pitchFamily="50" charset="-127"/>
                 <a:ea typeface="배달의민족 도현" pitchFamily="50" charset="-127"/>
               </a:rPr>
@@ -10031,14 +9718,14 @@
           <a:lstStyle/>
           <a:p>
             <a:r>
-              <a:rPr lang="ko-KR" altLang="en-US" dirty="0" err="1" smtClean="0">
+              <a:rPr lang="ko-KR" altLang="en-US" dirty="0" err="1">
                 <a:latin typeface="배달의민족 주아" pitchFamily="18" charset="-127"/>
                 <a:ea typeface="배달의민족 주아" pitchFamily="18" charset="-127"/>
               </a:rPr>
               <a:t>파이썬</a:t>
             </a:r>
             <a:r>
-              <a:rPr lang="en-US" altLang="ko-KR" dirty="0" smtClean="0">
+              <a:rPr lang="en-US" altLang="ko-KR" dirty="0">
                 <a:latin typeface="배달의민족 주아" pitchFamily="18" charset="-127"/>
                 <a:ea typeface="배달의민족 주아" pitchFamily="18" charset="-127"/>
               </a:rPr>
@@ -10074,7 +9761,7 @@
           <a:lstStyle/>
           <a:p>
             <a:r>
-              <a:rPr lang="en-US" altLang="ko-KR" dirty="0" smtClean="0">
+              <a:rPr lang="en-US" altLang="ko-KR" dirty="0">
                 <a:solidFill>
                   <a:schemeClr val="accent5"/>
                 </a:solidFill>
@@ -10084,14 +9771,14 @@
               <a:t>S</a:t>
             </a:r>
             <a:r>
-              <a:rPr lang="en-US" altLang="ko-KR" dirty="0" smtClean="0">
+              <a:rPr lang="en-US" altLang="ko-KR" dirty="0">
                 <a:latin typeface="배달의민족 도현" pitchFamily="50" charset="-127"/>
                 <a:ea typeface="배달의민족 도현" pitchFamily="50" charset="-127"/>
               </a:rPr>
               <a:t>TART</a:t>
             </a:r>
             <a:r>
-              <a:rPr lang="en-US" altLang="ko-KR" dirty="0" smtClean="0">
+              <a:rPr lang="en-US" altLang="ko-KR" dirty="0">
                 <a:solidFill>
                   <a:schemeClr val="accent5"/>
                 </a:solidFill>
@@ -10101,7 +9788,7 @@
               <a:t>C</a:t>
             </a:r>
             <a:r>
-              <a:rPr lang="en-US" altLang="ko-KR" dirty="0" smtClean="0">
+              <a:rPr lang="en-US" altLang="ko-KR" dirty="0">
                 <a:latin typeface="배달의민족 도현" pitchFamily="50" charset="-127"/>
                 <a:ea typeface="배달의민족 도현" pitchFamily="50" charset="-127"/>
               </a:rPr>
@@ -10136,32 +9823,25 @@
           <a:lstStyle/>
           <a:p>
             <a:r>
-              <a:rPr lang="en-US" altLang="ko-KR" dirty="0" smtClean="0">
+              <a:rPr lang="en-US" altLang="ko-KR" dirty="0">
                 <a:latin typeface="배달의민족 주아" pitchFamily="18" charset="-127"/>
                 <a:ea typeface="배달의민족 주아" pitchFamily="18" charset="-127"/>
               </a:rPr>
               <a:t>2. </a:t>
             </a:r>
             <a:r>
-              <a:rPr lang="ko-KR" altLang="en-US" dirty="0" err="1" smtClean="0">
+              <a:rPr lang="ko-KR" altLang="en-US" dirty="0" err="1">
                 <a:latin typeface="배달의민족 주아" pitchFamily="18" charset="-127"/>
                 <a:ea typeface="배달의민족 주아" pitchFamily="18" charset="-127"/>
               </a:rPr>
               <a:t>파이썬이란</a:t>
             </a:r>
             <a:r>
-              <a:rPr lang="ko-KR" altLang="en-US" dirty="0" smtClean="0">
-                <a:latin typeface="배달의민족 주아" pitchFamily="18" charset="-127"/>
-                <a:ea typeface="배달의민족 주아" pitchFamily="18" charset="-127"/>
-              </a:rPr>
-              <a:t> </a:t>
-            </a:r>
-            <a:r>
               <a:rPr lang="ko-KR" altLang="en-US" dirty="0">
                 <a:latin typeface="배달의민족 주아" pitchFamily="18" charset="-127"/>
                 <a:ea typeface="배달의민족 주아" pitchFamily="18" charset="-127"/>
               </a:rPr>
-              <a:t>무엇인가</a:t>
+              <a:t> 무엇인가</a:t>
             </a:r>
             <a:r>
               <a:rPr lang="en-US" altLang="ko-KR" dirty="0">

--- a/파이썬기초(PPT)/파이썬 기초 1강_강의소개.pptx
+++ b/파이썬기초(PPT)/파이썬 기초 1강_강의소개.pptx
@@ -4,6 +4,9 @@
   <p:sldMasterIdLst>
     <p:sldMasterId id="2147483648" r:id="rId1"/>
   </p:sldMasterIdLst>
+  <p:handoutMasterIdLst>
+    <p:handoutMasterId r:id="rId20"/>
+  </p:handoutMasterIdLst>
   <p:sldIdLst>
     <p:sldId id="256" r:id="rId2"/>
     <p:sldId id="272" r:id="rId3"/>
@@ -21,16 +24,17 @@
     <p:sldId id="278" r:id="rId15"/>
     <p:sldId id="279" r:id="rId16"/>
     <p:sldId id="280" r:id="rId17"/>
-    <p:sldId id="263" r:id="rId18"/>
+    <p:sldId id="281" r:id="rId18"/>
+    <p:sldId id="263" r:id="rId19"/>
   </p:sldIdLst>
-  <p:sldSz cx="9144000" cy="6858000" type="screen4x3"/>
-  <p:notesSz cx="6858000" cy="9144000"/>
+  <p:sldSz cx="9906000" cy="6858000" type="A4"/>
+  <p:notesSz cx="10020300" cy="6888163"/>
   <p:defaultTextStyle>
     <a:defPPr>
       <a:defRPr lang="ko-KR"/>
     </a:defPPr>
-    <a:lvl1pPr marL="0" algn="l" defTabSz="914400" rtl="0" eaLnBrk="1" latinLnBrk="1" hangingPunct="1">
-      <a:defRPr sz="1800" kern="1200">
+    <a:lvl1pPr marL="0" algn="l" defTabSz="957114" rtl="0" eaLnBrk="1" latinLnBrk="1" hangingPunct="1">
+      <a:defRPr sz="1883" kern="1200">
         <a:solidFill>
           <a:schemeClr val="tx1"/>
         </a:solidFill>
@@ -39,8 +43,8 @@
         <a:cs typeface="+mn-cs"/>
       </a:defRPr>
     </a:lvl1pPr>
-    <a:lvl2pPr marL="457200" algn="l" defTabSz="914400" rtl="0" eaLnBrk="1" latinLnBrk="1" hangingPunct="1">
-      <a:defRPr sz="1800" kern="1200">
+    <a:lvl2pPr marL="478557" algn="l" defTabSz="957114" rtl="0" eaLnBrk="1" latinLnBrk="1" hangingPunct="1">
+      <a:defRPr sz="1883" kern="1200">
         <a:solidFill>
           <a:schemeClr val="tx1"/>
         </a:solidFill>
@@ -49,8 +53,8 @@
         <a:cs typeface="+mn-cs"/>
       </a:defRPr>
     </a:lvl2pPr>
-    <a:lvl3pPr marL="914400" algn="l" defTabSz="914400" rtl="0" eaLnBrk="1" latinLnBrk="1" hangingPunct="1">
-      <a:defRPr sz="1800" kern="1200">
+    <a:lvl3pPr marL="957114" algn="l" defTabSz="957114" rtl="0" eaLnBrk="1" latinLnBrk="1" hangingPunct="1">
+      <a:defRPr sz="1883" kern="1200">
         <a:solidFill>
           <a:schemeClr val="tx1"/>
         </a:solidFill>
@@ -59,8 +63,8 @@
         <a:cs typeface="+mn-cs"/>
       </a:defRPr>
     </a:lvl3pPr>
-    <a:lvl4pPr marL="1371600" algn="l" defTabSz="914400" rtl="0" eaLnBrk="1" latinLnBrk="1" hangingPunct="1">
-      <a:defRPr sz="1800" kern="1200">
+    <a:lvl4pPr marL="1435671" algn="l" defTabSz="957114" rtl="0" eaLnBrk="1" latinLnBrk="1" hangingPunct="1">
+      <a:defRPr sz="1883" kern="1200">
         <a:solidFill>
           <a:schemeClr val="tx1"/>
         </a:solidFill>
@@ -69,8 +73,8 @@
         <a:cs typeface="+mn-cs"/>
       </a:defRPr>
     </a:lvl4pPr>
-    <a:lvl5pPr marL="1828800" algn="l" defTabSz="914400" rtl="0" eaLnBrk="1" latinLnBrk="1" hangingPunct="1">
-      <a:defRPr sz="1800" kern="1200">
+    <a:lvl5pPr marL="1914227" algn="l" defTabSz="957114" rtl="0" eaLnBrk="1" latinLnBrk="1" hangingPunct="1">
+      <a:defRPr sz="1883" kern="1200">
         <a:solidFill>
           <a:schemeClr val="tx1"/>
         </a:solidFill>
@@ -79,8 +83,8 @@
         <a:cs typeface="+mn-cs"/>
       </a:defRPr>
     </a:lvl5pPr>
-    <a:lvl6pPr marL="2286000" algn="l" defTabSz="914400" rtl="0" eaLnBrk="1" latinLnBrk="1" hangingPunct="1">
-      <a:defRPr sz="1800" kern="1200">
+    <a:lvl6pPr marL="2392787" algn="l" defTabSz="957114" rtl="0" eaLnBrk="1" latinLnBrk="1" hangingPunct="1">
+      <a:defRPr sz="1883" kern="1200">
         <a:solidFill>
           <a:schemeClr val="tx1"/>
         </a:solidFill>
@@ -89,8 +93,8 @@
         <a:cs typeface="+mn-cs"/>
       </a:defRPr>
     </a:lvl6pPr>
-    <a:lvl7pPr marL="2743200" algn="l" defTabSz="914400" rtl="0" eaLnBrk="1" latinLnBrk="1" hangingPunct="1">
-      <a:defRPr sz="1800" kern="1200">
+    <a:lvl7pPr marL="2871342" algn="l" defTabSz="957114" rtl="0" eaLnBrk="1" latinLnBrk="1" hangingPunct="1">
+      <a:defRPr sz="1883" kern="1200">
         <a:solidFill>
           <a:schemeClr val="tx1"/>
         </a:solidFill>
@@ -99,8 +103,8 @@
         <a:cs typeface="+mn-cs"/>
       </a:defRPr>
     </a:lvl7pPr>
-    <a:lvl8pPr marL="3200400" algn="l" defTabSz="914400" rtl="0" eaLnBrk="1" latinLnBrk="1" hangingPunct="1">
-      <a:defRPr sz="1800" kern="1200">
+    <a:lvl8pPr marL="3349901" algn="l" defTabSz="957114" rtl="0" eaLnBrk="1" latinLnBrk="1" hangingPunct="1">
+      <a:defRPr sz="1883" kern="1200">
         <a:solidFill>
           <a:schemeClr val="tx1"/>
         </a:solidFill>
@@ -109,8 +113,8 @@
         <a:cs typeface="+mn-cs"/>
       </a:defRPr>
     </a:lvl8pPr>
-    <a:lvl9pPr marL="3657600" algn="l" defTabSz="914400" rtl="0" eaLnBrk="1" latinLnBrk="1" hangingPunct="1">
-      <a:defRPr sz="1800" kern="1200">
+    <a:lvl9pPr marL="3828456" algn="l" defTabSz="957114" rtl="0" eaLnBrk="1" latinLnBrk="1" hangingPunct="1">
+      <a:defRPr sz="1883" kern="1200">
         <a:solidFill>
           <a:schemeClr val="tx1"/>
         </a:solidFill>
@@ -123,12 +127,12 @@
   <p:extLst>
     <p:ext uri="{EFAFB233-063F-42B5-8137-9DF3F51BA10A}">
       <p15:sldGuideLst xmlns:p15="http://schemas.microsoft.com/office/powerpoint/2012/main">
-        <p15:guide id="1" orient="horz" pos="2160">
+        <p15:guide id="1" orient="horz" pos="2160" userDrawn="1">
           <p15:clr>
             <a:srgbClr val="A4A3A4"/>
           </p15:clr>
         </p15:guide>
-        <p15:guide id="2" pos="2880">
+        <p15:guide id="2" pos="3120" userDrawn="1">
           <p15:clr>
             <a:srgbClr val="A4A3A4"/>
           </p15:clr>
@@ -137,6 +141,154 @@
     </p:ext>
   </p:extLst>
 </p:presentation>
+</file>
+
+<file path=ppt/handoutMasters/handoutMaster1.xml><?xml version="1.0" encoding="utf-8"?>
+<p:handoutMaster xmlns:a="http://schemas.openxmlformats.org/drawingml/2006/main" xmlns:r="http://schemas.openxmlformats.org/officeDocument/2006/relationships" xmlns:p="http://schemas.openxmlformats.org/presentationml/2006/main">
+  <p:cSld>
+    <p:bg>
+      <p:bgRef idx="1001">
+        <a:schemeClr val="bg1"/>
+      </p:bgRef>
+    </p:bg>
+    <p:spTree>
+      <p:nvGrpSpPr>
+        <p:cNvPr id="1" name=""/>
+        <p:cNvGrpSpPr/>
+        <p:nvPr/>
+      </p:nvGrpSpPr>
+      <p:grpSpPr>
+        <a:xfrm>
+          <a:off x="0" y="0"/>
+          <a:ext cx="0" cy="0"/>
+          <a:chOff x="0" y="0"/>
+          <a:chExt cx="0" cy="0"/>
+        </a:xfrm>
+      </p:grpSpPr>
+      <p:sp>
+        <p:nvSpPr>
+          <p:cNvPr id="2" name="머리글 개체 틀 1">
+            <a:extLst>
+              <a:ext uri="{FF2B5EF4-FFF2-40B4-BE49-F238E27FC236}">
+                <a16:creationId xmlns:a16="http://schemas.microsoft.com/office/drawing/2014/main" id="{A949E563-71AB-447A-AAA5-D865D0246021}"/>
+              </a:ext>
+            </a:extLst>
+          </p:cNvPr>
+          <p:cNvSpPr>
+            <a:spLocks noGrp="1"/>
+          </p:cNvSpPr>
+          <p:nvPr>
+            <p:ph type="hdr" sz="quarter"/>
+          </p:nvPr>
+        </p:nvSpPr>
+        <p:spPr>
+          <a:xfrm>
+            <a:off x="0" y="0"/>
+            <a:ext cx="4341813" cy="346075"/>
+          </a:xfrm>
+          <a:prstGeom prst="rect">
+            <a:avLst/>
+          </a:prstGeom>
+        </p:spPr>
+        <p:txBody>
+          <a:bodyPr vert="horz" lIns="91440" tIns="45720" rIns="91440" bIns="45720" rtlCol="0"/>
+          <a:lstStyle>
+            <a:lvl1pPr algn="l">
+              <a:defRPr sz="1200"/>
+            </a:lvl1pPr>
+          </a:lstStyle>
+          <a:p>
+            <a:endParaRPr lang="ko-KR" altLang="en-US"/>
+          </a:p>
+        </p:txBody>
+      </p:sp>
+      <p:sp>
+        <p:nvSpPr>
+          <p:cNvPr id="4" name="바닥글 개체 틀 3">
+            <a:extLst>
+              <a:ext uri="{FF2B5EF4-FFF2-40B4-BE49-F238E27FC236}">
+                <a16:creationId xmlns:a16="http://schemas.microsoft.com/office/drawing/2014/main" id="{E8CE16C8-6921-4EDC-8170-A53D6A2BF217}"/>
+              </a:ext>
+            </a:extLst>
+          </p:cNvPr>
+          <p:cNvSpPr>
+            <a:spLocks noGrp="1"/>
+          </p:cNvSpPr>
+          <p:nvPr>
+            <p:ph type="ftr" sz="quarter" idx="2"/>
+          </p:nvPr>
+        </p:nvSpPr>
+        <p:spPr>
+          <a:xfrm>
+            <a:off x="0" y="6542088"/>
+            <a:ext cx="4341813" cy="346075"/>
+          </a:xfrm>
+          <a:prstGeom prst="rect">
+            <a:avLst/>
+          </a:prstGeom>
+        </p:spPr>
+        <p:txBody>
+          <a:bodyPr vert="horz" lIns="91440" tIns="45720" rIns="91440" bIns="45720" rtlCol="0" anchor="b"/>
+          <a:lstStyle>
+            <a:lvl1pPr algn="l">
+              <a:defRPr sz="1200"/>
+            </a:lvl1pPr>
+          </a:lstStyle>
+          <a:p>
+            <a:endParaRPr lang="ko-KR" altLang="en-US"/>
+          </a:p>
+        </p:txBody>
+      </p:sp>
+      <p:sp>
+        <p:nvSpPr>
+          <p:cNvPr id="5" name="슬라이드 번호 개체 틀 4">
+            <a:extLst>
+              <a:ext uri="{FF2B5EF4-FFF2-40B4-BE49-F238E27FC236}">
+                <a16:creationId xmlns:a16="http://schemas.microsoft.com/office/drawing/2014/main" id="{47D41B52-461A-44DE-9352-C3083B6AAEA2}"/>
+              </a:ext>
+            </a:extLst>
+          </p:cNvPr>
+          <p:cNvSpPr>
+            <a:spLocks noGrp="1"/>
+          </p:cNvSpPr>
+          <p:nvPr>
+            <p:ph type="sldNum" sz="quarter" idx="3"/>
+          </p:nvPr>
+        </p:nvSpPr>
+        <p:spPr>
+          <a:xfrm>
+            <a:off x="5675313" y="6542088"/>
+            <a:ext cx="4343400" cy="346075"/>
+          </a:xfrm>
+          <a:prstGeom prst="rect">
+            <a:avLst/>
+          </a:prstGeom>
+        </p:spPr>
+        <p:txBody>
+          <a:bodyPr vert="horz" lIns="91440" tIns="45720" rIns="91440" bIns="45720" rtlCol="0" anchor="b"/>
+          <a:lstStyle>
+            <a:lvl1pPr algn="r">
+              <a:defRPr sz="1200"/>
+            </a:lvl1pPr>
+          </a:lstStyle>
+          <a:p>
+            <a:fld id="{510994F8-358B-4A1C-86C9-B45BF79B6027}" type="slidenum">
+              <a:rPr lang="ko-KR" altLang="en-US" smtClean="0"/>
+              <a:t>‹#›</a:t>
+            </a:fld>
+            <a:endParaRPr lang="ko-KR" altLang="en-US"/>
+          </a:p>
+        </p:txBody>
+      </p:sp>
+    </p:spTree>
+    <p:extLst>
+      <p:ext uri="{BB962C8B-B14F-4D97-AF65-F5344CB8AC3E}">
+        <p14:creationId xmlns:p14="http://schemas.microsoft.com/office/powerpoint/2010/main" val="4275585667"/>
+      </p:ext>
+    </p:extLst>
+  </p:cSld>
+  <p:clrMap bg1="lt1" tx1="dk1" bg2="lt2" tx2="dk2" accent1="accent1" accent2="accent2" accent3="accent3" accent4="accent4" accent5="accent5" accent6="accent6" hlink="hlink" folHlink="folHlink"/>
+</p:handoutMaster>
 </file>
 
 <file path=ppt/slideLayouts/slideLayout1.xml><?xml version="1.0" encoding="utf-8"?>
@@ -168,8 +320,8 @@
         </p:nvSpPr>
         <p:spPr>
           <a:xfrm>
-            <a:off x="685800" y="2130425"/>
-            <a:ext cx="7772400" cy="1470025"/>
+            <a:off x="742951" y="2130451"/>
+            <a:ext cx="8420100" cy="1470025"/>
           </a:xfrm>
         </p:spPr>
         <p:txBody>
@@ -195,8 +347,8 @@
         </p:nvSpPr>
         <p:spPr>
           <a:xfrm>
-            <a:off x="1371600" y="3886200"/>
-            <a:ext cx="6400800" cy="1752600"/>
+            <a:off x="1485900" y="3886201"/>
+            <a:ext cx="6934200" cy="1752600"/>
           </a:xfrm>
         </p:spPr>
         <p:txBody>
@@ -212,7 +364,7 @@
                 </a:solidFill>
               </a:defRPr>
             </a:lvl1pPr>
-            <a:lvl2pPr marL="457200" indent="0" algn="ctr">
+            <a:lvl2pPr marL="640247" indent="0" algn="ctr">
               <a:buNone/>
               <a:defRPr>
                 <a:solidFill>
@@ -222,7 +374,7 @@
                 </a:solidFill>
               </a:defRPr>
             </a:lvl2pPr>
-            <a:lvl3pPr marL="914400" indent="0" algn="ctr">
+            <a:lvl3pPr marL="1280496" indent="0" algn="ctr">
               <a:buNone/>
               <a:defRPr>
                 <a:solidFill>
@@ -232,7 +384,7 @@
                 </a:solidFill>
               </a:defRPr>
             </a:lvl3pPr>
-            <a:lvl4pPr marL="1371600" indent="0" algn="ctr">
+            <a:lvl4pPr marL="1920743" indent="0" algn="ctr">
               <a:buNone/>
               <a:defRPr>
                 <a:solidFill>
@@ -242,7 +394,7 @@
                 </a:solidFill>
               </a:defRPr>
             </a:lvl4pPr>
-            <a:lvl5pPr marL="1828800" indent="0" algn="ctr">
+            <a:lvl5pPr marL="2560989" indent="0" algn="ctr">
               <a:buNone/>
               <a:defRPr>
                 <a:solidFill>
@@ -252,7 +404,7 @@
                 </a:solidFill>
               </a:defRPr>
             </a:lvl5pPr>
-            <a:lvl6pPr marL="2286000" indent="0" algn="ctr">
+            <a:lvl6pPr marL="3201237" indent="0" algn="ctr">
               <a:buNone/>
               <a:defRPr>
                 <a:solidFill>
@@ -262,7 +414,7 @@
                 </a:solidFill>
               </a:defRPr>
             </a:lvl6pPr>
-            <a:lvl7pPr marL="2743200" indent="0" algn="ctr">
+            <a:lvl7pPr marL="3841482" indent="0" algn="ctr">
               <a:buNone/>
               <a:defRPr>
                 <a:solidFill>
@@ -272,7 +424,7 @@
                 </a:solidFill>
               </a:defRPr>
             </a:lvl7pPr>
-            <a:lvl8pPr marL="3200400" indent="0" algn="ctr">
+            <a:lvl8pPr marL="4481725" indent="0" algn="ctr">
               <a:buNone/>
               <a:defRPr>
                 <a:solidFill>
@@ -282,7 +434,7 @@
                 </a:solidFill>
               </a:defRPr>
             </a:lvl8pPr>
-            <a:lvl9pPr marL="3657600" indent="0" algn="ctr">
+            <a:lvl9pPr marL="5121977" indent="0" algn="ctr">
               <a:buNone/>
               <a:defRPr>
                 <a:solidFill>
@@ -318,7 +470,7 @@
           <a:p>
             <a:fld id="{FB30EDBD-1C2D-4C1E-B459-B60219FAB484}" type="datetimeFigureOut">
               <a:rPr lang="ko-KR" altLang="en-US" smtClean="0"/>
-              <a:t>2020-10-31</a:t>
+              <a:t>2020-11-01</a:t>
             </a:fld>
             <a:endParaRPr lang="ko-KR" altLang="en-US"/>
           </a:p>
@@ -481,7 +633,7 @@
           <a:p>
             <a:fld id="{FB30EDBD-1C2D-4C1E-B459-B60219FAB484}" type="datetimeFigureOut">
               <a:rPr lang="ko-KR" altLang="en-US" smtClean="0"/>
-              <a:t>2020-10-31</a:t>
+              <a:t>2020-11-01</a:t>
             </a:fld>
             <a:endParaRPr lang="ko-KR" altLang="en-US"/>
           </a:p>
@@ -566,8 +718,8 @@
         </p:nvSpPr>
         <p:spPr>
           <a:xfrm>
-            <a:off x="6629400" y="274638"/>
-            <a:ext cx="2057400" cy="5851525"/>
+            <a:off x="7181850" y="274653"/>
+            <a:ext cx="2228850" cy="5851525"/>
           </a:xfrm>
         </p:spPr>
         <p:txBody>
@@ -593,8 +745,8 @@
         </p:nvSpPr>
         <p:spPr>
           <a:xfrm>
-            <a:off x="457200" y="274638"/>
-            <a:ext cx="6019800" cy="5851525"/>
+            <a:off x="495301" y="274653"/>
+            <a:ext cx="6521450" cy="5851525"/>
           </a:xfrm>
         </p:spPr>
         <p:txBody>
@@ -654,7 +806,7 @@
           <a:p>
             <a:fld id="{FB30EDBD-1C2D-4C1E-B459-B60219FAB484}" type="datetimeFigureOut">
               <a:rPr lang="ko-KR" altLang="en-US" smtClean="0"/>
-              <a:t>2020-10-31</a:t>
+              <a:t>2020-11-01</a:t>
             </a:fld>
             <a:endParaRPr lang="ko-KR" altLang="en-US"/>
           </a:p>
@@ -817,7 +969,7 @@
           <a:p>
             <a:fld id="{FB30EDBD-1C2D-4C1E-B459-B60219FAB484}" type="datetimeFigureOut">
               <a:rPr lang="ko-KR" altLang="en-US" smtClean="0"/>
-              <a:t>2020-10-31</a:t>
+              <a:t>2020-11-01</a:t>
             </a:fld>
             <a:endParaRPr lang="ko-KR" altLang="en-US"/>
           </a:p>
@@ -902,15 +1054,15 @@
         </p:nvSpPr>
         <p:spPr>
           <a:xfrm>
-            <a:off x="722313" y="4406900"/>
-            <a:ext cx="7772400" cy="1362075"/>
+            <a:off x="782508" y="4406915"/>
+            <a:ext cx="8420100" cy="1362076"/>
           </a:xfrm>
         </p:spPr>
         <p:txBody>
           <a:bodyPr anchor="t"/>
           <a:lstStyle>
             <a:lvl1pPr algn="l">
-              <a:defRPr sz="4000" b="1" cap="all"/>
+              <a:defRPr sz="5601" b="1" cap="all"/>
             </a:lvl1pPr>
           </a:lstStyle>
           <a:p>
@@ -933,8 +1085,8 @@
         </p:nvSpPr>
         <p:spPr>
           <a:xfrm>
-            <a:off x="722313" y="2906713"/>
-            <a:ext cx="7772400" cy="1500187"/>
+            <a:off x="782508" y="2906714"/>
+            <a:ext cx="8420100" cy="1500187"/>
           </a:xfrm>
         </p:spPr>
         <p:txBody>
@@ -942,7 +1094,7 @@
           <a:lstStyle>
             <a:lvl1pPr marL="0" indent="0">
               <a:buNone/>
-              <a:defRPr sz="2000">
+              <a:defRPr sz="2803">
                 <a:solidFill>
                   <a:schemeClr val="tx1">
                     <a:tint val="75000"/>
@@ -950,9 +1102,9 @@
                 </a:solidFill>
               </a:defRPr>
             </a:lvl1pPr>
-            <a:lvl2pPr marL="457200" indent="0">
+            <a:lvl2pPr marL="640247" indent="0">
               <a:buNone/>
-              <a:defRPr sz="1800">
+              <a:defRPr sz="2520">
                 <a:solidFill>
                   <a:schemeClr val="tx1">
                     <a:tint val="75000"/>
@@ -960,9 +1112,9 @@
                 </a:solidFill>
               </a:defRPr>
             </a:lvl2pPr>
-            <a:lvl3pPr marL="914400" indent="0">
+            <a:lvl3pPr marL="1280496" indent="0">
               <a:buNone/>
-              <a:defRPr sz="1600">
+              <a:defRPr sz="2240">
                 <a:solidFill>
                   <a:schemeClr val="tx1">
                     <a:tint val="75000"/>
@@ -970,9 +1122,9 @@
                 </a:solidFill>
               </a:defRPr>
             </a:lvl3pPr>
-            <a:lvl4pPr marL="1371600" indent="0">
+            <a:lvl4pPr marL="1920743" indent="0">
               <a:buNone/>
-              <a:defRPr sz="1400">
+              <a:defRPr sz="1960">
                 <a:solidFill>
                   <a:schemeClr val="tx1">
                     <a:tint val="75000"/>
@@ -980,9 +1132,9 @@
                 </a:solidFill>
               </a:defRPr>
             </a:lvl4pPr>
-            <a:lvl5pPr marL="1828800" indent="0">
+            <a:lvl5pPr marL="2560989" indent="0">
               <a:buNone/>
-              <a:defRPr sz="1400">
+              <a:defRPr sz="1960">
                 <a:solidFill>
                   <a:schemeClr val="tx1">
                     <a:tint val="75000"/>
@@ -990,9 +1142,9 @@
                 </a:solidFill>
               </a:defRPr>
             </a:lvl5pPr>
-            <a:lvl6pPr marL="2286000" indent="0">
+            <a:lvl6pPr marL="3201237" indent="0">
               <a:buNone/>
-              <a:defRPr sz="1400">
+              <a:defRPr sz="1960">
                 <a:solidFill>
                   <a:schemeClr val="tx1">
                     <a:tint val="75000"/>
@@ -1000,9 +1152,9 @@
                 </a:solidFill>
               </a:defRPr>
             </a:lvl6pPr>
-            <a:lvl7pPr marL="2743200" indent="0">
+            <a:lvl7pPr marL="3841482" indent="0">
               <a:buNone/>
-              <a:defRPr sz="1400">
+              <a:defRPr sz="1960">
                 <a:solidFill>
                   <a:schemeClr val="tx1">
                     <a:tint val="75000"/>
@@ -1010,9 +1162,9 @@
                 </a:solidFill>
               </a:defRPr>
             </a:lvl7pPr>
-            <a:lvl8pPr marL="3200400" indent="0">
+            <a:lvl8pPr marL="4481725" indent="0">
               <a:buNone/>
-              <a:defRPr sz="1400">
+              <a:defRPr sz="1960">
                 <a:solidFill>
                   <a:schemeClr val="tx1">
                     <a:tint val="75000"/>
@@ -1020,9 +1172,9 @@
                 </a:solidFill>
               </a:defRPr>
             </a:lvl8pPr>
-            <a:lvl9pPr marL="3657600" indent="0">
+            <a:lvl9pPr marL="5121977" indent="0">
               <a:buNone/>
-              <a:defRPr sz="1400">
+              <a:defRPr sz="1960">
                 <a:solidFill>
                   <a:schemeClr val="tx1">
                     <a:tint val="75000"/>
@@ -1057,7 +1209,7 @@
           <a:p>
             <a:fld id="{FB30EDBD-1C2D-4C1E-B459-B60219FAB484}" type="datetimeFigureOut">
               <a:rPr lang="ko-KR" altLang="en-US" smtClean="0"/>
-              <a:t>2020-10-31</a:t>
+              <a:t>2020-11-01</a:t>
             </a:fld>
             <a:endParaRPr lang="ko-KR" altLang="en-US"/>
           </a:p>
@@ -1164,39 +1316,39 @@
         </p:nvSpPr>
         <p:spPr>
           <a:xfrm>
-            <a:off x="457200" y="1600200"/>
-            <a:ext cx="4038600" cy="4525963"/>
+            <a:off x="495300" y="1600206"/>
+            <a:ext cx="4375150" cy="4525963"/>
           </a:xfrm>
         </p:spPr>
         <p:txBody>
           <a:bodyPr/>
           <a:lstStyle>
             <a:lvl1pPr>
-              <a:defRPr sz="2800"/>
+              <a:defRPr sz="3924"/>
             </a:lvl1pPr>
             <a:lvl2pPr>
-              <a:defRPr sz="2400"/>
+              <a:defRPr sz="3361"/>
             </a:lvl2pPr>
             <a:lvl3pPr>
-              <a:defRPr sz="2000"/>
+              <a:defRPr sz="2803"/>
             </a:lvl3pPr>
             <a:lvl4pPr>
-              <a:defRPr sz="1800"/>
+              <a:defRPr sz="2520"/>
             </a:lvl4pPr>
             <a:lvl5pPr>
-              <a:defRPr sz="1800"/>
+              <a:defRPr sz="2520"/>
             </a:lvl5pPr>
             <a:lvl6pPr>
-              <a:defRPr sz="1800"/>
+              <a:defRPr sz="2520"/>
             </a:lvl6pPr>
             <a:lvl7pPr>
-              <a:defRPr sz="1800"/>
+              <a:defRPr sz="2520"/>
             </a:lvl7pPr>
             <a:lvl8pPr>
-              <a:defRPr sz="1800"/>
+              <a:defRPr sz="2520"/>
             </a:lvl8pPr>
             <a:lvl9pPr>
-              <a:defRPr sz="1800"/>
+              <a:defRPr sz="2520"/>
             </a:lvl9pPr>
           </a:lstStyle>
           <a:p>
@@ -1248,39 +1400,39 @@
         </p:nvSpPr>
         <p:spPr>
           <a:xfrm>
-            <a:off x="4648200" y="1600200"/>
-            <a:ext cx="4038600" cy="4525963"/>
+            <a:off x="5035550" y="1600206"/>
+            <a:ext cx="4375150" cy="4525963"/>
           </a:xfrm>
         </p:spPr>
         <p:txBody>
           <a:bodyPr/>
           <a:lstStyle>
             <a:lvl1pPr>
-              <a:defRPr sz="2800"/>
+              <a:defRPr sz="3924"/>
             </a:lvl1pPr>
             <a:lvl2pPr>
-              <a:defRPr sz="2400"/>
+              <a:defRPr sz="3361"/>
             </a:lvl2pPr>
             <a:lvl3pPr>
-              <a:defRPr sz="2000"/>
+              <a:defRPr sz="2803"/>
             </a:lvl3pPr>
             <a:lvl4pPr>
-              <a:defRPr sz="1800"/>
+              <a:defRPr sz="2520"/>
             </a:lvl4pPr>
             <a:lvl5pPr>
-              <a:defRPr sz="1800"/>
+              <a:defRPr sz="2520"/>
             </a:lvl5pPr>
             <a:lvl6pPr>
-              <a:defRPr sz="1800"/>
+              <a:defRPr sz="2520"/>
             </a:lvl6pPr>
             <a:lvl7pPr>
-              <a:defRPr sz="1800"/>
+              <a:defRPr sz="2520"/>
             </a:lvl7pPr>
             <a:lvl8pPr>
-              <a:defRPr sz="1800"/>
+              <a:defRPr sz="2520"/>
             </a:lvl8pPr>
             <a:lvl9pPr>
-              <a:defRPr sz="1800"/>
+              <a:defRPr sz="2520"/>
             </a:lvl9pPr>
           </a:lstStyle>
           <a:p>
@@ -1337,7 +1489,7 @@
           <a:p>
             <a:fld id="{FB30EDBD-1C2D-4C1E-B459-B60219FAB484}" type="datetimeFigureOut">
               <a:rPr lang="ko-KR" altLang="en-US" smtClean="0"/>
-              <a:t>2020-10-31</a:t>
+              <a:t>2020-11-01</a:t>
             </a:fld>
             <a:endParaRPr lang="ko-KR" altLang="en-US"/>
           </a:p>
@@ -1448,8 +1600,8 @@
         </p:nvSpPr>
         <p:spPr>
           <a:xfrm>
-            <a:off x="457200" y="1535113"/>
-            <a:ext cx="4040188" cy="639762"/>
+            <a:off x="495304" y="1535118"/>
+            <a:ext cx="4376870" cy="639763"/>
           </a:xfrm>
         </p:spPr>
         <p:txBody>
@@ -1457,39 +1609,39 @@
           <a:lstStyle>
             <a:lvl1pPr marL="0" indent="0">
               <a:buNone/>
-              <a:defRPr sz="2400" b="1"/>
+              <a:defRPr sz="3361" b="1"/>
             </a:lvl1pPr>
-            <a:lvl2pPr marL="457200" indent="0">
+            <a:lvl2pPr marL="640247" indent="0">
               <a:buNone/>
-              <a:defRPr sz="2000" b="1"/>
+              <a:defRPr sz="2803" b="1"/>
             </a:lvl2pPr>
-            <a:lvl3pPr marL="914400" indent="0">
+            <a:lvl3pPr marL="1280496" indent="0">
               <a:buNone/>
-              <a:defRPr sz="1800" b="1"/>
+              <a:defRPr sz="2520" b="1"/>
             </a:lvl3pPr>
-            <a:lvl4pPr marL="1371600" indent="0">
+            <a:lvl4pPr marL="1920743" indent="0">
               <a:buNone/>
-              <a:defRPr sz="1600" b="1"/>
+              <a:defRPr sz="2240" b="1"/>
             </a:lvl4pPr>
-            <a:lvl5pPr marL="1828800" indent="0">
+            <a:lvl5pPr marL="2560989" indent="0">
               <a:buNone/>
-              <a:defRPr sz="1600" b="1"/>
+              <a:defRPr sz="2240" b="1"/>
             </a:lvl5pPr>
-            <a:lvl6pPr marL="2286000" indent="0">
+            <a:lvl6pPr marL="3201237" indent="0">
               <a:buNone/>
-              <a:defRPr sz="1600" b="1"/>
+              <a:defRPr sz="2240" b="1"/>
             </a:lvl6pPr>
-            <a:lvl7pPr marL="2743200" indent="0">
+            <a:lvl7pPr marL="3841482" indent="0">
               <a:buNone/>
-              <a:defRPr sz="1600" b="1"/>
+              <a:defRPr sz="2240" b="1"/>
             </a:lvl7pPr>
-            <a:lvl8pPr marL="3200400" indent="0">
+            <a:lvl8pPr marL="4481725" indent="0">
               <a:buNone/>
-              <a:defRPr sz="1600" b="1"/>
+              <a:defRPr sz="2240" b="1"/>
             </a:lvl8pPr>
-            <a:lvl9pPr marL="3657600" indent="0">
+            <a:lvl9pPr marL="5121977" indent="0">
               <a:buNone/>
-              <a:defRPr sz="1600" b="1"/>
+              <a:defRPr sz="2240" b="1"/>
             </a:lvl9pPr>
           </a:lstStyle>
           <a:p>
@@ -1513,39 +1665,39 @@
         </p:nvSpPr>
         <p:spPr>
           <a:xfrm>
-            <a:off x="457200" y="2174875"/>
-            <a:ext cx="4040188" cy="3951288"/>
+            <a:off x="495304" y="2174875"/>
+            <a:ext cx="4376870" cy="3951288"/>
           </a:xfrm>
         </p:spPr>
         <p:txBody>
           <a:bodyPr/>
           <a:lstStyle>
             <a:lvl1pPr>
-              <a:defRPr sz="2400"/>
+              <a:defRPr sz="3361"/>
             </a:lvl1pPr>
             <a:lvl2pPr>
-              <a:defRPr sz="2000"/>
+              <a:defRPr sz="2803"/>
             </a:lvl2pPr>
             <a:lvl3pPr>
-              <a:defRPr sz="1800"/>
+              <a:defRPr sz="2520"/>
             </a:lvl3pPr>
             <a:lvl4pPr>
-              <a:defRPr sz="1600"/>
+              <a:defRPr sz="2240"/>
             </a:lvl4pPr>
             <a:lvl5pPr>
-              <a:defRPr sz="1600"/>
+              <a:defRPr sz="2240"/>
             </a:lvl5pPr>
             <a:lvl6pPr>
-              <a:defRPr sz="1600"/>
+              <a:defRPr sz="2240"/>
             </a:lvl6pPr>
             <a:lvl7pPr>
-              <a:defRPr sz="1600"/>
+              <a:defRPr sz="2240"/>
             </a:lvl7pPr>
             <a:lvl8pPr>
-              <a:defRPr sz="1600"/>
+              <a:defRPr sz="2240"/>
             </a:lvl8pPr>
             <a:lvl9pPr>
-              <a:defRPr sz="1600"/>
+              <a:defRPr sz="2240"/>
             </a:lvl9pPr>
           </a:lstStyle>
           <a:p>
@@ -1597,8 +1749,8 @@
         </p:nvSpPr>
         <p:spPr>
           <a:xfrm>
-            <a:off x="4645025" y="1535113"/>
-            <a:ext cx="4041775" cy="639762"/>
+            <a:off x="5032126" y="1535118"/>
+            <a:ext cx="4378590" cy="639763"/>
           </a:xfrm>
         </p:spPr>
         <p:txBody>
@@ -1606,39 +1758,39 @@
           <a:lstStyle>
             <a:lvl1pPr marL="0" indent="0">
               <a:buNone/>
-              <a:defRPr sz="2400" b="1"/>
+              <a:defRPr sz="3361" b="1"/>
             </a:lvl1pPr>
-            <a:lvl2pPr marL="457200" indent="0">
+            <a:lvl2pPr marL="640247" indent="0">
               <a:buNone/>
-              <a:defRPr sz="2000" b="1"/>
+              <a:defRPr sz="2803" b="1"/>
             </a:lvl2pPr>
-            <a:lvl3pPr marL="914400" indent="0">
+            <a:lvl3pPr marL="1280496" indent="0">
               <a:buNone/>
-              <a:defRPr sz="1800" b="1"/>
+              <a:defRPr sz="2520" b="1"/>
             </a:lvl3pPr>
-            <a:lvl4pPr marL="1371600" indent="0">
+            <a:lvl4pPr marL="1920743" indent="0">
               <a:buNone/>
-              <a:defRPr sz="1600" b="1"/>
+              <a:defRPr sz="2240" b="1"/>
             </a:lvl4pPr>
-            <a:lvl5pPr marL="1828800" indent="0">
+            <a:lvl5pPr marL="2560989" indent="0">
               <a:buNone/>
-              <a:defRPr sz="1600" b="1"/>
+              <a:defRPr sz="2240" b="1"/>
             </a:lvl5pPr>
-            <a:lvl6pPr marL="2286000" indent="0">
+            <a:lvl6pPr marL="3201237" indent="0">
               <a:buNone/>
-              <a:defRPr sz="1600" b="1"/>
+              <a:defRPr sz="2240" b="1"/>
             </a:lvl6pPr>
-            <a:lvl7pPr marL="2743200" indent="0">
+            <a:lvl7pPr marL="3841482" indent="0">
               <a:buNone/>
-              <a:defRPr sz="1600" b="1"/>
+              <a:defRPr sz="2240" b="1"/>
             </a:lvl7pPr>
-            <a:lvl8pPr marL="3200400" indent="0">
+            <a:lvl8pPr marL="4481725" indent="0">
               <a:buNone/>
-              <a:defRPr sz="1600" b="1"/>
+              <a:defRPr sz="2240" b="1"/>
             </a:lvl8pPr>
-            <a:lvl9pPr marL="3657600" indent="0">
+            <a:lvl9pPr marL="5121977" indent="0">
               <a:buNone/>
-              <a:defRPr sz="1600" b="1"/>
+              <a:defRPr sz="2240" b="1"/>
             </a:lvl9pPr>
           </a:lstStyle>
           <a:p>
@@ -1662,39 +1814,39 @@
         </p:nvSpPr>
         <p:spPr>
           <a:xfrm>
-            <a:off x="4645025" y="2174875"/>
-            <a:ext cx="4041775" cy="3951288"/>
+            <a:off x="5032126" y="2174875"/>
+            <a:ext cx="4378590" cy="3951288"/>
           </a:xfrm>
         </p:spPr>
         <p:txBody>
           <a:bodyPr/>
           <a:lstStyle>
             <a:lvl1pPr>
-              <a:defRPr sz="2400"/>
+              <a:defRPr sz="3361"/>
             </a:lvl1pPr>
             <a:lvl2pPr>
-              <a:defRPr sz="2000"/>
+              <a:defRPr sz="2803"/>
             </a:lvl2pPr>
             <a:lvl3pPr>
-              <a:defRPr sz="1800"/>
+              <a:defRPr sz="2520"/>
             </a:lvl3pPr>
             <a:lvl4pPr>
-              <a:defRPr sz="1600"/>
+              <a:defRPr sz="2240"/>
             </a:lvl4pPr>
             <a:lvl5pPr>
-              <a:defRPr sz="1600"/>
+              <a:defRPr sz="2240"/>
             </a:lvl5pPr>
             <a:lvl6pPr>
-              <a:defRPr sz="1600"/>
+              <a:defRPr sz="2240"/>
             </a:lvl6pPr>
             <a:lvl7pPr>
-              <a:defRPr sz="1600"/>
+              <a:defRPr sz="2240"/>
             </a:lvl7pPr>
             <a:lvl8pPr>
-              <a:defRPr sz="1600"/>
+              <a:defRPr sz="2240"/>
             </a:lvl8pPr>
             <a:lvl9pPr>
-              <a:defRPr sz="1600"/>
+              <a:defRPr sz="2240"/>
             </a:lvl9pPr>
           </a:lstStyle>
           <a:p>
@@ -1751,7 +1903,7 @@
           <a:p>
             <a:fld id="{FB30EDBD-1C2D-4C1E-B459-B60219FAB484}" type="datetimeFigureOut">
               <a:rPr lang="ko-KR" altLang="en-US" smtClean="0"/>
-              <a:t>2020-10-31</a:t>
+              <a:t>2020-11-01</a:t>
             </a:fld>
             <a:endParaRPr lang="ko-KR" altLang="en-US"/>
           </a:p>
@@ -1863,7 +2015,7 @@
           <a:p>
             <a:fld id="{FB30EDBD-1C2D-4C1E-B459-B60219FAB484}" type="datetimeFigureOut">
               <a:rPr lang="ko-KR" altLang="en-US" smtClean="0"/>
-              <a:t>2020-10-31</a:t>
+              <a:t>2020-11-01</a:t>
             </a:fld>
             <a:endParaRPr lang="ko-KR" altLang="en-US"/>
           </a:p>
@@ -1953,7 +2105,7 @@
           <a:p>
             <a:fld id="{FB30EDBD-1C2D-4C1E-B459-B60219FAB484}" type="datetimeFigureOut">
               <a:rPr lang="ko-KR" altLang="en-US" smtClean="0"/>
-              <a:t>2020-10-31</a:t>
+              <a:t>2020-11-01</a:t>
             </a:fld>
             <a:endParaRPr lang="ko-KR" altLang="en-US"/>
           </a:p>
@@ -2038,15 +2190,15 @@
         </p:nvSpPr>
         <p:spPr>
           <a:xfrm>
-            <a:off x="457200" y="273050"/>
-            <a:ext cx="3008313" cy="1162050"/>
+            <a:off x="495312" y="273060"/>
+            <a:ext cx="3259006" cy="1162051"/>
           </a:xfrm>
         </p:spPr>
         <p:txBody>
           <a:bodyPr anchor="b"/>
           <a:lstStyle>
             <a:lvl1pPr algn="l">
-              <a:defRPr sz="2000" b="1"/>
+              <a:defRPr sz="2803" b="1"/>
             </a:lvl1pPr>
           </a:lstStyle>
           <a:p>
@@ -2069,39 +2221,39 @@
         </p:nvSpPr>
         <p:spPr>
           <a:xfrm>
-            <a:off x="3575050" y="273050"/>
-            <a:ext cx="5111750" cy="5853113"/>
+            <a:off x="3872983" y="273071"/>
+            <a:ext cx="5537730" cy="5853113"/>
           </a:xfrm>
         </p:spPr>
         <p:txBody>
           <a:bodyPr/>
           <a:lstStyle>
             <a:lvl1pPr>
-              <a:defRPr sz="3200"/>
+              <a:defRPr sz="4481"/>
             </a:lvl1pPr>
             <a:lvl2pPr>
-              <a:defRPr sz="2800"/>
+              <a:defRPr sz="3924"/>
             </a:lvl2pPr>
             <a:lvl3pPr>
-              <a:defRPr sz="2400"/>
+              <a:defRPr sz="3361"/>
             </a:lvl3pPr>
             <a:lvl4pPr>
-              <a:defRPr sz="2000"/>
+              <a:defRPr sz="2803"/>
             </a:lvl4pPr>
             <a:lvl5pPr>
-              <a:defRPr sz="2000"/>
+              <a:defRPr sz="2803"/>
             </a:lvl5pPr>
             <a:lvl6pPr>
-              <a:defRPr sz="2000"/>
+              <a:defRPr sz="2803"/>
             </a:lvl6pPr>
             <a:lvl7pPr>
-              <a:defRPr sz="2000"/>
+              <a:defRPr sz="2803"/>
             </a:lvl7pPr>
             <a:lvl8pPr>
-              <a:defRPr sz="2000"/>
+              <a:defRPr sz="2803"/>
             </a:lvl8pPr>
             <a:lvl9pPr>
-              <a:defRPr sz="2000"/>
+              <a:defRPr sz="2803"/>
             </a:lvl9pPr>
           </a:lstStyle>
           <a:p>
@@ -2153,8 +2305,8 @@
         </p:nvSpPr>
         <p:spPr>
           <a:xfrm>
-            <a:off x="457200" y="1435100"/>
-            <a:ext cx="3008313" cy="4691063"/>
+            <a:off x="495312" y="1435121"/>
+            <a:ext cx="3259006" cy="4691063"/>
           </a:xfrm>
         </p:spPr>
         <p:txBody>
@@ -2162,39 +2314,39 @@
           <a:lstStyle>
             <a:lvl1pPr marL="0" indent="0">
               <a:buNone/>
+              <a:defRPr sz="1960"/>
+            </a:lvl1pPr>
+            <a:lvl2pPr marL="640247" indent="0">
+              <a:buNone/>
+              <a:defRPr sz="1681"/>
+            </a:lvl2pPr>
+            <a:lvl3pPr marL="1280496" indent="0">
+              <a:buNone/>
               <a:defRPr sz="1400"/>
-            </a:lvl1pPr>
-            <a:lvl2pPr marL="457200" indent="0">
+            </a:lvl3pPr>
+            <a:lvl4pPr marL="1920743" indent="0">
               <a:buNone/>
-              <a:defRPr sz="1200"/>
-            </a:lvl2pPr>
-            <a:lvl3pPr marL="914400" indent="0">
+              <a:defRPr sz="1263"/>
+            </a:lvl4pPr>
+            <a:lvl5pPr marL="2560989" indent="0">
               <a:buNone/>
-              <a:defRPr sz="1000"/>
-            </a:lvl3pPr>
-            <a:lvl4pPr marL="1371600" indent="0">
+              <a:defRPr sz="1263"/>
+            </a:lvl5pPr>
+            <a:lvl6pPr marL="3201237" indent="0">
               <a:buNone/>
-              <a:defRPr sz="900"/>
-            </a:lvl4pPr>
-            <a:lvl5pPr marL="1828800" indent="0">
+              <a:defRPr sz="1263"/>
+            </a:lvl6pPr>
+            <a:lvl7pPr marL="3841482" indent="0">
               <a:buNone/>
-              <a:defRPr sz="900"/>
-            </a:lvl5pPr>
-            <a:lvl6pPr marL="2286000" indent="0">
+              <a:defRPr sz="1263"/>
+            </a:lvl7pPr>
+            <a:lvl8pPr marL="4481725" indent="0">
               <a:buNone/>
-              <a:defRPr sz="900"/>
-            </a:lvl6pPr>
-            <a:lvl7pPr marL="2743200" indent="0">
+              <a:defRPr sz="1263"/>
+            </a:lvl8pPr>
+            <a:lvl9pPr marL="5121977" indent="0">
               <a:buNone/>
-              <a:defRPr sz="900"/>
-            </a:lvl7pPr>
-            <a:lvl8pPr marL="3200400" indent="0">
-              <a:buNone/>
-              <a:defRPr sz="900"/>
-            </a:lvl8pPr>
-            <a:lvl9pPr marL="3657600" indent="0">
-              <a:buNone/>
-              <a:defRPr sz="900"/>
+              <a:defRPr sz="1263"/>
             </a:lvl9pPr>
           </a:lstStyle>
           <a:p>
@@ -2223,7 +2375,7 @@
           <a:p>
             <a:fld id="{FB30EDBD-1C2D-4C1E-B459-B60219FAB484}" type="datetimeFigureOut">
               <a:rPr lang="ko-KR" altLang="en-US" smtClean="0"/>
-              <a:t>2020-10-31</a:t>
+              <a:t>2020-11-01</a:t>
             </a:fld>
             <a:endParaRPr lang="ko-KR" altLang="en-US"/>
           </a:p>
@@ -2308,15 +2460,15 @@
         </p:nvSpPr>
         <p:spPr>
           <a:xfrm>
-            <a:off x="1792288" y="4800600"/>
-            <a:ext cx="5486400" cy="566738"/>
+            <a:off x="1941647" y="4800602"/>
+            <a:ext cx="5943600" cy="566738"/>
           </a:xfrm>
         </p:spPr>
         <p:txBody>
           <a:bodyPr anchor="b"/>
           <a:lstStyle>
             <a:lvl1pPr algn="l">
-              <a:defRPr sz="2000" b="1"/>
+              <a:defRPr sz="2803" b="1"/>
             </a:lvl1pPr>
           </a:lstStyle>
           <a:p>
@@ -2339,8 +2491,8 @@
         </p:nvSpPr>
         <p:spPr>
           <a:xfrm>
-            <a:off x="1792288" y="612775"/>
-            <a:ext cx="5486400" cy="4114800"/>
+            <a:off x="1941647" y="612775"/>
+            <a:ext cx="5943600" cy="4114800"/>
           </a:xfrm>
         </p:spPr>
         <p:txBody>
@@ -2348,39 +2500,39 @@
           <a:lstStyle>
             <a:lvl1pPr marL="0" indent="0">
               <a:buNone/>
-              <a:defRPr sz="3200"/>
+              <a:defRPr sz="4481"/>
             </a:lvl1pPr>
-            <a:lvl2pPr marL="457200" indent="0">
+            <a:lvl2pPr marL="640247" indent="0">
               <a:buNone/>
-              <a:defRPr sz="2800"/>
+              <a:defRPr sz="3924"/>
             </a:lvl2pPr>
-            <a:lvl3pPr marL="914400" indent="0">
+            <a:lvl3pPr marL="1280496" indent="0">
               <a:buNone/>
-              <a:defRPr sz="2400"/>
+              <a:defRPr sz="3361"/>
             </a:lvl3pPr>
-            <a:lvl4pPr marL="1371600" indent="0">
+            <a:lvl4pPr marL="1920743" indent="0">
               <a:buNone/>
-              <a:defRPr sz="2000"/>
+              <a:defRPr sz="2803"/>
             </a:lvl4pPr>
-            <a:lvl5pPr marL="1828800" indent="0">
+            <a:lvl5pPr marL="2560989" indent="0">
               <a:buNone/>
-              <a:defRPr sz="2000"/>
+              <a:defRPr sz="2803"/>
             </a:lvl5pPr>
-            <a:lvl6pPr marL="2286000" indent="0">
+            <a:lvl6pPr marL="3201237" indent="0">
               <a:buNone/>
-              <a:defRPr sz="2000"/>
+              <a:defRPr sz="2803"/>
             </a:lvl6pPr>
-            <a:lvl7pPr marL="2743200" indent="0">
+            <a:lvl7pPr marL="3841482" indent="0">
               <a:buNone/>
-              <a:defRPr sz="2000"/>
+              <a:defRPr sz="2803"/>
             </a:lvl7pPr>
-            <a:lvl8pPr marL="3200400" indent="0">
+            <a:lvl8pPr marL="4481725" indent="0">
               <a:buNone/>
-              <a:defRPr sz="2000"/>
+              <a:defRPr sz="2803"/>
             </a:lvl8pPr>
-            <a:lvl9pPr marL="3657600" indent="0">
+            <a:lvl9pPr marL="5121977" indent="0">
               <a:buNone/>
-              <a:defRPr sz="2000"/>
+              <a:defRPr sz="2803"/>
             </a:lvl9pPr>
           </a:lstStyle>
           <a:p>
@@ -2400,8 +2552,8 @@
         </p:nvSpPr>
         <p:spPr>
           <a:xfrm>
-            <a:off x="1792288" y="5367338"/>
-            <a:ext cx="5486400" cy="804862"/>
+            <a:off x="1941647" y="5367338"/>
+            <a:ext cx="5943600" cy="804862"/>
           </a:xfrm>
         </p:spPr>
         <p:txBody>
@@ -2409,39 +2561,39 @@
           <a:lstStyle>
             <a:lvl1pPr marL="0" indent="0">
               <a:buNone/>
+              <a:defRPr sz="1960"/>
+            </a:lvl1pPr>
+            <a:lvl2pPr marL="640247" indent="0">
+              <a:buNone/>
+              <a:defRPr sz="1681"/>
+            </a:lvl2pPr>
+            <a:lvl3pPr marL="1280496" indent="0">
+              <a:buNone/>
               <a:defRPr sz="1400"/>
-            </a:lvl1pPr>
-            <a:lvl2pPr marL="457200" indent="0">
+            </a:lvl3pPr>
+            <a:lvl4pPr marL="1920743" indent="0">
               <a:buNone/>
-              <a:defRPr sz="1200"/>
-            </a:lvl2pPr>
-            <a:lvl3pPr marL="914400" indent="0">
+              <a:defRPr sz="1263"/>
+            </a:lvl4pPr>
+            <a:lvl5pPr marL="2560989" indent="0">
               <a:buNone/>
-              <a:defRPr sz="1000"/>
-            </a:lvl3pPr>
-            <a:lvl4pPr marL="1371600" indent="0">
+              <a:defRPr sz="1263"/>
+            </a:lvl5pPr>
+            <a:lvl6pPr marL="3201237" indent="0">
               <a:buNone/>
-              <a:defRPr sz="900"/>
-            </a:lvl4pPr>
-            <a:lvl5pPr marL="1828800" indent="0">
+              <a:defRPr sz="1263"/>
+            </a:lvl6pPr>
+            <a:lvl7pPr marL="3841482" indent="0">
               <a:buNone/>
-              <a:defRPr sz="900"/>
-            </a:lvl5pPr>
-            <a:lvl6pPr marL="2286000" indent="0">
+              <a:defRPr sz="1263"/>
+            </a:lvl7pPr>
+            <a:lvl8pPr marL="4481725" indent="0">
               <a:buNone/>
-              <a:defRPr sz="900"/>
-            </a:lvl6pPr>
-            <a:lvl7pPr marL="2743200" indent="0">
+              <a:defRPr sz="1263"/>
+            </a:lvl8pPr>
+            <a:lvl9pPr marL="5121977" indent="0">
               <a:buNone/>
-              <a:defRPr sz="900"/>
-            </a:lvl7pPr>
-            <a:lvl8pPr marL="3200400" indent="0">
-              <a:buNone/>
-              <a:defRPr sz="900"/>
-            </a:lvl8pPr>
-            <a:lvl9pPr marL="3657600" indent="0">
-              <a:buNone/>
-              <a:defRPr sz="900"/>
+              <a:defRPr sz="1263"/>
             </a:lvl9pPr>
           </a:lstStyle>
           <a:p>
@@ -2470,7 +2622,7 @@
           <a:p>
             <a:fld id="{FB30EDBD-1C2D-4C1E-B459-B60219FAB484}" type="datetimeFigureOut">
               <a:rPr lang="ko-KR" altLang="en-US" smtClean="0"/>
-              <a:t>2020-10-31</a:t>
+              <a:t>2020-11-01</a:t>
             </a:fld>
             <a:endParaRPr lang="ko-KR" altLang="en-US"/>
           </a:p>
@@ -2560,8 +2712,8 @@
         </p:nvSpPr>
         <p:spPr>
           <a:xfrm>
-            <a:off x="457200" y="274638"/>
-            <a:ext cx="8229600" cy="1143000"/>
+            <a:off x="495301" y="274639"/>
+            <a:ext cx="8915400" cy="1143000"/>
           </a:xfrm>
           <a:prstGeom prst="rect">
             <a:avLst/>
@@ -2592,8 +2744,8 @@
         </p:nvSpPr>
         <p:spPr>
           <a:xfrm>
-            <a:off x="457200" y="1600200"/>
-            <a:ext cx="8229600" cy="4525963"/>
+            <a:off x="495301" y="1600206"/>
+            <a:ext cx="8915400" cy="4525963"/>
           </a:xfrm>
           <a:prstGeom prst="rect">
             <a:avLst/>
@@ -2653,8 +2805,8 @@
         </p:nvSpPr>
         <p:spPr>
           <a:xfrm>
-            <a:off x="457200" y="6356350"/>
-            <a:ext cx="2133600" cy="365125"/>
+            <a:off x="495300" y="6356366"/>
+            <a:ext cx="2311400" cy="365125"/>
           </a:xfrm>
           <a:prstGeom prst="rect">
             <a:avLst/>
@@ -2664,7 +2816,7 @@
           <a:bodyPr vert="horz" lIns="91440" tIns="45720" rIns="91440" bIns="45720" rtlCol="0" anchor="ctr"/>
           <a:lstStyle>
             <a:lvl1pPr algn="l">
-              <a:defRPr sz="1200">
+              <a:defRPr sz="1681">
                 <a:solidFill>
                   <a:schemeClr val="tx1">
                     <a:tint val="75000"/>
@@ -2676,7 +2828,7 @@
           <a:p>
             <a:fld id="{FB30EDBD-1C2D-4C1E-B459-B60219FAB484}" type="datetimeFigureOut">
               <a:rPr lang="ko-KR" altLang="en-US" smtClean="0"/>
-              <a:t>2020-10-31</a:t>
+              <a:t>2020-11-01</a:t>
             </a:fld>
             <a:endParaRPr lang="ko-KR" altLang="en-US"/>
           </a:p>
@@ -2694,8 +2846,8 @@
         </p:nvSpPr>
         <p:spPr>
           <a:xfrm>
-            <a:off x="3124200" y="6356350"/>
-            <a:ext cx="2895600" cy="365125"/>
+            <a:off x="3384551" y="6356366"/>
+            <a:ext cx="3136900" cy="365125"/>
           </a:xfrm>
           <a:prstGeom prst="rect">
             <a:avLst/>
@@ -2705,7 +2857,7 @@
           <a:bodyPr vert="horz" lIns="91440" tIns="45720" rIns="91440" bIns="45720" rtlCol="0" anchor="ctr"/>
           <a:lstStyle>
             <a:lvl1pPr algn="ctr">
-              <a:defRPr sz="1200">
+              <a:defRPr sz="1681">
                 <a:solidFill>
                   <a:schemeClr val="tx1">
                     <a:tint val="75000"/>
@@ -2731,8 +2883,8 @@
         </p:nvSpPr>
         <p:spPr>
           <a:xfrm>
-            <a:off x="6553200" y="6356350"/>
-            <a:ext cx="2133600" cy="365125"/>
+            <a:off x="7099300" y="6356366"/>
+            <a:ext cx="2311400" cy="365125"/>
           </a:xfrm>
           <a:prstGeom prst="rect">
             <a:avLst/>
@@ -2742,7 +2894,7 @@
           <a:bodyPr vert="horz" lIns="91440" tIns="45720" rIns="91440" bIns="45720" rtlCol="0" anchor="ctr"/>
           <a:lstStyle>
             <a:lvl1pPr algn="r">
-              <a:defRPr sz="1200">
+              <a:defRPr sz="1681">
                 <a:solidFill>
                   <a:schemeClr val="tx1">
                     <a:tint val="75000"/>
@@ -2778,12 +2930,12 @@
   </p:sldLayoutIdLst>
   <p:txStyles>
     <p:titleStyle>
-      <a:lvl1pPr algn="ctr" defTabSz="914400" rtl="0" eaLnBrk="1" latinLnBrk="1" hangingPunct="1">
+      <a:lvl1pPr algn="ctr" defTabSz="1280496" rtl="0" eaLnBrk="1" latinLnBrk="1" hangingPunct="1">
         <a:spcBef>
           <a:spcPct val="0"/>
         </a:spcBef>
         <a:buNone/>
-        <a:defRPr sz="4400" kern="1200">
+        <a:defRPr sz="6161" kern="1200">
           <a:solidFill>
             <a:schemeClr val="tx1"/>
           </a:solidFill>
@@ -2794,13 +2946,13 @@
       </a:lvl1pPr>
     </p:titleStyle>
     <p:bodyStyle>
-      <a:lvl1pPr marL="342900" indent="-342900" algn="l" defTabSz="914400" rtl="0" eaLnBrk="1" latinLnBrk="1" hangingPunct="1">
+      <a:lvl1pPr marL="480190" indent="-480190" algn="l" defTabSz="1280496" rtl="0" eaLnBrk="1" latinLnBrk="1" hangingPunct="1">
         <a:spcBef>
           <a:spcPct val="20000"/>
         </a:spcBef>
         <a:buFont typeface="Arial" pitchFamily="34" charset="0"/>
         <a:buChar char="•"/>
-        <a:defRPr sz="3200" kern="1200">
+        <a:defRPr sz="4481" kern="1200">
           <a:solidFill>
             <a:schemeClr val="tx1"/>
           </a:solidFill>
@@ -2809,13 +2961,13 @@
           <a:cs typeface="+mn-cs"/>
         </a:defRPr>
       </a:lvl1pPr>
-      <a:lvl2pPr marL="742950" indent="-285750" algn="l" defTabSz="914400" rtl="0" eaLnBrk="1" latinLnBrk="1" hangingPunct="1">
+      <a:lvl2pPr marL="1040402" indent="-400156" algn="l" defTabSz="1280496" rtl="0" eaLnBrk="1" latinLnBrk="1" hangingPunct="1">
         <a:spcBef>
           <a:spcPct val="20000"/>
         </a:spcBef>
         <a:buFont typeface="Arial" pitchFamily="34" charset="0"/>
         <a:buChar char="–"/>
-        <a:defRPr sz="2800" kern="1200">
+        <a:defRPr sz="3924" kern="1200">
           <a:solidFill>
             <a:schemeClr val="tx1"/>
           </a:solidFill>
@@ -2824,13 +2976,13 @@
           <a:cs typeface="+mn-cs"/>
         </a:defRPr>
       </a:lvl2pPr>
-      <a:lvl3pPr marL="1143000" indent="-228600" algn="l" defTabSz="914400" rtl="0" eaLnBrk="1" latinLnBrk="1" hangingPunct="1">
+      <a:lvl3pPr marL="1600614" indent="-320124" algn="l" defTabSz="1280496" rtl="0" eaLnBrk="1" latinLnBrk="1" hangingPunct="1">
         <a:spcBef>
           <a:spcPct val="20000"/>
         </a:spcBef>
         <a:buFont typeface="Arial" pitchFamily="34" charset="0"/>
         <a:buChar char="•"/>
-        <a:defRPr sz="2400" kern="1200">
+        <a:defRPr sz="3361" kern="1200">
           <a:solidFill>
             <a:schemeClr val="tx1"/>
           </a:solidFill>
@@ -2839,13 +2991,13 @@
           <a:cs typeface="+mn-cs"/>
         </a:defRPr>
       </a:lvl3pPr>
-      <a:lvl4pPr marL="1600200" indent="-228600" algn="l" defTabSz="914400" rtl="0" eaLnBrk="1" latinLnBrk="1" hangingPunct="1">
+      <a:lvl4pPr marL="2240864" indent="-320124" algn="l" defTabSz="1280496" rtl="0" eaLnBrk="1" latinLnBrk="1" hangingPunct="1">
         <a:spcBef>
           <a:spcPct val="20000"/>
         </a:spcBef>
         <a:buFont typeface="Arial" pitchFamily="34" charset="0"/>
         <a:buChar char="–"/>
-        <a:defRPr sz="2000" kern="1200">
+        <a:defRPr sz="2803" kern="1200">
           <a:solidFill>
             <a:schemeClr val="tx1"/>
           </a:solidFill>
@@ -2854,13 +3006,13 @@
           <a:cs typeface="+mn-cs"/>
         </a:defRPr>
       </a:lvl4pPr>
-      <a:lvl5pPr marL="2057400" indent="-228600" algn="l" defTabSz="914400" rtl="0" eaLnBrk="1" latinLnBrk="1" hangingPunct="1">
+      <a:lvl5pPr marL="2881109" indent="-320124" algn="l" defTabSz="1280496" rtl="0" eaLnBrk="1" latinLnBrk="1" hangingPunct="1">
         <a:spcBef>
           <a:spcPct val="20000"/>
         </a:spcBef>
         <a:buFont typeface="Arial" pitchFamily="34" charset="0"/>
         <a:buChar char="»"/>
-        <a:defRPr sz="2000" kern="1200">
+        <a:defRPr sz="2803" kern="1200">
           <a:solidFill>
             <a:schemeClr val="tx1"/>
           </a:solidFill>
@@ -2869,13 +3021,13 @@
           <a:cs typeface="+mn-cs"/>
         </a:defRPr>
       </a:lvl5pPr>
-      <a:lvl6pPr marL="2514600" indent="-228600" algn="l" defTabSz="914400" rtl="0" eaLnBrk="1" latinLnBrk="1" hangingPunct="1">
+      <a:lvl6pPr marL="3521357" indent="-320124" algn="l" defTabSz="1280496" rtl="0" eaLnBrk="1" latinLnBrk="1" hangingPunct="1">
         <a:spcBef>
           <a:spcPct val="20000"/>
         </a:spcBef>
         <a:buFont typeface="Arial" pitchFamily="34" charset="0"/>
         <a:buChar char="•"/>
-        <a:defRPr sz="2000" kern="1200">
+        <a:defRPr sz="2803" kern="1200">
           <a:solidFill>
             <a:schemeClr val="tx1"/>
           </a:solidFill>
@@ -2884,13 +3036,13 @@
           <a:cs typeface="+mn-cs"/>
         </a:defRPr>
       </a:lvl6pPr>
-      <a:lvl7pPr marL="2971800" indent="-228600" algn="l" defTabSz="914400" rtl="0" eaLnBrk="1" latinLnBrk="1" hangingPunct="1">
+      <a:lvl7pPr marL="4161605" indent="-320124" algn="l" defTabSz="1280496" rtl="0" eaLnBrk="1" latinLnBrk="1" hangingPunct="1">
         <a:spcBef>
           <a:spcPct val="20000"/>
         </a:spcBef>
         <a:buFont typeface="Arial" pitchFamily="34" charset="0"/>
         <a:buChar char="•"/>
-        <a:defRPr sz="2000" kern="1200">
+        <a:defRPr sz="2803" kern="1200">
           <a:solidFill>
             <a:schemeClr val="tx1"/>
           </a:solidFill>
@@ -2899,13 +3051,13 @@
           <a:cs typeface="+mn-cs"/>
         </a:defRPr>
       </a:lvl7pPr>
-      <a:lvl8pPr marL="3429000" indent="-228600" algn="l" defTabSz="914400" rtl="0" eaLnBrk="1" latinLnBrk="1" hangingPunct="1">
+      <a:lvl8pPr marL="4801850" indent="-320124" algn="l" defTabSz="1280496" rtl="0" eaLnBrk="1" latinLnBrk="1" hangingPunct="1">
         <a:spcBef>
           <a:spcPct val="20000"/>
         </a:spcBef>
         <a:buFont typeface="Arial" pitchFamily="34" charset="0"/>
         <a:buChar char="•"/>
-        <a:defRPr sz="2000" kern="1200">
+        <a:defRPr sz="2803" kern="1200">
           <a:solidFill>
             <a:schemeClr val="tx1"/>
           </a:solidFill>
@@ -2914,13 +3066,13 @@
           <a:cs typeface="+mn-cs"/>
         </a:defRPr>
       </a:lvl8pPr>
-      <a:lvl9pPr marL="3886200" indent="-228600" algn="l" defTabSz="914400" rtl="0" eaLnBrk="1" latinLnBrk="1" hangingPunct="1">
+      <a:lvl9pPr marL="5442097" indent="-320124" algn="l" defTabSz="1280496" rtl="0" eaLnBrk="1" latinLnBrk="1" hangingPunct="1">
         <a:spcBef>
           <a:spcPct val="20000"/>
         </a:spcBef>
         <a:buFont typeface="Arial" pitchFamily="34" charset="0"/>
         <a:buChar char="•"/>
-        <a:defRPr sz="2000" kern="1200">
+        <a:defRPr sz="2803" kern="1200">
           <a:solidFill>
             <a:schemeClr val="tx1"/>
           </a:solidFill>
@@ -2934,8 +3086,8 @@
       <a:defPPr>
         <a:defRPr lang="ko-KR"/>
       </a:defPPr>
-      <a:lvl1pPr marL="0" algn="l" defTabSz="914400" rtl="0" eaLnBrk="1" latinLnBrk="1" hangingPunct="1">
-        <a:defRPr sz="1800" kern="1200">
+      <a:lvl1pPr marL="0" algn="l" defTabSz="1280496" rtl="0" eaLnBrk="1" latinLnBrk="1" hangingPunct="1">
+        <a:defRPr sz="2520" kern="1200">
           <a:solidFill>
             <a:schemeClr val="tx1"/>
           </a:solidFill>
@@ -2944,8 +3096,8 @@
           <a:cs typeface="+mn-cs"/>
         </a:defRPr>
       </a:lvl1pPr>
-      <a:lvl2pPr marL="457200" algn="l" defTabSz="914400" rtl="0" eaLnBrk="1" latinLnBrk="1" hangingPunct="1">
-        <a:defRPr sz="1800" kern="1200">
+      <a:lvl2pPr marL="640247" algn="l" defTabSz="1280496" rtl="0" eaLnBrk="1" latinLnBrk="1" hangingPunct="1">
+        <a:defRPr sz="2520" kern="1200">
           <a:solidFill>
             <a:schemeClr val="tx1"/>
           </a:solidFill>
@@ -2954,8 +3106,8 @@
           <a:cs typeface="+mn-cs"/>
         </a:defRPr>
       </a:lvl2pPr>
-      <a:lvl3pPr marL="914400" algn="l" defTabSz="914400" rtl="0" eaLnBrk="1" latinLnBrk="1" hangingPunct="1">
-        <a:defRPr sz="1800" kern="1200">
+      <a:lvl3pPr marL="1280496" algn="l" defTabSz="1280496" rtl="0" eaLnBrk="1" latinLnBrk="1" hangingPunct="1">
+        <a:defRPr sz="2520" kern="1200">
           <a:solidFill>
             <a:schemeClr val="tx1"/>
           </a:solidFill>
@@ -2964,8 +3116,8 @@
           <a:cs typeface="+mn-cs"/>
         </a:defRPr>
       </a:lvl3pPr>
-      <a:lvl4pPr marL="1371600" algn="l" defTabSz="914400" rtl="0" eaLnBrk="1" latinLnBrk="1" hangingPunct="1">
-        <a:defRPr sz="1800" kern="1200">
+      <a:lvl4pPr marL="1920743" algn="l" defTabSz="1280496" rtl="0" eaLnBrk="1" latinLnBrk="1" hangingPunct="1">
+        <a:defRPr sz="2520" kern="1200">
           <a:solidFill>
             <a:schemeClr val="tx1"/>
           </a:solidFill>
@@ -2974,8 +3126,8 @@
           <a:cs typeface="+mn-cs"/>
         </a:defRPr>
       </a:lvl4pPr>
-      <a:lvl5pPr marL="1828800" algn="l" defTabSz="914400" rtl="0" eaLnBrk="1" latinLnBrk="1" hangingPunct="1">
-        <a:defRPr sz="1800" kern="1200">
+      <a:lvl5pPr marL="2560989" algn="l" defTabSz="1280496" rtl="0" eaLnBrk="1" latinLnBrk="1" hangingPunct="1">
+        <a:defRPr sz="2520" kern="1200">
           <a:solidFill>
             <a:schemeClr val="tx1"/>
           </a:solidFill>
@@ -2984,8 +3136,8 @@
           <a:cs typeface="+mn-cs"/>
         </a:defRPr>
       </a:lvl5pPr>
-      <a:lvl6pPr marL="2286000" algn="l" defTabSz="914400" rtl="0" eaLnBrk="1" latinLnBrk="1" hangingPunct="1">
-        <a:defRPr sz="1800" kern="1200">
+      <a:lvl6pPr marL="3201237" algn="l" defTabSz="1280496" rtl="0" eaLnBrk="1" latinLnBrk="1" hangingPunct="1">
+        <a:defRPr sz="2520" kern="1200">
           <a:solidFill>
             <a:schemeClr val="tx1"/>
           </a:solidFill>
@@ -2994,8 +3146,8 @@
           <a:cs typeface="+mn-cs"/>
         </a:defRPr>
       </a:lvl6pPr>
-      <a:lvl7pPr marL="2743200" algn="l" defTabSz="914400" rtl="0" eaLnBrk="1" latinLnBrk="1" hangingPunct="1">
-        <a:defRPr sz="1800" kern="1200">
+      <a:lvl7pPr marL="3841482" algn="l" defTabSz="1280496" rtl="0" eaLnBrk="1" latinLnBrk="1" hangingPunct="1">
+        <a:defRPr sz="2520" kern="1200">
           <a:solidFill>
             <a:schemeClr val="tx1"/>
           </a:solidFill>
@@ -3004,8 +3156,8 @@
           <a:cs typeface="+mn-cs"/>
         </a:defRPr>
       </a:lvl7pPr>
-      <a:lvl8pPr marL="3200400" algn="l" defTabSz="914400" rtl="0" eaLnBrk="1" latinLnBrk="1" hangingPunct="1">
-        <a:defRPr sz="1800" kern="1200">
+      <a:lvl8pPr marL="4481725" algn="l" defTabSz="1280496" rtl="0" eaLnBrk="1" latinLnBrk="1" hangingPunct="1">
+        <a:defRPr sz="2520" kern="1200">
           <a:solidFill>
             <a:schemeClr val="tx1"/>
           </a:solidFill>
@@ -3014,8 +3166,8 @@
           <a:cs typeface="+mn-cs"/>
         </a:defRPr>
       </a:lvl8pPr>
-      <a:lvl9pPr marL="3657600" algn="l" defTabSz="914400" rtl="0" eaLnBrk="1" latinLnBrk="1" hangingPunct="1">
-        <a:defRPr sz="1800" kern="1200">
+      <a:lvl9pPr marL="5121977" algn="l" defTabSz="1280496" rtl="0" eaLnBrk="1" latinLnBrk="1" hangingPunct="1">
+        <a:defRPr sz="2520" kern="1200">
           <a:solidFill>
             <a:schemeClr val="tx1"/>
           </a:solidFill>
@@ -3072,7 +3224,7 @@
           <a:lstStyle/>
           <a:p>
             <a:r>
-              <a:rPr lang="en-US" altLang="ko-KR" sz="2800" dirty="0">
+              <a:rPr lang="en-US" altLang="ko-KR" sz="3924" dirty="0">
                 <a:solidFill>
                   <a:schemeClr val="bg1"/>
                 </a:solidFill>
@@ -3082,7 +3234,7 @@
               <a:t>Python Language basic course</a:t>
             </a:r>
             <a:br>
-              <a:rPr lang="en-US" altLang="ko-KR" sz="2800" dirty="0">
+              <a:rPr lang="en-US" altLang="ko-KR" sz="3924" dirty="0">
                 <a:solidFill>
                   <a:schemeClr val="accent5"/>
                 </a:solidFill>
@@ -3214,8 +3366,8 @@
         </p:blipFill>
         <p:spPr bwMode="auto">
           <a:xfrm>
-            <a:off x="1403648" y="2564904"/>
-            <a:ext cx="864096" cy="864096"/>
+            <a:off x="517321" y="2219274"/>
+            <a:ext cx="1209737" cy="1209737"/>
           </a:xfrm>
           <a:prstGeom prst="rect">
             <a:avLst/>
@@ -3246,8 +3398,8 @@
         </p:nvSpPr>
         <p:spPr>
           <a:xfrm>
-            <a:off x="1867391" y="6186790"/>
-            <a:ext cx="5440913" cy="338554"/>
+            <a:off x="1166559" y="7289911"/>
+            <a:ext cx="7534435" cy="437043"/>
           </a:xfrm>
           <a:prstGeom prst="rect">
             <a:avLst/>
@@ -3261,7 +3413,7 @@
           <a:lstStyle/>
           <a:p>
             <a:r>
-              <a:rPr lang="en-US" altLang="ko-KR" sz="1600" dirty="0">
+              <a:rPr lang="en-US" altLang="ko-KR" sz="2240" dirty="0">
                 <a:solidFill>
                   <a:schemeClr val="bg1"/>
                 </a:solidFill>
@@ -3271,7 +3423,7 @@
               <a:t>Copyright 2020. </a:t>
             </a:r>
             <a:r>
-              <a:rPr lang="en-US" altLang="ko-KR" sz="1600" dirty="0">
+              <a:rPr lang="en-US" altLang="ko-KR" sz="2240" dirty="0">
                 <a:solidFill>
                   <a:srgbClr val="FDE035"/>
                 </a:solidFill>
@@ -3281,7 +3433,7 @@
               <a:t>S</a:t>
             </a:r>
             <a:r>
-              <a:rPr lang="en-US" altLang="ko-KR" sz="1600" dirty="0">
+              <a:rPr lang="en-US" altLang="ko-KR" sz="2240" dirty="0">
                 <a:solidFill>
                   <a:schemeClr val="bg1"/>
                 </a:solidFill>
@@ -3291,7 +3443,7 @@
               <a:t>TART</a:t>
             </a:r>
             <a:r>
-              <a:rPr lang="en-US" altLang="ko-KR" sz="1600" dirty="0">
+              <a:rPr lang="en-US" altLang="ko-KR" sz="2240" dirty="0">
                 <a:solidFill>
                   <a:srgbClr val="FDE035"/>
                 </a:solidFill>
@@ -3301,7 +3453,7 @@
               <a:t>C</a:t>
             </a:r>
             <a:r>
-              <a:rPr lang="en-US" altLang="ko-KR" sz="1600" dirty="0">
+              <a:rPr lang="en-US" altLang="ko-KR" sz="2240" dirty="0">
                 <a:solidFill>
                   <a:schemeClr val="bg1"/>
                 </a:solidFill>
@@ -3310,7 +3462,7 @@
               </a:rPr>
               <a:t>ODING All rights Reserved</a:t>
             </a:r>
-            <a:endParaRPr lang="ko-KR" altLang="en-US" sz="1600" dirty="0">
+            <a:endParaRPr lang="ko-KR" altLang="en-US" sz="2240" dirty="0">
               <a:solidFill>
                 <a:schemeClr val="bg1"/>
               </a:solidFill>
@@ -3362,8 +3514,8 @@
         </p:nvSpPr>
         <p:spPr>
           <a:xfrm>
-            <a:off x="685800" y="1484784"/>
-            <a:ext cx="7772400" cy="1470025"/>
+            <a:off x="-487662" y="707109"/>
+            <a:ext cx="10881361" cy="2058036"/>
           </a:xfrm>
         </p:spPr>
         <p:txBody>
@@ -3395,8 +3547,8 @@
         </p:nvSpPr>
         <p:spPr>
           <a:xfrm>
-            <a:off x="6588224" y="6165304"/>
-            <a:ext cx="1838965" cy="369332"/>
+            <a:off x="7775725" y="7259829"/>
+            <a:ext cx="2497800" cy="480131"/>
           </a:xfrm>
           <a:prstGeom prst="rect">
             <a:avLst/>
@@ -3410,7 +3562,7 @@
           <a:lstStyle/>
           <a:p>
             <a:r>
-              <a:rPr lang="en-US" altLang="ko-KR" dirty="0">
+              <a:rPr lang="en-US" altLang="ko-KR" sz="2520" dirty="0">
                 <a:solidFill>
                   <a:schemeClr val="accent5"/>
                 </a:solidFill>
@@ -3420,14 +3572,14 @@
               <a:t>S</a:t>
             </a:r>
             <a:r>
-              <a:rPr lang="en-US" altLang="ko-KR" dirty="0">
+              <a:rPr lang="en-US" altLang="ko-KR" sz="2520" dirty="0">
                 <a:latin typeface="배달의민족 도현" pitchFamily="50" charset="-127"/>
                 <a:ea typeface="배달의민족 도현" pitchFamily="50" charset="-127"/>
               </a:rPr>
               <a:t>TART</a:t>
             </a:r>
             <a:r>
-              <a:rPr lang="en-US" altLang="ko-KR" dirty="0">
+              <a:rPr lang="en-US" altLang="ko-KR" sz="2520" dirty="0">
                 <a:solidFill>
                   <a:schemeClr val="accent5"/>
                 </a:solidFill>
@@ -3437,13 +3589,13 @@
               <a:t>C</a:t>
             </a:r>
             <a:r>
-              <a:rPr lang="en-US" altLang="ko-KR" dirty="0">
+              <a:rPr lang="en-US" altLang="ko-KR" sz="2520" dirty="0">
                 <a:latin typeface="배달의민족 도현" pitchFamily="50" charset="-127"/>
                 <a:ea typeface="배달의민족 도현" pitchFamily="50" charset="-127"/>
               </a:rPr>
               <a:t>ODING</a:t>
             </a:r>
-            <a:endParaRPr lang="ko-KR" altLang="en-US" dirty="0">
+            <a:endParaRPr lang="ko-KR" altLang="en-US" sz="2520" dirty="0">
               <a:latin typeface="배달의민족 도현" pitchFamily="50" charset="-127"/>
               <a:ea typeface="배달의민족 도현" pitchFamily="50" charset="-127"/>
             </a:endParaRPr>
@@ -3458,8 +3610,8 @@
         </p:nvSpPr>
         <p:spPr>
           <a:xfrm>
-            <a:off x="107504" y="116632"/>
-            <a:ext cx="2592288" cy="646331"/>
+            <a:off x="-1297294" y="-1208307"/>
+            <a:ext cx="3629203" cy="867930"/>
           </a:xfrm>
           <a:prstGeom prst="rect">
             <a:avLst/>
@@ -3472,40 +3624,40 @@
           <a:lstStyle/>
           <a:p>
             <a:r>
-              <a:rPr lang="en-US" altLang="ko-KR" dirty="0">
+              <a:rPr lang="en-US" altLang="ko-KR" sz="2520" dirty="0">
                 <a:latin typeface="배달의민족 주아" pitchFamily="18" charset="-127"/>
                 <a:ea typeface="배달의민족 주아" pitchFamily="18" charset="-127"/>
               </a:rPr>
               <a:t>2. </a:t>
             </a:r>
             <a:r>
-              <a:rPr lang="ko-KR" altLang="en-US" dirty="0" err="1">
+              <a:rPr lang="ko-KR" altLang="en-US" sz="2520" dirty="0" err="1">
                 <a:latin typeface="배달의민족 주아" pitchFamily="18" charset="-127"/>
                 <a:ea typeface="배달의민족 주아" pitchFamily="18" charset="-127"/>
               </a:rPr>
               <a:t>파이썬이란</a:t>
             </a:r>
             <a:r>
-              <a:rPr lang="ko-KR" altLang="en-US" dirty="0">
+              <a:rPr lang="ko-KR" altLang="en-US" sz="2520" dirty="0">
                 <a:latin typeface="배달의민족 주아" pitchFamily="18" charset="-127"/>
                 <a:ea typeface="배달의민족 주아" pitchFamily="18" charset="-127"/>
               </a:rPr>
               <a:t> 무엇인가</a:t>
             </a:r>
             <a:r>
-              <a:rPr lang="en-US" altLang="ko-KR" dirty="0">
+              <a:rPr lang="en-US" altLang="ko-KR" sz="2520" dirty="0">
                 <a:latin typeface="배달의민족 주아" pitchFamily="18" charset="-127"/>
                 <a:ea typeface="배달의민족 주아" pitchFamily="18" charset="-127"/>
               </a:rPr>
               <a:t>?</a:t>
             </a:r>
             <a:br>
-              <a:rPr lang="en-US" altLang="ko-KR" dirty="0">
+              <a:rPr lang="en-US" altLang="ko-KR" sz="2520" dirty="0">
                 <a:latin typeface="배달의민족 주아" pitchFamily="18" charset="-127"/>
                 <a:ea typeface="배달의민족 주아" pitchFamily="18" charset="-127"/>
               </a:rPr>
             </a:br>
-            <a:endParaRPr lang="ko-KR" altLang="en-US" dirty="0"/>
+            <a:endParaRPr lang="ko-KR" altLang="en-US" sz="2520" dirty="0"/>
           </a:p>
         </p:txBody>
       </p:sp>
@@ -3519,15 +3671,15 @@
         </p:nvSpPr>
         <p:spPr>
           <a:xfrm>
-            <a:off x="1552128" y="3183111"/>
-            <a:ext cx="7772400" cy="1470025"/>
+            <a:off x="725195" y="3084765"/>
+            <a:ext cx="10881361" cy="2058036"/>
           </a:xfrm>
           <a:prstGeom prst="rect">
             <a:avLst/>
           </a:prstGeom>
         </p:spPr>
         <p:txBody>
-          <a:bodyPr vert="horz" lIns="91440" tIns="45720" rIns="91440" bIns="45720" rtlCol="0" anchor="ctr">
+          <a:bodyPr vert="horz" lIns="128017" tIns="64008" rIns="128017" bIns="64008" rtlCol="0" anchor="ctr">
             <a:normAutofit fontScale="77500" lnSpcReduction="20000"/>
           </a:bodyPr>
           <a:lstStyle>
@@ -3549,20 +3701,20 @@
           <a:p>
             <a:pPr algn="l"/>
             <a:r>
-              <a:rPr lang="en-US" altLang="ko-KR" dirty="0">
+              <a:rPr lang="en-US" altLang="ko-KR" sz="6161" dirty="0">
                 <a:latin typeface="배달의민족 주아" pitchFamily="18" charset="-127"/>
                 <a:ea typeface="배달의민족 주아" pitchFamily="18" charset="-127"/>
               </a:rPr>
               <a:t>1. </a:t>
             </a:r>
             <a:r>
-              <a:rPr lang="ko-KR" altLang="en-US" dirty="0">
+              <a:rPr lang="ko-KR" altLang="en-US" sz="6161" dirty="0">
                 <a:latin typeface="배달의민족 주아" pitchFamily="18" charset="-127"/>
                 <a:ea typeface="배달의민족 주아" pitchFamily="18" charset="-127"/>
               </a:rPr>
               <a:t>초보자가 배우기 쉽다</a:t>
             </a:r>
-            <a:endParaRPr lang="en-US" altLang="ko-KR" dirty="0">
+            <a:endParaRPr lang="en-US" altLang="ko-KR" sz="6161" dirty="0">
               <a:latin typeface="배달의민족 주아" pitchFamily="18" charset="-127"/>
               <a:ea typeface="배달의민족 주아" pitchFamily="18" charset="-127"/>
             </a:endParaRPr>
@@ -3570,35 +3722,35 @@
           <a:p>
             <a:pPr algn="l"/>
             <a:r>
-              <a:rPr lang="en-US" altLang="ko-KR" dirty="0">
+              <a:rPr lang="en-US" altLang="ko-KR" sz="6161" dirty="0">
                 <a:latin typeface="배달의민족 주아" pitchFamily="18" charset="-127"/>
                 <a:ea typeface="배달의민족 주아" pitchFamily="18" charset="-127"/>
               </a:rPr>
               <a:t>2. </a:t>
             </a:r>
             <a:r>
-              <a:rPr lang="ko-KR" altLang="en-US" dirty="0">
+              <a:rPr lang="ko-KR" altLang="en-US" sz="6161" dirty="0">
                 <a:latin typeface="배달의민족 주아" pitchFamily="18" charset="-127"/>
                 <a:ea typeface="배달의민족 주아" pitchFamily="18" charset="-127"/>
               </a:rPr>
               <a:t>인기가 많다 </a:t>
             </a:r>
             <a:r>
-              <a:rPr lang="en-US" altLang="ko-KR" dirty="0">
+              <a:rPr lang="en-US" altLang="ko-KR" sz="6161" dirty="0">
                 <a:latin typeface="배달의민족 주아" pitchFamily="18" charset="-127"/>
                 <a:ea typeface="배달의민족 주아" pitchFamily="18" charset="-127"/>
               </a:rPr>
               <a:t>(</a:t>
             </a:r>
             <a:r>
-              <a:rPr lang="ko-KR" altLang="en-US" dirty="0">
+              <a:rPr lang="ko-KR" altLang="en-US" sz="6161" dirty="0">
                 <a:latin typeface="배달의민족 주아" pitchFamily="18" charset="-127"/>
                 <a:ea typeface="배달의민족 주아" pitchFamily="18" charset="-127"/>
               </a:rPr>
               <a:t>참고할 자료가 많다</a:t>
             </a:r>
             <a:r>
-              <a:rPr lang="en-US" altLang="ko-KR" dirty="0">
+              <a:rPr lang="en-US" altLang="ko-KR" sz="6161" dirty="0">
                 <a:latin typeface="배달의민족 주아" pitchFamily="18" charset="-127"/>
                 <a:ea typeface="배달의민족 주아" pitchFamily="18" charset="-127"/>
               </a:rPr>
@@ -3608,14 +3760,14 @@
           <a:p>
             <a:pPr algn="l"/>
             <a:r>
-              <a:rPr lang="en-US" altLang="ko-KR" dirty="0">
+              <a:rPr lang="en-US" altLang="ko-KR" sz="6161" dirty="0">
                 <a:latin typeface="배달의민족 주아" pitchFamily="18" charset="-127"/>
                 <a:ea typeface="배달의민족 주아" pitchFamily="18" charset="-127"/>
               </a:rPr>
               <a:t>3. </a:t>
             </a:r>
             <a:r>
-              <a:rPr lang="ko-KR" altLang="en-US" dirty="0">
+              <a:rPr lang="ko-KR" altLang="en-US" sz="6161" dirty="0">
                 <a:latin typeface="배달의민족 주아" pitchFamily="18" charset="-127"/>
                 <a:ea typeface="배달의민족 주아" pitchFamily="18" charset="-127"/>
               </a:rPr>
@@ -3752,8 +3904,8 @@
         </p:nvSpPr>
         <p:spPr>
           <a:xfrm>
-            <a:off x="685800" y="1484784"/>
-            <a:ext cx="7772400" cy="1470025"/>
+            <a:off x="-487662" y="707109"/>
+            <a:ext cx="10881361" cy="2058036"/>
           </a:xfrm>
         </p:spPr>
         <p:txBody>
@@ -3764,7 +3916,7 @@
           <a:p>
             <a:pPr algn="l"/>
             <a:r>
-              <a:rPr lang="en-US" altLang="ko-KR" sz="3200" dirty="0">
+              <a:rPr lang="en-US" altLang="ko-KR" sz="4481" dirty="0">
                 <a:solidFill>
                   <a:schemeClr val="accent4"/>
                 </a:solidFill>
@@ -3775,7 +3927,7 @@
               <a:t>#include </a:t>
             </a:r>
             <a:r>
-              <a:rPr lang="en-US" altLang="ko-KR" sz="3200" dirty="0">
+              <a:rPr lang="en-US" altLang="ko-KR" sz="4481" dirty="0">
                 <a:latin typeface="Consolas" pitchFamily="49" charset="0"/>
                 <a:ea typeface="배달의민족 주아" pitchFamily="18" charset="-127"/>
                 <a:cs typeface="Consolas" pitchFamily="49" charset="0"/>
@@ -3783,7 +3935,7 @@
               <a:t>&lt;</a:t>
             </a:r>
             <a:r>
-              <a:rPr lang="en-US" altLang="ko-KR" sz="3200" dirty="0" err="1">
+              <a:rPr lang="en-US" altLang="ko-KR" sz="4481" dirty="0" err="1">
                 <a:latin typeface="Consolas" pitchFamily="49" charset="0"/>
                 <a:ea typeface="배달의민족 주아" pitchFamily="18" charset="-127"/>
                 <a:cs typeface="Consolas" pitchFamily="49" charset="0"/>
@@ -3791,7 +3943,7 @@
               <a:t>stdio.h</a:t>
             </a:r>
             <a:r>
-              <a:rPr lang="en-US" altLang="ko-KR" sz="3200" dirty="0">
+              <a:rPr lang="en-US" altLang="ko-KR" sz="4481" dirty="0">
                 <a:latin typeface="Consolas" pitchFamily="49" charset="0"/>
                 <a:ea typeface="배달의민족 주아" pitchFamily="18" charset="-127"/>
                 <a:cs typeface="Consolas" pitchFamily="49" charset="0"/>
@@ -3799,14 +3951,14 @@
               <a:t>&gt;</a:t>
             </a:r>
             <a:br>
-              <a:rPr lang="en-US" altLang="ko-KR" sz="3200" dirty="0">
+              <a:rPr lang="en-US" altLang="ko-KR" sz="4481" dirty="0">
                 <a:latin typeface="Consolas" pitchFamily="49" charset="0"/>
                 <a:ea typeface="배달의민족 주아" pitchFamily="18" charset="-127"/>
                 <a:cs typeface="Consolas" pitchFamily="49" charset="0"/>
               </a:rPr>
             </a:br>
             <a:r>
-              <a:rPr lang="en-US" altLang="ko-KR" sz="3200" dirty="0" err="1">
+              <a:rPr lang="en-US" altLang="ko-KR" sz="4481" dirty="0" err="1">
                 <a:latin typeface="Consolas" pitchFamily="49" charset="0"/>
                 <a:ea typeface="배달의민족 주아" pitchFamily="18" charset="-127"/>
                 <a:cs typeface="Consolas" pitchFamily="49" charset="0"/>
@@ -3814,7 +3966,7 @@
               <a:t>int</a:t>
             </a:r>
             <a:r>
-              <a:rPr lang="en-US" altLang="ko-KR" sz="3200" dirty="0">
+              <a:rPr lang="en-US" altLang="ko-KR" sz="4481" dirty="0">
                 <a:latin typeface="Consolas" pitchFamily="49" charset="0"/>
                 <a:ea typeface="배달의민족 주아" pitchFamily="18" charset="-127"/>
                 <a:cs typeface="Consolas" pitchFamily="49" charset="0"/>
@@ -3822,14 +3974,14 @@
               <a:t> main (void){</a:t>
             </a:r>
             <a:br>
-              <a:rPr lang="en-US" altLang="ko-KR" sz="3200" dirty="0">
+              <a:rPr lang="en-US" altLang="ko-KR" sz="4481" dirty="0">
                 <a:latin typeface="Consolas" pitchFamily="49" charset="0"/>
                 <a:ea typeface="배달의민족 주아" pitchFamily="18" charset="-127"/>
                 <a:cs typeface="Consolas" pitchFamily="49" charset="0"/>
               </a:rPr>
             </a:br>
             <a:r>
-              <a:rPr lang="en-US" altLang="ko-KR" sz="3200" dirty="0">
+              <a:rPr lang="en-US" altLang="ko-KR" sz="4481" dirty="0">
                 <a:latin typeface="Consolas" pitchFamily="49" charset="0"/>
                 <a:ea typeface="배달의민족 주아" pitchFamily="18" charset="-127"/>
                 <a:cs typeface="Consolas" pitchFamily="49" charset="0"/>
@@ -3837,7 +3989,7 @@
               <a:t>	</a:t>
             </a:r>
             <a:r>
-              <a:rPr lang="en-US" altLang="ko-KR" sz="3200" dirty="0" err="1">
+              <a:rPr lang="en-US" altLang="ko-KR" sz="4481" dirty="0" err="1">
                 <a:latin typeface="Consolas" pitchFamily="49" charset="0"/>
                 <a:ea typeface="배달의민족 주아" pitchFamily="18" charset="-127"/>
                 <a:cs typeface="Consolas" pitchFamily="49" charset="0"/>
@@ -3845,7 +3997,7 @@
               <a:t>printf</a:t>
             </a:r>
             <a:r>
-              <a:rPr lang="en-US" altLang="ko-KR" sz="3200" dirty="0">
+              <a:rPr lang="en-US" altLang="ko-KR" sz="4481" dirty="0">
                 <a:latin typeface="Consolas" pitchFamily="49" charset="0"/>
                 <a:ea typeface="배달의민족 주아" pitchFamily="18" charset="-127"/>
                 <a:cs typeface="Consolas" pitchFamily="49" charset="0"/>
@@ -3853,7 +4005,7 @@
               <a:t>( </a:t>
             </a:r>
             <a:r>
-              <a:rPr lang="en-US" altLang="ko-KR" sz="3200" dirty="0">
+              <a:rPr lang="en-US" altLang="ko-KR" sz="4481" dirty="0">
                 <a:solidFill>
                   <a:schemeClr val="accent6"/>
                 </a:solidFill>
@@ -3864,7 +4016,7 @@
               <a:t>“hello” </a:t>
             </a:r>
             <a:r>
-              <a:rPr lang="en-US" altLang="ko-KR" sz="3200" dirty="0">
+              <a:rPr lang="en-US" altLang="ko-KR" sz="4481" dirty="0">
                 <a:latin typeface="Consolas" pitchFamily="49" charset="0"/>
                 <a:ea typeface="배달의민족 주아" pitchFamily="18" charset="-127"/>
                 <a:cs typeface="Consolas" pitchFamily="49" charset="0"/>
@@ -3872,14 +4024,14 @@
               <a:t>);</a:t>
             </a:r>
             <a:br>
-              <a:rPr lang="en-US" altLang="ko-KR" sz="3200" dirty="0">
+              <a:rPr lang="en-US" altLang="ko-KR" sz="4481" dirty="0">
                 <a:latin typeface="Consolas" pitchFamily="49" charset="0"/>
                 <a:ea typeface="배달의민족 주아" pitchFamily="18" charset="-127"/>
                 <a:cs typeface="Consolas" pitchFamily="49" charset="0"/>
               </a:rPr>
             </a:br>
             <a:r>
-              <a:rPr lang="en-US" altLang="ko-KR" sz="3200" dirty="0">
+              <a:rPr lang="en-US" altLang="ko-KR" sz="4481" dirty="0">
                 <a:latin typeface="Consolas" pitchFamily="49" charset="0"/>
                 <a:ea typeface="배달의민족 주아" pitchFamily="18" charset="-127"/>
                 <a:cs typeface="Consolas" pitchFamily="49" charset="0"/>
@@ -3887,21 +4039,21 @@
               <a:t>	return 0;</a:t>
             </a:r>
             <a:br>
-              <a:rPr lang="en-US" altLang="ko-KR" sz="3200" dirty="0">
+              <a:rPr lang="en-US" altLang="ko-KR" sz="4481" dirty="0">
                 <a:latin typeface="Consolas" pitchFamily="49" charset="0"/>
                 <a:ea typeface="배달의민족 주아" pitchFamily="18" charset="-127"/>
                 <a:cs typeface="Consolas" pitchFamily="49" charset="0"/>
               </a:rPr>
             </a:br>
             <a:r>
-              <a:rPr lang="en-US" altLang="ko-KR" sz="3200" dirty="0">
+              <a:rPr lang="en-US" altLang="ko-KR" sz="4481" dirty="0">
                 <a:latin typeface="Consolas" pitchFamily="49" charset="0"/>
                 <a:ea typeface="배달의민족 주아" pitchFamily="18" charset="-127"/>
                 <a:cs typeface="Consolas" pitchFamily="49" charset="0"/>
               </a:rPr>
               <a:t>}</a:t>
             </a:r>
-            <a:endParaRPr lang="ko-KR" altLang="en-US" sz="3200" dirty="0">
+            <a:endParaRPr lang="ko-KR" altLang="en-US" sz="4481" dirty="0">
               <a:latin typeface="Consolas" pitchFamily="49" charset="0"/>
               <a:ea typeface="배달의민족 주아" pitchFamily="18" charset="-127"/>
               <a:cs typeface="Consolas" pitchFamily="49" charset="0"/>
@@ -3917,8 +4069,8 @@
         </p:nvSpPr>
         <p:spPr>
           <a:xfrm>
-            <a:off x="6588224" y="6165304"/>
-            <a:ext cx="1838965" cy="369332"/>
+            <a:off x="7775725" y="7259829"/>
+            <a:ext cx="2497800" cy="480131"/>
           </a:xfrm>
           <a:prstGeom prst="rect">
             <a:avLst/>
@@ -3932,7 +4084,7 @@
           <a:lstStyle/>
           <a:p>
             <a:r>
-              <a:rPr lang="en-US" altLang="ko-KR" dirty="0">
+              <a:rPr lang="en-US" altLang="ko-KR" sz="2520" dirty="0">
                 <a:solidFill>
                   <a:schemeClr val="accent5"/>
                 </a:solidFill>
@@ -3942,14 +4094,14 @@
               <a:t>S</a:t>
             </a:r>
             <a:r>
-              <a:rPr lang="en-US" altLang="ko-KR" dirty="0">
+              <a:rPr lang="en-US" altLang="ko-KR" sz="2520" dirty="0">
                 <a:latin typeface="배달의민족 도현" pitchFamily="50" charset="-127"/>
                 <a:ea typeface="배달의민족 도현" pitchFamily="50" charset="-127"/>
               </a:rPr>
               <a:t>TART</a:t>
             </a:r>
             <a:r>
-              <a:rPr lang="en-US" altLang="ko-KR" dirty="0">
+              <a:rPr lang="en-US" altLang="ko-KR" sz="2520" dirty="0">
                 <a:solidFill>
                   <a:schemeClr val="accent5"/>
                 </a:solidFill>
@@ -3959,13 +4111,13 @@
               <a:t>C</a:t>
             </a:r>
             <a:r>
-              <a:rPr lang="en-US" altLang="ko-KR" dirty="0">
+              <a:rPr lang="en-US" altLang="ko-KR" sz="2520" dirty="0">
                 <a:latin typeface="배달의민족 도현" pitchFamily="50" charset="-127"/>
                 <a:ea typeface="배달의민족 도현" pitchFamily="50" charset="-127"/>
               </a:rPr>
               <a:t>ODING</a:t>
             </a:r>
-            <a:endParaRPr lang="ko-KR" altLang="en-US" dirty="0">
+            <a:endParaRPr lang="ko-KR" altLang="en-US" sz="2520" dirty="0">
               <a:latin typeface="배달의민족 도현" pitchFamily="50" charset="-127"/>
               <a:ea typeface="배달의민족 도현" pitchFamily="50" charset="-127"/>
             </a:endParaRPr>
@@ -3980,8 +4132,8 @@
         </p:nvSpPr>
         <p:spPr>
           <a:xfrm>
-            <a:off x="107504" y="116632"/>
-            <a:ext cx="2592288" cy="646331"/>
+            <a:off x="-1297294" y="-1208307"/>
+            <a:ext cx="3629203" cy="867930"/>
           </a:xfrm>
           <a:prstGeom prst="rect">
             <a:avLst/>
@@ -3994,40 +4146,40 @@
           <a:lstStyle/>
           <a:p>
             <a:r>
-              <a:rPr lang="en-US" altLang="ko-KR" dirty="0">
+              <a:rPr lang="en-US" altLang="ko-KR" sz="2520" dirty="0">
                 <a:latin typeface="배달의민족 주아" pitchFamily="18" charset="-127"/>
                 <a:ea typeface="배달의민족 주아" pitchFamily="18" charset="-127"/>
               </a:rPr>
               <a:t>2. </a:t>
             </a:r>
             <a:r>
-              <a:rPr lang="ko-KR" altLang="en-US" dirty="0" err="1">
+              <a:rPr lang="ko-KR" altLang="en-US" sz="2520" dirty="0" err="1">
                 <a:latin typeface="배달의민족 주아" pitchFamily="18" charset="-127"/>
                 <a:ea typeface="배달의민족 주아" pitchFamily="18" charset="-127"/>
               </a:rPr>
               <a:t>파이썬이란</a:t>
             </a:r>
             <a:r>
-              <a:rPr lang="ko-KR" altLang="en-US" dirty="0">
+              <a:rPr lang="ko-KR" altLang="en-US" sz="2520" dirty="0">
                 <a:latin typeface="배달의민족 주아" pitchFamily="18" charset="-127"/>
                 <a:ea typeface="배달의민족 주아" pitchFamily="18" charset="-127"/>
               </a:rPr>
               <a:t> 무엇인가</a:t>
             </a:r>
             <a:r>
-              <a:rPr lang="en-US" altLang="ko-KR" dirty="0">
+              <a:rPr lang="en-US" altLang="ko-KR" sz="2520" dirty="0">
                 <a:latin typeface="배달의민족 주아" pitchFamily="18" charset="-127"/>
                 <a:ea typeface="배달의민족 주아" pitchFamily="18" charset="-127"/>
               </a:rPr>
               <a:t>?</a:t>
             </a:r>
             <a:br>
-              <a:rPr lang="en-US" altLang="ko-KR" dirty="0">
+              <a:rPr lang="en-US" altLang="ko-KR" sz="2520" dirty="0">
                 <a:latin typeface="배달의민족 주아" pitchFamily="18" charset="-127"/>
                 <a:ea typeface="배달의민족 주아" pitchFamily="18" charset="-127"/>
               </a:rPr>
             </a:br>
-            <a:endParaRPr lang="ko-KR" altLang="en-US" dirty="0"/>
+            <a:endParaRPr lang="ko-KR" altLang="en-US" sz="2520" dirty="0"/>
           </a:p>
         </p:txBody>
       </p:sp>
@@ -4054,8 +4206,8 @@
         </p:blipFill>
         <p:spPr bwMode="auto">
           <a:xfrm>
-            <a:off x="6084168" y="1268760"/>
-            <a:ext cx="1944216" cy="1944216"/>
+            <a:off x="7070038" y="404670"/>
+            <a:ext cx="2721902" cy="2721902"/>
           </a:xfrm>
           <a:prstGeom prst="rect">
             <a:avLst/>
@@ -4082,15 +4234,15 @@
         </p:nvSpPr>
         <p:spPr>
           <a:xfrm>
-            <a:off x="685800" y="4149080"/>
-            <a:ext cx="7772400" cy="1470025"/>
+            <a:off x="-487662" y="4437123"/>
+            <a:ext cx="10881361" cy="2058036"/>
           </a:xfrm>
           <a:prstGeom prst="rect">
             <a:avLst/>
           </a:prstGeom>
         </p:spPr>
         <p:txBody>
-          <a:bodyPr vert="horz" lIns="91440" tIns="45720" rIns="91440" bIns="45720" rtlCol="0" anchor="ctr">
+          <a:bodyPr vert="horz" lIns="128017" tIns="64008" rIns="128017" bIns="64008" rtlCol="0" anchor="ctr">
             <a:noAutofit/>
           </a:bodyPr>
           <a:lstStyle>
@@ -4112,14 +4264,14 @@
           <a:p>
             <a:pPr algn="l"/>
             <a:r>
-              <a:rPr lang="en-US" altLang="ko-KR" sz="3200" dirty="0">
+              <a:rPr lang="en-US" altLang="ko-KR" sz="4481" dirty="0">
                 <a:latin typeface="Consolas" pitchFamily="49" charset="0"/>
                 <a:ea typeface="배달의민족 주아" pitchFamily="18" charset="-127"/>
                 <a:cs typeface="Consolas" pitchFamily="49" charset="0"/>
               </a:rPr>
               <a:t>print(“hello”)</a:t>
             </a:r>
-            <a:endParaRPr lang="ko-KR" altLang="en-US" sz="3200" dirty="0">
+            <a:endParaRPr lang="ko-KR" altLang="en-US" sz="4481" dirty="0">
               <a:latin typeface="Consolas" pitchFamily="49" charset="0"/>
               <a:ea typeface="배달의민족 주아" pitchFamily="18" charset="-127"/>
               <a:cs typeface="Consolas" pitchFamily="49" charset="0"/>
@@ -4150,8 +4302,8 @@
         </p:blipFill>
         <p:spPr bwMode="auto">
           <a:xfrm>
-            <a:off x="5971707" y="3799523"/>
-            <a:ext cx="2169138" cy="2169138"/>
+            <a:off x="6912614" y="3947759"/>
+            <a:ext cx="3036795" cy="3036795"/>
           </a:xfrm>
           <a:prstGeom prst="rect">
             <a:avLst/>
@@ -4416,8 +4568,8 @@
         </p:nvSpPr>
         <p:spPr>
           <a:xfrm>
-            <a:off x="6588224" y="6165304"/>
-            <a:ext cx="1838965" cy="369332"/>
+            <a:off x="7775725" y="7259829"/>
+            <a:ext cx="2497800" cy="480131"/>
           </a:xfrm>
           <a:prstGeom prst="rect">
             <a:avLst/>
@@ -4431,7 +4583,7 @@
           <a:lstStyle/>
           <a:p>
             <a:r>
-              <a:rPr lang="en-US" altLang="ko-KR" dirty="0">
+              <a:rPr lang="en-US" altLang="ko-KR" sz="2520" dirty="0">
                 <a:solidFill>
                   <a:schemeClr val="accent5"/>
                 </a:solidFill>
@@ -4441,14 +4593,14 @@
               <a:t>S</a:t>
             </a:r>
             <a:r>
-              <a:rPr lang="en-US" altLang="ko-KR" dirty="0">
+              <a:rPr lang="en-US" altLang="ko-KR" sz="2520" dirty="0">
                 <a:latin typeface="배달의민족 도현" pitchFamily="50" charset="-127"/>
                 <a:ea typeface="배달의민족 도현" pitchFamily="50" charset="-127"/>
               </a:rPr>
               <a:t>TART</a:t>
             </a:r>
             <a:r>
-              <a:rPr lang="en-US" altLang="ko-KR" dirty="0">
+              <a:rPr lang="en-US" altLang="ko-KR" sz="2520" dirty="0">
                 <a:solidFill>
                   <a:schemeClr val="accent5"/>
                 </a:solidFill>
@@ -4458,13 +4610,13 @@
               <a:t>C</a:t>
             </a:r>
             <a:r>
-              <a:rPr lang="en-US" altLang="ko-KR" dirty="0">
+              <a:rPr lang="en-US" altLang="ko-KR" sz="2520" dirty="0">
                 <a:latin typeface="배달의민족 도현" pitchFamily="50" charset="-127"/>
                 <a:ea typeface="배달의민족 도현" pitchFamily="50" charset="-127"/>
               </a:rPr>
               <a:t>ODING</a:t>
             </a:r>
-            <a:endParaRPr lang="ko-KR" altLang="en-US" dirty="0">
+            <a:endParaRPr lang="ko-KR" altLang="en-US" sz="2520" dirty="0">
               <a:latin typeface="배달의민족 도현" pitchFamily="50" charset="-127"/>
               <a:ea typeface="배달의민족 도현" pitchFamily="50" charset="-127"/>
             </a:endParaRPr>
@@ -4479,8 +4631,8 @@
         </p:nvSpPr>
         <p:spPr>
           <a:xfrm>
-            <a:off x="107504" y="116632"/>
-            <a:ext cx="2592288" cy="646331"/>
+            <a:off x="-1297294" y="-1208307"/>
+            <a:ext cx="3629203" cy="867930"/>
           </a:xfrm>
           <a:prstGeom prst="rect">
             <a:avLst/>
@@ -4493,40 +4645,40 @@
           <a:lstStyle/>
           <a:p>
             <a:r>
-              <a:rPr lang="en-US" altLang="ko-KR" dirty="0">
+              <a:rPr lang="en-US" altLang="ko-KR" sz="2520" dirty="0">
                 <a:latin typeface="배달의민족 주아" pitchFamily="18" charset="-127"/>
                 <a:ea typeface="배달의민족 주아" pitchFamily="18" charset="-127"/>
               </a:rPr>
               <a:t>2. </a:t>
             </a:r>
             <a:r>
-              <a:rPr lang="ko-KR" altLang="en-US" dirty="0" err="1">
+              <a:rPr lang="ko-KR" altLang="en-US" sz="2520" dirty="0" err="1">
                 <a:latin typeface="배달의민족 주아" pitchFamily="18" charset="-127"/>
                 <a:ea typeface="배달의민족 주아" pitchFamily="18" charset="-127"/>
               </a:rPr>
               <a:t>파이썬이란</a:t>
             </a:r>
             <a:r>
-              <a:rPr lang="ko-KR" altLang="en-US" dirty="0">
+              <a:rPr lang="ko-KR" altLang="en-US" sz="2520" dirty="0">
                 <a:latin typeface="배달의민족 주아" pitchFamily="18" charset="-127"/>
                 <a:ea typeface="배달의민족 주아" pitchFamily="18" charset="-127"/>
               </a:rPr>
               <a:t> 무엇인가</a:t>
             </a:r>
             <a:r>
-              <a:rPr lang="en-US" altLang="ko-KR" dirty="0">
+              <a:rPr lang="en-US" altLang="ko-KR" sz="2520" dirty="0">
                 <a:latin typeface="배달의민족 주아" pitchFamily="18" charset="-127"/>
                 <a:ea typeface="배달의민족 주아" pitchFamily="18" charset="-127"/>
               </a:rPr>
               <a:t>?</a:t>
             </a:r>
             <a:br>
-              <a:rPr lang="en-US" altLang="ko-KR" dirty="0">
+              <a:rPr lang="en-US" altLang="ko-KR" sz="2520" dirty="0">
                 <a:latin typeface="배달의민족 주아" pitchFamily="18" charset="-127"/>
                 <a:ea typeface="배달의민족 주아" pitchFamily="18" charset="-127"/>
               </a:rPr>
             </a:br>
-            <a:endParaRPr lang="ko-KR" altLang="en-US" dirty="0"/>
+            <a:endParaRPr lang="ko-KR" altLang="en-US" sz="2520" dirty="0"/>
           </a:p>
         </p:txBody>
       </p:sp>
@@ -4553,8 +4705,8 @@
         </p:blipFill>
         <p:spPr bwMode="auto">
           <a:xfrm>
-            <a:off x="1115616" y="412159"/>
-            <a:ext cx="7128793" cy="5695069"/>
+            <a:off x="114074" y="-794568"/>
+            <a:ext cx="9980310" cy="7973097"/>
           </a:xfrm>
           <a:prstGeom prst="rect">
             <a:avLst/>
@@ -4632,8 +4784,8 @@
         </p:nvSpPr>
         <p:spPr>
           <a:xfrm>
-            <a:off x="6588224" y="6165304"/>
-            <a:ext cx="1838965" cy="369332"/>
+            <a:off x="7775725" y="7259829"/>
+            <a:ext cx="2497800" cy="480131"/>
           </a:xfrm>
           <a:prstGeom prst="rect">
             <a:avLst/>
@@ -4647,7 +4799,7 @@
           <a:lstStyle/>
           <a:p>
             <a:r>
-              <a:rPr lang="en-US" altLang="ko-KR" dirty="0">
+              <a:rPr lang="en-US" altLang="ko-KR" sz="2520" dirty="0">
                 <a:solidFill>
                   <a:schemeClr val="accent5"/>
                 </a:solidFill>
@@ -4657,14 +4809,14 @@
               <a:t>S</a:t>
             </a:r>
             <a:r>
-              <a:rPr lang="en-US" altLang="ko-KR" dirty="0">
+              <a:rPr lang="en-US" altLang="ko-KR" sz="2520" dirty="0">
                 <a:latin typeface="배달의민족 도현" pitchFamily="50" charset="-127"/>
                 <a:ea typeface="배달의민족 도현" pitchFamily="50" charset="-127"/>
               </a:rPr>
               <a:t>TART</a:t>
             </a:r>
             <a:r>
-              <a:rPr lang="en-US" altLang="ko-KR" dirty="0">
+              <a:rPr lang="en-US" altLang="ko-KR" sz="2520" dirty="0">
                 <a:solidFill>
                   <a:schemeClr val="accent5"/>
                 </a:solidFill>
@@ -4674,13 +4826,13 @@
               <a:t>C</a:t>
             </a:r>
             <a:r>
-              <a:rPr lang="en-US" altLang="ko-KR" dirty="0">
+              <a:rPr lang="en-US" altLang="ko-KR" sz="2520" dirty="0">
                 <a:latin typeface="배달의민족 도현" pitchFamily="50" charset="-127"/>
                 <a:ea typeface="배달의민족 도현" pitchFamily="50" charset="-127"/>
               </a:rPr>
               <a:t>ODING</a:t>
             </a:r>
-            <a:endParaRPr lang="ko-KR" altLang="en-US" dirty="0">
+            <a:endParaRPr lang="ko-KR" altLang="en-US" sz="2520" dirty="0">
               <a:latin typeface="배달의민족 도현" pitchFamily="50" charset="-127"/>
               <a:ea typeface="배달의민족 도현" pitchFamily="50" charset="-127"/>
             </a:endParaRPr>
@@ -4695,8 +4847,8 @@
         </p:nvSpPr>
         <p:spPr>
           <a:xfrm>
-            <a:off x="107504" y="116632"/>
-            <a:ext cx="2592288" cy="646331"/>
+            <a:off x="-1297294" y="-1208307"/>
+            <a:ext cx="3629203" cy="867930"/>
           </a:xfrm>
           <a:prstGeom prst="rect">
             <a:avLst/>
@@ -4709,40 +4861,40 @@
           <a:lstStyle/>
           <a:p>
             <a:r>
-              <a:rPr lang="en-US" altLang="ko-KR" dirty="0">
+              <a:rPr lang="en-US" altLang="ko-KR" sz="2520" dirty="0">
                 <a:latin typeface="배달의민족 주아" pitchFamily="18" charset="-127"/>
                 <a:ea typeface="배달의민족 주아" pitchFamily="18" charset="-127"/>
               </a:rPr>
               <a:t>2. </a:t>
             </a:r>
             <a:r>
-              <a:rPr lang="ko-KR" altLang="en-US" dirty="0" err="1">
+              <a:rPr lang="ko-KR" altLang="en-US" sz="2520" dirty="0" err="1">
                 <a:latin typeface="배달의민족 주아" pitchFamily="18" charset="-127"/>
                 <a:ea typeface="배달의민족 주아" pitchFamily="18" charset="-127"/>
               </a:rPr>
               <a:t>파이썬이란</a:t>
             </a:r>
             <a:r>
-              <a:rPr lang="ko-KR" altLang="en-US" dirty="0">
+              <a:rPr lang="ko-KR" altLang="en-US" sz="2520" dirty="0">
                 <a:latin typeface="배달의민족 주아" pitchFamily="18" charset="-127"/>
                 <a:ea typeface="배달의민족 주아" pitchFamily="18" charset="-127"/>
               </a:rPr>
               <a:t> 무엇인가</a:t>
             </a:r>
             <a:r>
-              <a:rPr lang="en-US" altLang="ko-KR" dirty="0">
+              <a:rPr lang="en-US" altLang="ko-KR" sz="2520" dirty="0">
                 <a:latin typeface="배달의민족 주아" pitchFamily="18" charset="-127"/>
                 <a:ea typeface="배달의민족 주아" pitchFamily="18" charset="-127"/>
               </a:rPr>
               <a:t>?</a:t>
             </a:r>
             <a:br>
-              <a:rPr lang="en-US" altLang="ko-KR" dirty="0">
+              <a:rPr lang="en-US" altLang="ko-KR" sz="2520" dirty="0">
                 <a:latin typeface="배달의민족 주아" pitchFamily="18" charset="-127"/>
                 <a:ea typeface="배달의민족 주아" pitchFamily="18" charset="-127"/>
               </a:rPr>
             </a:br>
-            <a:endParaRPr lang="ko-KR" altLang="en-US" dirty="0"/>
+            <a:endParaRPr lang="ko-KR" altLang="en-US" sz="2520" dirty="0"/>
           </a:p>
         </p:txBody>
       </p:sp>
@@ -4769,8 +4921,8 @@
         </p:blipFill>
         <p:spPr bwMode="auto">
           <a:xfrm>
-            <a:off x="1862832" y="1772816"/>
-            <a:ext cx="2205112" cy="2205112"/>
+            <a:off x="1160173" y="1110352"/>
+            <a:ext cx="3087157" cy="3087157"/>
           </a:xfrm>
           <a:prstGeom prst="rect">
             <a:avLst/>
@@ -4799,8 +4951,8 @@
         </p:nvSpPr>
         <p:spPr>
           <a:xfrm>
-            <a:off x="685800" y="476672"/>
-            <a:ext cx="7772400" cy="1470025"/>
+            <a:off x="-487680" y="-704247"/>
+            <a:ext cx="10881360" cy="2058035"/>
           </a:xfrm>
         </p:spPr>
         <p:txBody>
@@ -4847,8 +4999,8 @@
         </p:blipFill>
         <p:spPr bwMode="auto">
           <a:xfrm>
-            <a:off x="4860032" y="1817688"/>
-            <a:ext cx="2069728" cy="2069728"/>
+            <a:off x="5356267" y="1173184"/>
+            <a:ext cx="2897621" cy="2897621"/>
           </a:xfrm>
           <a:prstGeom prst="rect">
             <a:avLst/>
@@ -4888,8 +5040,8 @@
         </p:blipFill>
         <p:spPr bwMode="auto">
           <a:xfrm>
-            <a:off x="827584" y="4481984"/>
-            <a:ext cx="3672408" cy="1479267"/>
+            <a:off x="-289161" y="4903203"/>
+            <a:ext cx="5141373" cy="2070974"/>
           </a:xfrm>
           <a:prstGeom prst="rect">
             <a:avLst/>
@@ -4952,8 +5104,8 @@
         </p:blipFill>
         <p:spPr bwMode="auto">
           <a:xfrm>
-            <a:off x="4851400" y="4049936"/>
-            <a:ext cx="2078360" cy="2078360"/>
+            <a:off x="5344178" y="4298330"/>
+            <a:ext cx="2909704" cy="2909704"/>
           </a:xfrm>
           <a:prstGeom prst="rect">
             <a:avLst/>
@@ -5250,8 +5402,8 @@
         </p:nvSpPr>
         <p:spPr>
           <a:xfrm>
-            <a:off x="6588224" y="6165304"/>
-            <a:ext cx="1838965" cy="369332"/>
+            <a:off x="7775725" y="7259829"/>
+            <a:ext cx="2497800" cy="480131"/>
           </a:xfrm>
           <a:prstGeom prst="rect">
             <a:avLst/>
@@ -5265,7 +5417,7 @@
           <a:lstStyle/>
           <a:p>
             <a:r>
-              <a:rPr lang="en-US" altLang="ko-KR" dirty="0">
+              <a:rPr lang="en-US" altLang="ko-KR" sz="2520" dirty="0">
                 <a:solidFill>
                   <a:schemeClr val="accent5"/>
                 </a:solidFill>
@@ -5275,14 +5427,14 @@
               <a:t>S</a:t>
             </a:r>
             <a:r>
-              <a:rPr lang="en-US" altLang="ko-KR" dirty="0">
+              <a:rPr lang="en-US" altLang="ko-KR" sz="2520" dirty="0">
                 <a:latin typeface="배달의민족 도현" pitchFamily="50" charset="-127"/>
                 <a:ea typeface="배달의민족 도현" pitchFamily="50" charset="-127"/>
               </a:rPr>
               <a:t>TART</a:t>
             </a:r>
             <a:r>
-              <a:rPr lang="en-US" altLang="ko-KR" dirty="0">
+              <a:rPr lang="en-US" altLang="ko-KR" sz="2520" dirty="0">
                 <a:solidFill>
                   <a:schemeClr val="accent5"/>
                 </a:solidFill>
@@ -5292,13 +5444,13 @@
               <a:t>C</a:t>
             </a:r>
             <a:r>
-              <a:rPr lang="en-US" altLang="ko-KR" dirty="0">
+              <a:rPr lang="en-US" altLang="ko-KR" sz="2520" dirty="0">
                 <a:latin typeface="배달의민족 도현" pitchFamily="50" charset="-127"/>
                 <a:ea typeface="배달의민족 도현" pitchFamily="50" charset="-127"/>
               </a:rPr>
               <a:t>ODING</a:t>
             </a:r>
-            <a:endParaRPr lang="ko-KR" altLang="en-US" dirty="0">
+            <a:endParaRPr lang="ko-KR" altLang="en-US" sz="2520" dirty="0">
               <a:latin typeface="배달의민족 도현" pitchFamily="50" charset="-127"/>
               <a:ea typeface="배달의민족 도현" pitchFamily="50" charset="-127"/>
             </a:endParaRPr>
@@ -5313,8 +5465,8 @@
         </p:nvSpPr>
         <p:spPr>
           <a:xfrm>
-            <a:off x="107504" y="116632"/>
-            <a:ext cx="2592288" cy="369332"/>
+            <a:off x="-1297294" y="-1208314"/>
+            <a:ext cx="3629203" cy="480131"/>
           </a:xfrm>
           <a:prstGeom prst="rect">
             <a:avLst/>
@@ -5327,20 +5479,20 @@
           <a:lstStyle/>
           <a:p>
             <a:r>
-              <a:rPr lang="en-US" altLang="ko-KR" dirty="0">
+              <a:rPr lang="en-US" altLang="ko-KR" sz="2520" dirty="0">
                 <a:latin typeface="배달의민족 주아" pitchFamily="18" charset="-127"/>
                 <a:ea typeface="배달의민족 주아" pitchFamily="18" charset="-127"/>
               </a:rPr>
               <a:t>3. </a:t>
             </a:r>
             <a:r>
-              <a:rPr lang="ko-KR" altLang="en-US" dirty="0">
+              <a:rPr lang="ko-KR" altLang="en-US" sz="2520" dirty="0">
                 <a:latin typeface="배달의민족 주아" pitchFamily="18" charset="-127"/>
                 <a:ea typeface="배달의민족 주아" pitchFamily="18" charset="-127"/>
               </a:rPr>
               <a:t>프로그램 설치</a:t>
             </a:r>
-            <a:endParaRPr lang="ko-KR" altLang="en-US" dirty="0"/>
+            <a:endParaRPr lang="ko-KR" altLang="en-US" sz="2520" dirty="0"/>
           </a:p>
         </p:txBody>
       </p:sp>
@@ -5356,8 +5508,8 @@
         </p:nvSpPr>
         <p:spPr>
           <a:xfrm>
-            <a:off x="685800" y="476672"/>
-            <a:ext cx="7772400" cy="1470025"/>
+            <a:off x="-487680" y="-704247"/>
+            <a:ext cx="10881360" cy="2058035"/>
           </a:xfrm>
         </p:spPr>
         <p:txBody>
@@ -5404,17 +5556,22 @@
         </p:blipFill>
         <p:spPr bwMode="auto">
           <a:xfrm>
-            <a:off x="917848" y="2208766"/>
-            <a:ext cx="7308304" cy="3093337"/>
+            <a:off x="-162795" y="1720689"/>
+            <a:ext cx="10231626" cy="4330673"/>
           </a:xfrm>
           <a:prstGeom prst="rect">
             <a:avLst/>
           </a:prstGeom>
-          <a:noFill/>
           <a:ln>
             <a:noFill/>
           </a:ln>
-          <a:effectLst/>
+          <a:effectLst>
+            <a:outerShdw blurRad="190500" algn="tl" rotWithShape="0">
+              <a:srgbClr val="000000">
+                <a:alpha val="70000"/>
+              </a:srgbClr>
+            </a:outerShdw>
+          </a:effectLst>
           <a:extLst>
             <a:ext uri="{909E8E84-426E-40DD-AFC4-6F175D3DCCD1}">
               <a14:hiddenFill xmlns:a14="http://schemas.microsoft.com/office/drawing/2010/main">
@@ -5433,15 +5590,6 @@
                 <a:tailEnd/>
               </a14:hiddenLine>
             </a:ext>
-            <a:ext uri="{AF507438-7753-43E0-B8FC-AC1667EBCBE1}">
-              <a14:hiddenEffects xmlns:a14="http://schemas.microsoft.com/office/drawing/2010/main">
-                <a:effectLst>
-                  <a:outerShdw dist="35921" dir="2700000" algn="ctr" rotWithShape="0">
-                    <a:schemeClr val="bg2"/>
-                  </a:outerShdw>
-                </a:effectLst>
-              </a14:hiddenEffects>
-            </a:ext>
           </a:extLst>
         </p:spPr>
       </p:pic>
@@ -5453,8 +5601,8 @@
         </p:nvSpPr>
         <p:spPr>
           <a:xfrm>
-            <a:off x="2594824" y="1628800"/>
-            <a:ext cx="3954352" cy="646331"/>
+            <a:off x="2184959" y="908745"/>
+            <a:ext cx="5460277" cy="867930"/>
           </a:xfrm>
           <a:prstGeom prst="rect">
             <a:avLst/>
@@ -5467,15 +5615,15 @@
           <a:lstStyle/>
           <a:p>
             <a:r>
-              <a:rPr lang="en-US" altLang="ko-KR" dirty="0">
+              <a:rPr lang="en-US" altLang="ko-KR" sz="2520" dirty="0">
                 <a:hlinkClick r:id="rId3"/>
               </a:rPr>
               <a:t>https://www.python.org/downloads/</a:t>
             </a:r>
-            <a:endParaRPr lang="en-US" altLang="ko-KR" dirty="0"/>
-          </a:p>
-          <a:p>
-            <a:endParaRPr lang="en-US" altLang="ko-KR" dirty="0"/>
+            <a:endParaRPr lang="en-US" altLang="ko-KR" sz="2520" dirty="0"/>
+          </a:p>
+          <a:p>
+            <a:endParaRPr lang="en-US" altLang="ko-KR" sz="2520" dirty="0"/>
           </a:p>
         </p:txBody>
       </p:sp>
@@ -5487,8 +5635,8 @@
         </p:nvSpPr>
         <p:spPr>
           <a:xfrm>
-            <a:off x="1547664" y="3429000"/>
-            <a:ext cx="1512168" cy="576064"/>
+            <a:off x="718938" y="3429021"/>
+            <a:ext cx="2117035" cy="806491"/>
           </a:xfrm>
           <a:prstGeom prst="rect">
             <a:avLst/>
@@ -5521,7 +5669,7 @@
           <a:lstStyle/>
           <a:p>
             <a:pPr algn="ctr"/>
-            <a:endParaRPr lang="ko-KR" altLang="en-US"/>
+            <a:endParaRPr lang="ko-KR" altLang="en-US" sz="2520"/>
           </a:p>
         </p:txBody>
       </p:sp>
@@ -5533,8 +5681,8 @@
         </p:nvSpPr>
         <p:spPr>
           <a:xfrm>
-            <a:off x="2699792" y="5517232"/>
-            <a:ext cx="3720955" cy="369332"/>
+            <a:off x="2331923" y="6352544"/>
+            <a:ext cx="5130635" cy="480131"/>
           </a:xfrm>
           <a:prstGeom prst="rect">
             <a:avLst/>
@@ -5547,7 +5695,7 @@
           <a:lstStyle/>
           <a:p>
             <a:r>
-              <a:rPr lang="en-US" altLang="ko-KR" dirty="0">
+              <a:rPr lang="en-US" altLang="ko-KR" sz="2520" dirty="0">
                 <a:solidFill>
                   <a:srgbClr val="FF0000"/>
                 </a:solidFill>
@@ -5555,7 +5703,7 @@
               <a:t>Add Python 3.9 to PATH </a:t>
             </a:r>
             <a:r>
-              <a:rPr lang="ko-KR" altLang="en-US" dirty="0">
+              <a:rPr lang="ko-KR" altLang="en-US" sz="2520" dirty="0">
                 <a:solidFill>
                   <a:srgbClr val="FF0000"/>
                 </a:solidFill>
@@ -5563,14 +5711,14 @@
               <a:t>꼭 체크</a:t>
             </a:r>
             <a:r>
-              <a:rPr lang="en-US" altLang="ko-KR" dirty="0">
+              <a:rPr lang="en-US" altLang="ko-KR" sz="2520" dirty="0">
                 <a:solidFill>
                   <a:srgbClr val="FF0000"/>
                 </a:solidFill>
               </a:rPr>
               <a:t>!!</a:t>
             </a:r>
-            <a:endParaRPr lang="ko-KR" altLang="en-US" dirty="0">
+            <a:endParaRPr lang="ko-KR" altLang="en-US" sz="2520" dirty="0">
               <a:solidFill>
                 <a:srgbClr val="FF0000"/>
               </a:solidFill>
@@ -5616,8 +5764,8 @@
         </p:nvSpPr>
         <p:spPr>
           <a:xfrm>
-            <a:off x="6588224" y="6165304"/>
-            <a:ext cx="1838965" cy="369332"/>
+            <a:off x="7775725" y="7259829"/>
+            <a:ext cx="2497800" cy="480131"/>
           </a:xfrm>
           <a:prstGeom prst="rect">
             <a:avLst/>
@@ -5631,7 +5779,7 @@
           <a:lstStyle/>
           <a:p>
             <a:r>
-              <a:rPr lang="en-US" altLang="ko-KR" dirty="0">
+              <a:rPr lang="en-US" altLang="ko-KR" sz="2520" dirty="0">
                 <a:solidFill>
                   <a:schemeClr val="accent5"/>
                 </a:solidFill>
@@ -5641,14 +5789,14 @@
               <a:t>S</a:t>
             </a:r>
             <a:r>
-              <a:rPr lang="en-US" altLang="ko-KR" dirty="0">
+              <a:rPr lang="en-US" altLang="ko-KR" sz="2520" dirty="0">
                 <a:latin typeface="배달의민족 도현" pitchFamily="50" charset="-127"/>
                 <a:ea typeface="배달의민족 도현" pitchFamily="50" charset="-127"/>
               </a:rPr>
               <a:t>TART</a:t>
             </a:r>
             <a:r>
-              <a:rPr lang="en-US" altLang="ko-KR" dirty="0">
+              <a:rPr lang="en-US" altLang="ko-KR" sz="2520" dirty="0">
                 <a:solidFill>
                   <a:schemeClr val="accent5"/>
                 </a:solidFill>
@@ -5658,13 +5806,13 @@
               <a:t>C</a:t>
             </a:r>
             <a:r>
-              <a:rPr lang="en-US" altLang="ko-KR" dirty="0">
+              <a:rPr lang="en-US" altLang="ko-KR" sz="2520" dirty="0">
                 <a:latin typeface="배달의민족 도현" pitchFamily="50" charset="-127"/>
                 <a:ea typeface="배달의민족 도현" pitchFamily="50" charset="-127"/>
               </a:rPr>
               <a:t>ODING</a:t>
             </a:r>
-            <a:endParaRPr lang="ko-KR" altLang="en-US" dirty="0">
+            <a:endParaRPr lang="ko-KR" altLang="en-US" sz="2520" dirty="0">
               <a:latin typeface="배달의민족 도현" pitchFamily="50" charset="-127"/>
               <a:ea typeface="배달의민족 도현" pitchFamily="50" charset="-127"/>
             </a:endParaRPr>
@@ -5679,8 +5827,8 @@
         </p:nvSpPr>
         <p:spPr>
           <a:xfrm>
-            <a:off x="107504" y="116632"/>
-            <a:ext cx="2592288" cy="369332"/>
+            <a:off x="-1297294" y="-1208314"/>
+            <a:ext cx="3629203" cy="480131"/>
           </a:xfrm>
           <a:prstGeom prst="rect">
             <a:avLst/>
@@ -5693,20 +5841,20 @@
           <a:lstStyle/>
           <a:p>
             <a:r>
-              <a:rPr lang="en-US" altLang="ko-KR" dirty="0">
+              <a:rPr lang="en-US" altLang="ko-KR" sz="2520" dirty="0">
                 <a:latin typeface="배달의민족 주아" pitchFamily="18" charset="-127"/>
                 <a:ea typeface="배달의민족 주아" pitchFamily="18" charset="-127"/>
               </a:rPr>
               <a:t>3. </a:t>
             </a:r>
             <a:r>
-              <a:rPr lang="ko-KR" altLang="en-US" dirty="0">
+              <a:rPr lang="ko-KR" altLang="en-US" sz="2520" dirty="0">
                 <a:latin typeface="배달의민족 주아" pitchFamily="18" charset="-127"/>
                 <a:ea typeface="배달의민족 주아" pitchFamily="18" charset="-127"/>
               </a:rPr>
               <a:t>프로그램 설치</a:t>
             </a:r>
-            <a:endParaRPr lang="ko-KR" altLang="en-US" dirty="0"/>
+            <a:endParaRPr lang="ko-KR" altLang="en-US" sz="2520" dirty="0"/>
           </a:p>
         </p:txBody>
       </p:sp>
@@ -5722,8 +5870,8 @@
         </p:nvSpPr>
         <p:spPr>
           <a:xfrm>
-            <a:off x="685800" y="476672"/>
-            <a:ext cx="7772400" cy="1470025"/>
+            <a:off x="-487680" y="-704247"/>
+            <a:ext cx="10881360" cy="2058035"/>
           </a:xfrm>
         </p:spPr>
         <p:txBody>
@@ -5762,8 +5910,8 @@
         </p:nvSpPr>
         <p:spPr>
           <a:xfrm>
-            <a:off x="2901632" y="1628800"/>
-            <a:ext cx="3326552" cy="646331"/>
+            <a:off x="2614488" y="908745"/>
+            <a:ext cx="4584909" cy="867930"/>
           </a:xfrm>
           <a:prstGeom prst="rect">
             <a:avLst/>
@@ -5776,15 +5924,15 @@
           <a:lstStyle/>
           <a:p>
             <a:r>
-              <a:rPr lang="en-US" altLang="ko-KR" dirty="0">
+              <a:rPr lang="en-US" altLang="ko-KR" sz="2520" dirty="0">
                 <a:hlinkClick r:id="rId2"/>
               </a:rPr>
               <a:t>https://code.visualstudio.com/</a:t>
             </a:r>
-            <a:endParaRPr lang="en-US" altLang="ko-KR" dirty="0"/>
-          </a:p>
-          <a:p>
-            <a:endParaRPr lang="en-US" altLang="ko-KR" dirty="0"/>
+            <a:endParaRPr lang="en-US" altLang="ko-KR" sz="2520" dirty="0"/>
+          </a:p>
+          <a:p>
+            <a:endParaRPr lang="en-US" altLang="ko-KR" sz="2520" dirty="0"/>
           </a:p>
         </p:txBody>
       </p:sp>
@@ -5811,17 +5959,22 @@
         </p:blipFill>
         <p:spPr bwMode="auto">
           <a:xfrm>
-            <a:off x="1277888" y="2060848"/>
-            <a:ext cx="6588224" cy="3935468"/>
+            <a:off x="341264" y="1513590"/>
+            <a:ext cx="9223514" cy="5509658"/>
           </a:xfrm>
           <a:prstGeom prst="rect">
             <a:avLst/>
           </a:prstGeom>
-          <a:noFill/>
           <a:ln>
             <a:noFill/>
           </a:ln>
-          <a:effectLst/>
+          <a:effectLst>
+            <a:outerShdw blurRad="190500" algn="tl" rotWithShape="0">
+              <a:srgbClr val="000000">
+                <a:alpha val="70000"/>
+              </a:srgbClr>
+            </a:outerShdw>
+          </a:effectLst>
           <a:extLst>
             <a:ext uri="{909E8E84-426E-40DD-AFC4-6F175D3DCCD1}">
               <a14:hiddenFill xmlns:a14="http://schemas.microsoft.com/office/drawing/2010/main">
@@ -5840,15 +5993,6 @@
                 <a:tailEnd/>
               </a14:hiddenLine>
             </a:ext>
-            <a:ext uri="{AF507438-7753-43E0-B8FC-AC1667EBCBE1}">
-              <a14:hiddenEffects xmlns:a14="http://schemas.microsoft.com/office/drawing/2010/main">
-                <a:effectLst>
-                  <a:outerShdw dist="35921" dir="2700000" algn="ctr" rotWithShape="0">
-                    <a:schemeClr val="bg2"/>
-                  </a:outerShdw>
-                </a:effectLst>
-              </a14:hiddenEffects>
-            </a:ext>
           </a:extLst>
         </p:spPr>
       </p:pic>
@@ -5860,8 +6004,8 @@
         </p:nvSpPr>
         <p:spPr>
           <a:xfrm>
-            <a:off x="1691680" y="3740550"/>
-            <a:ext cx="1512168" cy="576064"/>
+            <a:off x="920562" y="3865191"/>
+            <a:ext cx="2117035" cy="806491"/>
           </a:xfrm>
           <a:prstGeom prst="rect">
             <a:avLst/>
@@ -5894,7 +6038,7 @@
           <a:lstStyle/>
           <a:p>
             <a:pPr algn="ctr"/>
-            <a:endParaRPr lang="ko-KR" altLang="en-US"/>
+            <a:endParaRPr lang="ko-KR" altLang="en-US" sz="2520"/>
           </a:p>
         </p:txBody>
       </p:sp>
@@ -5936,8 +6080,8 @@
         </p:nvSpPr>
         <p:spPr>
           <a:xfrm>
-            <a:off x="6588224" y="6165304"/>
-            <a:ext cx="1838965" cy="369332"/>
+            <a:off x="7775725" y="7259829"/>
+            <a:ext cx="2497800" cy="480131"/>
           </a:xfrm>
           <a:prstGeom prst="rect">
             <a:avLst/>
@@ -5951,7 +6095,7 @@
           <a:lstStyle/>
           <a:p>
             <a:r>
-              <a:rPr lang="en-US" altLang="ko-KR" dirty="0">
+              <a:rPr lang="en-US" altLang="ko-KR" sz="2520" dirty="0">
                 <a:solidFill>
                   <a:schemeClr val="accent5"/>
                 </a:solidFill>
@@ -5961,14 +6105,14 @@
               <a:t>S</a:t>
             </a:r>
             <a:r>
-              <a:rPr lang="en-US" altLang="ko-KR" dirty="0">
+              <a:rPr lang="en-US" altLang="ko-KR" sz="2520" dirty="0">
                 <a:latin typeface="배달의민족 도현" pitchFamily="50" charset="-127"/>
                 <a:ea typeface="배달의민족 도현" pitchFamily="50" charset="-127"/>
               </a:rPr>
               <a:t>TART</a:t>
             </a:r>
             <a:r>
-              <a:rPr lang="en-US" altLang="ko-KR" dirty="0">
+              <a:rPr lang="en-US" altLang="ko-KR" sz="2520" dirty="0">
                 <a:solidFill>
                   <a:schemeClr val="accent5"/>
                 </a:solidFill>
@@ -5978,13 +6122,13 @@
               <a:t>C</a:t>
             </a:r>
             <a:r>
-              <a:rPr lang="en-US" altLang="ko-KR" dirty="0">
+              <a:rPr lang="en-US" altLang="ko-KR" sz="2520" dirty="0">
                 <a:latin typeface="배달의민족 도현" pitchFamily="50" charset="-127"/>
                 <a:ea typeface="배달의민족 도현" pitchFamily="50" charset="-127"/>
               </a:rPr>
               <a:t>ODING</a:t>
             </a:r>
-            <a:endParaRPr lang="ko-KR" altLang="en-US" dirty="0">
+            <a:endParaRPr lang="ko-KR" altLang="en-US" sz="2520" dirty="0">
               <a:latin typeface="배달의민족 도현" pitchFamily="50" charset="-127"/>
               <a:ea typeface="배달의민족 도현" pitchFamily="50" charset="-127"/>
             </a:endParaRPr>
@@ -5999,8 +6143,8 @@
         </p:nvSpPr>
         <p:spPr>
           <a:xfrm>
-            <a:off x="107504" y="116632"/>
-            <a:ext cx="2592288" cy="369332"/>
+            <a:off x="-1297294" y="-1208314"/>
+            <a:ext cx="3629203" cy="480131"/>
           </a:xfrm>
           <a:prstGeom prst="rect">
             <a:avLst/>
@@ -6013,20 +6157,20 @@
           <a:lstStyle/>
           <a:p>
             <a:r>
-              <a:rPr lang="en-US" altLang="ko-KR" dirty="0">
+              <a:rPr lang="en-US" altLang="ko-KR" sz="2520" dirty="0">
                 <a:latin typeface="배달의민족 주아" pitchFamily="18" charset="-127"/>
                 <a:ea typeface="배달의민족 주아" pitchFamily="18" charset="-127"/>
               </a:rPr>
               <a:t>3. </a:t>
             </a:r>
             <a:r>
-              <a:rPr lang="ko-KR" altLang="en-US" dirty="0">
+              <a:rPr lang="ko-KR" altLang="en-US" sz="2520" dirty="0">
                 <a:latin typeface="배달의민족 주아" pitchFamily="18" charset="-127"/>
                 <a:ea typeface="배달의민족 주아" pitchFamily="18" charset="-127"/>
               </a:rPr>
               <a:t>프로그램 설치</a:t>
             </a:r>
-            <a:endParaRPr lang="ko-KR" altLang="en-US" dirty="0"/>
+            <a:endParaRPr lang="ko-KR" altLang="en-US" sz="2520" dirty="0"/>
           </a:p>
         </p:txBody>
       </p:sp>
@@ -6042,8 +6186,8 @@
         </p:nvSpPr>
         <p:spPr>
           <a:xfrm>
-            <a:off x="685800" y="476672"/>
-            <a:ext cx="7772400" cy="1470025"/>
+            <a:off x="-487680" y="-704247"/>
+            <a:ext cx="10881360" cy="2058035"/>
           </a:xfrm>
         </p:spPr>
         <p:txBody>
@@ -6075,8 +6219,8 @@
         </p:nvSpPr>
         <p:spPr>
           <a:xfrm>
-            <a:off x="2771800" y="1628800"/>
-            <a:ext cx="3541290" cy="646331"/>
+            <a:off x="2432722" y="908745"/>
+            <a:ext cx="4888133" cy="867930"/>
           </a:xfrm>
           <a:prstGeom prst="rect">
             <a:avLst/>
@@ -6089,15 +6233,15 @@
           <a:lstStyle/>
           <a:p>
             <a:r>
-              <a:rPr lang="en-US" altLang="ko-KR" dirty="0">
+              <a:rPr lang="en-US" altLang="ko-KR" sz="2520" dirty="0">
                 <a:hlinkClick r:id="rId2"/>
               </a:rPr>
               <a:t>https://youtu.be/YWyfAH1RQD8</a:t>
             </a:r>
-            <a:endParaRPr lang="en-US" altLang="ko-KR" dirty="0"/>
-          </a:p>
-          <a:p>
-            <a:endParaRPr lang="en-US" altLang="ko-KR" dirty="0"/>
+            <a:endParaRPr lang="en-US" altLang="ko-KR" sz="2520" dirty="0"/>
+          </a:p>
+          <a:p>
+            <a:endParaRPr lang="en-US" altLang="ko-KR" sz="2520" dirty="0"/>
           </a:p>
         </p:txBody>
       </p:sp>
@@ -6111,15 +6255,15 @@
         </p:nvSpPr>
         <p:spPr>
           <a:xfrm>
-            <a:off x="683568" y="2823071"/>
-            <a:ext cx="7772400" cy="1470025"/>
+            <a:off x="-490786" y="2580711"/>
+            <a:ext cx="10881361" cy="2058036"/>
           </a:xfrm>
           <a:prstGeom prst="rect">
             <a:avLst/>
           </a:prstGeom>
         </p:spPr>
         <p:txBody>
-          <a:bodyPr vert="horz" lIns="91440" tIns="45720" rIns="91440" bIns="45720" rtlCol="0" anchor="ctr">
+          <a:bodyPr vert="horz" lIns="128017" tIns="64008" rIns="128017" bIns="64008" rtlCol="0" anchor="ctr">
             <a:normAutofit/>
           </a:bodyPr>
           <a:lstStyle>
@@ -6140,14 +6284,14 @@
           </a:lstStyle>
           <a:p>
             <a:r>
-              <a:rPr lang="ko-KR" altLang="en-US" sz="4000" dirty="0" err="1">
+              <a:rPr lang="ko-KR" altLang="en-US" sz="5601" dirty="0" err="1">
                 <a:latin typeface="배달의민족 주아" pitchFamily="18" charset="-127"/>
                 <a:ea typeface="배달의민족 주아" pitchFamily="18" charset="-127"/>
               </a:rPr>
               <a:t>유튜브</a:t>
             </a:r>
             <a:r>
-              <a:rPr lang="ko-KR" altLang="en-US" sz="4000" dirty="0">
+              <a:rPr lang="ko-KR" altLang="en-US" sz="5601" dirty="0">
                 <a:latin typeface="배달의민족 주아" pitchFamily="18" charset="-127"/>
                 <a:ea typeface="배달의민족 주아" pitchFamily="18" charset="-127"/>
               </a:rPr>
@@ -6188,6 +6332,319 @@
       </p:grpSpPr>
       <p:sp>
         <p:nvSpPr>
+          <p:cNvPr id="3" name="TextBox 2"/>
+          <p:cNvSpPr txBox="1"/>
+          <p:nvPr/>
+        </p:nvSpPr>
+        <p:spPr>
+          <a:xfrm>
+            <a:off x="7775725" y="7259829"/>
+            <a:ext cx="2497800" cy="480131"/>
+          </a:xfrm>
+          <a:prstGeom prst="rect">
+            <a:avLst/>
+          </a:prstGeom>
+          <a:noFill/>
+        </p:spPr>
+        <p:txBody>
+          <a:bodyPr wrap="none" rtlCol="0">
+            <a:spAutoFit/>
+          </a:bodyPr>
+          <a:lstStyle/>
+          <a:p>
+            <a:r>
+              <a:rPr lang="en-US" altLang="ko-KR" sz="2520" dirty="0">
+                <a:solidFill>
+                  <a:schemeClr val="accent5"/>
+                </a:solidFill>
+                <a:latin typeface="배달의민족 도현" pitchFamily="50" charset="-127"/>
+                <a:ea typeface="배달의민족 도현" pitchFamily="50" charset="-127"/>
+              </a:rPr>
+              <a:t>S</a:t>
+            </a:r>
+            <a:r>
+              <a:rPr lang="en-US" altLang="ko-KR" sz="2520" dirty="0">
+                <a:latin typeface="배달의민족 도현" pitchFamily="50" charset="-127"/>
+                <a:ea typeface="배달의민족 도현" pitchFamily="50" charset="-127"/>
+              </a:rPr>
+              <a:t>TART</a:t>
+            </a:r>
+            <a:r>
+              <a:rPr lang="en-US" altLang="ko-KR" sz="2520" dirty="0">
+                <a:solidFill>
+                  <a:schemeClr val="accent5"/>
+                </a:solidFill>
+                <a:latin typeface="배달의민족 도현" pitchFamily="50" charset="-127"/>
+                <a:ea typeface="배달의민족 도현" pitchFamily="50" charset="-127"/>
+              </a:rPr>
+              <a:t>C</a:t>
+            </a:r>
+            <a:r>
+              <a:rPr lang="en-US" altLang="ko-KR" sz="2520" dirty="0">
+                <a:latin typeface="배달의민족 도현" pitchFamily="50" charset="-127"/>
+                <a:ea typeface="배달의민족 도현" pitchFamily="50" charset="-127"/>
+              </a:rPr>
+              <a:t>ODING</a:t>
+            </a:r>
+            <a:endParaRPr lang="ko-KR" altLang="en-US" sz="2520" dirty="0">
+              <a:latin typeface="배달의민족 도현" pitchFamily="50" charset="-127"/>
+              <a:ea typeface="배달의민족 도현" pitchFamily="50" charset="-127"/>
+            </a:endParaRPr>
+          </a:p>
+        </p:txBody>
+      </p:sp>
+      <p:sp>
+        <p:nvSpPr>
+          <p:cNvPr id="6" name="직사각형 5"/>
+          <p:cNvSpPr/>
+          <p:nvPr/>
+        </p:nvSpPr>
+        <p:spPr>
+          <a:xfrm>
+            <a:off x="-1297294" y="-1208314"/>
+            <a:ext cx="3629203" cy="480131"/>
+          </a:xfrm>
+          <a:prstGeom prst="rect">
+            <a:avLst/>
+          </a:prstGeom>
+        </p:spPr>
+        <p:txBody>
+          <a:bodyPr wrap="square">
+            <a:spAutoFit/>
+          </a:bodyPr>
+          <a:lstStyle/>
+          <a:p>
+            <a:r>
+              <a:rPr lang="en-US" altLang="ko-KR" sz="2520" dirty="0">
+                <a:latin typeface="배달의민족 주아" pitchFamily="18" charset="-127"/>
+                <a:ea typeface="배달의민족 주아" pitchFamily="18" charset="-127"/>
+              </a:rPr>
+              <a:t>3. </a:t>
+            </a:r>
+            <a:r>
+              <a:rPr lang="ko-KR" altLang="en-US" sz="2520" dirty="0">
+                <a:latin typeface="배달의민족 주아" pitchFamily="18" charset="-127"/>
+                <a:ea typeface="배달의민족 주아" pitchFamily="18" charset="-127"/>
+              </a:rPr>
+              <a:t>프로그램 설치</a:t>
+            </a:r>
+            <a:endParaRPr lang="ko-KR" altLang="en-US" sz="2520" dirty="0"/>
+          </a:p>
+        </p:txBody>
+      </p:sp>
+      <p:sp>
+        <p:nvSpPr>
+          <p:cNvPr id="7" name="제목 1"/>
+          <p:cNvSpPr>
+            <a:spLocks noGrp="1"/>
+          </p:cNvSpPr>
+          <p:nvPr>
+            <p:ph type="ctrTitle"/>
+          </p:nvPr>
+        </p:nvSpPr>
+        <p:spPr>
+          <a:xfrm>
+            <a:off x="-487680" y="-704247"/>
+            <a:ext cx="10881360" cy="2058035"/>
+          </a:xfrm>
+        </p:spPr>
+        <p:txBody>
+          <a:bodyPr/>
+          <a:lstStyle/>
+          <a:p>
+            <a:r>
+              <a:rPr lang="en-US" altLang="ko-KR" dirty="0">
+                <a:latin typeface="배달의민족 주아" pitchFamily="18" charset="-127"/>
+                <a:ea typeface="배달의민족 주아" pitchFamily="18" charset="-127"/>
+              </a:rPr>
+              <a:t>Visual Studio Code </a:t>
+            </a:r>
+            <a:r>
+              <a:rPr lang="ko-KR" altLang="en-US" dirty="0">
+                <a:latin typeface="배달의민족 주아" pitchFamily="18" charset="-127"/>
+                <a:ea typeface="배달의민족 주아" pitchFamily="18" charset="-127"/>
+              </a:rPr>
+              <a:t>파이썬 연동</a:t>
+            </a:r>
+          </a:p>
+        </p:txBody>
+      </p:sp>
+      <p:pic>
+        <p:nvPicPr>
+          <p:cNvPr id="4" name="그림 3">
+            <a:extLst>
+              <a:ext uri="{FF2B5EF4-FFF2-40B4-BE49-F238E27FC236}">
+                <a16:creationId xmlns:a16="http://schemas.microsoft.com/office/drawing/2014/main" id="{F2969B33-3390-4689-BD18-7B30F99FCFE4}"/>
+              </a:ext>
+            </a:extLst>
+          </p:cNvPr>
+          <p:cNvPicPr>
+            <a:picLocks noChangeAspect="1"/>
+          </p:cNvPicPr>
+          <p:nvPr/>
+        </p:nvPicPr>
+        <p:blipFill>
+          <a:blip r:embed="rId2"/>
+          <a:stretch>
+            <a:fillRect/>
+          </a:stretch>
+        </p:blipFill>
+        <p:spPr>
+          <a:xfrm>
+            <a:off x="1879291" y="1211164"/>
+            <a:ext cx="6147438" cy="5587365"/>
+          </a:xfrm>
+          <a:prstGeom prst="rect">
+            <a:avLst/>
+          </a:prstGeom>
+          <a:ln>
+            <a:noFill/>
+          </a:ln>
+          <a:effectLst>
+            <a:outerShdw blurRad="190500" algn="tl" rotWithShape="0">
+              <a:srgbClr val="000000">
+                <a:alpha val="70000"/>
+              </a:srgbClr>
+            </a:outerShdw>
+          </a:effectLst>
+        </p:spPr>
+      </p:pic>
+      <p:sp>
+        <p:nvSpPr>
+          <p:cNvPr id="5" name="직사각형 4">
+            <a:extLst>
+              <a:ext uri="{FF2B5EF4-FFF2-40B4-BE49-F238E27FC236}">
+                <a16:creationId xmlns:a16="http://schemas.microsoft.com/office/drawing/2014/main" id="{7F05E043-9D86-45FE-B2AF-8B6C88286779}"/>
+              </a:ext>
+            </a:extLst>
+          </p:cNvPr>
+          <p:cNvSpPr/>
+          <p:nvPr/>
+        </p:nvSpPr>
+        <p:spPr>
+          <a:xfrm>
+            <a:off x="1879298" y="4336321"/>
+            <a:ext cx="654251" cy="806491"/>
+          </a:xfrm>
+          <a:prstGeom prst="rect">
+            <a:avLst/>
+          </a:prstGeom>
+          <a:noFill/>
+          <a:ln>
+            <a:solidFill>
+              <a:srgbClr val="FF0000"/>
+            </a:solidFill>
+          </a:ln>
+        </p:spPr>
+        <p:style>
+          <a:lnRef idx="2">
+            <a:schemeClr val="accent1">
+              <a:shade val="50000"/>
+            </a:schemeClr>
+          </a:lnRef>
+          <a:fillRef idx="1">
+            <a:schemeClr val="accent1"/>
+          </a:fillRef>
+          <a:effectRef idx="0">
+            <a:schemeClr val="accent1"/>
+          </a:effectRef>
+          <a:fontRef idx="minor">
+            <a:schemeClr val="lt1"/>
+          </a:fontRef>
+        </p:style>
+        <p:txBody>
+          <a:bodyPr rtlCol="0" anchor="ctr"/>
+          <a:lstStyle/>
+          <a:p>
+            <a:pPr algn="ctr"/>
+            <a:endParaRPr lang="ko-KR" altLang="en-US" sz="2520"/>
+          </a:p>
+        </p:txBody>
+      </p:sp>
+      <p:sp>
+        <p:nvSpPr>
+          <p:cNvPr id="9" name="직사각형 8">
+            <a:extLst>
+              <a:ext uri="{FF2B5EF4-FFF2-40B4-BE49-F238E27FC236}">
+                <a16:creationId xmlns:a16="http://schemas.microsoft.com/office/drawing/2014/main" id="{BDD95E91-99BF-41C8-8B8D-DF7CFEB9B7A8}"/>
+              </a:ext>
+            </a:extLst>
+          </p:cNvPr>
+          <p:cNvSpPr/>
+          <p:nvPr/>
+        </p:nvSpPr>
+        <p:spPr>
+          <a:xfrm>
+            <a:off x="2498645" y="2521721"/>
+            <a:ext cx="5478714" cy="1008113"/>
+          </a:xfrm>
+          <a:prstGeom prst="rect">
+            <a:avLst/>
+          </a:prstGeom>
+          <a:noFill/>
+          <a:ln>
+            <a:solidFill>
+              <a:srgbClr val="FF0000"/>
+            </a:solidFill>
+          </a:ln>
+        </p:spPr>
+        <p:style>
+          <a:lnRef idx="2">
+            <a:schemeClr val="accent1">
+              <a:shade val="50000"/>
+            </a:schemeClr>
+          </a:lnRef>
+          <a:fillRef idx="1">
+            <a:schemeClr val="accent1"/>
+          </a:fillRef>
+          <a:effectRef idx="0">
+            <a:schemeClr val="accent1"/>
+          </a:effectRef>
+          <a:fontRef idx="minor">
+            <a:schemeClr val="lt1"/>
+          </a:fontRef>
+        </p:style>
+        <p:txBody>
+          <a:bodyPr rtlCol="0" anchor="ctr"/>
+          <a:lstStyle/>
+          <a:p>
+            <a:pPr algn="ctr"/>
+            <a:endParaRPr lang="ko-KR" altLang="en-US" sz="2520"/>
+          </a:p>
+        </p:txBody>
+      </p:sp>
+    </p:spTree>
+    <p:extLst>
+      <p:ext uri="{BB962C8B-B14F-4D97-AF65-F5344CB8AC3E}">
+        <p14:creationId xmlns:p14="http://schemas.microsoft.com/office/powerpoint/2010/main" val="1185587021"/>
+      </p:ext>
+    </p:extLst>
+  </p:cSld>
+  <p:clrMapOvr>
+    <a:masterClrMapping/>
+  </p:clrMapOvr>
+</p:sld>
+</file>
+
+<file path=ppt/slides/slide18.xml><?xml version="1.0" encoding="utf-8"?>
+<p:sld xmlns:a="http://schemas.openxmlformats.org/drawingml/2006/main" xmlns:r="http://schemas.openxmlformats.org/officeDocument/2006/relationships" xmlns:p="http://schemas.openxmlformats.org/presentationml/2006/main">
+  <p:cSld>
+    <p:spTree>
+      <p:nvGrpSpPr>
+        <p:cNvPr id="1" name=""/>
+        <p:cNvGrpSpPr/>
+        <p:nvPr/>
+      </p:nvGrpSpPr>
+      <p:grpSpPr>
+        <a:xfrm>
+          <a:off x="0" y="0"/>
+          <a:ext cx="0" cy="0"/>
+          <a:chOff x="0" y="0"/>
+          <a:chExt cx="0" cy="0"/>
+        </a:xfrm>
+      </p:grpSpPr>
+      <p:sp>
+        <p:nvSpPr>
           <p:cNvPr id="5" name="제목 1"/>
           <p:cNvSpPr txBox="1">
             <a:spLocks/>
@@ -6196,15 +6653,15 @@
         </p:nvSpPr>
         <p:spPr>
           <a:xfrm>
-            <a:off x="827584" y="2204864"/>
-            <a:ext cx="7772400" cy="1470025"/>
+            <a:off x="-289169" y="1715218"/>
+            <a:ext cx="10881361" cy="2058036"/>
           </a:xfrm>
           <a:prstGeom prst="rect">
             <a:avLst/>
           </a:prstGeom>
         </p:spPr>
         <p:txBody>
-          <a:bodyPr vert="horz" lIns="91440" tIns="45720" rIns="91440" bIns="45720" rtlCol="0" anchor="ctr">
+          <a:bodyPr vert="horz" lIns="128017" tIns="64008" rIns="128017" bIns="64008" rtlCol="0" anchor="ctr">
             <a:normAutofit/>
           </a:bodyPr>
           <a:lstStyle>
@@ -6225,7 +6682,7 @@
           </a:lstStyle>
           <a:p>
             <a:r>
-              <a:rPr lang="ko-KR" altLang="en-US" dirty="0">
+              <a:rPr lang="ko-KR" altLang="en-US" sz="6161" dirty="0">
                 <a:latin typeface="배달의민족 주아" pitchFamily="18" charset="-127"/>
                 <a:ea typeface="배달의민족 주아" pitchFamily="18" charset="-127"/>
               </a:rPr>
@@ -6242,8 +6699,8 @@
         </p:nvSpPr>
         <p:spPr>
           <a:xfrm>
-            <a:off x="6588224" y="6165304"/>
-            <a:ext cx="1838965" cy="369332"/>
+            <a:off x="7775725" y="7259829"/>
+            <a:ext cx="2497800" cy="480131"/>
           </a:xfrm>
           <a:prstGeom prst="rect">
             <a:avLst/>
@@ -6257,7 +6714,7 @@
           <a:lstStyle/>
           <a:p>
             <a:r>
-              <a:rPr lang="en-US" altLang="ko-KR" dirty="0">
+              <a:rPr lang="en-US" altLang="ko-KR" sz="2520" dirty="0">
                 <a:solidFill>
                   <a:schemeClr val="accent5"/>
                 </a:solidFill>
@@ -6267,14 +6724,14 @@
               <a:t>S</a:t>
             </a:r>
             <a:r>
-              <a:rPr lang="en-US" altLang="ko-KR" dirty="0">
+              <a:rPr lang="en-US" altLang="ko-KR" sz="2520" dirty="0">
                 <a:latin typeface="배달의민족 도현" pitchFamily="50" charset="-127"/>
                 <a:ea typeface="배달의민족 도현" pitchFamily="50" charset="-127"/>
               </a:rPr>
               <a:t>TART</a:t>
             </a:r>
             <a:r>
-              <a:rPr lang="en-US" altLang="ko-KR" dirty="0">
+              <a:rPr lang="en-US" altLang="ko-KR" sz="2520" dirty="0">
                 <a:solidFill>
                   <a:schemeClr val="accent5"/>
                 </a:solidFill>
@@ -6284,13 +6741,13 @@
               <a:t>C</a:t>
             </a:r>
             <a:r>
-              <a:rPr lang="en-US" altLang="ko-KR" dirty="0">
+              <a:rPr lang="en-US" altLang="ko-KR" sz="2520" dirty="0">
                 <a:latin typeface="배달의민족 도현" pitchFamily="50" charset="-127"/>
                 <a:ea typeface="배달의민족 도현" pitchFamily="50" charset="-127"/>
               </a:rPr>
               <a:t>ODING</a:t>
             </a:r>
-            <a:endParaRPr lang="ko-KR" altLang="en-US" dirty="0">
+            <a:endParaRPr lang="ko-KR" altLang="en-US" sz="2520" dirty="0">
               <a:latin typeface="배달의민족 도현" pitchFamily="50" charset="-127"/>
               <a:ea typeface="배달의민족 도현" pitchFamily="50" charset="-127"/>
             </a:endParaRPr>
@@ -6305,8 +6762,8 @@
         </p:nvSpPr>
         <p:spPr>
           <a:xfrm>
-            <a:off x="3054547" y="5723964"/>
-            <a:ext cx="3171061" cy="369332"/>
+            <a:off x="2828598" y="6641968"/>
+            <a:ext cx="4376519" cy="480131"/>
           </a:xfrm>
           <a:prstGeom prst="rect">
             <a:avLst/>
@@ -6319,13 +6776,13 @@
           <a:lstStyle/>
           <a:p>
             <a:r>
-              <a:rPr lang="en-US" altLang="ko-KR" i="1" dirty="0">
+              <a:rPr lang="en-US" altLang="ko-KR" sz="2520" i="1" dirty="0">
                 <a:latin typeface="Adobe Ming Std L" pitchFamily="18" charset="-128"/>
                 <a:ea typeface="Adobe Ming Std L" pitchFamily="18" charset="-128"/>
               </a:rPr>
               <a:t>design icon from flaticon.com</a:t>
             </a:r>
-            <a:endParaRPr lang="ko-KR" altLang="en-US" i="1" dirty="0">
+            <a:endParaRPr lang="ko-KR" altLang="en-US" sz="2520" i="1" dirty="0">
               <a:latin typeface="Adobe Ming Std L" pitchFamily="18" charset="-128"/>
             </a:endParaRPr>
           </a:p>
@@ -6381,8 +6838,8 @@
         </p:nvSpPr>
         <p:spPr>
           <a:xfrm>
-            <a:off x="1984176" y="2319015"/>
-            <a:ext cx="7772400" cy="1470025"/>
+            <a:off x="1330065" y="1875034"/>
+            <a:ext cx="10881361" cy="2058036"/>
           </a:xfrm>
         </p:spPr>
         <p:txBody>
@@ -6393,7 +6850,7 @@
           <a:p>
             <a:pPr algn="l"/>
             <a:r>
-              <a:rPr lang="ko-KR" altLang="en-US" sz="2800" dirty="0">
+              <a:rPr lang="ko-KR" altLang="en-US" sz="3924" dirty="0">
                 <a:solidFill>
                   <a:srgbClr val="FDE035"/>
                 </a:solidFill>
@@ -6403,7 +6860,7 @@
               <a:t>목차</a:t>
             </a:r>
             <a:br>
-              <a:rPr lang="en-US" altLang="ko-KR" sz="2800" dirty="0">
+              <a:rPr lang="en-US" altLang="ko-KR" sz="3924" dirty="0">
                 <a:solidFill>
                   <a:schemeClr val="accent5"/>
                 </a:solidFill>
@@ -6421,7 +6878,7 @@
               </a:rPr>
             </a:br>
             <a:r>
-              <a:rPr lang="en-US" altLang="ko-KR" sz="3600" dirty="0">
+              <a:rPr lang="en-US" altLang="ko-KR" sz="5043" dirty="0">
                 <a:solidFill>
                   <a:schemeClr val="bg1"/>
                 </a:solidFill>
@@ -6431,7 +6888,7 @@
               <a:t>1. </a:t>
             </a:r>
             <a:r>
-              <a:rPr lang="ko-KR" altLang="en-US" sz="3600" dirty="0">
+              <a:rPr lang="ko-KR" altLang="en-US" sz="5043" dirty="0">
                 <a:solidFill>
                   <a:schemeClr val="bg1"/>
                 </a:solidFill>
@@ -6441,7 +6898,7 @@
               <a:t>프로그래밍이란 무엇인가</a:t>
             </a:r>
             <a:r>
-              <a:rPr lang="en-US" altLang="ko-KR" sz="3600" dirty="0">
+              <a:rPr lang="en-US" altLang="ko-KR" sz="5043" dirty="0">
                 <a:solidFill>
                   <a:schemeClr val="bg1"/>
                 </a:solidFill>
@@ -6451,7 +6908,7 @@
               <a:t>?</a:t>
             </a:r>
             <a:br>
-              <a:rPr lang="en-US" altLang="ko-KR" sz="3600" dirty="0">
+              <a:rPr lang="en-US" altLang="ko-KR" sz="5043" dirty="0">
                 <a:solidFill>
                   <a:schemeClr val="bg1"/>
                 </a:solidFill>
@@ -6460,7 +6917,7 @@
               </a:rPr>
             </a:br>
             <a:r>
-              <a:rPr lang="en-US" altLang="ko-KR" sz="3600" dirty="0">
+              <a:rPr lang="en-US" altLang="ko-KR" sz="5043" dirty="0">
                 <a:solidFill>
                   <a:schemeClr val="bg1"/>
                 </a:solidFill>
@@ -6470,7 +6927,7 @@
               <a:t>2. </a:t>
             </a:r>
             <a:r>
-              <a:rPr lang="ko-KR" altLang="en-US" sz="3600" dirty="0" err="1">
+              <a:rPr lang="ko-KR" altLang="en-US" sz="5043" dirty="0" err="1">
                 <a:solidFill>
                   <a:schemeClr val="bg1"/>
                 </a:solidFill>
@@ -6480,7 +6937,7 @@
               <a:t>파이썬이란</a:t>
             </a:r>
             <a:r>
-              <a:rPr lang="ko-KR" altLang="en-US" sz="3600" dirty="0">
+              <a:rPr lang="ko-KR" altLang="en-US" sz="5043" dirty="0">
                 <a:solidFill>
                   <a:schemeClr val="bg1"/>
                 </a:solidFill>
@@ -6490,7 +6947,7 @@
               <a:t> 무엇인가</a:t>
             </a:r>
             <a:r>
-              <a:rPr lang="en-US" altLang="ko-KR" sz="3600" dirty="0">
+              <a:rPr lang="en-US" altLang="ko-KR" sz="5043" dirty="0">
                 <a:solidFill>
                   <a:schemeClr val="bg1"/>
                 </a:solidFill>
@@ -6500,7 +6957,7 @@
               <a:t>?</a:t>
             </a:r>
             <a:br>
-              <a:rPr lang="en-US" altLang="ko-KR" sz="3600" dirty="0">
+              <a:rPr lang="en-US" altLang="ko-KR" sz="5043" dirty="0">
                 <a:solidFill>
                   <a:schemeClr val="bg1"/>
                 </a:solidFill>
@@ -6509,7 +6966,7 @@
               </a:rPr>
             </a:br>
             <a:r>
-              <a:rPr lang="en-US" altLang="ko-KR" sz="3600" dirty="0">
+              <a:rPr lang="en-US" altLang="ko-KR" sz="5043" dirty="0">
                 <a:solidFill>
                   <a:schemeClr val="bg1"/>
                 </a:solidFill>
@@ -6519,7 +6976,7 @@
               <a:t>	2.1 </a:t>
             </a:r>
             <a:r>
-              <a:rPr lang="ko-KR" altLang="en-US" sz="3600" dirty="0" err="1">
+              <a:rPr lang="ko-KR" altLang="en-US" sz="5043" dirty="0" err="1">
                 <a:solidFill>
                   <a:schemeClr val="bg1"/>
                 </a:solidFill>
@@ -6529,7 +6986,7 @@
               <a:t>파이썬의</a:t>
             </a:r>
             <a:r>
-              <a:rPr lang="ko-KR" altLang="en-US" sz="3600" dirty="0">
+              <a:rPr lang="ko-KR" altLang="en-US" sz="5043" dirty="0">
                 <a:solidFill>
                   <a:schemeClr val="bg1"/>
                 </a:solidFill>
@@ -6539,7 +6996,7 @@
               <a:t> 특징</a:t>
             </a:r>
             <a:br>
-              <a:rPr lang="en-US" altLang="ko-KR" sz="3600" dirty="0">
+              <a:rPr lang="en-US" altLang="ko-KR" sz="5043" dirty="0">
                 <a:solidFill>
                   <a:schemeClr val="bg1"/>
                 </a:solidFill>
@@ -6548,7 +7005,7 @@
               </a:rPr>
             </a:br>
             <a:r>
-              <a:rPr lang="en-US" altLang="ko-KR" sz="3600" dirty="0">
+              <a:rPr lang="en-US" altLang="ko-KR" sz="5043" dirty="0">
                 <a:solidFill>
                   <a:schemeClr val="bg1"/>
                 </a:solidFill>
@@ -6558,7 +7015,7 @@
               <a:t>	2.2 </a:t>
             </a:r>
             <a:r>
-              <a:rPr lang="ko-KR" altLang="en-US" sz="3600" dirty="0" err="1">
+              <a:rPr lang="ko-KR" altLang="en-US" sz="5043" dirty="0" err="1">
                 <a:solidFill>
                   <a:schemeClr val="bg1"/>
                 </a:solidFill>
@@ -6568,7 +7025,7 @@
               <a:t>파이썬이</a:t>
             </a:r>
             <a:r>
-              <a:rPr lang="ko-KR" altLang="en-US" sz="3600" dirty="0">
+              <a:rPr lang="ko-KR" altLang="en-US" sz="5043" dirty="0">
                 <a:solidFill>
                   <a:schemeClr val="bg1"/>
                 </a:solidFill>
@@ -6578,7 +7035,7 @@
               <a:t> 활용되는 곳</a:t>
             </a:r>
             <a:r>
-              <a:rPr lang="en-US" altLang="ko-KR" sz="3600" dirty="0">
+              <a:rPr lang="en-US" altLang="ko-KR" sz="5043" dirty="0">
                 <a:solidFill>
                   <a:schemeClr val="bg1"/>
                 </a:solidFill>
@@ -6588,7 +7045,7 @@
               <a:t>	</a:t>
             </a:r>
             <a:br>
-              <a:rPr lang="en-US" altLang="ko-KR" sz="3600" dirty="0">
+              <a:rPr lang="en-US" altLang="ko-KR" sz="5043" dirty="0">
                 <a:solidFill>
                   <a:schemeClr val="bg1"/>
                 </a:solidFill>
@@ -6597,7 +7054,7 @@
               </a:rPr>
             </a:br>
             <a:r>
-              <a:rPr lang="en-US" altLang="ko-KR" sz="3600" dirty="0">
+              <a:rPr lang="en-US" altLang="ko-KR" sz="5043" dirty="0">
                 <a:solidFill>
                   <a:schemeClr val="bg1"/>
                 </a:solidFill>
@@ -6607,7 +7064,7 @@
               <a:t>3. </a:t>
             </a:r>
             <a:r>
-              <a:rPr lang="ko-KR" altLang="en-US" sz="3600" dirty="0">
+              <a:rPr lang="ko-KR" altLang="en-US" sz="5043" dirty="0">
                 <a:solidFill>
                   <a:schemeClr val="bg1"/>
                 </a:solidFill>
@@ -6617,7 +7074,7 @@
               <a:t>프로그램 설치</a:t>
             </a:r>
             <a:br>
-              <a:rPr lang="en-US" altLang="ko-KR" sz="3600" dirty="0">
+              <a:rPr lang="en-US" altLang="ko-KR" sz="5043" dirty="0">
                 <a:solidFill>
                   <a:schemeClr val="bg1"/>
                 </a:solidFill>
@@ -6626,7 +7083,7 @@
               </a:rPr>
             </a:br>
             <a:r>
-              <a:rPr lang="en-US" altLang="ko-KR" sz="3600" dirty="0">
+              <a:rPr lang="en-US" altLang="ko-KR" sz="5043" dirty="0">
                 <a:solidFill>
                   <a:schemeClr val="bg1"/>
                 </a:solidFill>
@@ -6636,7 +7093,7 @@
               <a:t>	3.1 </a:t>
             </a:r>
             <a:r>
-              <a:rPr lang="ko-KR" altLang="en-US" sz="3600" dirty="0" err="1">
+              <a:rPr lang="ko-KR" altLang="en-US" sz="5043" dirty="0" err="1">
                 <a:solidFill>
                   <a:schemeClr val="bg1"/>
                 </a:solidFill>
@@ -6646,7 +7103,7 @@
               <a:t>파이썬</a:t>
             </a:r>
             <a:r>
-              <a:rPr lang="ko-KR" altLang="en-US" sz="3600" dirty="0">
+              <a:rPr lang="ko-KR" altLang="en-US" sz="5043" dirty="0">
                 <a:solidFill>
                   <a:schemeClr val="bg1"/>
                 </a:solidFill>
@@ -6656,7 +7113,7 @@
               <a:t> 설치</a:t>
             </a:r>
             <a:br>
-              <a:rPr lang="en-US" altLang="ko-KR" sz="3600" dirty="0">
+              <a:rPr lang="en-US" altLang="ko-KR" sz="5043" dirty="0">
                 <a:solidFill>
                   <a:schemeClr val="bg1"/>
                 </a:solidFill>
@@ -6665,7 +7122,7 @@
               </a:rPr>
             </a:br>
             <a:r>
-              <a:rPr lang="en-US" altLang="ko-KR" sz="3600" dirty="0">
+              <a:rPr lang="en-US" altLang="ko-KR" sz="5043" dirty="0">
                 <a:solidFill>
                   <a:schemeClr val="bg1"/>
                 </a:solidFill>
@@ -6675,7 +7132,7 @@
               <a:t>	3.2 </a:t>
             </a:r>
             <a:r>
-              <a:rPr lang="ko-KR" altLang="en-US" sz="3600" dirty="0">
+              <a:rPr lang="ko-KR" altLang="en-US" sz="5043" dirty="0">
                 <a:solidFill>
                   <a:schemeClr val="bg1"/>
                 </a:solidFill>
@@ -6685,7 +7142,7 @@
               <a:t>에디터</a:t>
             </a:r>
             <a:r>
-              <a:rPr lang="en-US" altLang="ko-KR" sz="3600" dirty="0">
+              <a:rPr lang="en-US" altLang="ko-KR" sz="5043" dirty="0">
                 <a:solidFill>
                   <a:schemeClr val="bg1"/>
                 </a:solidFill>
@@ -6695,7 +7152,7 @@
               <a:t>(IDE) </a:t>
             </a:r>
             <a:r>
-              <a:rPr lang="ko-KR" altLang="en-US" sz="3600" dirty="0">
+              <a:rPr lang="ko-KR" altLang="en-US" sz="5043" dirty="0">
                 <a:solidFill>
                   <a:schemeClr val="bg1"/>
                 </a:solidFill>
@@ -6704,7 +7161,7 @@
               </a:rPr>
               <a:t>설치</a:t>
             </a:r>
-            <a:endParaRPr lang="ko-KR" altLang="en-US" sz="3600" dirty="0">
+            <a:endParaRPr lang="ko-KR" altLang="en-US" sz="5043" dirty="0">
               <a:solidFill>
                 <a:srgbClr val="FDE035"/>
               </a:solidFill>
@@ -6722,8 +7179,8 @@
         </p:nvSpPr>
         <p:spPr>
           <a:xfrm>
-            <a:off x="6588224" y="6165304"/>
-            <a:ext cx="1838965" cy="369332"/>
+            <a:off x="7775725" y="7259829"/>
+            <a:ext cx="2497800" cy="480131"/>
           </a:xfrm>
           <a:prstGeom prst="rect">
             <a:avLst/>
@@ -6737,7 +7194,7 @@
           <a:lstStyle/>
           <a:p>
             <a:r>
-              <a:rPr lang="en-US" altLang="ko-KR" dirty="0">
+              <a:rPr lang="en-US" altLang="ko-KR" sz="2520" dirty="0">
                 <a:solidFill>
                   <a:srgbClr val="FDE035"/>
                 </a:solidFill>
@@ -6747,7 +7204,7 @@
               <a:t>S</a:t>
             </a:r>
             <a:r>
-              <a:rPr lang="en-US" altLang="ko-KR" dirty="0">
+              <a:rPr lang="en-US" altLang="ko-KR" sz="2520" dirty="0">
                 <a:solidFill>
                   <a:schemeClr val="bg1"/>
                 </a:solidFill>
@@ -6757,7 +7214,7 @@
               <a:t>TART</a:t>
             </a:r>
             <a:r>
-              <a:rPr lang="en-US" altLang="ko-KR" dirty="0">
+              <a:rPr lang="en-US" altLang="ko-KR" sz="2520" dirty="0">
                 <a:solidFill>
                   <a:srgbClr val="FDE035"/>
                 </a:solidFill>
@@ -6767,7 +7224,7 @@
               <a:t>C</a:t>
             </a:r>
             <a:r>
-              <a:rPr lang="en-US" altLang="ko-KR" dirty="0">
+              <a:rPr lang="en-US" altLang="ko-KR" sz="2520" dirty="0">
                 <a:solidFill>
                   <a:schemeClr val="bg1"/>
                 </a:solidFill>
@@ -6776,7 +7233,7 @@
               </a:rPr>
               <a:t>ODING</a:t>
             </a:r>
-            <a:endParaRPr lang="ko-KR" altLang="en-US" dirty="0">
+            <a:endParaRPr lang="ko-KR" altLang="en-US" sz="2520" dirty="0">
               <a:solidFill>
                 <a:schemeClr val="bg1"/>
               </a:solidFill>
@@ -6828,8 +7285,8 @@
         </p:nvSpPr>
         <p:spPr>
           <a:xfrm>
-            <a:off x="685800" y="1628800"/>
-            <a:ext cx="7772400" cy="1470025"/>
+            <a:off x="-487662" y="908726"/>
+            <a:ext cx="10881361" cy="2058036"/>
           </a:xfrm>
         </p:spPr>
         <p:txBody>
@@ -6858,8 +7315,8 @@
         </p:nvSpPr>
         <p:spPr>
           <a:xfrm>
-            <a:off x="6588224" y="6165304"/>
-            <a:ext cx="1838965" cy="369332"/>
+            <a:off x="7775725" y="7259829"/>
+            <a:ext cx="2497800" cy="480131"/>
           </a:xfrm>
           <a:prstGeom prst="rect">
             <a:avLst/>
@@ -6873,7 +7330,7 @@
           <a:lstStyle/>
           <a:p>
             <a:r>
-              <a:rPr lang="en-US" altLang="ko-KR" dirty="0">
+              <a:rPr lang="en-US" altLang="ko-KR" sz="2520" dirty="0">
                 <a:solidFill>
                   <a:schemeClr val="accent5"/>
                 </a:solidFill>
@@ -6883,14 +7340,14 @@
               <a:t>S</a:t>
             </a:r>
             <a:r>
-              <a:rPr lang="en-US" altLang="ko-KR" dirty="0">
+              <a:rPr lang="en-US" altLang="ko-KR" sz="2520" dirty="0">
                 <a:latin typeface="배달의민족 도현" pitchFamily="50" charset="-127"/>
                 <a:ea typeface="배달의민족 도현" pitchFamily="50" charset="-127"/>
               </a:rPr>
               <a:t>TART</a:t>
             </a:r>
             <a:r>
-              <a:rPr lang="en-US" altLang="ko-KR" dirty="0">
+              <a:rPr lang="en-US" altLang="ko-KR" sz="2520" dirty="0">
                 <a:solidFill>
                   <a:schemeClr val="accent5"/>
                 </a:solidFill>
@@ -6900,13 +7357,13 @@
               <a:t>C</a:t>
             </a:r>
             <a:r>
-              <a:rPr lang="en-US" altLang="ko-KR" dirty="0">
+              <a:rPr lang="en-US" altLang="ko-KR" sz="2520" dirty="0">
                 <a:latin typeface="배달의민족 도현" pitchFamily="50" charset="-127"/>
                 <a:ea typeface="배달의민족 도현" pitchFamily="50" charset="-127"/>
               </a:rPr>
               <a:t>ODING</a:t>
             </a:r>
-            <a:endParaRPr lang="ko-KR" altLang="en-US" dirty="0">
+            <a:endParaRPr lang="ko-KR" altLang="en-US" sz="2520" dirty="0">
               <a:latin typeface="배달의민족 도현" pitchFamily="50" charset="-127"/>
               <a:ea typeface="배달의민족 도현" pitchFamily="50" charset="-127"/>
             </a:endParaRPr>
@@ -6923,15 +7380,15 @@
         </p:nvSpPr>
         <p:spPr>
           <a:xfrm>
-            <a:off x="685800" y="2492896"/>
-            <a:ext cx="7772400" cy="1470025"/>
+            <a:off x="-487662" y="2118464"/>
+            <a:ext cx="10881361" cy="2058036"/>
           </a:xfrm>
           <a:prstGeom prst="rect">
             <a:avLst/>
           </a:prstGeom>
         </p:spPr>
         <p:txBody>
-          <a:bodyPr vert="horz" lIns="91440" tIns="45720" rIns="91440" bIns="45720" rtlCol="0" anchor="ctr">
+          <a:bodyPr vert="horz" lIns="128017" tIns="64008" rIns="128017" bIns="64008" rtlCol="0" anchor="ctr">
             <a:normAutofit/>
           </a:bodyPr>
           <a:lstStyle>
@@ -6951,7 +7408,7 @@
             </a:lvl1pPr>
           </a:lstStyle>
           <a:p>
-            <a:endParaRPr lang="ko-KR" altLang="en-US" dirty="0">
+            <a:endParaRPr lang="ko-KR" altLang="en-US" sz="6161" dirty="0">
               <a:latin typeface="배달의민족 주아" pitchFamily="18" charset="-127"/>
               <a:ea typeface="배달의민족 주아" pitchFamily="18" charset="-127"/>
             </a:endParaRPr>
@@ -6966,8 +7423,8 @@
         </p:nvSpPr>
         <p:spPr>
           <a:xfrm>
-            <a:off x="107504" y="116632"/>
-            <a:ext cx="2592288" cy="646331"/>
+            <a:off x="-1297294" y="-1208307"/>
+            <a:ext cx="3629203" cy="867930"/>
           </a:xfrm>
           <a:prstGeom prst="rect">
             <a:avLst/>
@@ -6980,33 +7437,33 @@
           <a:lstStyle/>
           <a:p>
             <a:r>
-              <a:rPr lang="en-US" altLang="ko-KR" dirty="0">
+              <a:rPr lang="en-US" altLang="ko-KR" sz="2520" dirty="0">
                 <a:latin typeface="배달의민족 주아" pitchFamily="18" charset="-127"/>
                 <a:ea typeface="배달의민족 주아" pitchFamily="18" charset="-127"/>
               </a:rPr>
               <a:t>1. </a:t>
             </a:r>
             <a:r>
-              <a:rPr lang="ko-KR" altLang="en-US" dirty="0">
+              <a:rPr lang="ko-KR" altLang="en-US" sz="2520" dirty="0">
                 <a:latin typeface="배달의민족 주아" pitchFamily="18" charset="-127"/>
                 <a:ea typeface="배달의민족 주아" pitchFamily="18" charset="-127"/>
               </a:rPr>
               <a:t>프로그래밍이란 무엇인가</a:t>
             </a:r>
             <a:r>
-              <a:rPr lang="en-US" altLang="ko-KR" dirty="0">
+              <a:rPr lang="en-US" altLang="ko-KR" sz="2520" dirty="0">
                 <a:latin typeface="배달의민족 주아" pitchFamily="18" charset="-127"/>
                 <a:ea typeface="배달의민족 주아" pitchFamily="18" charset="-127"/>
               </a:rPr>
               <a:t>?</a:t>
             </a:r>
             <a:br>
-              <a:rPr lang="en-US" altLang="ko-KR" dirty="0">
+              <a:rPr lang="en-US" altLang="ko-KR" sz="2520" dirty="0">
                 <a:latin typeface="배달의민족 주아" pitchFamily="18" charset="-127"/>
                 <a:ea typeface="배달의민족 주아" pitchFamily="18" charset="-127"/>
               </a:rPr>
             </a:br>
-            <a:endParaRPr lang="ko-KR" altLang="en-US" dirty="0"/>
+            <a:endParaRPr lang="ko-KR" altLang="en-US" sz="2520" dirty="0"/>
           </a:p>
         </p:txBody>
       </p:sp>
@@ -7033,8 +7490,8 @@
         </p:blipFill>
         <p:spPr bwMode="auto">
           <a:xfrm>
-            <a:off x="3125779" y="3068960"/>
-            <a:ext cx="2798440" cy="2798440"/>
+            <a:off x="2928313" y="2924966"/>
+            <a:ext cx="3917816" cy="3917816"/>
           </a:xfrm>
           <a:prstGeom prst="rect">
             <a:avLst/>
@@ -7184,8 +7641,8 @@
         </p:nvSpPr>
         <p:spPr>
           <a:xfrm>
-            <a:off x="685800" y="1628800"/>
-            <a:ext cx="7772400" cy="1470025"/>
+            <a:off x="-487662" y="908726"/>
+            <a:ext cx="10881361" cy="2058036"/>
           </a:xfrm>
         </p:spPr>
         <p:txBody>
@@ -7214,8 +7671,8 @@
         </p:nvSpPr>
         <p:spPr>
           <a:xfrm>
-            <a:off x="6588224" y="6165304"/>
-            <a:ext cx="1838965" cy="369332"/>
+            <a:off x="7775725" y="7259829"/>
+            <a:ext cx="2497800" cy="480131"/>
           </a:xfrm>
           <a:prstGeom prst="rect">
             <a:avLst/>
@@ -7229,7 +7686,7 @@
           <a:lstStyle/>
           <a:p>
             <a:r>
-              <a:rPr lang="en-US" altLang="ko-KR" dirty="0">
+              <a:rPr lang="en-US" altLang="ko-KR" sz="2520" dirty="0">
                 <a:solidFill>
                   <a:schemeClr val="accent5"/>
                 </a:solidFill>
@@ -7239,14 +7696,14 @@
               <a:t>S</a:t>
             </a:r>
             <a:r>
-              <a:rPr lang="en-US" altLang="ko-KR" dirty="0">
+              <a:rPr lang="en-US" altLang="ko-KR" sz="2520" dirty="0">
                 <a:latin typeface="배달의민족 도현" pitchFamily="50" charset="-127"/>
                 <a:ea typeface="배달의민족 도현" pitchFamily="50" charset="-127"/>
               </a:rPr>
               <a:t>TART</a:t>
             </a:r>
             <a:r>
-              <a:rPr lang="en-US" altLang="ko-KR" dirty="0">
+              <a:rPr lang="en-US" altLang="ko-KR" sz="2520" dirty="0">
                 <a:solidFill>
                   <a:schemeClr val="accent5"/>
                 </a:solidFill>
@@ -7256,13 +7713,13 @@
               <a:t>C</a:t>
             </a:r>
             <a:r>
-              <a:rPr lang="en-US" altLang="ko-KR" dirty="0">
+              <a:rPr lang="en-US" altLang="ko-KR" sz="2520" dirty="0">
                 <a:latin typeface="배달의민족 도현" pitchFamily="50" charset="-127"/>
                 <a:ea typeface="배달의민족 도현" pitchFamily="50" charset="-127"/>
               </a:rPr>
               <a:t>ODING</a:t>
             </a:r>
-            <a:endParaRPr lang="ko-KR" altLang="en-US" dirty="0">
+            <a:endParaRPr lang="ko-KR" altLang="en-US" sz="2520" dirty="0">
               <a:latin typeface="배달의민족 도현" pitchFamily="50" charset="-127"/>
               <a:ea typeface="배달의민족 도현" pitchFamily="50" charset="-127"/>
             </a:endParaRPr>
@@ -7279,15 +7736,15 @@
         </p:nvSpPr>
         <p:spPr>
           <a:xfrm>
-            <a:off x="685800" y="2492896"/>
-            <a:ext cx="7772400" cy="1470025"/>
+            <a:off x="-487662" y="2118464"/>
+            <a:ext cx="10881361" cy="2058036"/>
           </a:xfrm>
           <a:prstGeom prst="rect">
             <a:avLst/>
           </a:prstGeom>
         </p:spPr>
         <p:txBody>
-          <a:bodyPr vert="horz" lIns="91440" tIns="45720" rIns="91440" bIns="45720" rtlCol="0" anchor="ctr">
+          <a:bodyPr vert="horz" lIns="128017" tIns="64008" rIns="128017" bIns="64008" rtlCol="0" anchor="ctr">
             <a:normAutofit/>
           </a:bodyPr>
           <a:lstStyle>
@@ -7307,7 +7764,7 @@
             </a:lvl1pPr>
           </a:lstStyle>
           <a:p>
-            <a:endParaRPr lang="ko-KR" altLang="en-US" dirty="0">
+            <a:endParaRPr lang="ko-KR" altLang="en-US" sz="6161" dirty="0">
               <a:latin typeface="배달의민족 주아" pitchFamily="18" charset="-127"/>
               <a:ea typeface="배달의민족 주아" pitchFamily="18" charset="-127"/>
             </a:endParaRPr>
@@ -7322,8 +7779,8 @@
         </p:nvSpPr>
         <p:spPr>
           <a:xfrm>
-            <a:off x="107504" y="116632"/>
-            <a:ext cx="2592288" cy="646331"/>
+            <a:off x="-1297294" y="-1208307"/>
+            <a:ext cx="3629203" cy="867930"/>
           </a:xfrm>
           <a:prstGeom prst="rect">
             <a:avLst/>
@@ -7336,33 +7793,33 @@
           <a:lstStyle/>
           <a:p>
             <a:r>
-              <a:rPr lang="en-US" altLang="ko-KR" dirty="0">
+              <a:rPr lang="en-US" altLang="ko-KR" sz="2520" dirty="0">
                 <a:latin typeface="배달의민족 주아" pitchFamily="18" charset="-127"/>
                 <a:ea typeface="배달의민족 주아" pitchFamily="18" charset="-127"/>
               </a:rPr>
               <a:t>1. </a:t>
             </a:r>
             <a:r>
-              <a:rPr lang="ko-KR" altLang="en-US" dirty="0">
+              <a:rPr lang="ko-KR" altLang="en-US" sz="2520" dirty="0">
                 <a:latin typeface="배달의민족 주아" pitchFamily="18" charset="-127"/>
                 <a:ea typeface="배달의민족 주아" pitchFamily="18" charset="-127"/>
               </a:rPr>
               <a:t>프로그래밍이란 무엇인가</a:t>
             </a:r>
             <a:r>
-              <a:rPr lang="en-US" altLang="ko-KR" dirty="0">
+              <a:rPr lang="en-US" altLang="ko-KR" sz="2520" dirty="0">
                 <a:latin typeface="배달의민족 주아" pitchFamily="18" charset="-127"/>
                 <a:ea typeface="배달의민족 주아" pitchFamily="18" charset="-127"/>
               </a:rPr>
               <a:t>?</a:t>
             </a:r>
             <a:br>
-              <a:rPr lang="en-US" altLang="ko-KR" dirty="0">
+              <a:rPr lang="en-US" altLang="ko-KR" sz="2520" dirty="0">
                 <a:latin typeface="배달의민족 주아" pitchFamily="18" charset="-127"/>
                 <a:ea typeface="배달의민족 주아" pitchFamily="18" charset="-127"/>
               </a:rPr>
             </a:br>
-            <a:endParaRPr lang="ko-KR" altLang="en-US" dirty="0"/>
+            <a:endParaRPr lang="ko-KR" altLang="en-US" sz="2520" dirty="0"/>
           </a:p>
         </p:txBody>
       </p:sp>
@@ -7389,8 +7846,8 @@
         </p:blipFill>
         <p:spPr bwMode="auto">
           <a:xfrm>
-            <a:off x="4572000" y="3442805"/>
-            <a:ext cx="2169864" cy="2169864"/>
+            <a:off x="4953014" y="3448339"/>
+            <a:ext cx="3037810" cy="3037810"/>
           </a:xfrm>
           <a:prstGeom prst="rect">
             <a:avLst/>
@@ -7430,8 +7887,8 @@
         </p:blipFill>
         <p:spPr bwMode="auto">
           <a:xfrm>
-            <a:off x="1979712" y="3645024"/>
-            <a:ext cx="2582416" cy="2582416"/>
+            <a:off x="1323819" y="3731456"/>
+            <a:ext cx="3615382" cy="3615382"/>
           </a:xfrm>
           <a:prstGeom prst="rect">
             <a:avLst/>
@@ -7471,8 +7928,8 @@
         </p:blipFill>
         <p:spPr bwMode="auto">
           <a:xfrm>
-            <a:off x="1614860" y="3645024"/>
-            <a:ext cx="729704" cy="729704"/>
+            <a:off x="813028" y="3731458"/>
+            <a:ext cx="1021587" cy="1021587"/>
           </a:xfrm>
           <a:prstGeom prst="rect">
             <a:avLst/>
@@ -7769,8 +8226,8 @@
         </p:nvSpPr>
         <p:spPr>
           <a:xfrm>
-            <a:off x="6588224" y="6165304"/>
-            <a:ext cx="1838965" cy="369332"/>
+            <a:off x="7775725" y="7259829"/>
+            <a:ext cx="2497800" cy="480131"/>
           </a:xfrm>
           <a:prstGeom prst="rect">
             <a:avLst/>
@@ -7784,7 +8241,7 @@
           <a:lstStyle/>
           <a:p>
             <a:r>
-              <a:rPr lang="en-US" altLang="ko-KR" dirty="0">
+              <a:rPr lang="en-US" altLang="ko-KR" sz="2520" dirty="0">
                 <a:solidFill>
                   <a:schemeClr val="accent5"/>
                 </a:solidFill>
@@ -7794,14 +8251,14 @@
               <a:t>S</a:t>
             </a:r>
             <a:r>
-              <a:rPr lang="en-US" altLang="ko-KR" dirty="0">
+              <a:rPr lang="en-US" altLang="ko-KR" sz="2520" dirty="0">
                 <a:latin typeface="배달의민족 도현" pitchFamily="50" charset="-127"/>
                 <a:ea typeface="배달의민족 도현" pitchFamily="50" charset="-127"/>
               </a:rPr>
               <a:t>TART</a:t>
             </a:r>
             <a:r>
-              <a:rPr lang="en-US" altLang="ko-KR" dirty="0">
+              <a:rPr lang="en-US" altLang="ko-KR" sz="2520" dirty="0">
                 <a:solidFill>
                   <a:schemeClr val="accent5"/>
                 </a:solidFill>
@@ -7811,13 +8268,13 @@
               <a:t>C</a:t>
             </a:r>
             <a:r>
-              <a:rPr lang="en-US" altLang="ko-KR" dirty="0">
+              <a:rPr lang="en-US" altLang="ko-KR" sz="2520" dirty="0">
                 <a:latin typeface="배달의민족 도현" pitchFamily="50" charset="-127"/>
                 <a:ea typeface="배달의민족 도현" pitchFamily="50" charset="-127"/>
               </a:rPr>
               <a:t>ODING</a:t>
             </a:r>
-            <a:endParaRPr lang="ko-KR" altLang="en-US" dirty="0">
+            <a:endParaRPr lang="ko-KR" altLang="en-US" sz="2520" dirty="0">
               <a:latin typeface="배달의민족 도현" pitchFamily="50" charset="-127"/>
               <a:ea typeface="배달의민족 도현" pitchFamily="50" charset="-127"/>
             </a:endParaRPr>
@@ -7834,15 +8291,15 @@
         </p:nvSpPr>
         <p:spPr>
           <a:xfrm>
-            <a:off x="683568" y="3429000"/>
-            <a:ext cx="7772400" cy="1470025"/>
+            <a:off x="-490786" y="3429010"/>
+            <a:ext cx="10881361" cy="2058036"/>
           </a:xfrm>
           <a:prstGeom prst="rect">
             <a:avLst/>
           </a:prstGeom>
         </p:spPr>
         <p:txBody>
-          <a:bodyPr vert="horz" lIns="91440" tIns="45720" rIns="91440" bIns="45720" rtlCol="0" anchor="ctr">
+          <a:bodyPr vert="horz" lIns="128017" tIns="64008" rIns="128017" bIns="64008" rtlCol="0" anchor="ctr">
             <a:normAutofit/>
           </a:bodyPr>
           <a:lstStyle>
@@ -7863,7 +8320,7 @@
           </a:lstStyle>
           <a:p>
             <a:r>
-              <a:rPr lang="ko-KR" altLang="en-US" dirty="0">
+              <a:rPr lang="ko-KR" altLang="en-US" sz="6161" dirty="0">
                 <a:latin typeface="배달의민족 주아" pitchFamily="18" charset="-127"/>
                 <a:ea typeface="배달의민족 주아" pitchFamily="18" charset="-127"/>
               </a:rPr>
@@ -7880,8 +8337,8 @@
         </p:nvSpPr>
         <p:spPr>
           <a:xfrm>
-            <a:off x="107504" y="116632"/>
-            <a:ext cx="2592288" cy="646331"/>
+            <a:off x="-1297294" y="-1208307"/>
+            <a:ext cx="3629203" cy="867930"/>
           </a:xfrm>
           <a:prstGeom prst="rect">
             <a:avLst/>
@@ -7894,33 +8351,33 @@
           <a:lstStyle/>
           <a:p>
             <a:r>
-              <a:rPr lang="en-US" altLang="ko-KR" dirty="0">
+              <a:rPr lang="en-US" altLang="ko-KR" sz="2520" dirty="0">
                 <a:latin typeface="배달의민족 주아" pitchFamily="18" charset="-127"/>
                 <a:ea typeface="배달의민족 주아" pitchFamily="18" charset="-127"/>
               </a:rPr>
               <a:t>1. </a:t>
             </a:r>
             <a:r>
-              <a:rPr lang="ko-KR" altLang="en-US" dirty="0">
+              <a:rPr lang="ko-KR" altLang="en-US" sz="2520" dirty="0">
                 <a:latin typeface="배달의민족 주아" pitchFamily="18" charset="-127"/>
                 <a:ea typeface="배달의민족 주아" pitchFamily="18" charset="-127"/>
               </a:rPr>
               <a:t>프로그래밍이란 무엇인가</a:t>
             </a:r>
             <a:r>
-              <a:rPr lang="en-US" altLang="ko-KR" dirty="0">
+              <a:rPr lang="en-US" altLang="ko-KR" sz="2520" dirty="0">
                 <a:latin typeface="배달의민족 주아" pitchFamily="18" charset="-127"/>
                 <a:ea typeface="배달의민족 주아" pitchFamily="18" charset="-127"/>
               </a:rPr>
               <a:t>?</a:t>
             </a:r>
             <a:br>
-              <a:rPr lang="en-US" altLang="ko-KR" dirty="0">
+              <a:rPr lang="en-US" altLang="ko-KR" sz="2520" dirty="0">
                 <a:latin typeface="배달의민족 주아" pitchFamily="18" charset="-127"/>
                 <a:ea typeface="배달의민족 주아" pitchFamily="18" charset="-127"/>
               </a:rPr>
             </a:br>
-            <a:endParaRPr lang="ko-KR" altLang="en-US" dirty="0"/>
+            <a:endParaRPr lang="ko-KR" altLang="en-US" sz="2520" dirty="0"/>
           </a:p>
         </p:txBody>
       </p:sp>
@@ -8105,8 +8562,8 @@
         </p:nvSpPr>
         <p:spPr>
           <a:xfrm>
-            <a:off x="6588224" y="6165304"/>
-            <a:ext cx="1838965" cy="369332"/>
+            <a:off x="7775725" y="7259829"/>
+            <a:ext cx="2497800" cy="480131"/>
           </a:xfrm>
           <a:prstGeom prst="rect">
             <a:avLst/>
@@ -8120,7 +8577,7 @@
           <a:lstStyle/>
           <a:p>
             <a:r>
-              <a:rPr lang="en-US" altLang="ko-KR" dirty="0">
+              <a:rPr lang="en-US" altLang="ko-KR" sz="2520" dirty="0">
                 <a:solidFill>
                   <a:schemeClr val="accent5"/>
                 </a:solidFill>
@@ -8130,14 +8587,14 @@
               <a:t>S</a:t>
             </a:r>
             <a:r>
-              <a:rPr lang="en-US" altLang="ko-KR" dirty="0">
+              <a:rPr lang="en-US" altLang="ko-KR" sz="2520" dirty="0">
                 <a:latin typeface="배달의민족 도현" pitchFamily="50" charset="-127"/>
                 <a:ea typeface="배달의민족 도현" pitchFamily="50" charset="-127"/>
               </a:rPr>
               <a:t>TART</a:t>
             </a:r>
             <a:r>
-              <a:rPr lang="en-US" altLang="ko-KR" dirty="0">
+              <a:rPr lang="en-US" altLang="ko-KR" sz="2520" dirty="0">
                 <a:solidFill>
                   <a:schemeClr val="accent5"/>
                 </a:solidFill>
@@ -8147,13 +8604,13 @@
               <a:t>C</a:t>
             </a:r>
             <a:r>
-              <a:rPr lang="en-US" altLang="ko-KR" dirty="0">
+              <a:rPr lang="en-US" altLang="ko-KR" sz="2520" dirty="0">
                 <a:latin typeface="배달의민족 도현" pitchFamily="50" charset="-127"/>
                 <a:ea typeface="배달의민족 도현" pitchFamily="50" charset="-127"/>
               </a:rPr>
               <a:t>ODING</a:t>
             </a:r>
-            <a:endParaRPr lang="ko-KR" altLang="en-US" dirty="0">
+            <a:endParaRPr lang="ko-KR" altLang="en-US" sz="2520" dirty="0">
               <a:latin typeface="배달의민족 도현" pitchFamily="50" charset="-127"/>
               <a:ea typeface="배달의민족 도현" pitchFamily="50" charset="-127"/>
             </a:endParaRPr>
@@ -8170,15 +8627,15 @@
         </p:nvSpPr>
         <p:spPr>
           <a:xfrm>
-            <a:off x="693397" y="4164012"/>
-            <a:ext cx="7772400" cy="1470025"/>
+            <a:off x="-477031" y="4458025"/>
+            <a:ext cx="10881361" cy="2058036"/>
           </a:xfrm>
           <a:prstGeom prst="rect">
             <a:avLst/>
           </a:prstGeom>
         </p:spPr>
         <p:txBody>
-          <a:bodyPr vert="horz" lIns="91440" tIns="45720" rIns="91440" bIns="45720" rtlCol="0" anchor="ctr">
+          <a:bodyPr vert="horz" lIns="128017" tIns="64008" rIns="128017" bIns="64008" rtlCol="0" anchor="ctr">
             <a:normAutofit/>
           </a:bodyPr>
           <a:lstStyle>
@@ -8199,13 +8656,13 @@
           </a:lstStyle>
           <a:p>
             <a:r>
-              <a:rPr lang="en-US" altLang="ko-KR" dirty="0">
+              <a:rPr lang="en-US" altLang="ko-KR" sz="6161" dirty="0">
                 <a:latin typeface="배달의민족 주아" pitchFamily="18" charset="-127"/>
                 <a:ea typeface="배달의민족 주아" pitchFamily="18" charset="-127"/>
               </a:rPr>
               <a:t>?</a:t>
             </a:r>
-            <a:endParaRPr lang="ko-KR" altLang="en-US" dirty="0">
+            <a:endParaRPr lang="ko-KR" altLang="en-US" sz="6161" dirty="0">
               <a:latin typeface="배달의민족 주아" pitchFamily="18" charset="-127"/>
               <a:ea typeface="배달의민족 주아" pitchFamily="18" charset="-127"/>
             </a:endParaRPr>
@@ -8220,8 +8677,8 @@
         </p:nvSpPr>
         <p:spPr>
           <a:xfrm>
-            <a:off x="107504" y="116632"/>
-            <a:ext cx="2592288" cy="646331"/>
+            <a:off x="-1297294" y="-1208307"/>
+            <a:ext cx="3629203" cy="867930"/>
           </a:xfrm>
           <a:prstGeom prst="rect">
             <a:avLst/>
@@ -8234,33 +8691,33 @@
           <a:lstStyle/>
           <a:p>
             <a:r>
-              <a:rPr lang="en-US" altLang="ko-KR" dirty="0">
+              <a:rPr lang="en-US" altLang="ko-KR" sz="2520" dirty="0">
                 <a:latin typeface="배달의민족 주아" pitchFamily="18" charset="-127"/>
                 <a:ea typeface="배달의민족 주아" pitchFamily="18" charset="-127"/>
               </a:rPr>
               <a:t>1. </a:t>
             </a:r>
             <a:r>
-              <a:rPr lang="ko-KR" altLang="en-US" dirty="0">
+              <a:rPr lang="ko-KR" altLang="en-US" sz="2520" dirty="0">
                 <a:latin typeface="배달의민족 주아" pitchFamily="18" charset="-127"/>
                 <a:ea typeface="배달의민족 주아" pitchFamily="18" charset="-127"/>
               </a:rPr>
               <a:t>프로그래밍이란 무엇인가</a:t>
             </a:r>
             <a:r>
-              <a:rPr lang="en-US" altLang="ko-KR" dirty="0">
+              <a:rPr lang="en-US" altLang="ko-KR" sz="2520" dirty="0">
                 <a:latin typeface="배달의민족 주아" pitchFamily="18" charset="-127"/>
                 <a:ea typeface="배달의민족 주아" pitchFamily="18" charset="-127"/>
               </a:rPr>
               <a:t>?</a:t>
             </a:r>
             <a:br>
-              <a:rPr lang="en-US" altLang="ko-KR" dirty="0">
+              <a:rPr lang="en-US" altLang="ko-KR" sz="2520" dirty="0">
                 <a:latin typeface="배달의민족 주아" pitchFamily="18" charset="-127"/>
                 <a:ea typeface="배달의민족 주아" pitchFamily="18" charset="-127"/>
               </a:rPr>
             </a:br>
-            <a:endParaRPr lang="ko-KR" altLang="en-US" dirty="0"/>
+            <a:endParaRPr lang="ko-KR" altLang="en-US" sz="2520" dirty="0"/>
           </a:p>
         </p:txBody>
       </p:sp>
@@ -8287,8 +8744,8 @@
         </p:blipFill>
         <p:spPr bwMode="auto">
           <a:xfrm>
-            <a:off x="3966072" y="4293096"/>
-            <a:ext cx="1224136" cy="1224136"/>
+            <a:off x="4104718" y="4638749"/>
+            <a:ext cx="1713790" cy="1713790"/>
           </a:xfrm>
           <a:prstGeom prst="rect">
             <a:avLst/>
@@ -8555,8 +9012,8 @@
         </p:nvSpPr>
         <p:spPr>
           <a:xfrm>
-            <a:off x="675673" y="2463031"/>
-            <a:ext cx="7772400" cy="1470025"/>
+            <a:off x="-501843" y="2076651"/>
+            <a:ext cx="10881361" cy="2058036"/>
           </a:xfrm>
         </p:spPr>
         <p:txBody>
@@ -8581,8 +9038,8 @@
         </p:nvSpPr>
         <p:spPr>
           <a:xfrm>
-            <a:off x="6588224" y="6165304"/>
-            <a:ext cx="1838965" cy="369332"/>
+            <a:off x="7775725" y="7259829"/>
+            <a:ext cx="2497800" cy="480131"/>
           </a:xfrm>
           <a:prstGeom prst="rect">
             <a:avLst/>
@@ -8596,7 +9053,7 @@
           <a:lstStyle/>
           <a:p>
             <a:r>
-              <a:rPr lang="en-US" altLang="ko-KR" dirty="0">
+              <a:rPr lang="en-US" altLang="ko-KR" sz="2520" dirty="0">
                 <a:solidFill>
                   <a:schemeClr val="accent5"/>
                 </a:solidFill>
@@ -8606,14 +9063,14 @@
               <a:t>S</a:t>
             </a:r>
             <a:r>
-              <a:rPr lang="en-US" altLang="ko-KR" dirty="0">
+              <a:rPr lang="en-US" altLang="ko-KR" sz="2520" dirty="0">
                 <a:latin typeface="배달의민족 도현" pitchFamily="50" charset="-127"/>
                 <a:ea typeface="배달의민족 도현" pitchFamily="50" charset="-127"/>
               </a:rPr>
               <a:t>TART</a:t>
             </a:r>
             <a:r>
-              <a:rPr lang="en-US" altLang="ko-KR" dirty="0">
+              <a:rPr lang="en-US" altLang="ko-KR" sz="2520" dirty="0">
                 <a:solidFill>
                   <a:schemeClr val="accent5"/>
                 </a:solidFill>
@@ -8623,13 +9080,13 @@
               <a:t>C</a:t>
             </a:r>
             <a:r>
-              <a:rPr lang="en-US" altLang="ko-KR" dirty="0">
+              <a:rPr lang="en-US" altLang="ko-KR" sz="2520" dirty="0">
                 <a:latin typeface="배달의민족 도현" pitchFamily="50" charset="-127"/>
                 <a:ea typeface="배달의민족 도현" pitchFamily="50" charset="-127"/>
               </a:rPr>
               <a:t>ODING</a:t>
             </a:r>
-            <a:endParaRPr lang="ko-KR" altLang="en-US" dirty="0">
+            <a:endParaRPr lang="ko-KR" altLang="en-US" sz="2520" dirty="0">
               <a:latin typeface="배달의민족 도현" pitchFamily="50" charset="-127"/>
               <a:ea typeface="배달의민족 도현" pitchFamily="50" charset="-127"/>
             </a:endParaRPr>
@@ -8646,15 +9103,15 @@
         </p:nvSpPr>
         <p:spPr>
           <a:xfrm>
-            <a:off x="683568" y="3687167"/>
-            <a:ext cx="7772400" cy="1470025"/>
+            <a:off x="-490786" y="3790442"/>
+            <a:ext cx="10881361" cy="2058036"/>
           </a:xfrm>
           <a:prstGeom prst="rect">
             <a:avLst/>
           </a:prstGeom>
         </p:spPr>
         <p:txBody>
-          <a:bodyPr vert="horz" lIns="91440" tIns="45720" rIns="91440" bIns="45720" rtlCol="0" anchor="ctr">
+          <a:bodyPr vert="horz" lIns="128017" tIns="64008" rIns="128017" bIns="64008" rtlCol="0" anchor="ctr">
             <a:normAutofit/>
           </a:bodyPr>
           <a:lstStyle>
@@ -8675,7 +9132,7 @@
           </a:lstStyle>
           <a:p>
             <a:r>
-              <a:rPr lang="ko-KR" altLang="en-US" dirty="0">
+              <a:rPr lang="ko-KR" altLang="en-US" sz="6161" dirty="0">
                 <a:latin typeface="배달의민족 주아" pitchFamily="18" charset="-127"/>
                 <a:ea typeface="배달의민족 주아" pitchFamily="18" charset="-127"/>
               </a:rPr>
@@ -8694,15 +9151,15 @@
         </p:nvSpPr>
         <p:spPr>
           <a:xfrm>
-            <a:off x="685800" y="1238895"/>
-            <a:ext cx="7772400" cy="1470025"/>
+            <a:off x="-487662" y="362864"/>
+            <a:ext cx="10881361" cy="2058036"/>
           </a:xfrm>
           <a:prstGeom prst="rect">
             <a:avLst/>
           </a:prstGeom>
         </p:spPr>
         <p:txBody>
-          <a:bodyPr vert="horz" lIns="91440" tIns="45720" rIns="91440" bIns="45720" rtlCol="0" anchor="ctr">
+          <a:bodyPr vert="horz" lIns="128017" tIns="64008" rIns="128017" bIns="64008" rtlCol="0" anchor="ctr">
             <a:normAutofit/>
           </a:bodyPr>
           <a:lstStyle>
@@ -8723,7 +9180,7 @@
           </a:lstStyle>
           <a:p>
             <a:r>
-              <a:rPr lang="ko-KR" altLang="en-US" dirty="0">
+              <a:rPr lang="ko-KR" altLang="en-US" sz="6161" dirty="0">
                 <a:latin typeface="배달의민족 주아" pitchFamily="18" charset="-127"/>
                 <a:ea typeface="배달의민족 주아" pitchFamily="18" charset="-127"/>
               </a:rPr>
@@ -8740,8 +9197,8 @@
         </p:nvCxnSpPr>
         <p:spPr>
           <a:xfrm>
-            <a:off x="4569768" y="2276872"/>
-            <a:ext cx="0" cy="504056"/>
+            <a:off x="4949875" y="1816043"/>
+            <a:ext cx="0" cy="705678"/>
           </a:xfrm>
           <a:prstGeom prst="straightConnector1">
             <a:avLst/>
@@ -8773,8 +9230,8 @@
         </p:nvCxnSpPr>
         <p:spPr>
           <a:xfrm>
-            <a:off x="4569768" y="3471692"/>
-            <a:ext cx="0" cy="504056"/>
+            <a:off x="4949875" y="3488787"/>
+            <a:ext cx="0" cy="705678"/>
           </a:xfrm>
           <a:prstGeom prst="straightConnector1">
             <a:avLst/>
@@ -8806,8 +9263,8 @@
         </p:nvSpPr>
         <p:spPr>
           <a:xfrm>
-            <a:off x="2286000" y="5157192"/>
-            <a:ext cx="4572000" cy="646331"/>
+            <a:off x="1752611" y="5848489"/>
+            <a:ext cx="6400800" cy="867930"/>
           </a:xfrm>
           <a:prstGeom prst="rect">
             <a:avLst/>
@@ -8820,12 +9277,12 @@
           <a:lstStyle/>
           <a:p>
             <a:r>
-              <a:rPr lang="en-US" altLang="ko-KR" dirty="0">
+              <a:rPr lang="en-US" altLang="ko-KR" sz="2520" dirty="0">
                 <a:hlinkClick r:id="rId2"/>
               </a:rPr>
               <a:t>http://blog.naver.com/PostView.nhn?blogId=tipsware&amp;logNo=221041215416</a:t>
             </a:r>
-            <a:endParaRPr lang="ko-KR" altLang="en-US" dirty="0"/>
+            <a:endParaRPr lang="ko-KR" altLang="en-US" sz="2520" dirty="0"/>
           </a:p>
         </p:txBody>
       </p:sp>
@@ -8837,8 +9294,8 @@
         </p:nvSpPr>
         <p:spPr>
           <a:xfrm>
-            <a:off x="107504" y="116632"/>
-            <a:ext cx="2592288" cy="646331"/>
+            <a:off x="-1297294" y="-1208307"/>
+            <a:ext cx="3629203" cy="867930"/>
           </a:xfrm>
           <a:prstGeom prst="rect">
             <a:avLst/>
@@ -8851,33 +9308,33 @@
           <a:lstStyle/>
           <a:p>
             <a:r>
-              <a:rPr lang="en-US" altLang="ko-KR" dirty="0">
+              <a:rPr lang="en-US" altLang="ko-KR" sz="2520" dirty="0">
                 <a:latin typeface="배달의민족 주아" pitchFamily="18" charset="-127"/>
                 <a:ea typeface="배달의민족 주아" pitchFamily="18" charset="-127"/>
               </a:rPr>
               <a:t>1. </a:t>
             </a:r>
             <a:r>
-              <a:rPr lang="ko-KR" altLang="en-US" dirty="0">
+              <a:rPr lang="ko-KR" altLang="en-US" sz="2520" dirty="0">
                 <a:latin typeface="배달의민족 주아" pitchFamily="18" charset="-127"/>
                 <a:ea typeface="배달의민족 주아" pitchFamily="18" charset="-127"/>
               </a:rPr>
               <a:t>프로그래밍이란 무엇인가</a:t>
             </a:r>
             <a:r>
-              <a:rPr lang="en-US" altLang="ko-KR" dirty="0">
+              <a:rPr lang="en-US" altLang="ko-KR" sz="2520" dirty="0">
                 <a:latin typeface="배달의민족 주아" pitchFamily="18" charset="-127"/>
                 <a:ea typeface="배달의민족 주아" pitchFamily="18" charset="-127"/>
               </a:rPr>
               <a:t>?</a:t>
             </a:r>
             <a:br>
-              <a:rPr lang="en-US" altLang="ko-KR" dirty="0">
+              <a:rPr lang="en-US" altLang="ko-KR" sz="2520" dirty="0">
                 <a:latin typeface="배달의민족 주아" pitchFamily="18" charset="-127"/>
                 <a:ea typeface="배달의민족 주아" pitchFamily="18" charset="-127"/>
               </a:rPr>
             </a:br>
-            <a:endParaRPr lang="ko-KR" altLang="en-US" dirty="0"/>
+            <a:endParaRPr lang="ko-KR" altLang="en-US" sz="2520" dirty="0"/>
           </a:p>
         </p:txBody>
       </p:sp>
@@ -9187,8 +9644,8 @@
         </p:nvSpPr>
         <p:spPr>
           <a:xfrm>
-            <a:off x="655498" y="2281161"/>
-            <a:ext cx="7772400" cy="1470025"/>
+            <a:off x="-530085" y="1822035"/>
+            <a:ext cx="10881361" cy="2058036"/>
           </a:xfrm>
         </p:spPr>
         <p:txBody>
@@ -9213,8 +9670,8 @@
         </p:nvSpPr>
         <p:spPr>
           <a:xfrm>
-            <a:off x="6588224" y="6165304"/>
-            <a:ext cx="1838965" cy="369332"/>
+            <a:off x="7775725" y="7259829"/>
+            <a:ext cx="2497800" cy="480131"/>
           </a:xfrm>
           <a:prstGeom prst="rect">
             <a:avLst/>
@@ -9228,7 +9685,7 @@
           <a:lstStyle/>
           <a:p>
             <a:r>
-              <a:rPr lang="en-US" altLang="ko-KR" dirty="0">
+              <a:rPr lang="en-US" altLang="ko-KR" sz="2520" dirty="0">
                 <a:solidFill>
                   <a:schemeClr val="accent5"/>
                 </a:solidFill>
@@ -9238,14 +9695,14 @@
               <a:t>S</a:t>
             </a:r>
             <a:r>
-              <a:rPr lang="en-US" altLang="ko-KR" dirty="0">
+              <a:rPr lang="en-US" altLang="ko-KR" sz="2520" dirty="0">
                 <a:latin typeface="배달의민족 도현" pitchFamily="50" charset="-127"/>
                 <a:ea typeface="배달의민족 도현" pitchFamily="50" charset="-127"/>
               </a:rPr>
               <a:t>TART</a:t>
             </a:r>
             <a:r>
-              <a:rPr lang="en-US" altLang="ko-KR" dirty="0">
+              <a:rPr lang="en-US" altLang="ko-KR" sz="2520" dirty="0">
                 <a:solidFill>
                   <a:schemeClr val="accent5"/>
                 </a:solidFill>
@@ -9255,13 +9712,13 @@
               <a:t>C</a:t>
             </a:r>
             <a:r>
-              <a:rPr lang="en-US" altLang="ko-KR" dirty="0">
+              <a:rPr lang="en-US" altLang="ko-KR" sz="2520" dirty="0">
                 <a:latin typeface="배달의민족 도현" pitchFamily="50" charset="-127"/>
                 <a:ea typeface="배달의민족 도현" pitchFamily="50" charset="-127"/>
               </a:rPr>
               <a:t>ODING</a:t>
             </a:r>
-            <a:endParaRPr lang="ko-KR" altLang="en-US" dirty="0">
+            <a:endParaRPr lang="ko-KR" altLang="en-US" sz="2520" dirty="0">
               <a:latin typeface="배달의민족 도현" pitchFamily="50" charset="-127"/>
               <a:ea typeface="배달의민족 도현" pitchFamily="50" charset="-127"/>
             </a:endParaRPr>
@@ -9291,8 +9748,8 @@
         </p:blipFill>
         <p:spPr bwMode="auto">
           <a:xfrm>
-            <a:off x="5503655" y="3212976"/>
-            <a:ext cx="2169138" cy="2169138"/>
+            <a:off x="6257341" y="3126595"/>
+            <a:ext cx="3036795" cy="3036795"/>
           </a:xfrm>
           <a:prstGeom prst="rect">
             <a:avLst/>
@@ -9332,8 +9789,8 @@
         </p:blipFill>
         <p:spPr bwMode="auto">
           <a:xfrm>
-            <a:off x="5503655" y="620786"/>
-            <a:ext cx="2236697" cy="2236697"/>
+            <a:off x="6257329" y="-502491"/>
+            <a:ext cx="3131376" cy="3131376"/>
           </a:xfrm>
           <a:prstGeom prst="rect">
             <a:avLst/>
@@ -9373,8 +9830,8 @@
         </p:blipFill>
         <p:spPr bwMode="auto">
           <a:xfrm>
-            <a:off x="1951715" y="642806"/>
-            <a:ext cx="1638355" cy="1638355"/>
+            <a:off x="1284614" y="-471660"/>
+            <a:ext cx="2293697" cy="2293697"/>
           </a:xfrm>
           <a:prstGeom prst="rect">
             <a:avLst/>
@@ -9414,8 +9871,8 @@
         </p:blipFill>
         <p:spPr bwMode="auto">
           <a:xfrm>
-            <a:off x="1934113" y="3437898"/>
-            <a:ext cx="1944216" cy="1944216"/>
+            <a:off x="1259964" y="3441463"/>
+            <a:ext cx="2721902" cy="2721902"/>
           </a:xfrm>
           <a:prstGeom prst="rect">
             <a:avLst/>
@@ -9440,8 +9897,8 @@
         </p:nvSpPr>
         <p:spPr>
           <a:xfrm>
-            <a:off x="107504" y="116632"/>
-            <a:ext cx="2592288" cy="646331"/>
+            <a:off x="-1297294" y="-1208307"/>
+            <a:ext cx="3629203" cy="867930"/>
           </a:xfrm>
           <a:prstGeom prst="rect">
             <a:avLst/>
@@ -9454,33 +9911,33 @@
           <a:lstStyle/>
           <a:p>
             <a:r>
-              <a:rPr lang="en-US" altLang="ko-KR" dirty="0">
+              <a:rPr lang="en-US" altLang="ko-KR" sz="2520" dirty="0">
                 <a:latin typeface="배달의민족 주아" pitchFamily="18" charset="-127"/>
                 <a:ea typeface="배달의민족 주아" pitchFamily="18" charset="-127"/>
               </a:rPr>
               <a:t>1. </a:t>
             </a:r>
             <a:r>
-              <a:rPr lang="ko-KR" altLang="en-US" dirty="0">
+              <a:rPr lang="ko-KR" altLang="en-US" sz="2520" dirty="0">
                 <a:latin typeface="배달의민족 주아" pitchFamily="18" charset="-127"/>
                 <a:ea typeface="배달의민족 주아" pitchFamily="18" charset="-127"/>
               </a:rPr>
               <a:t>프로그래밍이란 무엇인가</a:t>
             </a:r>
             <a:r>
-              <a:rPr lang="en-US" altLang="ko-KR" dirty="0">
+              <a:rPr lang="en-US" altLang="ko-KR" sz="2520" dirty="0">
                 <a:latin typeface="배달의민족 주아" pitchFamily="18" charset="-127"/>
                 <a:ea typeface="배달의민족 주아" pitchFamily="18" charset="-127"/>
               </a:rPr>
               <a:t>?</a:t>
             </a:r>
             <a:br>
-              <a:rPr lang="en-US" altLang="ko-KR" dirty="0">
+              <a:rPr lang="en-US" altLang="ko-KR" sz="2520" dirty="0">
                 <a:latin typeface="배달의민족 주아" pitchFamily="18" charset="-127"/>
                 <a:ea typeface="배달의민족 주아" pitchFamily="18" charset="-127"/>
               </a:rPr>
             </a:br>
-            <a:endParaRPr lang="ko-KR" altLang="en-US" dirty="0"/>
+            <a:endParaRPr lang="ko-KR" altLang="en-US" sz="2520" dirty="0"/>
           </a:p>
         </p:txBody>
       </p:sp>
@@ -9746,8 +10203,8 @@
         </p:nvSpPr>
         <p:spPr>
           <a:xfrm>
-            <a:off x="6588224" y="6165304"/>
-            <a:ext cx="1838965" cy="369332"/>
+            <a:off x="7775725" y="7259829"/>
+            <a:ext cx="2497800" cy="480131"/>
           </a:xfrm>
           <a:prstGeom prst="rect">
             <a:avLst/>
@@ -9761,7 +10218,7 @@
           <a:lstStyle/>
           <a:p>
             <a:r>
-              <a:rPr lang="en-US" altLang="ko-KR" dirty="0">
+              <a:rPr lang="en-US" altLang="ko-KR" sz="2520" dirty="0">
                 <a:solidFill>
                   <a:schemeClr val="accent5"/>
                 </a:solidFill>
@@ -9771,14 +10228,14 @@
               <a:t>S</a:t>
             </a:r>
             <a:r>
-              <a:rPr lang="en-US" altLang="ko-KR" dirty="0">
+              <a:rPr lang="en-US" altLang="ko-KR" sz="2520" dirty="0">
                 <a:latin typeface="배달의민족 도현" pitchFamily="50" charset="-127"/>
                 <a:ea typeface="배달의민족 도현" pitchFamily="50" charset="-127"/>
               </a:rPr>
               <a:t>TART</a:t>
             </a:r>
             <a:r>
-              <a:rPr lang="en-US" altLang="ko-KR" dirty="0">
+              <a:rPr lang="en-US" altLang="ko-KR" sz="2520" dirty="0">
                 <a:solidFill>
                   <a:schemeClr val="accent5"/>
                 </a:solidFill>
@@ -9788,13 +10245,13 @@
               <a:t>C</a:t>
             </a:r>
             <a:r>
-              <a:rPr lang="en-US" altLang="ko-KR" dirty="0">
+              <a:rPr lang="en-US" altLang="ko-KR" sz="2520" dirty="0">
                 <a:latin typeface="배달의민족 도현" pitchFamily="50" charset="-127"/>
                 <a:ea typeface="배달의민족 도현" pitchFamily="50" charset="-127"/>
               </a:rPr>
               <a:t>ODING</a:t>
             </a:r>
-            <a:endParaRPr lang="ko-KR" altLang="en-US" dirty="0">
+            <a:endParaRPr lang="ko-KR" altLang="en-US" sz="2520" dirty="0">
               <a:latin typeface="배달의민족 도현" pitchFamily="50" charset="-127"/>
               <a:ea typeface="배달의민족 도현" pitchFamily="50" charset="-127"/>
             </a:endParaRPr>
@@ -9809,8 +10266,8 @@
         </p:nvSpPr>
         <p:spPr>
           <a:xfrm>
-            <a:off x="107504" y="116632"/>
-            <a:ext cx="2592288" cy="646331"/>
+            <a:off x="-1297294" y="-1208307"/>
+            <a:ext cx="3629203" cy="867930"/>
           </a:xfrm>
           <a:prstGeom prst="rect">
             <a:avLst/>
@@ -9823,40 +10280,40 @@
           <a:lstStyle/>
           <a:p>
             <a:r>
-              <a:rPr lang="en-US" altLang="ko-KR" dirty="0">
+              <a:rPr lang="en-US" altLang="ko-KR" sz="2520" dirty="0">
                 <a:latin typeface="배달의민족 주아" pitchFamily="18" charset="-127"/>
                 <a:ea typeface="배달의민족 주아" pitchFamily="18" charset="-127"/>
               </a:rPr>
               <a:t>2. </a:t>
             </a:r>
             <a:r>
-              <a:rPr lang="ko-KR" altLang="en-US" dirty="0" err="1">
+              <a:rPr lang="ko-KR" altLang="en-US" sz="2520" dirty="0" err="1">
                 <a:latin typeface="배달의민족 주아" pitchFamily="18" charset="-127"/>
                 <a:ea typeface="배달의민족 주아" pitchFamily="18" charset="-127"/>
               </a:rPr>
               <a:t>파이썬이란</a:t>
             </a:r>
             <a:r>
-              <a:rPr lang="ko-KR" altLang="en-US" dirty="0">
+              <a:rPr lang="ko-KR" altLang="en-US" sz="2520" dirty="0">
                 <a:latin typeface="배달의민족 주아" pitchFamily="18" charset="-127"/>
                 <a:ea typeface="배달의민족 주아" pitchFamily="18" charset="-127"/>
               </a:rPr>
               <a:t> 무엇인가</a:t>
             </a:r>
             <a:r>
-              <a:rPr lang="en-US" altLang="ko-KR" dirty="0">
+              <a:rPr lang="en-US" altLang="ko-KR" sz="2520" dirty="0">
                 <a:latin typeface="배달의민족 주아" pitchFamily="18" charset="-127"/>
                 <a:ea typeface="배달의민족 주아" pitchFamily="18" charset="-127"/>
               </a:rPr>
               <a:t>?</a:t>
             </a:r>
             <a:br>
-              <a:rPr lang="en-US" altLang="ko-KR" dirty="0">
+              <a:rPr lang="en-US" altLang="ko-KR" sz="2520" dirty="0">
                 <a:latin typeface="배달의민족 주아" pitchFamily="18" charset="-127"/>
                 <a:ea typeface="배달의민족 주아" pitchFamily="18" charset="-127"/>
               </a:rPr>
             </a:br>
-            <a:endParaRPr lang="ko-KR" altLang="en-US" dirty="0"/>
+            <a:endParaRPr lang="ko-KR" altLang="en-US" sz="2520" dirty="0"/>
           </a:p>
         </p:txBody>
       </p:sp>
@@ -9883,8 +10340,8 @@
         </p:blipFill>
         <p:spPr bwMode="auto">
           <a:xfrm>
-            <a:off x="3487431" y="3212976"/>
-            <a:ext cx="2169138" cy="2169138"/>
+            <a:off x="3434627" y="3126595"/>
+            <a:ext cx="3036795" cy="3036795"/>
           </a:xfrm>
           <a:prstGeom prst="rect">
             <a:avLst/>
@@ -10278,4 +10735,299 @@
   <a:objectDefaults/>
   <a:extraClrSchemeLst/>
 </a:theme>
+</file>
+
+<file path=ppt/theme/theme2.xml><?xml version="1.0" encoding="utf-8"?>
+<a:theme xmlns:a="http://schemas.openxmlformats.org/drawingml/2006/main" name="Office 테마">
+  <a:themeElements>
+    <a:clrScheme name="Office">
+      <a:dk1>
+        <a:sysClr val="windowText" lastClr="000000"/>
+      </a:dk1>
+      <a:lt1>
+        <a:sysClr val="window" lastClr="FFFFFF"/>
+      </a:lt1>
+      <a:dk2>
+        <a:srgbClr val="44546A"/>
+      </a:dk2>
+      <a:lt2>
+        <a:srgbClr val="E7E6E6"/>
+      </a:lt2>
+      <a:accent1>
+        <a:srgbClr val="4472C4"/>
+      </a:accent1>
+      <a:accent2>
+        <a:srgbClr val="ED7D31"/>
+      </a:accent2>
+      <a:accent3>
+        <a:srgbClr val="A5A5A5"/>
+      </a:accent3>
+      <a:accent4>
+        <a:srgbClr val="FFC000"/>
+      </a:accent4>
+      <a:accent5>
+        <a:srgbClr val="5B9BD5"/>
+      </a:accent5>
+      <a:accent6>
+        <a:srgbClr val="70AD47"/>
+      </a:accent6>
+      <a:hlink>
+        <a:srgbClr val="0563C1"/>
+      </a:hlink>
+      <a:folHlink>
+        <a:srgbClr val="954F72"/>
+      </a:folHlink>
+    </a:clrScheme>
+    <a:fontScheme name="Office">
+      <a:majorFont>
+        <a:latin typeface="맑은 고딕" panose="020F0302020204030204"/>
+        <a:ea typeface=""/>
+        <a:cs typeface=""/>
+        <a:font script="Jpan" typeface="游ゴシック Light"/>
+        <a:font script="Hang" typeface="맑은 고딕"/>
+        <a:font script="Hans" typeface="等线 Light"/>
+        <a:font script="Hant" typeface="新細明體"/>
+        <a:font script="Arab" typeface="Times New Roman"/>
+        <a:font script="Hebr" typeface="Times New Roman"/>
+        <a:font script="Thai" typeface="Angsana New"/>
+        <a:font script="Ethi" typeface="Nyala"/>
+        <a:font script="Beng" typeface="Vrinda"/>
+        <a:font script="Gujr" typeface="Shruti"/>
+        <a:font script="Khmr" typeface="MoolBoran"/>
+        <a:font script="Knda" typeface="Tunga"/>
+        <a:font script="Guru" typeface="Raavi"/>
+        <a:font script="Cans" typeface="Euphemia"/>
+        <a:font script="Cher" typeface="Plantagenet Cherokee"/>
+        <a:font script="Yiii" typeface="Microsoft Yi Baiti"/>
+        <a:font script="Tibt" typeface="Microsoft Himalaya"/>
+        <a:font script="Thaa" typeface="MV Boli"/>
+        <a:font script="Deva" typeface="Mangal"/>
+        <a:font script="Telu" typeface="Gautami"/>
+        <a:font script="Taml" typeface="Latha"/>
+        <a:font script="Syrc" typeface="Estrangelo Edessa"/>
+        <a:font script="Orya" typeface="Kalinga"/>
+        <a:font script="Mlym" typeface="Kartika"/>
+        <a:font script="Laoo" typeface="DokChampa"/>
+        <a:font script="Sinh" typeface="Iskoola Pota"/>
+        <a:font script="Mong" typeface="Mongolian Baiti"/>
+        <a:font script="Viet" typeface="Times New Roman"/>
+        <a:font script="Uigh" typeface="Microsoft Uighur"/>
+        <a:font script="Geor" typeface="Sylfaen"/>
+        <a:font script="Armn" typeface="Arial"/>
+        <a:font script="Bugi" typeface="Leelawadee UI"/>
+        <a:font script="Bopo" typeface="Microsoft JhengHei"/>
+        <a:font script="Java" typeface="Javanese Text"/>
+        <a:font script="Lisu" typeface="Segoe UI"/>
+        <a:font script="Mymr" typeface="Myanmar Text"/>
+        <a:font script="Nkoo" typeface="Ebrima"/>
+        <a:font script="Olck" typeface="Nirmala UI"/>
+        <a:font script="Osma" typeface="Ebrima"/>
+        <a:font script="Phag" typeface="Phagspa"/>
+        <a:font script="Syrn" typeface="Estrangelo Edessa"/>
+        <a:font script="Syrj" typeface="Estrangelo Edessa"/>
+        <a:font script="Syre" typeface="Estrangelo Edessa"/>
+        <a:font script="Sora" typeface="Nirmala UI"/>
+        <a:font script="Tale" typeface="Microsoft Tai Le"/>
+        <a:font script="Talu" typeface="Microsoft New Tai Lue"/>
+        <a:font script="Tfng" typeface="Ebrima"/>
+      </a:majorFont>
+      <a:minorFont>
+        <a:latin typeface="맑은 고딕" panose="020F0502020204030204"/>
+        <a:ea typeface=""/>
+        <a:cs typeface=""/>
+        <a:font script="Jpan" typeface="游ゴシック"/>
+        <a:font script="Hang" typeface="맑은 고딕"/>
+        <a:font script="Hans" typeface="等线"/>
+        <a:font script="Hant" typeface="新細明體"/>
+        <a:font script="Arab" typeface="Arial"/>
+        <a:font script="Hebr" typeface="Arial"/>
+        <a:font script="Thai" typeface="Cordia New"/>
+        <a:font script="Ethi" typeface="Nyala"/>
+        <a:font script="Beng" typeface="Vrinda"/>
+        <a:font script="Gujr" typeface="Shruti"/>
+        <a:font script="Khmr" typeface="DaunPenh"/>
+        <a:font script="Knda" typeface="Tunga"/>
+        <a:font script="Guru" typeface="Raavi"/>
+        <a:font script="Cans" typeface="Euphemia"/>
+        <a:font script="Cher" typeface="Plantagenet Cherokee"/>
+        <a:font script="Yiii" typeface="Microsoft Yi Baiti"/>
+        <a:font script="Tibt" typeface="Microsoft Himalaya"/>
+        <a:font script="Thaa" typeface="MV Boli"/>
+        <a:font script="Deva" typeface="Mangal"/>
+        <a:font script="Telu" typeface="Gautami"/>
+        <a:font script="Taml" typeface="Latha"/>
+        <a:font script="Syrc" typeface="Estrangelo Edessa"/>
+        <a:font script="Orya" typeface="Kalinga"/>
+        <a:font script="Mlym" typeface="Kartika"/>
+        <a:font script="Laoo" typeface="DokChampa"/>
+        <a:font script="Sinh" typeface="Iskoola Pota"/>
+        <a:font script="Mong" typeface="Mongolian Baiti"/>
+        <a:font script="Viet" typeface="Arial"/>
+        <a:font script="Uigh" typeface="Microsoft Uighur"/>
+        <a:font script="Geor" typeface="Sylfaen"/>
+        <a:font script="Armn" typeface="Arial"/>
+        <a:font script="Bugi" typeface="Leelawadee UI"/>
+        <a:font script="Bopo" typeface="Microsoft JhengHei"/>
+        <a:font script="Java" typeface="Javanese Text"/>
+        <a:font script="Lisu" typeface="Segoe UI"/>
+        <a:font script="Mymr" typeface="Myanmar Text"/>
+        <a:font script="Nkoo" typeface="Ebrima"/>
+        <a:font script="Olck" typeface="Nirmala UI"/>
+        <a:font script="Osma" typeface="Ebrima"/>
+        <a:font script="Phag" typeface="Phagspa"/>
+        <a:font script="Syrn" typeface="Estrangelo Edessa"/>
+        <a:font script="Syrj" typeface="Estrangelo Edessa"/>
+        <a:font script="Syre" typeface="Estrangelo Edessa"/>
+        <a:font script="Sora" typeface="Nirmala UI"/>
+        <a:font script="Tale" typeface="Microsoft Tai Le"/>
+        <a:font script="Talu" typeface="Microsoft New Tai Lue"/>
+        <a:font script="Tfng" typeface="Ebrima"/>
+      </a:minorFont>
+    </a:fontScheme>
+    <a:fmtScheme name="Office">
+      <a:fillStyleLst>
+        <a:solidFill>
+          <a:schemeClr val="phClr"/>
+        </a:solidFill>
+        <a:gradFill rotWithShape="1">
+          <a:gsLst>
+            <a:gs pos="0">
+              <a:schemeClr val="phClr">
+                <a:lumMod val="110000"/>
+                <a:satMod val="105000"/>
+                <a:tint val="67000"/>
+              </a:schemeClr>
+            </a:gs>
+            <a:gs pos="50000">
+              <a:schemeClr val="phClr">
+                <a:lumMod val="105000"/>
+                <a:satMod val="103000"/>
+                <a:tint val="73000"/>
+              </a:schemeClr>
+            </a:gs>
+            <a:gs pos="100000">
+              <a:schemeClr val="phClr">
+                <a:lumMod val="105000"/>
+                <a:satMod val="109000"/>
+                <a:tint val="81000"/>
+              </a:schemeClr>
+            </a:gs>
+          </a:gsLst>
+          <a:lin ang="5400000" scaled="0"/>
+        </a:gradFill>
+        <a:gradFill rotWithShape="1">
+          <a:gsLst>
+            <a:gs pos="0">
+              <a:schemeClr val="phClr">
+                <a:satMod val="103000"/>
+                <a:lumMod val="102000"/>
+                <a:tint val="94000"/>
+              </a:schemeClr>
+            </a:gs>
+            <a:gs pos="50000">
+              <a:schemeClr val="phClr">
+                <a:satMod val="110000"/>
+                <a:lumMod val="100000"/>
+                <a:shade val="100000"/>
+              </a:schemeClr>
+            </a:gs>
+            <a:gs pos="100000">
+              <a:schemeClr val="phClr">
+                <a:lumMod val="99000"/>
+                <a:satMod val="120000"/>
+                <a:shade val="78000"/>
+              </a:schemeClr>
+            </a:gs>
+          </a:gsLst>
+          <a:lin ang="5400000" scaled="0"/>
+        </a:gradFill>
+      </a:fillStyleLst>
+      <a:lnStyleLst>
+        <a:ln w="6350" cap="flat" cmpd="sng" algn="ctr">
+          <a:solidFill>
+            <a:schemeClr val="phClr"/>
+          </a:solidFill>
+          <a:prstDash val="solid"/>
+          <a:miter lim="800000"/>
+        </a:ln>
+        <a:ln w="12700" cap="flat" cmpd="sng" algn="ctr">
+          <a:solidFill>
+            <a:schemeClr val="phClr"/>
+          </a:solidFill>
+          <a:prstDash val="solid"/>
+          <a:miter lim="800000"/>
+        </a:ln>
+        <a:ln w="19050" cap="flat" cmpd="sng" algn="ctr">
+          <a:solidFill>
+            <a:schemeClr val="phClr"/>
+          </a:solidFill>
+          <a:prstDash val="solid"/>
+          <a:miter lim="800000"/>
+        </a:ln>
+      </a:lnStyleLst>
+      <a:effectStyleLst>
+        <a:effectStyle>
+          <a:effectLst/>
+        </a:effectStyle>
+        <a:effectStyle>
+          <a:effectLst/>
+        </a:effectStyle>
+        <a:effectStyle>
+          <a:effectLst>
+            <a:outerShdw blurRad="57150" dist="19050" dir="5400000" algn="ctr" rotWithShape="0">
+              <a:srgbClr val="000000">
+                <a:alpha val="63000"/>
+              </a:srgbClr>
+            </a:outerShdw>
+          </a:effectLst>
+        </a:effectStyle>
+      </a:effectStyleLst>
+      <a:bgFillStyleLst>
+        <a:solidFill>
+          <a:schemeClr val="phClr"/>
+        </a:solidFill>
+        <a:solidFill>
+          <a:schemeClr val="phClr">
+            <a:tint val="95000"/>
+            <a:satMod val="170000"/>
+          </a:schemeClr>
+        </a:solidFill>
+        <a:gradFill rotWithShape="1">
+          <a:gsLst>
+            <a:gs pos="0">
+              <a:schemeClr val="phClr">
+                <a:tint val="93000"/>
+                <a:satMod val="150000"/>
+                <a:shade val="98000"/>
+                <a:lumMod val="102000"/>
+              </a:schemeClr>
+            </a:gs>
+            <a:gs pos="50000">
+              <a:schemeClr val="phClr">
+                <a:tint val="98000"/>
+                <a:satMod val="130000"/>
+                <a:shade val="90000"/>
+                <a:lumMod val="103000"/>
+              </a:schemeClr>
+            </a:gs>
+            <a:gs pos="100000">
+              <a:schemeClr val="phClr">
+                <a:shade val="63000"/>
+                <a:satMod val="120000"/>
+              </a:schemeClr>
+            </a:gs>
+          </a:gsLst>
+          <a:lin ang="5400000" scaled="0"/>
+        </a:gradFill>
+      </a:bgFillStyleLst>
+    </a:fmtScheme>
+  </a:themeElements>
+  <a:objectDefaults/>
+  <a:extraClrSchemeLst/>
+  <a:extLst>
+    <a:ext uri="{05A4C25C-085E-4340-85A3-A5531E510DB2}">
+      <thm15:themeFamily xmlns:thm15="http://schemas.microsoft.com/office/thememl/2012/main" name="Office Theme" id="{62F939B6-93AF-4DB8-9C6B-D6C7DFDC589F}" vid="{4A3C46E8-61CC-4603-A589-7422A47A8E4A}"/>
+    </a:ext>
+  </a:extLst>
+</a:theme>
 </file>
--- a/파이썬기초(PPT)/파이썬 기초 1강_강의소개.pptx
+++ b/파이썬기초(PPT)/파이썬 기초 1강_강의소개.pptx
@@ -139,6 +139,9 @@
         </p15:guide>
       </p15:sldGuideLst>
     </p:ext>
+    <p:ext uri="{2D200454-40CA-4A62-9FC3-DE9A4176ACB9}">
+      <p15:notesGuideLst xmlns:p15="http://schemas.microsoft.com/office/powerpoint/2012/main"/>
+    </p:ext>
   </p:extLst>
 </p:presentation>
 </file>
@@ -470,7 +473,7 @@
           <a:p>
             <a:fld id="{FB30EDBD-1C2D-4C1E-B459-B60219FAB484}" type="datetimeFigureOut">
               <a:rPr lang="ko-KR" altLang="en-US" smtClean="0"/>
-              <a:t>2020-11-01</a:t>
+              <a:t>2020-11-06</a:t>
             </a:fld>
             <a:endParaRPr lang="ko-KR" altLang="en-US"/>
           </a:p>
@@ -633,7 +636,7 @@
           <a:p>
             <a:fld id="{FB30EDBD-1C2D-4C1E-B459-B60219FAB484}" type="datetimeFigureOut">
               <a:rPr lang="ko-KR" altLang="en-US" smtClean="0"/>
-              <a:t>2020-11-01</a:t>
+              <a:t>2020-11-06</a:t>
             </a:fld>
             <a:endParaRPr lang="ko-KR" altLang="en-US"/>
           </a:p>
@@ -806,7 +809,7 @@
           <a:p>
             <a:fld id="{FB30EDBD-1C2D-4C1E-B459-B60219FAB484}" type="datetimeFigureOut">
               <a:rPr lang="ko-KR" altLang="en-US" smtClean="0"/>
-              <a:t>2020-11-01</a:t>
+              <a:t>2020-11-06</a:t>
             </a:fld>
             <a:endParaRPr lang="ko-KR" altLang="en-US"/>
           </a:p>
@@ -969,7 +972,7 @@
           <a:p>
             <a:fld id="{FB30EDBD-1C2D-4C1E-B459-B60219FAB484}" type="datetimeFigureOut">
               <a:rPr lang="ko-KR" altLang="en-US" smtClean="0"/>
-              <a:t>2020-11-01</a:t>
+              <a:t>2020-11-06</a:t>
             </a:fld>
             <a:endParaRPr lang="ko-KR" altLang="en-US"/>
           </a:p>
@@ -1209,7 +1212,7 @@
           <a:p>
             <a:fld id="{FB30EDBD-1C2D-4C1E-B459-B60219FAB484}" type="datetimeFigureOut">
               <a:rPr lang="ko-KR" altLang="en-US" smtClean="0"/>
-              <a:t>2020-11-01</a:t>
+              <a:t>2020-11-06</a:t>
             </a:fld>
             <a:endParaRPr lang="ko-KR" altLang="en-US"/>
           </a:p>
@@ -1489,7 +1492,7 @@
           <a:p>
             <a:fld id="{FB30EDBD-1C2D-4C1E-B459-B60219FAB484}" type="datetimeFigureOut">
               <a:rPr lang="ko-KR" altLang="en-US" smtClean="0"/>
-              <a:t>2020-11-01</a:t>
+              <a:t>2020-11-06</a:t>
             </a:fld>
             <a:endParaRPr lang="ko-KR" altLang="en-US"/>
           </a:p>
@@ -1903,7 +1906,7 @@
           <a:p>
             <a:fld id="{FB30EDBD-1C2D-4C1E-B459-B60219FAB484}" type="datetimeFigureOut">
               <a:rPr lang="ko-KR" altLang="en-US" smtClean="0"/>
-              <a:t>2020-11-01</a:t>
+              <a:t>2020-11-06</a:t>
             </a:fld>
             <a:endParaRPr lang="ko-KR" altLang="en-US"/>
           </a:p>
@@ -2015,7 +2018,7 @@
           <a:p>
             <a:fld id="{FB30EDBD-1C2D-4C1E-B459-B60219FAB484}" type="datetimeFigureOut">
               <a:rPr lang="ko-KR" altLang="en-US" smtClean="0"/>
-              <a:t>2020-11-01</a:t>
+              <a:t>2020-11-06</a:t>
             </a:fld>
             <a:endParaRPr lang="ko-KR" altLang="en-US"/>
           </a:p>
@@ -2105,7 +2108,7 @@
           <a:p>
             <a:fld id="{FB30EDBD-1C2D-4C1E-B459-B60219FAB484}" type="datetimeFigureOut">
               <a:rPr lang="ko-KR" altLang="en-US" smtClean="0"/>
-              <a:t>2020-11-01</a:t>
+              <a:t>2020-11-06</a:t>
             </a:fld>
             <a:endParaRPr lang="ko-KR" altLang="en-US"/>
           </a:p>
@@ -2375,7 +2378,7 @@
           <a:p>
             <a:fld id="{FB30EDBD-1C2D-4C1E-B459-B60219FAB484}" type="datetimeFigureOut">
               <a:rPr lang="ko-KR" altLang="en-US" smtClean="0"/>
-              <a:t>2020-11-01</a:t>
+              <a:t>2020-11-06</a:t>
             </a:fld>
             <a:endParaRPr lang="ko-KR" altLang="en-US"/>
           </a:p>
@@ -2622,7 +2625,7 @@
           <a:p>
             <a:fld id="{FB30EDBD-1C2D-4C1E-B459-B60219FAB484}" type="datetimeFigureOut">
               <a:rPr lang="ko-KR" altLang="en-US" smtClean="0"/>
-              <a:t>2020-11-01</a:t>
+              <a:t>2020-11-06</a:t>
             </a:fld>
             <a:endParaRPr lang="ko-KR" altLang="en-US"/>
           </a:p>
@@ -2828,7 +2831,7 @@
           <a:p>
             <a:fld id="{FB30EDBD-1C2D-4C1E-B459-B60219FAB484}" type="datetimeFigureOut">
               <a:rPr lang="ko-KR" altLang="en-US" smtClean="0"/>
-              <a:t>2020-11-01</a:t>
+              <a:t>2020-11-06</a:t>
             </a:fld>
             <a:endParaRPr lang="ko-KR" altLang="en-US"/>
           </a:p>
@@ -3219,12 +3222,12 @@
         <p:spPr/>
         <p:txBody>
           <a:bodyPr>
-            <a:normAutofit fontScale="90000"/>
+            <a:noAutofit/>
           </a:bodyPr>
           <a:lstStyle/>
           <a:p>
             <a:r>
-              <a:rPr lang="en-US" altLang="ko-KR" sz="3924" dirty="0">
+              <a:rPr lang="en-US" altLang="ko-KR" sz="2400" dirty="0">
                 <a:solidFill>
                   <a:schemeClr val="bg1"/>
                 </a:solidFill>
@@ -3234,7 +3237,7 @@
               <a:t>Python Language basic course</a:t>
             </a:r>
             <a:br>
-              <a:rPr lang="en-US" altLang="ko-KR" sz="3924" dirty="0">
+              <a:rPr lang="en-US" altLang="ko-KR" sz="2400" dirty="0">
                 <a:solidFill>
                   <a:schemeClr val="accent5"/>
                 </a:solidFill>
@@ -3243,7 +3246,7 @@
               </a:rPr>
             </a:br>
             <a:br>
-              <a:rPr lang="en-US" altLang="ko-KR" dirty="0">
+              <a:rPr lang="en-US" altLang="ko-KR" sz="4400" dirty="0">
                 <a:solidFill>
                   <a:schemeClr val="bg1"/>
                 </a:solidFill>
@@ -3252,57 +3255,86 @@
               </a:rPr>
             </a:br>
             <a:r>
-              <a:rPr lang="en-US" altLang="ko-KR" dirty="0">
+              <a:rPr lang="en-US" altLang="ko-KR" sz="4400" dirty="0">
                 <a:solidFill>
                   <a:schemeClr val="bg1"/>
                 </a:solidFill>
                 <a:latin typeface="배달의민족 주아" pitchFamily="18" charset="-127"/>
                 <a:ea typeface="배달의민족 주아" pitchFamily="18" charset="-127"/>
               </a:rPr>
-              <a:t>     </a:t>
-            </a:r>
-            <a:r>
-              <a:rPr lang="ko-KR" altLang="en-US" dirty="0" err="1">
+              <a:t>"</a:t>
+            </a:r>
+            <a:r>
+              <a:rPr lang="ko-KR" altLang="en-US" sz="4400" dirty="0">
                 <a:solidFill>
                   <a:schemeClr val="bg1"/>
                 </a:solidFill>
                 <a:latin typeface="배달의민족 주아" pitchFamily="18" charset="-127"/>
                 <a:ea typeface="배달의민족 주아" pitchFamily="18" charset="-127"/>
               </a:rPr>
-              <a:t>스타트코딩</a:t>
-            </a:r>
-            <a:r>
-              <a:rPr lang="ko-KR" altLang="en-US" dirty="0">
+              <a:t>핵심만 쏘</a:t>
+            </a:r>
+            <a:r>
+              <a:rPr lang="en-US" altLang="ko-KR" sz="4400" dirty="0">
                 <a:solidFill>
                   <a:schemeClr val="bg1"/>
                 </a:solidFill>
                 <a:latin typeface="배달의민족 주아" pitchFamily="18" charset="-127"/>
                 <a:ea typeface="배달의민족 주아" pitchFamily="18" charset="-127"/>
               </a:rPr>
+              <a:t>~</a:t>
+            </a:r>
+            <a:r>
+              <a:rPr lang="ko-KR" altLang="en-US" sz="4400" dirty="0">
+                <a:solidFill>
+                  <a:schemeClr val="bg1"/>
+                </a:solidFill>
+                <a:latin typeface="배달의민족 주아" pitchFamily="18" charset="-127"/>
+                <a:ea typeface="배달의민족 주아" pitchFamily="18" charset="-127"/>
+              </a:rPr>
+              <a:t>옥</a:t>
+            </a:r>
+            <a:r>
+              <a:rPr lang="en-US" altLang="ko-KR" sz="4400" dirty="0">
+                <a:solidFill>
+                  <a:schemeClr val="bg1"/>
+                </a:solidFill>
+                <a:latin typeface="배달의민족 주아" pitchFamily="18" charset="-127"/>
+                <a:ea typeface="배달의민족 주아" pitchFamily="18" charset="-127"/>
+              </a:rPr>
+              <a:t>"</a:t>
+            </a:r>
+            <a:r>
+              <a:rPr lang="ko-KR" altLang="en-US" sz="4400" dirty="0">
+                <a:solidFill>
+                  <a:schemeClr val="bg1"/>
+                </a:solidFill>
+                <a:latin typeface="배달의민족 주아" pitchFamily="18" charset="-127"/>
+                <a:ea typeface="배달의민족 주아" pitchFamily="18" charset="-127"/>
+              </a:rPr>
               <a:t> </a:t>
             </a:r>
-            <a:r>
-              <a:rPr lang="ko-KR" altLang="en-US" dirty="0" err="1">
+            <a:br>
+              <a:rPr lang="en-US" altLang="ko-KR" sz="4400" dirty="0">
                 <a:solidFill>
                   <a:schemeClr val="bg1"/>
                 </a:solidFill>
                 <a:latin typeface="배달의민족 주아" pitchFamily="18" charset="-127"/>
                 <a:ea typeface="배달의민족 주아" pitchFamily="18" charset="-127"/>
               </a:rPr>
-              <a:t>파이썬</a:t>
-            </a:r>
-            <a:r>
-              <a:rPr lang="ko-KR" altLang="en-US" dirty="0">
+            </a:br>
+            <a:r>
+              <a:rPr lang="ko-KR" altLang="en-US" sz="4400" dirty="0">
                 <a:solidFill>
                   <a:schemeClr val="bg1"/>
                 </a:solidFill>
                 <a:latin typeface="배달의민족 주아" pitchFamily="18" charset="-127"/>
                 <a:ea typeface="배달의민족 주아" pitchFamily="18" charset="-127"/>
               </a:rPr>
-              <a:t> 입문 </a:t>
-            </a:r>
-            <a:r>
-              <a:rPr lang="en-US" altLang="ko-KR" dirty="0">
+              <a:t>파이썬 입문 </a:t>
+            </a:r>
+            <a:r>
+              <a:rPr lang="en-US" altLang="ko-KR" sz="4400" dirty="0">
                 <a:solidFill>
                   <a:schemeClr val="bg1"/>
                 </a:solidFill>
@@ -3312,7 +3344,7 @@
               <a:t>1</a:t>
             </a:r>
             <a:r>
-              <a:rPr lang="ko-KR" altLang="en-US" dirty="0">
+              <a:rPr lang="ko-KR" altLang="en-US" sz="4400" dirty="0">
                 <a:solidFill>
                   <a:schemeClr val="bg1"/>
                 </a:solidFill>
@@ -3322,7 +3354,7 @@
               <a:t>강</a:t>
             </a:r>
             <a:br>
-              <a:rPr lang="en-US" altLang="ko-KR" dirty="0">
+              <a:rPr lang="en-US" altLang="ko-KR" sz="4400" dirty="0">
                 <a:solidFill>
                   <a:schemeClr val="bg1"/>
                 </a:solidFill>
@@ -3331,7 +3363,7 @@
               </a:rPr>
             </a:br>
             <a:r>
-              <a:rPr lang="ko-KR" altLang="en-US" dirty="0">
+              <a:rPr lang="ko-KR" altLang="en-US" sz="4400" dirty="0">
                 <a:solidFill>
                   <a:srgbClr val="FDE035"/>
                 </a:solidFill>
@@ -3366,8 +3398,8 @@
         </p:blipFill>
         <p:spPr bwMode="auto">
           <a:xfrm>
-            <a:off x="517321" y="2219274"/>
-            <a:ext cx="1209737" cy="1209737"/>
+            <a:off x="2432720" y="2447823"/>
+            <a:ext cx="835279" cy="835279"/>
           </a:xfrm>
           <a:prstGeom prst="rect">
             <a:avLst/>
@@ -3398,8 +3430,8 @@
         </p:nvSpPr>
         <p:spPr>
           <a:xfrm>
-            <a:off x="1166559" y="7289911"/>
-            <a:ext cx="7534435" cy="437043"/>
+            <a:off x="2232543" y="6093296"/>
+            <a:ext cx="5440913" cy="338554"/>
           </a:xfrm>
           <a:prstGeom prst="rect">
             <a:avLst/>
@@ -3413,7 +3445,7 @@
           <a:lstStyle/>
           <a:p>
             <a:r>
-              <a:rPr lang="en-US" altLang="ko-KR" sz="2240" dirty="0">
+              <a:rPr lang="en-US" altLang="ko-KR" sz="1600" dirty="0">
                 <a:solidFill>
                   <a:schemeClr val="bg1"/>
                 </a:solidFill>
@@ -3423,7 +3455,7 @@
               <a:t>Copyright 2020. </a:t>
             </a:r>
             <a:r>
-              <a:rPr lang="en-US" altLang="ko-KR" sz="2240" dirty="0">
+              <a:rPr lang="en-US" altLang="ko-KR" sz="1600" dirty="0">
                 <a:solidFill>
                   <a:srgbClr val="FDE035"/>
                 </a:solidFill>
@@ -3433,7 +3465,7 @@
               <a:t>S</a:t>
             </a:r>
             <a:r>
-              <a:rPr lang="en-US" altLang="ko-KR" sz="2240" dirty="0">
+              <a:rPr lang="en-US" altLang="ko-KR" sz="1600" dirty="0">
                 <a:solidFill>
                   <a:schemeClr val="bg1"/>
                 </a:solidFill>
@@ -3443,7 +3475,7 @@
               <a:t>TART</a:t>
             </a:r>
             <a:r>
-              <a:rPr lang="en-US" altLang="ko-KR" sz="2240" dirty="0">
+              <a:rPr lang="en-US" altLang="ko-KR" sz="1600" dirty="0">
                 <a:solidFill>
                   <a:srgbClr val="FDE035"/>
                 </a:solidFill>
@@ -3453,7 +3485,7 @@
               <a:t>C</a:t>
             </a:r>
             <a:r>
-              <a:rPr lang="en-US" altLang="ko-KR" sz="2240" dirty="0">
+              <a:rPr lang="en-US" altLang="ko-KR" sz="1600" dirty="0">
                 <a:solidFill>
                   <a:schemeClr val="bg1"/>
                 </a:solidFill>
@@ -3462,7 +3494,7 @@
               </a:rPr>
               <a:t>ODING All rights Reserved</a:t>
             </a:r>
-            <a:endParaRPr lang="ko-KR" altLang="en-US" sz="2240" dirty="0">
+            <a:endParaRPr lang="ko-KR" altLang="en-US" sz="1600" dirty="0">
               <a:solidFill>
                 <a:schemeClr val="bg1"/>
               </a:solidFill>
@@ -3519,145 +3551,25 @@
           </a:xfrm>
         </p:spPr>
         <p:txBody>
-          <a:bodyPr/>
-          <a:lstStyle/>
-          <a:p>
-            <a:r>
-              <a:rPr lang="ko-KR" altLang="en-US" dirty="0" err="1">
-                <a:latin typeface="배달의민족 주아" pitchFamily="18" charset="-127"/>
-                <a:ea typeface="배달의민족 주아" pitchFamily="18" charset="-127"/>
-              </a:rPr>
-              <a:t>파이썬</a:t>
-            </a:r>
-            <a:r>
-              <a:rPr lang="ko-KR" altLang="en-US" dirty="0">
-                <a:latin typeface="배달의민족 주아" pitchFamily="18" charset="-127"/>
-                <a:ea typeface="배달의민족 주아" pitchFamily="18" charset="-127"/>
-              </a:rPr>
-              <a:t> 특징</a:t>
-            </a:r>
-          </a:p>
-        </p:txBody>
-      </p:sp>
-      <p:sp>
-        <p:nvSpPr>
-          <p:cNvPr id="3" name="TextBox 2"/>
-          <p:cNvSpPr txBox="1"/>
-          <p:nvPr/>
-        </p:nvSpPr>
-        <p:spPr>
-          <a:xfrm>
-            <a:off x="7775725" y="7259829"/>
-            <a:ext cx="2497800" cy="480131"/>
-          </a:xfrm>
-          <a:prstGeom prst="rect">
-            <a:avLst/>
-          </a:prstGeom>
-          <a:noFill/>
-        </p:spPr>
-        <p:txBody>
-          <a:bodyPr wrap="none" rtlCol="0">
-            <a:spAutoFit/>
+          <a:bodyPr>
+            <a:normAutofit/>
           </a:bodyPr>
           <a:lstStyle/>
           <a:p>
             <a:r>
-              <a:rPr lang="en-US" altLang="ko-KR" sz="2520" dirty="0">
-                <a:solidFill>
-                  <a:schemeClr val="accent5"/>
-                </a:solidFill>
-                <a:latin typeface="배달의민족 도현" pitchFamily="50" charset="-127"/>
-                <a:ea typeface="배달의민족 도현" pitchFamily="50" charset="-127"/>
-              </a:rPr>
-              <a:t>S</a:t>
-            </a:r>
-            <a:r>
-              <a:rPr lang="en-US" altLang="ko-KR" sz="2520" dirty="0">
-                <a:latin typeface="배달의민족 도현" pitchFamily="50" charset="-127"/>
-                <a:ea typeface="배달의민족 도현" pitchFamily="50" charset="-127"/>
-              </a:rPr>
-              <a:t>TART</a:t>
-            </a:r>
-            <a:r>
-              <a:rPr lang="en-US" altLang="ko-KR" sz="2520" dirty="0">
-                <a:solidFill>
-                  <a:schemeClr val="accent5"/>
-                </a:solidFill>
-                <a:latin typeface="배달의민족 도현" pitchFamily="50" charset="-127"/>
-                <a:ea typeface="배달의민족 도현" pitchFamily="50" charset="-127"/>
-              </a:rPr>
-              <a:t>C</a:t>
-            </a:r>
-            <a:r>
-              <a:rPr lang="en-US" altLang="ko-KR" sz="2520" dirty="0">
-                <a:latin typeface="배달의민족 도현" pitchFamily="50" charset="-127"/>
-                <a:ea typeface="배달의민족 도현" pitchFamily="50" charset="-127"/>
-              </a:rPr>
-              <a:t>ODING</a:t>
-            </a:r>
-            <a:endParaRPr lang="ko-KR" altLang="en-US" sz="2520" dirty="0">
-              <a:latin typeface="배달의민족 도현" pitchFamily="50" charset="-127"/>
-              <a:ea typeface="배달의민족 도현" pitchFamily="50" charset="-127"/>
-            </a:endParaRPr>
-          </a:p>
-        </p:txBody>
-      </p:sp>
-      <p:sp>
-        <p:nvSpPr>
-          <p:cNvPr id="6" name="직사각형 5"/>
-          <p:cNvSpPr/>
-          <p:nvPr/>
-        </p:nvSpPr>
-        <p:spPr>
-          <a:xfrm>
-            <a:off x="-1297294" y="-1208307"/>
-            <a:ext cx="3629203" cy="867930"/>
-          </a:xfrm>
-          <a:prstGeom prst="rect">
-            <a:avLst/>
-          </a:prstGeom>
-        </p:spPr>
-        <p:txBody>
-          <a:bodyPr wrap="square">
-            <a:spAutoFit/>
-          </a:bodyPr>
-          <a:lstStyle/>
-          <a:p>
-            <a:r>
-              <a:rPr lang="en-US" altLang="ko-KR" sz="2520" dirty="0">
-                <a:latin typeface="배달의민족 주아" pitchFamily="18" charset="-127"/>
-                <a:ea typeface="배달의민족 주아" pitchFamily="18" charset="-127"/>
-              </a:rPr>
-              <a:t>2. </a:t>
-            </a:r>
-            <a:r>
-              <a:rPr lang="ko-KR" altLang="en-US" sz="2520" dirty="0" err="1">
-                <a:latin typeface="배달의민족 주아" pitchFamily="18" charset="-127"/>
-                <a:ea typeface="배달의민족 주아" pitchFamily="18" charset="-127"/>
-              </a:rPr>
-              <a:t>파이썬이란</a:t>
-            </a:r>
-            <a:r>
-              <a:rPr lang="ko-KR" altLang="en-US" sz="2520" dirty="0">
-                <a:latin typeface="배달의민족 주아" pitchFamily="18" charset="-127"/>
-                <a:ea typeface="배달의민족 주아" pitchFamily="18" charset="-127"/>
-              </a:rPr>
-              <a:t> 무엇인가</a:t>
-            </a:r>
-            <a:r>
-              <a:rPr lang="en-US" altLang="ko-KR" sz="2520" dirty="0">
-                <a:latin typeface="배달의민족 주아" pitchFamily="18" charset="-127"/>
-                <a:ea typeface="배달의민족 주아" pitchFamily="18" charset="-127"/>
-              </a:rPr>
-              <a:t>?</a:t>
-            </a:r>
-            <a:br>
-              <a:rPr lang="en-US" altLang="ko-KR" sz="2520" dirty="0">
-                <a:latin typeface="배달의민족 주아" pitchFamily="18" charset="-127"/>
-                <a:ea typeface="배달의민족 주아" pitchFamily="18" charset="-127"/>
-              </a:rPr>
-            </a:br>
-            <a:endParaRPr lang="ko-KR" altLang="en-US" sz="2520" dirty="0"/>
+              <a:rPr lang="ko-KR" altLang="en-US" sz="4400" dirty="0" err="1">
+                <a:latin typeface="배달의민족 주아" pitchFamily="18" charset="-127"/>
+                <a:ea typeface="배달의민족 주아" pitchFamily="18" charset="-127"/>
+              </a:rPr>
+              <a:t>파이썬</a:t>
+            </a:r>
+            <a:r>
+              <a:rPr lang="ko-KR" altLang="en-US" sz="4400" dirty="0">
+                <a:latin typeface="배달의민족 주아" pitchFamily="18" charset="-127"/>
+                <a:ea typeface="배달의민족 주아" pitchFamily="18" charset="-127"/>
+              </a:rPr>
+              <a:t> 특징</a:t>
+            </a:r>
           </a:p>
         </p:txBody>
       </p:sp>
@@ -3671,8 +3583,8 @@
         </p:nvSpPr>
         <p:spPr>
           <a:xfrm>
-            <a:off x="725195" y="3084765"/>
-            <a:ext cx="10881361" cy="2058036"/>
+            <a:off x="2144688" y="2765145"/>
+            <a:ext cx="9052341" cy="2058036"/>
           </a:xfrm>
           <a:prstGeom prst="rect">
             <a:avLst/>
@@ -3680,7 +3592,7 @@
         </p:spPr>
         <p:txBody>
           <a:bodyPr vert="horz" lIns="128017" tIns="64008" rIns="128017" bIns="64008" rtlCol="0" anchor="ctr">
-            <a:normAutofit fontScale="77500" lnSpcReduction="20000"/>
+            <a:noAutofit/>
           </a:bodyPr>
           <a:lstStyle>
             <a:lvl1pPr algn="ctr" defTabSz="914400" rtl="0" eaLnBrk="1" latinLnBrk="1" hangingPunct="1">
@@ -3701,20 +3613,20 @@
           <a:p>
             <a:pPr algn="l"/>
             <a:r>
-              <a:rPr lang="en-US" altLang="ko-KR" sz="6161" dirty="0">
+              <a:rPr lang="en-US" altLang="ko-KR" sz="3200" dirty="0">
                 <a:latin typeface="배달의민족 주아" pitchFamily="18" charset="-127"/>
                 <a:ea typeface="배달의민족 주아" pitchFamily="18" charset="-127"/>
               </a:rPr>
               <a:t>1. </a:t>
             </a:r>
             <a:r>
-              <a:rPr lang="ko-KR" altLang="en-US" sz="6161" dirty="0">
+              <a:rPr lang="ko-KR" altLang="en-US" sz="3200" dirty="0">
                 <a:latin typeface="배달의민족 주아" pitchFamily="18" charset="-127"/>
                 <a:ea typeface="배달의민족 주아" pitchFamily="18" charset="-127"/>
               </a:rPr>
               <a:t>초보자가 배우기 쉽다</a:t>
             </a:r>
-            <a:endParaRPr lang="en-US" altLang="ko-KR" sz="6161" dirty="0">
+            <a:endParaRPr lang="en-US" altLang="ko-KR" sz="3200" dirty="0">
               <a:latin typeface="배달의민족 주아" pitchFamily="18" charset="-127"/>
               <a:ea typeface="배달의민족 주아" pitchFamily="18" charset="-127"/>
             </a:endParaRPr>
@@ -3722,35 +3634,35 @@
           <a:p>
             <a:pPr algn="l"/>
             <a:r>
-              <a:rPr lang="en-US" altLang="ko-KR" sz="6161" dirty="0">
+              <a:rPr lang="en-US" altLang="ko-KR" sz="3200" dirty="0">
                 <a:latin typeface="배달의민족 주아" pitchFamily="18" charset="-127"/>
                 <a:ea typeface="배달의민족 주아" pitchFamily="18" charset="-127"/>
               </a:rPr>
               <a:t>2. </a:t>
             </a:r>
             <a:r>
-              <a:rPr lang="ko-KR" altLang="en-US" sz="6161" dirty="0">
+              <a:rPr lang="ko-KR" altLang="en-US" sz="3200" dirty="0">
                 <a:latin typeface="배달의민족 주아" pitchFamily="18" charset="-127"/>
                 <a:ea typeface="배달의민족 주아" pitchFamily="18" charset="-127"/>
               </a:rPr>
               <a:t>인기가 많다 </a:t>
             </a:r>
             <a:r>
-              <a:rPr lang="en-US" altLang="ko-KR" sz="6161" dirty="0">
+              <a:rPr lang="en-US" altLang="ko-KR" sz="3200" dirty="0">
                 <a:latin typeface="배달의민족 주아" pitchFamily="18" charset="-127"/>
                 <a:ea typeface="배달의민족 주아" pitchFamily="18" charset="-127"/>
               </a:rPr>
               <a:t>(</a:t>
             </a:r>
             <a:r>
-              <a:rPr lang="ko-KR" altLang="en-US" sz="6161" dirty="0">
+              <a:rPr lang="ko-KR" altLang="en-US" sz="3200" dirty="0">
                 <a:latin typeface="배달의민족 주아" pitchFamily="18" charset="-127"/>
                 <a:ea typeface="배달의민족 주아" pitchFamily="18" charset="-127"/>
               </a:rPr>
               <a:t>참고할 자료가 많다</a:t>
             </a:r>
             <a:r>
-              <a:rPr lang="en-US" altLang="ko-KR" sz="6161" dirty="0">
+              <a:rPr lang="en-US" altLang="ko-KR" sz="3200" dirty="0">
                 <a:latin typeface="배달의민족 주아" pitchFamily="18" charset="-127"/>
                 <a:ea typeface="배달의민족 주아" pitchFamily="18" charset="-127"/>
               </a:rPr>
@@ -3760,19 +3672,153 @@
           <a:p>
             <a:pPr algn="l"/>
             <a:r>
-              <a:rPr lang="en-US" altLang="ko-KR" sz="6161" dirty="0">
+              <a:rPr lang="en-US" altLang="ko-KR" sz="3200" dirty="0">
                 <a:latin typeface="배달의민족 주아" pitchFamily="18" charset="-127"/>
                 <a:ea typeface="배달의민족 주아" pitchFamily="18" charset="-127"/>
               </a:rPr>
               <a:t>3. </a:t>
             </a:r>
             <a:r>
-              <a:rPr lang="ko-KR" altLang="en-US" sz="6161" dirty="0">
+              <a:rPr lang="ko-KR" altLang="en-US" sz="3200" dirty="0">
                 <a:latin typeface="배달의민족 주아" pitchFamily="18" charset="-127"/>
                 <a:ea typeface="배달의민족 주아" pitchFamily="18" charset="-127"/>
               </a:rPr>
               <a:t>다양한 분야에 활용 될 수 있다</a:t>
             </a:r>
+          </a:p>
+        </p:txBody>
+      </p:sp>
+      <p:sp>
+        <p:nvSpPr>
+          <p:cNvPr id="7" name="직사각형 6">
+            <a:extLst>
+              <a:ext uri="{FF2B5EF4-FFF2-40B4-BE49-F238E27FC236}">
+                <a16:creationId xmlns:a16="http://schemas.microsoft.com/office/drawing/2014/main" id="{486FC57D-39AF-4DD0-A9CC-2D0B5935BB8A}"/>
+              </a:ext>
+            </a:extLst>
+          </p:cNvPr>
+          <p:cNvSpPr/>
+          <p:nvPr/>
+        </p:nvSpPr>
+        <p:spPr>
+          <a:xfrm>
+            <a:off x="0" y="0"/>
+            <a:ext cx="3629203" cy="707886"/>
+          </a:xfrm>
+          <a:prstGeom prst="rect">
+            <a:avLst/>
+          </a:prstGeom>
+        </p:spPr>
+        <p:txBody>
+          <a:bodyPr wrap="square">
+            <a:spAutoFit/>
+          </a:bodyPr>
+          <a:lstStyle/>
+          <a:p>
+            <a:r>
+              <a:rPr lang="en-US" altLang="ko-KR" sz="2000" dirty="0">
+                <a:latin typeface="배달의민족 주아" pitchFamily="18" charset="-127"/>
+                <a:ea typeface="배달의민족 주아" pitchFamily="18" charset="-127"/>
+              </a:rPr>
+              <a:t>2. </a:t>
+            </a:r>
+            <a:r>
+              <a:rPr lang="ko-KR" altLang="en-US" sz="2000" dirty="0" err="1">
+                <a:latin typeface="배달의민족 주아" pitchFamily="18" charset="-127"/>
+                <a:ea typeface="배달의민족 주아" pitchFamily="18" charset="-127"/>
+              </a:rPr>
+              <a:t>파이썬이란</a:t>
+            </a:r>
+            <a:r>
+              <a:rPr lang="ko-KR" altLang="en-US" sz="2000" dirty="0">
+                <a:latin typeface="배달의민족 주아" pitchFamily="18" charset="-127"/>
+                <a:ea typeface="배달의민족 주아" pitchFamily="18" charset="-127"/>
+              </a:rPr>
+              <a:t> 무엇인가</a:t>
+            </a:r>
+            <a:r>
+              <a:rPr lang="en-US" altLang="ko-KR" sz="2000" dirty="0">
+                <a:latin typeface="배달의민족 주아" pitchFamily="18" charset="-127"/>
+                <a:ea typeface="배달의민족 주아" pitchFamily="18" charset="-127"/>
+              </a:rPr>
+              <a:t>?</a:t>
+            </a:r>
+            <a:br>
+              <a:rPr lang="en-US" altLang="ko-KR" sz="2000" dirty="0">
+                <a:latin typeface="배달의민족 주아" pitchFamily="18" charset="-127"/>
+                <a:ea typeface="배달의민족 주아" pitchFamily="18" charset="-127"/>
+              </a:rPr>
+            </a:br>
+            <a:endParaRPr lang="ko-KR" altLang="en-US" sz="2000" dirty="0"/>
+          </a:p>
+        </p:txBody>
+      </p:sp>
+      <p:sp>
+        <p:nvSpPr>
+          <p:cNvPr id="8" name="TextBox 7">
+            <a:extLst>
+              <a:ext uri="{FF2B5EF4-FFF2-40B4-BE49-F238E27FC236}">
+                <a16:creationId xmlns:a16="http://schemas.microsoft.com/office/drawing/2014/main" id="{FDE01939-A67F-4700-8420-15FE06F2DF79}"/>
+              </a:ext>
+            </a:extLst>
+          </p:cNvPr>
+          <p:cNvSpPr txBox="1"/>
+          <p:nvPr/>
+        </p:nvSpPr>
+        <p:spPr>
+          <a:xfrm>
+            <a:off x="8081913" y="6488668"/>
+            <a:ext cx="1838965" cy="369332"/>
+          </a:xfrm>
+          <a:prstGeom prst="rect">
+            <a:avLst/>
+          </a:prstGeom>
+          <a:noFill/>
+        </p:spPr>
+        <p:txBody>
+          <a:bodyPr wrap="none" rtlCol="0">
+            <a:spAutoFit/>
+          </a:bodyPr>
+          <a:lstStyle/>
+          <a:p>
+            <a:r>
+              <a:rPr lang="en-US" altLang="ko-KR" sz="1800" dirty="0">
+                <a:solidFill>
+                  <a:schemeClr val="accent5"/>
+                </a:solidFill>
+                <a:latin typeface="배달의민족 도현" pitchFamily="50" charset="-127"/>
+                <a:ea typeface="배달의민족 도현" pitchFamily="50" charset="-127"/>
+              </a:rPr>
+              <a:t>S</a:t>
+            </a:r>
+            <a:r>
+              <a:rPr lang="en-US" altLang="ko-KR" sz="1800" dirty="0">
+                <a:latin typeface="배달의민족 도현" pitchFamily="50" charset="-127"/>
+                <a:ea typeface="배달의민족 도현" pitchFamily="50" charset="-127"/>
+              </a:rPr>
+              <a:t>TART</a:t>
+            </a:r>
+            <a:r>
+              <a:rPr lang="en-US" altLang="ko-KR" sz="1800" dirty="0">
+                <a:solidFill>
+                  <a:schemeClr val="accent5"/>
+                </a:solidFill>
+                <a:latin typeface="배달의민족 도현" pitchFamily="50" charset="-127"/>
+                <a:ea typeface="배달의민족 도현" pitchFamily="50" charset="-127"/>
+              </a:rPr>
+              <a:t>C</a:t>
+            </a:r>
+            <a:r>
+              <a:rPr lang="en-US" altLang="ko-KR" sz="1800" dirty="0">
+                <a:latin typeface="배달의민족 도현" pitchFamily="50" charset="-127"/>
+                <a:ea typeface="배달의민족 도현" pitchFamily="50" charset="-127"/>
+              </a:rPr>
+              <a:t>ODING</a:t>
+            </a:r>
+            <a:endParaRPr lang="ko-KR" altLang="en-US" sz="1800" dirty="0">
+              <a:latin typeface="배달의민족 도현" pitchFamily="50" charset="-127"/>
+              <a:ea typeface="배달의민족 도현" pitchFamily="50" charset="-127"/>
+            </a:endParaRPr>
           </a:p>
         </p:txBody>
       </p:sp>
@@ -3904,7 +3950,7 @@
         </p:nvSpPr>
         <p:spPr>
           <a:xfrm>
-            <a:off x="-487662" y="707109"/>
+            <a:off x="552359" y="1052736"/>
             <a:ext cx="10881361" cy="2058036"/>
           </a:xfrm>
         </p:spPr>
@@ -3916,7 +3962,7 @@
           <a:p>
             <a:pPr algn="l"/>
             <a:r>
-              <a:rPr lang="en-US" altLang="ko-KR" sz="4481" dirty="0">
+              <a:rPr lang="en-US" altLang="ko-KR" sz="3200" dirty="0">
                 <a:solidFill>
                   <a:schemeClr val="accent4"/>
                 </a:solidFill>
@@ -3927,7 +3973,7 @@
               <a:t>#include </a:t>
             </a:r>
             <a:r>
-              <a:rPr lang="en-US" altLang="ko-KR" sz="4481" dirty="0">
+              <a:rPr lang="en-US" altLang="ko-KR" sz="3200" dirty="0">
                 <a:latin typeface="Consolas" pitchFamily="49" charset="0"/>
                 <a:ea typeface="배달의민족 주아" pitchFamily="18" charset="-127"/>
                 <a:cs typeface="Consolas" pitchFamily="49" charset="0"/>
@@ -3935,7 +3981,7 @@
               <a:t>&lt;</a:t>
             </a:r>
             <a:r>
-              <a:rPr lang="en-US" altLang="ko-KR" sz="4481" dirty="0" err="1">
+              <a:rPr lang="en-US" altLang="ko-KR" sz="3200" dirty="0" err="1">
                 <a:latin typeface="Consolas" pitchFamily="49" charset="0"/>
                 <a:ea typeface="배달의민족 주아" pitchFamily="18" charset="-127"/>
                 <a:cs typeface="Consolas" pitchFamily="49" charset="0"/>
@@ -3943,7 +3989,7 @@
               <a:t>stdio.h</a:t>
             </a:r>
             <a:r>
-              <a:rPr lang="en-US" altLang="ko-KR" sz="4481" dirty="0">
+              <a:rPr lang="en-US" altLang="ko-KR" sz="3200" dirty="0">
                 <a:latin typeface="Consolas" pitchFamily="49" charset="0"/>
                 <a:ea typeface="배달의민족 주아" pitchFamily="18" charset="-127"/>
                 <a:cs typeface="Consolas" pitchFamily="49" charset="0"/>
@@ -3951,14 +3997,14 @@
               <a:t>&gt;</a:t>
             </a:r>
             <a:br>
-              <a:rPr lang="en-US" altLang="ko-KR" sz="4481" dirty="0">
+              <a:rPr lang="en-US" altLang="ko-KR" sz="3200" dirty="0">
                 <a:latin typeface="Consolas" pitchFamily="49" charset="0"/>
                 <a:ea typeface="배달의민족 주아" pitchFamily="18" charset="-127"/>
                 <a:cs typeface="Consolas" pitchFamily="49" charset="0"/>
               </a:rPr>
             </a:br>
             <a:r>
-              <a:rPr lang="en-US" altLang="ko-KR" sz="4481" dirty="0" err="1">
+              <a:rPr lang="en-US" altLang="ko-KR" sz="3200" dirty="0" err="1">
                 <a:latin typeface="Consolas" pitchFamily="49" charset="0"/>
                 <a:ea typeface="배달의민족 주아" pitchFamily="18" charset="-127"/>
                 <a:cs typeface="Consolas" pitchFamily="49" charset="0"/>
@@ -3966,7 +4012,7 @@
               <a:t>int</a:t>
             </a:r>
             <a:r>
-              <a:rPr lang="en-US" altLang="ko-KR" sz="4481" dirty="0">
+              <a:rPr lang="en-US" altLang="ko-KR" sz="3200" dirty="0">
                 <a:latin typeface="Consolas" pitchFamily="49" charset="0"/>
                 <a:ea typeface="배달의민족 주아" pitchFamily="18" charset="-127"/>
                 <a:cs typeface="Consolas" pitchFamily="49" charset="0"/>
@@ -3974,14 +4020,14 @@
               <a:t> main (void){</a:t>
             </a:r>
             <a:br>
-              <a:rPr lang="en-US" altLang="ko-KR" sz="4481" dirty="0">
+              <a:rPr lang="en-US" altLang="ko-KR" sz="3200" dirty="0">
                 <a:latin typeface="Consolas" pitchFamily="49" charset="0"/>
                 <a:ea typeface="배달의민족 주아" pitchFamily="18" charset="-127"/>
                 <a:cs typeface="Consolas" pitchFamily="49" charset="0"/>
               </a:rPr>
             </a:br>
             <a:r>
-              <a:rPr lang="en-US" altLang="ko-KR" sz="4481" dirty="0">
+              <a:rPr lang="en-US" altLang="ko-KR" sz="3200" dirty="0">
                 <a:latin typeface="Consolas" pitchFamily="49" charset="0"/>
                 <a:ea typeface="배달의민족 주아" pitchFamily="18" charset="-127"/>
                 <a:cs typeface="Consolas" pitchFamily="49" charset="0"/>
@@ -3989,7 +4035,7 @@
               <a:t>	</a:t>
             </a:r>
             <a:r>
-              <a:rPr lang="en-US" altLang="ko-KR" sz="4481" dirty="0" err="1">
+              <a:rPr lang="en-US" altLang="ko-KR" sz="3200" dirty="0" err="1">
                 <a:latin typeface="Consolas" pitchFamily="49" charset="0"/>
                 <a:ea typeface="배달의민족 주아" pitchFamily="18" charset="-127"/>
                 <a:cs typeface="Consolas" pitchFamily="49" charset="0"/>
@@ -3997,7 +4043,7 @@
               <a:t>printf</a:t>
             </a:r>
             <a:r>
-              <a:rPr lang="en-US" altLang="ko-KR" sz="4481" dirty="0">
+              <a:rPr lang="en-US" altLang="ko-KR" sz="3200" dirty="0">
                 <a:latin typeface="Consolas" pitchFamily="49" charset="0"/>
                 <a:ea typeface="배달의민족 주아" pitchFamily="18" charset="-127"/>
                 <a:cs typeface="Consolas" pitchFamily="49" charset="0"/>
@@ -4005,7 +4051,7 @@
               <a:t>( </a:t>
             </a:r>
             <a:r>
-              <a:rPr lang="en-US" altLang="ko-KR" sz="4481" dirty="0">
+              <a:rPr lang="en-US" altLang="ko-KR" sz="3200" dirty="0">
                 <a:solidFill>
                   <a:schemeClr val="accent6"/>
                 </a:solidFill>
@@ -4016,7 +4062,7 @@
               <a:t>“hello” </a:t>
             </a:r>
             <a:r>
-              <a:rPr lang="en-US" altLang="ko-KR" sz="4481" dirty="0">
+              <a:rPr lang="en-US" altLang="ko-KR" sz="3200" dirty="0">
                 <a:latin typeface="Consolas" pitchFamily="49" charset="0"/>
                 <a:ea typeface="배달의민족 주아" pitchFamily="18" charset="-127"/>
                 <a:cs typeface="Consolas" pitchFamily="49" charset="0"/>
@@ -4024,14 +4070,14 @@
               <a:t>);</a:t>
             </a:r>
             <a:br>
-              <a:rPr lang="en-US" altLang="ko-KR" sz="4481" dirty="0">
+              <a:rPr lang="en-US" altLang="ko-KR" sz="3200" dirty="0">
                 <a:latin typeface="Consolas" pitchFamily="49" charset="0"/>
                 <a:ea typeface="배달의민족 주아" pitchFamily="18" charset="-127"/>
                 <a:cs typeface="Consolas" pitchFamily="49" charset="0"/>
               </a:rPr>
             </a:br>
             <a:r>
-              <a:rPr lang="en-US" altLang="ko-KR" sz="4481" dirty="0">
+              <a:rPr lang="en-US" altLang="ko-KR" sz="3200" dirty="0">
                 <a:latin typeface="Consolas" pitchFamily="49" charset="0"/>
                 <a:ea typeface="배달의민족 주아" pitchFamily="18" charset="-127"/>
                 <a:cs typeface="Consolas" pitchFamily="49" charset="0"/>
@@ -4039,147 +4085,25 @@
               <a:t>	return 0;</a:t>
             </a:r>
             <a:br>
-              <a:rPr lang="en-US" altLang="ko-KR" sz="4481" dirty="0">
+              <a:rPr lang="en-US" altLang="ko-KR" sz="3200" dirty="0">
                 <a:latin typeface="Consolas" pitchFamily="49" charset="0"/>
                 <a:ea typeface="배달의민족 주아" pitchFamily="18" charset="-127"/>
                 <a:cs typeface="Consolas" pitchFamily="49" charset="0"/>
               </a:rPr>
             </a:br>
             <a:r>
-              <a:rPr lang="en-US" altLang="ko-KR" sz="4481" dirty="0">
+              <a:rPr lang="en-US" altLang="ko-KR" sz="3200" dirty="0">
                 <a:latin typeface="Consolas" pitchFamily="49" charset="0"/>
                 <a:ea typeface="배달의민족 주아" pitchFamily="18" charset="-127"/>
                 <a:cs typeface="Consolas" pitchFamily="49" charset="0"/>
               </a:rPr>
               <a:t>}</a:t>
             </a:r>
-            <a:endParaRPr lang="ko-KR" altLang="en-US" sz="4481" dirty="0">
+            <a:endParaRPr lang="ko-KR" altLang="en-US" sz="3200" dirty="0">
               <a:latin typeface="Consolas" pitchFamily="49" charset="0"/>
               <a:ea typeface="배달의민족 주아" pitchFamily="18" charset="-127"/>
               <a:cs typeface="Consolas" pitchFamily="49" charset="0"/>
             </a:endParaRPr>
-          </a:p>
-        </p:txBody>
-      </p:sp>
-      <p:sp>
-        <p:nvSpPr>
-          <p:cNvPr id="3" name="TextBox 2"/>
-          <p:cNvSpPr txBox="1"/>
-          <p:nvPr/>
-        </p:nvSpPr>
-        <p:spPr>
-          <a:xfrm>
-            <a:off x="7775725" y="7259829"/>
-            <a:ext cx="2497800" cy="480131"/>
-          </a:xfrm>
-          <a:prstGeom prst="rect">
-            <a:avLst/>
-          </a:prstGeom>
-          <a:noFill/>
-        </p:spPr>
-        <p:txBody>
-          <a:bodyPr wrap="none" rtlCol="0">
-            <a:spAutoFit/>
-          </a:bodyPr>
-          <a:lstStyle/>
-          <a:p>
-            <a:r>
-              <a:rPr lang="en-US" altLang="ko-KR" sz="2520" dirty="0">
-                <a:solidFill>
-                  <a:schemeClr val="accent5"/>
-                </a:solidFill>
-                <a:latin typeface="배달의민족 도현" pitchFamily="50" charset="-127"/>
-                <a:ea typeface="배달의민족 도현" pitchFamily="50" charset="-127"/>
-              </a:rPr>
-              <a:t>S</a:t>
-            </a:r>
-            <a:r>
-              <a:rPr lang="en-US" altLang="ko-KR" sz="2520" dirty="0">
-                <a:latin typeface="배달의민족 도현" pitchFamily="50" charset="-127"/>
-                <a:ea typeface="배달의민족 도현" pitchFamily="50" charset="-127"/>
-              </a:rPr>
-              <a:t>TART</a:t>
-            </a:r>
-            <a:r>
-              <a:rPr lang="en-US" altLang="ko-KR" sz="2520" dirty="0">
-                <a:solidFill>
-                  <a:schemeClr val="accent5"/>
-                </a:solidFill>
-                <a:latin typeface="배달의민족 도현" pitchFamily="50" charset="-127"/>
-                <a:ea typeface="배달의민족 도현" pitchFamily="50" charset="-127"/>
-              </a:rPr>
-              <a:t>C</a:t>
-            </a:r>
-            <a:r>
-              <a:rPr lang="en-US" altLang="ko-KR" sz="2520" dirty="0">
-                <a:latin typeface="배달의민족 도현" pitchFamily="50" charset="-127"/>
-                <a:ea typeface="배달의민족 도현" pitchFamily="50" charset="-127"/>
-              </a:rPr>
-              <a:t>ODING</a:t>
-            </a:r>
-            <a:endParaRPr lang="ko-KR" altLang="en-US" sz="2520" dirty="0">
-              <a:latin typeface="배달의민족 도현" pitchFamily="50" charset="-127"/>
-              <a:ea typeface="배달의민족 도현" pitchFamily="50" charset="-127"/>
-            </a:endParaRPr>
-          </a:p>
-        </p:txBody>
-      </p:sp>
-      <p:sp>
-        <p:nvSpPr>
-          <p:cNvPr id="6" name="직사각형 5"/>
-          <p:cNvSpPr/>
-          <p:nvPr/>
-        </p:nvSpPr>
-        <p:spPr>
-          <a:xfrm>
-            <a:off x="-1297294" y="-1208307"/>
-            <a:ext cx="3629203" cy="867930"/>
-          </a:xfrm>
-          <a:prstGeom prst="rect">
-            <a:avLst/>
-          </a:prstGeom>
-        </p:spPr>
-        <p:txBody>
-          <a:bodyPr wrap="square">
-            <a:spAutoFit/>
-          </a:bodyPr>
-          <a:lstStyle/>
-          <a:p>
-            <a:r>
-              <a:rPr lang="en-US" altLang="ko-KR" sz="2520" dirty="0">
-                <a:latin typeface="배달의민족 주아" pitchFamily="18" charset="-127"/>
-                <a:ea typeface="배달의민족 주아" pitchFamily="18" charset="-127"/>
-              </a:rPr>
-              <a:t>2. </a:t>
-            </a:r>
-            <a:r>
-              <a:rPr lang="ko-KR" altLang="en-US" sz="2520" dirty="0" err="1">
-                <a:latin typeface="배달의민족 주아" pitchFamily="18" charset="-127"/>
-                <a:ea typeface="배달의민족 주아" pitchFamily="18" charset="-127"/>
-              </a:rPr>
-              <a:t>파이썬이란</a:t>
-            </a:r>
-            <a:r>
-              <a:rPr lang="ko-KR" altLang="en-US" sz="2520" dirty="0">
-                <a:latin typeface="배달의민족 주아" pitchFamily="18" charset="-127"/>
-                <a:ea typeface="배달의민족 주아" pitchFamily="18" charset="-127"/>
-              </a:rPr>
-              <a:t> 무엇인가</a:t>
-            </a:r>
-            <a:r>
-              <a:rPr lang="en-US" altLang="ko-KR" sz="2520" dirty="0">
-                <a:latin typeface="배달의민족 주아" pitchFamily="18" charset="-127"/>
-                <a:ea typeface="배달의민족 주아" pitchFamily="18" charset="-127"/>
-              </a:rPr>
-              <a:t>?</a:t>
-            </a:r>
-            <a:br>
-              <a:rPr lang="en-US" altLang="ko-KR" sz="2520" dirty="0">
-                <a:latin typeface="배달의민족 주아" pitchFamily="18" charset="-127"/>
-                <a:ea typeface="배달의민족 주아" pitchFamily="18" charset="-127"/>
-              </a:rPr>
-            </a:br>
-            <a:endParaRPr lang="ko-KR" altLang="en-US" sz="2520" dirty="0"/>
           </a:p>
         </p:txBody>
       </p:sp>
@@ -4206,8 +4130,8 @@
         </p:blipFill>
         <p:spPr bwMode="auto">
           <a:xfrm>
-            <a:off x="7070038" y="404670"/>
-            <a:ext cx="2721902" cy="2721902"/>
+            <a:off x="7609143" y="1052736"/>
+            <a:ext cx="1625856" cy="1625856"/>
           </a:xfrm>
           <a:prstGeom prst="rect">
             <a:avLst/>
@@ -4234,7 +4158,7 @@
         </p:nvSpPr>
         <p:spPr>
           <a:xfrm>
-            <a:off x="-487662" y="4437123"/>
+            <a:off x="552358" y="3789040"/>
             <a:ext cx="10881361" cy="2058036"/>
           </a:xfrm>
           <a:prstGeom prst="rect">
@@ -4264,14 +4188,14 @@
           <a:p>
             <a:pPr algn="l"/>
             <a:r>
-              <a:rPr lang="en-US" altLang="ko-KR" sz="4481" dirty="0">
+              <a:rPr lang="en-US" altLang="ko-KR" sz="3200" dirty="0">
                 <a:latin typeface="Consolas" pitchFamily="49" charset="0"/>
                 <a:ea typeface="배달의민족 주아" pitchFamily="18" charset="-127"/>
                 <a:cs typeface="Consolas" pitchFamily="49" charset="0"/>
               </a:rPr>
               <a:t>print(“hello”)</a:t>
             </a:r>
-            <a:endParaRPr lang="ko-KR" altLang="en-US" sz="4481" dirty="0">
+            <a:endParaRPr lang="ko-KR" altLang="en-US" sz="3200" dirty="0">
               <a:latin typeface="Consolas" pitchFamily="49" charset="0"/>
               <a:ea typeface="배달의민족 주아" pitchFamily="18" charset="-127"/>
               <a:cs typeface="Consolas" pitchFamily="49" charset="0"/>
@@ -4288,7 +4212,7 @@
           <p:nvPr/>
         </p:nvPicPr>
         <p:blipFill>
-          <a:blip r:embed="rId3">
+          <a:blip r:embed="rId3" cstate="print">
             <a:extLst>
               <a:ext uri="{28A0092B-C50C-407E-A947-70E740481C1C}">
                 <a14:useLocalDpi xmlns:a14="http://schemas.microsoft.com/office/drawing/2010/main" val="0"/>
@@ -4302,8 +4226,8 @@
         </p:blipFill>
         <p:spPr bwMode="auto">
           <a:xfrm>
-            <a:off x="6912614" y="3947759"/>
-            <a:ext cx="3036795" cy="3036795"/>
+            <a:off x="7663718" y="3966498"/>
+            <a:ext cx="1712794" cy="1712794"/>
           </a:xfrm>
           <a:prstGeom prst="rect">
             <a:avLst/>
@@ -4320,6 +4244,176 @@
           </a:extLst>
         </p:spPr>
       </p:pic>
+      <p:sp>
+        <p:nvSpPr>
+          <p:cNvPr id="10" name="직사각형 9">
+            <a:extLst>
+              <a:ext uri="{FF2B5EF4-FFF2-40B4-BE49-F238E27FC236}">
+                <a16:creationId xmlns:a16="http://schemas.microsoft.com/office/drawing/2014/main" id="{B406BEF1-4094-437D-A8F1-27D3BF992830}"/>
+              </a:ext>
+            </a:extLst>
+          </p:cNvPr>
+          <p:cNvSpPr/>
+          <p:nvPr/>
+        </p:nvSpPr>
+        <p:spPr>
+          <a:xfrm>
+            <a:off x="0" y="0"/>
+            <a:ext cx="3629203" cy="707886"/>
+          </a:xfrm>
+          <a:prstGeom prst="rect">
+            <a:avLst/>
+          </a:prstGeom>
+        </p:spPr>
+        <p:txBody>
+          <a:bodyPr wrap="square">
+            <a:spAutoFit/>
+          </a:bodyPr>
+          <a:lstStyle/>
+          <a:p>
+            <a:r>
+              <a:rPr lang="en-US" altLang="ko-KR" sz="2000" dirty="0">
+                <a:latin typeface="배달의민족 주아" pitchFamily="18" charset="-127"/>
+                <a:ea typeface="배달의민족 주아" pitchFamily="18" charset="-127"/>
+              </a:rPr>
+              <a:t>2. </a:t>
+            </a:r>
+            <a:r>
+              <a:rPr lang="ko-KR" altLang="en-US" sz="2000" dirty="0" err="1">
+                <a:latin typeface="배달의민족 주아" pitchFamily="18" charset="-127"/>
+                <a:ea typeface="배달의민족 주아" pitchFamily="18" charset="-127"/>
+              </a:rPr>
+              <a:t>파이썬이란</a:t>
+            </a:r>
+            <a:r>
+              <a:rPr lang="ko-KR" altLang="en-US" sz="2000" dirty="0">
+                <a:latin typeface="배달의민족 주아" pitchFamily="18" charset="-127"/>
+                <a:ea typeface="배달의민족 주아" pitchFamily="18" charset="-127"/>
+              </a:rPr>
+              <a:t> 무엇인가</a:t>
+            </a:r>
+            <a:r>
+              <a:rPr lang="en-US" altLang="ko-KR" sz="2000" dirty="0">
+                <a:latin typeface="배달의민족 주아" pitchFamily="18" charset="-127"/>
+                <a:ea typeface="배달의민족 주아" pitchFamily="18" charset="-127"/>
+              </a:rPr>
+              <a:t>?</a:t>
+            </a:r>
+            <a:br>
+              <a:rPr lang="en-US" altLang="ko-KR" sz="2000" dirty="0">
+                <a:latin typeface="배달의민족 주아" pitchFamily="18" charset="-127"/>
+                <a:ea typeface="배달의민족 주아" pitchFamily="18" charset="-127"/>
+              </a:rPr>
+            </a:br>
+            <a:endParaRPr lang="ko-KR" altLang="en-US" sz="2000" dirty="0"/>
+          </a:p>
+        </p:txBody>
+      </p:sp>
+      <p:sp>
+        <p:nvSpPr>
+          <p:cNvPr id="11" name="TextBox 10">
+            <a:extLst>
+              <a:ext uri="{FF2B5EF4-FFF2-40B4-BE49-F238E27FC236}">
+                <a16:creationId xmlns:a16="http://schemas.microsoft.com/office/drawing/2014/main" id="{81189A13-9167-405F-AEFF-3805AD0EAEBB}"/>
+              </a:ext>
+            </a:extLst>
+          </p:cNvPr>
+          <p:cNvSpPr txBox="1"/>
+          <p:nvPr/>
+        </p:nvSpPr>
+        <p:spPr>
+          <a:xfrm>
+            <a:off x="8081913" y="6488668"/>
+            <a:ext cx="1838965" cy="369332"/>
+          </a:xfrm>
+          <a:prstGeom prst="rect">
+            <a:avLst/>
+          </a:prstGeom>
+          <a:noFill/>
+        </p:spPr>
+        <p:txBody>
+          <a:bodyPr wrap="none" rtlCol="0">
+            <a:spAutoFit/>
+          </a:bodyPr>
+          <a:lstStyle/>
+          <a:p>
+            <a:r>
+              <a:rPr lang="en-US" altLang="ko-KR" sz="1800" dirty="0">
+                <a:solidFill>
+                  <a:schemeClr val="accent5"/>
+                </a:solidFill>
+                <a:latin typeface="배달의민족 도현" pitchFamily="50" charset="-127"/>
+                <a:ea typeface="배달의민족 도현" pitchFamily="50" charset="-127"/>
+              </a:rPr>
+              <a:t>S</a:t>
+            </a:r>
+            <a:r>
+              <a:rPr lang="en-US" altLang="ko-KR" sz="1800" dirty="0">
+                <a:latin typeface="배달의민족 도현" pitchFamily="50" charset="-127"/>
+                <a:ea typeface="배달의민족 도현" pitchFamily="50" charset="-127"/>
+              </a:rPr>
+              <a:t>TART</a:t>
+            </a:r>
+            <a:r>
+              <a:rPr lang="en-US" altLang="ko-KR" sz="1800" dirty="0">
+                <a:solidFill>
+                  <a:schemeClr val="accent5"/>
+                </a:solidFill>
+                <a:latin typeface="배달의민족 도현" pitchFamily="50" charset="-127"/>
+                <a:ea typeface="배달의민족 도현" pitchFamily="50" charset="-127"/>
+              </a:rPr>
+              <a:t>C</a:t>
+            </a:r>
+            <a:r>
+              <a:rPr lang="en-US" altLang="ko-KR" sz="1800" dirty="0">
+                <a:latin typeface="배달의민족 도현" pitchFamily="50" charset="-127"/>
+                <a:ea typeface="배달의민족 도현" pitchFamily="50" charset="-127"/>
+              </a:rPr>
+              <a:t>ODING</a:t>
+            </a:r>
+            <a:endParaRPr lang="ko-KR" altLang="en-US" sz="1800" dirty="0">
+              <a:latin typeface="배달의민족 도현" pitchFamily="50" charset="-127"/>
+              <a:ea typeface="배달의민족 도현" pitchFamily="50" charset="-127"/>
+            </a:endParaRPr>
+          </a:p>
+        </p:txBody>
+      </p:sp>
+      <p:cxnSp>
+        <p:nvCxnSpPr>
+          <p:cNvPr id="5" name="직선 연결선 4">
+            <a:extLst>
+              <a:ext uri="{FF2B5EF4-FFF2-40B4-BE49-F238E27FC236}">
+                <a16:creationId xmlns:a16="http://schemas.microsoft.com/office/drawing/2014/main" id="{A0E658DD-EA9C-44DA-AE52-BEF47A9E3AC6}"/>
+              </a:ext>
+            </a:extLst>
+          </p:cNvPr>
+          <p:cNvCxnSpPr/>
+          <p:nvPr/>
+        </p:nvCxnSpPr>
+        <p:spPr>
+          <a:xfrm>
+            <a:off x="416496" y="3429000"/>
+            <a:ext cx="8960016" cy="0"/>
+          </a:xfrm>
+          <a:prstGeom prst="line">
+            <a:avLst/>
+          </a:prstGeom>
+        </p:spPr>
+        <p:style>
+          <a:lnRef idx="2">
+            <a:schemeClr val="dk1"/>
+          </a:lnRef>
+          <a:fillRef idx="0">
+            <a:schemeClr val="dk1"/>
+          </a:fillRef>
+          <a:effectRef idx="1">
+            <a:schemeClr val="dk1"/>
+          </a:effectRef>
+          <a:fontRef idx="minor">
+            <a:schemeClr val="tx1"/>
+          </a:fontRef>
+        </p:style>
+      </p:cxnSp>
     </p:spTree>
     <p:extLst>
       <p:ext uri="{BB962C8B-B14F-4D97-AF65-F5344CB8AC3E}">
@@ -4562,69 +4656,6 @@
       </p:grpSpPr>
       <p:sp>
         <p:nvSpPr>
-          <p:cNvPr id="3" name="TextBox 2"/>
-          <p:cNvSpPr txBox="1"/>
-          <p:nvPr/>
-        </p:nvSpPr>
-        <p:spPr>
-          <a:xfrm>
-            <a:off x="7775725" y="7259829"/>
-            <a:ext cx="2497800" cy="480131"/>
-          </a:xfrm>
-          <a:prstGeom prst="rect">
-            <a:avLst/>
-          </a:prstGeom>
-          <a:noFill/>
-        </p:spPr>
-        <p:txBody>
-          <a:bodyPr wrap="none" rtlCol="0">
-            <a:spAutoFit/>
-          </a:bodyPr>
-          <a:lstStyle/>
-          <a:p>
-            <a:r>
-              <a:rPr lang="en-US" altLang="ko-KR" sz="2520" dirty="0">
-                <a:solidFill>
-                  <a:schemeClr val="accent5"/>
-                </a:solidFill>
-                <a:latin typeface="배달의민족 도현" pitchFamily="50" charset="-127"/>
-                <a:ea typeface="배달의민족 도현" pitchFamily="50" charset="-127"/>
-              </a:rPr>
-              <a:t>S</a:t>
-            </a:r>
-            <a:r>
-              <a:rPr lang="en-US" altLang="ko-KR" sz="2520" dirty="0">
-                <a:latin typeface="배달의민족 도현" pitchFamily="50" charset="-127"/>
-                <a:ea typeface="배달의민족 도현" pitchFamily="50" charset="-127"/>
-              </a:rPr>
-              <a:t>TART</a:t>
-            </a:r>
-            <a:r>
-              <a:rPr lang="en-US" altLang="ko-KR" sz="2520" dirty="0">
-                <a:solidFill>
-                  <a:schemeClr val="accent5"/>
-                </a:solidFill>
-                <a:latin typeface="배달의민족 도현" pitchFamily="50" charset="-127"/>
-                <a:ea typeface="배달의민족 도현" pitchFamily="50" charset="-127"/>
-              </a:rPr>
-              <a:t>C</a:t>
-            </a:r>
-            <a:r>
-              <a:rPr lang="en-US" altLang="ko-KR" sz="2520" dirty="0">
-                <a:latin typeface="배달의민족 도현" pitchFamily="50" charset="-127"/>
-                <a:ea typeface="배달의민족 도현" pitchFamily="50" charset="-127"/>
-              </a:rPr>
-              <a:t>ODING</a:t>
-            </a:r>
-            <a:endParaRPr lang="ko-KR" altLang="en-US" sz="2520" dirty="0">
-              <a:latin typeface="배달의민족 도현" pitchFamily="50" charset="-127"/>
-              <a:ea typeface="배달의민족 도현" pitchFamily="50" charset="-127"/>
-            </a:endParaRPr>
-          </a:p>
-        </p:txBody>
-      </p:sp>
-      <p:sp>
-        <p:nvSpPr>
           <p:cNvPr id="6" name="직사각형 5"/>
           <p:cNvSpPr/>
           <p:nvPr/>
@@ -4705,17 +4736,42 @@
         </p:blipFill>
         <p:spPr bwMode="auto">
           <a:xfrm>
-            <a:off x="114074" y="-794568"/>
-            <a:ext cx="9980310" cy="7973097"/>
+            <a:off x="1316596" y="523939"/>
+            <a:ext cx="7272808" cy="5810121"/>
           </a:xfrm>
           <a:prstGeom prst="rect">
             <a:avLst/>
           </a:prstGeom>
-          <a:noFill/>
-          <a:ln>
-            <a:noFill/>
+          <a:solidFill>
+            <a:srgbClr val="FFFFFF">
+              <a:shade val="85000"/>
+            </a:srgbClr>
+          </a:solidFill>
+          <a:ln w="88900" cap="sq">
+            <a:solidFill>
+              <a:srgbClr val="FFFFFF"/>
+            </a:solidFill>
+            <a:miter lim="800000"/>
           </a:ln>
-          <a:effectLst/>
+          <a:effectLst>
+            <a:outerShdw blurRad="55000" dist="18000" dir="5400000" algn="tl" rotWithShape="0">
+              <a:srgbClr val="000000">
+                <a:alpha val="40000"/>
+              </a:srgbClr>
+            </a:outerShdw>
+          </a:effectLst>
+          <a:scene3d>
+            <a:camera prst="orthographicFront"/>
+            <a:lightRig rig="twoPt" dir="t">
+              <a:rot lat="0" lon="0" rev="7200000"/>
+            </a:lightRig>
+          </a:scene3d>
+          <a:sp3d>
+            <a:bevelT w="25400" h="19050"/>
+            <a:contourClr>
+              <a:srgbClr val="FFFFFF"/>
+            </a:contourClr>
+          </a:sp3d>
           <a:extLst>
             <a:ext uri="{909E8E84-426E-40DD-AFC4-6F175D3DCCD1}">
               <a14:hiddenFill xmlns:a14="http://schemas.microsoft.com/office/drawing/2010/main">
@@ -4746,6 +4802,140 @@
           </a:extLst>
         </p:spPr>
       </p:pic>
+      <p:sp>
+        <p:nvSpPr>
+          <p:cNvPr id="5" name="직사각형 4">
+            <a:extLst>
+              <a:ext uri="{FF2B5EF4-FFF2-40B4-BE49-F238E27FC236}">
+                <a16:creationId xmlns:a16="http://schemas.microsoft.com/office/drawing/2014/main" id="{96D4D266-EBFC-4008-9883-900EB262229B}"/>
+              </a:ext>
+            </a:extLst>
+          </p:cNvPr>
+          <p:cNvSpPr/>
+          <p:nvPr/>
+        </p:nvSpPr>
+        <p:spPr>
+          <a:xfrm>
+            <a:off x="0" y="0"/>
+            <a:ext cx="3629203" cy="707886"/>
+          </a:xfrm>
+          <a:prstGeom prst="rect">
+            <a:avLst/>
+          </a:prstGeom>
+        </p:spPr>
+        <p:txBody>
+          <a:bodyPr wrap="square">
+            <a:spAutoFit/>
+          </a:bodyPr>
+          <a:lstStyle/>
+          <a:p>
+            <a:r>
+              <a:rPr lang="en-US" altLang="ko-KR" sz="2000" dirty="0">
+                <a:latin typeface="배달의민족 주아" pitchFamily="18" charset="-127"/>
+                <a:ea typeface="배달의민족 주아" pitchFamily="18" charset="-127"/>
+              </a:rPr>
+              <a:t>2. </a:t>
+            </a:r>
+            <a:r>
+              <a:rPr lang="ko-KR" altLang="en-US" sz="2000" dirty="0" err="1">
+                <a:latin typeface="배달의민족 주아" pitchFamily="18" charset="-127"/>
+                <a:ea typeface="배달의민족 주아" pitchFamily="18" charset="-127"/>
+              </a:rPr>
+              <a:t>파이썬이란</a:t>
+            </a:r>
+            <a:r>
+              <a:rPr lang="ko-KR" altLang="en-US" sz="2000" dirty="0">
+                <a:latin typeface="배달의민족 주아" pitchFamily="18" charset="-127"/>
+                <a:ea typeface="배달의민족 주아" pitchFamily="18" charset="-127"/>
+              </a:rPr>
+              <a:t> 무엇인가</a:t>
+            </a:r>
+            <a:r>
+              <a:rPr lang="en-US" altLang="ko-KR" sz="2000" dirty="0">
+                <a:latin typeface="배달의민족 주아" pitchFamily="18" charset="-127"/>
+                <a:ea typeface="배달의민족 주아" pitchFamily="18" charset="-127"/>
+              </a:rPr>
+              <a:t>?</a:t>
+            </a:r>
+            <a:br>
+              <a:rPr lang="en-US" altLang="ko-KR" sz="2000" dirty="0">
+                <a:latin typeface="배달의민족 주아" pitchFamily="18" charset="-127"/>
+                <a:ea typeface="배달의민족 주아" pitchFamily="18" charset="-127"/>
+              </a:rPr>
+            </a:br>
+            <a:endParaRPr lang="ko-KR" altLang="en-US" sz="2000" dirty="0"/>
+          </a:p>
+        </p:txBody>
+      </p:sp>
+      <p:sp>
+        <p:nvSpPr>
+          <p:cNvPr id="7" name="TextBox 6">
+            <a:extLst>
+              <a:ext uri="{FF2B5EF4-FFF2-40B4-BE49-F238E27FC236}">
+                <a16:creationId xmlns:a16="http://schemas.microsoft.com/office/drawing/2014/main" id="{F071AB1B-6640-4CFF-B6BE-B508420F1F8B}"/>
+              </a:ext>
+            </a:extLst>
+          </p:cNvPr>
+          <p:cNvSpPr txBox="1"/>
+          <p:nvPr/>
+        </p:nvSpPr>
+        <p:spPr>
+          <a:xfrm>
+            <a:off x="8081913" y="6488668"/>
+            <a:ext cx="1838965" cy="369332"/>
+          </a:xfrm>
+          <a:prstGeom prst="rect">
+            <a:avLst/>
+          </a:prstGeom>
+          <a:noFill/>
+        </p:spPr>
+        <p:txBody>
+          <a:bodyPr wrap="none" rtlCol="0">
+            <a:spAutoFit/>
+          </a:bodyPr>
+          <a:lstStyle/>
+          <a:p>
+            <a:r>
+              <a:rPr lang="en-US" altLang="ko-KR" sz="1800" dirty="0">
+                <a:solidFill>
+                  <a:schemeClr val="accent5"/>
+                </a:solidFill>
+                <a:latin typeface="배달의민족 도현" pitchFamily="50" charset="-127"/>
+                <a:ea typeface="배달의민족 도현" pitchFamily="50" charset="-127"/>
+              </a:rPr>
+              <a:t>S</a:t>
+            </a:r>
+            <a:r>
+              <a:rPr lang="en-US" altLang="ko-KR" sz="1800" dirty="0">
+                <a:latin typeface="배달의민족 도현" pitchFamily="50" charset="-127"/>
+                <a:ea typeface="배달의민족 도현" pitchFamily="50" charset="-127"/>
+              </a:rPr>
+              <a:t>TART</a:t>
+            </a:r>
+            <a:r>
+              <a:rPr lang="en-US" altLang="ko-KR" sz="1800" dirty="0">
+                <a:solidFill>
+                  <a:schemeClr val="accent5"/>
+                </a:solidFill>
+                <a:latin typeface="배달의민족 도현" pitchFamily="50" charset="-127"/>
+                <a:ea typeface="배달의민족 도현" pitchFamily="50" charset="-127"/>
+              </a:rPr>
+              <a:t>C</a:t>
+            </a:r>
+            <a:r>
+              <a:rPr lang="en-US" altLang="ko-KR" sz="1800" dirty="0">
+                <a:latin typeface="배달의민족 도현" pitchFamily="50" charset="-127"/>
+                <a:ea typeface="배달의민족 도현" pitchFamily="50" charset="-127"/>
+              </a:rPr>
+              <a:t>ODING</a:t>
+            </a:r>
+            <a:endParaRPr lang="ko-KR" altLang="en-US" sz="1800" dirty="0">
+              <a:latin typeface="배달의민족 도현" pitchFamily="50" charset="-127"/>
+              <a:ea typeface="배달의민족 도현" pitchFamily="50" charset="-127"/>
+            </a:endParaRPr>
+          </a:p>
+        </p:txBody>
+      </p:sp>
     </p:spTree>
     <p:extLst>
       <p:ext uri="{BB962C8B-B14F-4D97-AF65-F5344CB8AC3E}">
@@ -4921,8 +5111,8 @@
         </p:blipFill>
         <p:spPr bwMode="auto">
           <a:xfrm>
-            <a:off x="1160173" y="1110352"/>
-            <a:ext cx="3087157" cy="3087157"/>
+            <a:off x="1515825" y="1340768"/>
+            <a:ext cx="2220762" cy="2220762"/>
           </a:xfrm>
           <a:prstGeom prst="rect">
             <a:avLst/>
@@ -4951,23 +5141,25 @@
         </p:nvSpPr>
         <p:spPr>
           <a:xfrm>
-            <a:off x="-487680" y="-704247"/>
+            <a:off x="-487680" y="-213211"/>
             <a:ext cx="10881360" cy="2058035"/>
           </a:xfrm>
         </p:spPr>
         <p:txBody>
-          <a:bodyPr/>
+          <a:bodyPr>
+            <a:normAutofit/>
+          </a:bodyPr>
           <a:lstStyle/>
           <a:p>
             <a:r>
-              <a:rPr lang="ko-KR" altLang="en-US" dirty="0" err="1">
+              <a:rPr lang="ko-KR" altLang="en-US" sz="4400" dirty="0" err="1">
                 <a:latin typeface="배달의민족 주아" pitchFamily="18" charset="-127"/>
                 <a:ea typeface="배달의민족 주아" pitchFamily="18" charset="-127"/>
               </a:rPr>
               <a:t>파이썬이</a:t>
             </a:r>
             <a:r>
-              <a:rPr lang="ko-KR" altLang="en-US" dirty="0">
+              <a:rPr lang="ko-KR" altLang="en-US" sz="4400" dirty="0">
                 <a:latin typeface="배달의민족 주아" pitchFamily="18" charset="-127"/>
                 <a:ea typeface="배달의민족 주아" pitchFamily="18" charset="-127"/>
               </a:rPr>
@@ -4999,8 +5191,8 @@
         </p:blipFill>
         <p:spPr bwMode="auto">
           <a:xfrm>
-            <a:off x="5356267" y="1173184"/>
-            <a:ext cx="2897621" cy="2897621"/>
+            <a:off x="6033120" y="1340768"/>
+            <a:ext cx="2220762" cy="2220762"/>
           </a:xfrm>
           <a:prstGeom prst="rect">
             <a:avLst/>
@@ -5040,8 +5232,8 @@
         </p:blipFill>
         <p:spPr bwMode="auto">
           <a:xfrm>
-            <a:off x="-289161" y="4903203"/>
-            <a:ext cx="5141373" cy="2070974"/>
+            <a:off x="960081" y="4512582"/>
+            <a:ext cx="3560871" cy="1434339"/>
           </a:xfrm>
           <a:prstGeom prst="rect">
             <a:avLst/>
@@ -5104,8 +5296,8 @@
         </p:blipFill>
         <p:spPr bwMode="auto">
           <a:xfrm>
-            <a:off x="5344178" y="4298330"/>
-            <a:ext cx="2909704" cy="2909704"/>
+            <a:off x="6023419" y="4077072"/>
+            <a:ext cx="2220762" cy="2220762"/>
           </a:xfrm>
           <a:prstGeom prst="rect">
             <a:avLst/>
@@ -5122,6 +5314,306 @@
           </a:extLst>
         </p:spPr>
       </p:pic>
+      <p:sp>
+        <p:nvSpPr>
+          <p:cNvPr id="9" name="TextBox 8">
+            <a:extLst>
+              <a:ext uri="{FF2B5EF4-FFF2-40B4-BE49-F238E27FC236}">
+                <a16:creationId xmlns:a16="http://schemas.microsoft.com/office/drawing/2014/main" id="{98CF48B0-9059-4F83-9D89-74C80B3875D1}"/>
+              </a:ext>
+            </a:extLst>
+          </p:cNvPr>
+          <p:cNvSpPr txBox="1"/>
+          <p:nvPr/>
+        </p:nvSpPr>
+        <p:spPr>
+          <a:xfrm>
+            <a:off x="8081913" y="6488668"/>
+            <a:ext cx="1838965" cy="369332"/>
+          </a:xfrm>
+          <a:prstGeom prst="rect">
+            <a:avLst/>
+          </a:prstGeom>
+          <a:noFill/>
+        </p:spPr>
+        <p:txBody>
+          <a:bodyPr wrap="none" rtlCol="0">
+            <a:spAutoFit/>
+          </a:bodyPr>
+          <a:lstStyle/>
+          <a:p>
+            <a:r>
+              <a:rPr lang="en-US" altLang="ko-KR" sz="1800" dirty="0">
+                <a:solidFill>
+                  <a:schemeClr val="accent5"/>
+                </a:solidFill>
+                <a:latin typeface="배달의민족 도현" pitchFamily="50" charset="-127"/>
+                <a:ea typeface="배달의민족 도현" pitchFamily="50" charset="-127"/>
+              </a:rPr>
+              <a:t>S</a:t>
+            </a:r>
+            <a:r>
+              <a:rPr lang="en-US" altLang="ko-KR" sz="1800" dirty="0">
+                <a:latin typeface="배달의민족 도현" pitchFamily="50" charset="-127"/>
+                <a:ea typeface="배달의민족 도현" pitchFamily="50" charset="-127"/>
+              </a:rPr>
+              <a:t>TART</a:t>
+            </a:r>
+            <a:r>
+              <a:rPr lang="en-US" altLang="ko-KR" sz="1800" dirty="0">
+                <a:solidFill>
+                  <a:schemeClr val="accent5"/>
+                </a:solidFill>
+                <a:latin typeface="배달의민족 도현" pitchFamily="50" charset="-127"/>
+                <a:ea typeface="배달의민족 도현" pitchFamily="50" charset="-127"/>
+              </a:rPr>
+              <a:t>C</a:t>
+            </a:r>
+            <a:r>
+              <a:rPr lang="en-US" altLang="ko-KR" sz="1800" dirty="0">
+                <a:latin typeface="배달의민족 도현" pitchFamily="50" charset="-127"/>
+                <a:ea typeface="배달의민족 도현" pitchFamily="50" charset="-127"/>
+              </a:rPr>
+              <a:t>ODING</a:t>
+            </a:r>
+            <a:endParaRPr lang="ko-KR" altLang="en-US" sz="1800" dirty="0">
+              <a:latin typeface="배달의민족 도현" pitchFamily="50" charset="-127"/>
+              <a:ea typeface="배달의민족 도현" pitchFamily="50" charset="-127"/>
+            </a:endParaRPr>
+          </a:p>
+        </p:txBody>
+      </p:sp>
+      <p:sp>
+        <p:nvSpPr>
+          <p:cNvPr id="10" name="직사각형 9">
+            <a:extLst>
+              <a:ext uri="{FF2B5EF4-FFF2-40B4-BE49-F238E27FC236}">
+                <a16:creationId xmlns:a16="http://schemas.microsoft.com/office/drawing/2014/main" id="{6F914EDD-1681-479E-8445-DF5E11F4B0B9}"/>
+              </a:ext>
+            </a:extLst>
+          </p:cNvPr>
+          <p:cNvSpPr/>
+          <p:nvPr/>
+        </p:nvSpPr>
+        <p:spPr>
+          <a:xfrm>
+            <a:off x="0" y="0"/>
+            <a:ext cx="3629203" cy="707886"/>
+          </a:xfrm>
+          <a:prstGeom prst="rect">
+            <a:avLst/>
+          </a:prstGeom>
+        </p:spPr>
+        <p:txBody>
+          <a:bodyPr wrap="square">
+            <a:spAutoFit/>
+          </a:bodyPr>
+          <a:lstStyle/>
+          <a:p>
+            <a:r>
+              <a:rPr lang="en-US" altLang="ko-KR" sz="2000" dirty="0">
+                <a:latin typeface="배달의민족 주아" pitchFamily="18" charset="-127"/>
+                <a:ea typeface="배달의민족 주아" pitchFamily="18" charset="-127"/>
+              </a:rPr>
+              <a:t>2. </a:t>
+            </a:r>
+            <a:r>
+              <a:rPr lang="ko-KR" altLang="en-US" sz="2000" dirty="0" err="1">
+                <a:latin typeface="배달의민족 주아" pitchFamily="18" charset="-127"/>
+                <a:ea typeface="배달의민족 주아" pitchFamily="18" charset="-127"/>
+              </a:rPr>
+              <a:t>파이썬이란</a:t>
+            </a:r>
+            <a:r>
+              <a:rPr lang="ko-KR" altLang="en-US" sz="2000" dirty="0">
+                <a:latin typeface="배달의민족 주아" pitchFamily="18" charset="-127"/>
+                <a:ea typeface="배달의민족 주아" pitchFamily="18" charset="-127"/>
+              </a:rPr>
+              <a:t> 무엇인가</a:t>
+            </a:r>
+            <a:r>
+              <a:rPr lang="en-US" altLang="ko-KR" sz="2000" dirty="0">
+                <a:latin typeface="배달의민족 주아" pitchFamily="18" charset="-127"/>
+                <a:ea typeface="배달의민족 주아" pitchFamily="18" charset="-127"/>
+              </a:rPr>
+              <a:t>?</a:t>
+            </a:r>
+            <a:br>
+              <a:rPr lang="en-US" altLang="ko-KR" sz="2000" dirty="0">
+                <a:latin typeface="배달의민족 주아" pitchFamily="18" charset="-127"/>
+                <a:ea typeface="배달의민족 주아" pitchFamily="18" charset="-127"/>
+              </a:rPr>
+            </a:br>
+            <a:endParaRPr lang="ko-KR" altLang="en-US" sz="2000" dirty="0"/>
+          </a:p>
+        </p:txBody>
+      </p:sp>
+      <p:sp>
+        <p:nvSpPr>
+          <p:cNvPr id="11" name="직사각형 10">
+            <a:extLst>
+              <a:ext uri="{FF2B5EF4-FFF2-40B4-BE49-F238E27FC236}">
+                <a16:creationId xmlns:a16="http://schemas.microsoft.com/office/drawing/2014/main" id="{F8EF8FFD-7A51-498D-B619-12C478159E88}"/>
+              </a:ext>
+            </a:extLst>
+          </p:cNvPr>
+          <p:cNvSpPr/>
+          <p:nvPr/>
+        </p:nvSpPr>
+        <p:spPr>
+          <a:xfrm>
+            <a:off x="2056440" y="3645024"/>
+            <a:ext cx="1368152" cy="400110"/>
+          </a:xfrm>
+          <a:prstGeom prst="rect">
+            <a:avLst/>
+          </a:prstGeom>
+        </p:spPr>
+        <p:txBody>
+          <a:bodyPr wrap="square">
+            <a:spAutoFit/>
+          </a:bodyPr>
+          <a:lstStyle/>
+          <a:p>
+            <a:r>
+              <a:rPr lang="ko-KR" altLang="en-US" sz="2000" dirty="0">
+                <a:latin typeface="배달의민족 주아" pitchFamily="18" charset="-127"/>
+                <a:ea typeface="배달의민족 주아" pitchFamily="18" charset="-127"/>
+              </a:rPr>
+              <a:t>인공지능</a:t>
+            </a:r>
+            <a:endParaRPr lang="ko-KR" altLang="en-US" sz="2000" dirty="0"/>
+          </a:p>
+        </p:txBody>
+      </p:sp>
+      <p:sp>
+        <p:nvSpPr>
+          <p:cNvPr id="12" name="직사각형 11">
+            <a:extLst>
+              <a:ext uri="{FF2B5EF4-FFF2-40B4-BE49-F238E27FC236}">
+                <a16:creationId xmlns:a16="http://schemas.microsoft.com/office/drawing/2014/main" id="{BECC8FB7-7DAF-408B-B707-AD6A7140F380}"/>
+              </a:ext>
+            </a:extLst>
+          </p:cNvPr>
+          <p:cNvSpPr/>
+          <p:nvPr/>
+        </p:nvSpPr>
+        <p:spPr>
+          <a:xfrm>
+            <a:off x="6537176" y="3645024"/>
+            <a:ext cx="1368152" cy="400110"/>
+          </a:xfrm>
+          <a:prstGeom prst="rect">
+            <a:avLst/>
+          </a:prstGeom>
+        </p:spPr>
+        <p:txBody>
+          <a:bodyPr wrap="square">
+            <a:spAutoFit/>
+          </a:bodyPr>
+          <a:lstStyle/>
+          <a:p>
+            <a:r>
+              <a:rPr lang="ko-KR" altLang="en-US" sz="2000" dirty="0">
+                <a:latin typeface="배달의민족 주아" pitchFamily="18" charset="-127"/>
+                <a:ea typeface="배달의민족 주아" pitchFamily="18" charset="-127"/>
+              </a:rPr>
+              <a:t>데이터분석</a:t>
+            </a:r>
+            <a:endParaRPr lang="ko-KR" altLang="en-US" sz="2000" dirty="0"/>
+          </a:p>
+        </p:txBody>
+      </p:sp>
+      <p:sp>
+        <p:nvSpPr>
+          <p:cNvPr id="13" name="직사각형 12">
+            <a:extLst>
+              <a:ext uri="{FF2B5EF4-FFF2-40B4-BE49-F238E27FC236}">
+                <a16:creationId xmlns:a16="http://schemas.microsoft.com/office/drawing/2014/main" id="{1221B409-44D9-4AF2-8DCE-2EA69E89CA18}"/>
+              </a:ext>
+            </a:extLst>
+          </p:cNvPr>
+          <p:cNvSpPr/>
+          <p:nvPr/>
+        </p:nvSpPr>
+        <p:spPr>
+          <a:xfrm>
+            <a:off x="1773356" y="6125234"/>
+            <a:ext cx="1651236" cy="400110"/>
+          </a:xfrm>
+          <a:prstGeom prst="rect">
+            <a:avLst/>
+          </a:prstGeom>
+        </p:spPr>
+        <p:txBody>
+          <a:bodyPr wrap="square">
+            <a:spAutoFit/>
+          </a:bodyPr>
+          <a:lstStyle/>
+          <a:p>
+            <a:r>
+              <a:rPr lang="ko-KR" altLang="en-US" sz="2000" dirty="0">
+                <a:latin typeface="배달의민족 주아" pitchFamily="18" charset="-127"/>
+                <a:ea typeface="배달의민족 주아" pitchFamily="18" charset="-127"/>
+              </a:rPr>
+              <a:t>서버프로그래밍</a:t>
+            </a:r>
+            <a:endParaRPr lang="ko-KR" altLang="en-US" sz="2000" dirty="0"/>
+          </a:p>
+        </p:txBody>
+      </p:sp>
+      <p:sp>
+        <p:nvSpPr>
+          <p:cNvPr id="14" name="직사각형 13">
+            <a:extLst>
+              <a:ext uri="{FF2B5EF4-FFF2-40B4-BE49-F238E27FC236}">
+                <a16:creationId xmlns:a16="http://schemas.microsoft.com/office/drawing/2014/main" id="{6DC81780-BE81-4B7F-B61D-CECC0641D2BA}"/>
+              </a:ext>
+            </a:extLst>
+          </p:cNvPr>
+          <p:cNvSpPr/>
+          <p:nvPr/>
+        </p:nvSpPr>
+        <p:spPr>
+          <a:xfrm>
+            <a:off x="6395634" y="6193780"/>
+            <a:ext cx="1651236" cy="400110"/>
+          </a:xfrm>
+          <a:prstGeom prst="rect">
+            <a:avLst/>
+          </a:prstGeom>
+        </p:spPr>
+        <p:txBody>
+          <a:bodyPr wrap="square">
+            <a:spAutoFit/>
+          </a:bodyPr>
+          <a:lstStyle/>
+          <a:p>
+            <a:r>
+              <a:rPr lang="ko-KR" altLang="en-US" sz="2000" dirty="0" err="1">
+                <a:latin typeface="배달의민족 주아" pitchFamily="18" charset="-127"/>
+                <a:ea typeface="배달의민족 주아" pitchFamily="18" charset="-127"/>
+              </a:rPr>
+              <a:t>크롤링</a:t>
+            </a:r>
+            <a:r>
+              <a:rPr lang="en-US" altLang="ko-KR" sz="2000" dirty="0">
+                <a:latin typeface="배달의민족 주아" pitchFamily="18" charset="-127"/>
+                <a:ea typeface="배달의민족 주아" pitchFamily="18" charset="-127"/>
+              </a:rPr>
+              <a:t>/</a:t>
+            </a:r>
+            <a:r>
+              <a:rPr lang="ko-KR" altLang="en-US" sz="2000" dirty="0">
+                <a:latin typeface="배달의민족 주아" pitchFamily="18" charset="-127"/>
+                <a:ea typeface="배달의민족 주아" pitchFamily="18" charset="-127"/>
+              </a:rPr>
+              <a:t>자동화</a:t>
+            </a:r>
+            <a:endParaRPr lang="ko-KR" altLang="en-US" sz="2000" dirty="0"/>
+          </a:p>
+        </p:txBody>
+      </p:sp>
     </p:spTree>
     <p:extLst>
       <p:ext uri="{BB962C8B-B14F-4D97-AF65-F5344CB8AC3E}">
@@ -5187,6 +5679,41 @@
                                   </p:childTnLst>
                                 </p:cTn>
                               </p:par>
+                              <p:par>
+                                <p:cTn id="8" presetID="10" presetClass="entr" presetSubtype="0" fill="hold" grpId="0" nodeType="withEffect">
+                                  <p:stCondLst>
+                                    <p:cond delay="0"/>
+                                  </p:stCondLst>
+                                  <p:childTnLst>
+                                    <p:set>
+                                      <p:cBhvr>
+                                        <p:cTn id="9" dur="1" fill="hold">
+                                          <p:stCondLst>
+                                            <p:cond delay="0"/>
+                                          </p:stCondLst>
+                                        </p:cTn>
+                                        <p:tgtEl>
+                                          <p:spTgt spid="11"/>
+                                        </p:tgtEl>
+                                        <p:attrNameLst>
+                                          <p:attrName>style.visibility</p:attrName>
+                                        </p:attrNameLst>
+                                      </p:cBhvr>
+                                      <p:to>
+                                        <p:strVal val="visible"/>
+                                      </p:to>
+                                    </p:set>
+                                    <p:animEffect transition="in" filter="fade">
+                                      <p:cBhvr>
+                                        <p:cTn id="10" dur="500"/>
+                                        <p:tgtEl>
+                                          <p:spTgt spid="11"/>
+                                        </p:tgtEl>
+                                      </p:cBhvr>
+                                    </p:animEffect>
+                                  </p:childTnLst>
+                                </p:cTn>
+                              </p:par>
                             </p:childTnLst>
                           </p:cTn>
                         </p:par>
@@ -5194,26 +5721,26 @@
                     </p:cTn>
                   </p:par>
                   <p:par>
-                    <p:cTn id="8" fill="hold">
+                    <p:cTn id="11" fill="hold">
                       <p:stCondLst>
                         <p:cond delay="indefinite"/>
                       </p:stCondLst>
                       <p:childTnLst>
                         <p:par>
-                          <p:cTn id="9" fill="hold">
+                          <p:cTn id="12" fill="hold">
                             <p:stCondLst>
                               <p:cond delay="0"/>
                             </p:stCondLst>
                             <p:childTnLst>
                               <p:par>
-                                <p:cTn id="10" presetID="10" presetClass="entr" presetSubtype="0" fill="hold" nodeType="clickEffect">
+                                <p:cTn id="13" presetID="10" presetClass="entr" presetSubtype="0" fill="hold" nodeType="clickEffect">
                                   <p:stCondLst>
                                     <p:cond delay="0"/>
                                   </p:stCondLst>
                                   <p:childTnLst>
                                     <p:set>
                                       <p:cBhvr>
-                                        <p:cTn id="11" dur="1" fill="hold">
+                                        <p:cTn id="14" dur="1" fill="hold">
                                           <p:stCondLst>
                                             <p:cond delay="0"/>
                                           </p:stCondLst>
@@ -5231,9 +5758,44 @@
                                     </p:set>
                                     <p:animEffect transition="in" filter="fade">
                                       <p:cBhvr>
-                                        <p:cTn id="12" dur="500"/>
+                                        <p:cTn id="15" dur="500"/>
                                         <p:tgtEl>
                                           <p:spTgt spid="4098"/>
+                                        </p:tgtEl>
+                                      </p:cBhvr>
+                                    </p:animEffect>
+                                  </p:childTnLst>
+                                </p:cTn>
+                              </p:par>
+                              <p:par>
+                                <p:cTn id="16" presetID="10" presetClass="entr" presetSubtype="0" fill="hold" grpId="0" nodeType="withEffect">
+                                  <p:stCondLst>
+                                    <p:cond delay="0"/>
+                                  </p:stCondLst>
+                                  <p:childTnLst>
+                                    <p:set>
+                                      <p:cBhvr>
+                                        <p:cTn id="17" dur="1" fill="hold">
+                                          <p:stCondLst>
+                                            <p:cond delay="0"/>
+                                          </p:stCondLst>
+                                        </p:cTn>
+                                        <p:tgtEl>
+                                          <p:spTgt spid="12"/>
+                                        </p:tgtEl>
+                                        <p:attrNameLst>
+                                          <p:attrName>style.visibility</p:attrName>
+                                        </p:attrNameLst>
+                                      </p:cBhvr>
+                                      <p:to>
+                                        <p:strVal val="visible"/>
+                                      </p:to>
+                                    </p:set>
+                                    <p:animEffect transition="in" filter="fade">
+                                      <p:cBhvr>
+                                        <p:cTn id="18" dur="500"/>
+                                        <p:tgtEl>
+                                          <p:spTgt spid="12"/>
                                         </p:tgtEl>
                                       </p:cBhvr>
                                     </p:animEffect>
@@ -5247,26 +5809,26 @@
                     </p:cTn>
                   </p:par>
                   <p:par>
-                    <p:cTn id="13" fill="hold">
+                    <p:cTn id="19" fill="hold">
                       <p:stCondLst>
                         <p:cond delay="indefinite"/>
                       </p:stCondLst>
                       <p:childTnLst>
                         <p:par>
-                          <p:cTn id="14" fill="hold">
+                          <p:cTn id="20" fill="hold">
                             <p:stCondLst>
                               <p:cond delay="0"/>
                             </p:stCondLst>
                             <p:childTnLst>
                               <p:par>
-                                <p:cTn id="15" presetID="10" presetClass="entr" presetSubtype="0" fill="hold" nodeType="clickEffect">
+                                <p:cTn id="21" presetID="10" presetClass="entr" presetSubtype="0" fill="hold" nodeType="clickEffect">
                                   <p:stCondLst>
                                     <p:cond delay="0"/>
                                   </p:stCondLst>
                                   <p:childTnLst>
                                     <p:set>
                                       <p:cBhvr>
-                                        <p:cTn id="16" dur="1" fill="hold">
+                                        <p:cTn id="22" dur="1" fill="hold">
                                           <p:stCondLst>
                                             <p:cond delay="0"/>
                                           </p:stCondLst>
@@ -5284,9 +5846,44 @@
                                     </p:set>
                                     <p:animEffect transition="in" filter="fade">
                                       <p:cBhvr>
-                                        <p:cTn id="17" dur="500"/>
+                                        <p:cTn id="23" dur="500"/>
                                         <p:tgtEl>
                                           <p:spTgt spid="4099"/>
+                                        </p:tgtEl>
+                                      </p:cBhvr>
+                                    </p:animEffect>
+                                  </p:childTnLst>
+                                </p:cTn>
+                              </p:par>
+                              <p:par>
+                                <p:cTn id="24" presetID="10" presetClass="entr" presetSubtype="0" fill="hold" grpId="0" nodeType="withEffect">
+                                  <p:stCondLst>
+                                    <p:cond delay="0"/>
+                                  </p:stCondLst>
+                                  <p:childTnLst>
+                                    <p:set>
+                                      <p:cBhvr>
+                                        <p:cTn id="25" dur="1" fill="hold">
+                                          <p:stCondLst>
+                                            <p:cond delay="0"/>
+                                          </p:stCondLst>
+                                        </p:cTn>
+                                        <p:tgtEl>
+                                          <p:spTgt spid="13"/>
+                                        </p:tgtEl>
+                                        <p:attrNameLst>
+                                          <p:attrName>style.visibility</p:attrName>
+                                        </p:attrNameLst>
+                                      </p:cBhvr>
+                                      <p:to>
+                                        <p:strVal val="visible"/>
+                                      </p:to>
+                                    </p:set>
+                                    <p:animEffect transition="in" filter="fade">
+                                      <p:cBhvr>
+                                        <p:cTn id="26" dur="500"/>
+                                        <p:tgtEl>
+                                          <p:spTgt spid="13"/>
                                         </p:tgtEl>
                                       </p:cBhvr>
                                     </p:animEffect>
@@ -5300,26 +5897,26 @@
                     </p:cTn>
                   </p:par>
                   <p:par>
-                    <p:cTn id="18" fill="hold">
+                    <p:cTn id="27" fill="hold">
                       <p:stCondLst>
                         <p:cond delay="indefinite"/>
                       </p:stCondLst>
                       <p:childTnLst>
                         <p:par>
-                          <p:cTn id="19" fill="hold">
+                          <p:cTn id="28" fill="hold">
                             <p:stCondLst>
                               <p:cond delay="0"/>
                             </p:stCondLst>
                             <p:childTnLst>
                               <p:par>
-                                <p:cTn id="20" presetID="10" presetClass="entr" presetSubtype="0" fill="hold" nodeType="clickEffect">
+                                <p:cTn id="29" presetID="10" presetClass="entr" presetSubtype="0" fill="hold" nodeType="clickEffect">
                                   <p:stCondLst>
                                     <p:cond delay="0"/>
                                   </p:stCondLst>
                                   <p:childTnLst>
                                     <p:set>
                                       <p:cBhvr>
-                                        <p:cTn id="21" dur="1" fill="hold">
+                                        <p:cTn id="30" dur="1" fill="hold">
                                           <p:stCondLst>
                                             <p:cond delay="0"/>
                                           </p:stCondLst>
@@ -5337,9 +5934,44 @@
                                     </p:set>
                                     <p:animEffect transition="in" filter="fade">
                                       <p:cBhvr>
-                                        <p:cTn id="22" dur="500"/>
+                                        <p:cTn id="31" dur="500"/>
                                         <p:tgtEl>
                                           <p:spTgt spid="4100"/>
+                                        </p:tgtEl>
+                                      </p:cBhvr>
+                                    </p:animEffect>
+                                  </p:childTnLst>
+                                </p:cTn>
+                              </p:par>
+                              <p:par>
+                                <p:cTn id="32" presetID="10" presetClass="entr" presetSubtype="0" fill="hold" grpId="0" nodeType="withEffect">
+                                  <p:stCondLst>
+                                    <p:cond delay="0"/>
+                                  </p:stCondLst>
+                                  <p:childTnLst>
+                                    <p:set>
+                                      <p:cBhvr>
+                                        <p:cTn id="33" dur="1" fill="hold">
+                                          <p:stCondLst>
+                                            <p:cond delay="0"/>
+                                          </p:stCondLst>
+                                        </p:cTn>
+                                        <p:tgtEl>
+                                          <p:spTgt spid="14"/>
+                                        </p:tgtEl>
+                                        <p:attrNameLst>
+                                          <p:attrName>style.visibility</p:attrName>
+                                        </p:attrNameLst>
+                                      </p:cBhvr>
+                                      <p:to>
+                                        <p:strVal val="visible"/>
+                                      </p:to>
+                                    </p:set>
+                                    <p:animEffect transition="in" filter="fade">
+                                      <p:cBhvr>
+                                        <p:cTn id="34" dur="500"/>
+                                        <p:tgtEl>
+                                          <p:spTgt spid="14"/>
                                         </p:tgtEl>
                                       </p:cBhvr>
                                     </p:animEffect>
@@ -5373,6 +6005,12 @@
         </p:cTn>
       </p:par>
     </p:tnLst>
+    <p:bldLst>
+      <p:bldP spid="11" grpId="0"/>
+      <p:bldP spid="12" grpId="0"/>
+      <p:bldP spid="13" grpId="0"/>
+      <p:bldP spid="14" grpId="0"/>
+    </p:bldLst>
   </p:timing>
 </p:sld>
 </file>
@@ -5396,108 +6034,6 @@
       </p:grpSpPr>
       <p:sp>
         <p:nvSpPr>
-          <p:cNvPr id="3" name="TextBox 2"/>
-          <p:cNvSpPr txBox="1"/>
-          <p:nvPr/>
-        </p:nvSpPr>
-        <p:spPr>
-          <a:xfrm>
-            <a:off x="7775725" y="7259829"/>
-            <a:ext cx="2497800" cy="480131"/>
-          </a:xfrm>
-          <a:prstGeom prst="rect">
-            <a:avLst/>
-          </a:prstGeom>
-          <a:noFill/>
-        </p:spPr>
-        <p:txBody>
-          <a:bodyPr wrap="none" rtlCol="0">
-            <a:spAutoFit/>
-          </a:bodyPr>
-          <a:lstStyle/>
-          <a:p>
-            <a:r>
-              <a:rPr lang="en-US" altLang="ko-KR" sz="2520" dirty="0">
-                <a:solidFill>
-                  <a:schemeClr val="accent5"/>
-                </a:solidFill>
-                <a:latin typeface="배달의민족 도현" pitchFamily="50" charset="-127"/>
-                <a:ea typeface="배달의민족 도현" pitchFamily="50" charset="-127"/>
-              </a:rPr>
-              <a:t>S</a:t>
-            </a:r>
-            <a:r>
-              <a:rPr lang="en-US" altLang="ko-KR" sz="2520" dirty="0">
-                <a:latin typeface="배달의민족 도현" pitchFamily="50" charset="-127"/>
-                <a:ea typeface="배달의민족 도현" pitchFamily="50" charset="-127"/>
-              </a:rPr>
-              <a:t>TART</a:t>
-            </a:r>
-            <a:r>
-              <a:rPr lang="en-US" altLang="ko-KR" sz="2520" dirty="0">
-                <a:solidFill>
-                  <a:schemeClr val="accent5"/>
-                </a:solidFill>
-                <a:latin typeface="배달의민족 도현" pitchFamily="50" charset="-127"/>
-                <a:ea typeface="배달의민족 도현" pitchFamily="50" charset="-127"/>
-              </a:rPr>
-              <a:t>C</a:t>
-            </a:r>
-            <a:r>
-              <a:rPr lang="en-US" altLang="ko-KR" sz="2520" dirty="0">
-                <a:latin typeface="배달의민족 도현" pitchFamily="50" charset="-127"/>
-                <a:ea typeface="배달의민족 도현" pitchFamily="50" charset="-127"/>
-              </a:rPr>
-              <a:t>ODING</a:t>
-            </a:r>
-            <a:endParaRPr lang="ko-KR" altLang="en-US" sz="2520" dirty="0">
-              <a:latin typeface="배달의민족 도현" pitchFamily="50" charset="-127"/>
-              <a:ea typeface="배달의민족 도현" pitchFamily="50" charset="-127"/>
-            </a:endParaRPr>
-          </a:p>
-        </p:txBody>
-      </p:sp>
-      <p:sp>
-        <p:nvSpPr>
-          <p:cNvPr id="6" name="직사각형 5"/>
-          <p:cNvSpPr/>
-          <p:nvPr/>
-        </p:nvSpPr>
-        <p:spPr>
-          <a:xfrm>
-            <a:off x="-1297294" y="-1208314"/>
-            <a:ext cx="3629203" cy="480131"/>
-          </a:xfrm>
-          <a:prstGeom prst="rect">
-            <a:avLst/>
-          </a:prstGeom>
-        </p:spPr>
-        <p:txBody>
-          <a:bodyPr wrap="square">
-            <a:spAutoFit/>
-          </a:bodyPr>
-          <a:lstStyle/>
-          <a:p>
-            <a:r>
-              <a:rPr lang="en-US" altLang="ko-KR" sz="2520" dirty="0">
-                <a:latin typeface="배달의민족 주아" pitchFamily="18" charset="-127"/>
-                <a:ea typeface="배달의민족 주아" pitchFamily="18" charset="-127"/>
-              </a:rPr>
-              <a:t>3. </a:t>
-            </a:r>
-            <a:r>
-              <a:rPr lang="ko-KR" altLang="en-US" sz="2520" dirty="0">
-                <a:latin typeface="배달의민족 주아" pitchFamily="18" charset="-127"/>
-                <a:ea typeface="배달의민족 주아" pitchFamily="18" charset="-127"/>
-              </a:rPr>
-              <a:t>프로그램 설치</a:t>
-            </a:r>
-            <a:endParaRPr lang="ko-KR" altLang="en-US" sz="2520" dirty="0"/>
-          </a:p>
-        </p:txBody>
-      </p:sp>
-      <p:sp>
-        <p:nvSpPr>
           <p:cNvPr id="7" name="제목 1"/>
           <p:cNvSpPr>
             <a:spLocks noGrp="1"/>
@@ -5508,23 +6044,25 @@
         </p:nvSpPr>
         <p:spPr>
           <a:xfrm>
-            <a:off x="-487680" y="-704247"/>
+            <a:off x="-487680" y="-357227"/>
             <a:ext cx="10881360" cy="2058035"/>
           </a:xfrm>
         </p:spPr>
         <p:txBody>
-          <a:bodyPr/>
+          <a:bodyPr>
+            <a:normAutofit/>
+          </a:bodyPr>
           <a:lstStyle/>
           <a:p>
             <a:r>
-              <a:rPr lang="ko-KR" altLang="en-US" dirty="0" err="1">
+              <a:rPr lang="ko-KR" altLang="en-US" sz="4400" dirty="0" err="1">
                 <a:latin typeface="배달의민족 주아" pitchFamily="18" charset="-127"/>
                 <a:ea typeface="배달의민족 주아" pitchFamily="18" charset="-127"/>
               </a:rPr>
               <a:t>파이썬</a:t>
             </a:r>
             <a:r>
-              <a:rPr lang="ko-KR" altLang="en-US" dirty="0">
+              <a:rPr lang="ko-KR" altLang="en-US" sz="4400" dirty="0">
                 <a:latin typeface="배달의민족 주아" pitchFamily="18" charset="-127"/>
                 <a:ea typeface="배달의민족 주아" pitchFamily="18" charset="-127"/>
               </a:rPr>
@@ -5556,8 +6094,8 @@
         </p:blipFill>
         <p:spPr bwMode="auto">
           <a:xfrm>
-            <a:off x="-162795" y="1720689"/>
-            <a:ext cx="10231626" cy="4330673"/>
+            <a:off x="535748" y="1718002"/>
+            <a:ext cx="9004263" cy="3811175"/>
           </a:xfrm>
           <a:prstGeom prst="rect">
             <a:avLst/>
@@ -5601,8 +6139,8 @@
         </p:nvSpPr>
         <p:spPr>
           <a:xfrm>
-            <a:off x="2184959" y="908745"/>
-            <a:ext cx="5460277" cy="867930"/>
+            <a:off x="2975824" y="980728"/>
+            <a:ext cx="3954352" cy="646331"/>
           </a:xfrm>
           <a:prstGeom prst="rect">
             <a:avLst/>
@@ -5615,15 +6153,15 @@
           <a:lstStyle/>
           <a:p>
             <a:r>
-              <a:rPr lang="en-US" altLang="ko-KR" sz="2520" dirty="0">
+              <a:rPr lang="en-US" altLang="ko-KR" sz="1800" dirty="0">
                 <a:hlinkClick r:id="rId3"/>
               </a:rPr>
               <a:t>https://www.python.org/downloads/</a:t>
             </a:r>
-            <a:endParaRPr lang="en-US" altLang="ko-KR" sz="2520" dirty="0"/>
-          </a:p>
-          <a:p>
-            <a:endParaRPr lang="en-US" altLang="ko-KR" sz="2520" dirty="0"/>
+            <a:endParaRPr lang="en-US" altLang="ko-KR" sz="1800" dirty="0"/>
+          </a:p>
+          <a:p>
+            <a:endParaRPr lang="en-US" altLang="ko-KR" sz="1800" dirty="0"/>
           </a:p>
         </p:txBody>
       </p:sp>
@@ -5635,7 +6173,7 @@
         </p:nvSpPr>
         <p:spPr>
           <a:xfrm>
-            <a:off x="718938" y="3429021"/>
+            <a:off x="1208584" y="3220343"/>
             <a:ext cx="2117035" cy="806491"/>
           </a:xfrm>
           <a:prstGeom prst="rect">
@@ -5681,7 +6219,7 @@
         </p:nvSpPr>
         <p:spPr>
           <a:xfrm>
-            <a:off x="2331923" y="6352544"/>
+            <a:off x="2387682" y="5914371"/>
             <a:ext cx="5130635" cy="480131"/>
           </a:xfrm>
           <a:prstGeom prst="rect">
@@ -5722,6 +6260,120 @@
               <a:solidFill>
                 <a:srgbClr val="FF0000"/>
               </a:solidFill>
+            </a:endParaRPr>
+          </a:p>
+        </p:txBody>
+      </p:sp>
+      <p:sp>
+        <p:nvSpPr>
+          <p:cNvPr id="9" name="직사각형 8">
+            <a:extLst>
+              <a:ext uri="{FF2B5EF4-FFF2-40B4-BE49-F238E27FC236}">
+                <a16:creationId xmlns:a16="http://schemas.microsoft.com/office/drawing/2014/main" id="{88963583-44CB-4719-9D52-A80AB996CE3B}"/>
+              </a:ext>
+            </a:extLst>
+          </p:cNvPr>
+          <p:cNvSpPr/>
+          <p:nvPr/>
+        </p:nvSpPr>
+        <p:spPr>
+          <a:xfrm>
+            <a:off x="0" y="0"/>
+            <a:ext cx="3629203" cy="400110"/>
+          </a:xfrm>
+          <a:prstGeom prst="rect">
+            <a:avLst/>
+          </a:prstGeom>
+        </p:spPr>
+        <p:txBody>
+          <a:bodyPr wrap="square">
+            <a:spAutoFit/>
+          </a:bodyPr>
+          <a:lstStyle/>
+          <a:p>
+            <a:r>
+              <a:rPr lang="en-US" altLang="ko-KR" sz="2000" dirty="0">
+                <a:latin typeface="배달의민족 주아" pitchFamily="18" charset="-127"/>
+                <a:ea typeface="배달의민족 주아" pitchFamily="18" charset="-127"/>
+              </a:rPr>
+              <a:t>3. </a:t>
+            </a:r>
+            <a:r>
+              <a:rPr lang="ko-KR" altLang="en-US" sz="2000" dirty="0">
+                <a:latin typeface="배달의민족 주아" pitchFamily="18" charset="-127"/>
+                <a:ea typeface="배달의민족 주아" pitchFamily="18" charset="-127"/>
+              </a:rPr>
+              <a:t>프로그램 설치</a:t>
+            </a:r>
+            <a:endParaRPr lang="ko-KR" altLang="en-US" sz="2000" dirty="0"/>
+          </a:p>
+        </p:txBody>
+      </p:sp>
+      <p:sp>
+        <p:nvSpPr>
+          <p:cNvPr id="10" name="TextBox 9">
+            <a:extLst>
+              <a:ext uri="{FF2B5EF4-FFF2-40B4-BE49-F238E27FC236}">
+                <a16:creationId xmlns:a16="http://schemas.microsoft.com/office/drawing/2014/main" id="{0FA2C1FE-CE02-4659-8C00-51459EF47DBC}"/>
+              </a:ext>
+            </a:extLst>
+          </p:cNvPr>
+          <p:cNvSpPr txBox="1"/>
+          <p:nvPr/>
+        </p:nvSpPr>
+        <p:spPr>
+          <a:xfrm>
+            <a:off x="8081913" y="6488668"/>
+            <a:ext cx="1838965" cy="369332"/>
+          </a:xfrm>
+          <a:prstGeom prst="rect">
+            <a:avLst/>
+          </a:prstGeom>
+          <a:noFill/>
+        </p:spPr>
+        <p:txBody>
+          <a:bodyPr wrap="none" rtlCol="0">
+            <a:spAutoFit/>
+          </a:bodyPr>
+          <a:lstStyle/>
+          <a:p>
+            <a:r>
+              <a:rPr lang="en-US" altLang="ko-KR" sz="1800" dirty="0">
+                <a:solidFill>
+                  <a:schemeClr val="accent5"/>
+                </a:solidFill>
+                <a:latin typeface="배달의민족 도현" pitchFamily="50" charset="-127"/>
+                <a:ea typeface="배달의민족 도현" pitchFamily="50" charset="-127"/>
+              </a:rPr>
+              <a:t>S</a:t>
+            </a:r>
+            <a:r>
+              <a:rPr lang="en-US" altLang="ko-KR" sz="1800" dirty="0">
+                <a:latin typeface="배달의민족 도현" pitchFamily="50" charset="-127"/>
+                <a:ea typeface="배달의민족 도현" pitchFamily="50" charset="-127"/>
+              </a:rPr>
+              <a:t>TART</a:t>
+            </a:r>
+            <a:r>
+              <a:rPr lang="en-US" altLang="ko-KR" sz="1800" dirty="0">
+                <a:solidFill>
+                  <a:schemeClr val="accent5"/>
+                </a:solidFill>
+                <a:latin typeface="배달의민족 도현" pitchFamily="50" charset="-127"/>
+                <a:ea typeface="배달의민족 도현" pitchFamily="50" charset="-127"/>
+              </a:rPr>
+              <a:t>C</a:t>
+            </a:r>
+            <a:r>
+              <a:rPr lang="en-US" altLang="ko-KR" sz="1800" dirty="0">
+                <a:latin typeface="배달의민족 도현" pitchFamily="50" charset="-127"/>
+                <a:ea typeface="배달의민족 도현" pitchFamily="50" charset="-127"/>
+              </a:rPr>
+              <a:t>ODING</a:t>
+            </a:r>
+            <a:endParaRPr lang="ko-KR" altLang="en-US" sz="1800" dirty="0">
+              <a:latin typeface="배달의민족 도현" pitchFamily="50" charset="-127"/>
+              <a:ea typeface="배달의민족 도현" pitchFamily="50" charset="-127"/>
             </a:endParaRPr>
           </a:p>
         </p:txBody>
@@ -5758,108 +6410,6 @@
       </p:grpSpPr>
       <p:sp>
         <p:nvSpPr>
-          <p:cNvPr id="3" name="TextBox 2"/>
-          <p:cNvSpPr txBox="1"/>
-          <p:nvPr/>
-        </p:nvSpPr>
-        <p:spPr>
-          <a:xfrm>
-            <a:off x="7775725" y="7259829"/>
-            <a:ext cx="2497800" cy="480131"/>
-          </a:xfrm>
-          <a:prstGeom prst="rect">
-            <a:avLst/>
-          </a:prstGeom>
-          <a:noFill/>
-        </p:spPr>
-        <p:txBody>
-          <a:bodyPr wrap="none" rtlCol="0">
-            <a:spAutoFit/>
-          </a:bodyPr>
-          <a:lstStyle/>
-          <a:p>
-            <a:r>
-              <a:rPr lang="en-US" altLang="ko-KR" sz="2520" dirty="0">
-                <a:solidFill>
-                  <a:schemeClr val="accent5"/>
-                </a:solidFill>
-                <a:latin typeface="배달의민족 도현" pitchFamily="50" charset="-127"/>
-                <a:ea typeface="배달의민족 도현" pitchFamily="50" charset="-127"/>
-              </a:rPr>
-              <a:t>S</a:t>
-            </a:r>
-            <a:r>
-              <a:rPr lang="en-US" altLang="ko-KR" sz="2520" dirty="0">
-                <a:latin typeface="배달의민족 도현" pitchFamily="50" charset="-127"/>
-                <a:ea typeface="배달의민족 도현" pitchFamily="50" charset="-127"/>
-              </a:rPr>
-              <a:t>TART</a:t>
-            </a:r>
-            <a:r>
-              <a:rPr lang="en-US" altLang="ko-KR" sz="2520" dirty="0">
-                <a:solidFill>
-                  <a:schemeClr val="accent5"/>
-                </a:solidFill>
-                <a:latin typeface="배달의민족 도현" pitchFamily="50" charset="-127"/>
-                <a:ea typeface="배달의민족 도현" pitchFamily="50" charset="-127"/>
-              </a:rPr>
-              <a:t>C</a:t>
-            </a:r>
-            <a:r>
-              <a:rPr lang="en-US" altLang="ko-KR" sz="2520" dirty="0">
-                <a:latin typeface="배달의민족 도현" pitchFamily="50" charset="-127"/>
-                <a:ea typeface="배달의민족 도현" pitchFamily="50" charset="-127"/>
-              </a:rPr>
-              <a:t>ODING</a:t>
-            </a:r>
-            <a:endParaRPr lang="ko-KR" altLang="en-US" sz="2520" dirty="0">
-              <a:latin typeface="배달의민족 도현" pitchFamily="50" charset="-127"/>
-              <a:ea typeface="배달의민족 도현" pitchFamily="50" charset="-127"/>
-            </a:endParaRPr>
-          </a:p>
-        </p:txBody>
-      </p:sp>
-      <p:sp>
-        <p:nvSpPr>
-          <p:cNvPr id="6" name="직사각형 5"/>
-          <p:cNvSpPr/>
-          <p:nvPr/>
-        </p:nvSpPr>
-        <p:spPr>
-          <a:xfrm>
-            <a:off x="-1297294" y="-1208314"/>
-            <a:ext cx="3629203" cy="480131"/>
-          </a:xfrm>
-          <a:prstGeom prst="rect">
-            <a:avLst/>
-          </a:prstGeom>
-        </p:spPr>
-        <p:txBody>
-          <a:bodyPr wrap="square">
-            <a:spAutoFit/>
-          </a:bodyPr>
-          <a:lstStyle/>
-          <a:p>
-            <a:r>
-              <a:rPr lang="en-US" altLang="ko-KR" sz="2520" dirty="0">
-                <a:latin typeface="배달의민족 주아" pitchFamily="18" charset="-127"/>
-                <a:ea typeface="배달의민족 주아" pitchFamily="18" charset="-127"/>
-              </a:rPr>
-              <a:t>3. </a:t>
-            </a:r>
-            <a:r>
-              <a:rPr lang="ko-KR" altLang="en-US" sz="2520" dirty="0">
-                <a:latin typeface="배달의민족 주아" pitchFamily="18" charset="-127"/>
-                <a:ea typeface="배달의민족 주아" pitchFamily="18" charset="-127"/>
-              </a:rPr>
-              <a:t>프로그램 설치</a:t>
-            </a:r>
-            <a:endParaRPr lang="ko-KR" altLang="en-US" sz="2520" dirty="0"/>
-          </a:p>
-        </p:txBody>
-      </p:sp>
-      <p:sp>
-        <p:nvSpPr>
           <p:cNvPr id="7" name="제목 1"/>
           <p:cNvSpPr>
             <a:spLocks noGrp="1"/>
@@ -5870,30 +6420,32 @@
         </p:nvSpPr>
         <p:spPr>
           <a:xfrm>
-            <a:off x="-487680" y="-704247"/>
+            <a:off x="-487680" y="-285219"/>
             <a:ext cx="10881360" cy="2058035"/>
           </a:xfrm>
         </p:spPr>
         <p:txBody>
-          <a:bodyPr/>
+          <a:bodyPr>
+            <a:normAutofit/>
+          </a:bodyPr>
           <a:lstStyle/>
           <a:p>
             <a:r>
-              <a:rPr lang="ko-KR" altLang="en-US" dirty="0">
+              <a:rPr lang="ko-KR" altLang="en-US" sz="4400" dirty="0">
                 <a:latin typeface="배달의민족 주아" pitchFamily="18" charset="-127"/>
                 <a:ea typeface="배달의민족 주아" pitchFamily="18" charset="-127"/>
               </a:rPr>
               <a:t>에디터</a:t>
             </a:r>
             <a:r>
-              <a:rPr lang="en-US" altLang="ko-KR" dirty="0">
+              <a:rPr lang="en-US" altLang="ko-KR" sz="4400" dirty="0">
                 <a:latin typeface="배달의민족 주아" pitchFamily="18" charset="-127"/>
                 <a:ea typeface="배달의민족 주아" pitchFamily="18" charset="-127"/>
               </a:rPr>
               <a:t>(Visual Studio Code)</a:t>
             </a:r>
             <a:r>
-              <a:rPr lang="ko-KR" altLang="en-US" dirty="0">
+              <a:rPr lang="ko-KR" altLang="en-US" sz="4400" dirty="0">
                 <a:latin typeface="배달의민족 주아" pitchFamily="18" charset="-127"/>
                 <a:ea typeface="배달의민족 주아" pitchFamily="18" charset="-127"/>
               </a:rPr>
@@ -5910,8 +6462,8 @@
         </p:nvSpPr>
         <p:spPr>
           <a:xfrm>
-            <a:off x="2614488" y="908745"/>
-            <a:ext cx="4584909" cy="867930"/>
+            <a:off x="3149202" y="992922"/>
+            <a:ext cx="3676006" cy="707886"/>
           </a:xfrm>
           <a:prstGeom prst="rect">
             <a:avLst/>
@@ -5924,15 +6476,15 @@
           <a:lstStyle/>
           <a:p>
             <a:r>
-              <a:rPr lang="en-US" altLang="ko-KR" sz="2520" dirty="0">
+              <a:rPr lang="en-US" altLang="ko-KR" sz="2000" dirty="0">
                 <a:hlinkClick r:id="rId2"/>
               </a:rPr>
               <a:t>https://code.visualstudio.com/</a:t>
             </a:r>
-            <a:endParaRPr lang="en-US" altLang="ko-KR" sz="2520" dirty="0"/>
-          </a:p>
-          <a:p>
-            <a:endParaRPr lang="en-US" altLang="ko-KR" sz="2520" dirty="0"/>
+            <a:endParaRPr lang="en-US" altLang="ko-KR" sz="2000" dirty="0"/>
+          </a:p>
+          <a:p>
+            <a:endParaRPr lang="en-US" altLang="ko-KR" sz="2000" dirty="0"/>
           </a:p>
         </p:txBody>
       </p:sp>
@@ -5959,8 +6511,8 @@
         </p:blipFill>
         <p:spPr bwMode="auto">
           <a:xfrm>
-            <a:off x="341264" y="1513590"/>
-            <a:ext cx="9223514" cy="5509658"/>
+            <a:off x="774913" y="1425108"/>
+            <a:ext cx="8356173" cy="4991552"/>
           </a:xfrm>
           <a:prstGeom prst="rect">
             <a:avLst/>
@@ -6004,7 +6556,7 @@
         </p:nvSpPr>
         <p:spPr>
           <a:xfrm>
-            <a:off x="920562" y="3865191"/>
+            <a:off x="1208584" y="3501008"/>
             <a:ext cx="2117035" cy="806491"/>
           </a:xfrm>
           <a:prstGeom prst="rect">
@@ -6039,6 +6591,120 @@
           <a:p>
             <a:pPr algn="ctr"/>
             <a:endParaRPr lang="ko-KR" altLang="en-US" sz="2520"/>
+          </a:p>
+        </p:txBody>
+      </p:sp>
+      <p:sp>
+        <p:nvSpPr>
+          <p:cNvPr id="8" name="직사각형 7">
+            <a:extLst>
+              <a:ext uri="{FF2B5EF4-FFF2-40B4-BE49-F238E27FC236}">
+                <a16:creationId xmlns:a16="http://schemas.microsoft.com/office/drawing/2014/main" id="{170B9F68-82FF-430B-A078-70A6D5E4885F}"/>
+              </a:ext>
+            </a:extLst>
+          </p:cNvPr>
+          <p:cNvSpPr/>
+          <p:nvPr/>
+        </p:nvSpPr>
+        <p:spPr>
+          <a:xfrm>
+            <a:off x="0" y="0"/>
+            <a:ext cx="3629203" cy="400110"/>
+          </a:xfrm>
+          <a:prstGeom prst="rect">
+            <a:avLst/>
+          </a:prstGeom>
+        </p:spPr>
+        <p:txBody>
+          <a:bodyPr wrap="square">
+            <a:spAutoFit/>
+          </a:bodyPr>
+          <a:lstStyle/>
+          <a:p>
+            <a:r>
+              <a:rPr lang="en-US" altLang="ko-KR" sz="2000" dirty="0">
+                <a:latin typeface="배달의민족 주아" pitchFamily="18" charset="-127"/>
+                <a:ea typeface="배달의민족 주아" pitchFamily="18" charset="-127"/>
+              </a:rPr>
+              <a:t>3. </a:t>
+            </a:r>
+            <a:r>
+              <a:rPr lang="ko-KR" altLang="en-US" sz="2000" dirty="0">
+                <a:latin typeface="배달의민족 주아" pitchFamily="18" charset="-127"/>
+                <a:ea typeface="배달의민족 주아" pitchFamily="18" charset="-127"/>
+              </a:rPr>
+              <a:t>프로그램 설치</a:t>
+            </a:r>
+            <a:endParaRPr lang="ko-KR" altLang="en-US" sz="2000" dirty="0"/>
+          </a:p>
+        </p:txBody>
+      </p:sp>
+      <p:sp>
+        <p:nvSpPr>
+          <p:cNvPr id="9" name="TextBox 8">
+            <a:extLst>
+              <a:ext uri="{FF2B5EF4-FFF2-40B4-BE49-F238E27FC236}">
+                <a16:creationId xmlns:a16="http://schemas.microsoft.com/office/drawing/2014/main" id="{D2259705-1B93-4C42-A4DB-26C9E1E56149}"/>
+              </a:ext>
+            </a:extLst>
+          </p:cNvPr>
+          <p:cNvSpPr txBox="1"/>
+          <p:nvPr/>
+        </p:nvSpPr>
+        <p:spPr>
+          <a:xfrm>
+            <a:off x="8081913" y="6488668"/>
+            <a:ext cx="1838965" cy="369332"/>
+          </a:xfrm>
+          <a:prstGeom prst="rect">
+            <a:avLst/>
+          </a:prstGeom>
+          <a:noFill/>
+        </p:spPr>
+        <p:txBody>
+          <a:bodyPr wrap="none" rtlCol="0">
+            <a:spAutoFit/>
+          </a:bodyPr>
+          <a:lstStyle/>
+          <a:p>
+            <a:r>
+              <a:rPr lang="en-US" altLang="ko-KR" sz="1800" dirty="0">
+                <a:solidFill>
+                  <a:schemeClr val="accent5"/>
+                </a:solidFill>
+                <a:latin typeface="배달의민족 도현" pitchFamily="50" charset="-127"/>
+                <a:ea typeface="배달의민족 도현" pitchFamily="50" charset="-127"/>
+              </a:rPr>
+              <a:t>S</a:t>
+            </a:r>
+            <a:r>
+              <a:rPr lang="en-US" altLang="ko-KR" sz="1800" dirty="0">
+                <a:latin typeface="배달의민족 도현" pitchFamily="50" charset="-127"/>
+                <a:ea typeface="배달의민족 도현" pitchFamily="50" charset="-127"/>
+              </a:rPr>
+              <a:t>TART</a:t>
+            </a:r>
+            <a:r>
+              <a:rPr lang="en-US" altLang="ko-KR" sz="1800" dirty="0">
+                <a:solidFill>
+                  <a:schemeClr val="accent5"/>
+                </a:solidFill>
+                <a:latin typeface="배달의민족 도현" pitchFamily="50" charset="-127"/>
+                <a:ea typeface="배달의민족 도현" pitchFamily="50" charset="-127"/>
+              </a:rPr>
+              <a:t>C</a:t>
+            </a:r>
+            <a:r>
+              <a:rPr lang="en-US" altLang="ko-KR" sz="1800" dirty="0">
+                <a:latin typeface="배달의민족 도현" pitchFamily="50" charset="-127"/>
+                <a:ea typeface="배달의민족 도현" pitchFamily="50" charset="-127"/>
+              </a:rPr>
+              <a:t>ODING</a:t>
+            </a:r>
+            <a:endParaRPr lang="ko-KR" altLang="en-US" sz="1800" dirty="0">
+              <a:latin typeface="배달의민족 도현" pitchFamily="50" charset="-127"/>
+              <a:ea typeface="배달의민족 도현" pitchFamily="50" charset="-127"/>
+            </a:endParaRPr>
           </a:p>
         </p:txBody>
       </p:sp>
@@ -6074,69 +6740,6 @@
       </p:grpSpPr>
       <p:sp>
         <p:nvSpPr>
-          <p:cNvPr id="3" name="TextBox 2"/>
-          <p:cNvSpPr txBox="1"/>
-          <p:nvPr/>
-        </p:nvSpPr>
-        <p:spPr>
-          <a:xfrm>
-            <a:off x="7775725" y="7259829"/>
-            <a:ext cx="2497800" cy="480131"/>
-          </a:xfrm>
-          <a:prstGeom prst="rect">
-            <a:avLst/>
-          </a:prstGeom>
-          <a:noFill/>
-        </p:spPr>
-        <p:txBody>
-          <a:bodyPr wrap="none" rtlCol="0">
-            <a:spAutoFit/>
-          </a:bodyPr>
-          <a:lstStyle/>
-          <a:p>
-            <a:r>
-              <a:rPr lang="en-US" altLang="ko-KR" sz="2520" dirty="0">
-                <a:solidFill>
-                  <a:schemeClr val="accent5"/>
-                </a:solidFill>
-                <a:latin typeface="배달의민족 도현" pitchFamily="50" charset="-127"/>
-                <a:ea typeface="배달의민족 도현" pitchFamily="50" charset="-127"/>
-              </a:rPr>
-              <a:t>S</a:t>
-            </a:r>
-            <a:r>
-              <a:rPr lang="en-US" altLang="ko-KR" sz="2520" dirty="0">
-                <a:latin typeface="배달의민족 도현" pitchFamily="50" charset="-127"/>
-                <a:ea typeface="배달의민족 도현" pitchFamily="50" charset="-127"/>
-              </a:rPr>
-              <a:t>TART</a:t>
-            </a:r>
-            <a:r>
-              <a:rPr lang="en-US" altLang="ko-KR" sz="2520" dirty="0">
-                <a:solidFill>
-                  <a:schemeClr val="accent5"/>
-                </a:solidFill>
-                <a:latin typeface="배달의민족 도현" pitchFamily="50" charset="-127"/>
-                <a:ea typeface="배달의민족 도현" pitchFamily="50" charset="-127"/>
-              </a:rPr>
-              <a:t>C</a:t>
-            </a:r>
-            <a:r>
-              <a:rPr lang="en-US" altLang="ko-KR" sz="2520" dirty="0">
-                <a:latin typeface="배달의민족 도현" pitchFamily="50" charset="-127"/>
-                <a:ea typeface="배달의민족 도현" pitchFamily="50" charset="-127"/>
-              </a:rPr>
-              <a:t>ODING</a:t>
-            </a:r>
-            <a:endParaRPr lang="ko-KR" altLang="en-US" sz="2520" dirty="0">
-              <a:latin typeface="배달의민족 도현" pitchFamily="50" charset="-127"/>
-              <a:ea typeface="배달의민족 도현" pitchFamily="50" charset="-127"/>
-            </a:endParaRPr>
-          </a:p>
-        </p:txBody>
-      </p:sp>
-      <p:sp>
-        <p:nvSpPr>
           <p:cNvPr id="6" name="직사각형 5"/>
           <p:cNvSpPr/>
           <p:nvPr/>
@@ -6186,23 +6789,25 @@
         </p:nvSpPr>
         <p:spPr>
           <a:xfrm>
-            <a:off x="-487680" y="-704247"/>
+            <a:off x="-487680" y="-99392"/>
             <a:ext cx="10881360" cy="2058035"/>
           </a:xfrm>
         </p:spPr>
         <p:txBody>
-          <a:bodyPr/>
+          <a:bodyPr>
+            <a:normAutofit/>
+          </a:bodyPr>
           <a:lstStyle/>
           <a:p>
             <a:r>
-              <a:rPr lang="en-US" altLang="ko-KR" dirty="0">
+              <a:rPr lang="en-US" altLang="ko-KR" sz="4400" dirty="0">
                 <a:latin typeface="배달의민족 주아" pitchFamily="18" charset="-127"/>
                 <a:ea typeface="배달의민족 주아" pitchFamily="18" charset="-127"/>
               </a:rPr>
               <a:t>Visual Studio Code </a:t>
             </a:r>
             <a:r>
-              <a:rPr lang="ko-KR" altLang="en-US" dirty="0">
+              <a:rPr lang="ko-KR" altLang="en-US" sz="4400" dirty="0">
                 <a:latin typeface="배달의민족 주아" pitchFamily="18" charset="-127"/>
                 <a:ea typeface="배달의민족 주아" pitchFamily="18" charset="-127"/>
               </a:rPr>
@@ -6219,8 +6824,8 @@
         </p:nvSpPr>
         <p:spPr>
           <a:xfrm>
-            <a:off x="2432722" y="908745"/>
-            <a:ext cx="4888133" cy="867930"/>
+            <a:off x="2977938" y="1424970"/>
+            <a:ext cx="3919278" cy="707886"/>
           </a:xfrm>
           <a:prstGeom prst="rect">
             <a:avLst/>
@@ -6233,15 +6838,15 @@
           <a:lstStyle/>
           <a:p>
             <a:r>
-              <a:rPr lang="en-US" altLang="ko-KR" sz="2520" dirty="0">
+              <a:rPr lang="en-US" altLang="ko-KR" sz="2000" dirty="0">
                 <a:hlinkClick r:id="rId2"/>
               </a:rPr>
               <a:t>https://youtu.be/YWyfAH1RQD8</a:t>
             </a:r>
-            <a:endParaRPr lang="en-US" altLang="ko-KR" sz="2520" dirty="0"/>
-          </a:p>
-          <a:p>
-            <a:endParaRPr lang="en-US" altLang="ko-KR" sz="2520" dirty="0"/>
+            <a:endParaRPr lang="en-US" altLang="ko-KR" sz="2000" dirty="0"/>
+          </a:p>
+          <a:p>
+            <a:endParaRPr lang="en-US" altLang="ko-KR" sz="2000" dirty="0"/>
           </a:p>
         </p:txBody>
       </p:sp>
@@ -6284,19 +6889,133 @@
           </a:lstStyle>
           <a:p>
             <a:r>
-              <a:rPr lang="ko-KR" altLang="en-US" sz="5601" dirty="0" err="1">
+              <a:rPr lang="ko-KR" altLang="en-US" sz="4800" dirty="0" err="1">
                 <a:latin typeface="배달의민족 주아" pitchFamily="18" charset="-127"/>
                 <a:ea typeface="배달의민족 주아" pitchFamily="18" charset="-127"/>
               </a:rPr>
               <a:t>유튜브</a:t>
             </a:r>
             <a:r>
-              <a:rPr lang="ko-KR" altLang="en-US" sz="5601" dirty="0">
+              <a:rPr lang="ko-KR" altLang="en-US" sz="4800" dirty="0">
                 <a:latin typeface="배달의민족 주아" pitchFamily="18" charset="-127"/>
                 <a:ea typeface="배달의민족 주아" pitchFamily="18" charset="-127"/>
               </a:rPr>
               <a:t> 영상 참고</a:t>
             </a:r>
+          </a:p>
+        </p:txBody>
+      </p:sp>
+      <p:sp>
+        <p:nvSpPr>
+          <p:cNvPr id="9" name="직사각형 8">
+            <a:extLst>
+              <a:ext uri="{FF2B5EF4-FFF2-40B4-BE49-F238E27FC236}">
+                <a16:creationId xmlns:a16="http://schemas.microsoft.com/office/drawing/2014/main" id="{26F3F09A-7B42-4905-87B7-2D077F3241D9}"/>
+              </a:ext>
+            </a:extLst>
+          </p:cNvPr>
+          <p:cNvSpPr/>
+          <p:nvPr/>
+        </p:nvSpPr>
+        <p:spPr>
+          <a:xfrm>
+            <a:off x="0" y="0"/>
+            <a:ext cx="3629203" cy="400110"/>
+          </a:xfrm>
+          <a:prstGeom prst="rect">
+            <a:avLst/>
+          </a:prstGeom>
+        </p:spPr>
+        <p:txBody>
+          <a:bodyPr wrap="square">
+            <a:spAutoFit/>
+          </a:bodyPr>
+          <a:lstStyle/>
+          <a:p>
+            <a:r>
+              <a:rPr lang="en-US" altLang="ko-KR" sz="2000" dirty="0">
+                <a:latin typeface="배달의민족 주아" pitchFamily="18" charset="-127"/>
+                <a:ea typeface="배달의민족 주아" pitchFamily="18" charset="-127"/>
+              </a:rPr>
+              <a:t>3. </a:t>
+            </a:r>
+            <a:r>
+              <a:rPr lang="ko-KR" altLang="en-US" sz="2000" dirty="0">
+                <a:latin typeface="배달의민족 주아" pitchFamily="18" charset="-127"/>
+                <a:ea typeface="배달의민족 주아" pitchFamily="18" charset="-127"/>
+              </a:rPr>
+              <a:t>프로그램 설치</a:t>
+            </a:r>
+            <a:endParaRPr lang="ko-KR" altLang="en-US" sz="2000" dirty="0"/>
+          </a:p>
+        </p:txBody>
+      </p:sp>
+      <p:sp>
+        <p:nvSpPr>
+          <p:cNvPr id="10" name="TextBox 9">
+            <a:extLst>
+              <a:ext uri="{FF2B5EF4-FFF2-40B4-BE49-F238E27FC236}">
+                <a16:creationId xmlns:a16="http://schemas.microsoft.com/office/drawing/2014/main" id="{9B9A4D1D-211C-42F6-9EB1-349122F80828}"/>
+              </a:ext>
+            </a:extLst>
+          </p:cNvPr>
+          <p:cNvSpPr txBox="1"/>
+          <p:nvPr/>
+        </p:nvSpPr>
+        <p:spPr>
+          <a:xfrm>
+            <a:off x="8081913" y="6488668"/>
+            <a:ext cx="1838965" cy="369332"/>
+          </a:xfrm>
+          <a:prstGeom prst="rect">
+            <a:avLst/>
+          </a:prstGeom>
+          <a:noFill/>
+        </p:spPr>
+        <p:txBody>
+          <a:bodyPr wrap="none" rtlCol="0">
+            <a:spAutoFit/>
+          </a:bodyPr>
+          <a:lstStyle/>
+          <a:p>
+            <a:r>
+              <a:rPr lang="en-US" altLang="ko-KR" sz="1800" dirty="0">
+                <a:solidFill>
+                  <a:schemeClr val="accent5"/>
+                </a:solidFill>
+                <a:latin typeface="배달의민족 도현" pitchFamily="50" charset="-127"/>
+                <a:ea typeface="배달의민족 도현" pitchFamily="50" charset="-127"/>
+              </a:rPr>
+              <a:t>S</a:t>
+            </a:r>
+            <a:r>
+              <a:rPr lang="en-US" altLang="ko-KR" sz="1800" dirty="0">
+                <a:latin typeface="배달의민족 도현" pitchFamily="50" charset="-127"/>
+                <a:ea typeface="배달의민족 도현" pitchFamily="50" charset="-127"/>
+              </a:rPr>
+              <a:t>TART</a:t>
+            </a:r>
+            <a:r>
+              <a:rPr lang="en-US" altLang="ko-KR" sz="1800" dirty="0">
+                <a:solidFill>
+                  <a:schemeClr val="accent5"/>
+                </a:solidFill>
+                <a:latin typeface="배달의민족 도현" pitchFamily="50" charset="-127"/>
+                <a:ea typeface="배달의민족 도현" pitchFamily="50" charset="-127"/>
+              </a:rPr>
+              <a:t>C</a:t>
+            </a:r>
+            <a:r>
+              <a:rPr lang="en-US" altLang="ko-KR" sz="1800" dirty="0">
+                <a:latin typeface="배달의민족 도현" pitchFamily="50" charset="-127"/>
+                <a:ea typeface="배달의민족 도현" pitchFamily="50" charset="-127"/>
+              </a:rPr>
+              <a:t>ODING</a:t>
+            </a:r>
+            <a:endParaRPr lang="ko-KR" altLang="en-US" sz="1800" dirty="0">
+              <a:latin typeface="배달의민족 도현" pitchFamily="50" charset="-127"/>
+              <a:ea typeface="배달의민족 도현" pitchFamily="50" charset="-127"/>
+            </a:endParaRPr>
           </a:p>
         </p:txBody>
       </p:sp>
@@ -6332,108 +7051,6 @@
       </p:grpSpPr>
       <p:sp>
         <p:nvSpPr>
-          <p:cNvPr id="3" name="TextBox 2"/>
-          <p:cNvSpPr txBox="1"/>
-          <p:nvPr/>
-        </p:nvSpPr>
-        <p:spPr>
-          <a:xfrm>
-            <a:off x="7775725" y="7259829"/>
-            <a:ext cx="2497800" cy="480131"/>
-          </a:xfrm>
-          <a:prstGeom prst="rect">
-            <a:avLst/>
-          </a:prstGeom>
-          <a:noFill/>
-        </p:spPr>
-        <p:txBody>
-          <a:bodyPr wrap="none" rtlCol="0">
-            <a:spAutoFit/>
-          </a:bodyPr>
-          <a:lstStyle/>
-          <a:p>
-            <a:r>
-              <a:rPr lang="en-US" altLang="ko-KR" sz="2520" dirty="0">
-                <a:solidFill>
-                  <a:schemeClr val="accent5"/>
-                </a:solidFill>
-                <a:latin typeface="배달의민족 도현" pitchFamily="50" charset="-127"/>
-                <a:ea typeface="배달의민족 도현" pitchFamily="50" charset="-127"/>
-              </a:rPr>
-              <a:t>S</a:t>
-            </a:r>
-            <a:r>
-              <a:rPr lang="en-US" altLang="ko-KR" sz="2520" dirty="0">
-                <a:latin typeface="배달의민족 도현" pitchFamily="50" charset="-127"/>
-                <a:ea typeface="배달의민족 도현" pitchFamily="50" charset="-127"/>
-              </a:rPr>
-              <a:t>TART</a:t>
-            </a:r>
-            <a:r>
-              <a:rPr lang="en-US" altLang="ko-KR" sz="2520" dirty="0">
-                <a:solidFill>
-                  <a:schemeClr val="accent5"/>
-                </a:solidFill>
-                <a:latin typeface="배달의민족 도현" pitchFamily="50" charset="-127"/>
-                <a:ea typeface="배달의민족 도현" pitchFamily="50" charset="-127"/>
-              </a:rPr>
-              <a:t>C</a:t>
-            </a:r>
-            <a:r>
-              <a:rPr lang="en-US" altLang="ko-KR" sz="2520" dirty="0">
-                <a:latin typeface="배달의민족 도현" pitchFamily="50" charset="-127"/>
-                <a:ea typeface="배달의민족 도현" pitchFamily="50" charset="-127"/>
-              </a:rPr>
-              <a:t>ODING</a:t>
-            </a:r>
-            <a:endParaRPr lang="ko-KR" altLang="en-US" sz="2520" dirty="0">
-              <a:latin typeface="배달의민족 도현" pitchFamily="50" charset="-127"/>
-              <a:ea typeface="배달의민족 도현" pitchFamily="50" charset="-127"/>
-            </a:endParaRPr>
-          </a:p>
-        </p:txBody>
-      </p:sp>
-      <p:sp>
-        <p:nvSpPr>
-          <p:cNvPr id="6" name="직사각형 5"/>
-          <p:cNvSpPr/>
-          <p:nvPr/>
-        </p:nvSpPr>
-        <p:spPr>
-          <a:xfrm>
-            <a:off x="-1297294" y="-1208314"/>
-            <a:ext cx="3629203" cy="480131"/>
-          </a:xfrm>
-          <a:prstGeom prst="rect">
-            <a:avLst/>
-          </a:prstGeom>
-        </p:spPr>
-        <p:txBody>
-          <a:bodyPr wrap="square">
-            <a:spAutoFit/>
-          </a:bodyPr>
-          <a:lstStyle/>
-          <a:p>
-            <a:r>
-              <a:rPr lang="en-US" altLang="ko-KR" sz="2520" dirty="0">
-                <a:latin typeface="배달의민족 주아" pitchFamily="18" charset="-127"/>
-                <a:ea typeface="배달의민족 주아" pitchFamily="18" charset="-127"/>
-              </a:rPr>
-              <a:t>3. </a:t>
-            </a:r>
-            <a:r>
-              <a:rPr lang="ko-KR" altLang="en-US" sz="2520" dirty="0">
-                <a:latin typeface="배달의민족 주아" pitchFamily="18" charset="-127"/>
-                <a:ea typeface="배달의민족 주아" pitchFamily="18" charset="-127"/>
-              </a:rPr>
-              <a:t>프로그램 설치</a:t>
-            </a:r>
-            <a:endParaRPr lang="ko-KR" altLang="en-US" sz="2520" dirty="0"/>
-          </a:p>
-        </p:txBody>
-      </p:sp>
-      <p:sp>
-        <p:nvSpPr>
           <p:cNvPr id="7" name="제목 1"/>
           <p:cNvSpPr>
             <a:spLocks noGrp="1"/>
@@ -6444,23 +7061,25 @@
         </p:nvSpPr>
         <p:spPr>
           <a:xfrm>
-            <a:off x="-487680" y="-704247"/>
+            <a:off x="-487680" y="-285219"/>
             <a:ext cx="10881360" cy="2058035"/>
           </a:xfrm>
         </p:spPr>
         <p:txBody>
-          <a:bodyPr/>
+          <a:bodyPr>
+            <a:normAutofit/>
+          </a:bodyPr>
           <a:lstStyle/>
           <a:p>
             <a:r>
-              <a:rPr lang="en-US" altLang="ko-KR" dirty="0">
+              <a:rPr lang="en-US" altLang="ko-KR" sz="4400" dirty="0">
                 <a:latin typeface="배달의민족 주아" pitchFamily="18" charset="-127"/>
                 <a:ea typeface="배달의민족 주아" pitchFamily="18" charset="-127"/>
               </a:rPr>
               <a:t>Visual Studio Code </a:t>
             </a:r>
             <a:r>
-              <a:rPr lang="ko-KR" altLang="en-US" dirty="0">
+              <a:rPr lang="ko-KR" altLang="en-US" sz="4400" dirty="0">
                 <a:latin typeface="배달의민족 주아" pitchFamily="18" charset="-127"/>
                 <a:ea typeface="배달의민족 주아" pitchFamily="18" charset="-127"/>
               </a:rPr>
@@ -6491,8 +7110,8 @@
         </p:blipFill>
         <p:spPr>
           <a:xfrm>
-            <a:off x="1879291" y="1211164"/>
-            <a:ext cx="6147438" cy="5587365"/>
+            <a:off x="2047983" y="1268760"/>
+            <a:ext cx="5810033" cy="5280700"/>
           </a:xfrm>
           <a:prstGeom prst="rect">
             <a:avLst/>
@@ -6523,7 +7142,7 @@
         </p:nvSpPr>
         <p:spPr>
           <a:xfrm>
-            <a:off x="1879298" y="4336321"/>
+            <a:off x="2004783" y="4185095"/>
             <a:ext cx="654251" cy="806491"/>
           </a:xfrm>
           <a:prstGeom prst="rect">
@@ -6610,6 +7229,120 @@
           <a:p>
             <a:pPr algn="ctr"/>
             <a:endParaRPr lang="ko-KR" altLang="en-US" sz="2520"/>
+          </a:p>
+        </p:txBody>
+      </p:sp>
+      <p:sp>
+        <p:nvSpPr>
+          <p:cNvPr id="8" name="직사각형 7">
+            <a:extLst>
+              <a:ext uri="{FF2B5EF4-FFF2-40B4-BE49-F238E27FC236}">
+                <a16:creationId xmlns:a16="http://schemas.microsoft.com/office/drawing/2014/main" id="{D8437C08-6E88-49AF-ABA3-E95052765B6F}"/>
+              </a:ext>
+            </a:extLst>
+          </p:cNvPr>
+          <p:cNvSpPr/>
+          <p:nvPr/>
+        </p:nvSpPr>
+        <p:spPr>
+          <a:xfrm>
+            <a:off x="0" y="0"/>
+            <a:ext cx="3629203" cy="400110"/>
+          </a:xfrm>
+          <a:prstGeom prst="rect">
+            <a:avLst/>
+          </a:prstGeom>
+        </p:spPr>
+        <p:txBody>
+          <a:bodyPr wrap="square">
+            <a:spAutoFit/>
+          </a:bodyPr>
+          <a:lstStyle/>
+          <a:p>
+            <a:r>
+              <a:rPr lang="en-US" altLang="ko-KR" sz="2000" dirty="0">
+                <a:latin typeface="배달의민족 주아" pitchFamily="18" charset="-127"/>
+                <a:ea typeface="배달의민족 주아" pitchFamily="18" charset="-127"/>
+              </a:rPr>
+              <a:t>3. </a:t>
+            </a:r>
+            <a:r>
+              <a:rPr lang="ko-KR" altLang="en-US" sz="2000" dirty="0">
+                <a:latin typeface="배달의민족 주아" pitchFamily="18" charset="-127"/>
+                <a:ea typeface="배달의민족 주아" pitchFamily="18" charset="-127"/>
+              </a:rPr>
+              <a:t>프로그램 설치</a:t>
+            </a:r>
+            <a:endParaRPr lang="ko-KR" altLang="en-US" sz="2000" dirty="0"/>
+          </a:p>
+        </p:txBody>
+      </p:sp>
+      <p:sp>
+        <p:nvSpPr>
+          <p:cNvPr id="10" name="TextBox 9">
+            <a:extLst>
+              <a:ext uri="{FF2B5EF4-FFF2-40B4-BE49-F238E27FC236}">
+                <a16:creationId xmlns:a16="http://schemas.microsoft.com/office/drawing/2014/main" id="{1B33A593-493A-4BEE-83A3-13BB0853F8F5}"/>
+              </a:ext>
+            </a:extLst>
+          </p:cNvPr>
+          <p:cNvSpPr txBox="1"/>
+          <p:nvPr/>
+        </p:nvSpPr>
+        <p:spPr>
+          <a:xfrm>
+            <a:off x="8081913" y="6488668"/>
+            <a:ext cx="1838965" cy="369332"/>
+          </a:xfrm>
+          <a:prstGeom prst="rect">
+            <a:avLst/>
+          </a:prstGeom>
+          <a:noFill/>
+        </p:spPr>
+        <p:txBody>
+          <a:bodyPr wrap="none" rtlCol="0">
+            <a:spAutoFit/>
+          </a:bodyPr>
+          <a:lstStyle/>
+          <a:p>
+            <a:r>
+              <a:rPr lang="en-US" altLang="ko-KR" sz="1800" dirty="0">
+                <a:solidFill>
+                  <a:schemeClr val="accent5"/>
+                </a:solidFill>
+                <a:latin typeface="배달의민족 도현" pitchFamily="50" charset="-127"/>
+                <a:ea typeface="배달의민족 도현" pitchFamily="50" charset="-127"/>
+              </a:rPr>
+              <a:t>S</a:t>
+            </a:r>
+            <a:r>
+              <a:rPr lang="en-US" altLang="ko-KR" sz="1800" dirty="0">
+                <a:latin typeface="배달의민족 도현" pitchFamily="50" charset="-127"/>
+                <a:ea typeface="배달의민족 도현" pitchFamily="50" charset="-127"/>
+              </a:rPr>
+              <a:t>TART</a:t>
+            </a:r>
+            <a:r>
+              <a:rPr lang="en-US" altLang="ko-KR" sz="1800" dirty="0">
+                <a:solidFill>
+                  <a:schemeClr val="accent5"/>
+                </a:solidFill>
+                <a:latin typeface="배달의민족 도현" pitchFamily="50" charset="-127"/>
+                <a:ea typeface="배달의민족 도현" pitchFamily="50" charset="-127"/>
+              </a:rPr>
+              <a:t>C</a:t>
+            </a:r>
+            <a:r>
+              <a:rPr lang="en-US" altLang="ko-KR" sz="1800" dirty="0">
+                <a:latin typeface="배달의민족 도현" pitchFamily="50" charset="-127"/>
+                <a:ea typeface="배달의민족 도현" pitchFamily="50" charset="-127"/>
+              </a:rPr>
+              <a:t>ODING</a:t>
+            </a:r>
+            <a:endParaRPr lang="ko-KR" altLang="en-US" sz="1800" dirty="0">
+              <a:latin typeface="배달의민족 도현" pitchFamily="50" charset="-127"/>
+              <a:ea typeface="배달의민족 도현" pitchFamily="50" charset="-127"/>
+            </a:endParaRPr>
           </a:p>
         </p:txBody>
       </p:sp>
@@ -6653,7 +7386,7 @@
         </p:nvSpPr>
         <p:spPr>
           <a:xfrm>
-            <a:off x="-289169" y="1715218"/>
+            <a:off x="-519608" y="1715218"/>
             <a:ext cx="10881361" cy="2058036"/>
           </a:xfrm>
           <a:prstGeom prst="rect">
@@ -6682,7 +7415,7 @@
           </a:lstStyle>
           <a:p>
             <a:r>
-              <a:rPr lang="ko-KR" altLang="en-US" sz="6161" dirty="0">
+              <a:rPr lang="ko-KR" altLang="en-US" dirty="0">
                 <a:latin typeface="배달의민족 주아" pitchFamily="18" charset="-127"/>
                 <a:ea typeface="배달의민족 주아" pitchFamily="18" charset="-127"/>
               </a:rPr>
@@ -6693,14 +7426,54 @@
       </p:sp>
       <p:sp>
         <p:nvSpPr>
-          <p:cNvPr id="3" name="TextBox 2"/>
+          <p:cNvPr id="4" name="직사각형 3"/>
+          <p:cNvSpPr/>
+          <p:nvPr/>
+        </p:nvSpPr>
+        <p:spPr>
+          <a:xfrm>
+            <a:off x="2764740" y="5949280"/>
+            <a:ext cx="4376519" cy="480131"/>
+          </a:xfrm>
+          <a:prstGeom prst="rect">
+            <a:avLst/>
+          </a:prstGeom>
+        </p:spPr>
+        <p:txBody>
+          <a:bodyPr wrap="none">
+            <a:spAutoFit/>
+          </a:bodyPr>
+          <a:lstStyle/>
+          <a:p>
+            <a:r>
+              <a:rPr lang="en-US" altLang="ko-KR" sz="2520" i="1" dirty="0">
+                <a:latin typeface="Adobe Ming Std L" pitchFamily="18" charset="-128"/>
+                <a:ea typeface="Adobe Ming Std L" pitchFamily="18" charset="-128"/>
+              </a:rPr>
+              <a:t>design icon from flaticon.com</a:t>
+            </a:r>
+            <a:endParaRPr lang="ko-KR" altLang="en-US" sz="2520" i="1" dirty="0">
+              <a:latin typeface="Adobe Ming Std L" pitchFamily="18" charset="-128"/>
+            </a:endParaRPr>
+          </a:p>
+        </p:txBody>
+      </p:sp>
+      <p:sp>
+        <p:nvSpPr>
+          <p:cNvPr id="6" name="TextBox 5">
+            <a:extLst>
+              <a:ext uri="{FF2B5EF4-FFF2-40B4-BE49-F238E27FC236}">
+                <a16:creationId xmlns:a16="http://schemas.microsoft.com/office/drawing/2014/main" id="{673CCE70-52FD-43E0-B567-3018047871A3}"/>
+              </a:ext>
+            </a:extLst>
+          </p:cNvPr>
           <p:cNvSpPr txBox="1"/>
           <p:nvPr/>
         </p:nvSpPr>
         <p:spPr>
           <a:xfrm>
-            <a:off x="7775725" y="7259829"/>
-            <a:ext cx="2497800" cy="480131"/>
+            <a:off x="8081913" y="6488668"/>
+            <a:ext cx="1838965" cy="369332"/>
           </a:xfrm>
           <a:prstGeom prst="rect">
             <a:avLst/>
@@ -6714,7 +7487,7 @@
           <a:lstStyle/>
           <a:p>
             <a:r>
-              <a:rPr lang="en-US" altLang="ko-KR" sz="2520" dirty="0">
+              <a:rPr lang="en-US" altLang="ko-KR" sz="1800" dirty="0">
                 <a:solidFill>
                   <a:schemeClr val="accent5"/>
                 </a:solidFill>
@@ -6724,14 +7497,14 @@
               <a:t>S</a:t>
             </a:r>
             <a:r>
-              <a:rPr lang="en-US" altLang="ko-KR" sz="2520" dirty="0">
+              <a:rPr lang="en-US" altLang="ko-KR" sz="1800" dirty="0">
                 <a:latin typeface="배달의민족 도현" pitchFamily="50" charset="-127"/>
                 <a:ea typeface="배달의민족 도현" pitchFamily="50" charset="-127"/>
               </a:rPr>
               <a:t>TART</a:t>
             </a:r>
             <a:r>
-              <a:rPr lang="en-US" altLang="ko-KR" sz="2520" dirty="0">
+              <a:rPr lang="en-US" altLang="ko-KR" sz="1800" dirty="0">
                 <a:solidFill>
                   <a:schemeClr val="accent5"/>
                 </a:solidFill>
@@ -6741,49 +7514,15 @@
               <a:t>C</a:t>
             </a:r>
             <a:r>
-              <a:rPr lang="en-US" altLang="ko-KR" sz="2520" dirty="0">
+              <a:rPr lang="en-US" altLang="ko-KR" sz="1800" dirty="0">
                 <a:latin typeface="배달의민족 도현" pitchFamily="50" charset="-127"/>
                 <a:ea typeface="배달의민족 도현" pitchFamily="50" charset="-127"/>
               </a:rPr>
               <a:t>ODING</a:t>
             </a:r>
-            <a:endParaRPr lang="ko-KR" altLang="en-US" sz="2520" dirty="0">
+            <a:endParaRPr lang="ko-KR" altLang="en-US" sz="1800" dirty="0">
               <a:latin typeface="배달의민족 도현" pitchFamily="50" charset="-127"/>
               <a:ea typeface="배달의민족 도현" pitchFamily="50" charset="-127"/>
-            </a:endParaRPr>
-          </a:p>
-        </p:txBody>
-      </p:sp>
-      <p:sp>
-        <p:nvSpPr>
-          <p:cNvPr id="4" name="직사각형 3"/>
-          <p:cNvSpPr/>
-          <p:nvPr/>
-        </p:nvSpPr>
-        <p:spPr>
-          <a:xfrm>
-            <a:off x="2828598" y="6641968"/>
-            <a:ext cx="4376519" cy="480131"/>
-          </a:xfrm>
-          <a:prstGeom prst="rect">
-            <a:avLst/>
-          </a:prstGeom>
-        </p:spPr>
-        <p:txBody>
-          <a:bodyPr wrap="none">
-            <a:spAutoFit/>
-          </a:bodyPr>
-          <a:lstStyle/>
-          <a:p>
-            <a:r>
-              <a:rPr lang="en-US" altLang="ko-KR" sz="2520" i="1" dirty="0">
-                <a:latin typeface="Adobe Ming Std L" pitchFamily="18" charset="-128"/>
-                <a:ea typeface="Adobe Ming Std L" pitchFamily="18" charset="-128"/>
-              </a:rPr>
-              <a:t>design icon from flaticon.com</a:t>
-            </a:r>
-            <a:endParaRPr lang="ko-KR" altLang="en-US" sz="2520" i="1" dirty="0">
-              <a:latin typeface="Adobe Ming Std L" pitchFamily="18" charset="-128"/>
             </a:endParaRPr>
           </a:p>
         </p:txBody>
@@ -6844,13 +7583,13 @@
         </p:spPr>
         <p:txBody>
           <a:bodyPr>
-            <a:normAutofit fontScale="90000"/>
+            <a:noAutofit/>
           </a:bodyPr>
           <a:lstStyle/>
           <a:p>
             <a:pPr algn="l"/>
             <a:r>
-              <a:rPr lang="ko-KR" altLang="en-US" sz="3924" dirty="0">
+              <a:rPr lang="ko-KR" altLang="en-US" sz="2000" dirty="0">
                 <a:solidFill>
                   <a:srgbClr val="FDE035"/>
                 </a:solidFill>
@@ -6860,7 +7599,7 @@
               <a:t>목차</a:t>
             </a:r>
             <a:br>
-              <a:rPr lang="en-US" altLang="ko-KR" sz="3924" dirty="0">
+              <a:rPr lang="en-US" altLang="ko-KR" sz="2000" dirty="0">
                 <a:solidFill>
                   <a:schemeClr val="accent5"/>
                 </a:solidFill>
@@ -6869,7 +7608,7 @@
               </a:rPr>
             </a:br>
             <a:br>
-              <a:rPr lang="en-US" altLang="ko-KR" dirty="0">
+              <a:rPr lang="en-US" altLang="ko-KR" sz="4000" dirty="0">
                 <a:solidFill>
                   <a:schemeClr val="bg1"/>
                 </a:solidFill>
@@ -6878,7 +7617,7 @@
               </a:rPr>
             </a:br>
             <a:r>
-              <a:rPr lang="en-US" altLang="ko-KR" sz="5043" dirty="0">
+              <a:rPr lang="en-US" altLang="ko-KR" sz="3200" dirty="0">
                 <a:solidFill>
                   <a:schemeClr val="bg1"/>
                 </a:solidFill>
@@ -6888,7 +7627,7 @@
               <a:t>1. </a:t>
             </a:r>
             <a:r>
-              <a:rPr lang="ko-KR" altLang="en-US" sz="5043" dirty="0">
+              <a:rPr lang="ko-KR" altLang="en-US" sz="3200" dirty="0">
                 <a:solidFill>
                   <a:schemeClr val="bg1"/>
                 </a:solidFill>
@@ -6898,7 +7637,7 @@
               <a:t>프로그래밍이란 무엇인가</a:t>
             </a:r>
             <a:r>
-              <a:rPr lang="en-US" altLang="ko-KR" sz="5043" dirty="0">
+              <a:rPr lang="en-US" altLang="ko-KR" sz="3200" dirty="0">
                 <a:solidFill>
                   <a:schemeClr val="bg1"/>
                 </a:solidFill>
@@ -6908,7 +7647,7 @@
               <a:t>?</a:t>
             </a:r>
             <a:br>
-              <a:rPr lang="en-US" altLang="ko-KR" sz="5043" dirty="0">
+              <a:rPr lang="en-US" altLang="ko-KR" sz="3200" dirty="0">
                 <a:solidFill>
                   <a:schemeClr val="bg1"/>
                 </a:solidFill>
@@ -6917,17 +7656,114 @@
               </a:rPr>
             </a:br>
             <a:r>
-              <a:rPr lang="en-US" altLang="ko-KR" sz="5043" dirty="0">
+              <a:rPr lang="en-US" altLang="ko-KR" sz="3200" dirty="0">
                 <a:solidFill>
                   <a:schemeClr val="bg1"/>
                 </a:solidFill>
                 <a:latin typeface="배달의민족 주아" pitchFamily="18" charset="-127"/>
                 <a:ea typeface="배달의민족 주아" pitchFamily="18" charset="-127"/>
               </a:rPr>
+              <a:t>	1.1 </a:t>
+            </a:r>
+            <a:r>
+              <a:rPr lang="ko-KR" altLang="en-US" sz="3200" dirty="0">
+                <a:solidFill>
+                  <a:schemeClr val="bg1"/>
+                </a:solidFill>
+                <a:latin typeface="배달의민족 주아" pitchFamily="18" charset="-127"/>
+                <a:ea typeface="배달의민족 주아" pitchFamily="18" charset="-127"/>
+              </a:rPr>
+              <a:t>프로그래밍이란</a:t>
+            </a:r>
+            <a:r>
+              <a:rPr lang="en-US" altLang="ko-KR" sz="3200" dirty="0">
+                <a:solidFill>
+                  <a:schemeClr val="bg1"/>
+                </a:solidFill>
+                <a:latin typeface="배달의민족 주아" pitchFamily="18" charset="-127"/>
+                <a:ea typeface="배달의민족 주아" pitchFamily="18" charset="-127"/>
+              </a:rPr>
+              <a:t>?</a:t>
+            </a:r>
+            <a:br>
+              <a:rPr lang="en-US" altLang="ko-KR" sz="3200" dirty="0">
+                <a:solidFill>
+                  <a:schemeClr val="bg1"/>
+                </a:solidFill>
+                <a:latin typeface="배달의민족 주아" pitchFamily="18" charset="-127"/>
+                <a:ea typeface="배달의민족 주아" pitchFamily="18" charset="-127"/>
+              </a:rPr>
+            </a:br>
+            <a:r>
+              <a:rPr lang="en-US" altLang="ko-KR" sz="3200" dirty="0">
+                <a:solidFill>
+                  <a:schemeClr val="bg1"/>
+                </a:solidFill>
+                <a:latin typeface="배달의민족 주아" pitchFamily="18" charset="-127"/>
+                <a:ea typeface="배달의민족 주아" pitchFamily="18" charset="-127"/>
+              </a:rPr>
+              <a:t>	1.2 </a:t>
+            </a:r>
+            <a:r>
+              <a:rPr lang="ko-KR" altLang="en-US" sz="3200" dirty="0">
+                <a:solidFill>
+                  <a:schemeClr val="bg1"/>
+                </a:solidFill>
+                <a:latin typeface="배달의민족 주아" pitchFamily="18" charset="-127"/>
+                <a:ea typeface="배달의민족 주아" pitchFamily="18" charset="-127"/>
+              </a:rPr>
+              <a:t>기계어</a:t>
+            </a:r>
+            <a:br>
+              <a:rPr lang="en-US" altLang="ko-KR" sz="3200" dirty="0">
+                <a:solidFill>
+                  <a:schemeClr val="bg1"/>
+                </a:solidFill>
+                <a:latin typeface="배달의민족 주아" pitchFamily="18" charset="-127"/>
+                <a:ea typeface="배달의민족 주아" pitchFamily="18" charset="-127"/>
+              </a:rPr>
+            </a:br>
+            <a:r>
+              <a:rPr lang="en-US" altLang="ko-KR" sz="3200" dirty="0">
+                <a:solidFill>
+                  <a:schemeClr val="bg1"/>
+                </a:solidFill>
+                <a:latin typeface="배달의민족 주아" pitchFamily="18" charset="-127"/>
+                <a:ea typeface="배달의민족 주아" pitchFamily="18" charset="-127"/>
+              </a:rPr>
+              <a:t>	1.3 </a:t>
+            </a:r>
+            <a:r>
+              <a:rPr lang="ko-KR" altLang="en-US" sz="3200" dirty="0">
+                <a:solidFill>
+                  <a:schemeClr val="bg1"/>
+                </a:solidFill>
+                <a:latin typeface="배달의민족 주아" pitchFamily="18" charset="-127"/>
+                <a:ea typeface="배달의민족 주아" pitchFamily="18" charset="-127"/>
+              </a:rPr>
+              <a:t>고급언어</a:t>
+            </a:r>
+            <a:br>
+              <a:rPr lang="en-US" altLang="ko-KR" sz="3200" dirty="0">
+                <a:solidFill>
+                  <a:schemeClr val="bg1"/>
+                </a:solidFill>
+                <a:latin typeface="배달의민족 주아" pitchFamily="18" charset="-127"/>
+                <a:ea typeface="배달의민족 주아" pitchFamily="18" charset="-127"/>
+              </a:rPr>
+            </a:br>
+            <a:r>
+              <a:rPr lang="en-US" altLang="ko-KR" sz="3200" dirty="0">
+                <a:solidFill>
+                  <a:schemeClr val="bg1"/>
+                </a:solidFill>
+                <a:latin typeface="배달의민족 주아" pitchFamily="18" charset="-127"/>
+                <a:ea typeface="배달의민족 주아" pitchFamily="18" charset="-127"/>
+              </a:rPr>
               <a:t>2. </a:t>
             </a:r>
             <a:r>
-              <a:rPr lang="ko-KR" altLang="en-US" sz="5043" dirty="0" err="1">
+              <a:rPr lang="ko-KR" altLang="en-US" sz="3200" dirty="0" err="1">
                 <a:solidFill>
                   <a:schemeClr val="bg1"/>
                 </a:solidFill>
@@ -6937,7 +7773,7 @@
               <a:t>파이썬이란</a:t>
             </a:r>
             <a:r>
-              <a:rPr lang="ko-KR" altLang="en-US" sz="5043" dirty="0">
+              <a:rPr lang="ko-KR" altLang="en-US" sz="3200" dirty="0">
                 <a:solidFill>
                   <a:schemeClr val="bg1"/>
                 </a:solidFill>
@@ -6947,7 +7783,7 @@
               <a:t> 무엇인가</a:t>
             </a:r>
             <a:r>
-              <a:rPr lang="en-US" altLang="ko-KR" sz="5043" dirty="0">
+              <a:rPr lang="en-US" altLang="ko-KR" sz="3200" dirty="0">
                 <a:solidFill>
                   <a:schemeClr val="bg1"/>
                 </a:solidFill>
@@ -6957,7 +7793,7 @@
               <a:t>?</a:t>
             </a:r>
             <a:br>
-              <a:rPr lang="en-US" altLang="ko-KR" sz="5043" dirty="0">
+              <a:rPr lang="en-US" altLang="ko-KR" sz="3200" dirty="0">
                 <a:solidFill>
                   <a:schemeClr val="bg1"/>
                 </a:solidFill>
@@ -6966,7 +7802,7 @@
               </a:rPr>
             </a:br>
             <a:r>
-              <a:rPr lang="en-US" altLang="ko-KR" sz="5043" dirty="0">
+              <a:rPr lang="en-US" altLang="ko-KR" sz="3200" dirty="0">
                 <a:solidFill>
                   <a:schemeClr val="bg1"/>
                 </a:solidFill>
@@ -6976,7 +7812,7 @@
               <a:t>	2.1 </a:t>
             </a:r>
             <a:r>
-              <a:rPr lang="ko-KR" altLang="en-US" sz="5043" dirty="0" err="1">
+              <a:rPr lang="ko-KR" altLang="en-US" sz="3200" dirty="0" err="1">
                 <a:solidFill>
                   <a:schemeClr val="bg1"/>
                 </a:solidFill>
@@ -6986,7 +7822,7 @@
               <a:t>파이썬의</a:t>
             </a:r>
             <a:r>
-              <a:rPr lang="ko-KR" altLang="en-US" sz="5043" dirty="0">
+              <a:rPr lang="ko-KR" altLang="en-US" sz="3200" dirty="0">
                 <a:solidFill>
                   <a:schemeClr val="bg1"/>
                 </a:solidFill>
@@ -6996,7 +7832,7 @@
               <a:t> 특징</a:t>
             </a:r>
             <a:br>
-              <a:rPr lang="en-US" altLang="ko-KR" sz="5043" dirty="0">
+              <a:rPr lang="en-US" altLang="ko-KR" sz="3200" dirty="0">
                 <a:solidFill>
                   <a:schemeClr val="bg1"/>
                 </a:solidFill>
@@ -7005,7 +7841,7 @@
               </a:rPr>
             </a:br>
             <a:r>
-              <a:rPr lang="en-US" altLang="ko-KR" sz="5043" dirty="0">
+              <a:rPr lang="en-US" altLang="ko-KR" sz="3200" dirty="0">
                 <a:solidFill>
                   <a:schemeClr val="bg1"/>
                 </a:solidFill>
@@ -7015,7 +7851,7 @@
               <a:t>	2.2 </a:t>
             </a:r>
             <a:r>
-              <a:rPr lang="ko-KR" altLang="en-US" sz="5043" dirty="0" err="1">
+              <a:rPr lang="ko-KR" altLang="en-US" sz="3200" dirty="0" err="1">
                 <a:solidFill>
                   <a:schemeClr val="bg1"/>
                 </a:solidFill>
@@ -7025,7 +7861,7 @@
               <a:t>파이썬이</a:t>
             </a:r>
             <a:r>
-              <a:rPr lang="ko-KR" altLang="en-US" sz="5043" dirty="0">
+              <a:rPr lang="ko-KR" altLang="en-US" sz="3200" dirty="0">
                 <a:solidFill>
                   <a:schemeClr val="bg1"/>
                 </a:solidFill>
@@ -7035,7 +7871,7 @@
               <a:t> 활용되는 곳</a:t>
             </a:r>
             <a:r>
-              <a:rPr lang="en-US" altLang="ko-KR" sz="5043" dirty="0">
+              <a:rPr lang="en-US" altLang="ko-KR" sz="3200" dirty="0">
                 <a:solidFill>
                   <a:schemeClr val="bg1"/>
                 </a:solidFill>
@@ -7045,7 +7881,7 @@
               <a:t>	</a:t>
             </a:r>
             <a:br>
-              <a:rPr lang="en-US" altLang="ko-KR" sz="5043" dirty="0">
+              <a:rPr lang="en-US" altLang="ko-KR" sz="3200" dirty="0">
                 <a:solidFill>
                   <a:schemeClr val="bg1"/>
                 </a:solidFill>
@@ -7053,115 +7889,7 @@
                 <a:ea typeface="배달의민족 주아" pitchFamily="18" charset="-127"/>
               </a:rPr>
             </a:br>
-            <a:r>
-              <a:rPr lang="en-US" altLang="ko-KR" sz="5043" dirty="0">
-                <a:solidFill>
-                  <a:schemeClr val="bg1"/>
-                </a:solidFill>
-                <a:latin typeface="배달의민족 주아" pitchFamily="18" charset="-127"/>
-                <a:ea typeface="배달의민족 주아" pitchFamily="18" charset="-127"/>
-              </a:rPr>
-              <a:t>3. </a:t>
-            </a:r>
-            <a:r>
-              <a:rPr lang="ko-KR" altLang="en-US" sz="5043" dirty="0">
-                <a:solidFill>
-                  <a:schemeClr val="bg1"/>
-                </a:solidFill>
-                <a:latin typeface="배달의민족 주아" pitchFamily="18" charset="-127"/>
-                <a:ea typeface="배달의민족 주아" pitchFamily="18" charset="-127"/>
-              </a:rPr>
-              <a:t>프로그램 설치</a:t>
-            </a:r>
-            <a:br>
-              <a:rPr lang="en-US" altLang="ko-KR" sz="5043" dirty="0">
-                <a:solidFill>
-                  <a:schemeClr val="bg1"/>
-                </a:solidFill>
-                <a:latin typeface="배달의민족 주아" pitchFamily="18" charset="-127"/>
-                <a:ea typeface="배달의민족 주아" pitchFamily="18" charset="-127"/>
-              </a:rPr>
-            </a:br>
-            <a:r>
-              <a:rPr lang="en-US" altLang="ko-KR" sz="5043" dirty="0">
-                <a:solidFill>
-                  <a:schemeClr val="bg1"/>
-                </a:solidFill>
-                <a:latin typeface="배달의민족 주아" pitchFamily="18" charset="-127"/>
-                <a:ea typeface="배달의민족 주아" pitchFamily="18" charset="-127"/>
-              </a:rPr>
-              <a:t>	3.1 </a:t>
-            </a:r>
-            <a:r>
-              <a:rPr lang="ko-KR" altLang="en-US" sz="5043" dirty="0" err="1">
-                <a:solidFill>
-                  <a:schemeClr val="bg1"/>
-                </a:solidFill>
-                <a:latin typeface="배달의민족 주아" pitchFamily="18" charset="-127"/>
-                <a:ea typeface="배달의민족 주아" pitchFamily="18" charset="-127"/>
-              </a:rPr>
-              <a:t>파이썬</a:t>
-            </a:r>
-            <a:r>
-              <a:rPr lang="ko-KR" altLang="en-US" sz="5043" dirty="0">
-                <a:solidFill>
-                  <a:schemeClr val="bg1"/>
-                </a:solidFill>
-                <a:latin typeface="배달의민족 주아" pitchFamily="18" charset="-127"/>
-                <a:ea typeface="배달의민족 주아" pitchFamily="18" charset="-127"/>
-              </a:rPr>
-              <a:t> 설치</a:t>
-            </a:r>
-            <a:br>
-              <a:rPr lang="en-US" altLang="ko-KR" sz="5043" dirty="0">
-                <a:solidFill>
-                  <a:schemeClr val="bg1"/>
-                </a:solidFill>
-                <a:latin typeface="배달의민족 주아" pitchFamily="18" charset="-127"/>
-                <a:ea typeface="배달의민족 주아" pitchFamily="18" charset="-127"/>
-              </a:rPr>
-            </a:br>
-            <a:r>
-              <a:rPr lang="en-US" altLang="ko-KR" sz="5043" dirty="0">
-                <a:solidFill>
-                  <a:schemeClr val="bg1"/>
-                </a:solidFill>
-                <a:latin typeface="배달의민족 주아" pitchFamily="18" charset="-127"/>
-                <a:ea typeface="배달의민족 주아" pitchFamily="18" charset="-127"/>
-              </a:rPr>
-              <a:t>	3.2 </a:t>
-            </a:r>
-            <a:r>
-              <a:rPr lang="ko-KR" altLang="en-US" sz="5043" dirty="0">
-                <a:solidFill>
-                  <a:schemeClr val="bg1"/>
-                </a:solidFill>
-                <a:latin typeface="배달의민족 주아" pitchFamily="18" charset="-127"/>
-                <a:ea typeface="배달의민족 주아" pitchFamily="18" charset="-127"/>
-              </a:rPr>
-              <a:t>에디터</a:t>
-            </a:r>
-            <a:r>
-              <a:rPr lang="en-US" altLang="ko-KR" sz="5043" dirty="0">
-                <a:solidFill>
-                  <a:schemeClr val="bg1"/>
-                </a:solidFill>
-                <a:latin typeface="배달의민족 주아" pitchFamily="18" charset="-127"/>
-                <a:ea typeface="배달의민족 주아" pitchFamily="18" charset="-127"/>
-              </a:rPr>
-              <a:t>(IDE) </a:t>
-            </a:r>
-            <a:r>
-              <a:rPr lang="ko-KR" altLang="en-US" sz="5043" dirty="0">
-                <a:solidFill>
-                  <a:schemeClr val="bg1"/>
-                </a:solidFill>
-                <a:latin typeface="배달의민족 주아" pitchFamily="18" charset="-127"/>
-                <a:ea typeface="배달의민족 주아" pitchFamily="18" charset="-127"/>
-              </a:rPr>
-              <a:t>설치</a:t>
-            </a:r>
-            <a:endParaRPr lang="ko-KR" altLang="en-US" sz="5043" dirty="0">
+            <a:endParaRPr lang="ko-KR" altLang="en-US" sz="3200" dirty="0">
               <a:solidFill>
                 <a:srgbClr val="FDE035"/>
               </a:solidFill>
@@ -7179,8 +7907,8 @@
         </p:nvSpPr>
         <p:spPr>
           <a:xfrm>
-            <a:off x="7775725" y="7259829"/>
-            <a:ext cx="2497800" cy="480131"/>
+            <a:off x="8067035" y="6488668"/>
+            <a:ext cx="1838965" cy="369332"/>
           </a:xfrm>
           <a:prstGeom prst="rect">
             <a:avLst/>
@@ -7194,7 +7922,7 @@
           <a:lstStyle/>
           <a:p>
             <a:r>
-              <a:rPr lang="en-US" altLang="ko-KR" sz="2520" dirty="0">
+              <a:rPr lang="en-US" altLang="ko-KR" sz="1800" dirty="0">
                 <a:solidFill>
                   <a:srgbClr val="FDE035"/>
                 </a:solidFill>
@@ -7204,7 +7932,7 @@
               <a:t>S</a:t>
             </a:r>
             <a:r>
-              <a:rPr lang="en-US" altLang="ko-KR" sz="2520" dirty="0">
+              <a:rPr lang="en-US" altLang="ko-KR" sz="1800" dirty="0">
                 <a:solidFill>
                   <a:schemeClr val="bg1"/>
                 </a:solidFill>
@@ -7214,7 +7942,7 @@
               <a:t>TART</a:t>
             </a:r>
             <a:r>
-              <a:rPr lang="en-US" altLang="ko-KR" sz="2520" dirty="0">
+              <a:rPr lang="en-US" altLang="ko-KR" sz="1800" dirty="0">
                 <a:solidFill>
                   <a:srgbClr val="FDE035"/>
                 </a:solidFill>
@@ -7224,7 +7952,7 @@
               <a:t>C</a:t>
             </a:r>
             <a:r>
-              <a:rPr lang="en-US" altLang="ko-KR" sz="2520" dirty="0">
+              <a:rPr lang="en-US" altLang="ko-KR" sz="1800" dirty="0">
                 <a:solidFill>
                   <a:schemeClr val="bg1"/>
                 </a:solidFill>
@@ -7233,7 +7961,7 @@
               </a:rPr>
               <a:t>ODING</a:t>
             </a:r>
-            <a:endParaRPr lang="ko-KR" altLang="en-US" sz="2520" dirty="0">
+            <a:endParaRPr lang="ko-KR" altLang="en-US" sz="1800" dirty="0">
               <a:solidFill>
                 <a:schemeClr val="bg1"/>
               </a:solidFill>
@@ -7290,17 +8018,19 @@
           </a:xfrm>
         </p:spPr>
         <p:txBody>
-          <a:bodyPr/>
+          <a:bodyPr>
+            <a:normAutofit/>
+          </a:bodyPr>
           <a:lstStyle/>
           <a:p>
             <a:r>
-              <a:rPr lang="en-US" altLang="ko-KR" dirty="0">
+              <a:rPr lang="en-US" altLang="ko-KR" sz="4400" dirty="0">
                 <a:latin typeface="배달의민족 주아" pitchFamily="18" charset="-127"/>
                 <a:ea typeface="배달의민족 주아" pitchFamily="18" charset="-127"/>
               </a:rPr>
               <a:t>Programming?</a:t>
             </a:r>
-            <a:endParaRPr lang="ko-KR" altLang="en-US" dirty="0">
+            <a:endParaRPr lang="ko-KR" altLang="en-US" sz="4400" dirty="0">
               <a:latin typeface="배달의민족 주아" pitchFamily="18" charset="-127"/>
               <a:ea typeface="배달의민족 주아" pitchFamily="18" charset="-127"/>
             </a:endParaRPr>
@@ -7315,8 +8045,8 @@
         </p:nvSpPr>
         <p:spPr>
           <a:xfrm>
-            <a:off x="7775725" y="7259829"/>
-            <a:ext cx="2497800" cy="480131"/>
+            <a:off x="8081913" y="6488668"/>
+            <a:ext cx="1838965" cy="369332"/>
           </a:xfrm>
           <a:prstGeom prst="rect">
             <a:avLst/>
@@ -7330,7 +8060,7 @@
           <a:lstStyle/>
           <a:p>
             <a:r>
-              <a:rPr lang="en-US" altLang="ko-KR" sz="2520" dirty="0">
+              <a:rPr lang="en-US" altLang="ko-KR" sz="1800" dirty="0">
                 <a:solidFill>
                   <a:schemeClr val="accent5"/>
                 </a:solidFill>
@@ -7340,14 +8070,14 @@
               <a:t>S</a:t>
             </a:r>
             <a:r>
-              <a:rPr lang="en-US" altLang="ko-KR" sz="2520" dirty="0">
+              <a:rPr lang="en-US" altLang="ko-KR" sz="1800" dirty="0">
                 <a:latin typeface="배달의민족 도현" pitchFamily="50" charset="-127"/>
                 <a:ea typeface="배달의민족 도현" pitchFamily="50" charset="-127"/>
               </a:rPr>
               <a:t>TART</a:t>
             </a:r>
             <a:r>
-              <a:rPr lang="en-US" altLang="ko-KR" sz="2520" dirty="0">
+              <a:rPr lang="en-US" altLang="ko-KR" sz="1800" dirty="0">
                 <a:solidFill>
                   <a:schemeClr val="accent5"/>
                 </a:solidFill>
@@ -7357,13 +8087,13 @@
               <a:t>C</a:t>
             </a:r>
             <a:r>
-              <a:rPr lang="en-US" altLang="ko-KR" sz="2520" dirty="0">
+              <a:rPr lang="en-US" altLang="ko-KR" sz="1800" dirty="0">
                 <a:latin typeface="배달의민족 도현" pitchFamily="50" charset="-127"/>
                 <a:ea typeface="배달의민족 도현" pitchFamily="50" charset="-127"/>
               </a:rPr>
               <a:t>ODING</a:t>
             </a:r>
-            <a:endParaRPr lang="ko-KR" altLang="en-US" sz="2520" dirty="0">
+            <a:endParaRPr lang="ko-KR" altLang="en-US" sz="1800" dirty="0">
               <a:latin typeface="배달의민족 도현" pitchFamily="50" charset="-127"/>
               <a:ea typeface="배달의민족 도현" pitchFamily="50" charset="-127"/>
             </a:endParaRPr>
@@ -7423,8 +8153,8 @@
         </p:nvSpPr>
         <p:spPr>
           <a:xfrm>
-            <a:off x="-1297294" y="-1208307"/>
-            <a:ext cx="3629203" cy="867930"/>
+            <a:off x="0" y="0"/>
+            <a:ext cx="3629203" cy="707886"/>
           </a:xfrm>
           <a:prstGeom prst="rect">
             <a:avLst/>
@@ -7437,33 +8167,33 @@
           <a:lstStyle/>
           <a:p>
             <a:r>
-              <a:rPr lang="en-US" altLang="ko-KR" sz="2520" dirty="0">
+              <a:rPr lang="en-US" altLang="ko-KR" sz="2000" dirty="0">
                 <a:latin typeface="배달의민족 주아" pitchFamily="18" charset="-127"/>
                 <a:ea typeface="배달의민족 주아" pitchFamily="18" charset="-127"/>
               </a:rPr>
               <a:t>1. </a:t>
             </a:r>
             <a:r>
-              <a:rPr lang="ko-KR" altLang="en-US" sz="2520" dirty="0">
+              <a:rPr lang="ko-KR" altLang="en-US" sz="2000" dirty="0">
                 <a:latin typeface="배달의민족 주아" pitchFamily="18" charset="-127"/>
                 <a:ea typeface="배달의민족 주아" pitchFamily="18" charset="-127"/>
               </a:rPr>
               <a:t>프로그래밍이란 무엇인가</a:t>
             </a:r>
             <a:r>
-              <a:rPr lang="en-US" altLang="ko-KR" sz="2520" dirty="0">
+              <a:rPr lang="en-US" altLang="ko-KR" sz="2000" dirty="0">
                 <a:latin typeface="배달의민족 주아" pitchFamily="18" charset="-127"/>
                 <a:ea typeface="배달의민족 주아" pitchFamily="18" charset="-127"/>
               </a:rPr>
               <a:t>?</a:t>
             </a:r>
             <a:br>
-              <a:rPr lang="en-US" altLang="ko-KR" sz="2520" dirty="0">
+              <a:rPr lang="en-US" altLang="ko-KR" sz="2000" dirty="0">
                 <a:latin typeface="배달의민족 주아" pitchFamily="18" charset="-127"/>
                 <a:ea typeface="배달의민족 주아" pitchFamily="18" charset="-127"/>
               </a:rPr>
             </a:br>
-            <a:endParaRPr lang="ko-KR" altLang="en-US" sz="2520" dirty="0"/>
+            <a:endParaRPr lang="ko-KR" altLang="en-US" sz="2000" dirty="0"/>
           </a:p>
         </p:txBody>
       </p:sp>
@@ -7490,8 +8220,8 @@
         </p:blipFill>
         <p:spPr bwMode="auto">
           <a:xfrm>
-            <a:off x="2928313" y="2924966"/>
-            <a:ext cx="3917816" cy="3917816"/>
+            <a:off x="3580616" y="3106699"/>
+            <a:ext cx="2744767" cy="2744767"/>
           </a:xfrm>
           <a:prstGeom prst="rect">
             <a:avLst/>
@@ -7646,82 +8376,21 @@
           </a:xfrm>
         </p:spPr>
         <p:txBody>
-          <a:bodyPr/>
+          <a:bodyPr>
+            <a:normAutofit/>
+          </a:bodyPr>
           <a:lstStyle/>
           <a:p>
             <a:r>
-              <a:rPr lang="en-US" altLang="ko-KR" dirty="0">
+              <a:rPr lang="en-US" altLang="ko-KR" sz="4400" dirty="0">
                 <a:latin typeface="배달의민족 주아" pitchFamily="18" charset="-127"/>
                 <a:ea typeface="배달의민족 주아" pitchFamily="18" charset="-127"/>
               </a:rPr>
               <a:t>Programming?</a:t>
             </a:r>
-            <a:endParaRPr lang="ko-KR" altLang="en-US" dirty="0">
+            <a:endParaRPr lang="ko-KR" altLang="en-US" sz="4400" dirty="0">
               <a:latin typeface="배달의민족 주아" pitchFamily="18" charset="-127"/>
               <a:ea typeface="배달의민족 주아" pitchFamily="18" charset="-127"/>
-            </a:endParaRPr>
-          </a:p>
-        </p:txBody>
-      </p:sp>
-      <p:sp>
-        <p:nvSpPr>
-          <p:cNvPr id="3" name="TextBox 2"/>
-          <p:cNvSpPr txBox="1"/>
-          <p:nvPr/>
-        </p:nvSpPr>
-        <p:spPr>
-          <a:xfrm>
-            <a:off x="7775725" y="7259829"/>
-            <a:ext cx="2497800" cy="480131"/>
-          </a:xfrm>
-          <a:prstGeom prst="rect">
-            <a:avLst/>
-          </a:prstGeom>
-          <a:noFill/>
-        </p:spPr>
-        <p:txBody>
-          <a:bodyPr wrap="none" rtlCol="0">
-            <a:spAutoFit/>
-          </a:bodyPr>
-          <a:lstStyle/>
-          <a:p>
-            <a:r>
-              <a:rPr lang="en-US" altLang="ko-KR" sz="2520" dirty="0">
-                <a:solidFill>
-                  <a:schemeClr val="accent5"/>
-                </a:solidFill>
-                <a:latin typeface="배달의민족 도현" pitchFamily="50" charset="-127"/>
-                <a:ea typeface="배달의민족 도현" pitchFamily="50" charset="-127"/>
-              </a:rPr>
-              <a:t>S</a:t>
-            </a:r>
-            <a:r>
-              <a:rPr lang="en-US" altLang="ko-KR" sz="2520" dirty="0">
-                <a:latin typeface="배달의민족 도현" pitchFamily="50" charset="-127"/>
-                <a:ea typeface="배달의민족 도현" pitchFamily="50" charset="-127"/>
-              </a:rPr>
-              <a:t>TART</a:t>
-            </a:r>
-            <a:r>
-              <a:rPr lang="en-US" altLang="ko-KR" sz="2520" dirty="0">
-                <a:solidFill>
-                  <a:schemeClr val="accent5"/>
-                </a:solidFill>
-                <a:latin typeface="배달의민족 도현" pitchFamily="50" charset="-127"/>
-                <a:ea typeface="배달의민족 도현" pitchFamily="50" charset="-127"/>
-              </a:rPr>
-              <a:t>C</a:t>
-            </a:r>
-            <a:r>
-              <a:rPr lang="en-US" altLang="ko-KR" sz="2520" dirty="0">
-                <a:latin typeface="배달의민족 도현" pitchFamily="50" charset="-127"/>
-                <a:ea typeface="배달의민족 도현" pitchFamily="50" charset="-127"/>
-              </a:rPr>
-              <a:t>ODING</a:t>
-            </a:r>
-            <a:endParaRPr lang="ko-KR" altLang="en-US" sz="2520" dirty="0">
-              <a:latin typeface="배달의민족 도현" pitchFamily="50" charset="-127"/>
-              <a:ea typeface="배달의민족 도현" pitchFamily="50" charset="-127"/>
             </a:endParaRPr>
           </a:p>
         </p:txBody>
@@ -7771,58 +8440,6 @@
           </a:p>
         </p:txBody>
       </p:sp>
-      <p:sp>
-        <p:nvSpPr>
-          <p:cNvPr id="5" name="직사각형 4"/>
-          <p:cNvSpPr/>
-          <p:nvPr/>
-        </p:nvSpPr>
-        <p:spPr>
-          <a:xfrm>
-            <a:off x="-1297294" y="-1208307"/>
-            <a:ext cx="3629203" cy="867930"/>
-          </a:xfrm>
-          <a:prstGeom prst="rect">
-            <a:avLst/>
-          </a:prstGeom>
-        </p:spPr>
-        <p:txBody>
-          <a:bodyPr wrap="square">
-            <a:spAutoFit/>
-          </a:bodyPr>
-          <a:lstStyle/>
-          <a:p>
-            <a:r>
-              <a:rPr lang="en-US" altLang="ko-KR" sz="2520" dirty="0">
-                <a:latin typeface="배달의민족 주아" pitchFamily="18" charset="-127"/>
-                <a:ea typeface="배달의민족 주아" pitchFamily="18" charset="-127"/>
-              </a:rPr>
-              <a:t>1. </a:t>
-            </a:r>
-            <a:r>
-              <a:rPr lang="ko-KR" altLang="en-US" sz="2520" dirty="0">
-                <a:latin typeface="배달의민족 주아" pitchFamily="18" charset="-127"/>
-                <a:ea typeface="배달의민족 주아" pitchFamily="18" charset="-127"/>
-              </a:rPr>
-              <a:t>프로그래밍이란 무엇인가</a:t>
-            </a:r>
-            <a:r>
-              <a:rPr lang="en-US" altLang="ko-KR" sz="2520" dirty="0">
-                <a:latin typeface="배달의민족 주아" pitchFamily="18" charset="-127"/>
-                <a:ea typeface="배달의민족 주아" pitchFamily="18" charset="-127"/>
-              </a:rPr>
-              <a:t>?</a:t>
-            </a:r>
-            <a:br>
-              <a:rPr lang="en-US" altLang="ko-KR" sz="2520" dirty="0">
-                <a:latin typeface="배달의민족 주아" pitchFamily="18" charset="-127"/>
-                <a:ea typeface="배달의민족 주아" pitchFamily="18" charset="-127"/>
-              </a:rPr>
-            </a:br>
-            <a:endParaRPr lang="ko-KR" altLang="en-US" sz="2520" dirty="0"/>
-          </a:p>
-        </p:txBody>
-      </p:sp>
       <p:pic>
         <p:nvPicPr>
           <p:cNvPr id="2050" name="Picture 2" descr="C:\Users\Administrator\Downloads\free-icon-conversation-943178.png"/>
@@ -7832,7 +8449,7 @@
           <p:nvPr/>
         </p:nvPicPr>
         <p:blipFill>
-          <a:blip r:embed="rId2">
+          <a:blip r:embed="rId2" cstate="print">
             <a:extLst>
               <a:ext uri="{28A0092B-C50C-407E-A947-70E740481C1C}">
                 <a14:useLocalDpi xmlns:a14="http://schemas.microsoft.com/office/drawing/2010/main" val="0"/>
@@ -7846,8 +8463,8 @@
         </p:blipFill>
         <p:spPr bwMode="auto">
           <a:xfrm>
-            <a:off x="4953014" y="3448339"/>
-            <a:ext cx="3037810" cy="3037810"/>
+            <a:off x="5477914" y="3645024"/>
+            <a:ext cx="1977029" cy="1977029"/>
           </a:xfrm>
           <a:prstGeom prst="rect">
             <a:avLst/>
@@ -7887,8 +8504,8 @@
         </p:blipFill>
         <p:spPr bwMode="auto">
           <a:xfrm>
-            <a:off x="1323819" y="3731456"/>
-            <a:ext cx="3615382" cy="3615382"/>
+            <a:off x="2216696" y="3593355"/>
+            <a:ext cx="2549061" cy="2549061"/>
           </a:xfrm>
           <a:prstGeom prst="rect">
             <a:avLst/>
@@ -7928,7 +8545,7 @@
         </p:blipFill>
         <p:spPr bwMode="auto">
           <a:xfrm>
-            <a:off x="813028" y="3731458"/>
+            <a:off x="993745" y="4005064"/>
             <a:ext cx="1021587" cy="1021587"/>
           </a:xfrm>
           <a:prstGeom prst="rect">
@@ -7946,6 +8563,133 @@
           </a:extLst>
         </p:spPr>
       </p:pic>
+      <p:sp>
+        <p:nvSpPr>
+          <p:cNvPr id="9" name="TextBox 8">
+            <a:extLst>
+              <a:ext uri="{FF2B5EF4-FFF2-40B4-BE49-F238E27FC236}">
+                <a16:creationId xmlns:a16="http://schemas.microsoft.com/office/drawing/2014/main" id="{4F27A406-449E-4A58-8324-570E3E0BEC91}"/>
+              </a:ext>
+            </a:extLst>
+          </p:cNvPr>
+          <p:cNvSpPr txBox="1"/>
+          <p:nvPr/>
+        </p:nvSpPr>
+        <p:spPr>
+          <a:xfrm>
+            <a:off x="8081913" y="6488668"/>
+            <a:ext cx="1838965" cy="369332"/>
+          </a:xfrm>
+          <a:prstGeom prst="rect">
+            <a:avLst/>
+          </a:prstGeom>
+          <a:noFill/>
+        </p:spPr>
+        <p:txBody>
+          <a:bodyPr wrap="none" rtlCol="0">
+            <a:spAutoFit/>
+          </a:bodyPr>
+          <a:lstStyle/>
+          <a:p>
+            <a:r>
+              <a:rPr lang="en-US" altLang="ko-KR" sz="1800" dirty="0">
+                <a:solidFill>
+                  <a:schemeClr val="accent5"/>
+                </a:solidFill>
+                <a:latin typeface="배달의민족 도현" pitchFamily="50" charset="-127"/>
+                <a:ea typeface="배달의민족 도현" pitchFamily="50" charset="-127"/>
+              </a:rPr>
+              <a:t>S</a:t>
+            </a:r>
+            <a:r>
+              <a:rPr lang="en-US" altLang="ko-KR" sz="1800" dirty="0">
+                <a:latin typeface="배달의민족 도현" pitchFamily="50" charset="-127"/>
+                <a:ea typeface="배달의민족 도현" pitchFamily="50" charset="-127"/>
+              </a:rPr>
+              <a:t>TART</a:t>
+            </a:r>
+            <a:r>
+              <a:rPr lang="en-US" altLang="ko-KR" sz="1800" dirty="0">
+                <a:solidFill>
+                  <a:schemeClr val="accent5"/>
+                </a:solidFill>
+                <a:latin typeface="배달의민족 도현" pitchFamily="50" charset="-127"/>
+                <a:ea typeface="배달의민족 도현" pitchFamily="50" charset="-127"/>
+              </a:rPr>
+              <a:t>C</a:t>
+            </a:r>
+            <a:r>
+              <a:rPr lang="en-US" altLang="ko-KR" sz="1800" dirty="0">
+                <a:latin typeface="배달의민족 도현" pitchFamily="50" charset="-127"/>
+                <a:ea typeface="배달의민족 도현" pitchFamily="50" charset="-127"/>
+              </a:rPr>
+              <a:t>ODING</a:t>
+            </a:r>
+            <a:endParaRPr lang="ko-KR" altLang="en-US" sz="1800" dirty="0">
+              <a:latin typeface="배달의민족 도현" pitchFamily="50" charset="-127"/>
+              <a:ea typeface="배달의민족 도현" pitchFamily="50" charset="-127"/>
+            </a:endParaRPr>
+          </a:p>
+        </p:txBody>
+      </p:sp>
+      <p:sp>
+        <p:nvSpPr>
+          <p:cNvPr id="10" name="직사각형 9">
+            <a:extLst>
+              <a:ext uri="{FF2B5EF4-FFF2-40B4-BE49-F238E27FC236}">
+                <a16:creationId xmlns:a16="http://schemas.microsoft.com/office/drawing/2014/main" id="{2CAE48EF-5A4C-4D0D-9388-F2D843A5BC86}"/>
+              </a:ext>
+            </a:extLst>
+          </p:cNvPr>
+          <p:cNvSpPr/>
+          <p:nvPr/>
+        </p:nvSpPr>
+        <p:spPr>
+          <a:xfrm>
+            <a:off x="0" y="0"/>
+            <a:ext cx="3629203" cy="707886"/>
+          </a:xfrm>
+          <a:prstGeom prst="rect">
+            <a:avLst/>
+          </a:prstGeom>
+        </p:spPr>
+        <p:txBody>
+          <a:bodyPr wrap="square">
+            <a:spAutoFit/>
+          </a:bodyPr>
+          <a:lstStyle/>
+          <a:p>
+            <a:r>
+              <a:rPr lang="en-US" altLang="ko-KR" sz="2000" dirty="0">
+                <a:latin typeface="배달의민족 주아" pitchFamily="18" charset="-127"/>
+                <a:ea typeface="배달의민족 주아" pitchFamily="18" charset="-127"/>
+              </a:rPr>
+              <a:t>1. </a:t>
+            </a:r>
+            <a:r>
+              <a:rPr lang="ko-KR" altLang="en-US" sz="2000" dirty="0">
+                <a:latin typeface="배달의민족 주아" pitchFamily="18" charset="-127"/>
+                <a:ea typeface="배달의민족 주아" pitchFamily="18" charset="-127"/>
+              </a:rPr>
+              <a:t>프로그래밍이란 무엇인가</a:t>
+            </a:r>
+            <a:r>
+              <a:rPr lang="en-US" altLang="ko-KR" sz="2000" dirty="0">
+                <a:latin typeface="배달의민족 주아" pitchFamily="18" charset="-127"/>
+                <a:ea typeface="배달의민족 주아" pitchFamily="18" charset="-127"/>
+              </a:rPr>
+              <a:t>?</a:t>
+            </a:r>
+            <a:br>
+              <a:rPr lang="en-US" altLang="ko-KR" sz="2000" dirty="0">
+                <a:latin typeface="배달의민족 주아" pitchFamily="18" charset="-127"/>
+                <a:ea typeface="배달의민족 주아" pitchFamily="18" charset="-127"/>
+              </a:rPr>
+            </a:br>
+            <a:endParaRPr lang="ko-KR" altLang="en-US" sz="2000" dirty="0"/>
+          </a:p>
+        </p:txBody>
+      </p:sp>
     </p:spTree>
     <p:extLst>
       <p:ext uri="{BB962C8B-B14F-4D97-AF65-F5344CB8AC3E}">
@@ -8201,82 +8945,21 @@
         </p:nvSpPr>
         <p:spPr/>
         <p:txBody>
-          <a:bodyPr/>
+          <a:bodyPr>
+            <a:normAutofit/>
+          </a:bodyPr>
           <a:lstStyle/>
           <a:p>
             <a:r>
-              <a:rPr lang="en-US" altLang="ko-KR" dirty="0">
+              <a:rPr lang="en-US" altLang="ko-KR" sz="4400" dirty="0">
                 <a:latin typeface="배달의민족 주아" pitchFamily="18" charset="-127"/>
                 <a:ea typeface="배달의민족 주아" pitchFamily="18" charset="-127"/>
               </a:rPr>
               <a:t>0 1</a:t>
             </a:r>
-            <a:endParaRPr lang="ko-KR" altLang="en-US" dirty="0">
+            <a:endParaRPr lang="ko-KR" altLang="en-US" sz="4400" dirty="0">
               <a:latin typeface="배달의민족 주아" pitchFamily="18" charset="-127"/>
               <a:ea typeface="배달의민족 주아" pitchFamily="18" charset="-127"/>
-            </a:endParaRPr>
-          </a:p>
-        </p:txBody>
-      </p:sp>
-      <p:sp>
-        <p:nvSpPr>
-          <p:cNvPr id="3" name="TextBox 2"/>
-          <p:cNvSpPr txBox="1"/>
-          <p:nvPr/>
-        </p:nvSpPr>
-        <p:spPr>
-          <a:xfrm>
-            <a:off x="7775725" y="7259829"/>
-            <a:ext cx="2497800" cy="480131"/>
-          </a:xfrm>
-          <a:prstGeom prst="rect">
-            <a:avLst/>
-          </a:prstGeom>
-          <a:noFill/>
-        </p:spPr>
-        <p:txBody>
-          <a:bodyPr wrap="none" rtlCol="0">
-            <a:spAutoFit/>
-          </a:bodyPr>
-          <a:lstStyle/>
-          <a:p>
-            <a:r>
-              <a:rPr lang="en-US" altLang="ko-KR" sz="2520" dirty="0">
-                <a:solidFill>
-                  <a:schemeClr val="accent5"/>
-                </a:solidFill>
-                <a:latin typeface="배달의민족 도현" pitchFamily="50" charset="-127"/>
-                <a:ea typeface="배달의민족 도현" pitchFamily="50" charset="-127"/>
-              </a:rPr>
-              <a:t>S</a:t>
-            </a:r>
-            <a:r>
-              <a:rPr lang="en-US" altLang="ko-KR" sz="2520" dirty="0">
-                <a:latin typeface="배달의민족 도현" pitchFamily="50" charset="-127"/>
-                <a:ea typeface="배달의민족 도현" pitchFamily="50" charset="-127"/>
-              </a:rPr>
-              <a:t>TART</a:t>
-            </a:r>
-            <a:r>
-              <a:rPr lang="en-US" altLang="ko-KR" sz="2520" dirty="0">
-                <a:solidFill>
-                  <a:schemeClr val="accent5"/>
-                </a:solidFill>
-                <a:latin typeface="배달의민족 도현" pitchFamily="50" charset="-127"/>
-                <a:ea typeface="배달의민족 도현" pitchFamily="50" charset="-127"/>
-              </a:rPr>
-              <a:t>C</a:t>
-            </a:r>
-            <a:r>
-              <a:rPr lang="en-US" altLang="ko-KR" sz="2520" dirty="0">
-                <a:latin typeface="배달의민족 도현" pitchFamily="50" charset="-127"/>
-                <a:ea typeface="배달의민족 도현" pitchFamily="50" charset="-127"/>
-              </a:rPr>
-              <a:t>ODING</a:t>
-            </a:r>
-            <a:endParaRPr lang="ko-KR" altLang="en-US" sz="2520" dirty="0">
-              <a:latin typeface="배달의민족 도현" pitchFamily="50" charset="-127"/>
-              <a:ea typeface="배달의민족 도현" pitchFamily="50" charset="-127"/>
             </a:endParaRPr>
           </a:p>
         </p:txBody>
@@ -8320,7 +9003,7 @@
           </a:lstStyle>
           <a:p>
             <a:r>
-              <a:rPr lang="ko-KR" altLang="en-US" sz="6161" dirty="0">
+              <a:rPr lang="ko-KR" altLang="en-US" dirty="0">
                 <a:latin typeface="배달의민족 주아" pitchFamily="18" charset="-127"/>
                 <a:ea typeface="배달의민족 주아" pitchFamily="18" charset="-127"/>
               </a:rPr>
@@ -8331,14 +9014,89 @@
       </p:sp>
       <p:sp>
         <p:nvSpPr>
-          <p:cNvPr id="5" name="직사각형 4"/>
+          <p:cNvPr id="6" name="TextBox 5">
+            <a:extLst>
+              <a:ext uri="{FF2B5EF4-FFF2-40B4-BE49-F238E27FC236}">
+                <a16:creationId xmlns:a16="http://schemas.microsoft.com/office/drawing/2014/main" id="{D749797F-8B82-4BC6-A7F7-E88A24209F18}"/>
+              </a:ext>
+            </a:extLst>
+          </p:cNvPr>
+          <p:cNvSpPr txBox="1"/>
+          <p:nvPr/>
+        </p:nvSpPr>
+        <p:spPr>
+          <a:xfrm>
+            <a:off x="8081913" y="6488668"/>
+            <a:ext cx="1838965" cy="369332"/>
+          </a:xfrm>
+          <a:prstGeom prst="rect">
+            <a:avLst/>
+          </a:prstGeom>
+          <a:noFill/>
+        </p:spPr>
+        <p:txBody>
+          <a:bodyPr wrap="none" rtlCol="0">
+            <a:spAutoFit/>
+          </a:bodyPr>
+          <a:lstStyle/>
+          <a:p>
+            <a:r>
+              <a:rPr lang="en-US" altLang="ko-KR" sz="1800" dirty="0">
+                <a:solidFill>
+                  <a:schemeClr val="accent5"/>
+                </a:solidFill>
+                <a:latin typeface="배달의민족 도현" pitchFamily="50" charset="-127"/>
+                <a:ea typeface="배달의민족 도현" pitchFamily="50" charset="-127"/>
+              </a:rPr>
+              <a:t>S</a:t>
+            </a:r>
+            <a:r>
+              <a:rPr lang="en-US" altLang="ko-KR" sz="1800" dirty="0">
+                <a:latin typeface="배달의민족 도현" pitchFamily="50" charset="-127"/>
+                <a:ea typeface="배달의민족 도현" pitchFamily="50" charset="-127"/>
+              </a:rPr>
+              <a:t>TART</a:t>
+            </a:r>
+            <a:r>
+              <a:rPr lang="en-US" altLang="ko-KR" sz="1800" dirty="0">
+                <a:solidFill>
+                  <a:schemeClr val="accent5"/>
+                </a:solidFill>
+                <a:latin typeface="배달의민족 도현" pitchFamily="50" charset="-127"/>
+                <a:ea typeface="배달의민족 도현" pitchFamily="50" charset="-127"/>
+              </a:rPr>
+              <a:t>C</a:t>
+            </a:r>
+            <a:r>
+              <a:rPr lang="en-US" altLang="ko-KR" sz="1800" dirty="0">
+                <a:latin typeface="배달의민족 도현" pitchFamily="50" charset="-127"/>
+                <a:ea typeface="배달의민족 도현" pitchFamily="50" charset="-127"/>
+              </a:rPr>
+              <a:t>ODING</a:t>
+            </a:r>
+            <a:endParaRPr lang="ko-KR" altLang="en-US" sz="1800" dirty="0">
+              <a:latin typeface="배달의민족 도현" pitchFamily="50" charset="-127"/>
+              <a:ea typeface="배달의민족 도현" pitchFamily="50" charset="-127"/>
+            </a:endParaRPr>
+          </a:p>
+        </p:txBody>
+      </p:sp>
+      <p:sp>
+        <p:nvSpPr>
+          <p:cNvPr id="7" name="직사각형 6">
+            <a:extLst>
+              <a:ext uri="{FF2B5EF4-FFF2-40B4-BE49-F238E27FC236}">
+                <a16:creationId xmlns:a16="http://schemas.microsoft.com/office/drawing/2014/main" id="{4C695223-24AC-49AB-8091-CB60C1B894E2}"/>
+              </a:ext>
+            </a:extLst>
+          </p:cNvPr>
           <p:cNvSpPr/>
           <p:nvPr/>
         </p:nvSpPr>
         <p:spPr>
           <a:xfrm>
-            <a:off x="-1297294" y="-1208307"/>
-            <a:ext cx="3629203" cy="867930"/>
+            <a:off x="0" y="0"/>
+            <a:ext cx="3629203" cy="707886"/>
           </a:xfrm>
           <a:prstGeom prst="rect">
             <a:avLst/>
@@ -8351,33 +9109,33 @@
           <a:lstStyle/>
           <a:p>
             <a:r>
-              <a:rPr lang="en-US" altLang="ko-KR" sz="2520" dirty="0">
+              <a:rPr lang="en-US" altLang="ko-KR" sz="2000" dirty="0">
                 <a:latin typeface="배달의민족 주아" pitchFamily="18" charset="-127"/>
                 <a:ea typeface="배달의민족 주아" pitchFamily="18" charset="-127"/>
               </a:rPr>
               <a:t>1. </a:t>
             </a:r>
             <a:r>
-              <a:rPr lang="ko-KR" altLang="en-US" sz="2520" dirty="0">
+              <a:rPr lang="ko-KR" altLang="en-US" sz="2000" dirty="0">
                 <a:latin typeface="배달의민족 주아" pitchFamily="18" charset="-127"/>
                 <a:ea typeface="배달의민족 주아" pitchFamily="18" charset="-127"/>
               </a:rPr>
               <a:t>프로그래밍이란 무엇인가</a:t>
             </a:r>
             <a:r>
-              <a:rPr lang="en-US" altLang="ko-KR" sz="2520" dirty="0">
+              <a:rPr lang="en-US" altLang="ko-KR" sz="2000" dirty="0">
                 <a:latin typeface="배달의민족 주아" pitchFamily="18" charset="-127"/>
                 <a:ea typeface="배달의민족 주아" pitchFamily="18" charset="-127"/>
               </a:rPr>
               <a:t>?</a:t>
             </a:r>
             <a:br>
-              <a:rPr lang="en-US" altLang="ko-KR" sz="2520" dirty="0">
+              <a:rPr lang="en-US" altLang="ko-KR" sz="2000" dirty="0">
                 <a:latin typeface="배달의민족 주아" pitchFamily="18" charset="-127"/>
                 <a:ea typeface="배달의민족 주아" pitchFamily="18" charset="-127"/>
               </a:rPr>
             </a:br>
-            <a:endParaRPr lang="ko-KR" altLang="en-US" sz="2520" dirty="0"/>
+            <a:endParaRPr lang="ko-KR" altLang="en-US" sz="2000" dirty="0"/>
           </a:p>
         </p:txBody>
       </p:sp>
@@ -8510,109 +9268,46 @@
         <p:spPr/>
         <p:txBody>
           <a:bodyPr>
-            <a:normAutofit fontScale="90000"/>
+            <a:noAutofit/>
           </a:bodyPr>
           <a:lstStyle/>
           <a:p>
             <a:r>
-              <a:rPr lang="en-US" altLang="ko-KR" dirty="0">
+              <a:rPr lang="en-US" altLang="ko-KR" sz="4400" dirty="0">
                 <a:latin typeface="배달의민족 주아" pitchFamily="18" charset="-127"/>
                 <a:ea typeface="배달의민족 주아" pitchFamily="18" charset="-127"/>
               </a:rPr>
               <a:t>1000 1011 0100 0101 1111 1000</a:t>
             </a:r>
             <a:br>
-              <a:rPr lang="en-US" altLang="ko-KR" dirty="0">
+              <a:rPr lang="en-US" altLang="ko-KR" sz="4400" dirty="0">
                 <a:latin typeface="배달의민족 주아" pitchFamily="18" charset="-127"/>
                 <a:ea typeface="배달의민족 주아" pitchFamily="18" charset="-127"/>
               </a:rPr>
             </a:br>
             <a:r>
-              <a:rPr lang="en-US" altLang="ko-KR" dirty="0">
+              <a:rPr lang="en-US" altLang="ko-KR" sz="4400" dirty="0">
                 <a:latin typeface="배달의민족 주아" pitchFamily="18" charset="-127"/>
                 <a:ea typeface="배달의민족 주아" pitchFamily="18" charset="-127"/>
               </a:rPr>
               <a:t>1000 0011 1100 0100 0000 1100</a:t>
             </a:r>
             <a:br>
-              <a:rPr lang="en-US" altLang="ko-KR" dirty="0">
+              <a:rPr lang="en-US" altLang="ko-KR" sz="4400" dirty="0">
                 <a:latin typeface="배달의민족 주아" pitchFamily="18" charset="-127"/>
                 <a:ea typeface="배달의민족 주아" pitchFamily="18" charset="-127"/>
               </a:rPr>
             </a:br>
             <a:r>
-              <a:rPr lang="en-US" altLang="ko-KR" dirty="0">
+              <a:rPr lang="en-US" altLang="ko-KR" sz="4400" dirty="0">
                 <a:latin typeface="배달의민족 주아" pitchFamily="18" charset="-127"/>
                 <a:ea typeface="배달의민족 주아" pitchFamily="18" charset="-127"/>
               </a:rPr>
               <a:t>0000 0011 0100 0101 1111 1100</a:t>
             </a:r>
-            <a:endParaRPr lang="ko-KR" altLang="en-US" dirty="0">
+            <a:endParaRPr lang="ko-KR" altLang="en-US" sz="4400" dirty="0">
               <a:latin typeface="배달의민족 주아" pitchFamily="18" charset="-127"/>
               <a:ea typeface="배달의민족 주아" pitchFamily="18" charset="-127"/>
-            </a:endParaRPr>
-          </a:p>
-        </p:txBody>
-      </p:sp>
-      <p:sp>
-        <p:nvSpPr>
-          <p:cNvPr id="3" name="TextBox 2"/>
-          <p:cNvSpPr txBox="1"/>
-          <p:nvPr/>
-        </p:nvSpPr>
-        <p:spPr>
-          <a:xfrm>
-            <a:off x="7775725" y="7259829"/>
-            <a:ext cx="2497800" cy="480131"/>
-          </a:xfrm>
-          <a:prstGeom prst="rect">
-            <a:avLst/>
-          </a:prstGeom>
-          <a:noFill/>
-        </p:spPr>
-        <p:txBody>
-          <a:bodyPr wrap="none" rtlCol="0">
-            <a:spAutoFit/>
-          </a:bodyPr>
-          <a:lstStyle/>
-          <a:p>
-            <a:r>
-              <a:rPr lang="en-US" altLang="ko-KR" sz="2520" dirty="0">
-                <a:solidFill>
-                  <a:schemeClr val="accent5"/>
-                </a:solidFill>
-                <a:latin typeface="배달의민족 도현" pitchFamily="50" charset="-127"/>
-                <a:ea typeface="배달의민족 도현" pitchFamily="50" charset="-127"/>
-              </a:rPr>
-              <a:t>S</a:t>
-            </a:r>
-            <a:r>
-              <a:rPr lang="en-US" altLang="ko-KR" sz="2520" dirty="0">
-                <a:latin typeface="배달의민족 도현" pitchFamily="50" charset="-127"/>
-                <a:ea typeface="배달의민족 도현" pitchFamily="50" charset="-127"/>
-              </a:rPr>
-              <a:t>TART</a:t>
-            </a:r>
-            <a:r>
-              <a:rPr lang="en-US" altLang="ko-KR" sz="2520" dirty="0">
-                <a:solidFill>
-                  <a:schemeClr val="accent5"/>
-                </a:solidFill>
-                <a:latin typeface="배달의민족 도현" pitchFamily="50" charset="-127"/>
-                <a:ea typeface="배달의민족 도현" pitchFamily="50" charset="-127"/>
-              </a:rPr>
-              <a:t>C</a:t>
-            </a:r>
-            <a:r>
-              <a:rPr lang="en-US" altLang="ko-KR" sz="2520" dirty="0">
-                <a:latin typeface="배달의민족 도현" pitchFamily="50" charset="-127"/>
-                <a:ea typeface="배달의민족 도현" pitchFamily="50" charset="-127"/>
-              </a:rPr>
-              <a:t>ODING</a:t>
-            </a:r>
-            <a:endParaRPr lang="ko-KR" altLang="en-US" sz="2520" dirty="0">
-              <a:latin typeface="배달의민족 도현" pitchFamily="50" charset="-127"/>
-              <a:ea typeface="배달의민족 도현" pitchFamily="50" charset="-127"/>
             </a:endParaRPr>
           </a:p>
         </p:txBody>
@@ -8666,58 +9361,6 @@
               <a:latin typeface="배달의민족 주아" pitchFamily="18" charset="-127"/>
               <a:ea typeface="배달의민족 주아" pitchFamily="18" charset="-127"/>
             </a:endParaRPr>
-          </a:p>
-        </p:txBody>
-      </p:sp>
-      <p:sp>
-        <p:nvSpPr>
-          <p:cNvPr id="6" name="직사각형 5"/>
-          <p:cNvSpPr/>
-          <p:nvPr/>
-        </p:nvSpPr>
-        <p:spPr>
-          <a:xfrm>
-            <a:off x="-1297294" y="-1208307"/>
-            <a:ext cx="3629203" cy="867930"/>
-          </a:xfrm>
-          <a:prstGeom prst="rect">
-            <a:avLst/>
-          </a:prstGeom>
-        </p:spPr>
-        <p:txBody>
-          <a:bodyPr wrap="square">
-            <a:spAutoFit/>
-          </a:bodyPr>
-          <a:lstStyle/>
-          <a:p>
-            <a:r>
-              <a:rPr lang="en-US" altLang="ko-KR" sz="2520" dirty="0">
-                <a:latin typeface="배달의민족 주아" pitchFamily="18" charset="-127"/>
-                <a:ea typeface="배달의민족 주아" pitchFamily="18" charset="-127"/>
-              </a:rPr>
-              <a:t>1. </a:t>
-            </a:r>
-            <a:r>
-              <a:rPr lang="ko-KR" altLang="en-US" sz="2520" dirty="0">
-                <a:latin typeface="배달의민족 주아" pitchFamily="18" charset="-127"/>
-                <a:ea typeface="배달의민족 주아" pitchFamily="18" charset="-127"/>
-              </a:rPr>
-              <a:t>프로그래밍이란 무엇인가</a:t>
-            </a:r>
-            <a:r>
-              <a:rPr lang="en-US" altLang="ko-KR" sz="2520" dirty="0">
-                <a:latin typeface="배달의민족 주아" pitchFamily="18" charset="-127"/>
-                <a:ea typeface="배달의민족 주아" pitchFamily="18" charset="-127"/>
-              </a:rPr>
-              <a:t>?</a:t>
-            </a:r>
-            <a:br>
-              <a:rPr lang="en-US" altLang="ko-KR" sz="2520" dirty="0">
-                <a:latin typeface="배달의민족 주아" pitchFamily="18" charset="-127"/>
-                <a:ea typeface="배달의민족 주아" pitchFamily="18" charset="-127"/>
-              </a:rPr>
-            </a:br>
-            <a:endParaRPr lang="ko-KR" altLang="en-US" sz="2520" dirty="0"/>
           </a:p>
         </p:txBody>
       </p:sp>
@@ -8744,8 +9387,8 @@
         </p:blipFill>
         <p:spPr bwMode="auto">
           <a:xfrm>
-            <a:off x="4104718" y="4638749"/>
-            <a:ext cx="1713790" cy="1713790"/>
+            <a:off x="4391330" y="4947965"/>
+            <a:ext cx="1123339" cy="1123339"/>
           </a:xfrm>
           <a:prstGeom prst="rect">
             <a:avLst/>
@@ -8762,6 +9405,133 @@
           </a:extLst>
         </p:spPr>
       </p:pic>
+      <p:sp>
+        <p:nvSpPr>
+          <p:cNvPr id="8" name="TextBox 7">
+            <a:extLst>
+              <a:ext uri="{FF2B5EF4-FFF2-40B4-BE49-F238E27FC236}">
+                <a16:creationId xmlns:a16="http://schemas.microsoft.com/office/drawing/2014/main" id="{57BBD5D0-57D3-425F-B7D5-7BD1292328CD}"/>
+              </a:ext>
+            </a:extLst>
+          </p:cNvPr>
+          <p:cNvSpPr txBox="1"/>
+          <p:nvPr/>
+        </p:nvSpPr>
+        <p:spPr>
+          <a:xfrm>
+            <a:off x="8081913" y="6488668"/>
+            <a:ext cx="1838965" cy="369332"/>
+          </a:xfrm>
+          <a:prstGeom prst="rect">
+            <a:avLst/>
+          </a:prstGeom>
+          <a:noFill/>
+        </p:spPr>
+        <p:txBody>
+          <a:bodyPr wrap="none" rtlCol="0">
+            <a:spAutoFit/>
+          </a:bodyPr>
+          <a:lstStyle/>
+          <a:p>
+            <a:r>
+              <a:rPr lang="en-US" altLang="ko-KR" sz="1800" dirty="0">
+                <a:solidFill>
+                  <a:schemeClr val="accent5"/>
+                </a:solidFill>
+                <a:latin typeface="배달의민족 도현" pitchFamily="50" charset="-127"/>
+                <a:ea typeface="배달의민족 도현" pitchFamily="50" charset="-127"/>
+              </a:rPr>
+              <a:t>S</a:t>
+            </a:r>
+            <a:r>
+              <a:rPr lang="en-US" altLang="ko-KR" sz="1800" dirty="0">
+                <a:latin typeface="배달의민족 도현" pitchFamily="50" charset="-127"/>
+                <a:ea typeface="배달의민족 도현" pitchFamily="50" charset="-127"/>
+              </a:rPr>
+              <a:t>TART</a:t>
+            </a:r>
+            <a:r>
+              <a:rPr lang="en-US" altLang="ko-KR" sz="1800" dirty="0">
+                <a:solidFill>
+                  <a:schemeClr val="accent5"/>
+                </a:solidFill>
+                <a:latin typeface="배달의민족 도현" pitchFamily="50" charset="-127"/>
+                <a:ea typeface="배달의민족 도현" pitchFamily="50" charset="-127"/>
+              </a:rPr>
+              <a:t>C</a:t>
+            </a:r>
+            <a:r>
+              <a:rPr lang="en-US" altLang="ko-KR" sz="1800" dirty="0">
+                <a:latin typeface="배달의민족 도현" pitchFamily="50" charset="-127"/>
+                <a:ea typeface="배달의민족 도현" pitchFamily="50" charset="-127"/>
+              </a:rPr>
+              <a:t>ODING</a:t>
+            </a:r>
+            <a:endParaRPr lang="ko-KR" altLang="en-US" sz="1800" dirty="0">
+              <a:latin typeface="배달의민족 도현" pitchFamily="50" charset="-127"/>
+              <a:ea typeface="배달의민족 도현" pitchFamily="50" charset="-127"/>
+            </a:endParaRPr>
+          </a:p>
+        </p:txBody>
+      </p:sp>
+      <p:sp>
+        <p:nvSpPr>
+          <p:cNvPr id="9" name="직사각형 8">
+            <a:extLst>
+              <a:ext uri="{FF2B5EF4-FFF2-40B4-BE49-F238E27FC236}">
+                <a16:creationId xmlns:a16="http://schemas.microsoft.com/office/drawing/2014/main" id="{9F951D0E-38EC-4DA7-91CC-A06796C86C69}"/>
+              </a:ext>
+            </a:extLst>
+          </p:cNvPr>
+          <p:cNvSpPr/>
+          <p:nvPr/>
+        </p:nvSpPr>
+        <p:spPr>
+          <a:xfrm>
+            <a:off x="0" y="0"/>
+            <a:ext cx="3629203" cy="707886"/>
+          </a:xfrm>
+          <a:prstGeom prst="rect">
+            <a:avLst/>
+          </a:prstGeom>
+        </p:spPr>
+        <p:txBody>
+          <a:bodyPr wrap="square">
+            <a:spAutoFit/>
+          </a:bodyPr>
+          <a:lstStyle/>
+          <a:p>
+            <a:r>
+              <a:rPr lang="en-US" altLang="ko-KR" sz="2000" dirty="0">
+                <a:latin typeface="배달의민족 주아" pitchFamily="18" charset="-127"/>
+                <a:ea typeface="배달의민족 주아" pitchFamily="18" charset="-127"/>
+              </a:rPr>
+              <a:t>1. </a:t>
+            </a:r>
+            <a:r>
+              <a:rPr lang="ko-KR" altLang="en-US" sz="2000" dirty="0">
+                <a:latin typeface="배달의민족 주아" pitchFamily="18" charset="-127"/>
+                <a:ea typeface="배달의민족 주아" pitchFamily="18" charset="-127"/>
+              </a:rPr>
+              <a:t>프로그래밍이란 무엇인가</a:t>
+            </a:r>
+            <a:r>
+              <a:rPr lang="en-US" altLang="ko-KR" sz="2000" dirty="0">
+                <a:latin typeface="배달의민족 주아" pitchFamily="18" charset="-127"/>
+                <a:ea typeface="배달의민족 주아" pitchFamily="18" charset="-127"/>
+              </a:rPr>
+              <a:t>?</a:t>
+            </a:r>
+            <a:br>
+              <a:rPr lang="en-US" altLang="ko-KR" sz="2000" dirty="0">
+                <a:latin typeface="배달의민족 주아" pitchFamily="18" charset="-127"/>
+                <a:ea typeface="배달의민족 주아" pitchFamily="18" charset="-127"/>
+              </a:rPr>
+            </a:br>
+            <a:endParaRPr lang="ko-KR" altLang="en-US" sz="2000" dirty="0"/>
+          </a:p>
+        </p:txBody>
+      </p:sp>
     </p:spTree>
     <p:extLst>
       <p:ext uri="{BB962C8B-B14F-4D97-AF65-F5344CB8AC3E}">
@@ -9017,79 +9787,18 @@
           </a:xfrm>
         </p:spPr>
         <p:txBody>
-          <a:bodyPr/>
-          <a:lstStyle/>
-          <a:p>
-            <a:r>
-              <a:rPr lang="ko-KR" altLang="en-US" dirty="0">
-                <a:latin typeface="배달의민족 주아" pitchFamily="18" charset="-127"/>
-                <a:ea typeface="배달의민족 주아" pitchFamily="18" charset="-127"/>
-              </a:rPr>
-              <a:t>어셈블리어</a:t>
-            </a:r>
-          </a:p>
-        </p:txBody>
-      </p:sp>
-      <p:sp>
-        <p:nvSpPr>
-          <p:cNvPr id="3" name="TextBox 2"/>
-          <p:cNvSpPr txBox="1"/>
-          <p:nvPr/>
-        </p:nvSpPr>
-        <p:spPr>
-          <a:xfrm>
-            <a:off x="7775725" y="7259829"/>
-            <a:ext cx="2497800" cy="480131"/>
-          </a:xfrm>
-          <a:prstGeom prst="rect">
-            <a:avLst/>
-          </a:prstGeom>
-          <a:noFill/>
-        </p:spPr>
-        <p:txBody>
-          <a:bodyPr wrap="none" rtlCol="0">
-            <a:spAutoFit/>
+          <a:bodyPr>
+            <a:normAutofit/>
           </a:bodyPr>
           <a:lstStyle/>
           <a:p>
             <a:r>
-              <a:rPr lang="en-US" altLang="ko-KR" sz="2520" dirty="0">
-                <a:solidFill>
-                  <a:schemeClr val="accent5"/>
-                </a:solidFill>
-                <a:latin typeface="배달의민족 도현" pitchFamily="50" charset="-127"/>
-                <a:ea typeface="배달의민족 도현" pitchFamily="50" charset="-127"/>
-              </a:rPr>
-              <a:t>S</a:t>
-            </a:r>
-            <a:r>
-              <a:rPr lang="en-US" altLang="ko-KR" sz="2520" dirty="0">
-                <a:latin typeface="배달의민족 도현" pitchFamily="50" charset="-127"/>
-                <a:ea typeface="배달의민족 도현" pitchFamily="50" charset="-127"/>
-              </a:rPr>
-              <a:t>TART</a:t>
-            </a:r>
-            <a:r>
-              <a:rPr lang="en-US" altLang="ko-KR" sz="2520" dirty="0">
-                <a:solidFill>
-                  <a:schemeClr val="accent5"/>
-                </a:solidFill>
-                <a:latin typeface="배달의민족 도현" pitchFamily="50" charset="-127"/>
-                <a:ea typeface="배달의민족 도현" pitchFamily="50" charset="-127"/>
-              </a:rPr>
-              <a:t>C</a:t>
-            </a:r>
-            <a:r>
-              <a:rPr lang="en-US" altLang="ko-KR" sz="2520" dirty="0">
-                <a:latin typeface="배달의민족 도현" pitchFamily="50" charset="-127"/>
-                <a:ea typeface="배달의민족 도현" pitchFamily="50" charset="-127"/>
-              </a:rPr>
-              <a:t>ODING</a:t>
-            </a:r>
-            <a:endParaRPr lang="ko-KR" altLang="en-US" sz="2520" dirty="0">
-              <a:latin typeface="배달의민족 도현" pitchFamily="50" charset="-127"/>
-              <a:ea typeface="배달의민족 도현" pitchFamily="50" charset="-127"/>
-            </a:endParaRPr>
+              <a:rPr lang="ko-KR" altLang="en-US" sz="4400" dirty="0">
+                <a:latin typeface="배달의민족 주아" pitchFamily="18" charset="-127"/>
+                <a:ea typeface="배달의민족 주아" pitchFamily="18" charset="-127"/>
+              </a:rPr>
+              <a:t>어셈블리어</a:t>
+            </a:r>
           </a:p>
         </p:txBody>
       </p:sp>
@@ -9132,7 +9841,7 @@
           </a:lstStyle>
           <a:p>
             <a:r>
-              <a:rPr lang="ko-KR" altLang="en-US" sz="6161" dirty="0">
+              <a:rPr lang="ko-KR" altLang="en-US" dirty="0">
                 <a:latin typeface="배달의민족 주아" pitchFamily="18" charset="-127"/>
                 <a:ea typeface="배달의민족 주아" pitchFamily="18" charset="-127"/>
               </a:rPr>
@@ -9180,7 +9889,7 @@
           </a:lstStyle>
           <a:p>
             <a:r>
-              <a:rPr lang="ko-KR" altLang="en-US" sz="6161" dirty="0">
+              <a:rPr lang="ko-KR" altLang="en-US" dirty="0">
                 <a:latin typeface="배달의민족 주아" pitchFamily="18" charset="-127"/>
                 <a:ea typeface="배달의민족 주아" pitchFamily="18" charset="-127"/>
               </a:rPr>
@@ -9264,7 +9973,7 @@
         <p:spPr>
           <a:xfrm>
             <a:off x="1752611" y="5848489"/>
-            <a:ext cx="6400800" cy="867930"/>
+            <a:ext cx="6400800" cy="646331"/>
           </a:xfrm>
           <a:prstGeom prst="rect">
             <a:avLst/>
@@ -9277,25 +9986,100 @@
           <a:lstStyle/>
           <a:p>
             <a:r>
-              <a:rPr lang="en-US" altLang="ko-KR" sz="2520" dirty="0">
+              <a:rPr lang="en-US" altLang="ko-KR" sz="1800" dirty="0">
                 <a:hlinkClick r:id="rId2"/>
               </a:rPr>
               <a:t>http://blog.naver.com/PostView.nhn?blogId=tipsware&amp;logNo=221041215416</a:t>
             </a:r>
-            <a:endParaRPr lang="ko-KR" altLang="en-US" sz="2520" dirty="0"/>
-          </a:p>
-        </p:txBody>
-      </p:sp>
-      <p:sp>
-        <p:nvSpPr>
-          <p:cNvPr id="9" name="직사각형 8"/>
+            <a:endParaRPr lang="ko-KR" altLang="en-US" sz="1800" dirty="0"/>
+          </a:p>
+        </p:txBody>
+      </p:sp>
+      <p:sp>
+        <p:nvSpPr>
+          <p:cNvPr id="10" name="TextBox 9">
+            <a:extLst>
+              <a:ext uri="{FF2B5EF4-FFF2-40B4-BE49-F238E27FC236}">
+                <a16:creationId xmlns:a16="http://schemas.microsoft.com/office/drawing/2014/main" id="{DB9C54A1-BBB6-484D-AE1F-A1C81EB7EF27}"/>
+              </a:ext>
+            </a:extLst>
+          </p:cNvPr>
+          <p:cNvSpPr txBox="1"/>
+          <p:nvPr/>
+        </p:nvSpPr>
+        <p:spPr>
+          <a:xfrm>
+            <a:off x="8081913" y="6488668"/>
+            <a:ext cx="1838965" cy="369332"/>
+          </a:xfrm>
+          <a:prstGeom prst="rect">
+            <a:avLst/>
+          </a:prstGeom>
+          <a:noFill/>
+        </p:spPr>
+        <p:txBody>
+          <a:bodyPr wrap="none" rtlCol="0">
+            <a:spAutoFit/>
+          </a:bodyPr>
+          <a:lstStyle/>
+          <a:p>
+            <a:r>
+              <a:rPr lang="en-US" altLang="ko-KR" sz="1800" dirty="0">
+                <a:solidFill>
+                  <a:schemeClr val="accent5"/>
+                </a:solidFill>
+                <a:latin typeface="배달의민족 도현" pitchFamily="50" charset="-127"/>
+                <a:ea typeface="배달의민족 도현" pitchFamily="50" charset="-127"/>
+              </a:rPr>
+              <a:t>S</a:t>
+            </a:r>
+            <a:r>
+              <a:rPr lang="en-US" altLang="ko-KR" sz="1800" dirty="0">
+                <a:latin typeface="배달의민족 도현" pitchFamily="50" charset="-127"/>
+                <a:ea typeface="배달의민족 도현" pitchFamily="50" charset="-127"/>
+              </a:rPr>
+              <a:t>TART</a:t>
+            </a:r>
+            <a:r>
+              <a:rPr lang="en-US" altLang="ko-KR" sz="1800" dirty="0">
+                <a:solidFill>
+                  <a:schemeClr val="accent5"/>
+                </a:solidFill>
+                <a:latin typeface="배달의민족 도현" pitchFamily="50" charset="-127"/>
+                <a:ea typeface="배달의민족 도현" pitchFamily="50" charset="-127"/>
+              </a:rPr>
+              <a:t>C</a:t>
+            </a:r>
+            <a:r>
+              <a:rPr lang="en-US" altLang="ko-KR" sz="1800" dirty="0">
+                <a:latin typeface="배달의민족 도현" pitchFamily="50" charset="-127"/>
+                <a:ea typeface="배달의민족 도현" pitchFamily="50" charset="-127"/>
+              </a:rPr>
+              <a:t>ODING</a:t>
+            </a:r>
+            <a:endParaRPr lang="ko-KR" altLang="en-US" sz="1800" dirty="0">
+              <a:latin typeface="배달의민족 도현" pitchFamily="50" charset="-127"/>
+              <a:ea typeface="배달의민족 도현" pitchFamily="50" charset="-127"/>
+            </a:endParaRPr>
+          </a:p>
+        </p:txBody>
+      </p:sp>
+      <p:sp>
+        <p:nvSpPr>
+          <p:cNvPr id="11" name="직사각형 10">
+            <a:extLst>
+              <a:ext uri="{FF2B5EF4-FFF2-40B4-BE49-F238E27FC236}">
+                <a16:creationId xmlns:a16="http://schemas.microsoft.com/office/drawing/2014/main" id="{E2A77978-E044-4331-8F55-DEB78B243E47}"/>
+              </a:ext>
+            </a:extLst>
+          </p:cNvPr>
           <p:cNvSpPr/>
           <p:nvPr/>
         </p:nvSpPr>
         <p:spPr>
           <a:xfrm>
-            <a:off x="-1297294" y="-1208307"/>
-            <a:ext cx="3629203" cy="867930"/>
+            <a:off x="0" y="0"/>
+            <a:ext cx="3629203" cy="707886"/>
           </a:xfrm>
           <a:prstGeom prst="rect">
             <a:avLst/>
@@ -9308,33 +10092,33 @@
           <a:lstStyle/>
           <a:p>
             <a:r>
-              <a:rPr lang="en-US" altLang="ko-KR" sz="2520" dirty="0">
+              <a:rPr lang="en-US" altLang="ko-KR" sz="2000" dirty="0">
                 <a:latin typeface="배달의민족 주아" pitchFamily="18" charset="-127"/>
                 <a:ea typeface="배달의민족 주아" pitchFamily="18" charset="-127"/>
               </a:rPr>
               <a:t>1. </a:t>
             </a:r>
             <a:r>
-              <a:rPr lang="ko-KR" altLang="en-US" sz="2520" dirty="0">
+              <a:rPr lang="ko-KR" altLang="en-US" sz="2000" dirty="0">
                 <a:latin typeface="배달의민족 주아" pitchFamily="18" charset="-127"/>
                 <a:ea typeface="배달의민족 주아" pitchFamily="18" charset="-127"/>
               </a:rPr>
               <a:t>프로그래밍이란 무엇인가</a:t>
             </a:r>
             <a:r>
-              <a:rPr lang="en-US" altLang="ko-KR" sz="2520" dirty="0">
+              <a:rPr lang="en-US" altLang="ko-KR" sz="2000" dirty="0">
                 <a:latin typeface="배달의민족 주아" pitchFamily="18" charset="-127"/>
                 <a:ea typeface="배달의민족 주아" pitchFamily="18" charset="-127"/>
               </a:rPr>
               <a:t>?</a:t>
             </a:r>
             <a:br>
-              <a:rPr lang="en-US" altLang="ko-KR" sz="2520" dirty="0">
+              <a:rPr lang="en-US" altLang="ko-KR" sz="2000" dirty="0">
                 <a:latin typeface="배달의민족 주아" pitchFamily="18" charset="-127"/>
                 <a:ea typeface="배달의민족 주아" pitchFamily="18" charset="-127"/>
               </a:rPr>
             </a:br>
-            <a:endParaRPr lang="ko-KR" altLang="en-US" sz="2520" dirty="0"/>
+            <a:endParaRPr lang="ko-KR" altLang="en-US" sz="2000" dirty="0"/>
           </a:p>
         </p:txBody>
       </p:sp>
@@ -9644,84 +10428,23 @@
         </p:nvSpPr>
         <p:spPr>
           <a:xfrm>
-            <a:off x="-530085" y="1822035"/>
+            <a:off x="-487681" y="2399982"/>
             <a:ext cx="10881361" cy="2058036"/>
           </a:xfrm>
         </p:spPr>
         <p:txBody>
-          <a:bodyPr/>
-          <a:lstStyle/>
-          <a:p>
-            <a:r>
-              <a:rPr lang="ko-KR" altLang="en-US" dirty="0">
-                <a:latin typeface="배달의민족 주아" pitchFamily="18" charset="-127"/>
-                <a:ea typeface="배달의민족 주아" pitchFamily="18" charset="-127"/>
-              </a:rPr>
-              <a:t>고급언어</a:t>
-            </a:r>
-          </a:p>
-        </p:txBody>
-      </p:sp>
-      <p:sp>
-        <p:nvSpPr>
-          <p:cNvPr id="4" name="TextBox 3"/>
-          <p:cNvSpPr txBox="1"/>
-          <p:nvPr/>
-        </p:nvSpPr>
-        <p:spPr>
-          <a:xfrm>
-            <a:off x="7775725" y="7259829"/>
-            <a:ext cx="2497800" cy="480131"/>
-          </a:xfrm>
-          <a:prstGeom prst="rect">
-            <a:avLst/>
-          </a:prstGeom>
-          <a:noFill/>
-        </p:spPr>
-        <p:txBody>
-          <a:bodyPr wrap="none" rtlCol="0">
-            <a:spAutoFit/>
+          <a:bodyPr>
+            <a:normAutofit/>
           </a:bodyPr>
           <a:lstStyle/>
           <a:p>
             <a:r>
-              <a:rPr lang="en-US" altLang="ko-KR" sz="2520" dirty="0">
-                <a:solidFill>
-                  <a:schemeClr val="accent5"/>
-                </a:solidFill>
-                <a:latin typeface="배달의민족 도현" pitchFamily="50" charset="-127"/>
-                <a:ea typeface="배달의민족 도현" pitchFamily="50" charset="-127"/>
-              </a:rPr>
-              <a:t>S</a:t>
-            </a:r>
-            <a:r>
-              <a:rPr lang="en-US" altLang="ko-KR" sz="2520" dirty="0">
-                <a:latin typeface="배달의민족 도현" pitchFamily="50" charset="-127"/>
-                <a:ea typeface="배달의민족 도현" pitchFamily="50" charset="-127"/>
-              </a:rPr>
-              <a:t>TART</a:t>
-            </a:r>
-            <a:r>
-              <a:rPr lang="en-US" altLang="ko-KR" sz="2520" dirty="0">
-                <a:solidFill>
-                  <a:schemeClr val="accent5"/>
-                </a:solidFill>
-                <a:latin typeface="배달의민족 도현" pitchFamily="50" charset="-127"/>
-                <a:ea typeface="배달의민족 도현" pitchFamily="50" charset="-127"/>
-              </a:rPr>
-              <a:t>C</a:t>
-            </a:r>
-            <a:r>
-              <a:rPr lang="en-US" altLang="ko-KR" sz="2520" dirty="0">
-                <a:latin typeface="배달의민족 도현" pitchFamily="50" charset="-127"/>
-                <a:ea typeface="배달의민족 도현" pitchFamily="50" charset="-127"/>
-              </a:rPr>
-              <a:t>ODING</a:t>
-            </a:r>
-            <a:endParaRPr lang="ko-KR" altLang="en-US" sz="2520" dirty="0">
-              <a:latin typeface="배달의민족 도현" pitchFamily="50" charset="-127"/>
-              <a:ea typeface="배달의민족 도현" pitchFamily="50" charset="-127"/>
-            </a:endParaRPr>
+              <a:rPr lang="ko-KR" altLang="en-US" sz="4400" dirty="0">
+                <a:latin typeface="배달의민족 주아" pitchFamily="18" charset="-127"/>
+                <a:ea typeface="배달의민족 주아" pitchFamily="18" charset="-127"/>
+              </a:rPr>
+              <a:t>고급언어</a:t>
+            </a:r>
           </a:p>
         </p:txBody>
       </p:sp>
@@ -9734,7 +10457,7 @@
           <p:nvPr/>
         </p:nvPicPr>
         <p:blipFill>
-          <a:blip r:embed="rId2">
+          <a:blip r:embed="rId2" cstate="print">
             <a:extLst>
               <a:ext uri="{28A0092B-C50C-407E-A947-70E740481C1C}">
                 <a14:useLocalDpi xmlns:a14="http://schemas.microsoft.com/office/drawing/2010/main" val="0"/>
@@ -9748,8 +10471,8 @@
         </p:blipFill>
         <p:spPr bwMode="auto">
           <a:xfrm>
-            <a:off x="6257341" y="3126595"/>
-            <a:ext cx="3036795" cy="3036795"/>
+            <a:off x="6447902" y="4247415"/>
+            <a:ext cx="1915267" cy="1915267"/>
           </a:xfrm>
           <a:prstGeom prst="rect">
             <a:avLst/>
@@ -9775,7 +10498,7 @@
           <p:nvPr/>
         </p:nvPicPr>
         <p:blipFill>
-          <a:blip r:embed="rId3">
+          <a:blip r:embed="rId3" cstate="print">
             <a:extLst>
               <a:ext uri="{28A0092B-C50C-407E-A947-70E740481C1C}">
                 <a14:useLocalDpi xmlns:a14="http://schemas.microsoft.com/office/drawing/2010/main" val="0"/>
@@ -9789,8 +10512,8 @@
         </p:blipFill>
         <p:spPr bwMode="auto">
           <a:xfrm>
-            <a:off x="6257329" y="-502491"/>
-            <a:ext cx="3131376" cy="3131376"/>
+            <a:off x="6447902" y="848346"/>
+            <a:ext cx="1915267" cy="1915267"/>
           </a:xfrm>
           <a:prstGeom prst="rect">
             <a:avLst/>
@@ -9830,8 +10553,8 @@
         </p:blipFill>
         <p:spPr bwMode="auto">
           <a:xfrm>
-            <a:off x="1284614" y="-471660"/>
-            <a:ext cx="2293697" cy="2293697"/>
+            <a:off x="1548218" y="849745"/>
+            <a:ext cx="1748597" cy="1748597"/>
           </a:xfrm>
           <a:prstGeom prst="rect">
             <a:avLst/>
@@ -9871,8 +10594,8 @@
         </p:blipFill>
         <p:spPr bwMode="auto">
           <a:xfrm>
-            <a:off x="1259964" y="3441463"/>
-            <a:ext cx="2721902" cy="2721902"/>
+            <a:off x="1507782" y="4269820"/>
+            <a:ext cx="1738436" cy="1738436"/>
           </a:xfrm>
           <a:prstGeom prst="rect">
             <a:avLst/>
@@ -9891,14 +10614,20 @@
       </p:pic>
       <p:sp>
         <p:nvSpPr>
-          <p:cNvPr id="8" name="직사각형 7"/>
+          <p:cNvPr id="9" name="직사각형 8">
+            <a:extLst>
+              <a:ext uri="{FF2B5EF4-FFF2-40B4-BE49-F238E27FC236}">
+                <a16:creationId xmlns:a16="http://schemas.microsoft.com/office/drawing/2014/main" id="{B0888C4B-9139-4EBB-8495-8CA9E7F3247A}"/>
+              </a:ext>
+            </a:extLst>
+          </p:cNvPr>
           <p:cNvSpPr/>
           <p:nvPr/>
         </p:nvSpPr>
         <p:spPr>
           <a:xfrm>
-            <a:off x="-1297294" y="-1208307"/>
-            <a:ext cx="3629203" cy="867930"/>
+            <a:off x="0" y="0"/>
+            <a:ext cx="3629203" cy="707886"/>
           </a:xfrm>
           <a:prstGeom prst="rect">
             <a:avLst/>
@@ -9911,33 +10640,102 @@
           <a:lstStyle/>
           <a:p>
             <a:r>
-              <a:rPr lang="en-US" altLang="ko-KR" sz="2520" dirty="0">
+              <a:rPr lang="en-US" altLang="ko-KR" sz="2000" dirty="0">
                 <a:latin typeface="배달의민족 주아" pitchFamily="18" charset="-127"/>
                 <a:ea typeface="배달의민족 주아" pitchFamily="18" charset="-127"/>
               </a:rPr>
               <a:t>1. </a:t>
             </a:r>
             <a:r>
-              <a:rPr lang="ko-KR" altLang="en-US" sz="2520" dirty="0">
+              <a:rPr lang="ko-KR" altLang="en-US" sz="2000" dirty="0">
                 <a:latin typeface="배달의민족 주아" pitchFamily="18" charset="-127"/>
                 <a:ea typeface="배달의민족 주아" pitchFamily="18" charset="-127"/>
               </a:rPr>
               <a:t>프로그래밍이란 무엇인가</a:t>
             </a:r>
             <a:r>
-              <a:rPr lang="en-US" altLang="ko-KR" sz="2520" dirty="0">
+              <a:rPr lang="en-US" altLang="ko-KR" sz="2000" dirty="0">
                 <a:latin typeface="배달의민족 주아" pitchFamily="18" charset="-127"/>
                 <a:ea typeface="배달의민족 주아" pitchFamily="18" charset="-127"/>
               </a:rPr>
               <a:t>?</a:t>
             </a:r>
             <a:br>
-              <a:rPr lang="en-US" altLang="ko-KR" sz="2520" dirty="0">
+              <a:rPr lang="en-US" altLang="ko-KR" sz="2000" dirty="0">
                 <a:latin typeface="배달의민족 주아" pitchFamily="18" charset="-127"/>
                 <a:ea typeface="배달의민족 주아" pitchFamily="18" charset="-127"/>
               </a:rPr>
             </a:br>
-            <a:endParaRPr lang="ko-KR" altLang="en-US" sz="2520" dirty="0"/>
+            <a:endParaRPr lang="ko-KR" altLang="en-US" sz="2000" dirty="0"/>
+          </a:p>
+        </p:txBody>
+      </p:sp>
+      <p:sp>
+        <p:nvSpPr>
+          <p:cNvPr id="11" name="TextBox 10">
+            <a:extLst>
+              <a:ext uri="{FF2B5EF4-FFF2-40B4-BE49-F238E27FC236}">
+                <a16:creationId xmlns:a16="http://schemas.microsoft.com/office/drawing/2014/main" id="{60CB4E4B-6D01-41ED-AA98-DD326D4E5645}"/>
+              </a:ext>
+            </a:extLst>
+          </p:cNvPr>
+          <p:cNvSpPr txBox="1"/>
+          <p:nvPr/>
+        </p:nvSpPr>
+        <p:spPr>
+          <a:xfrm>
+            <a:off x="8081913" y="6488668"/>
+            <a:ext cx="1838965" cy="369332"/>
+          </a:xfrm>
+          <a:prstGeom prst="rect">
+            <a:avLst/>
+          </a:prstGeom>
+          <a:noFill/>
+        </p:spPr>
+        <p:txBody>
+          <a:bodyPr wrap="none" rtlCol="0">
+            <a:spAutoFit/>
+          </a:bodyPr>
+          <a:lstStyle/>
+          <a:p>
+            <a:r>
+              <a:rPr lang="en-US" altLang="ko-KR" sz="1800" dirty="0">
+                <a:solidFill>
+                  <a:schemeClr val="accent5"/>
+                </a:solidFill>
+                <a:latin typeface="배달의민족 도현" pitchFamily="50" charset="-127"/>
+                <a:ea typeface="배달의민족 도현" pitchFamily="50" charset="-127"/>
+              </a:rPr>
+              <a:t>S</a:t>
+            </a:r>
+            <a:r>
+              <a:rPr lang="en-US" altLang="ko-KR" sz="1800" dirty="0">
+                <a:latin typeface="배달의민족 도현" pitchFamily="50" charset="-127"/>
+                <a:ea typeface="배달의민족 도현" pitchFamily="50" charset="-127"/>
+              </a:rPr>
+              <a:t>TART</a:t>
+            </a:r>
+            <a:r>
+              <a:rPr lang="en-US" altLang="ko-KR" sz="1800" dirty="0">
+                <a:solidFill>
+                  <a:schemeClr val="accent5"/>
+                </a:solidFill>
+                <a:latin typeface="배달의민족 도현" pitchFamily="50" charset="-127"/>
+                <a:ea typeface="배달의민족 도현" pitchFamily="50" charset="-127"/>
+              </a:rPr>
+              <a:t>C</a:t>
+            </a:r>
+            <a:r>
+              <a:rPr lang="en-US" altLang="ko-KR" sz="1800" dirty="0">
+                <a:latin typeface="배달의민족 도현" pitchFamily="50" charset="-127"/>
+                <a:ea typeface="배달의민족 도현" pitchFamily="50" charset="-127"/>
+              </a:rPr>
+              <a:t>ODING</a:t>
+            </a:r>
+            <a:endParaRPr lang="ko-KR" altLang="en-US" sz="1800" dirty="0">
+              <a:latin typeface="배달의민족 도현" pitchFamily="50" charset="-127"/>
+              <a:ea typeface="배달의민족 도현" pitchFamily="50" charset="-127"/>
+            </a:endParaRPr>
           </a:p>
         </p:txBody>
       </p:sp>
@@ -10171,149 +10969,29 @@
         </p:nvSpPr>
         <p:spPr/>
         <p:txBody>
-          <a:bodyPr/>
+          <a:bodyPr>
+            <a:normAutofit/>
+          </a:bodyPr>
           <a:lstStyle/>
           <a:p>
             <a:r>
-              <a:rPr lang="ko-KR" altLang="en-US" dirty="0" err="1">
+              <a:rPr lang="ko-KR" altLang="en-US" sz="4400" dirty="0" err="1">
                 <a:latin typeface="배달의민족 주아" pitchFamily="18" charset="-127"/>
                 <a:ea typeface="배달의민족 주아" pitchFamily="18" charset="-127"/>
               </a:rPr>
               <a:t>파이썬</a:t>
             </a:r>
             <a:r>
-              <a:rPr lang="en-US" altLang="ko-KR" dirty="0">
+              <a:rPr lang="en-US" altLang="ko-KR" sz="4400" dirty="0">
                 <a:latin typeface="배달의민족 주아" pitchFamily="18" charset="-127"/>
                 <a:ea typeface="배달의민족 주아" pitchFamily="18" charset="-127"/>
               </a:rPr>
               <a:t>?</a:t>
             </a:r>
-            <a:endParaRPr lang="ko-KR" altLang="en-US" dirty="0">
+            <a:endParaRPr lang="ko-KR" altLang="en-US" sz="4400" dirty="0">
               <a:latin typeface="배달의민족 주아" pitchFamily="18" charset="-127"/>
               <a:ea typeface="배달의민족 주아" pitchFamily="18" charset="-127"/>
             </a:endParaRPr>
-          </a:p>
-        </p:txBody>
-      </p:sp>
-      <p:sp>
-        <p:nvSpPr>
-          <p:cNvPr id="3" name="TextBox 2"/>
-          <p:cNvSpPr txBox="1"/>
-          <p:nvPr/>
-        </p:nvSpPr>
-        <p:spPr>
-          <a:xfrm>
-            <a:off x="7775725" y="7259829"/>
-            <a:ext cx="2497800" cy="480131"/>
-          </a:xfrm>
-          <a:prstGeom prst="rect">
-            <a:avLst/>
-          </a:prstGeom>
-          <a:noFill/>
-        </p:spPr>
-        <p:txBody>
-          <a:bodyPr wrap="none" rtlCol="0">
-            <a:spAutoFit/>
-          </a:bodyPr>
-          <a:lstStyle/>
-          <a:p>
-            <a:r>
-              <a:rPr lang="en-US" altLang="ko-KR" sz="2520" dirty="0">
-                <a:solidFill>
-                  <a:schemeClr val="accent5"/>
-                </a:solidFill>
-                <a:latin typeface="배달의민족 도현" pitchFamily="50" charset="-127"/>
-                <a:ea typeface="배달의민족 도현" pitchFamily="50" charset="-127"/>
-              </a:rPr>
-              <a:t>S</a:t>
-            </a:r>
-            <a:r>
-              <a:rPr lang="en-US" altLang="ko-KR" sz="2520" dirty="0">
-                <a:latin typeface="배달의민족 도현" pitchFamily="50" charset="-127"/>
-                <a:ea typeface="배달의민족 도현" pitchFamily="50" charset="-127"/>
-              </a:rPr>
-              <a:t>TART</a:t>
-            </a:r>
-            <a:r>
-              <a:rPr lang="en-US" altLang="ko-KR" sz="2520" dirty="0">
-                <a:solidFill>
-                  <a:schemeClr val="accent5"/>
-                </a:solidFill>
-                <a:latin typeface="배달의민족 도현" pitchFamily="50" charset="-127"/>
-                <a:ea typeface="배달의민족 도현" pitchFamily="50" charset="-127"/>
-              </a:rPr>
-              <a:t>C</a:t>
-            </a:r>
-            <a:r>
-              <a:rPr lang="en-US" altLang="ko-KR" sz="2520" dirty="0">
-                <a:latin typeface="배달의민족 도현" pitchFamily="50" charset="-127"/>
-                <a:ea typeface="배달의민족 도현" pitchFamily="50" charset="-127"/>
-              </a:rPr>
-              <a:t>ODING</a:t>
-            </a:r>
-            <a:endParaRPr lang="ko-KR" altLang="en-US" sz="2520" dirty="0">
-              <a:latin typeface="배달의민족 도현" pitchFamily="50" charset="-127"/>
-              <a:ea typeface="배달의민족 도현" pitchFamily="50" charset="-127"/>
-            </a:endParaRPr>
-          </a:p>
-        </p:txBody>
-      </p:sp>
-      <p:sp>
-        <p:nvSpPr>
-          <p:cNvPr id="6" name="직사각형 5"/>
-          <p:cNvSpPr/>
-          <p:nvPr/>
-        </p:nvSpPr>
-        <p:spPr>
-          <a:xfrm>
-            <a:off x="-1297294" y="-1208307"/>
-            <a:ext cx="3629203" cy="867930"/>
-          </a:xfrm>
-          <a:prstGeom prst="rect">
-            <a:avLst/>
-          </a:prstGeom>
-        </p:spPr>
-        <p:txBody>
-          <a:bodyPr wrap="square">
-            <a:spAutoFit/>
-          </a:bodyPr>
-          <a:lstStyle/>
-          <a:p>
-            <a:r>
-              <a:rPr lang="en-US" altLang="ko-KR" sz="2520" dirty="0">
-                <a:latin typeface="배달의민족 주아" pitchFamily="18" charset="-127"/>
-                <a:ea typeface="배달의민족 주아" pitchFamily="18" charset="-127"/>
-              </a:rPr>
-              <a:t>2. </a:t>
-            </a:r>
-            <a:r>
-              <a:rPr lang="ko-KR" altLang="en-US" sz="2520" dirty="0" err="1">
-                <a:latin typeface="배달의민족 주아" pitchFamily="18" charset="-127"/>
-                <a:ea typeface="배달의민족 주아" pitchFamily="18" charset="-127"/>
-              </a:rPr>
-              <a:t>파이썬이란</a:t>
-            </a:r>
-            <a:r>
-              <a:rPr lang="ko-KR" altLang="en-US" sz="2520" dirty="0">
-                <a:latin typeface="배달의민족 주아" pitchFamily="18" charset="-127"/>
-                <a:ea typeface="배달의민족 주아" pitchFamily="18" charset="-127"/>
-              </a:rPr>
-              <a:t> 무엇인가</a:t>
-            </a:r>
-            <a:r>
-              <a:rPr lang="en-US" altLang="ko-KR" sz="2520" dirty="0">
-                <a:latin typeface="배달의민족 주아" pitchFamily="18" charset="-127"/>
-                <a:ea typeface="배달의민족 주아" pitchFamily="18" charset="-127"/>
-              </a:rPr>
-              <a:t>?</a:t>
-            </a:r>
-            <a:br>
-              <a:rPr lang="en-US" altLang="ko-KR" sz="2520" dirty="0">
-                <a:latin typeface="배달의민족 주아" pitchFamily="18" charset="-127"/>
-                <a:ea typeface="배달의민족 주아" pitchFamily="18" charset="-127"/>
-              </a:rPr>
-            </a:br>
-            <a:endParaRPr lang="ko-KR" altLang="en-US" sz="2520" dirty="0"/>
           </a:p>
         </p:txBody>
       </p:sp>
@@ -10326,7 +11004,7 @@
           <p:nvPr/>
         </p:nvPicPr>
         <p:blipFill>
-          <a:blip r:embed="rId2">
+          <a:blip r:embed="rId2" cstate="print">
             <a:extLst>
               <a:ext uri="{28A0092B-C50C-407E-A947-70E740481C1C}">
                 <a14:useLocalDpi xmlns:a14="http://schemas.microsoft.com/office/drawing/2010/main" val="0"/>
@@ -10340,8 +11018,8 @@
         </p:blipFill>
         <p:spPr bwMode="auto">
           <a:xfrm>
-            <a:off x="3434627" y="3126595"/>
-            <a:ext cx="3036795" cy="3036795"/>
+            <a:off x="3905757" y="3789040"/>
+            <a:ext cx="2094486" cy="2094486"/>
           </a:xfrm>
           <a:prstGeom prst="rect">
             <a:avLst/>
@@ -10358,6 +11036,140 @@
           </a:extLst>
         </p:spPr>
       </p:pic>
+      <p:sp>
+        <p:nvSpPr>
+          <p:cNvPr id="8" name="직사각형 7">
+            <a:extLst>
+              <a:ext uri="{FF2B5EF4-FFF2-40B4-BE49-F238E27FC236}">
+                <a16:creationId xmlns:a16="http://schemas.microsoft.com/office/drawing/2014/main" id="{3B1C919F-A5C3-458A-92CB-6EDCA06F6CC1}"/>
+              </a:ext>
+            </a:extLst>
+          </p:cNvPr>
+          <p:cNvSpPr/>
+          <p:nvPr/>
+        </p:nvSpPr>
+        <p:spPr>
+          <a:xfrm>
+            <a:off x="0" y="0"/>
+            <a:ext cx="3629203" cy="707886"/>
+          </a:xfrm>
+          <a:prstGeom prst="rect">
+            <a:avLst/>
+          </a:prstGeom>
+        </p:spPr>
+        <p:txBody>
+          <a:bodyPr wrap="square">
+            <a:spAutoFit/>
+          </a:bodyPr>
+          <a:lstStyle/>
+          <a:p>
+            <a:r>
+              <a:rPr lang="en-US" altLang="ko-KR" sz="2000" dirty="0">
+                <a:latin typeface="배달의민족 주아" pitchFamily="18" charset="-127"/>
+                <a:ea typeface="배달의민족 주아" pitchFamily="18" charset="-127"/>
+              </a:rPr>
+              <a:t>2. </a:t>
+            </a:r>
+            <a:r>
+              <a:rPr lang="ko-KR" altLang="en-US" sz="2000" dirty="0" err="1">
+                <a:latin typeface="배달의민족 주아" pitchFamily="18" charset="-127"/>
+                <a:ea typeface="배달의민족 주아" pitchFamily="18" charset="-127"/>
+              </a:rPr>
+              <a:t>파이썬이란</a:t>
+            </a:r>
+            <a:r>
+              <a:rPr lang="ko-KR" altLang="en-US" sz="2000" dirty="0">
+                <a:latin typeface="배달의민족 주아" pitchFamily="18" charset="-127"/>
+                <a:ea typeface="배달의민족 주아" pitchFamily="18" charset="-127"/>
+              </a:rPr>
+              <a:t> 무엇인가</a:t>
+            </a:r>
+            <a:r>
+              <a:rPr lang="en-US" altLang="ko-KR" sz="2000" dirty="0">
+                <a:latin typeface="배달의민족 주아" pitchFamily="18" charset="-127"/>
+                <a:ea typeface="배달의민족 주아" pitchFamily="18" charset="-127"/>
+              </a:rPr>
+              <a:t>?</a:t>
+            </a:r>
+            <a:br>
+              <a:rPr lang="en-US" altLang="ko-KR" sz="2000" dirty="0">
+                <a:latin typeface="배달의민족 주아" pitchFamily="18" charset="-127"/>
+                <a:ea typeface="배달의민족 주아" pitchFamily="18" charset="-127"/>
+              </a:rPr>
+            </a:br>
+            <a:endParaRPr lang="ko-KR" altLang="en-US" sz="2000" dirty="0"/>
+          </a:p>
+        </p:txBody>
+      </p:sp>
+      <p:sp>
+        <p:nvSpPr>
+          <p:cNvPr id="9" name="TextBox 8">
+            <a:extLst>
+              <a:ext uri="{FF2B5EF4-FFF2-40B4-BE49-F238E27FC236}">
+                <a16:creationId xmlns:a16="http://schemas.microsoft.com/office/drawing/2014/main" id="{118BD66C-CEEF-4292-981B-7517D52F60C9}"/>
+              </a:ext>
+            </a:extLst>
+          </p:cNvPr>
+          <p:cNvSpPr txBox="1"/>
+          <p:nvPr/>
+        </p:nvSpPr>
+        <p:spPr>
+          <a:xfrm>
+            <a:off x="8081913" y="6488668"/>
+            <a:ext cx="1838965" cy="369332"/>
+          </a:xfrm>
+          <a:prstGeom prst="rect">
+            <a:avLst/>
+          </a:prstGeom>
+          <a:noFill/>
+        </p:spPr>
+        <p:txBody>
+          <a:bodyPr wrap="none" rtlCol="0">
+            <a:spAutoFit/>
+          </a:bodyPr>
+          <a:lstStyle/>
+          <a:p>
+            <a:r>
+              <a:rPr lang="en-US" altLang="ko-KR" sz="1800" dirty="0">
+                <a:solidFill>
+                  <a:schemeClr val="accent5"/>
+                </a:solidFill>
+                <a:latin typeface="배달의민족 도현" pitchFamily="50" charset="-127"/>
+                <a:ea typeface="배달의민족 도현" pitchFamily="50" charset="-127"/>
+              </a:rPr>
+              <a:t>S</a:t>
+            </a:r>
+            <a:r>
+              <a:rPr lang="en-US" altLang="ko-KR" sz="1800" dirty="0">
+                <a:latin typeface="배달의민족 도현" pitchFamily="50" charset="-127"/>
+                <a:ea typeface="배달의민족 도현" pitchFamily="50" charset="-127"/>
+              </a:rPr>
+              <a:t>TART</a:t>
+            </a:r>
+            <a:r>
+              <a:rPr lang="en-US" altLang="ko-KR" sz="1800" dirty="0">
+                <a:solidFill>
+                  <a:schemeClr val="accent5"/>
+                </a:solidFill>
+                <a:latin typeface="배달의민족 도현" pitchFamily="50" charset="-127"/>
+                <a:ea typeface="배달의민족 도현" pitchFamily="50" charset="-127"/>
+              </a:rPr>
+              <a:t>C</a:t>
+            </a:r>
+            <a:r>
+              <a:rPr lang="en-US" altLang="ko-KR" sz="1800" dirty="0">
+                <a:latin typeface="배달의민족 도현" pitchFamily="50" charset="-127"/>
+                <a:ea typeface="배달의민족 도현" pitchFamily="50" charset="-127"/>
+              </a:rPr>
+              <a:t>ODING</a:t>
+            </a:r>
+            <a:endParaRPr lang="ko-KR" altLang="en-US" sz="1800" dirty="0">
+              <a:latin typeface="배달의민족 도현" pitchFamily="50" charset="-127"/>
+              <a:ea typeface="배달의민족 도현" pitchFamily="50" charset="-127"/>
+            </a:endParaRPr>
+          </a:p>
+        </p:txBody>
+      </p:sp>
     </p:spTree>
     <p:extLst>
       <p:ext uri="{BB962C8B-B14F-4D97-AF65-F5344CB8AC3E}">

--- a/파이썬기초(PPT)/파이썬 기초 1강_강의소개.pptx
+++ b/파이썬기초(PPT)/파이썬 기초 1강_강의소개.pptx
@@ -5,7 +5,7 @@
     <p:sldMasterId id="2147483648" r:id="rId1"/>
   </p:sldMasterIdLst>
   <p:handoutMasterIdLst>
-    <p:handoutMasterId r:id="rId20"/>
+    <p:handoutMasterId r:id="rId27"/>
   </p:handoutMasterIdLst>
   <p:sldIdLst>
     <p:sldId id="256" r:id="rId2"/>
@@ -22,10 +22,17 @@
     <p:sldId id="276" r:id="rId13"/>
     <p:sldId id="277" r:id="rId14"/>
     <p:sldId id="278" r:id="rId15"/>
-    <p:sldId id="279" r:id="rId16"/>
-    <p:sldId id="280" r:id="rId17"/>
-    <p:sldId id="281" r:id="rId18"/>
-    <p:sldId id="263" r:id="rId19"/>
+    <p:sldId id="282" r:id="rId16"/>
+    <p:sldId id="283" r:id="rId17"/>
+    <p:sldId id="284" r:id="rId18"/>
+    <p:sldId id="285" r:id="rId19"/>
+    <p:sldId id="286" r:id="rId20"/>
+    <p:sldId id="287" r:id="rId21"/>
+    <p:sldId id="288" r:id="rId22"/>
+    <p:sldId id="279" r:id="rId23"/>
+    <p:sldId id="280" r:id="rId24"/>
+    <p:sldId id="281" r:id="rId25"/>
+    <p:sldId id="263" r:id="rId26"/>
   </p:sldIdLst>
   <p:sldSz cx="9906000" cy="6858000" type="A4"/>
   <p:notesSz cx="10020300" cy="6888163"/>
@@ -473,7 +480,7 @@
           <a:p>
             <a:fld id="{FB30EDBD-1C2D-4C1E-B459-B60219FAB484}" type="datetimeFigureOut">
               <a:rPr lang="ko-KR" altLang="en-US" smtClean="0"/>
-              <a:t>2020-11-06</a:t>
+              <a:t>2020-11-16</a:t>
             </a:fld>
             <a:endParaRPr lang="ko-KR" altLang="en-US"/>
           </a:p>
@@ -636,7 +643,7 @@
           <a:p>
             <a:fld id="{FB30EDBD-1C2D-4C1E-B459-B60219FAB484}" type="datetimeFigureOut">
               <a:rPr lang="ko-KR" altLang="en-US" smtClean="0"/>
-              <a:t>2020-11-06</a:t>
+              <a:t>2020-11-16</a:t>
             </a:fld>
             <a:endParaRPr lang="ko-KR" altLang="en-US"/>
           </a:p>
@@ -809,7 +816,7 @@
           <a:p>
             <a:fld id="{FB30EDBD-1C2D-4C1E-B459-B60219FAB484}" type="datetimeFigureOut">
               <a:rPr lang="ko-KR" altLang="en-US" smtClean="0"/>
-              <a:t>2020-11-06</a:t>
+              <a:t>2020-11-16</a:t>
             </a:fld>
             <a:endParaRPr lang="ko-KR" altLang="en-US"/>
           </a:p>
@@ -972,7 +979,7 @@
           <a:p>
             <a:fld id="{FB30EDBD-1C2D-4C1E-B459-B60219FAB484}" type="datetimeFigureOut">
               <a:rPr lang="ko-KR" altLang="en-US" smtClean="0"/>
-              <a:t>2020-11-06</a:t>
+              <a:t>2020-11-16</a:t>
             </a:fld>
             <a:endParaRPr lang="ko-KR" altLang="en-US"/>
           </a:p>
@@ -1212,7 +1219,7 @@
           <a:p>
             <a:fld id="{FB30EDBD-1C2D-4C1E-B459-B60219FAB484}" type="datetimeFigureOut">
               <a:rPr lang="ko-KR" altLang="en-US" smtClean="0"/>
-              <a:t>2020-11-06</a:t>
+              <a:t>2020-11-16</a:t>
             </a:fld>
             <a:endParaRPr lang="ko-KR" altLang="en-US"/>
           </a:p>
@@ -1492,7 +1499,7 @@
           <a:p>
             <a:fld id="{FB30EDBD-1C2D-4C1E-B459-B60219FAB484}" type="datetimeFigureOut">
               <a:rPr lang="ko-KR" altLang="en-US" smtClean="0"/>
-              <a:t>2020-11-06</a:t>
+              <a:t>2020-11-16</a:t>
             </a:fld>
             <a:endParaRPr lang="ko-KR" altLang="en-US"/>
           </a:p>
@@ -1906,7 +1913,7 @@
           <a:p>
             <a:fld id="{FB30EDBD-1C2D-4C1E-B459-B60219FAB484}" type="datetimeFigureOut">
               <a:rPr lang="ko-KR" altLang="en-US" smtClean="0"/>
-              <a:t>2020-11-06</a:t>
+              <a:t>2020-11-16</a:t>
             </a:fld>
             <a:endParaRPr lang="ko-KR" altLang="en-US"/>
           </a:p>
@@ -2018,7 +2025,7 @@
           <a:p>
             <a:fld id="{FB30EDBD-1C2D-4C1E-B459-B60219FAB484}" type="datetimeFigureOut">
               <a:rPr lang="ko-KR" altLang="en-US" smtClean="0"/>
-              <a:t>2020-11-06</a:t>
+              <a:t>2020-11-16</a:t>
             </a:fld>
             <a:endParaRPr lang="ko-KR" altLang="en-US"/>
           </a:p>
@@ -2108,7 +2115,7 @@
           <a:p>
             <a:fld id="{FB30EDBD-1C2D-4C1E-B459-B60219FAB484}" type="datetimeFigureOut">
               <a:rPr lang="ko-KR" altLang="en-US" smtClean="0"/>
-              <a:t>2020-11-06</a:t>
+              <a:t>2020-11-16</a:t>
             </a:fld>
             <a:endParaRPr lang="ko-KR" altLang="en-US"/>
           </a:p>
@@ -2378,7 +2385,7 @@
           <a:p>
             <a:fld id="{FB30EDBD-1C2D-4C1E-B459-B60219FAB484}" type="datetimeFigureOut">
               <a:rPr lang="ko-KR" altLang="en-US" smtClean="0"/>
-              <a:t>2020-11-06</a:t>
+              <a:t>2020-11-16</a:t>
             </a:fld>
             <a:endParaRPr lang="ko-KR" altLang="en-US"/>
           </a:p>
@@ -2625,7 +2632,7 @@
           <a:p>
             <a:fld id="{FB30EDBD-1C2D-4C1E-B459-B60219FAB484}" type="datetimeFigureOut">
               <a:rPr lang="ko-KR" altLang="en-US" smtClean="0"/>
-              <a:t>2020-11-06</a:t>
+              <a:t>2020-11-16</a:t>
             </a:fld>
             <a:endParaRPr lang="ko-KR" altLang="en-US"/>
           </a:p>
@@ -2831,7 +2838,7 @@
           <a:p>
             <a:fld id="{FB30EDBD-1C2D-4C1E-B459-B60219FAB484}" type="datetimeFigureOut">
               <a:rPr lang="ko-KR" altLang="en-US" smtClean="0"/>
-              <a:t>2020-11-06</a:t>
+              <a:t>2020-11-16</a:t>
             </a:fld>
             <a:endParaRPr lang="ko-KR" altLang="en-US"/>
           </a:p>
@@ -4772,34 +4779,6 @@
               <a:srgbClr val="FFFFFF"/>
             </a:contourClr>
           </a:sp3d>
-          <a:extLst>
-            <a:ext uri="{909E8E84-426E-40DD-AFC4-6F175D3DCCD1}">
-              <a14:hiddenFill xmlns:a14="http://schemas.microsoft.com/office/drawing/2010/main">
-                <a:solidFill>
-                  <a:schemeClr val="accent1"/>
-                </a:solidFill>
-              </a14:hiddenFill>
-            </a:ext>
-            <a:ext uri="{91240B29-F687-4F45-9708-019B960494DF}">
-              <a14:hiddenLine xmlns:a14="http://schemas.microsoft.com/office/drawing/2010/main" w="9525">
-                <a:solidFill>
-                  <a:schemeClr val="tx1"/>
-                </a:solidFill>
-                <a:miter lim="800000"/>
-                <a:headEnd/>
-                <a:tailEnd/>
-              </a14:hiddenLine>
-            </a:ext>
-            <a:ext uri="{AF507438-7753-43E0-B8FC-AC1667EBCBE1}">
-              <a14:hiddenEffects xmlns:a14="http://schemas.microsoft.com/office/drawing/2010/main">
-                <a:effectLst>
-                  <a:outerShdw dist="35921" dir="2700000" algn="ctr" rotWithShape="0">
-                    <a:schemeClr val="bg2"/>
-                  </a:outerShdw>
-                </a:effectLst>
-              </a14:hiddenEffects>
-            </a:ext>
-          </a:extLst>
         </p:spPr>
       </p:pic>
       <p:sp>
@@ -6410,60 +6389,14 @@
       </p:grpSpPr>
       <p:sp>
         <p:nvSpPr>
-          <p:cNvPr id="7" name="제목 1"/>
-          <p:cNvSpPr>
-            <a:spLocks noGrp="1"/>
-          </p:cNvSpPr>
-          <p:nvPr>
-            <p:ph type="ctrTitle"/>
-          </p:nvPr>
-        </p:nvSpPr>
-        <p:spPr>
-          <a:xfrm>
-            <a:off x="-487680" y="-285219"/>
-            <a:ext cx="10881360" cy="2058035"/>
-          </a:xfrm>
-        </p:spPr>
-        <p:txBody>
-          <a:bodyPr>
-            <a:normAutofit/>
-          </a:bodyPr>
-          <a:lstStyle/>
-          <a:p>
-            <a:r>
-              <a:rPr lang="ko-KR" altLang="en-US" sz="4400" dirty="0">
-                <a:latin typeface="배달의민족 주아" pitchFamily="18" charset="-127"/>
-                <a:ea typeface="배달의민족 주아" pitchFamily="18" charset="-127"/>
-              </a:rPr>
-              <a:t>에디터</a:t>
-            </a:r>
-            <a:r>
-              <a:rPr lang="en-US" altLang="ko-KR" sz="4400" dirty="0">
-                <a:latin typeface="배달의민족 주아" pitchFamily="18" charset="-127"/>
-                <a:ea typeface="배달의민족 주아" pitchFamily="18" charset="-127"/>
-              </a:rPr>
-              <a:t>(Visual Studio Code)</a:t>
-            </a:r>
-            <a:r>
-              <a:rPr lang="ko-KR" altLang="en-US" sz="4400" dirty="0">
-                <a:latin typeface="배달의민족 주아" pitchFamily="18" charset="-127"/>
-                <a:ea typeface="배달의민족 주아" pitchFamily="18" charset="-127"/>
-              </a:rPr>
-              <a:t> 설치</a:t>
-            </a:r>
-          </a:p>
-        </p:txBody>
-      </p:sp>
-      <p:sp>
-        <p:nvSpPr>
-          <p:cNvPr id="2" name="직사각형 1"/>
+          <p:cNvPr id="5" name="직사각형 4"/>
           <p:cNvSpPr/>
           <p:nvPr/>
         </p:nvSpPr>
         <p:spPr>
           <a:xfrm>
-            <a:off x="3149202" y="992922"/>
-            <a:ext cx="3676006" cy="707886"/>
+            <a:off x="675225" y="658976"/>
+            <a:ext cx="8555547" cy="480131"/>
           </a:xfrm>
           <a:prstGeom prst="rect">
             <a:avLst/>
@@ -6476,130 +6409,54 @@
           <a:lstStyle/>
           <a:p>
             <a:r>
-              <a:rPr lang="en-US" altLang="ko-KR" sz="2000" dirty="0">
-                <a:hlinkClick r:id="rId2"/>
-              </a:rPr>
-              <a:t>https://code.visualstudio.com/</a:t>
-            </a:r>
-            <a:endParaRPr lang="en-US" altLang="ko-KR" sz="2000" dirty="0"/>
-          </a:p>
-          <a:p>
-            <a:endParaRPr lang="en-US" altLang="ko-KR" sz="2000" dirty="0"/>
-          </a:p>
-        </p:txBody>
-      </p:sp>
-      <p:pic>
-        <p:nvPicPr>
-          <p:cNvPr id="6146" name="Picture 2"/>
-          <p:cNvPicPr>
-            <a:picLocks noChangeAspect="1" noChangeArrowheads="1"/>
-          </p:cNvPicPr>
-          <p:nvPr/>
-        </p:nvPicPr>
-        <p:blipFill>
-          <a:blip r:embed="rId3">
-            <a:extLst>
-              <a:ext uri="{28A0092B-C50C-407E-A947-70E740481C1C}">
-                <a14:useLocalDpi xmlns:a14="http://schemas.microsoft.com/office/drawing/2010/main" val="0"/>
-              </a:ext>
-            </a:extLst>
-          </a:blip>
-          <a:srcRect/>
-          <a:stretch>
-            <a:fillRect/>
-          </a:stretch>
-        </p:blipFill>
-        <p:spPr bwMode="auto">
-          <a:xfrm>
-            <a:off x="774913" y="1425108"/>
-            <a:ext cx="8356173" cy="4991552"/>
-          </a:xfrm>
-          <a:prstGeom prst="rect">
-            <a:avLst/>
-          </a:prstGeom>
-          <a:ln>
-            <a:noFill/>
-          </a:ln>
-          <a:effectLst>
-            <a:outerShdw blurRad="190500" algn="tl" rotWithShape="0">
-              <a:srgbClr val="000000">
-                <a:alpha val="70000"/>
-              </a:srgbClr>
-            </a:outerShdw>
-          </a:effectLst>
-          <a:extLst>
-            <a:ext uri="{909E8E84-426E-40DD-AFC4-6F175D3DCCD1}">
-              <a14:hiddenFill xmlns:a14="http://schemas.microsoft.com/office/drawing/2010/main">
-                <a:solidFill>
-                  <a:schemeClr val="accent1"/>
-                </a:solidFill>
-              </a14:hiddenFill>
-            </a:ext>
-            <a:ext uri="{91240B29-F687-4F45-9708-019B960494DF}">
-              <a14:hiddenLine xmlns:a14="http://schemas.microsoft.com/office/drawing/2010/main" w="9525">
-                <a:solidFill>
-                  <a:schemeClr val="tx1"/>
-                </a:solidFill>
-                <a:miter lim="800000"/>
-                <a:headEnd/>
-                <a:tailEnd/>
-              </a14:hiddenLine>
-            </a:ext>
-          </a:extLst>
-        </p:spPr>
-      </p:pic>
-      <p:sp>
-        <p:nvSpPr>
-          <p:cNvPr id="4" name="직사각형 3"/>
-          <p:cNvSpPr/>
-          <p:nvPr/>
-        </p:nvSpPr>
-        <p:spPr>
-          <a:xfrm>
-            <a:off x="1208584" y="3501008"/>
-            <a:ext cx="2117035" cy="806491"/>
-          </a:xfrm>
-          <a:prstGeom prst="rect">
-            <a:avLst/>
-          </a:prstGeom>
-          <a:noFill/>
-          <a:ln>
-            <a:solidFill>
-              <a:srgbClr val="FF0000"/>
-            </a:solidFill>
-          </a:ln>
-        </p:spPr>
-        <p:style>
-          <a:lnRef idx="2">
-            <a:schemeClr val="accent1">
-              <a:shade val="50000"/>
-            </a:schemeClr>
-          </a:lnRef>
-          <a:fillRef idx="1">
-            <a:schemeClr val="accent1"/>
-          </a:fillRef>
-          <a:effectRef idx="0">
-            <a:schemeClr val="accent1"/>
-          </a:effectRef>
-          <a:fontRef idx="minor">
-            <a:schemeClr val="lt1"/>
-          </a:fontRef>
-        </p:style>
-        <p:txBody>
-          <a:bodyPr rtlCol="0" anchor="ctr"/>
-          <a:lstStyle/>
-          <a:p>
-            <a:pPr algn="ctr"/>
-            <a:endParaRPr lang="ko-KR" altLang="en-US" sz="2520"/>
-          </a:p>
-        </p:txBody>
-      </p:sp>
-      <p:sp>
-        <p:nvSpPr>
-          <p:cNvPr id="8" name="직사각형 7">
+              <a:rPr lang="ko-KR" altLang="en-US" sz="2520" dirty="0">
+                <a:solidFill>
+                  <a:srgbClr val="FF0000"/>
+                </a:solidFill>
+              </a:rPr>
+              <a:t>운영체제 </a:t>
+            </a:r>
+            <a:r>
+              <a:rPr lang="en-US" altLang="ko-KR" sz="2520" dirty="0">
+                <a:solidFill>
+                  <a:srgbClr val="FF0000"/>
+                </a:solidFill>
+              </a:rPr>
+              <a:t>window 7</a:t>
+            </a:r>
+            <a:r>
+              <a:rPr lang="ko-KR" altLang="en-US" sz="2520" dirty="0">
+                <a:solidFill>
+                  <a:srgbClr val="FF0000"/>
+                </a:solidFill>
+              </a:rPr>
+              <a:t>이하일 경우 아래와 같은 오류 </a:t>
+            </a:r>
+            <a:r>
+              <a:rPr lang="ko-KR" altLang="en-US" sz="2520" dirty="0" err="1">
+                <a:solidFill>
+                  <a:srgbClr val="FF0000"/>
+                </a:solidFill>
+              </a:rPr>
+              <a:t>메세지</a:t>
+            </a:r>
+            <a:r>
+              <a:rPr lang="ko-KR" altLang="en-US" sz="2520" dirty="0">
+                <a:solidFill>
+                  <a:srgbClr val="FF0000"/>
+                </a:solidFill>
+              </a:rPr>
+              <a:t> </a:t>
+            </a:r>
+          </a:p>
+        </p:txBody>
+      </p:sp>
+      <p:sp>
+        <p:nvSpPr>
+          <p:cNvPr id="9" name="직사각형 8">
             <a:extLst>
               <a:ext uri="{FF2B5EF4-FFF2-40B4-BE49-F238E27FC236}">
-                <a16:creationId xmlns:a16="http://schemas.microsoft.com/office/drawing/2014/main" id="{170B9F68-82FF-430B-A078-70A6D5E4885F}"/>
+                <a16:creationId xmlns:a16="http://schemas.microsoft.com/office/drawing/2014/main" id="{88963583-44CB-4719-9D52-A80AB996CE3B}"/>
               </a:ext>
             </a:extLst>
           </p:cNvPr>
@@ -6641,10 +6498,10 @@
       </p:sp>
       <p:sp>
         <p:nvSpPr>
-          <p:cNvPr id="9" name="TextBox 8">
+          <p:cNvPr id="10" name="TextBox 9">
             <a:extLst>
               <a:ext uri="{FF2B5EF4-FFF2-40B4-BE49-F238E27FC236}">
-                <a16:creationId xmlns:a16="http://schemas.microsoft.com/office/drawing/2014/main" id="{D2259705-1B93-4C42-A4DB-26C9E1E56149}"/>
+                <a16:creationId xmlns:a16="http://schemas.microsoft.com/office/drawing/2014/main" id="{0FA2C1FE-CE02-4659-8C00-51459EF47DBC}"/>
               </a:ext>
             </a:extLst>
           </p:cNvPr>
@@ -6708,10 +6565,70 @@
           </a:p>
         </p:txBody>
       </p:sp>
+      <p:pic>
+        <p:nvPicPr>
+          <p:cNvPr id="3" name="그림 2">
+            <a:extLst>
+              <a:ext uri="{FF2B5EF4-FFF2-40B4-BE49-F238E27FC236}">
+                <a16:creationId xmlns:a16="http://schemas.microsoft.com/office/drawing/2014/main" id="{2AAE2F69-AB97-4539-83E3-20BCB21E2A64}"/>
+              </a:ext>
+            </a:extLst>
+          </p:cNvPr>
+          <p:cNvPicPr>
+            <a:picLocks noChangeAspect="1"/>
+          </p:cNvPicPr>
+          <p:nvPr/>
+        </p:nvPicPr>
+        <p:blipFill>
+          <a:blip r:embed="rId2"/>
+          <a:stretch>
+            <a:fillRect/>
+          </a:stretch>
+        </p:blipFill>
+        <p:spPr>
+          <a:xfrm>
+            <a:off x="1738312" y="1428750"/>
+            <a:ext cx="6429375" cy="4000500"/>
+          </a:xfrm>
+          <a:prstGeom prst="rect">
+            <a:avLst/>
+          </a:prstGeom>
+          <a:solidFill>
+            <a:srgbClr val="FFFFFF">
+              <a:shade val="85000"/>
+            </a:srgbClr>
+          </a:solidFill>
+          <a:ln w="88900" cap="sq">
+            <a:solidFill>
+              <a:srgbClr val="FFFFFF"/>
+            </a:solidFill>
+            <a:miter lim="800000"/>
+          </a:ln>
+          <a:effectLst>
+            <a:outerShdw blurRad="55000" dist="18000" dir="5400000" algn="tl" rotWithShape="0">
+              <a:srgbClr val="000000">
+                <a:alpha val="40000"/>
+              </a:srgbClr>
+            </a:outerShdw>
+          </a:effectLst>
+          <a:scene3d>
+            <a:camera prst="orthographicFront"/>
+            <a:lightRig rig="twoPt" dir="t">
+              <a:rot lat="0" lon="0" rev="7200000"/>
+            </a:lightRig>
+          </a:scene3d>
+          <a:sp3d>
+            <a:bevelT w="25400" h="19050"/>
+            <a:contourClr>
+              <a:srgbClr val="FFFFFF"/>
+            </a:contourClr>
+          </a:sp3d>
+        </p:spPr>
+      </p:pic>
     </p:spTree>
     <p:extLst>
       <p:ext uri="{BB962C8B-B14F-4D97-AF65-F5344CB8AC3E}">
-        <p14:creationId xmlns:p14="http://schemas.microsoft.com/office/powerpoint/2010/main" val="3692365508"/>
+        <p14:creationId xmlns:p14="http://schemas.microsoft.com/office/powerpoint/2010/main" val="551451916"/>
       </p:ext>
     </p:extLst>
   </p:cSld>
@@ -6740,167 +6657,52 @@
       </p:grpSpPr>
       <p:sp>
         <p:nvSpPr>
-          <p:cNvPr id="6" name="직사각형 5"/>
+          <p:cNvPr id="5" name="직사각형 4"/>
           <p:cNvSpPr/>
           <p:nvPr/>
         </p:nvSpPr>
         <p:spPr>
           <a:xfrm>
-            <a:off x="-1297294" y="-1208314"/>
-            <a:ext cx="3629203" cy="480131"/>
+            <a:off x="1156127" y="634178"/>
+            <a:ext cx="7593745" cy="480131"/>
           </a:xfrm>
           <a:prstGeom prst="rect">
             <a:avLst/>
           </a:prstGeom>
         </p:spPr>
         <p:txBody>
-          <a:bodyPr wrap="square">
-            <a:spAutoFit/>
-          </a:bodyPr>
-          <a:lstStyle/>
-          <a:p>
-            <a:r>
-              <a:rPr lang="en-US" altLang="ko-KR" sz="2520" dirty="0">
-                <a:latin typeface="배달의민족 주아" pitchFamily="18" charset="-127"/>
-                <a:ea typeface="배달의민족 주아" pitchFamily="18" charset="-127"/>
-              </a:rPr>
-              <a:t>3. </a:t>
-            </a:r>
-            <a:r>
-              <a:rPr lang="ko-KR" altLang="en-US" sz="2520" dirty="0">
-                <a:latin typeface="배달의민족 주아" pitchFamily="18" charset="-127"/>
-                <a:ea typeface="배달의민족 주아" pitchFamily="18" charset="-127"/>
-              </a:rPr>
-              <a:t>프로그램 설치</a:t>
-            </a:r>
-            <a:endParaRPr lang="ko-KR" altLang="en-US" sz="2520" dirty="0"/>
-          </a:p>
-        </p:txBody>
-      </p:sp>
-      <p:sp>
-        <p:nvSpPr>
-          <p:cNvPr id="7" name="제목 1"/>
-          <p:cNvSpPr>
-            <a:spLocks noGrp="1"/>
-          </p:cNvSpPr>
-          <p:nvPr>
-            <p:ph type="ctrTitle"/>
-          </p:nvPr>
-        </p:nvSpPr>
-        <p:spPr>
-          <a:xfrm>
-            <a:off x="-487680" y="-99392"/>
-            <a:ext cx="10881360" cy="2058035"/>
-          </a:xfrm>
-        </p:spPr>
-        <p:txBody>
-          <a:bodyPr>
-            <a:normAutofit/>
-          </a:bodyPr>
-          <a:lstStyle/>
-          <a:p>
-            <a:r>
-              <a:rPr lang="en-US" altLang="ko-KR" sz="4400" dirty="0">
-                <a:latin typeface="배달의민족 주아" pitchFamily="18" charset="-127"/>
-                <a:ea typeface="배달의민족 주아" pitchFamily="18" charset="-127"/>
-              </a:rPr>
-              <a:t>Visual Studio Code </a:t>
-            </a:r>
-            <a:r>
-              <a:rPr lang="ko-KR" altLang="en-US" sz="4400" dirty="0">
-                <a:latin typeface="배달의민족 주아" pitchFamily="18" charset="-127"/>
-                <a:ea typeface="배달의민족 주아" pitchFamily="18" charset="-127"/>
-              </a:rPr>
-              <a:t>사용법</a:t>
-            </a:r>
-          </a:p>
-        </p:txBody>
-      </p:sp>
-      <p:sp>
-        <p:nvSpPr>
-          <p:cNvPr id="2" name="직사각형 1"/>
-          <p:cNvSpPr/>
-          <p:nvPr/>
-        </p:nvSpPr>
-        <p:spPr>
-          <a:xfrm>
-            <a:off x="2977938" y="1424970"/>
-            <a:ext cx="3919278" cy="707886"/>
-          </a:xfrm>
-          <a:prstGeom prst="rect">
-            <a:avLst/>
-          </a:prstGeom>
-        </p:spPr>
-        <p:txBody>
           <a:bodyPr wrap="none">
             <a:spAutoFit/>
           </a:bodyPr>
           <a:lstStyle/>
           <a:p>
             <a:r>
-              <a:rPr lang="en-US" altLang="ko-KR" sz="2000" dirty="0">
-                <a:hlinkClick r:id="rId2"/>
-              </a:rPr>
-              <a:t>https://youtu.be/YWyfAH1RQD8</a:t>
-            </a:r>
-            <a:endParaRPr lang="en-US" altLang="ko-KR" sz="2000" dirty="0"/>
-          </a:p>
-          <a:p>
-            <a:endParaRPr lang="en-US" altLang="ko-KR" sz="2000" dirty="0"/>
-          </a:p>
-        </p:txBody>
-      </p:sp>
-      <p:sp>
-        <p:nvSpPr>
-          <p:cNvPr id="8" name="제목 1"/>
-          <p:cNvSpPr txBox="1">
-            <a:spLocks/>
-          </p:cNvSpPr>
-          <p:nvPr/>
-        </p:nvSpPr>
-        <p:spPr>
-          <a:xfrm>
-            <a:off x="-490786" y="2580711"/>
-            <a:ext cx="10881361" cy="2058036"/>
-          </a:xfrm>
-          <a:prstGeom prst="rect">
-            <a:avLst/>
-          </a:prstGeom>
-        </p:spPr>
-        <p:txBody>
-          <a:bodyPr vert="horz" lIns="128017" tIns="64008" rIns="128017" bIns="64008" rtlCol="0" anchor="ctr">
-            <a:normAutofit/>
-          </a:bodyPr>
-          <a:lstStyle>
-            <a:lvl1pPr algn="ctr" defTabSz="914400" rtl="0" eaLnBrk="1" latinLnBrk="1" hangingPunct="1">
-              <a:spcBef>
-                <a:spcPct val="0"/>
-              </a:spcBef>
-              <a:buNone/>
-              <a:defRPr sz="4400" kern="1200">
-                <a:solidFill>
-                  <a:schemeClr val="tx1"/>
-                </a:solidFill>
-                <a:latin typeface="+mj-lt"/>
-                <a:ea typeface="+mj-ea"/>
-                <a:cs typeface="+mj-cs"/>
-              </a:defRPr>
-            </a:lvl1pPr>
-          </a:lstStyle>
-          <a:p>
-            <a:r>
-              <a:rPr lang="ko-KR" altLang="en-US" sz="4800" dirty="0" err="1">
-                <a:latin typeface="배달의민족 주아" pitchFamily="18" charset="-127"/>
-                <a:ea typeface="배달의민족 주아" pitchFamily="18" charset="-127"/>
-              </a:rPr>
-              <a:t>유튜브</a:t>
-            </a:r>
-            <a:r>
-              <a:rPr lang="ko-KR" altLang="en-US" sz="4800" dirty="0">
-                <a:latin typeface="배달의민족 주아" pitchFamily="18" charset="-127"/>
-                <a:ea typeface="배달의민족 주아" pitchFamily="18" charset="-127"/>
-              </a:rPr>
-              <a:t> 영상 참고</a:t>
+              <a:rPr lang="ko-KR" altLang="en-US" sz="2520" dirty="0"/>
+              <a:t>운영체제 </a:t>
+            </a:r>
+            <a:r>
+              <a:rPr lang="en-US" altLang="ko-KR" sz="2520" dirty="0"/>
+              <a:t>window7</a:t>
+            </a:r>
+            <a:r>
+              <a:rPr lang="ko-KR" altLang="en-US" sz="2520" dirty="0"/>
+              <a:t>이하</a:t>
+            </a:r>
+            <a:r>
+              <a:rPr lang="en-US" altLang="ko-KR" sz="2520" dirty="0"/>
+              <a:t> </a:t>
+            </a:r>
+            <a:r>
+              <a:rPr lang="ko-KR" altLang="en-US" sz="2520" dirty="0"/>
+              <a:t>사용자는 </a:t>
+            </a:r>
+            <a:r>
+              <a:rPr lang="en-US" altLang="ko-KR" sz="2520" dirty="0"/>
+              <a:t>3.8.6 </a:t>
+            </a:r>
+            <a:r>
+              <a:rPr lang="ko-KR" altLang="en-US" sz="2520" dirty="0"/>
+              <a:t>버전을 다운</a:t>
             </a:r>
           </a:p>
         </p:txBody>
@@ -6910,7 +6712,7 @@
           <p:cNvPr id="9" name="직사각형 8">
             <a:extLst>
               <a:ext uri="{FF2B5EF4-FFF2-40B4-BE49-F238E27FC236}">
-                <a16:creationId xmlns:a16="http://schemas.microsoft.com/office/drawing/2014/main" id="{26F3F09A-7B42-4905-87B7-2D077F3241D9}"/>
+                <a16:creationId xmlns:a16="http://schemas.microsoft.com/office/drawing/2014/main" id="{88963583-44CB-4719-9D52-A80AB996CE3B}"/>
               </a:ext>
             </a:extLst>
           </p:cNvPr>
@@ -6955,7 +6757,7 @@
           <p:cNvPr id="10" name="TextBox 9">
             <a:extLst>
               <a:ext uri="{FF2B5EF4-FFF2-40B4-BE49-F238E27FC236}">
-                <a16:creationId xmlns:a16="http://schemas.microsoft.com/office/drawing/2014/main" id="{9B9A4D1D-211C-42F6-9EB1-349122F80828}"/>
+                <a16:creationId xmlns:a16="http://schemas.microsoft.com/office/drawing/2014/main" id="{0FA2C1FE-CE02-4659-8C00-51459EF47DBC}"/>
               </a:ext>
             </a:extLst>
           </p:cNvPr>
@@ -7019,10 +6821,156 @@
           </a:p>
         </p:txBody>
       </p:sp>
+      <p:pic>
+        <p:nvPicPr>
+          <p:cNvPr id="11" name="그림 10">
+            <a:extLst>
+              <a:ext uri="{FF2B5EF4-FFF2-40B4-BE49-F238E27FC236}">
+                <a16:creationId xmlns:a16="http://schemas.microsoft.com/office/drawing/2014/main" id="{D8A66950-B76C-4384-8137-BD0E822D0836}"/>
+              </a:ext>
+            </a:extLst>
+          </p:cNvPr>
+          <p:cNvPicPr>
+            <a:picLocks noChangeAspect="1"/>
+          </p:cNvPicPr>
+          <p:nvPr/>
+        </p:nvPicPr>
+        <p:blipFill>
+          <a:blip r:embed="rId2"/>
+          <a:stretch>
+            <a:fillRect/>
+          </a:stretch>
+        </p:blipFill>
+        <p:spPr>
+          <a:xfrm>
+            <a:off x="352264" y="1484784"/>
+            <a:ext cx="9201472" cy="3492705"/>
+          </a:xfrm>
+          <a:prstGeom prst="rect">
+            <a:avLst/>
+          </a:prstGeom>
+          <a:solidFill>
+            <a:srgbClr val="FFFFFF">
+              <a:shade val="85000"/>
+            </a:srgbClr>
+          </a:solidFill>
+          <a:ln w="88900" cap="sq">
+            <a:solidFill>
+              <a:srgbClr val="FFFFFF"/>
+            </a:solidFill>
+            <a:miter lim="800000"/>
+          </a:ln>
+          <a:effectLst>
+            <a:outerShdw blurRad="55000" dist="18000" dir="5400000" algn="tl" rotWithShape="0">
+              <a:srgbClr val="000000">
+                <a:alpha val="40000"/>
+              </a:srgbClr>
+            </a:outerShdw>
+          </a:effectLst>
+          <a:scene3d>
+            <a:camera prst="orthographicFront"/>
+            <a:lightRig rig="twoPt" dir="t">
+              <a:rot lat="0" lon="0" rev="7200000"/>
+            </a:lightRig>
+          </a:scene3d>
+          <a:sp3d>
+            <a:bevelT w="25400" h="19050"/>
+            <a:contourClr>
+              <a:srgbClr val="FFFFFF"/>
+            </a:contourClr>
+          </a:sp3d>
+        </p:spPr>
+      </p:pic>
+      <p:sp>
+        <p:nvSpPr>
+          <p:cNvPr id="7" name="직사각형 6">
+            <a:extLst>
+              <a:ext uri="{FF2B5EF4-FFF2-40B4-BE49-F238E27FC236}">
+                <a16:creationId xmlns:a16="http://schemas.microsoft.com/office/drawing/2014/main" id="{334B7374-5CDB-4B8A-80FE-F900D0BF1D81}"/>
+              </a:ext>
+            </a:extLst>
+          </p:cNvPr>
+          <p:cNvSpPr/>
+          <p:nvPr/>
+        </p:nvSpPr>
+        <p:spPr>
+          <a:xfrm>
+            <a:off x="368644" y="2630467"/>
+            <a:ext cx="5448452" cy="438493"/>
+          </a:xfrm>
+          <a:prstGeom prst="rect">
+            <a:avLst/>
+          </a:prstGeom>
+          <a:noFill/>
+          <a:ln>
+            <a:solidFill>
+              <a:srgbClr val="FF0000"/>
+            </a:solidFill>
+          </a:ln>
+        </p:spPr>
+        <p:style>
+          <a:lnRef idx="2">
+            <a:schemeClr val="accent1">
+              <a:shade val="50000"/>
+            </a:schemeClr>
+          </a:lnRef>
+          <a:fillRef idx="1">
+            <a:schemeClr val="accent1"/>
+          </a:fillRef>
+          <a:effectRef idx="0">
+            <a:schemeClr val="accent1"/>
+          </a:effectRef>
+          <a:fontRef idx="minor">
+            <a:schemeClr val="lt1"/>
+          </a:fontRef>
+        </p:style>
+        <p:txBody>
+          <a:bodyPr rtlCol="0" anchor="ctr"/>
+          <a:lstStyle/>
+          <a:p>
+            <a:pPr algn="ctr"/>
+            <a:endParaRPr lang="ko-KR" altLang="en-US" sz="2520"/>
+          </a:p>
+        </p:txBody>
+      </p:sp>
+      <p:sp>
+        <p:nvSpPr>
+          <p:cNvPr id="4" name="직사각형 3">
+            <a:extLst>
+              <a:ext uri="{FF2B5EF4-FFF2-40B4-BE49-F238E27FC236}">
+                <a16:creationId xmlns:a16="http://schemas.microsoft.com/office/drawing/2014/main" id="{B43913C4-980B-4B5B-9029-910668574EB6}"/>
+              </a:ext>
+            </a:extLst>
+          </p:cNvPr>
+          <p:cNvSpPr/>
+          <p:nvPr/>
+        </p:nvSpPr>
+        <p:spPr>
+          <a:xfrm>
+            <a:off x="1748644" y="5323166"/>
+            <a:ext cx="6408712" cy="382092"/>
+          </a:xfrm>
+          <a:prstGeom prst="rect">
+            <a:avLst/>
+          </a:prstGeom>
+        </p:spPr>
+        <p:txBody>
+          <a:bodyPr wrap="square">
+            <a:spAutoFit/>
+          </a:bodyPr>
+          <a:lstStyle/>
+          <a:p>
+            <a:r>
+              <a:rPr lang="ko-KR" altLang="en-US" dirty="0"/>
+              <a:t>https://www.python.org/downloads/release/python-386/</a:t>
+            </a:r>
+          </a:p>
+        </p:txBody>
+      </p:sp>
     </p:spTree>
     <p:extLst>
       <p:ext uri="{BB962C8B-B14F-4D97-AF65-F5344CB8AC3E}">
-        <p14:creationId xmlns:p14="http://schemas.microsoft.com/office/powerpoint/2010/main" val="3814937804"/>
+        <p14:creationId xmlns:p14="http://schemas.microsoft.com/office/powerpoint/2010/main" val="1713428071"/>
       </p:ext>
     </p:extLst>
   </p:cSld>
@@ -7051,49 +6999,157 @@
       </p:grpSpPr>
       <p:sp>
         <p:nvSpPr>
-          <p:cNvPr id="7" name="제목 1"/>
-          <p:cNvSpPr>
-            <a:spLocks noGrp="1"/>
-          </p:cNvSpPr>
-          <p:nvPr>
-            <p:ph type="ctrTitle"/>
-          </p:nvPr>
+          <p:cNvPr id="5" name="직사각형 4"/>
+          <p:cNvSpPr/>
+          <p:nvPr/>
         </p:nvSpPr>
         <p:spPr>
           <a:xfrm>
-            <a:off x="-487680" y="-285219"/>
-            <a:ext cx="10881360" cy="2058035"/>
-          </a:xfrm>
-        </p:spPr>
-        <p:txBody>
-          <a:bodyPr>
-            <a:normAutofit/>
+            <a:off x="1731605" y="582813"/>
+            <a:ext cx="6442789" cy="480131"/>
+          </a:xfrm>
+          <a:prstGeom prst="rect">
+            <a:avLst/>
+          </a:prstGeom>
+        </p:spPr>
+        <p:txBody>
+          <a:bodyPr wrap="none">
+            <a:spAutoFit/>
           </a:bodyPr>
           <a:lstStyle/>
           <a:p>
             <a:r>
-              <a:rPr lang="en-US" altLang="ko-KR" sz="4400" dirty="0">
-                <a:latin typeface="배달의민족 주아" pitchFamily="18" charset="-127"/>
-                <a:ea typeface="배달의민족 주아" pitchFamily="18" charset="-127"/>
-              </a:rPr>
-              <a:t>Visual Studio Code </a:t>
-            </a:r>
-            <a:r>
-              <a:rPr lang="ko-KR" altLang="en-US" sz="4400" dirty="0">
-                <a:latin typeface="배달의민족 주아" pitchFamily="18" charset="-127"/>
-                <a:ea typeface="배달의민족 주아" pitchFamily="18" charset="-127"/>
-              </a:rPr>
-              <a:t>파이썬 연동</a:t>
-            </a:r>
+              <a:rPr lang="ko-KR" altLang="en-US" sz="2520" dirty="0"/>
+              <a:t>운영체제 버전에 맞게 다운을 받아 줍니다</a:t>
+            </a:r>
+            <a:r>
+              <a:rPr lang="en-US" altLang="ko-KR" sz="2520" dirty="0"/>
+              <a:t>. </a:t>
+            </a:r>
+            <a:endParaRPr lang="ko-KR" altLang="en-US" sz="2520" dirty="0"/>
+          </a:p>
+        </p:txBody>
+      </p:sp>
+      <p:sp>
+        <p:nvSpPr>
+          <p:cNvPr id="9" name="직사각형 8">
+            <a:extLst>
+              <a:ext uri="{FF2B5EF4-FFF2-40B4-BE49-F238E27FC236}">
+                <a16:creationId xmlns:a16="http://schemas.microsoft.com/office/drawing/2014/main" id="{88963583-44CB-4719-9D52-A80AB996CE3B}"/>
+              </a:ext>
+            </a:extLst>
+          </p:cNvPr>
+          <p:cNvSpPr/>
+          <p:nvPr/>
+        </p:nvSpPr>
+        <p:spPr>
+          <a:xfrm>
+            <a:off x="0" y="0"/>
+            <a:ext cx="3629203" cy="400110"/>
+          </a:xfrm>
+          <a:prstGeom prst="rect">
+            <a:avLst/>
+          </a:prstGeom>
+        </p:spPr>
+        <p:txBody>
+          <a:bodyPr wrap="square">
+            <a:spAutoFit/>
+          </a:bodyPr>
+          <a:lstStyle/>
+          <a:p>
+            <a:r>
+              <a:rPr lang="en-US" altLang="ko-KR" sz="2000" dirty="0">
+                <a:latin typeface="배달의민족 주아" pitchFamily="18" charset="-127"/>
+                <a:ea typeface="배달의민족 주아" pitchFamily="18" charset="-127"/>
+              </a:rPr>
+              <a:t>3. </a:t>
+            </a:r>
+            <a:r>
+              <a:rPr lang="ko-KR" altLang="en-US" sz="2000" dirty="0">
+                <a:latin typeface="배달의민족 주아" pitchFamily="18" charset="-127"/>
+                <a:ea typeface="배달의민족 주아" pitchFamily="18" charset="-127"/>
+              </a:rPr>
+              <a:t>프로그램 설치</a:t>
+            </a:r>
+            <a:endParaRPr lang="ko-KR" altLang="en-US" sz="2000" dirty="0"/>
+          </a:p>
+        </p:txBody>
+      </p:sp>
+      <p:sp>
+        <p:nvSpPr>
+          <p:cNvPr id="10" name="TextBox 9">
+            <a:extLst>
+              <a:ext uri="{FF2B5EF4-FFF2-40B4-BE49-F238E27FC236}">
+                <a16:creationId xmlns:a16="http://schemas.microsoft.com/office/drawing/2014/main" id="{0FA2C1FE-CE02-4659-8C00-51459EF47DBC}"/>
+              </a:ext>
+            </a:extLst>
+          </p:cNvPr>
+          <p:cNvSpPr txBox="1"/>
+          <p:nvPr/>
+        </p:nvSpPr>
+        <p:spPr>
+          <a:xfrm>
+            <a:off x="8081913" y="6488668"/>
+            <a:ext cx="1838965" cy="369332"/>
+          </a:xfrm>
+          <a:prstGeom prst="rect">
+            <a:avLst/>
+          </a:prstGeom>
+          <a:noFill/>
+        </p:spPr>
+        <p:txBody>
+          <a:bodyPr wrap="none" rtlCol="0">
+            <a:spAutoFit/>
+          </a:bodyPr>
+          <a:lstStyle/>
+          <a:p>
+            <a:r>
+              <a:rPr lang="en-US" altLang="ko-KR" sz="1800" dirty="0">
+                <a:solidFill>
+                  <a:schemeClr val="accent5"/>
+                </a:solidFill>
+                <a:latin typeface="배달의민족 도현" pitchFamily="50" charset="-127"/>
+                <a:ea typeface="배달의민족 도현" pitchFamily="50" charset="-127"/>
+              </a:rPr>
+              <a:t>S</a:t>
+            </a:r>
+            <a:r>
+              <a:rPr lang="en-US" altLang="ko-KR" sz="1800" dirty="0">
+                <a:latin typeface="배달의민족 도현" pitchFamily="50" charset="-127"/>
+                <a:ea typeface="배달의민족 도현" pitchFamily="50" charset="-127"/>
+              </a:rPr>
+              <a:t>TART</a:t>
+            </a:r>
+            <a:r>
+              <a:rPr lang="en-US" altLang="ko-KR" sz="1800" dirty="0">
+                <a:solidFill>
+                  <a:schemeClr val="accent5"/>
+                </a:solidFill>
+                <a:latin typeface="배달의민족 도현" pitchFamily="50" charset="-127"/>
+                <a:ea typeface="배달의민족 도현" pitchFamily="50" charset="-127"/>
+              </a:rPr>
+              <a:t>C</a:t>
+            </a:r>
+            <a:r>
+              <a:rPr lang="en-US" altLang="ko-KR" sz="1800" dirty="0">
+                <a:latin typeface="배달의민족 도현" pitchFamily="50" charset="-127"/>
+                <a:ea typeface="배달의민족 도현" pitchFamily="50" charset="-127"/>
+              </a:rPr>
+              <a:t>ODING</a:t>
+            </a:r>
+            <a:endParaRPr lang="ko-KR" altLang="en-US" sz="1800" dirty="0">
+              <a:latin typeface="배달의민족 도현" pitchFamily="50" charset="-127"/>
+              <a:ea typeface="배달의민족 도현" pitchFamily="50" charset="-127"/>
+            </a:endParaRPr>
           </a:p>
         </p:txBody>
       </p:sp>
       <p:pic>
         <p:nvPicPr>
-          <p:cNvPr id="4" name="그림 3">
+          <p:cNvPr id="2" name="그림 1">
             <a:extLst>
               <a:ext uri="{FF2B5EF4-FFF2-40B4-BE49-F238E27FC236}">
-                <a16:creationId xmlns:a16="http://schemas.microsoft.com/office/drawing/2014/main" id="{F2969B33-3390-4689-BD18-7B30F99FCFE4}"/>
+                <a16:creationId xmlns:a16="http://schemas.microsoft.com/office/drawing/2014/main" id="{5EAF32AA-71F2-4D0C-B2EB-3A4B19902619}"/>
               </a:ext>
             </a:extLst>
           </p:cNvPr>
@@ -7110,30 +7166,50 @@
         </p:blipFill>
         <p:spPr>
           <a:xfrm>
-            <a:off x="2047983" y="1268760"/>
-            <a:ext cx="5810033" cy="5280700"/>
+            <a:off x="200472" y="1518644"/>
+            <a:ext cx="8995697" cy="3820712"/>
           </a:xfrm>
           <a:prstGeom prst="rect">
             <a:avLst/>
           </a:prstGeom>
-          <a:ln>
-            <a:noFill/>
+          <a:solidFill>
+            <a:srgbClr val="FFFFFF">
+              <a:shade val="85000"/>
+            </a:srgbClr>
+          </a:solidFill>
+          <a:ln w="88900" cap="sq">
+            <a:solidFill>
+              <a:srgbClr val="FFFFFF"/>
+            </a:solidFill>
+            <a:miter lim="800000"/>
           </a:ln>
           <a:effectLst>
-            <a:outerShdw blurRad="190500" algn="tl" rotWithShape="0">
+            <a:outerShdw blurRad="55000" dist="18000" dir="5400000" algn="tl" rotWithShape="0">
               <a:srgbClr val="000000">
-                <a:alpha val="70000"/>
+                <a:alpha val="40000"/>
               </a:srgbClr>
             </a:outerShdw>
           </a:effectLst>
+          <a:scene3d>
+            <a:camera prst="orthographicFront"/>
+            <a:lightRig rig="twoPt" dir="t">
+              <a:rot lat="0" lon="0" rev="7200000"/>
+            </a:lightRig>
+          </a:scene3d>
+          <a:sp3d>
+            <a:bevelT w="25400" h="19050"/>
+            <a:contourClr>
+              <a:srgbClr val="FFFFFF"/>
+            </a:contourClr>
+          </a:sp3d>
         </p:spPr>
       </p:pic>
       <p:sp>
         <p:nvSpPr>
-          <p:cNvPr id="5" name="직사각형 4">
+          <p:cNvPr id="8" name="직사각형 7">
             <a:extLst>
               <a:ext uri="{FF2B5EF4-FFF2-40B4-BE49-F238E27FC236}">
-                <a16:creationId xmlns:a16="http://schemas.microsoft.com/office/drawing/2014/main" id="{7F05E043-9D86-45FE-B2AF-8B6C88286779}"/>
+                <a16:creationId xmlns:a16="http://schemas.microsoft.com/office/drawing/2014/main" id="{2D800FD2-3FCF-4CAB-AA2F-572A76FD8928}"/>
               </a:ext>
             </a:extLst>
           </p:cNvPr>
@@ -7142,8 +7218,8 @@
         </p:nvSpPr>
         <p:spPr>
           <a:xfrm>
-            <a:off x="2004783" y="4185095"/>
-            <a:ext cx="654251" cy="806491"/>
+            <a:off x="200472" y="3681445"/>
+            <a:ext cx="5256584" cy="288032"/>
           </a:xfrm>
           <a:prstGeom prst="rect">
             <a:avLst/>
@@ -7182,10 +7258,10 @@
       </p:sp>
       <p:sp>
         <p:nvSpPr>
-          <p:cNvPr id="9" name="직사각형 8">
+          <p:cNvPr id="12" name="직사각형 11">
             <a:extLst>
               <a:ext uri="{FF2B5EF4-FFF2-40B4-BE49-F238E27FC236}">
-                <a16:creationId xmlns:a16="http://schemas.microsoft.com/office/drawing/2014/main" id="{BDD95E91-99BF-41C8-8B8D-DF7CFEB9B7A8}"/>
+                <a16:creationId xmlns:a16="http://schemas.microsoft.com/office/drawing/2014/main" id="{7AAB7A04-C997-45B7-B67B-6A332AE1C880}"/>
               </a:ext>
             </a:extLst>
           </p:cNvPr>
@@ -7194,8 +7270,8 @@
         </p:nvSpPr>
         <p:spPr>
           <a:xfrm>
-            <a:off x="2498645" y="2521721"/>
-            <a:ext cx="5478714" cy="1008113"/>
+            <a:off x="200472" y="4437112"/>
+            <a:ext cx="5256584" cy="288032"/>
           </a:xfrm>
           <a:prstGeom prst="rect">
             <a:avLst/>
@@ -7234,10 +7310,10 @@
       </p:sp>
       <p:sp>
         <p:nvSpPr>
-          <p:cNvPr id="8" name="직사각형 7">
+          <p:cNvPr id="13" name="직사각형 12">
             <a:extLst>
               <a:ext uri="{FF2B5EF4-FFF2-40B4-BE49-F238E27FC236}">
-                <a16:creationId xmlns:a16="http://schemas.microsoft.com/office/drawing/2014/main" id="{D8437C08-6E88-49AF-ABA3-E95052765B6F}"/>
+                <a16:creationId xmlns:a16="http://schemas.microsoft.com/office/drawing/2014/main" id="{187F52FE-0D81-4A53-BA51-9F8611DDFC8B}"/>
               </a:ext>
             </a:extLst>
           </p:cNvPr>
@@ -7246,7 +7322,7 @@
         </p:nvSpPr>
         <p:spPr>
           <a:xfrm>
-            <a:off x="0" y="0"/>
+            <a:off x="4909719" y="3413777"/>
             <a:ext cx="3629203" cy="400110"/>
           </a:xfrm>
           <a:prstGeom prst="rect">
@@ -7264,14 +7340,14 @@
                 <a:latin typeface="배달의민족 주아" pitchFamily="18" charset="-127"/>
                 <a:ea typeface="배달의민족 주아" pitchFamily="18" charset="-127"/>
               </a:rPr>
-              <a:t>3. </a:t>
+              <a:t>64</a:t>
             </a:r>
             <a:r>
               <a:rPr lang="ko-KR" altLang="en-US" sz="2000" dirty="0">
                 <a:latin typeface="배달의민족 주아" pitchFamily="18" charset="-127"/>
                 <a:ea typeface="배달의민족 주아" pitchFamily="18" charset="-127"/>
               </a:rPr>
-              <a:t>프로그램 설치</a:t>
+              <a:t>비트설치파일</a:t>
             </a:r>
             <a:endParaRPr lang="ko-KR" altLang="en-US" sz="2000" dirty="0"/>
           </a:p>
@@ -7279,77 +7355,53 @@
       </p:sp>
       <p:sp>
         <p:nvSpPr>
-          <p:cNvPr id="10" name="TextBox 9">
+          <p:cNvPr id="14" name="직사각형 13">
             <a:extLst>
               <a:ext uri="{FF2B5EF4-FFF2-40B4-BE49-F238E27FC236}">
-                <a16:creationId xmlns:a16="http://schemas.microsoft.com/office/drawing/2014/main" id="{1B33A593-493A-4BEE-83A3-13BB0853F8F5}"/>
+                <a16:creationId xmlns:a16="http://schemas.microsoft.com/office/drawing/2014/main" id="{BBD558CF-EEC5-490B-A210-BB3DC6D24171}"/>
               </a:ext>
             </a:extLst>
           </p:cNvPr>
-          <p:cNvSpPr txBox="1"/>
+          <p:cNvSpPr/>
           <p:nvPr/>
         </p:nvSpPr>
         <p:spPr>
           <a:xfrm>
-            <a:off x="8081913" y="6488668"/>
-            <a:ext cx="1838965" cy="369332"/>
+            <a:off x="4909719" y="4233467"/>
+            <a:ext cx="3629203" cy="400110"/>
           </a:xfrm>
           <a:prstGeom prst="rect">
             <a:avLst/>
           </a:prstGeom>
-          <a:noFill/>
-        </p:spPr>
-        <p:txBody>
-          <a:bodyPr wrap="none" rtlCol="0">
+        </p:spPr>
+        <p:txBody>
+          <a:bodyPr wrap="square">
             <a:spAutoFit/>
           </a:bodyPr>
           <a:lstStyle/>
           <a:p>
             <a:r>
-              <a:rPr lang="en-US" altLang="ko-KR" sz="1800" dirty="0">
-                <a:solidFill>
-                  <a:schemeClr val="accent5"/>
-                </a:solidFill>
-                <a:latin typeface="배달의민족 도현" pitchFamily="50" charset="-127"/>
-                <a:ea typeface="배달의민족 도현" pitchFamily="50" charset="-127"/>
-              </a:rPr>
-              <a:t>S</a:t>
-            </a:r>
-            <a:r>
-              <a:rPr lang="en-US" altLang="ko-KR" sz="1800" dirty="0">
-                <a:latin typeface="배달의민족 도현" pitchFamily="50" charset="-127"/>
-                <a:ea typeface="배달의민족 도현" pitchFamily="50" charset="-127"/>
-              </a:rPr>
-              <a:t>TART</a:t>
-            </a:r>
-            <a:r>
-              <a:rPr lang="en-US" altLang="ko-KR" sz="1800" dirty="0">
-                <a:solidFill>
-                  <a:schemeClr val="accent5"/>
-                </a:solidFill>
-                <a:latin typeface="배달의민족 도현" pitchFamily="50" charset="-127"/>
-                <a:ea typeface="배달의민족 도현" pitchFamily="50" charset="-127"/>
-              </a:rPr>
-              <a:t>C</a:t>
-            </a:r>
-            <a:r>
-              <a:rPr lang="en-US" altLang="ko-KR" sz="1800" dirty="0">
-                <a:latin typeface="배달의민족 도현" pitchFamily="50" charset="-127"/>
-                <a:ea typeface="배달의민족 도현" pitchFamily="50" charset="-127"/>
-              </a:rPr>
-              <a:t>ODING</a:t>
-            </a:r>
-            <a:endParaRPr lang="ko-KR" altLang="en-US" sz="1800" dirty="0">
-              <a:latin typeface="배달의민족 도현" pitchFamily="50" charset="-127"/>
-              <a:ea typeface="배달의민족 도현" pitchFamily="50" charset="-127"/>
-            </a:endParaRPr>
+              <a:rPr lang="en-US" altLang="ko-KR" sz="2000" dirty="0">
+                <a:latin typeface="배달의민족 주아" pitchFamily="18" charset="-127"/>
+                <a:ea typeface="배달의민족 주아" pitchFamily="18" charset="-127"/>
+              </a:rPr>
+              <a:t>32</a:t>
+            </a:r>
+            <a:r>
+              <a:rPr lang="ko-KR" altLang="en-US" sz="2000" dirty="0">
+                <a:latin typeface="배달의민족 주아" pitchFamily="18" charset="-127"/>
+                <a:ea typeface="배달의민족 주아" pitchFamily="18" charset="-127"/>
+              </a:rPr>
+              <a:t>비트설치파일</a:t>
+            </a:r>
+            <a:endParaRPr lang="ko-KR" altLang="en-US" sz="2000" dirty="0"/>
           </a:p>
         </p:txBody>
       </p:sp>
     </p:spTree>
     <p:extLst>
       <p:ext uri="{BB962C8B-B14F-4D97-AF65-F5344CB8AC3E}">
-        <p14:creationId xmlns:p14="http://schemas.microsoft.com/office/powerpoint/2010/main" val="1185587021"/>
+        <p14:creationId xmlns:p14="http://schemas.microsoft.com/office/powerpoint/2010/main" val="3235549197"/>
       </p:ext>
     </p:extLst>
   </p:cSld>
@@ -7376,64 +7428,76 @@
           <a:chExt cx="0" cy="0"/>
         </a:xfrm>
       </p:grpSpPr>
-      <p:sp>
-        <p:nvSpPr>
-          <p:cNvPr id="5" name="제목 1"/>
-          <p:cNvSpPr txBox="1">
-            <a:spLocks/>
-          </p:cNvSpPr>
+      <p:pic>
+        <p:nvPicPr>
+          <p:cNvPr id="3" name="그림 2">
+            <a:extLst>
+              <a:ext uri="{FF2B5EF4-FFF2-40B4-BE49-F238E27FC236}">
+                <a16:creationId xmlns:a16="http://schemas.microsoft.com/office/drawing/2014/main" id="{703E94C7-87DC-4BF3-AE77-261E46AA3FCF}"/>
+              </a:ext>
+            </a:extLst>
+          </p:cNvPr>
+          <p:cNvPicPr>
+            <a:picLocks noChangeAspect="1"/>
+          </p:cNvPicPr>
           <p:nvPr/>
-        </p:nvSpPr>
+        </p:nvPicPr>
+        <p:blipFill>
+          <a:blip r:embed="rId2"/>
+          <a:stretch>
+            <a:fillRect/>
+          </a:stretch>
+        </p:blipFill>
         <p:spPr>
           <a:xfrm>
-            <a:off x="-519608" y="1715218"/>
-            <a:ext cx="10881361" cy="2058036"/>
+            <a:off x="1738312" y="1443037"/>
+            <a:ext cx="6429375" cy="3971925"/>
           </a:xfrm>
           <a:prstGeom prst="rect">
             <a:avLst/>
           </a:prstGeom>
-        </p:spPr>
-        <p:txBody>
-          <a:bodyPr vert="horz" lIns="128017" tIns="64008" rIns="128017" bIns="64008" rtlCol="0" anchor="ctr">
-            <a:normAutofit/>
-          </a:bodyPr>
-          <a:lstStyle>
-            <a:lvl1pPr algn="ctr" defTabSz="914400" rtl="0" eaLnBrk="1" latinLnBrk="1" hangingPunct="1">
-              <a:spcBef>
-                <a:spcPct val="0"/>
-              </a:spcBef>
-              <a:buNone/>
-              <a:defRPr sz="4400" kern="1200">
-                <a:solidFill>
-                  <a:schemeClr val="tx1"/>
-                </a:solidFill>
-                <a:latin typeface="+mj-lt"/>
-                <a:ea typeface="+mj-ea"/>
-                <a:cs typeface="+mj-cs"/>
-              </a:defRPr>
-            </a:lvl1pPr>
-          </a:lstStyle>
-          <a:p>
-            <a:r>
-              <a:rPr lang="ko-KR" altLang="en-US" dirty="0">
-                <a:latin typeface="배달의민족 주아" pitchFamily="18" charset="-127"/>
-                <a:ea typeface="배달의민족 주아" pitchFamily="18" charset="-127"/>
-              </a:rPr>
-              <a:t>감사합니다</a:t>
-            </a:r>
-          </a:p>
-        </p:txBody>
-      </p:sp>
-      <p:sp>
-        <p:nvSpPr>
-          <p:cNvPr id="4" name="직사각형 3"/>
+          <a:solidFill>
+            <a:srgbClr val="FFFFFF">
+              <a:shade val="85000"/>
+            </a:srgbClr>
+          </a:solidFill>
+          <a:ln w="88900" cap="sq">
+            <a:solidFill>
+              <a:srgbClr val="FFFFFF"/>
+            </a:solidFill>
+            <a:miter lim="800000"/>
+          </a:ln>
+          <a:effectLst>
+            <a:outerShdw blurRad="55000" dist="18000" dir="5400000" algn="tl" rotWithShape="0">
+              <a:srgbClr val="000000">
+                <a:alpha val="40000"/>
+              </a:srgbClr>
+            </a:outerShdw>
+          </a:effectLst>
+          <a:scene3d>
+            <a:camera prst="orthographicFront"/>
+            <a:lightRig rig="twoPt" dir="t">
+              <a:rot lat="0" lon="0" rev="7200000"/>
+            </a:lightRig>
+          </a:scene3d>
+          <a:sp3d>
+            <a:bevelT w="25400" h="19050"/>
+            <a:contourClr>
+              <a:srgbClr val="FFFFFF"/>
+            </a:contourClr>
+          </a:sp3d>
+        </p:spPr>
+      </p:pic>
+      <p:sp>
+        <p:nvSpPr>
+          <p:cNvPr id="5" name="직사각형 4"/>
           <p:cNvSpPr/>
           <p:nvPr/>
         </p:nvSpPr>
         <p:spPr>
           <a:xfrm>
-            <a:off x="2764740" y="5949280"/>
-            <a:ext cx="4376519" cy="480131"/>
+            <a:off x="3070914" y="546148"/>
+            <a:ext cx="3764172" cy="480131"/>
           </a:xfrm>
           <a:prstGeom prst="rect">
             <a:avLst/>
@@ -7446,24 +7510,63 @@
           <a:lstStyle/>
           <a:p>
             <a:r>
-              <a:rPr lang="en-US" altLang="ko-KR" sz="2520" i="1" dirty="0">
-                <a:latin typeface="Adobe Ming Std L" pitchFamily="18" charset="-128"/>
-                <a:ea typeface="Adobe Ming Std L" pitchFamily="18" charset="-128"/>
-              </a:rPr>
-              <a:t>design icon from flaticon.com</a:t>
-            </a:r>
-            <a:endParaRPr lang="ko-KR" altLang="en-US" sz="2520" i="1" dirty="0">
-              <a:latin typeface="Adobe Ming Std L" pitchFamily="18" charset="-128"/>
-            </a:endParaRPr>
-          </a:p>
-        </p:txBody>
-      </p:sp>
-      <p:sp>
-        <p:nvSpPr>
-          <p:cNvPr id="6" name="TextBox 5">
+              <a:rPr lang="ko-KR" altLang="en-US" sz="2520" dirty="0"/>
+              <a:t>다운로드 받은 파일 실행</a:t>
+            </a:r>
+          </a:p>
+        </p:txBody>
+      </p:sp>
+      <p:sp>
+        <p:nvSpPr>
+          <p:cNvPr id="9" name="직사각형 8">
             <a:extLst>
               <a:ext uri="{FF2B5EF4-FFF2-40B4-BE49-F238E27FC236}">
-                <a16:creationId xmlns:a16="http://schemas.microsoft.com/office/drawing/2014/main" id="{673CCE70-52FD-43E0-B567-3018047871A3}"/>
+                <a16:creationId xmlns:a16="http://schemas.microsoft.com/office/drawing/2014/main" id="{88963583-44CB-4719-9D52-A80AB996CE3B}"/>
+              </a:ext>
+            </a:extLst>
+          </p:cNvPr>
+          <p:cNvSpPr/>
+          <p:nvPr/>
+        </p:nvSpPr>
+        <p:spPr>
+          <a:xfrm>
+            <a:off x="0" y="0"/>
+            <a:ext cx="3629203" cy="400110"/>
+          </a:xfrm>
+          <a:prstGeom prst="rect">
+            <a:avLst/>
+          </a:prstGeom>
+        </p:spPr>
+        <p:txBody>
+          <a:bodyPr wrap="square">
+            <a:spAutoFit/>
+          </a:bodyPr>
+          <a:lstStyle/>
+          <a:p>
+            <a:r>
+              <a:rPr lang="en-US" altLang="ko-KR" sz="2000" dirty="0">
+                <a:latin typeface="배달의민족 주아" pitchFamily="18" charset="-127"/>
+                <a:ea typeface="배달의민족 주아" pitchFamily="18" charset="-127"/>
+              </a:rPr>
+              <a:t>3. </a:t>
+            </a:r>
+            <a:r>
+              <a:rPr lang="ko-KR" altLang="en-US" sz="2000" dirty="0">
+                <a:latin typeface="배달의민족 주아" pitchFamily="18" charset="-127"/>
+                <a:ea typeface="배달의민족 주아" pitchFamily="18" charset="-127"/>
+              </a:rPr>
+              <a:t>프로그램 설치</a:t>
+            </a:r>
+            <a:endParaRPr lang="ko-KR" altLang="en-US" sz="2000" dirty="0"/>
+          </a:p>
+        </p:txBody>
+      </p:sp>
+      <p:sp>
+        <p:nvSpPr>
+          <p:cNvPr id="10" name="TextBox 9">
+            <a:extLst>
+              <a:ext uri="{FF2B5EF4-FFF2-40B4-BE49-F238E27FC236}">
+                <a16:creationId xmlns:a16="http://schemas.microsoft.com/office/drawing/2014/main" id="{0FA2C1FE-CE02-4659-8C00-51459EF47DBC}"/>
               </a:ext>
             </a:extLst>
           </p:cNvPr>
@@ -7527,10 +7630,345 @@
           </a:p>
         </p:txBody>
       </p:sp>
+      <p:sp>
+        <p:nvSpPr>
+          <p:cNvPr id="8" name="직사각형 7">
+            <a:extLst>
+              <a:ext uri="{FF2B5EF4-FFF2-40B4-BE49-F238E27FC236}">
+                <a16:creationId xmlns:a16="http://schemas.microsoft.com/office/drawing/2014/main" id="{2D800FD2-3FCF-4CAB-AA2F-572A76FD8928}"/>
+              </a:ext>
+            </a:extLst>
+          </p:cNvPr>
+          <p:cNvSpPr/>
+          <p:nvPr/>
+        </p:nvSpPr>
+        <p:spPr>
+          <a:xfrm>
+            <a:off x="3440832" y="4973965"/>
+            <a:ext cx="3168352" cy="288032"/>
+          </a:xfrm>
+          <a:prstGeom prst="rect">
+            <a:avLst/>
+          </a:prstGeom>
+          <a:noFill/>
+          <a:ln>
+            <a:solidFill>
+              <a:srgbClr val="FF0000"/>
+            </a:solidFill>
+          </a:ln>
+        </p:spPr>
+        <p:style>
+          <a:lnRef idx="2">
+            <a:schemeClr val="accent1">
+              <a:shade val="50000"/>
+            </a:schemeClr>
+          </a:lnRef>
+          <a:fillRef idx="1">
+            <a:schemeClr val="accent1"/>
+          </a:fillRef>
+          <a:effectRef idx="0">
+            <a:schemeClr val="accent1"/>
+          </a:effectRef>
+          <a:fontRef idx="minor">
+            <a:schemeClr val="lt1"/>
+          </a:fontRef>
+        </p:style>
+        <p:txBody>
+          <a:bodyPr rtlCol="0" anchor="ctr"/>
+          <a:lstStyle/>
+          <a:p>
+            <a:pPr algn="ctr"/>
+            <a:endParaRPr lang="ko-KR" altLang="en-US" sz="2520"/>
+          </a:p>
+        </p:txBody>
+      </p:sp>
+      <p:sp>
+        <p:nvSpPr>
+          <p:cNvPr id="11" name="직사각형 10">
+            <a:extLst>
+              <a:ext uri="{FF2B5EF4-FFF2-40B4-BE49-F238E27FC236}">
+                <a16:creationId xmlns:a16="http://schemas.microsoft.com/office/drawing/2014/main" id="{E12D4593-A204-4EED-91C4-CBB3D5CAA744}"/>
+              </a:ext>
+            </a:extLst>
+          </p:cNvPr>
+          <p:cNvSpPr/>
+          <p:nvPr/>
+        </p:nvSpPr>
+        <p:spPr>
+          <a:xfrm>
+            <a:off x="4304928" y="5408035"/>
+            <a:ext cx="3629203" cy="400110"/>
+          </a:xfrm>
+          <a:prstGeom prst="rect">
+            <a:avLst/>
+          </a:prstGeom>
+        </p:spPr>
+        <p:txBody>
+          <a:bodyPr wrap="square">
+            <a:spAutoFit/>
+          </a:bodyPr>
+          <a:lstStyle/>
+          <a:p>
+            <a:r>
+              <a:rPr lang="ko-KR" altLang="en-US" sz="2000" dirty="0">
+                <a:latin typeface="배달의민족 주아" pitchFamily="18" charset="-127"/>
+                <a:ea typeface="배달의민족 주아" pitchFamily="18" charset="-127"/>
+              </a:rPr>
+              <a:t>반드시 체크</a:t>
+            </a:r>
+            <a:r>
+              <a:rPr lang="en-US" altLang="ko-KR" sz="2000" dirty="0">
+                <a:latin typeface="배달의민족 주아" pitchFamily="18" charset="-127"/>
+                <a:ea typeface="배달의민족 주아" pitchFamily="18" charset="-127"/>
+              </a:rPr>
+              <a:t>!</a:t>
+            </a:r>
+            <a:endParaRPr lang="ko-KR" altLang="en-US" sz="2000" dirty="0"/>
+          </a:p>
+        </p:txBody>
+      </p:sp>
     </p:spTree>
     <p:extLst>
       <p:ext uri="{BB962C8B-B14F-4D97-AF65-F5344CB8AC3E}">
-        <p14:creationId xmlns:p14="http://schemas.microsoft.com/office/powerpoint/2010/main" val="984902709"/>
+        <p14:creationId xmlns:p14="http://schemas.microsoft.com/office/powerpoint/2010/main" val="2386671007"/>
+      </p:ext>
+    </p:extLst>
+  </p:cSld>
+  <p:clrMapOvr>
+    <a:masterClrMapping/>
+  </p:clrMapOvr>
+</p:sld>
+</file>
+
+<file path=ppt/slides/slide19.xml><?xml version="1.0" encoding="utf-8"?>
+<p:sld xmlns:a="http://schemas.openxmlformats.org/drawingml/2006/main" xmlns:r="http://schemas.openxmlformats.org/officeDocument/2006/relationships" xmlns:p="http://schemas.openxmlformats.org/presentationml/2006/main">
+  <p:cSld>
+    <p:spTree>
+      <p:nvGrpSpPr>
+        <p:cNvPr id="1" name=""/>
+        <p:cNvGrpSpPr/>
+        <p:nvPr/>
+      </p:nvGrpSpPr>
+      <p:grpSpPr>
+        <a:xfrm>
+          <a:off x="0" y="0"/>
+          <a:ext cx="0" cy="0"/>
+          <a:chOff x="0" y="0"/>
+          <a:chExt cx="0" cy="0"/>
+        </a:xfrm>
+      </p:grpSpPr>
+      <p:sp>
+        <p:nvSpPr>
+          <p:cNvPr id="9" name="직사각형 8">
+            <a:extLst>
+              <a:ext uri="{FF2B5EF4-FFF2-40B4-BE49-F238E27FC236}">
+                <a16:creationId xmlns:a16="http://schemas.microsoft.com/office/drawing/2014/main" id="{88963583-44CB-4719-9D52-A80AB996CE3B}"/>
+              </a:ext>
+            </a:extLst>
+          </p:cNvPr>
+          <p:cNvSpPr/>
+          <p:nvPr/>
+        </p:nvSpPr>
+        <p:spPr>
+          <a:xfrm>
+            <a:off x="0" y="0"/>
+            <a:ext cx="3629203" cy="400110"/>
+          </a:xfrm>
+          <a:prstGeom prst="rect">
+            <a:avLst/>
+          </a:prstGeom>
+        </p:spPr>
+        <p:txBody>
+          <a:bodyPr wrap="square">
+            <a:spAutoFit/>
+          </a:bodyPr>
+          <a:lstStyle/>
+          <a:p>
+            <a:r>
+              <a:rPr lang="en-US" altLang="ko-KR" sz="2000" dirty="0">
+                <a:latin typeface="배달의민족 주아" pitchFamily="18" charset="-127"/>
+                <a:ea typeface="배달의민족 주아" pitchFamily="18" charset="-127"/>
+              </a:rPr>
+              <a:t>3. </a:t>
+            </a:r>
+            <a:r>
+              <a:rPr lang="ko-KR" altLang="en-US" sz="2000" dirty="0">
+                <a:latin typeface="배달의민족 주아" pitchFamily="18" charset="-127"/>
+                <a:ea typeface="배달의민족 주아" pitchFamily="18" charset="-127"/>
+              </a:rPr>
+              <a:t>프로그램 설치</a:t>
+            </a:r>
+            <a:endParaRPr lang="ko-KR" altLang="en-US" sz="2000" dirty="0"/>
+          </a:p>
+        </p:txBody>
+      </p:sp>
+      <p:sp>
+        <p:nvSpPr>
+          <p:cNvPr id="10" name="TextBox 9">
+            <a:extLst>
+              <a:ext uri="{FF2B5EF4-FFF2-40B4-BE49-F238E27FC236}">
+                <a16:creationId xmlns:a16="http://schemas.microsoft.com/office/drawing/2014/main" id="{0FA2C1FE-CE02-4659-8C00-51459EF47DBC}"/>
+              </a:ext>
+            </a:extLst>
+          </p:cNvPr>
+          <p:cNvSpPr txBox="1"/>
+          <p:nvPr/>
+        </p:nvSpPr>
+        <p:spPr>
+          <a:xfrm>
+            <a:off x="8081913" y="6488668"/>
+            <a:ext cx="1838965" cy="369332"/>
+          </a:xfrm>
+          <a:prstGeom prst="rect">
+            <a:avLst/>
+          </a:prstGeom>
+          <a:noFill/>
+        </p:spPr>
+        <p:txBody>
+          <a:bodyPr wrap="none" rtlCol="0">
+            <a:spAutoFit/>
+          </a:bodyPr>
+          <a:lstStyle/>
+          <a:p>
+            <a:r>
+              <a:rPr lang="en-US" altLang="ko-KR" sz="1800" dirty="0">
+                <a:solidFill>
+                  <a:schemeClr val="accent5"/>
+                </a:solidFill>
+                <a:latin typeface="배달의민족 도현" pitchFamily="50" charset="-127"/>
+                <a:ea typeface="배달의민족 도현" pitchFamily="50" charset="-127"/>
+              </a:rPr>
+              <a:t>S</a:t>
+            </a:r>
+            <a:r>
+              <a:rPr lang="en-US" altLang="ko-KR" sz="1800" dirty="0">
+                <a:latin typeface="배달의민족 도현" pitchFamily="50" charset="-127"/>
+                <a:ea typeface="배달의민족 도현" pitchFamily="50" charset="-127"/>
+              </a:rPr>
+              <a:t>TART</a:t>
+            </a:r>
+            <a:r>
+              <a:rPr lang="en-US" altLang="ko-KR" sz="1800" dirty="0">
+                <a:solidFill>
+                  <a:schemeClr val="accent5"/>
+                </a:solidFill>
+                <a:latin typeface="배달의민족 도현" pitchFamily="50" charset="-127"/>
+                <a:ea typeface="배달의민족 도현" pitchFamily="50" charset="-127"/>
+              </a:rPr>
+              <a:t>C</a:t>
+            </a:r>
+            <a:r>
+              <a:rPr lang="en-US" altLang="ko-KR" sz="1800" dirty="0">
+                <a:latin typeface="배달의민족 도현" pitchFamily="50" charset="-127"/>
+                <a:ea typeface="배달의민족 도현" pitchFamily="50" charset="-127"/>
+              </a:rPr>
+              <a:t>ODING</a:t>
+            </a:r>
+            <a:endParaRPr lang="ko-KR" altLang="en-US" sz="1800" dirty="0">
+              <a:latin typeface="배달의민족 도현" pitchFamily="50" charset="-127"/>
+              <a:ea typeface="배달의민족 도현" pitchFamily="50" charset="-127"/>
+            </a:endParaRPr>
+          </a:p>
+        </p:txBody>
+      </p:sp>
+      <p:pic>
+        <p:nvPicPr>
+          <p:cNvPr id="4" name="그림 3">
+            <a:extLst>
+              <a:ext uri="{FF2B5EF4-FFF2-40B4-BE49-F238E27FC236}">
+                <a16:creationId xmlns:a16="http://schemas.microsoft.com/office/drawing/2014/main" id="{22277956-7F30-458B-BF04-D048519573C9}"/>
+              </a:ext>
+            </a:extLst>
+          </p:cNvPr>
+          <p:cNvPicPr>
+            <a:picLocks noChangeAspect="1"/>
+          </p:cNvPicPr>
+          <p:nvPr/>
+        </p:nvPicPr>
+        <p:blipFill>
+          <a:blip r:embed="rId2"/>
+          <a:stretch>
+            <a:fillRect/>
+          </a:stretch>
+        </p:blipFill>
+        <p:spPr>
+          <a:xfrm>
+            <a:off x="1745019" y="1340768"/>
+            <a:ext cx="6429375" cy="3952875"/>
+          </a:xfrm>
+          <a:prstGeom prst="rect">
+            <a:avLst/>
+          </a:prstGeom>
+          <a:solidFill>
+            <a:srgbClr val="FFFFFF">
+              <a:shade val="85000"/>
+            </a:srgbClr>
+          </a:solidFill>
+          <a:ln w="88900" cap="sq">
+            <a:solidFill>
+              <a:srgbClr val="FFFFFF"/>
+            </a:solidFill>
+            <a:miter lim="800000"/>
+          </a:ln>
+          <a:effectLst>
+            <a:outerShdw blurRad="55000" dist="18000" dir="5400000" algn="tl" rotWithShape="0">
+              <a:srgbClr val="000000">
+                <a:alpha val="40000"/>
+              </a:srgbClr>
+            </a:outerShdw>
+          </a:effectLst>
+          <a:scene3d>
+            <a:camera prst="orthographicFront"/>
+            <a:lightRig rig="twoPt" dir="t">
+              <a:rot lat="0" lon="0" rev="7200000"/>
+            </a:lightRig>
+          </a:scene3d>
+          <a:sp3d>
+            <a:bevelT w="25400" h="19050"/>
+            <a:contourClr>
+              <a:srgbClr val="FFFFFF"/>
+            </a:contourClr>
+          </a:sp3d>
+        </p:spPr>
+      </p:pic>
+      <p:sp>
+        <p:nvSpPr>
+          <p:cNvPr id="12" name="직사각형 11">
+            <a:extLst>
+              <a:ext uri="{FF2B5EF4-FFF2-40B4-BE49-F238E27FC236}">
+                <a16:creationId xmlns:a16="http://schemas.microsoft.com/office/drawing/2014/main" id="{3E524EE2-04BF-4FDF-A7E2-99BCBCE335C5}"/>
+              </a:ext>
+            </a:extLst>
+          </p:cNvPr>
+          <p:cNvSpPr/>
+          <p:nvPr/>
+        </p:nvSpPr>
+        <p:spPr>
+          <a:xfrm>
+            <a:off x="4156147" y="548680"/>
+            <a:ext cx="1593706" cy="480131"/>
+          </a:xfrm>
+          <a:prstGeom prst="rect">
+            <a:avLst/>
+          </a:prstGeom>
+        </p:spPr>
+        <p:txBody>
+          <a:bodyPr wrap="none">
+            <a:spAutoFit/>
+          </a:bodyPr>
+          <a:lstStyle/>
+          <a:p>
+            <a:r>
+              <a:rPr lang="ko-KR" altLang="en-US" sz="2520" dirty="0"/>
+              <a:t>설치 완료</a:t>
+            </a:r>
+          </a:p>
+        </p:txBody>
+      </p:sp>
+    </p:spTree>
+    <p:extLst>
+      <p:ext uri="{BB962C8B-B14F-4D97-AF65-F5344CB8AC3E}">
+        <p14:creationId xmlns:p14="http://schemas.microsoft.com/office/powerpoint/2010/main" val="942986295"/>
       </p:ext>
     </p:extLst>
   </p:cSld>
@@ -7975,6 +8413,1759 @@
     <p:extLst>
       <p:ext uri="{BB962C8B-B14F-4D97-AF65-F5344CB8AC3E}">
         <p14:creationId xmlns:p14="http://schemas.microsoft.com/office/powerpoint/2010/main" val="4252018222"/>
+      </p:ext>
+    </p:extLst>
+  </p:cSld>
+  <p:clrMapOvr>
+    <a:masterClrMapping/>
+  </p:clrMapOvr>
+</p:sld>
+</file>
+
+<file path=ppt/slides/slide20.xml><?xml version="1.0" encoding="utf-8"?>
+<p:sld xmlns:a="http://schemas.openxmlformats.org/drawingml/2006/main" xmlns:r="http://schemas.openxmlformats.org/officeDocument/2006/relationships" xmlns:p="http://schemas.openxmlformats.org/presentationml/2006/main">
+  <p:cSld>
+    <p:spTree>
+      <p:nvGrpSpPr>
+        <p:cNvPr id="1" name=""/>
+        <p:cNvGrpSpPr/>
+        <p:nvPr/>
+      </p:nvGrpSpPr>
+      <p:grpSpPr>
+        <a:xfrm>
+          <a:off x="0" y="0"/>
+          <a:ext cx="0" cy="0"/>
+          <a:chOff x="0" y="0"/>
+          <a:chExt cx="0" cy="0"/>
+        </a:xfrm>
+      </p:grpSpPr>
+      <p:sp>
+        <p:nvSpPr>
+          <p:cNvPr id="9" name="직사각형 8">
+            <a:extLst>
+              <a:ext uri="{FF2B5EF4-FFF2-40B4-BE49-F238E27FC236}">
+                <a16:creationId xmlns:a16="http://schemas.microsoft.com/office/drawing/2014/main" id="{88963583-44CB-4719-9D52-A80AB996CE3B}"/>
+              </a:ext>
+            </a:extLst>
+          </p:cNvPr>
+          <p:cNvSpPr/>
+          <p:nvPr/>
+        </p:nvSpPr>
+        <p:spPr>
+          <a:xfrm>
+            <a:off x="0" y="0"/>
+            <a:ext cx="3629203" cy="400110"/>
+          </a:xfrm>
+          <a:prstGeom prst="rect">
+            <a:avLst/>
+          </a:prstGeom>
+        </p:spPr>
+        <p:txBody>
+          <a:bodyPr wrap="square">
+            <a:spAutoFit/>
+          </a:bodyPr>
+          <a:lstStyle/>
+          <a:p>
+            <a:r>
+              <a:rPr lang="en-US" altLang="ko-KR" sz="2000" dirty="0">
+                <a:latin typeface="배달의민족 주아" pitchFamily="18" charset="-127"/>
+                <a:ea typeface="배달의민족 주아" pitchFamily="18" charset="-127"/>
+              </a:rPr>
+              <a:t>3. </a:t>
+            </a:r>
+            <a:r>
+              <a:rPr lang="ko-KR" altLang="en-US" sz="2000" dirty="0">
+                <a:latin typeface="배달의민족 주아" pitchFamily="18" charset="-127"/>
+                <a:ea typeface="배달의민족 주아" pitchFamily="18" charset="-127"/>
+              </a:rPr>
+              <a:t>프로그램 설치</a:t>
+            </a:r>
+            <a:endParaRPr lang="ko-KR" altLang="en-US" sz="2000" dirty="0"/>
+          </a:p>
+        </p:txBody>
+      </p:sp>
+      <p:sp>
+        <p:nvSpPr>
+          <p:cNvPr id="10" name="TextBox 9">
+            <a:extLst>
+              <a:ext uri="{FF2B5EF4-FFF2-40B4-BE49-F238E27FC236}">
+                <a16:creationId xmlns:a16="http://schemas.microsoft.com/office/drawing/2014/main" id="{0FA2C1FE-CE02-4659-8C00-51459EF47DBC}"/>
+              </a:ext>
+            </a:extLst>
+          </p:cNvPr>
+          <p:cNvSpPr txBox="1"/>
+          <p:nvPr/>
+        </p:nvSpPr>
+        <p:spPr>
+          <a:xfrm>
+            <a:off x="8081913" y="6488668"/>
+            <a:ext cx="1838965" cy="369332"/>
+          </a:xfrm>
+          <a:prstGeom prst="rect">
+            <a:avLst/>
+          </a:prstGeom>
+          <a:noFill/>
+        </p:spPr>
+        <p:txBody>
+          <a:bodyPr wrap="none" rtlCol="0">
+            <a:spAutoFit/>
+          </a:bodyPr>
+          <a:lstStyle/>
+          <a:p>
+            <a:r>
+              <a:rPr lang="en-US" altLang="ko-KR" sz="1800" dirty="0">
+                <a:solidFill>
+                  <a:schemeClr val="accent5"/>
+                </a:solidFill>
+                <a:latin typeface="배달의민족 도현" pitchFamily="50" charset="-127"/>
+                <a:ea typeface="배달의민족 도현" pitchFamily="50" charset="-127"/>
+              </a:rPr>
+              <a:t>S</a:t>
+            </a:r>
+            <a:r>
+              <a:rPr lang="en-US" altLang="ko-KR" sz="1800" dirty="0">
+                <a:latin typeface="배달의민족 도현" pitchFamily="50" charset="-127"/>
+                <a:ea typeface="배달의민족 도현" pitchFamily="50" charset="-127"/>
+              </a:rPr>
+              <a:t>TART</a:t>
+            </a:r>
+            <a:r>
+              <a:rPr lang="en-US" altLang="ko-KR" sz="1800" dirty="0">
+                <a:solidFill>
+                  <a:schemeClr val="accent5"/>
+                </a:solidFill>
+                <a:latin typeface="배달의민족 도현" pitchFamily="50" charset="-127"/>
+                <a:ea typeface="배달의민족 도현" pitchFamily="50" charset="-127"/>
+              </a:rPr>
+              <a:t>C</a:t>
+            </a:r>
+            <a:r>
+              <a:rPr lang="en-US" altLang="ko-KR" sz="1800" dirty="0">
+                <a:latin typeface="배달의민족 도현" pitchFamily="50" charset="-127"/>
+                <a:ea typeface="배달의민족 도현" pitchFamily="50" charset="-127"/>
+              </a:rPr>
+              <a:t>ODING</a:t>
+            </a:r>
+            <a:endParaRPr lang="ko-KR" altLang="en-US" sz="1800" dirty="0">
+              <a:latin typeface="배달의민족 도현" pitchFamily="50" charset="-127"/>
+              <a:ea typeface="배달의민족 도현" pitchFamily="50" charset="-127"/>
+            </a:endParaRPr>
+          </a:p>
+        </p:txBody>
+      </p:sp>
+      <p:sp>
+        <p:nvSpPr>
+          <p:cNvPr id="12" name="직사각형 11">
+            <a:extLst>
+              <a:ext uri="{FF2B5EF4-FFF2-40B4-BE49-F238E27FC236}">
+                <a16:creationId xmlns:a16="http://schemas.microsoft.com/office/drawing/2014/main" id="{3E524EE2-04BF-4FDF-A7E2-99BCBCE335C5}"/>
+              </a:ext>
+            </a:extLst>
+          </p:cNvPr>
+          <p:cNvSpPr/>
+          <p:nvPr/>
+        </p:nvSpPr>
+        <p:spPr>
+          <a:xfrm>
+            <a:off x="2731398" y="565946"/>
+            <a:ext cx="4443204" cy="480131"/>
+          </a:xfrm>
+          <a:prstGeom prst="rect">
+            <a:avLst/>
+          </a:prstGeom>
+        </p:spPr>
+        <p:txBody>
+          <a:bodyPr wrap="none">
+            <a:spAutoFit/>
+          </a:bodyPr>
+          <a:lstStyle/>
+          <a:p>
+            <a:r>
+              <a:rPr lang="en-US" altLang="ko-KR" sz="2520" dirty="0"/>
+              <a:t>Python IDLE </a:t>
+            </a:r>
+            <a:r>
+              <a:rPr lang="ko-KR" altLang="en-US" sz="2520" dirty="0"/>
+              <a:t>실행 </a:t>
+            </a:r>
+            <a:r>
+              <a:rPr lang="en-US" altLang="ko-KR" sz="2520" dirty="0"/>
+              <a:t>(</a:t>
+            </a:r>
+            <a:r>
+              <a:rPr lang="ko-KR" altLang="en-US" sz="2520" dirty="0"/>
+              <a:t>대화형 셸</a:t>
+            </a:r>
+            <a:r>
+              <a:rPr lang="en-US" altLang="ko-KR" sz="2520" dirty="0"/>
+              <a:t>)</a:t>
+            </a:r>
+            <a:endParaRPr lang="ko-KR" altLang="en-US" sz="2520" dirty="0"/>
+          </a:p>
+        </p:txBody>
+      </p:sp>
+      <p:pic>
+        <p:nvPicPr>
+          <p:cNvPr id="2" name="그림 1">
+            <a:extLst>
+              <a:ext uri="{FF2B5EF4-FFF2-40B4-BE49-F238E27FC236}">
+                <a16:creationId xmlns:a16="http://schemas.microsoft.com/office/drawing/2014/main" id="{14138A19-D804-46C0-A986-B63E57FE3F29}"/>
+              </a:ext>
+            </a:extLst>
+          </p:cNvPr>
+          <p:cNvPicPr>
+            <a:picLocks noChangeAspect="1"/>
+          </p:cNvPicPr>
+          <p:nvPr/>
+        </p:nvPicPr>
+        <p:blipFill>
+          <a:blip r:embed="rId2"/>
+          <a:stretch>
+            <a:fillRect/>
+          </a:stretch>
+        </p:blipFill>
+        <p:spPr>
+          <a:xfrm>
+            <a:off x="3038475" y="1200150"/>
+            <a:ext cx="3829050" cy="4457700"/>
+          </a:xfrm>
+          <a:prstGeom prst="rect">
+            <a:avLst/>
+          </a:prstGeom>
+          <a:solidFill>
+            <a:srgbClr val="FFFFFF">
+              <a:shade val="85000"/>
+            </a:srgbClr>
+          </a:solidFill>
+          <a:ln w="88900" cap="sq">
+            <a:solidFill>
+              <a:srgbClr val="FFFFFF"/>
+            </a:solidFill>
+            <a:miter lim="800000"/>
+          </a:ln>
+          <a:effectLst>
+            <a:outerShdw blurRad="55000" dist="18000" dir="5400000" algn="tl" rotWithShape="0">
+              <a:srgbClr val="000000">
+                <a:alpha val="40000"/>
+              </a:srgbClr>
+            </a:outerShdw>
+          </a:effectLst>
+          <a:scene3d>
+            <a:camera prst="orthographicFront"/>
+            <a:lightRig rig="twoPt" dir="t">
+              <a:rot lat="0" lon="0" rev="7200000"/>
+            </a:lightRig>
+          </a:scene3d>
+          <a:sp3d>
+            <a:bevelT w="25400" h="19050"/>
+            <a:contourClr>
+              <a:srgbClr val="FFFFFF"/>
+            </a:contourClr>
+          </a:sp3d>
+        </p:spPr>
+      </p:pic>
+      <p:sp>
+        <p:nvSpPr>
+          <p:cNvPr id="8" name="직사각형 7">
+            <a:extLst>
+              <a:ext uri="{FF2B5EF4-FFF2-40B4-BE49-F238E27FC236}">
+                <a16:creationId xmlns:a16="http://schemas.microsoft.com/office/drawing/2014/main" id="{4DB681CA-73EF-421B-8AFF-C23B026A3B85}"/>
+              </a:ext>
+            </a:extLst>
+          </p:cNvPr>
+          <p:cNvSpPr/>
+          <p:nvPr/>
+        </p:nvSpPr>
+        <p:spPr>
+          <a:xfrm>
+            <a:off x="2936776" y="1556792"/>
+            <a:ext cx="2160240" cy="288032"/>
+          </a:xfrm>
+          <a:prstGeom prst="rect">
+            <a:avLst/>
+          </a:prstGeom>
+          <a:noFill/>
+          <a:ln>
+            <a:solidFill>
+              <a:srgbClr val="FF0000"/>
+            </a:solidFill>
+          </a:ln>
+        </p:spPr>
+        <p:style>
+          <a:lnRef idx="2">
+            <a:schemeClr val="accent1">
+              <a:shade val="50000"/>
+            </a:schemeClr>
+          </a:lnRef>
+          <a:fillRef idx="1">
+            <a:schemeClr val="accent1"/>
+          </a:fillRef>
+          <a:effectRef idx="0">
+            <a:schemeClr val="accent1"/>
+          </a:effectRef>
+          <a:fontRef idx="minor">
+            <a:schemeClr val="lt1"/>
+          </a:fontRef>
+        </p:style>
+        <p:txBody>
+          <a:bodyPr rtlCol="0" anchor="ctr"/>
+          <a:lstStyle/>
+          <a:p>
+            <a:pPr algn="ctr"/>
+            <a:endParaRPr lang="ko-KR" altLang="en-US" sz="2520"/>
+          </a:p>
+        </p:txBody>
+      </p:sp>
+    </p:spTree>
+    <p:extLst>
+      <p:ext uri="{BB962C8B-B14F-4D97-AF65-F5344CB8AC3E}">
+        <p14:creationId xmlns:p14="http://schemas.microsoft.com/office/powerpoint/2010/main" val="289921619"/>
+      </p:ext>
+    </p:extLst>
+  </p:cSld>
+  <p:clrMapOvr>
+    <a:masterClrMapping/>
+  </p:clrMapOvr>
+</p:sld>
+</file>
+
+<file path=ppt/slides/slide21.xml><?xml version="1.0" encoding="utf-8"?>
+<p:sld xmlns:a="http://schemas.openxmlformats.org/drawingml/2006/main" xmlns:r="http://schemas.openxmlformats.org/officeDocument/2006/relationships" xmlns:p="http://schemas.openxmlformats.org/presentationml/2006/main">
+  <p:cSld>
+    <p:spTree>
+      <p:nvGrpSpPr>
+        <p:cNvPr id="1" name=""/>
+        <p:cNvGrpSpPr/>
+        <p:nvPr/>
+      </p:nvGrpSpPr>
+      <p:grpSpPr>
+        <a:xfrm>
+          <a:off x="0" y="0"/>
+          <a:ext cx="0" cy="0"/>
+          <a:chOff x="0" y="0"/>
+          <a:chExt cx="0" cy="0"/>
+        </a:xfrm>
+      </p:grpSpPr>
+      <p:sp>
+        <p:nvSpPr>
+          <p:cNvPr id="9" name="직사각형 8">
+            <a:extLst>
+              <a:ext uri="{FF2B5EF4-FFF2-40B4-BE49-F238E27FC236}">
+                <a16:creationId xmlns:a16="http://schemas.microsoft.com/office/drawing/2014/main" id="{88963583-44CB-4719-9D52-A80AB996CE3B}"/>
+              </a:ext>
+            </a:extLst>
+          </p:cNvPr>
+          <p:cNvSpPr/>
+          <p:nvPr/>
+        </p:nvSpPr>
+        <p:spPr>
+          <a:xfrm>
+            <a:off x="0" y="0"/>
+            <a:ext cx="3629203" cy="400110"/>
+          </a:xfrm>
+          <a:prstGeom prst="rect">
+            <a:avLst/>
+          </a:prstGeom>
+        </p:spPr>
+        <p:txBody>
+          <a:bodyPr wrap="square">
+            <a:spAutoFit/>
+          </a:bodyPr>
+          <a:lstStyle/>
+          <a:p>
+            <a:r>
+              <a:rPr lang="en-US" altLang="ko-KR" sz="2000" dirty="0">
+                <a:latin typeface="배달의민족 주아" pitchFamily="18" charset="-127"/>
+                <a:ea typeface="배달의민족 주아" pitchFamily="18" charset="-127"/>
+              </a:rPr>
+              <a:t>3. </a:t>
+            </a:r>
+            <a:r>
+              <a:rPr lang="ko-KR" altLang="en-US" sz="2000" dirty="0">
+                <a:latin typeface="배달의민족 주아" pitchFamily="18" charset="-127"/>
+                <a:ea typeface="배달의민족 주아" pitchFamily="18" charset="-127"/>
+              </a:rPr>
+              <a:t>프로그램 설치</a:t>
+            </a:r>
+            <a:endParaRPr lang="ko-KR" altLang="en-US" sz="2000" dirty="0"/>
+          </a:p>
+        </p:txBody>
+      </p:sp>
+      <p:sp>
+        <p:nvSpPr>
+          <p:cNvPr id="10" name="TextBox 9">
+            <a:extLst>
+              <a:ext uri="{FF2B5EF4-FFF2-40B4-BE49-F238E27FC236}">
+                <a16:creationId xmlns:a16="http://schemas.microsoft.com/office/drawing/2014/main" id="{0FA2C1FE-CE02-4659-8C00-51459EF47DBC}"/>
+              </a:ext>
+            </a:extLst>
+          </p:cNvPr>
+          <p:cNvSpPr txBox="1"/>
+          <p:nvPr/>
+        </p:nvSpPr>
+        <p:spPr>
+          <a:xfrm>
+            <a:off x="8081913" y="6488668"/>
+            <a:ext cx="1838965" cy="369332"/>
+          </a:xfrm>
+          <a:prstGeom prst="rect">
+            <a:avLst/>
+          </a:prstGeom>
+          <a:noFill/>
+        </p:spPr>
+        <p:txBody>
+          <a:bodyPr wrap="none" rtlCol="0">
+            <a:spAutoFit/>
+          </a:bodyPr>
+          <a:lstStyle/>
+          <a:p>
+            <a:r>
+              <a:rPr lang="en-US" altLang="ko-KR" sz="1800" dirty="0">
+                <a:solidFill>
+                  <a:schemeClr val="accent5"/>
+                </a:solidFill>
+                <a:latin typeface="배달의민족 도현" pitchFamily="50" charset="-127"/>
+                <a:ea typeface="배달의민족 도현" pitchFamily="50" charset="-127"/>
+              </a:rPr>
+              <a:t>S</a:t>
+            </a:r>
+            <a:r>
+              <a:rPr lang="en-US" altLang="ko-KR" sz="1800" dirty="0">
+                <a:latin typeface="배달의민족 도현" pitchFamily="50" charset="-127"/>
+                <a:ea typeface="배달의민족 도현" pitchFamily="50" charset="-127"/>
+              </a:rPr>
+              <a:t>TART</a:t>
+            </a:r>
+            <a:r>
+              <a:rPr lang="en-US" altLang="ko-KR" sz="1800" dirty="0">
+                <a:solidFill>
+                  <a:schemeClr val="accent5"/>
+                </a:solidFill>
+                <a:latin typeface="배달의민족 도현" pitchFamily="50" charset="-127"/>
+                <a:ea typeface="배달의민족 도현" pitchFamily="50" charset="-127"/>
+              </a:rPr>
+              <a:t>C</a:t>
+            </a:r>
+            <a:r>
+              <a:rPr lang="en-US" altLang="ko-KR" sz="1800" dirty="0">
+                <a:latin typeface="배달의민족 도현" pitchFamily="50" charset="-127"/>
+                <a:ea typeface="배달의민족 도현" pitchFamily="50" charset="-127"/>
+              </a:rPr>
+              <a:t>ODING</a:t>
+            </a:r>
+            <a:endParaRPr lang="ko-KR" altLang="en-US" sz="1800" dirty="0">
+              <a:latin typeface="배달의민족 도현" pitchFamily="50" charset="-127"/>
+              <a:ea typeface="배달의민족 도현" pitchFamily="50" charset="-127"/>
+            </a:endParaRPr>
+          </a:p>
+        </p:txBody>
+      </p:sp>
+      <p:sp>
+        <p:nvSpPr>
+          <p:cNvPr id="12" name="직사각형 11">
+            <a:extLst>
+              <a:ext uri="{FF2B5EF4-FFF2-40B4-BE49-F238E27FC236}">
+                <a16:creationId xmlns:a16="http://schemas.microsoft.com/office/drawing/2014/main" id="{3E524EE2-04BF-4FDF-A7E2-99BCBCE335C5}"/>
+              </a:ext>
+            </a:extLst>
+          </p:cNvPr>
+          <p:cNvSpPr/>
+          <p:nvPr/>
+        </p:nvSpPr>
+        <p:spPr>
+          <a:xfrm>
+            <a:off x="2731879" y="5949280"/>
+            <a:ext cx="4442242" cy="480131"/>
+          </a:xfrm>
+          <a:prstGeom prst="rect">
+            <a:avLst/>
+          </a:prstGeom>
+        </p:spPr>
+        <p:txBody>
+          <a:bodyPr wrap="none">
+            <a:spAutoFit/>
+          </a:bodyPr>
+          <a:lstStyle/>
+          <a:p>
+            <a:r>
+              <a:rPr lang="en-US" altLang="ko-KR" sz="2520" dirty="0">
+                <a:solidFill>
+                  <a:srgbClr val="FF0000"/>
+                </a:solidFill>
+              </a:rPr>
+              <a:t>&gt;&gt;&gt; </a:t>
+            </a:r>
+            <a:r>
+              <a:rPr lang="ko-KR" altLang="en-US" sz="2520" dirty="0">
+                <a:solidFill>
+                  <a:srgbClr val="FF0000"/>
+                </a:solidFill>
+              </a:rPr>
+              <a:t>입력을 기다린다는 표시</a:t>
+            </a:r>
+          </a:p>
+        </p:txBody>
+      </p:sp>
+      <p:pic>
+        <p:nvPicPr>
+          <p:cNvPr id="4" name="그림 3">
+            <a:extLst>
+              <a:ext uri="{FF2B5EF4-FFF2-40B4-BE49-F238E27FC236}">
+                <a16:creationId xmlns:a16="http://schemas.microsoft.com/office/drawing/2014/main" id="{5915A6A1-D6E7-43C1-8682-B39EC7A9F858}"/>
+              </a:ext>
+            </a:extLst>
+          </p:cNvPr>
+          <p:cNvPicPr>
+            <a:picLocks noChangeAspect="1"/>
+          </p:cNvPicPr>
+          <p:nvPr/>
+        </p:nvPicPr>
+        <p:blipFill>
+          <a:blip r:embed="rId2"/>
+          <a:stretch>
+            <a:fillRect/>
+          </a:stretch>
+        </p:blipFill>
+        <p:spPr>
+          <a:xfrm>
+            <a:off x="2311552" y="1138769"/>
+            <a:ext cx="5282896" cy="4580461"/>
+          </a:xfrm>
+          <a:prstGeom prst="rect">
+            <a:avLst/>
+          </a:prstGeom>
+          <a:solidFill>
+            <a:srgbClr val="FFFFFF">
+              <a:shade val="85000"/>
+            </a:srgbClr>
+          </a:solidFill>
+          <a:ln w="88900" cap="sq">
+            <a:solidFill>
+              <a:srgbClr val="FFFFFF"/>
+            </a:solidFill>
+            <a:miter lim="800000"/>
+          </a:ln>
+          <a:effectLst>
+            <a:outerShdw blurRad="55000" dist="18000" dir="5400000" algn="tl" rotWithShape="0">
+              <a:srgbClr val="000000">
+                <a:alpha val="40000"/>
+              </a:srgbClr>
+            </a:outerShdw>
+          </a:effectLst>
+          <a:scene3d>
+            <a:camera prst="orthographicFront"/>
+            <a:lightRig rig="twoPt" dir="t">
+              <a:rot lat="0" lon="0" rev="7200000"/>
+            </a:lightRig>
+          </a:scene3d>
+          <a:sp3d>
+            <a:bevelT w="25400" h="19050"/>
+            <a:contourClr>
+              <a:srgbClr val="FFFFFF"/>
+            </a:contourClr>
+          </a:sp3d>
+        </p:spPr>
+      </p:pic>
+      <p:sp>
+        <p:nvSpPr>
+          <p:cNvPr id="5" name="직사각형 4">
+            <a:extLst>
+              <a:ext uri="{FF2B5EF4-FFF2-40B4-BE49-F238E27FC236}">
+                <a16:creationId xmlns:a16="http://schemas.microsoft.com/office/drawing/2014/main" id="{6CF49E59-CF9B-4763-AAB4-74D9ABEDBDA7}"/>
+              </a:ext>
+            </a:extLst>
+          </p:cNvPr>
+          <p:cNvSpPr/>
+          <p:nvPr/>
+        </p:nvSpPr>
+        <p:spPr>
+          <a:xfrm>
+            <a:off x="2890961" y="508609"/>
+            <a:ext cx="4124078" cy="400110"/>
+          </a:xfrm>
+          <a:prstGeom prst="rect">
+            <a:avLst/>
+          </a:prstGeom>
+        </p:spPr>
+        <p:txBody>
+          <a:bodyPr wrap="none">
+            <a:spAutoFit/>
+          </a:bodyPr>
+          <a:lstStyle/>
+          <a:p>
+            <a:r>
+              <a:rPr lang="en-US" altLang="ko-KR" sz="2000" dirty="0"/>
+              <a:t>print(“Hello world!”) </a:t>
+            </a:r>
+            <a:r>
+              <a:rPr lang="ko-KR" altLang="en-US" sz="2000" dirty="0"/>
+              <a:t>입력 후 </a:t>
+            </a:r>
+            <a:r>
+              <a:rPr lang="ko-KR" altLang="en-US" sz="2000" dirty="0" err="1"/>
+              <a:t>엔터</a:t>
+            </a:r>
+            <a:r>
+              <a:rPr lang="en-US" altLang="ko-KR" sz="2000" dirty="0"/>
+              <a:t>!</a:t>
+            </a:r>
+            <a:endParaRPr lang="ko-KR" altLang="en-US" sz="2000" dirty="0"/>
+          </a:p>
+        </p:txBody>
+      </p:sp>
+    </p:spTree>
+    <p:extLst>
+      <p:ext uri="{BB962C8B-B14F-4D97-AF65-F5344CB8AC3E}">
+        <p14:creationId xmlns:p14="http://schemas.microsoft.com/office/powerpoint/2010/main" val="3409131472"/>
+      </p:ext>
+    </p:extLst>
+  </p:cSld>
+  <p:clrMapOvr>
+    <a:masterClrMapping/>
+  </p:clrMapOvr>
+</p:sld>
+</file>
+
+<file path=ppt/slides/slide22.xml><?xml version="1.0" encoding="utf-8"?>
+<p:sld xmlns:a="http://schemas.openxmlformats.org/drawingml/2006/main" xmlns:r="http://schemas.openxmlformats.org/officeDocument/2006/relationships" xmlns:p="http://schemas.openxmlformats.org/presentationml/2006/main">
+  <p:cSld>
+    <p:spTree>
+      <p:nvGrpSpPr>
+        <p:cNvPr id="1" name=""/>
+        <p:cNvGrpSpPr/>
+        <p:nvPr/>
+      </p:nvGrpSpPr>
+      <p:grpSpPr>
+        <a:xfrm>
+          <a:off x="0" y="0"/>
+          <a:ext cx="0" cy="0"/>
+          <a:chOff x="0" y="0"/>
+          <a:chExt cx="0" cy="0"/>
+        </a:xfrm>
+      </p:grpSpPr>
+      <p:sp>
+        <p:nvSpPr>
+          <p:cNvPr id="7" name="제목 1"/>
+          <p:cNvSpPr>
+            <a:spLocks noGrp="1"/>
+          </p:cNvSpPr>
+          <p:nvPr>
+            <p:ph type="ctrTitle"/>
+          </p:nvPr>
+        </p:nvSpPr>
+        <p:spPr>
+          <a:xfrm>
+            <a:off x="-487680" y="-285219"/>
+            <a:ext cx="10881360" cy="2058035"/>
+          </a:xfrm>
+        </p:spPr>
+        <p:txBody>
+          <a:bodyPr>
+            <a:normAutofit/>
+          </a:bodyPr>
+          <a:lstStyle/>
+          <a:p>
+            <a:r>
+              <a:rPr lang="ko-KR" altLang="en-US" sz="4400" dirty="0">
+                <a:latin typeface="배달의민족 주아" pitchFamily="18" charset="-127"/>
+                <a:ea typeface="배달의민족 주아" pitchFamily="18" charset="-127"/>
+              </a:rPr>
+              <a:t>에디터</a:t>
+            </a:r>
+            <a:r>
+              <a:rPr lang="en-US" altLang="ko-KR" sz="4400" dirty="0">
+                <a:latin typeface="배달의민족 주아" pitchFamily="18" charset="-127"/>
+                <a:ea typeface="배달의민족 주아" pitchFamily="18" charset="-127"/>
+              </a:rPr>
+              <a:t>(Visual Studio Code)</a:t>
+            </a:r>
+            <a:r>
+              <a:rPr lang="ko-KR" altLang="en-US" sz="4400" dirty="0">
+                <a:latin typeface="배달의민족 주아" pitchFamily="18" charset="-127"/>
+                <a:ea typeface="배달의민족 주아" pitchFamily="18" charset="-127"/>
+              </a:rPr>
+              <a:t> 설치</a:t>
+            </a:r>
+          </a:p>
+        </p:txBody>
+      </p:sp>
+      <p:sp>
+        <p:nvSpPr>
+          <p:cNvPr id="2" name="직사각형 1"/>
+          <p:cNvSpPr/>
+          <p:nvPr/>
+        </p:nvSpPr>
+        <p:spPr>
+          <a:xfrm>
+            <a:off x="3149202" y="992922"/>
+            <a:ext cx="3676006" cy="707886"/>
+          </a:xfrm>
+          <a:prstGeom prst="rect">
+            <a:avLst/>
+          </a:prstGeom>
+        </p:spPr>
+        <p:txBody>
+          <a:bodyPr wrap="none">
+            <a:spAutoFit/>
+          </a:bodyPr>
+          <a:lstStyle/>
+          <a:p>
+            <a:r>
+              <a:rPr lang="en-US" altLang="ko-KR" sz="2000" dirty="0">
+                <a:hlinkClick r:id="rId2"/>
+              </a:rPr>
+              <a:t>https://code.visualstudio.com/</a:t>
+            </a:r>
+            <a:endParaRPr lang="en-US" altLang="ko-KR" sz="2000" dirty="0"/>
+          </a:p>
+          <a:p>
+            <a:endParaRPr lang="en-US" altLang="ko-KR" sz="2000" dirty="0"/>
+          </a:p>
+        </p:txBody>
+      </p:sp>
+      <p:pic>
+        <p:nvPicPr>
+          <p:cNvPr id="6146" name="Picture 2"/>
+          <p:cNvPicPr>
+            <a:picLocks noChangeAspect="1" noChangeArrowheads="1"/>
+          </p:cNvPicPr>
+          <p:nvPr/>
+        </p:nvPicPr>
+        <p:blipFill>
+          <a:blip r:embed="rId3">
+            <a:extLst>
+              <a:ext uri="{28A0092B-C50C-407E-A947-70E740481C1C}">
+                <a14:useLocalDpi xmlns:a14="http://schemas.microsoft.com/office/drawing/2010/main" val="0"/>
+              </a:ext>
+            </a:extLst>
+          </a:blip>
+          <a:srcRect/>
+          <a:stretch>
+            <a:fillRect/>
+          </a:stretch>
+        </p:blipFill>
+        <p:spPr bwMode="auto">
+          <a:xfrm>
+            <a:off x="774913" y="1425108"/>
+            <a:ext cx="8356173" cy="4991552"/>
+          </a:xfrm>
+          <a:prstGeom prst="rect">
+            <a:avLst/>
+          </a:prstGeom>
+          <a:ln>
+            <a:noFill/>
+          </a:ln>
+          <a:effectLst>
+            <a:outerShdw blurRad="190500" algn="tl" rotWithShape="0">
+              <a:srgbClr val="000000">
+                <a:alpha val="70000"/>
+              </a:srgbClr>
+            </a:outerShdw>
+          </a:effectLst>
+          <a:extLst>
+            <a:ext uri="{909E8E84-426E-40DD-AFC4-6F175D3DCCD1}">
+              <a14:hiddenFill xmlns:a14="http://schemas.microsoft.com/office/drawing/2010/main">
+                <a:solidFill>
+                  <a:schemeClr val="accent1"/>
+                </a:solidFill>
+              </a14:hiddenFill>
+            </a:ext>
+            <a:ext uri="{91240B29-F687-4F45-9708-019B960494DF}">
+              <a14:hiddenLine xmlns:a14="http://schemas.microsoft.com/office/drawing/2010/main" w="9525">
+                <a:solidFill>
+                  <a:schemeClr val="tx1"/>
+                </a:solidFill>
+                <a:miter lim="800000"/>
+                <a:headEnd/>
+                <a:tailEnd/>
+              </a14:hiddenLine>
+            </a:ext>
+          </a:extLst>
+        </p:spPr>
+      </p:pic>
+      <p:sp>
+        <p:nvSpPr>
+          <p:cNvPr id="4" name="직사각형 3"/>
+          <p:cNvSpPr/>
+          <p:nvPr/>
+        </p:nvSpPr>
+        <p:spPr>
+          <a:xfrm>
+            <a:off x="1208584" y="3501008"/>
+            <a:ext cx="2117035" cy="806491"/>
+          </a:xfrm>
+          <a:prstGeom prst="rect">
+            <a:avLst/>
+          </a:prstGeom>
+          <a:noFill/>
+          <a:ln>
+            <a:solidFill>
+              <a:srgbClr val="FF0000"/>
+            </a:solidFill>
+          </a:ln>
+        </p:spPr>
+        <p:style>
+          <a:lnRef idx="2">
+            <a:schemeClr val="accent1">
+              <a:shade val="50000"/>
+            </a:schemeClr>
+          </a:lnRef>
+          <a:fillRef idx="1">
+            <a:schemeClr val="accent1"/>
+          </a:fillRef>
+          <a:effectRef idx="0">
+            <a:schemeClr val="accent1"/>
+          </a:effectRef>
+          <a:fontRef idx="minor">
+            <a:schemeClr val="lt1"/>
+          </a:fontRef>
+        </p:style>
+        <p:txBody>
+          <a:bodyPr rtlCol="0" anchor="ctr"/>
+          <a:lstStyle/>
+          <a:p>
+            <a:pPr algn="ctr"/>
+            <a:endParaRPr lang="ko-KR" altLang="en-US" sz="2520"/>
+          </a:p>
+        </p:txBody>
+      </p:sp>
+      <p:sp>
+        <p:nvSpPr>
+          <p:cNvPr id="8" name="직사각형 7">
+            <a:extLst>
+              <a:ext uri="{FF2B5EF4-FFF2-40B4-BE49-F238E27FC236}">
+                <a16:creationId xmlns:a16="http://schemas.microsoft.com/office/drawing/2014/main" id="{170B9F68-82FF-430B-A078-70A6D5E4885F}"/>
+              </a:ext>
+            </a:extLst>
+          </p:cNvPr>
+          <p:cNvSpPr/>
+          <p:nvPr/>
+        </p:nvSpPr>
+        <p:spPr>
+          <a:xfrm>
+            <a:off x="0" y="0"/>
+            <a:ext cx="3629203" cy="400110"/>
+          </a:xfrm>
+          <a:prstGeom prst="rect">
+            <a:avLst/>
+          </a:prstGeom>
+        </p:spPr>
+        <p:txBody>
+          <a:bodyPr wrap="square">
+            <a:spAutoFit/>
+          </a:bodyPr>
+          <a:lstStyle/>
+          <a:p>
+            <a:r>
+              <a:rPr lang="en-US" altLang="ko-KR" sz="2000" dirty="0">
+                <a:latin typeface="배달의민족 주아" pitchFamily="18" charset="-127"/>
+                <a:ea typeface="배달의민족 주아" pitchFamily="18" charset="-127"/>
+              </a:rPr>
+              <a:t>3. </a:t>
+            </a:r>
+            <a:r>
+              <a:rPr lang="ko-KR" altLang="en-US" sz="2000" dirty="0">
+                <a:latin typeface="배달의민족 주아" pitchFamily="18" charset="-127"/>
+                <a:ea typeface="배달의민족 주아" pitchFamily="18" charset="-127"/>
+              </a:rPr>
+              <a:t>프로그램 설치</a:t>
+            </a:r>
+            <a:endParaRPr lang="ko-KR" altLang="en-US" sz="2000" dirty="0"/>
+          </a:p>
+        </p:txBody>
+      </p:sp>
+      <p:sp>
+        <p:nvSpPr>
+          <p:cNvPr id="9" name="TextBox 8">
+            <a:extLst>
+              <a:ext uri="{FF2B5EF4-FFF2-40B4-BE49-F238E27FC236}">
+                <a16:creationId xmlns:a16="http://schemas.microsoft.com/office/drawing/2014/main" id="{D2259705-1B93-4C42-A4DB-26C9E1E56149}"/>
+              </a:ext>
+            </a:extLst>
+          </p:cNvPr>
+          <p:cNvSpPr txBox="1"/>
+          <p:nvPr/>
+        </p:nvSpPr>
+        <p:spPr>
+          <a:xfrm>
+            <a:off x="8081913" y="6488668"/>
+            <a:ext cx="1838965" cy="369332"/>
+          </a:xfrm>
+          <a:prstGeom prst="rect">
+            <a:avLst/>
+          </a:prstGeom>
+          <a:noFill/>
+        </p:spPr>
+        <p:txBody>
+          <a:bodyPr wrap="none" rtlCol="0">
+            <a:spAutoFit/>
+          </a:bodyPr>
+          <a:lstStyle/>
+          <a:p>
+            <a:r>
+              <a:rPr lang="en-US" altLang="ko-KR" sz="1800" dirty="0">
+                <a:solidFill>
+                  <a:schemeClr val="accent5"/>
+                </a:solidFill>
+                <a:latin typeface="배달의민족 도현" pitchFamily="50" charset="-127"/>
+                <a:ea typeface="배달의민족 도현" pitchFamily="50" charset="-127"/>
+              </a:rPr>
+              <a:t>S</a:t>
+            </a:r>
+            <a:r>
+              <a:rPr lang="en-US" altLang="ko-KR" sz="1800" dirty="0">
+                <a:latin typeface="배달의민족 도현" pitchFamily="50" charset="-127"/>
+                <a:ea typeface="배달의민족 도현" pitchFamily="50" charset="-127"/>
+              </a:rPr>
+              <a:t>TART</a:t>
+            </a:r>
+            <a:r>
+              <a:rPr lang="en-US" altLang="ko-KR" sz="1800" dirty="0">
+                <a:solidFill>
+                  <a:schemeClr val="accent5"/>
+                </a:solidFill>
+                <a:latin typeface="배달의민족 도현" pitchFamily="50" charset="-127"/>
+                <a:ea typeface="배달의민족 도현" pitchFamily="50" charset="-127"/>
+              </a:rPr>
+              <a:t>C</a:t>
+            </a:r>
+            <a:r>
+              <a:rPr lang="en-US" altLang="ko-KR" sz="1800" dirty="0">
+                <a:latin typeface="배달의민족 도현" pitchFamily="50" charset="-127"/>
+                <a:ea typeface="배달의민족 도현" pitchFamily="50" charset="-127"/>
+              </a:rPr>
+              <a:t>ODING</a:t>
+            </a:r>
+            <a:endParaRPr lang="ko-KR" altLang="en-US" sz="1800" dirty="0">
+              <a:latin typeface="배달의민족 도현" pitchFamily="50" charset="-127"/>
+              <a:ea typeface="배달의민족 도현" pitchFamily="50" charset="-127"/>
+            </a:endParaRPr>
+          </a:p>
+        </p:txBody>
+      </p:sp>
+    </p:spTree>
+    <p:extLst>
+      <p:ext uri="{BB962C8B-B14F-4D97-AF65-F5344CB8AC3E}">
+        <p14:creationId xmlns:p14="http://schemas.microsoft.com/office/powerpoint/2010/main" val="3692365508"/>
+      </p:ext>
+    </p:extLst>
+  </p:cSld>
+  <p:clrMapOvr>
+    <a:masterClrMapping/>
+  </p:clrMapOvr>
+</p:sld>
+</file>
+
+<file path=ppt/slides/slide23.xml><?xml version="1.0" encoding="utf-8"?>
+<p:sld xmlns:a="http://schemas.openxmlformats.org/drawingml/2006/main" xmlns:r="http://schemas.openxmlformats.org/officeDocument/2006/relationships" xmlns:p="http://schemas.openxmlformats.org/presentationml/2006/main">
+  <p:cSld>
+    <p:spTree>
+      <p:nvGrpSpPr>
+        <p:cNvPr id="1" name=""/>
+        <p:cNvGrpSpPr/>
+        <p:nvPr/>
+      </p:nvGrpSpPr>
+      <p:grpSpPr>
+        <a:xfrm>
+          <a:off x="0" y="0"/>
+          <a:ext cx="0" cy="0"/>
+          <a:chOff x="0" y="0"/>
+          <a:chExt cx="0" cy="0"/>
+        </a:xfrm>
+      </p:grpSpPr>
+      <p:sp>
+        <p:nvSpPr>
+          <p:cNvPr id="6" name="직사각형 5"/>
+          <p:cNvSpPr/>
+          <p:nvPr/>
+        </p:nvSpPr>
+        <p:spPr>
+          <a:xfrm>
+            <a:off x="-1297294" y="-1208314"/>
+            <a:ext cx="3629203" cy="480131"/>
+          </a:xfrm>
+          <a:prstGeom prst="rect">
+            <a:avLst/>
+          </a:prstGeom>
+        </p:spPr>
+        <p:txBody>
+          <a:bodyPr wrap="square">
+            <a:spAutoFit/>
+          </a:bodyPr>
+          <a:lstStyle/>
+          <a:p>
+            <a:r>
+              <a:rPr lang="en-US" altLang="ko-KR" sz="2520" dirty="0">
+                <a:latin typeface="배달의민족 주아" pitchFamily="18" charset="-127"/>
+                <a:ea typeface="배달의민족 주아" pitchFamily="18" charset="-127"/>
+              </a:rPr>
+              <a:t>3. </a:t>
+            </a:r>
+            <a:r>
+              <a:rPr lang="ko-KR" altLang="en-US" sz="2520" dirty="0">
+                <a:latin typeface="배달의민족 주아" pitchFamily="18" charset="-127"/>
+                <a:ea typeface="배달의민족 주아" pitchFamily="18" charset="-127"/>
+              </a:rPr>
+              <a:t>프로그램 설치</a:t>
+            </a:r>
+            <a:endParaRPr lang="ko-KR" altLang="en-US" sz="2520" dirty="0"/>
+          </a:p>
+        </p:txBody>
+      </p:sp>
+      <p:sp>
+        <p:nvSpPr>
+          <p:cNvPr id="7" name="제목 1"/>
+          <p:cNvSpPr>
+            <a:spLocks noGrp="1"/>
+          </p:cNvSpPr>
+          <p:nvPr>
+            <p:ph type="ctrTitle"/>
+          </p:nvPr>
+        </p:nvSpPr>
+        <p:spPr>
+          <a:xfrm>
+            <a:off x="-487680" y="-99392"/>
+            <a:ext cx="10881360" cy="2058035"/>
+          </a:xfrm>
+        </p:spPr>
+        <p:txBody>
+          <a:bodyPr>
+            <a:normAutofit/>
+          </a:bodyPr>
+          <a:lstStyle/>
+          <a:p>
+            <a:r>
+              <a:rPr lang="en-US" altLang="ko-KR" sz="4400" dirty="0">
+                <a:latin typeface="배달의민족 주아" pitchFamily="18" charset="-127"/>
+                <a:ea typeface="배달의민족 주아" pitchFamily="18" charset="-127"/>
+              </a:rPr>
+              <a:t>Visual Studio Code </a:t>
+            </a:r>
+            <a:r>
+              <a:rPr lang="ko-KR" altLang="en-US" sz="4400" dirty="0">
+                <a:latin typeface="배달의민족 주아" pitchFamily="18" charset="-127"/>
+                <a:ea typeface="배달의민족 주아" pitchFamily="18" charset="-127"/>
+              </a:rPr>
+              <a:t>사용법</a:t>
+            </a:r>
+          </a:p>
+        </p:txBody>
+      </p:sp>
+      <p:sp>
+        <p:nvSpPr>
+          <p:cNvPr id="2" name="직사각형 1"/>
+          <p:cNvSpPr/>
+          <p:nvPr/>
+        </p:nvSpPr>
+        <p:spPr>
+          <a:xfrm>
+            <a:off x="2977938" y="1424970"/>
+            <a:ext cx="3919278" cy="707886"/>
+          </a:xfrm>
+          <a:prstGeom prst="rect">
+            <a:avLst/>
+          </a:prstGeom>
+        </p:spPr>
+        <p:txBody>
+          <a:bodyPr wrap="none">
+            <a:spAutoFit/>
+          </a:bodyPr>
+          <a:lstStyle/>
+          <a:p>
+            <a:r>
+              <a:rPr lang="en-US" altLang="ko-KR" sz="2000" dirty="0">
+                <a:hlinkClick r:id="rId2"/>
+              </a:rPr>
+              <a:t>https://youtu.be/YWyfAH1RQD8</a:t>
+            </a:r>
+            <a:endParaRPr lang="en-US" altLang="ko-KR" sz="2000" dirty="0"/>
+          </a:p>
+          <a:p>
+            <a:endParaRPr lang="en-US" altLang="ko-KR" sz="2000" dirty="0"/>
+          </a:p>
+        </p:txBody>
+      </p:sp>
+      <p:sp>
+        <p:nvSpPr>
+          <p:cNvPr id="8" name="제목 1"/>
+          <p:cNvSpPr txBox="1">
+            <a:spLocks/>
+          </p:cNvSpPr>
+          <p:nvPr/>
+        </p:nvSpPr>
+        <p:spPr>
+          <a:xfrm>
+            <a:off x="-490786" y="2580711"/>
+            <a:ext cx="10881361" cy="2058036"/>
+          </a:xfrm>
+          <a:prstGeom prst="rect">
+            <a:avLst/>
+          </a:prstGeom>
+        </p:spPr>
+        <p:txBody>
+          <a:bodyPr vert="horz" lIns="128017" tIns="64008" rIns="128017" bIns="64008" rtlCol="0" anchor="ctr">
+            <a:normAutofit/>
+          </a:bodyPr>
+          <a:lstStyle>
+            <a:lvl1pPr algn="ctr" defTabSz="914400" rtl="0" eaLnBrk="1" latinLnBrk="1" hangingPunct="1">
+              <a:spcBef>
+                <a:spcPct val="0"/>
+              </a:spcBef>
+              <a:buNone/>
+              <a:defRPr sz="4400" kern="1200">
+                <a:solidFill>
+                  <a:schemeClr val="tx1"/>
+                </a:solidFill>
+                <a:latin typeface="+mj-lt"/>
+                <a:ea typeface="+mj-ea"/>
+                <a:cs typeface="+mj-cs"/>
+              </a:defRPr>
+            </a:lvl1pPr>
+          </a:lstStyle>
+          <a:p>
+            <a:r>
+              <a:rPr lang="ko-KR" altLang="en-US" sz="4800" dirty="0" err="1">
+                <a:latin typeface="배달의민족 주아" pitchFamily="18" charset="-127"/>
+                <a:ea typeface="배달의민족 주아" pitchFamily="18" charset="-127"/>
+              </a:rPr>
+              <a:t>유튜브</a:t>
+            </a:r>
+            <a:r>
+              <a:rPr lang="ko-KR" altLang="en-US" sz="4800" dirty="0">
+                <a:latin typeface="배달의민족 주아" pitchFamily="18" charset="-127"/>
+                <a:ea typeface="배달의민족 주아" pitchFamily="18" charset="-127"/>
+              </a:rPr>
+              <a:t> 영상 참고</a:t>
+            </a:r>
+          </a:p>
+        </p:txBody>
+      </p:sp>
+      <p:sp>
+        <p:nvSpPr>
+          <p:cNvPr id="9" name="직사각형 8">
+            <a:extLst>
+              <a:ext uri="{FF2B5EF4-FFF2-40B4-BE49-F238E27FC236}">
+                <a16:creationId xmlns:a16="http://schemas.microsoft.com/office/drawing/2014/main" id="{26F3F09A-7B42-4905-87B7-2D077F3241D9}"/>
+              </a:ext>
+            </a:extLst>
+          </p:cNvPr>
+          <p:cNvSpPr/>
+          <p:nvPr/>
+        </p:nvSpPr>
+        <p:spPr>
+          <a:xfrm>
+            <a:off x="0" y="0"/>
+            <a:ext cx="3629203" cy="400110"/>
+          </a:xfrm>
+          <a:prstGeom prst="rect">
+            <a:avLst/>
+          </a:prstGeom>
+        </p:spPr>
+        <p:txBody>
+          <a:bodyPr wrap="square">
+            <a:spAutoFit/>
+          </a:bodyPr>
+          <a:lstStyle/>
+          <a:p>
+            <a:r>
+              <a:rPr lang="en-US" altLang="ko-KR" sz="2000" dirty="0">
+                <a:latin typeface="배달의민족 주아" pitchFamily="18" charset="-127"/>
+                <a:ea typeface="배달의민족 주아" pitchFamily="18" charset="-127"/>
+              </a:rPr>
+              <a:t>3. </a:t>
+            </a:r>
+            <a:r>
+              <a:rPr lang="ko-KR" altLang="en-US" sz="2000" dirty="0">
+                <a:latin typeface="배달의민족 주아" pitchFamily="18" charset="-127"/>
+                <a:ea typeface="배달의민족 주아" pitchFamily="18" charset="-127"/>
+              </a:rPr>
+              <a:t>프로그램 설치</a:t>
+            </a:r>
+            <a:endParaRPr lang="ko-KR" altLang="en-US" sz="2000" dirty="0"/>
+          </a:p>
+        </p:txBody>
+      </p:sp>
+      <p:sp>
+        <p:nvSpPr>
+          <p:cNvPr id="10" name="TextBox 9">
+            <a:extLst>
+              <a:ext uri="{FF2B5EF4-FFF2-40B4-BE49-F238E27FC236}">
+                <a16:creationId xmlns:a16="http://schemas.microsoft.com/office/drawing/2014/main" id="{9B9A4D1D-211C-42F6-9EB1-349122F80828}"/>
+              </a:ext>
+            </a:extLst>
+          </p:cNvPr>
+          <p:cNvSpPr txBox="1"/>
+          <p:nvPr/>
+        </p:nvSpPr>
+        <p:spPr>
+          <a:xfrm>
+            <a:off x="8081913" y="6488668"/>
+            <a:ext cx="1838965" cy="369332"/>
+          </a:xfrm>
+          <a:prstGeom prst="rect">
+            <a:avLst/>
+          </a:prstGeom>
+          <a:noFill/>
+        </p:spPr>
+        <p:txBody>
+          <a:bodyPr wrap="none" rtlCol="0">
+            <a:spAutoFit/>
+          </a:bodyPr>
+          <a:lstStyle/>
+          <a:p>
+            <a:r>
+              <a:rPr lang="en-US" altLang="ko-KR" sz="1800" dirty="0">
+                <a:solidFill>
+                  <a:schemeClr val="accent5"/>
+                </a:solidFill>
+                <a:latin typeface="배달의민족 도현" pitchFamily="50" charset="-127"/>
+                <a:ea typeface="배달의민족 도현" pitchFamily="50" charset="-127"/>
+              </a:rPr>
+              <a:t>S</a:t>
+            </a:r>
+            <a:r>
+              <a:rPr lang="en-US" altLang="ko-KR" sz="1800" dirty="0">
+                <a:latin typeface="배달의민족 도현" pitchFamily="50" charset="-127"/>
+                <a:ea typeface="배달의민족 도현" pitchFamily="50" charset="-127"/>
+              </a:rPr>
+              <a:t>TART</a:t>
+            </a:r>
+            <a:r>
+              <a:rPr lang="en-US" altLang="ko-KR" sz="1800" dirty="0">
+                <a:solidFill>
+                  <a:schemeClr val="accent5"/>
+                </a:solidFill>
+                <a:latin typeface="배달의민족 도현" pitchFamily="50" charset="-127"/>
+                <a:ea typeface="배달의민족 도현" pitchFamily="50" charset="-127"/>
+              </a:rPr>
+              <a:t>C</a:t>
+            </a:r>
+            <a:r>
+              <a:rPr lang="en-US" altLang="ko-KR" sz="1800" dirty="0">
+                <a:latin typeface="배달의민족 도현" pitchFamily="50" charset="-127"/>
+                <a:ea typeface="배달의민족 도현" pitchFamily="50" charset="-127"/>
+              </a:rPr>
+              <a:t>ODING</a:t>
+            </a:r>
+            <a:endParaRPr lang="ko-KR" altLang="en-US" sz="1800" dirty="0">
+              <a:latin typeface="배달의민족 도현" pitchFamily="50" charset="-127"/>
+              <a:ea typeface="배달의민족 도현" pitchFamily="50" charset="-127"/>
+            </a:endParaRPr>
+          </a:p>
+        </p:txBody>
+      </p:sp>
+    </p:spTree>
+    <p:extLst>
+      <p:ext uri="{BB962C8B-B14F-4D97-AF65-F5344CB8AC3E}">
+        <p14:creationId xmlns:p14="http://schemas.microsoft.com/office/powerpoint/2010/main" val="3814937804"/>
+      </p:ext>
+    </p:extLst>
+  </p:cSld>
+  <p:clrMapOvr>
+    <a:masterClrMapping/>
+  </p:clrMapOvr>
+</p:sld>
+</file>
+
+<file path=ppt/slides/slide24.xml><?xml version="1.0" encoding="utf-8"?>
+<p:sld xmlns:a="http://schemas.openxmlformats.org/drawingml/2006/main" xmlns:r="http://schemas.openxmlformats.org/officeDocument/2006/relationships" xmlns:p="http://schemas.openxmlformats.org/presentationml/2006/main">
+  <p:cSld>
+    <p:spTree>
+      <p:nvGrpSpPr>
+        <p:cNvPr id="1" name=""/>
+        <p:cNvGrpSpPr/>
+        <p:nvPr/>
+      </p:nvGrpSpPr>
+      <p:grpSpPr>
+        <a:xfrm>
+          <a:off x="0" y="0"/>
+          <a:ext cx="0" cy="0"/>
+          <a:chOff x="0" y="0"/>
+          <a:chExt cx="0" cy="0"/>
+        </a:xfrm>
+      </p:grpSpPr>
+      <p:sp>
+        <p:nvSpPr>
+          <p:cNvPr id="7" name="제목 1"/>
+          <p:cNvSpPr>
+            <a:spLocks noGrp="1"/>
+          </p:cNvSpPr>
+          <p:nvPr>
+            <p:ph type="ctrTitle"/>
+          </p:nvPr>
+        </p:nvSpPr>
+        <p:spPr>
+          <a:xfrm>
+            <a:off x="-487680" y="-285219"/>
+            <a:ext cx="10881360" cy="2058035"/>
+          </a:xfrm>
+        </p:spPr>
+        <p:txBody>
+          <a:bodyPr>
+            <a:normAutofit/>
+          </a:bodyPr>
+          <a:lstStyle/>
+          <a:p>
+            <a:r>
+              <a:rPr lang="en-US" altLang="ko-KR" sz="4400" dirty="0">
+                <a:latin typeface="배달의민족 주아" pitchFamily="18" charset="-127"/>
+                <a:ea typeface="배달의민족 주아" pitchFamily="18" charset="-127"/>
+              </a:rPr>
+              <a:t>Visual Studio Code </a:t>
+            </a:r>
+            <a:r>
+              <a:rPr lang="ko-KR" altLang="en-US" sz="4400" dirty="0">
+                <a:latin typeface="배달의민족 주아" pitchFamily="18" charset="-127"/>
+                <a:ea typeface="배달의민족 주아" pitchFamily="18" charset="-127"/>
+              </a:rPr>
+              <a:t>파이썬 연동</a:t>
+            </a:r>
+          </a:p>
+        </p:txBody>
+      </p:sp>
+      <p:pic>
+        <p:nvPicPr>
+          <p:cNvPr id="4" name="그림 3">
+            <a:extLst>
+              <a:ext uri="{FF2B5EF4-FFF2-40B4-BE49-F238E27FC236}">
+                <a16:creationId xmlns:a16="http://schemas.microsoft.com/office/drawing/2014/main" id="{F2969B33-3390-4689-BD18-7B30F99FCFE4}"/>
+              </a:ext>
+            </a:extLst>
+          </p:cNvPr>
+          <p:cNvPicPr>
+            <a:picLocks noChangeAspect="1"/>
+          </p:cNvPicPr>
+          <p:nvPr/>
+        </p:nvPicPr>
+        <p:blipFill>
+          <a:blip r:embed="rId2"/>
+          <a:stretch>
+            <a:fillRect/>
+          </a:stretch>
+        </p:blipFill>
+        <p:spPr>
+          <a:xfrm>
+            <a:off x="2047983" y="1268760"/>
+            <a:ext cx="5810033" cy="5280700"/>
+          </a:xfrm>
+          <a:prstGeom prst="rect">
+            <a:avLst/>
+          </a:prstGeom>
+          <a:ln>
+            <a:noFill/>
+          </a:ln>
+          <a:effectLst>
+            <a:outerShdw blurRad="190500" algn="tl" rotWithShape="0">
+              <a:srgbClr val="000000">
+                <a:alpha val="70000"/>
+              </a:srgbClr>
+            </a:outerShdw>
+          </a:effectLst>
+        </p:spPr>
+      </p:pic>
+      <p:sp>
+        <p:nvSpPr>
+          <p:cNvPr id="5" name="직사각형 4">
+            <a:extLst>
+              <a:ext uri="{FF2B5EF4-FFF2-40B4-BE49-F238E27FC236}">
+                <a16:creationId xmlns:a16="http://schemas.microsoft.com/office/drawing/2014/main" id="{7F05E043-9D86-45FE-B2AF-8B6C88286779}"/>
+              </a:ext>
+            </a:extLst>
+          </p:cNvPr>
+          <p:cNvSpPr/>
+          <p:nvPr/>
+        </p:nvSpPr>
+        <p:spPr>
+          <a:xfrm>
+            <a:off x="2004783" y="4185095"/>
+            <a:ext cx="654251" cy="806491"/>
+          </a:xfrm>
+          <a:prstGeom prst="rect">
+            <a:avLst/>
+          </a:prstGeom>
+          <a:noFill/>
+          <a:ln>
+            <a:solidFill>
+              <a:srgbClr val="FF0000"/>
+            </a:solidFill>
+          </a:ln>
+        </p:spPr>
+        <p:style>
+          <a:lnRef idx="2">
+            <a:schemeClr val="accent1">
+              <a:shade val="50000"/>
+            </a:schemeClr>
+          </a:lnRef>
+          <a:fillRef idx="1">
+            <a:schemeClr val="accent1"/>
+          </a:fillRef>
+          <a:effectRef idx="0">
+            <a:schemeClr val="accent1"/>
+          </a:effectRef>
+          <a:fontRef idx="minor">
+            <a:schemeClr val="lt1"/>
+          </a:fontRef>
+        </p:style>
+        <p:txBody>
+          <a:bodyPr rtlCol="0" anchor="ctr"/>
+          <a:lstStyle/>
+          <a:p>
+            <a:pPr algn="ctr"/>
+            <a:endParaRPr lang="ko-KR" altLang="en-US" sz="2520"/>
+          </a:p>
+        </p:txBody>
+      </p:sp>
+      <p:sp>
+        <p:nvSpPr>
+          <p:cNvPr id="9" name="직사각형 8">
+            <a:extLst>
+              <a:ext uri="{FF2B5EF4-FFF2-40B4-BE49-F238E27FC236}">
+                <a16:creationId xmlns:a16="http://schemas.microsoft.com/office/drawing/2014/main" id="{BDD95E91-99BF-41C8-8B8D-DF7CFEB9B7A8}"/>
+              </a:ext>
+            </a:extLst>
+          </p:cNvPr>
+          <p:cNvSpPr/>
+          <p:nvPr/>
+        </p:nvSpPr>
+        <p:spPr>
+          <a:xfrm>
+            <a:off x="2498645" y="2521721"/>
+            <a:ext cx="5478714" cy="1008113"/>
+          </a:xfrm>
+          <a:prstGeom prst="rect">
+            <a:avLst/>
+          </a:prstGeom>
+          <a:noFill/>
+          <a:ln>
+            <a:solidFill>
+              <a:srgbClr val="FF0000"/>
+            </a:solidFill>
+          </a:ln>
+        </p:spPr>
+        <p:style>
+          <a:lnRef idx="2">
+            <a:schemeClr val="accent1">
+              <a:shade val="50000"/>
+            </a:schemeClr>
+          </a:lnRef>
+          <a:fillRef idx="1">
+            <a:schemeClr val="accent1"/>
+          </a:fillRef>
+          <a:effectRef idx="0">
+            <a:schemeClr val="accent1"/>
+          </a:effectRef>
+          <a:fontRef idx="minor">
+            <a:schemeClr val="lt1"/>
+          </a:fontRef>
+        </p:style>
+        <p:txBody>
+          <a:bodyPr rtlCol="0" anchor="ctr"/>
+          <a:lstStyle/>
+          <a:p>
+            <a:pPr algn="ctr"/>
+            <a:endParaRPr lang="ko-KR" altLang="en-US" sz="2520"/>
+          </a:p>
+        </p:txBody>
+      </p:sp>
+      <p:sp>
+        <p:nvSpPr>
+          <p:cNvPr id="8" name="직사각형 7">
+            <a:extLst>
+              <a:ext uri="{FF2B5EF4-FFF2-40B4-BE49-F238E27FC236}">
+                <a16:creationId xmlns:a16="http://schemas.microsoft.com/office/drawing/2014/main" id="{D8437C08-6E88-49AF-ABA3-E95052765B6F}"/>
+              </a:ext>
+            </a:extLst>
+          </p:cNvPr>
+          <p:cNvSpPr/>
+          <p:nvPr/>
+        </p:nvSpPr>
+        <p:spPr>
+          <a:xfrm>
+            <a:off x="0" y="0"/>
+            <a:ext cx="3629203" cy="400110"/>
+          </a:xfrm>
+          <a:prstGeom prst="rect">
+            <a:avLst/>
+          </a:prstGeom>
+        </p:spPr>
+        <p:txBody>
+          <a:bodyPr wrap="square">
+            <a:spAutoFit/>
+          </a:bodyPr>
+          <a:lstStyle/>
+          <a:p>
+            <a:r>
+              <a:rPr lang="en-US" altLang="ko-KR" sz="2000" dirty="0">
+                <a:latin typeface="배달의민족 주아" pitchFamily="18" charset="-127"/>
+                <a:ea typeface="배달의민족 주아" pitchFamily="18" charset="-127"/>
+              </a:rPr>
+              <a:t>3. </a:t>
+            </a:r>
+            <a:r>
+              <a:rPr lang="ko-KR" altLang="en-US" sz="2000" dirty="0">
+                <a:latin typeface="배달의민족 주아" pitchFamily="18" charset="-127"/>
+                <a:ea typeface="배달의민족 주아" pitchFamily="18" charset="-127"/>
+              </a:rPr>
+              <a:t>프로그램 설치</a:t>
+            </a:r>
+            <a:endParaRPr lang="ko-KR" altLang="en-US" sz="2000" dirty="0"/>
+          </a:p>
+        </p:txBody>
+      </p:sp>
+      <p:sp>
+        <p:nvSpPr>
+          <p:cNvPr id="10" name="TextBox 9">
+            <a:extLst>
+              <a:ext uri="{FF2B5EF4-FFF2-40B4-BE49-F238E27FC236}">
+                <a16:creationId xmlns:a16="http://schemas.microsoft.com/office/drawing/2014/main" id="{1B33A593-493A-4BEE-83A3-13BB0853F8F5}"/>
+              </a:ext>
+            </a:extLst>
+          </p:cNvPr>
+          <p:cNvSpPr txBox="1"/>
+          <p:nvPr/>
+        </p:nvSpPr>
+        <p:spPr>
+          <a:xfrm>
+            <a:off x="8081913" y="6488668"/>
+            <a:ext cx="1838965" cy="369332"/>
+          </a:xfrm>
+          <a:prstGeom prst="rect">
+            <a:avLst/>
+          </a:prstGeom>
+          <a:noFill/>
+        </p:spPr>
+        <p:txBody>
+          <a:bodyPr wrap="none" rtlCol="0">
+            <a:spAutoFit/>
+          </a:bodyPr>
+          <a:lstStyle/>
+          <a:p>
+            <a:r>
+              <a:rPr lang="en-US" altLang="ko-KR" sz="1800" dirty="0">
+                <a:solidFill>
+                  <a:schemeClr val="accent5"/>
+                </a:solidFill>
+                <a:latin typeface="배달의민족 도현" pitchFamily="50" charset="-127"/>
+                <a:ea typeface="배달의민족 도현" pitchFamily="50" charset="-127"/>
+              </a:rPr>
+              <a:t>S</a:t>
+            </a:r>
+            <a:r>
+              <a:rPr lang="en-US" altLang="ko-KR" sz="1800" dirty="0">
+                <a:latin typeface="배달의민족 도현" pitchFamily="50" charset="-127"/>
+                <a:ea typeface="배달의민족 도현" pitchFamily="50" charset="-127"/>
+              </a:rPr>
+              <a:t>TART</a:t>
+            </a:r>
+            <a:r>
+              <a:rPr lang="en-US" altLang="ko-KR" sz="1800" dirty="0">
+                <a:solidFill>
+                  <a:schemeClr val="accent5"/>
+                </a:solidFill>
+                <a:latin typeface="배달의민족 도현" pitchFamily="50" charset="-127"/>
+                <a:ea typeface="배달의민족 도현" pitchFamily="50" charset="-127"/>
+              </a:rPr>
+              <a:t>C</a:t>
+            </a:r>
+            <a:r>
+              <a:rPr lang="en-US" altLang="ko-KR" sz="1800" dirty="0">
+                <a:latin typeface="배달의민족 도현" pitchFamily="50" charset="-127"/>
+                <a:ea typeface="배달의민족 도현" pitchFamily="50" charset="-127"/>
+              </a:rPr>
+              <a:t>ODING</a:t>
+            </a:r>
+            <a:endParaRPr lang="ko-KR" altLang="en-US" sz="1800" dirty="0">
+              <a:latin typeface="배달의민족 도현" pitchFamily="50" charset="-127"/>
+              <a:ea typeface="배달의민족 도현" pitchFamily="50" charset="-127"/>
+            </a:endParaRPr>
+          </a:p>
+        </p:txBody>
+      </p:sp>
+    </p:spTree>
+    <p:extLst>
+      <p:ext uri="{BB962C8B-B14F-4D97-AF65-F5344CB8AC3E}">
+        <p14:creationId xmlns:p14="http://schemas.microsoft.com/office/powerpoint/2010/main" val="1185587021"/>
+      </p:ext>
+    </p:extLst>
+  </p:cSld>
+  <p:clrMapOvr>
+    <a:masterClrMapping/>
+  </p:clrMapOvr>
+</p:sld>
+</file>
+
+<file path=ppt/slides/slide25.xml><?xml version="1.0" encoding="utf-8"?>
+<p:sld xmlns:a="http://schemas.openxmlformats.org/drawingml/2006/main" xmlns:r="http://schemas.openxmlformats.org/officeDocument/2006/relationships" xmlns:p="http://schemas.openxmlformats.org/presentationml/2006/main">
+  <p:cSld>
+    <p:spTree>
+      <p:nvGrpSpPr>
+        <p:cNvPr id="1" name=""/>
+        <p:cNvGrpSpPr/>
+        <p:nvPr/>
+      </p:nvGrpSpPr>
+      <p:grpSpPr>
+        <a:xfrm>
+          <a:off x="0" y="0"/>
+          <a:ext cx="0" cy="0"/>
+          <a:chOff x="0" y="0"/>
+          <a:chExt cx="0" cy="0"/>
+        </a:xfrm>
+      </p:grpSpPr>
+      <p:sp>
+        <p:nvSpPr>
+          <p:cNvPr id="5" name="제목 1"/>
+          <p:cNvSpPr txBox="1">
+            <a:spLocks/>
+          </p:cNvSpPr>
+          <p:nvPr/>
+        </p:nvSpPr>
+        <p:spPr>
+          <a:xfrm>
+            <a:off x="-519608" y="1715218"/>
+            <a:ext cx="10881361" cy="2058036"/>
+          </a:xfrm>
+          <a:prstGeom prst="rect">
+            <a:avLst/>
+          </a:prstGeom>
+        </p:spPr>
+        <p:txBody>
+          <a:bodyPr vert="horz" lIns="128017" tIns="64008" rIns="128017" bIns="64008" rtlCol="0" anchor="ctr">
+            <a:normAutofit/>
+          </a:bodyPr>
+          <a:lstStyle>
+            <a:lvl1pPr algn="ctr" defTabSz="914400" rtl="0" eaLnBrk="1" latinLnBrk="1" hangingPunct="1">
+              <a:spcBef>
+                <a:spcPct val="0"/>
+              </a:spcBef>
+              <a:buNone/>
+              <a:defRPr sz="4400" kern="1200">
+                <a:solidFill>
+                  <a:schemeClr val="tx1"/>
+                </a:solidFill>
+                <a:latin typeface="+mj-lt"/>
+                <a:ea typeface="+mj-ea"/>
+                <a:cs typeface="+mj-cs"/>
+              </a:defRPr>
+            </a:lvl1pPr>
+          </a:lstStyle>
+          <a:p>
+            <a:r>
+              <a:rPr lang="ko-KR" altLang="en-US" dirty="0">
+                <a:latin typeface="배달의민족 주아" pitchFamily="18" charset="-127"/>
+                <a:ea typeface="배달의민족 주아" pitchFamily="18" charset="-127"/>
+              </a:rPr>
+              <a:t>감사합니다</a:t>
+            </a:r>
+          </a:p>
+        </p:txBody>
+      </p:sp>
+      <p:sp>
+        <p:nvSpPr>
+          <p:cNvPr id="4" name="직사각형 3"/>
+          <p:cNvSpPr/>
+          <p:nvPr/>
+        </p:nvSpPr>
+        <p:spPr>
+          <a:xfrm>
+            <a:off x="2764740" y="5949280"/>
+            <a:ext cx="4376519" cy="480131"/>
+          </a:xfrm>
+          <a:prstGeom prst="rect">
+            <a:avLst/>
+          </a:prstGeom>
+        </p:spPr>
+        <p:txBody>
+          <a:bodyPr wrap="none">
+            <a:spAutoFit/>
+          </a:bodyPr>
+          <a:lstStyle/>
+          <a:p>
+            <a:r>
+              <a:rPr lang="en-US" altLang="ko-KR" sz="2520" i="1" dirty="0">
+                <a:latin typeface="Adobe Ming Std L" pitchFamily="18" charset="-128"/>
+                <a:ea typeface="Adobe Ming Std L" pitchFamily="18" charset="-128"/>
+              </a:rPr>
+              <a:t>design icon from flaticon.com</a:t>
+            </a:r>
+            <a:endParaRPr lang="ko-KR" altLang="en-US" sz="2520" i="1" dirty="0">
+              <a:latin typeface="Adobe Ming Std L" pitchFamily="18" charset="-128"/>
+            </a:endParaRPr>
+          </a:p>
+        </p:txBody>
+      </p:sp>
+      <p:sp>
+        <p:nvSpPr>
+          <p:cNvPr id="6" name="TextBox 5">
+            <a:extLst>
+              <a:ext uri="{FF2B5EF4-FFF2-40B4-BE49-F238E27FC236}">
+                <a16:creationId xmlns:a16="http://schemas.microsoft.com/office/drawing/2014/main" id="{673CCE70-52FD-43E0-B567-3018047871A3}"/>
+              </a:ext>
+            </a:extLst>
+          </p:cNvPr>
+          <p:cNvSpPr txBox="1"/>
+          <p:nvPr/>
+        </p:nvSpPr>
+        <p:spPr>
+          <a:xfrm>
+            <a:off x="8081913" y="6488668"/>
+            <a:ext cx="1838965" cy="369332"/>
+          </a:xfrm>
+          <a:prstGeom prst="rect">
+            <a:avLst/>
+          </a:prstGeom>
+          <a:noFill/>
+        </p:spPr>
+        <p:txBody>
+          <a:bodyPr wrap="none" rtlCol="0">
+            <a:spAutoFit/>
+          </a:bodyPr>
+          <a:lstStyle/>
+          <a:p>
+            <a:r>
+              <a:rPr lang="en-US" altLang="ko-KR" sz="1800" dirty="0">
+                <a:solidFill>
+                  <a:schemeClr val="accent5"/>
+                </a:solidFill>
+                <a:latin typeface="배달의민족 도현" pitchFamily="50" charset="-127"/>
+                <a:ea typeface="배달의민족 도현" pitchFamily="50" charset="-127"/>
+              </a:rPr>
+              <a:t>S</a:t>
+            </a:r>
+            <a:r>
+              <a:rPr lang="en-US" altLang="ko-KR" sz="1800" dirty="0">
+                <a:latin typeface="배달의민족 도현" pitchFamily="50" charset="-127"/>
+                <a:ea typeface="배달의민족 도현" pitchFamily="50" charset="-127"/>
+              </a:rPr>
+              <a:t>TART</a:t>
+            </a:r>
+            <a:r>
+              <a:rPr lang="en-US" altLang="ko-KR" sz="1800" dirty="0">
+                <a:solidFill>
+                  <a:schemeClr val="accent5"/>
+                </a:solidFill>
+                <a:latin typeface="배달의민족 도현" pitchFamily="50" charset="-127"/>
+                <a:ea typeface="배달의민족 도현" pitchFamily="50" charset="-127"/>
+              </a:rPr>
+              <a:t>C</a:t>
+            </a:r>
+            <a:r>
+              <a:rPr lang="en-US" altLang="ko-KR" sz="1800" dirty="0">
+                <a:latin typeface="배달의민족 도현" pitchFamily="50" charset="-127"/>
+                <a:ea typeface="배달의민족 도현" pitchFamily="50" charset="-127"/>
+              </a:rPr>
+              <a:t>ODING</a:t>
+            </a:r>
+            <a:endParaRPr lang="ko-KR" altLang="en-US" sz="1800" dirty="0">
+              <a:latin typeface="배달의민족 도현" pitchFamily="50" charset="-127"/>
+              <a:ea typeface="배달의민족 도현" pitchFamily="50" charset="-127"/>
+            </a:endParaRPr>
+          </a:p>
+        </p:txBody>
+      </p:sp>
+    </p:spTree>
+    <p:extLst>
+      <p:ext uri="{BB962C8B-B14F-4D97-AF65-F5344CB8AC3E}">
+        <p14:creationId xmlns:p14="http://schemas.microsoft.com/office/powerpoint/2010/main" val="984902709"/>
       </p:ext>
     </p:extLst>
   </p:cSld>
